--- a/doc/presentation/presentation.pptx
+++ b/doc/presentation/presentation.pptx
@@ -5,7 +5,7 @@
     <p:sldMasterId id="2147483648" r:id="rId4"/>
   </p:sldMasterIdLst>
   <p:handoutMasterIdLst>
-    <p:handoutMasterId r:id="rId21"/>
+    <p:handoutMasterId r:id="rId24"/>
   </p:handoutMasterIdLst>
   <p:sldIdLst>
     <p:sldId id="256" r:id="rId5"/>
@@ -19,11 +19,14 @@
     <p:sldId id="263" r:id="rId13"/>
     <p:sldId id="269" r:id="rId14"/>
     <p:sldId id="264" r:id="rId15"/>
-    <p:sldId id="273" r:id="rId16"/>
-    <p:sldId id="270" r:id="rId17"/>
-    <p:sldId id="271" r:id="rId18"/>
-    <p:sldId id="272" r:id="rId19"/>
-    <p:sldId id="260" r:id="rId20"/>
+    <p:sldId id="276" r:id="rId16"/>
+    <p:sldId id="275" r:id="rId17"/>
+    <p:sldId id="273" r:id="rId18"/>
+    <p:sldId id="270" r:id="rId19"/>
+    <p:sldId id="274" r:id="rId20"/>
+    <p:sldId id="271" r:id="rId21"/>
+    <p:sldId id="272" r:id="rId22"/>
+    <p:sldId id="260" r:id="rId23"/>
   </p:sldIdLst>
   <p:sldSz cx="9144000" cy="6858000" type="screen4x3"/>
   <p:notesSz cx="6858000" cy="9144000"/>
@@ -1855,6 +1858,13 @@
   <p:clrMapOvr>
     <a:masterClrMapping/>
   </p:clrMapOvr>
+  <p:timing>
+    <p:tnLst>
+      <p:par>
+        <p:cTn xmlns:p14="http://schemas.microsoft.com/office/powerpoint/2010/main" id="1" dur="indefinite" restart="never" nodeType="tmRoot"/>
+      </p:par>
+    </p:tnLst>
+  </p:timing>
 </p:sld>
 </file>
 
@@ -1942,6 +1952,13 @@
   <p:clrMapOvr>
     <a:masterClrMapping/>
   </p:clrMapOvr>
+  <p:timing>
+    <p:tnLst>
+      <p:par>
+        <p:cTn xmlns:p14="http://schemas.microsoft.com/office/powerpoint/2010/main" id="1" dur="indefinite" restart="never" nodeType="tmRoot"/>
+      </p:par>
+    </p:tnLst>
+  </p:timing>
 </p:sld>
 </file>
 
@@ -1995,6 +2012,13 @@
   <p:clrMapOvr>
     <a:masterClrMapping/>
   </p:clrMapOvr>
+  <p:timing>
+    <p:tnLst>
+      <p:par>
+        <p:cTn xmlns:p14="http://schemas.microsoft.com/office/powerpoint/2010/main" id="1" dur="indefinite" restart="never" nodeType="tmRoot"/>
+      </p:par>
+    </p:tnLst>
+  </p:timing>
 </p:sld>
 </file>
 
@@ -2015,32 +2039,9 @@
           <a:chExt cx="0" cy="0"/>
         </a:xfrm>
       </p:grpSpPr>
-      <p:sp>
-        <p:nvSpPr>
-          <p:cNvPr id="2" name="Titel 1"/>
-          <p:cNvSpPr>
-            <a:spLocks noGrp="1"/>
-          </p:cNvSpPr>
-          <p:nvPr>
-            <p:ph type="title"/>
-          </p:nvPr>
-        </p:nvSpPr>
-        <p:spPr/>
-        <p:txBody>
-          <a:bodyPr/>
-          <a:lstStyle/>
-          <a:p>
-            <a:r>
-              <a:rPr lang="de-DE" dirty="0" err="1" smtClean="0"/>
-              <a:t>Overview</a:t>
-            </a:r>
-            <a:endParaRPr lang="de-DE" dirty="0"/>
-          </a:p>
-        </p:txBody>
-      </p:sp>
       <p:pic>
         <p:nvPicPr>
-          <p:cNvPr id="5" name="Bild 4" descr="Screen Shot 2013-01-15 at 10.25.45 AM.png"/>
+          <p:cNvPr id="9" name="Bild 8" descr="Screen Shot 2013-01-15 at 10.38.34 AM.png"/>
           <p:cNvPicPr>
             <a:picLocks noChangeAspect="1"/>
           </p:cNvPicPr>
@@ -2060,24 +2061,54 @@
         </p:blipFill>
         <p:spPr>
           <a:xfrm>
-            <a:off x="1578379" y="1657167"/>
-            <a:ext cx="6186882" cy="4671063"/>
+            <a:off x="1738872" y="1800485"/>
+            <a:ext cx="5890006" cy="4378412"/>
           </a:xfrm>
           <a:prstGeom prst="rect">
             <a:avLst/>
           </a:prstGeom>
         </p:spPr>
       </p:pic>
+      <p:sp>
+        <p:nvSpPr>
+          <p:cNvPr id="2" name="Titel 1"/>
+          <p:cNvSpPr>
+            <a:spLocks noGrp="1"/>
+          </p:cNvSpPr>
+          <p:nvPr>
+            <p:ph type="title"/>
+          </p:nvPr>
+        </p:nvSpPr>
+        <p:spPr/>
+        <p:txBody>
+          <a:bodyPr/>
+          <a:lstStyle/>
+          <a:p>
+            <a:r>
+              <a:rPr lang="de-DE" dirty="0" err="1" smtClean="0"/>
+              <a:t>Overview</a:t>
+            </a:r>
+            <a:endParaRPr lang="de-DE" dirty="0"/>
+          </a:p>
+        </p:txBody>
+      </p:sp>
     </p:spTree>
     <p:extLst>
       <p:ext uri="{BB962C8B-B14F-4D97-AF65-F5344CB8AC3E}">
-        <p14:creationId xmlns:p14="http://schemas.microsoft.com/office/powerpoint/2010/main" val="1974884055"/>
+        <p14:creationId xmlns:p14="http://schemas.microsoft.com/office/powerpoint/2010/main" val="3828551210"/>
       </p:ext>
     </p:extLst>
   </p:cSld>
   <p:clrMapOvr>
     <a:masterClrMapping/>
   </p:clrMapOvr>
+  <p:timing>
+    <p:tnLst>
+      <p:par>
+        <p:cTn xmlns:p14="http://schemas.microsoft.com/office/powerpoint/2010/main" id="1" dur="indefinite" restart="never" nodeType="tmRoot"/>
+      </p:par>
+    </p:tnLst>
+  </p:timing>
 </p:sld>
 </file>
 
@@ -2098,9 +2129,39 @@
           <a:chExt cx="0" cy="0"/>
         </a:xfrm>
       </p:grpSpPr>
+      <p:pic>
+        <p:nvPicPr>
+          <p:cNvPr id="10" name="Bild 9" descr="Screen Shot 2013-01-15 at 10.38.34 AM.png"/>
+          <p:cNvPicPr>
+            <a:picLocks noChangeAspect="1"/>
+          </p:cNvPicPr>
+          <p:nvPr/>
+        </p:nvPicPr>
+        <p:blipFill>
+          <a:blip r:embed="rId2">
+            <a:extLst>
+              <a:ext uri="{28A0092B-C50C-407E-A947-70E740481C1C}">
+                <a14:useLocalDpi xmlns:a14="http://schemas.microsoft.com/office/drawing/2010/main" val="0"/>
+              </a:ext>
+            </a:extLst>
+          </a:blip>
+          <a:stretch>
+            <a:fillRect/>
+          </a:stretch>
+        </p:blipFill>
+        <p:spPr>
+          <a:xfrm>
+            <a:off x="1738872" y="1800485"/>
+            <a:ext cx="5890006" cy="4378412"/>
+          </a:xfrm>
+          <a:prstGeom prst="rect">
+            <a:avLst/>
+          </a:prstGeom>
+        </p:spPr>
+      </p:pic>
       <p:sp>
         <p:nvSpPr>
-          <p:cNvPr id="6" name="Titel 5"/>
+          <p:cNvPr id="2" name="Titel 1"/>
           <p:cNvSpPr>
             <a:spLocks noGrp="1"/>
           </p:cNvSpPr>
@@ -2114,34 +2175,139 @@
           <a:lstStyle/>
           <a:p>
             <a:r>
-              <a:rPr lang="de-DE" dirty="0" smtClean="0"/>
-              <a:t>System design</a:t>
-            </a:r>
-            <a:br>
-              <a:rPr lang="de-DE" dirty="0" smtClean="0"/>
-            </a:br>
-            <a:r>
-              <a:rPr lang="de-DE" b="0" dirty="0" smtClean="0"/>
-              <a:t>Model / </a:t>
-            </a:r>
-            <a:r>
-              <a:rPr lang="de-DE" b="0" dirty="0" err="1" smtClean="0"/>
-              <a:t>Persistence</a:t>
+              <a:rPr lang="de-DE" dirty="0" err="1" smtClean="0"/>
+              <a:t>Overview</a:t>
             </a:r>
             <a:endParaRPr lang="de-DE" dirty="0"/>
+          </a:p>
+        </p:txBody>
+      </p:sp>
+      <p:sp>
+        <p:nvSpPr>
+          <p:cNvPr id="3" name="Rechteck 2"/>
+          <p:cNvSpPr/>
+          <p:nvPr/>
+        </p:nvSpPr>
+        <p:spPr>
+          <a:xfrm>
+            <a:off x="187527" y="1639696"/>
+            <a:ext cx="3307268" cy="2369880"/>
+          </a:xfrm>
+          <a:prstGeom prst="rect">
+            <a:avLst/>
+          </a:prstGeom>
+          <a:solidFill>
+            <a:schemeClr val="accent1">
+              <a:alpha val="9000"/>
+            </a:schemeClr>
+          </a:solidFill>
+        </p:spPr>
+        <p:style>
+          <a:lnRef idx="2">
+            <a:schemeClr val="accent1">
+              <a:shade val="50000"/>
+            </a:schemeClr>
+          </a:lnRef>
+          <a:fillRef idx="1">
+            <a:schemeClr val="accent1"/>
+          </a:fillRef>
+          <a:effectRef idx="0">
+            <a:schemeClr val="accent1"/>
+          </a:effectRef>
+          <a:fontRef idx="minor">
+            <a:schemeClr val="lt1"/>
+          </a:fontRef>
+        </p:style>
+        <p:txBody>
+          <a:bodyPr rtlCol="0" anchor="ctr"/>
+          <a:lstStyle/>
+          <a:p>
+            <a:pPr algn="ctr"/>
+            <a:endParaRPr lang="de-DE"/>
+          </a:p>
+        </p:txBody>
+      </p:sp>
+      <p:sp>
+        <p:nvSpPr>
+          <p:cNvPr id="9" name="Textfeld 8"/>
+          <p:cNvSpPr txBox="1"/>
+          <p:nvPr/>
+        </p:nvSpPr>
+        <p:spPr>
+          <a:xfrm>
+            <a:off x="332431" y="2420947"/>
+            <a:ext cx="2051956" cy="707886"/>
+          </a:xfrm>
+          <a:prstGeom prst="rect">
+            <a:avLst/>
+          </a:prstGeom>
+          <a:noFill/>
+        </p:spPr>
+        <p:txBody>
+          <a:bodyPr wrap="square" rtlCol="0">
+            <a:spAutoFit/>
+          </a:bodyPr>
+          <a:lstStyle/>
+          <a:p>
+            <a:pPr marL="342900" indent="-342900">
+              <a:buFontTx/>
+              <a:buChar char="-"/>
+            </a:pPr>
+            <a:r>
+              <a:rPr lang="de-DE" sz="2000" dirty="0" smtClean="0">
+                <a:latin typeface="Arial"/>
+                <a:cs typeface="Arial"/>
+              </a:rPr>
+              <a:t>Main </a:t>
+            </a:r>
+            <a:r>
+              <a:rPr lang="de-DE" sz="2000" dirty="0" err="1" smtClean="0">
+                <a:latin typeface="Arial"/>
+                <a:cs typeface="Arial"/>
+              </a:rPr>
+              <a:t>class</a:t>
+            </a:r>
+            <a:endParaRPr lang="de-DE" sz="2000" dirty="0" smtClean="0">
+              <a:latin typeface="Arial"/>
+              <a:cs typeface="Arial"/>
+            </a:endParaRPr>
+          </a:p>
+          <a:p>
+            <a:pPr marL="342900" indent="-342900">
+              <a:buFontTx/>
+              <a:buChar char="-"/>
+            </a:pPr>
+            <a:r>
+              <a:rPr lang="de-DE" sz="2000" dirty="0" smtClean="0">
+                <a:latin typeface="Arial"/>
+                <a:cs typeface="Arial"/>
+              </a:rPr>
+              <a:t>Natives</a:t>
+            </a:r>
+            <a:endParaRPr lang="de-DE" sz="2000" dirty="0">
+              <a:latin typeface="Arial"/>
+              <a:cs typeface="Arial"/>
+            </a:endParaRPr>
           </a:p>
         </p:txBody>
       </p:sp>
     </p:spTree>
     <p:extLst>
       <p:ext uri="{BB962C8B-B14F-4D97-AF65-F5344CB8AC3E}">
-        <p14:creationId xmlns:p14="http://schemas.microsoft.com/office/powerpoint/2010/main" val="132038508"/>
+        <p14:creationId xmlns:p14="http://schemas.microsoft.com/office/powerpoint/2010/main" val="3840796483"/>
       </p:ext>
     </p:extLst>
   </p:cSld>
   <p:clrMapOvr>
     <a:masterClrMapping/>
   </p:clrMapOvr>
+  <p:timing>
+    <p:tnLst>
+      <p:par>
+        <p:cTn xmlns:p14="http://schemas.microsoft.com/office/powerpoint/2010/main" id="1" dur="indefinite" restart="never" nodeType="tmRoot"/>
+      </p:par>
+    </p:tnLst>
+  </p:timing>
 </p:sld>
 </file>
 
@@ -2162,9 +2328,39 @@
           <a:chExt cx="0" cy="0"/>
         </a:xfrm>
       </p:grpSpPr>
+      <p:pic>
+        <p:nvPicPr>
+          <p:cNvPr id="9" name="Bild 8" descr="Screen Shot 2013-01-15 at 10.38.34 AM.png"/>
+          <p:cNvPicPr>
+            <a:picLocks noChangeAspect="1"/>
+          </p:cNvPicPr>
+          <p:nvPr/>
+        </p:nvPicPr>
+        <p:blipFill>
+          <a:blip r:embed="rId2">
+            <a:extLst>
+              <a:ext uri="{28A0092B-C50C-407E-A947-70E740481C1C}">
+                <a14:useLocalDpi xmlns:a14="http://schemas.microsoft.com/office/drawing/2010/main" val="0"/>
+              </a:ext>
+            </a:extLst>
+          </a:blip>
+          <a:stretch>
+            <a:fillRect/>
+          </a:stretch>
+        </p:blipFill>
+        <p:spPr>
+          <a:xfrm>
+            <a:off x="1738872" y="1800485"/>
+            <a:ext cx="5890006" cy="4378412"/>
+          </a:xfrm>
+          <a:prstGeom prst="rect">
+            <a:avLst/>
+          </a:prstGeom>
+        </p:spPr>
+      </p:pic>
       <p:sp>
         <p:nvSpPr>
-          <p:cNvPr id="6" name="Titel 5"/>
+          <p:cNvPr id="2" name="Titel 1"/>
           <p:cNvSpPr>
             <a:spLocks noGrp="1"/>
           </p:cNvSpPr>
@@ -2178,30 +2374,150 @@
           <a:lstStyle/>
           <a:p>
             <a:r>
-              <a:rPr lang="de-DE" dirty="0" smtClean="0"/>
-              <a:t>System design</a:t>
-            </a:r>
-            <a:br>
-              <a:rPr lang="de-DE" dirty="0" smtClean="0"/>
-            </a:br>
-            <a:r>
-              <a:rPr lang="de-DE" b="0" dirty="0" err="1" smtClean="0"/>
-              <a:t>Presentation</a:t>
+              <a:rPr lang="de-DE" dirty="0" err="1" smtClean="0"/>
+              <a:t>Overview</a:t>
             </a:r>
             <a:endParaRPr lang="de-DE" dirty="0"/>
+          </a:p>
+        </p:txBody>
+      </p:sp>
+      <p:sp>
+        <p:nvSpPr>
+          <p:cNvPr id="7" name="L-Form 6"/>
+          <p:cNvSpPr/>
+          <p:nvPr/>
+        </p:nvSpPr>
+        <p:spPr>
+          <a:xfrm rot="10800000" flipV="1">
+            <a:off x="4986474" y="3076885"/>
+            <a:ext cx="3162362" cy="3251346"/>
+          </a:xfrm>
+          <a:prstGeom prst="corner">
+            <a:avLst>
+              <a:gd name="adj1" fmla="val 44195"/>
+              <a:gd name="adj2" fmla="val 69511"/>
+            </a:avLst>
+          </a:prstGeom>
+          <a:solidFill>
+            <a:schemeClr val="accent2">
+              <a:alpha val="41000"/>
+            </a:schemeClr>
+          </a:solidFill>
+        </p:spPr>
+        <p:style>
+          <a:lnRef idx="2">
+            <a:schemeClr val="accent2">
+              <a:shade val="50000"/>
+            </a:schemeClr>
+          </a:lnRef>
+          <a:fillRef idx="1">
+            <a:schemeClr val="accent2"/>
+          </a:fillRef>
+          <a:effectRef idx="0">
+            <a:schemeClr val="accent2"/>
+          </a:effectRef>
+          <a:fontRef idx="minor">
+            <a:schemeClr val="lt1"/>
+          </a:fontRef>
+        </p:style>
+        <p:txBody>
+          <a:bodyPr rtlCol="0" anchor="ctr"/>
+          <a:lstStyle/>
+          <a:p>
+            <a:pPr algn="ctr"/>
+            <a:endParaRPr lang="de-DE" dirty="0"/>
+          </a:p>
+        </p:txBody>
+      </p:sp>
+      <p:sp>
+        <p:nvSpPr>
+          <p:cNvPr id="8" name="Textfeld 7"/>
+          <p:cNvSpPr txBox="1"/>
+          <p:nvPr/>
+        </p:nvSpPr>
+        <p:spPr>
+          <a:xfrm>
+            <a:off x="6350296" y="4304228"/>
+            <a:ext cx="2173592" cy="461665"/>
+          </a:xfrm>
+          <a:prstGeom prst="rect">
+            <a:avLst/>
+          </a:prstGeom>
+          <a:noFill/>
+        </p:spPr>
+        <p:txBody>
+          <a:bodyPr wrap="square" rtlCol="0">
+            <a:spAutoFit/>
+          </a:bodyPr>
+          <a:lstStyle/>
+          <a:p>
+            <a:r>
+              <a:rPr lang="de-DE" sz="2400" b="1" dirty="0" err="1" smtClean="0">
+                <a:solidFill>
+                  <a:srgbClr val="920101"/>
+                </a:solidFill>
+                <a:latin typeface="Arial"/>
+                <a:cs typeface="Arial"/>
+              </a:rPr>
+              <a:t>No</a:t>
+            </a:r>
+            <a:r>
+              <a:rPr lang="de-DE" sz="2400" b="1" dirty="0" smtClean="0">
+                <a:solidFill>
+                  <a:srgbClr val="920101"/>
+                </a:solidFill>
+                <a:latin typeface="Arial"/>
+                <a:cs typeface="Arial"/>
+              </a:rPr>
+              <a:t> </a:t>
+            </a:r>
+            <a:r>
+              <a:rPr lang="de-DE" sz="2400" b="1" dirty="0" err="1" smtClean="0">
+                <a:solidFill>
+                  <a:srgbClr val="920101"/>
+                </a:solidFill>
+                <a:latin typeface="Arial"/>
+                <a:cs typeface="Arial"/>
+              </a:rPr>
+              <a:t>libgdx</a:t>
+            </a:r>
+            <a:r>
+              <a:rPr lang="de-DE" sz="2400" b="1" dirty="0" smtClean="0">
+                <a:solidFill>
+                  <a:srgbClr val="920101"/>
+                </a:solidFill>
+                <a:latin typeface="Arial"/>
+                <a:cs typeface="Arial"/>
+              </a:rPr>
+              <a:t>!</a:t>
+            </a:r>
+            <a:endParaRPr lang="de-DE" sz="2400" b="1" dirty="0">
+              <a:solidFill>
+                <a:srgbClr val="920101"/>
+              </a:solidFill>
+              <a:latin typeface="Arial"/>
+              <a:cs typeface="Arial"/>
+            </a:endParaRPr>
           </a:p>
         </p:txBody>
       </p:sp>
     </p:spTree>
     <p:extLst>
       <p:ext uri="{BB962C8B-B14F-4D97-AF65-F5344CB8AC3E}">
-        <p14:creationId xmlns:p14="http://schemas.microsoft.com/office/powerpoint/2010/main" val="1776917456"/>
+        <p14:creationId xmlns:p14="http://schemas.microsoft.com/office/powerpoint/2010/main" val="1974884055"/>
       </p:ext>
     </p:extLst>
   </p:cSld>
   <p:clrMapOvr>
     <a:masterClrMapping/>
   </p:clrMapOvr>
+  <p:timing>
+    <p:tnLst>
+      <p:par>
+        <p:cTn xmlns:p14="http://schemas.microsoft.com/office/powerpoint/2010/main" id="1" dur="indefinite" restart="never" nodeType="tmRoot"/>
+      </p:par>
+    </p:tnLst>
+  </p:timing>
 </p:sld>
 </file>
 
@@ -2245,8 +2561,173 @@
               <a:rPr lang="de-DE" dirty="0" smtClean="0"/>
             </a:br>
             <a:r>
+              <a:rPr lang="de-DE" b="0" dirty="0" smtClean="0"/>
+              <a:t>Model / </a:t>
+            </a:r>
+            <a:r>
               <a:rPr lang="de-DE" b="0" dirty="0" err="1" smtClean="0"/>
-              <a:t>Logic</a:t>
+              <a:t>Persistence</a:t>
+            </a:r>
+            <a:endParaRPr lang="de-DE" dirty="0"/>
+          </a:p>
+        </p:txBody>
+      </p:sp>
+    </p:spTree>
+    <p:extLst>
+      <p:ext uri="{BB962C8B-B14F-4D97-AF65-F5344CB8AC3E}">
+        <p14:creationId xmlns:p14="http://schemas.microsoft.com/office/powerpoint/2010/main" val="132038508"/>
+      </p:ext>
+    </p:extLst>
+  </p:cSld>
+  <p:clrMapOvr>
+    <a:masterClrMapping/>
+  </p:clrMapOvr>
+  <p:timing>
+    <p:tnLst>
+      <p:par>
+        <p:cTn xmlns:p14="http://schemas.microsoft.com/office/powerpoint/2010/main" id="1" dur="indefinite" restart="never" nodeType="tmRoot"/>
+      </p:par>
+    </p:tnLst>
+  </p:timing>
+</p:sld>
+</file>
+
+<file path=ppt/slides/slide16.xml><?xml version="1.0" encoding="utf-8"?>
+<p:sld xmlns:a="http://schemas.openxmlformats.org/drawingml/2006/main" xmlns:r="http://schemas.openxmlformats.org/officeDocument/2006/relationships" xmlns:p="http://schemas.openxmlformats.org/presentationml/2006/main">
+  <p:cSld>
+    <p:spTree>
+      <p:nvGrpSpPr>
+        <p:cNvPr id="1" name=""/>
+        <p:cNvGrpSpPr/>
+        <p:nvPr/>
+      </p:nvGrpSpPr>
+      <p:grpSpPr>
+        <a:xfrm>
+          <a:off x="0" y="0"/>
+          <a:ext cx="0" cy="0"/>
+          <a:chOff x="0" y="0"/>
+          <a:chExt cx="0" cy="0"/>
+        </a:xfrm>
+      </p:grpSpPr>
+      <p:sp>
+        <p:nvSpPr>
+          <p:cNvPr id="3" name="Titel 2"/>
+          <p:cNvSpPr>
+            <a:spLocks noGrp="1"/>
+          </p:cNvSpPr>
+          <p:nvPr>
+            <p:ph type="title"/>
+          </p:nvPr>
+        </p:nvSpPr>
+        <p:spPr/>
+        <p:txBody>
+          <a:bodyPr/>
+          <a:lstStyle/>
+          <a:p>
+            <a:r>
+              <a:rPr lang="de-DE" dirty="0" smtClean="0"/>
+              <a:t>Domain </a:t>
+            </a:r>
+            <a:r>
+              <a:rPr lang="de-DE" dirty="0" err="1" smtClean="0"/>
+              <a:t>model</a:t>
+            </a:r>
+            <a:endParaRPr lang="de-DE" dirty="0"/>
+          </a:p>
+        </p:txBody>
+      </p:sp>
+      <p:pic>
+        <p:nvPicPr>
+          <p:cNvPr id="6" name="Bild 5" descr="Screen Shot 2013-01-15 at 10.06.44 AM.png"/>
+          <p:cNvPicPr>
+            <a:picLocks noChangeAspect="1"/>
+          </p:cNvPicPr>
+          <p:nvPr/>
+        </p:nvPicPr>
+        <p:blipFill>
+          <a:blip r:embed="rId2">
+            <a:extLst>
+              <a:ext uri="{28A0092B-C50C-407E-A947-70E740481C1C}">
+                <a14:useLocalDpi xmlns:a14="http://schemas.microsoft.com/office/drawing/2010/main" val="0"/>
+              </a:ext>
+            </a:extLst>
+          </a:blip>
+          <a:stretch>
+            <a:fillRect/>
+          </a:stretch>
+        </p:blipFill>
+        <p:spPr>
+          <a:xfrm>
+            <a:off x="1800000" y="1725353"/>
+            <a:ext cx="6288498" cy="4542396"/>
+          </a:xfrm>
+          <a:prstGeom prst="rect">
+            <a:avLst/>
+          </a:prstGeom>
+        </p:spPr>
+      </p:pic>
+    </p:spTree>
+    <p:extLst>
+      <p:ext uri="{BB962C8B-B14F-4D97-AF65-F5344CB8AC3E}">
+        <p14:creationId xmlns:p14="http://schemas.microsoft.com/office/powerpoint/2010/main" val="3293685864"/>
+      </p:ext>
+    </p:extLst>
+  </p:cSld>
+  <p:clrMapOvr>
+    <a:masterClrMapping/>
+  </p:clrMapOvr>
+  <p:timing>
+    <p:tnLst>
+      <p:par>
+        <p:cTn xmlns:p14="http://schemas.microsoft.com/office/powerpoint/2010/main" id="1" dur="indefinite" restart="never" nodeType="tmRoot"/>
+      </p:par>
+    </p:tnLst>
+  </p:timing>
+</p:sld>
+</file>
+
+<file path=ppt/slides/slide17.xml><?xml version="1.0" encoding="utf-8"?>
+<p:sld xmlns:a="http://schemas.openxmlformats.org/drawingml/2006/main" xmlns:r="http://schemas.openxmlformats.org/officeDocument/2006/relationships" xmlns:p="http://schemas.openxmlformats.org/presentationml/2006/main">
+  <p:cSld>
+    <p:spTree>
+      <p:nvGrpSpPr>
+        <p:cNvPr id="1" name=""/>
+        <p:cNvGrpSpPr/>
+        <p:nvPr/>
+      </p:nvGrpSpPr>
+      <p:grpSpPr>
+        <a:xfrm>
+          <a:off x="0" y="0"/>
+          <a:ext cx="0" cy="0"/>
+          <a:chOff x="0" y="0"/>
+          <a:chExt cx="0" cy="0"/>
+        </a:xfrm>
+      </p:grpSpPr>
+      <p:sp>
+        <p:nvSpPr>
+          <p:cNvPr id="6" name="Titel 5"/>
+          <p:cNvSpPr>
+            <a:spLocks noGrp="1"/>
+          </p:cNvSpPr>
+          <p:nvPr>
+            <p:ph type="title"/>
+          </p:nvPr>
+        </p:nvSpPr>
+        <p:spPr/>
+        <p:txBody>
+          <a:bodyPr/>
+          <a:lstStyle/>
+          <a:p>
+            <a:r>
+              <a:rPr lang="de-DE" dirty="0" smtClean="0"/>
+              <a:t>System design</a:t>
+            </a:r>
+            <a:br>
+              <a:rPr lang="de-DE" dirty="0" smtClean="0"/>
+            </a:br>
+            <a:r>
+              <a:rPr lang="de-DE" b="0" dirty="0" err="1" smtClean="0"/>
+              <a:t>Presentation</a:t>
             </a:r>
             <a:endParaRPr lang="de-DE" dirty="0"/>
           </a:p>
@@ -2262,10 +2743,84 @@
   <p:clrMapOvr>
     <a:masterClrMapping/>
   </p:clrMapOvr>
+  <p:timing>
+    <p:tnLst>
+      <p:par>
+        <p:cTn xmlns:p14="http://schemas.microsoft.com/office/powerpoint/2010/main" id="1" dur="indefinite" restart="never" nodeType="tmRoot"/>
+      </p:par>
+    </p:tnLst>
+  </p:timing>
 </p:sld>
 </file>
 
-<file path=ppt/slides/slide16.xml><?xml version="1.0" encoding="utf-8"?>
+<file path=ppt/slides/slide18.xml><?xml version="1.0" encoding="utf-8"?>
+<p:sld xmlns:a="http://schemas.openxmlformats.org/drawingml/2006/main" xmlns:r="http://schemas.openxmlformats.org/officeDocument/2006/relationships" xmlns:p="http://schemas.openxmlformats.org/presentationml/2006/main">
+  <p:cSld>
+    <p:spTree>
+      <p:nvGrpSpPr>
+        <p:cNvPr id="1" name=""/>
+        <p:cNvGrpSpPr/>
+        <p:nvPr/>
+      </p:nvGrpSpPr>
+      <p:grpSpPr>
+        <a:xfrm>
+          <a:off x="0" y="0"/>
+          <a:ext cx="0" cy="0"/>
+          <a:chOff x="0" y="0"/>
+          <a:chExt cx="0" cy="0"/>
+        </a:xfrm>
+      </p:grpSpPr>
+      <p:sp>
+        <p:nvSpPr>
+          <p:cNvPr id="6" name="Titel 5"/>
+          <p:cNvSpPr>
+            <a:spLocks noGrp="1"/>
+          </p:cNvSpPr>
+          <p:nvPr>
+            <p:ph type="title"/>
+          </p:nvPr>
+        </p:nvSpPr>
+        <p:spPr/>
+        <p:txBody>
+          <a:bodyPr/>
+          <a:lstStyle/>
+          <a:p>
+            <a:r>
+              <a:rPr lang="de-DE" dirty="0" smtClean="0"/>
+              <a:t>System design</a:t>
+            </a:r>
+            <a:br>
+              <a:rPr lang="de-DE" dirty="0" smtClean="0"/>
+            </a:br>
+            <a:r>
+              <a:rPr lang="de-DE" b="0" dirty="0" err="1" smtClean="0"/>
+              <a:t>Logic</a:t>
+            </a:r>
+            <a:endParaRPr lang="de-DE" dirty="0"/>
+          </a:p>
+        </p:txBody>
+      </p:sp>
+    </p:spTree>
+    <p:extLst>
+      <p:ext uri="{BB962C8B-B14F-4D97-AF65-F5344CB8AC3E}">
+        <p14:creationId xmlns:p14="http://schemas.microsoft.com/office/powerpoint/2010/main" val="1776917456"/>
+      </p:ext>
+    </p:extLst>
+  </p:cSld>
+  <p:clrMapOvr>
+    <a:masterClrMapping/>
+  </p:clrMapOvr>
+  <p:timing>
+    <p:tnLst>
+      <p:par>
+        <p:cTn xmlns:p14="http://schemas.microsoft.com/office/powerpoint/2010/main" id="1" dur="indefinite" restart="never" nodeType="tmRoot"/>
+      </p:par>
+    </p:tnLst>
+  </p:timing>
+</p:sld>
+</file>
+
+<file path=ppt/slides/slide19.xml><?xml version="1.0" encoding="utf-8"?>
 <p:sld xmlns:a="http://schemas.openxmlformats.org/drawingml/2006/main" xmlns:r="http://schemas.openxmlformats.org/officeDocument/2006/relationships" xmlns:p="http://schemas.openxmlformats.org/presentationml/2006/main">
   <p:cSld>
     <p:spTree>
@@ -2320,6 +2875,13 @@
   <p:clrMapOvr>
     <a:masterClrMapping/>
   </p:clrMapOvr>
+  <p:timing>
+    <p:tnLst>
+      <p:par>
+        <p:cTn xmlns:p14="http://schemas.microsoft.com/office/powerpoint/2010/main" id="1" dur="indefinite" restart="never" nodeType="tmRoot"/>
+      </p:par>
+    </p:tnLst>
+  </p:timing>
 </p:sld>
 </file>
 
@@ -2525,6 +3087,13 @@
   <p:clrMapOvr>
     <a:masterClrMapping/>
   </p:clrMapOvr>
+  <p:timing>
+    <p:tnLst>
+      <p:par>
+        <p:cTn xmlns:p14="http://schemas.microsoft.com/office/powerpoint/2010/main" id="1" dur="indefinite" restart="never" nodeType="tmRoot"/>
+      </p:par>
+    </p:tnLst>
+  </p:timing>
 </p:sld>
 </file>
 
@@ -2577,6 +3146,13 @@
   <p:clrMapOvr>
     <a:masterClrMapping/>
   </p:clrMapOvr>
+  <p:timing>
+    <p:tnLst>
+      <p:par>
+        <p:cTn xmlns:p14="http://schemas.microsoft.com/office/powerpoint/2010/main" id="1" dur="indefinite" restart="never" nodeType="tmRoot"/>
+      </p:par>
+    </p:tnLst>
+  </p:timing>
 </p:sld>
 </file>
 
@@ -2719,6 +3295,13 @@
   <p:clrMapOvr>
     <a:masterClrMapping/>
   </p:clrMapOvr>
+  <p:timing>
+    <p:tnLst>
+      <p:par>
+        <p:cTn xmlns:p14="http://schemas.microsoft.com/office/powerpoint/2010/main" id="1" dur="indefinite" restart="never" nodeType="tmRoot"/>
+      </p:par>
+    </p:tnLst>
+  </p:timing>
 </p:sld>
 </file>
 
@@ -2772,6 +3355,13 @@
   <p:clrMapOvr>
     <a:masterClrMapping/>
   </p:clrMapOvr>
+  <p:timing>
+    <p:tnLst>
+      <p:par>
+        <p:cTn xmlns:p14="http://schemas.microsoft.com/office/powerpoint/2010/main" id="1" dur="indefinite" restart="never" nodeType="tmRoot"/>
+      </p:par>
+    </p:tnLst>
+  </p:timing>
 </p:sld>
 </file>
 
@@ -3288,6 +3878,13 @@
   <p:clrMapOvr>
     <a:masterClrMapping/>
   </p:clrMapOvr>
+  <p:timing>
+    <p:tnLst>
+      <p:par>
+        <p:cTn xmlns:p14="http://schemas.microsoft.com/office/powerpoint/2010/main" id="1" dur="indefinite" restart="never" nodeType="tmRoot"/>
+      </p:par>
+    </p:tnLst>
+  </p:timing>
 </p:sld>
 </file>
 
@@ -3982,6 +4579,13 @@
   <p:clrMapOvr>
     <a:masterClrMapping/>
   </p:clrMapOvr>
+  <p:timing>
+    <p:tnLst>
+      <p:par>
+        <p:cTn xmlns:p14="http://schemas.microsoft.com/office/powerpoint/2010/main" id="1" dur="indefinite" restart="never" nodeType="tmRoot"/>
+      </p:par>
+    </p:tnLst>
+  </p:timing>
 </p:sld>
 </file>
 
@@ -4654,6 +5258,13 @@
   <p:clrMapOvr>
     <a:masterClrMapping/>
   </p:clrMapOvr>
+  <p:timing>
+    <p:tnLst>
+      <p:par>
+        <p:cTn xmlns:p14="http://schemas.microsoft.com/office/powerpoint/2010/main" id="1" dur="indefinite" restart="never" nodeType="tmRoot"/>
+      </p:par>
+    </p:tnLst>
+  </p:timing>
 </p:sld>
 </file>
 
@@ -4711,6 +5322,13 @@
   <p:clrMapOvr>
     <a:masterClrMapping/>
   </p:clrMapOvr>
+  <p:timing>
+    <p:tnLst>
+      <p:par>
+        <p:cTn xmlns:p14="http://schemas.microsoft.com/office/powerpoint/2010/main" id="1" dur="indefinite" restart="never" nodeType="tmRoot"/>
+      </p:par>
+    </p:tnLst>
+  </p:timing>
 </p:sld>
 </file>
 

--- a/doc/presentation/presentation.pptx
+++ b/doc/presentation/presentation.pptx
@@ -16,14 +16,14 @@
     <p:sldId id="266" r:id="rId10"/>
     <p:sldId id="267" r:id="rId11"/>
     <p:sldId id="268" r:id="rId12"/>
-    <p:sldId id="263" r:id="rId13"/>
-    <p:sldId id="269" r:id="rId14"/>
-    <p:sldId id="264" r:id="rId15"/>
-    <p:sldId id="276" r:id="rId16"/>
-    <p:sldId id="275" r:id="rId17"/>
-    <p:sldId id="273" r:id="rId18"/>
+    <p:sldId id="264" r:id="rId13"/>
+    <p:sldId id="276" r:id="rId14"/>
+    <p:sldId id="275" r:id="rId15"/>
+    <p:sldId id="273" r:id="rId16"/>
+    <p:sldId id="277" r:id="rId17"/>
+    <p:sldId id="278" r:id="rId18"/>
     <p:sldId id="270" r:id="rId19"/>
-    <p:sldId id="274" r:id="rId20"/>
+    <p:sldId id="269" r:id="rId20"/>
     <p:sldId id="271" r:id="rId21"/>
     <p:sldId id="272" r:id="rId22"/>
     <p:sldId id="260" r:id="rId23"/>
@@ -1885,36 +1885,9 @@
           <a:chExt cx="0" cy="0"/>
         </a:xfrm>
       </p:grpSpPr>
-      <p:sp>
-        <p:nvSpPr>
-          <p:cNvPr id="3" name="Titel 2"/>
-          <p:cNvSpPr>
-            <a:spLocks noGrp="1"/>
-          </p:cNvSpPr>
-          <p:nvPr>
-            <p:ph type="title"/>
-          </p:nvPr>
-        </p:nvSpPr>
-        <p:spPr/>
-        <p:txBody>
-          <a:bodyPr/>
-          <a:lstStyle/>
-          <a:p>
-            <a:r>
-              <a:rPr lang="de-DE" dirty="0" smtClean="0"/>
-              <a:t>Domain </a:t>
-            </a:r>
-            <a:r>
-              <a:rPr lang="de-DE" dirty="0" err="1" smtClean="0"/>
-              <a:t>model</a:t>
-            </a:r>
-            <a:endParaRPr lang="de-DE" dirty="0"/>
-          </a:p>
-        </p:txBody>
-      </p:sp>
       <p:pic>
         <p:nvPicPr>
-          <p:cNvPr id="6" name="Bild 5" descr="Screen Shot 2013-01-15 at 10.06.44 AM.png"/>
+          <p:cNvPr id="9" name="Bild 8" descr="Screen Shot 2013-01-15 at 10.38.34 AM.png"/>
           <p:cNvPicPr>
             <a:picLocks noChangeAspect="1"/>
           </p:cNvPicPr>
@@ -1934,18 +1907,41 @@
         </p:blipFill>
         <p:spPr>
           <a:xfrm>
-            <a:off x="1800000" y="1725353"/>
-            <a:ext cx="6288498" cy="4542396"/>
+            <a:off x="1738872" y="1800485"/>
+            <a:ext cx="5890006" cy="4378412"/>
           </a:xfrm>
           <a:prstGeom prst="rect">
             <a:avLst/>
           </a:prstGeom>
         </p:spPr>
       </p:pic>
+      <p:sp>
+        <p:nvSpPr>
+          <p:cNvPr id="2" name="Titel 1"/>
+          <p:cNvSpPr>
+            <a:spLocks noGrp="1"/>
+          </p:cNvSpPr>
+          <p:nvPr>
+            <p:ph type="title"/>
+          </p:nvPr>
+        </p:nvSpPr>
+        <p:spPr/>
+        <p:txBody>
+          <a:bodyPr/>
+          <a:lstStyle/>
+          <a:p>
+            <a:r>
+              <a:rPr lang="de-DE" dirty="0" err="1" smtClean="0"/>
+              <a:t>Overview</a:t>
+            </a:r>
+            <a:endParaRPr lang="de-DE" dirty="0"/>
+          </a:p>
+        </p:txBody>
+      </p:sp>
     </p:spTree>
     <p:extLst>
       <p:ext uri="{BB962C8B-B14F-4D97-AF65-F5344CB8AC3E}">
-        <p14:creationId xmlns:p14="http://schemas.microsoft.com/office/powerpoint/2010/main" val="1051574577"/>
+        <p14:creationId xmlns:p14="http://schemas.microsoft.com/office/powerpoint/2010/main" val="3828551210"/>
       </p:ext>
     </p:extLst>
   </p:cSld>
@@ -1979,9 +1975,39 @@
           <a:chExt cx="0" cy="0"/>
         </a:xfrm>
       </p:grpSpPr>
+      <p:pic>
+        <p:nvPicPr>
+          <p:cNvPr id="10" name="Bild 9" descr="Screen Shot 2013-01-15 at 10.38.34 AM.png"/>
+          <p:cNvPicPr>
+            <a:picLocks noChangeAspect="1"/>
+          </p:cNvPicPr>
+          <p:nvPr/>
+        </p:nvPicPr>
+        <p:blipFill>
+          <a:blip r:embed="rId2">
+            <a:extLst>
+              <a:ext uri="{28A0092B-C50C-407E-A947-70E740481C1C}">
+                <a14:useLocalDpi xmlns:a14="http://schemas.microsoft.com/office/drawing/2010/main" val="0"/>
+              </a:ext>
+            </a:extLst>
+          </a:blip>
+          <a:stretch>
+            <a:fillRect/>
+          </a:stretch>
+        </p:blipFill>
+        <p:spPr>
+          <a:xfrm>
+            <a:off x="1738872" y="1800485"/>
+            <a:ext cx="5890006" cy="4378412"/>
+          </a:xfrm>
+          <a:prstGeom prst="rect">
+            <a:avLst/>
+          </a:prstGeom>
+        </p:spPr>
+      </p:pic>
       <p:sp>
         <p:nvSpPr>
-          <p:cNvPr id="6" name="Titel 5"/>
+          <p:cNvPr id="2" name="Titel 1"/>
           <p:cNvSpPr>
             <a:spLocks noGrp="1"/>
           </p:cNvSpPr>
@@ -1995,17 +2021,206 @@
           <a:lstStyle/>
           <a:p>
             <a:r>
-              <a:rPr lang="de-DE" dirty="0" smtClean="0"/>
-              <a:t>System design</a:t>
+              <a:rPr lang="de-DE" dirty="0" err="1" smtClean="0"/>
+              <a:t>Overview</a:t>
             </a:r>
             <a:endParaRPr lang="de-DE" dirty="0"/>
+          </a:p>
+        </p:txBody>
+      </p:sp>
+      <p:sp>
+        <p:nvSpPr>
+          <p:cNvPr id="3" name="Rechteck 2"/>
+          <p:cNvSpPr/>
+          <p:nvPr/>
+        </p:nvSpPr>
+        <p:spPr>
+          <a:xfrm>
+            <a:off x="187527" y="1639696"/>
+            <a:ext cx="3307268" cy="2369880"/>
+          </a:xfrm>
+          <a:prstGeom prst="rect">
+            <a:avLst/>
+          </a:prstGeom>
+          <a:solidFill>
+            <a:schemeClr val="accent1">
+              <a:alpha val="9000"/>
+            </a:schemeClr>
+          </a:solidFill>
+        </p:spPr>
+        <p:style>
+          <a:lnRef idx="2">
+            <a:schemeClr val="accent1">
+              <a:shade val="50000"/>
+            </a:schemeClr>
+          </a:lnRef>
+          <a:fillRef idx="1">
+            <a:schemeClr val="accent1"/>
+          </a:fillRef>
+          <a:effectRef idx="0">
+            <a:schemeClr val="accent1"/>
+          </a:effectRef>
+          <a:fontRef idx="minor">
+            <a:schemeClr val="lt1"/>
+          </a:fontRef>
+        </p:style>
+        <p:txBody>
+          <a:bodyPr rtlCol="0" anchor="ctr"/>
+          <a:lstStyle/>
+          <a:p>
+            <a:pPr algn="ctr"/>
+            <a:endParaRPr lang="de-DE"/>
+          </a:p>
+        </p:txBody>
+      </p:sp>
+      <p:sp>
+        <p:nvSpPr>
+          <p:cNvPr id="9" name="Textfeld 8"/>
+          <p:cNvSpPr txBox="1"/>
+          <p:nvPr/>
+        </p:nvSpPr>
+        <p:spPr>
+          <a:xfrm>
+            <a:off x="332431" y="2420947"/>
+            <a:ext cx="2051956" cy="707886"/>
+          </a:xfrm>
+          <a:prstGeom prst="rect">
+            <a:avLst/>
+          </a:prstGeom>
+          <a:noFill/>
+        </p:spPr>
+        <p:txBody>
+          <a:bodyPr wrap="square" rtlCol="0">
+            <a:spAutoFit/>
+          </a:bodyPr>
+          <a:lstStyle/>
+          <a:p>
+            <a:pPr marL="342900" indent="-342900">
+              <a:buFontTx/>
+              <a:buChar char="-"/>
+            </a:pPr>
+            <a:r>
+              <a:rPr lang="de-DE" sz="2000" dirty="0" smtClean="0">
+                <a:latin typeface="Arial"/>
+                <a:cs typeface="Arial"/>
+              </a:rPr>
+              <a:t>Main </a:t>
+            </a:r>
+            <a:r>
+              <a:rPr lang="de-DE" sz="2000" dirty="0" err="1" smtClean="0">
+                <a:latin typeface="Arial"/>
+                <a:cs typeface="Arial"/>
+              </a:rPr>
+              <a:t>class</a:t>
+            </a:r>
+            <a:endParaRPr lang="de-DE" sz="2000" dirty="0" smtClean="0">
+              <a:latin typeface="Arial"/>
+              <a:cs typeface="Arial"/>
+            </a:endParaRPr>
+          </a:p>
+          <a:p>
+            <a:pPr marL="342900" indent="-342900">
+              <a:buFontTx/>
+              <a:buChar char="-"/>
+            </a:pPr>
+            <a:r>
+              <a:rPr lang="de-DE" sz="2000" dirty="0" smtClean="0">
+                <a:latin typeface="Arial"/>
+                <a:cs typeface="Arial"/>
+              </a:rPr>
+              <a:t>Natives</a:t>
+            </a:r>
+            <a:endParaRPr lang="de-DE" sz="2000" dirty="0">
+              <a:latin typeface="Arial"/>
+              <a:cs typeface="Arial"/>
+            </a:endParaRPr>
+          </a:p>
+        </p:txBody>
+      </p:sp>
+      <p:sp>
+        <p:nvSpPr>
+          <p:cNvPr id="4" name="L-Form 3"/>
+          <p:cNvSpPr/>
+          <p:nvPr/>
+        </p:nvSpPr>
+        <p:spPr>
+          <a:xfrm rot="16200000">
+            <a:off x="2435517" y="1023900"/>
+            <a:ext cx="4679854" cy="5911446"/>
+          </a:xfrm>
+          <a:prstGeom prst="corner">
+            <a:avLst>
+              <a:gd name="adj1" fmla="val 88642"/>
+              <a:gd name="adj2" fmla="val 47876"/>
+            </a:avLst>
+          </a:prstGeom>
+          <a:solidFill>
+            <a:schemeClr val="accent3">
+              <a:alpha val="12000"/>
+            </a:schemeClr>
+          </a:solidFill>
+        </p:spPr>
+        <p:style>
+          <a:lnRef idx="2">
+            <a:schemeClr val="accent3">
+              <a:shade val="50000"/>
+            </a:schemeClr>
+          </a:lnRef>
+          <a:fillRef idx="1">
+            <a:schemeClr val="accent3"/>
+          </a:fillRef>
+          <a:effectRef idx="0">
+            <a:schemeClr val="accent3"/>
+          </a:effectRef>
+          <a:fontRef idx="minor">
+            <a:schemeClr val="lt1"/>
+          </a:fontRef>
+        </p:style>
+        <p:txBody>
+          <a:bodyPr rtlCol="0" anchor="ctr"/>
+          <a:lstStyle/>
+          <a:p>
+            <a:pPr algn="ctr"/>
+            <a:endParaRPr lang="de-DE"/>
+          </a:p>
+        </p:txBody>
+      </p:sp>
+      <p:sp>
+        <p:nvSpPr>
+          <p:cNvPr id="11" name="Textfeld 10"/>
+          <p:cNvSpPr txBox="1"/>
+          <p:nvPr/>
+        </p:nvSpPr>
+        <p:spPr>
+          <a:xfrm>
+            <a:off x="3289191" y="5495665"/>
+            <a:ext cx="2051956" cy="400110"/>
+          </a:xfrm>
+          <a:prstGeom prst="rect">
+            <a:avLst/>
+          </a:prstGeom>
+          <a:noFill/>
+        </p:spPr>
+        <p:txBody>
+          <a:bodyPr wrap="square" rtlCol="0">
+            <a:spAutoFit/>
+          </a:bodyPr>
+          <a:lstStyle/>
+          <a:p>
+            <a:r>
+              <a:rPr lang="de-DE" sz="2000" dirty="0" smtClean="0">
+                <a:latin typeface="Arial"/>
+                <a:cs typeface="Arial"/>
+              </a:rPr>
+              <a:t>Pure Java</a:t>
+            </a:r>
           </a:p>
         </p:txBody>
       </p:sp>
     </p:spTree>
     <p:extLst>
       <p:ext uri="{BB962C8B-B14F-4D97-AF65-F5344CB8AC3E}">
-        <p14:creationId xmlns:p14="http://schemas.microsoft.com/office/powerpoint/2010/main" val="1526339824"/>
+        <p14:creationId xmlns:p14="http://schemas.microsoft.com/office/powerpoint/2010/main" val="3840796483"/>
       </p:ext>
     </p:extLst>
   </p:cSld>
@@ -2092,10 +2307,130 @@
           </a:p>
         </p:txBody>
       </p:sp>
+      <p:sp>
+        <p:nvSpPr>
+          <p:cNvPr id="7" name="L-Form 6"/>
+          <p:cNvSpPr/>
+          <p:nvPr/>
+        </p:nvSpPr>
+        <p:spPr>
+          <a:xfrm rot="10800000" flipV="1">
+            <a:off x="4986474" y="3076885"/>
+            <a:ext cx="3162362" cy="3251346"/>
+          </a:xfrm>
+          <a:prstGeom prst="corner">
+            <a:avLst>
+              <a:gd name="adj1" fmla="val 44195"/>
+              <a:gd name="adj2" fmla="val 69511"/>
+            </a:avLst>
+          </a:prstGeom>
+          <a:solidFill>
+            <a:schemeClr val="accent2">
+              <a:alpha val="41000"/>
+            </a:schemeClr>
+          </a:solidFill>
+        </p:spPr>
+        <p:style>
+          <a:lnRef idx="2">
+            <a:schemeClr val="accent2">
+              <a:shade val="50000"/>
+            </a:schemeClr>
+          </a:lnRef>
+          <a:fillRef idx="1">
+            <a:schemeClr val="accent2"/>
+          </a:fillRef>
+          <a:effectRef idx="0">
+            <a:schemeClr val="accent2"/>
+          </a:effectRef>
+          <a:fontRef idx="minor">
+            <a:schemeClr val="lt1"/>
+          </a:fontRef>
+        </p:style>
+        <p:txBody>
+          <a:bodyPr rtlCol="0" anchor="ctr"/>
+          <a:lstStyle/>
+          <a:p>
+            <a:pPr algn="ctr"/>
+            <a:endParaRPr lang="de-DE" dirty="0"/>
+          </a:p>
+        </p:txBody>
+      </p:sp>
+      <p:sp>
+        <p:nvSpPr>
+          <p:cNvPr id="8" name="Textfeld 7"/>
+          <p:cNvSpPr txBox="1"/>
+          <p:nvPr/>
+        </p:nvSpPr>
+        <p:spPr>
+          <a:xfrm>
+            <a:off x="6350296" y="4304228"/>
+            <a:ext cx="2173592" cy="461665"/>
+          </a:xfrm>
+          <a:prstGeom prst="rect">
+            <a:avLst/>
+          </a:prstGeom>
+          <a:noFill/>
+        </p:spPr>
+        <p:txBody>
+          <a:bodyPr wrap="square" rtlCol="0">
+            <a:spAutoFit/>
+          </a:bodyPr>
+          <a:lstStyle/>
+          <a:p>
+            <a:r>
+              <a:rPr lang="de-DE" sz="2400" b="1" dirty="0" err="1" smtClean="0">
+                <a:solidFill>
+                  <a:srgbClr val="920101"/>
+                </a:solidFill>
+                <a:latin typeface="Arial"/>
+                <a:cs typeface="Arial"/>
+              </a:rPr>
+              <a:t>No</a:t>
+            </a:r>
+            <a:r>
+              <a:rPr lang="de-DE" sz="2400" b="1" dirty="0" smtClean="0">
+                <a:solidFill>
+                  <a:srgbClr val="920101"/>
+                </a:solidFill>
+                <a:latin typeface="Arial"/>
+                <a:cs typeface="Arial"/>
+              </a:rPr>
+              <a:t> </a:t>
+            </a:r>
+            <a:r>
+              <a:rPr lang="de-DE" sz="2400" b="1" dirty="0" err="1" smtClean="0">
+                <a:solidFill>
+                  <a:srgbClr val="920101"/>
+                </a:solidFill>
+                <a:latin typeface="Arial"/>
+                <a:cs typeface="Arial"/>
+              </a:rPr>
+              <a:t>libgdx</a:t>
+            </a:r>
+            <a:r>
+              <a:rPr lang="de-DE" sz="2400" b="1" dirty="0" smtClean="0">
+                <a:solidFill>
+                  <a:srgbClr val="920101"/>
+                </a:solidFill>
+                <a:latin typeface="Arial"/>
+                <a:cs typeface="Arial"/>
+              </a:rPr>
+              <a:t>!</a:t>
+            </a:r>
+            <a:endParaRPr lang="de-DE" sz="2400" b="1" dirty="0">
+              <a:solidFill>
+                <a:srgbClr val="920101"/>
+              </a:solidFill>
+              <a:latin typeface="Arial"/>
+              <a:cs typeface="Arial"/>
+            </a:endParaRPr>
+          </a:p>
+        </p:txBody>
+      </p:sp>
     </p:spTree>
     <p:extLst>
       <p:ext uri="{BB962C8B-B14F-4D97-AF65-F5344CB8AC3E}">
-        <p14:creationId xmlns:p14="http://schemas.microsoft.com/office/powerpoint/2010/main" val="3828551210"/>
+        <p14:creationId xmlns:p14="http://schemas.microsoft.com/office/powerpoint/2010/main" val="1974884055"/>
       </p:ext>
     </p:extLst>
   </p:cSld>
@@ -2131,7 +2466,7 @@
       </p:grpSpPr>
       <p:pic>
         <p:nvPicPr>
-          <p:cNvPr id="10" name="Bild 9" descr="Screen Shot 2013-01-15 at 10.38.34 AM.png"/>
+          <p:cNvPr id="9" name="Bild 8" descr="Screen Shot 2013-01-15 at 10.38.34 AM.png"/>
           <p:cNvPicPr>
             <a:picLocks noChangeAspect="1"/>
           </p:cNvPicPr>
@@ -2184,14 +2519,14 @@
       </p:sp>
       <p:sp>
         <p:nvSpPr>
-          <p:cNvPr id="3" name="Rechteck 2"/>
+          <p:cNvPr id="4" name="Rechteck 3"/>
           <p:cNvSpPr/>
           <p:nvPr/>
         </p:nvSpPr>
         <p:spPr>
           <a:xfrm>
-            <a:off x="187527" y="1639696"/>
-            <a:ext cx="3307268" cy="2369880"/>
+            <a:off x="5881482" y="2701859"/>
+            <a:ext cx="3102696" cy="2650726"/>
           </a:xfrm>
           <a:prstGeom prst="rect">
             <a:avLst/>
@@ -2229,14 +2564,14 @@
       </p:sp>
       <p:sp>
         <p:nvSpPr>
-          <p:cNvPr id="9" name="Textfeld 8"/>
+          <p:cNvPr id="5" name="Textfeld 4"/>
           <p:cNvSpPr txBox="1"/>
           <p:nvPr/>
         </p:nvSpPr>
         <p:spPr>
           <a:xfrm>
-            <a:off x="332431" y="2420947"/>
-            <a:ext cx="2051956" cy="707886"/>
+            <a:off x="7258394" y="4571124"/>
+            <a:ext cx="1525606" cy="707886"/>
           </a:xfrm>
           <a:prstGeom prst="rect">
             <a:avLst/>
@@ -2249,23 +2584,19 @@
           </a:bodyPr>
           <a:lstStyle/>
           <a:p>
-            <a:pPr marL="342900" indent="-342900">
-              <a:buFontTx/>
-              <a:buChar char="-"/>
-            </a:pPr>
             <a:r>
               <a:rPr lang="de-DE" sz="2000" dirty="0" smtClean="0">
                 <a:latin typeface="Arial"/>
                 <a:cs typeface="Arial"/>
               </a:rPr>
-              <a:t>Main </a:t>
+              <a:t>Game </a:t>
             </a:r>
             <a:r>
               <a:rPr lang="de-DE" sz="2000" dirty="0" err="1" smtClean="0">
                 <a:latin typeface="Arial"/>
                 <a:cs typeface="Arial"/>
               </a:rPr>
-              <a:t>class</a:t>
+              <a:t>logic</a:t>
             </a:r>
             <a:endParaRPr lang="de-DE" sz="2000" dirty="0" smtClean="0">
               <a:latin typeface="Arial"/>
@@ -2273,18 +2604,121 @@
             </a:endParaRPr>
           </a:p>
           <a:p>
-            <a:pPr marL="342900" indent="-342900">
-              <a:buFontTx/>
-              <a:buChar char="-"/>
-            </a:pPr>
+            <a:r>
+              <a:rPr lang="de-DE" sz="2000" dirty="0" err="1" smtClean="0">
+                <a:latin typeface="Arial"/>
+                <a:cs typeface="Arial"/>
+              </a:rPr>
+              <a:t>Persistence</a:t>
+            </a:r>
+            <a:endParaRPr lang="de-DE" sz="2000" dirty="0">
+              <a:latin typeface="Arial"/>
+              <a:cs typeface="Arial"/>
+            </a:endParaRPr>
+          </a:p>
+        </p:txBody>
+      </p:sp>
+      <p:sp>
+        <p:nvSpPr>
+          <p:cNvPr id="6" name="L-Form 5"/>
+          <p:cNvSpPr/>
+          <p:nvPr/>
+        </p:nvSpPr>
+        <p:spPr>
+          <a:xfrm rot="16200000">
+            <a:off x="2397380" y="2124199"/>
+            <a:ext cx="2650726" cy="3806045"/>
+          </a:xfrm>
+          <a:prstGeom prst="corner">
+            <a:avLst>
+              <a:gd name="adj1" fmla="val 87034"/>
+              <a:gd name="adj2" fmla="val 47876"/>
+            </a:avLst>
+          </a:prstGeom>
+          <a:solidFill>
+            <a:schemeClr val="accent3">
+              <a:alpha val="12000"/>
+            </a:schemeClr>
+          </a:solidFill>
+        </p:spPr>
+        <p:style>
+          <a:lnRef idx="2">
+            <a:schemeClr val="accent3">
+              <a:shade val="50000"/>
+            </a:schemeClr>
+          </a:lnRef>
+          <a:fillRef idx="1">
+            <a:schemeClr val="accent3"/>
+          </a:fillRef>
+          <a:effectRef idx="0">
+            <a:schemeClr val="accent3"/>
+          </a:effectRef>
+          <a:fontRef idx="minor">
+            <a:schemeClr val="lt1"/>
+          </a:fontRef>
+        </p:style>
+        <p:txBody>
+          <a:bodyPr rtlCol="0" anchor="ctr"/>
+          <a:lstStyle/>
+          <a:p>
+            <a:pPr algn="ctr"/>
+            <a:endParaRPr lang="de-DE"/>
+          </a:p>
+        </p:txBody>
+      </p:sp>
+      <p:sp>
+        <p:nvSpPr>
+          <p:cNvPr id="7" name="Textfeld 6"/>
+          <p:cNvSpPr txBox="1"/>
+          <p:nvPr/>
+        </p:nvSpPr>
+        <p:spPr>
+          <a:xfrm>
+            <a:off x="1933893" y="4571124"/>
+            <a:ext cx="2404766" cy="707886"/>
+          </a:xfrm>
+          <a:prstGeom prst="rect">
+            <a:avLst/>
+          </a:prstGeom>
+          <a:noFill/>
+        </p:spPr>
+        <p:txBody>
+          <a:bodyPr wrap="square" rtlCol="0">
+            <a:spAutoFit/>
+          </a:bodyPr>
+          <a:lstStyle/>
+          <a:p>
             <a:r>
               <a:rPr lang="de-DE" sz="2000" dirty="0" smtClean="0">
                 <a:latin typeface="Arial"/>
                 <a:cs typeface="Arial"/>
               </a:rPr>
-              <a:t>Natives</a:t>
-            </a:r>
-            <a:endParaRPr lang="de-DE" sz="2000" dirty="0">
+              <a:t>Rendering</a:t>
+            </a:r>
+          </a:p>
+          <a:p>
+            <a:r>
+              <a:rPr lang="de-DE" sz="2000" dirty="0" err="1" smtClean="0">
+                <a:latin typeface="Arial"/>
+                <a:cs typeface="Arial"/>
+              </a:rPr>
+              <a:t>Physics</a:t>
+            </a:r>
+            <a:r>
+              <a:rPr lang="de-DE" sz="2000" dirty="0" smtClean="0">
+                <a:latin typeface="Arial"/>
+                <a:cs typeface="Arial"/>
+              </a:rPr>
+              <a:t> </a:t>
+            </a:r>
+            <a:r>
+              <a:rPr lang="de-DE" sz="2000" dirty="0" err="1" smtClean="0">
+                <a:latin typeface="Arial"/>
+                <a:cs typeface="Arial"/>
+              </a:rPr>
+              <a:t>calculation</a:t>
+            </a:r>
+            <a:endParaRPr lang="de-DE" sz="2000" dirty="0" smtClean="0">
               <a:latin typeface="Arial"/>
               <a:cs typeface="Arial"/>
             </a:endParaRPr>
@@ -2294,7 +2728,7 @@
     </p:spTree>
     <p:extLst>
       <p:ext uri="{BB962C8B-B14F-4D97-AF65-F5344CB8AC3E}">
-        <p14:creationId xmlns:p14="http://schemas.microsoft.com/office/powerpoint/2010/main" val="3840796483"/>
+        <p14:creationId xmlns:p14="http://schemas.microsoft.com/office/powerpoint/2010/main" val="1494908031"/>
       </p:ext>
     </p:extLst>
   </p:cSld>
@@ -2383,38 +2817,35 @@
       </p:sp>
       <p:sp>
         <p:nvSpPr>
-          <p:cNvPr id="7" name="L-Form 6"/>
+          <p:cNvPr id="4" name="Rechteck 3"/>
           <p:cNvSpPr/>
           <p:nvPr/>
         </p:nvSpPr>
         <p:spPr>
-          <a:xfrm rot="10800000" flipV="1">
-            <a:off x="4986474" y="3076885"/>
-            <a:ext cx="3162362" cy="3251346"/>
+          <a:xfrm>
+            <a:off x="4211405" y="5233260"/>
+            <a:ext cx="4414769" cy="1099496"/>
           </a:xfrm>
-          <a:prstGeom prst="corner">
-            <a:avLst>
-              <a:gd name="adj1" fmla="val 44195"/>
-              <a:gd name="adj2" fmla="val 69511"/>
-            </a:avLst>
+          <a:prstGeom prst="rect">
+            <a:avLst/>
           </a:prstGeom>
           <a:solidFill>
-            <a:schemeClr val="accent2">
-              <a:alpha val="41000"/>
+            <a:schemeClr val="accent1">
+              <a:alpha val="9000"/>
             </a:schemeClr>
           </a:solidFill>
         </p:spPr>
         <p:style>
           <a:lnRef idx="2">
-            <a:schemeClr val="accent2">
+            <a:schemeClr val="accent1">
               <a:shade val="50000"/>
             </a:schemeClr>
           </a:lnRef>
           <a:fillRef idx="1">
-            <a:schemeClr val="accent2"/>
+            <a:schemeClr val="accent1"/>
           </a:fillRef>
           <a:effectRef idx="0">
-            <a:schemeClr val="accent2"/>
+            <a:schemeClr val="accent1"/>
           </a:effectRef>
           <a:fontRef idx="minor">
             <a:schemeClr val="lt1"/>
@@ -2425,20 +2856,20 @@
           <a:lstStyle/>
           <a:p>
             <a:pPr algn="ctr"/>
-            <a:endParaRPr lang="de-DE" dirty="0"/>
+            <a:endParaRPr lang="de-DE"/>
           </a:p>
         </p:txBody>
       </p:sp>
       <p:sp>
         <p:nvSpPr>
-          <p:cNvPr id="8" name="Textfeld 7"/>
+          <p:cNvPr id="5" name="Textfeld 4"/>
           <p:cNvSpPr txBox="1"/>
           <p:nvPr/>
         </p:nvSpPr>
         <p:spPr>
           <a:xfrm>
-            <a:off x="6350296" y="4304228"/>
-            <a:ext cx="2173592" cy="461665"/>
+            <a:off x="6606013" y="5471011"/>
+            <a:ext cx="1926398" cy="707886"/>
           </a:xfrm>
           <a:prstGeom prst="rect">
             <a:avLst/>
@@ -2452,49 +2883,144 @@
           <a:lstStyle/>
           <a:p>
             <a:r>
-              <a:rPr lang="de-DE" sz="2400" b="1" dirty="0" err="1" smtClean="0">
-                <a:solidFill>
-                  <a:srgbClr val="920101"/>
-                </a:solidFill>
-                <a:latin typeface="Arial"/>
-                <a:cs typeface="Arial"/>
-              </a:rPr>
-              <a:t>No</a:t>
-            </a:r>
-            <a:r>
-              <a:rPr lang="de-DE" sz="2400" b="1" dirty="0" smtClean="0">
-                <a:solidFill>
-                  <a:srgbClr val="920101"/>
-                </a:solidFill>
+              <a:rPr lang="de-DE" sz="2000" dirty="0" err="1" smtClean="0">
+                <a:latin typeface="Arial"/>
+                <a:cs typeface="Arial"/>
+              </a:rPr>
+              <a:t>Abstractions</a:t>
+            </a:r>
+            <a:r>
+              <a:rPr lang="de-DE" sz="2000" dirty="0" smtClean="0">
+                <a:latin typeface="Arial"/>
+                <a:cs typeface="Arial"/>
+              </a:rPr>
+              <a:t>,</a:t>
+            </a:r>
+          </a:p>
+          <a:p>
+            <a:r>
+              <a:rPr lang="de-DE" sz="2000" dirty="0" smtClean="0">
+                <a:latin typeface="Arial"/>
+                <a:cs typeface="Arial"/>
+              </a:rPr>
+              <a:t>Interfaces</a:t>
+            </a:r>
+            <a:endParaRPr lang="de-DE" sz="2000" dirty="0">
+              <a:latin typeface="Arial"/>
+              <a:cs typeface="Arial"/>
+            </a:endParaRPr>
+          </a:p>
+        </p:txBody>
+      </p:sp>
+      <p:sp>
+        <p:nvSpPr>
+          <p:cNvPr id="6" name="Rechteck 5"/>
+          <p:cNvSpPr/>
+          <p:nvPr/>
+        </p:nvSpPr>
+        <p:spPr>
+          <a:xfrm>
+            <a:off x="4211406" y="1551227"/>
+            <a:ext cx="4414768" cy="1082450"/>
+          </a:xfrm>
+          <a:prstGeom prst="rect">
+            <a:avLst/>
+          </a:prstGeom>
+          <a:solidFill>
+            <a:schemeClr val="accent3">
+              <a:alpha val="9000"/>
+            </a:schemeClr>
+          </a:solidFill>
+        </p:spPr>
+        <p:style>
+          <a:lnRef idx="2">
+            <a:schemeClr val="accent3">
+              <a:shade val="50000"/>
+            </a:schemeClr>
+          </a:lnRef>
+          <a:fillRef idx="1">
+            <a:schemeClr val="accent3"/>
+          </a:fillRef>
+          <a:effectRef idx="0">
+            <a:schemeClr val="accent3"/>
+          </a:effectRef>
+          <a:fontRef idx="minor">
+            <a:schemeClr val="lt1"/>
+          </a:fontRef>
+        </p:style>
+        <p:txBody>
+          <a:bodyPr rtlCol="0" anchor="ctr"/>
+          <a:lstStyle/>
+          <a:p>
+            <a:pPr algn="ctr"/>
+            <a:endParaRPr lang="de-DE"/>
+          </a:p>
+        </p:txBody>
+      </p:sp>
+      <p:sp>
+        <p:nvSpPr>
+          <p:cNvPr id="7" name="Textfeld 6"/>
+          <p:cNvSpPr txBox="1"/>
+          <p:nvPr/>
+        </p:nvSpPr>
+        <p:spPr>
+          <a:xfrm>
+            <a:off x="6606013" y="1723778"/>
+            <a:ext cx="1926398" cy="1015663"/>
+          </a:xfrm>
+          <a:prstGeom prst="rect">
+            <a:avLst/>
+          </a:prstGeom>
+          <a:noFill/>
+        </p:spPr>
+        <p:txBody>
+          <a:bodyPr wrap="square" rtlCol="0">
+            <a:spAutoFit/>
+          </a:bodyPr>
+          <a:lstStyle/>
+          <a:p>
+            <a:r>
+              <a:rPr lang="de-DE" sz="2000" dirty="0" err="1" smtClean="0">
+                <a:latin typeface="Arial"/>
+                <a:cs typeface="Arial"/>
+              </a:rPr>
+              <a:t>Dependency</a:t>
+            </a:r>
+            <a:r>
+              <a:rPr lang="de-DE" sz="2000" dirty="0" smtClean="0">
                 <a:latin typeface="Arial"/>
                 <a:cs typeface="Arial"/>
               </a:rPr>
               <a:t> </a:t>
             </a:r>
             <a:r>
-              <a:rPr lang="de-DE" sz="2400" b="1" dirty="0" err="1" smtClean="0">
-                <a:solidFill>
-                  <a:srgbClr val="920101"/>
-                </a:solidFill>
-                <a:latin typeface="Arial"/>
-                <a:cs typeface="Arial"/>
-              </a:rPr>
-              <a:t>libgdx</a:t>
-            </a:r>
-            <a:r>
-              <a:rPr lang="de-DE" sz="2400" b="1" dirty="0" smtClean="0">
-                <a:solidFill>
-                  <a:srgbClr val="920101"/>
-                </a:solidFill>
-                <a:latin typeface="Arial"/>
-                <a:cs typeface="Arial"/>
-              </a:rPr>
-              <a:t>!</a:t>
-            </a:r>
-            <a:endParaRPr lang="de-DE" sz="2400" b="1" dirty="0">
-              <a:solidFill>
-                <a:srgbClr val="920101"/>
-              </a:solidFill>
+              <a:rPr lang="de-DE" sz="2000" dirty="0" err="1" smtClean="0">
+                <a:latin typeface="Arial"/>
+                <a:cs typeface="Arial"/>
+              </a:rPr>
+              <a:t>Injection</a:t>
+            </a:r>
+            <a:r>
+              <a:rPr lang="de-DE" sz="2000" dirty="0" smtClean="0">
+                <a:latin typeface="Arial"/>
+                <a:cs typeface="Arial"/>
+              </a:rPr>
+              <a:t> </a:t>
+            </a:r>
+            <a:r>
+              <a:rPr lang="de-DE" sz="2000" dirty="0" err="1" smtClean="0">
+                <a:latin typeface="Arial"/>
+                <a:cs typeface="Arial"/>
+              </a:rPr>
+              <a:t>wiring</a:t>
+            </a:r>
+            <a:endParaRPr lang="de-DE" sz="2000" dirty="0" smtClean="0">
+              <a:latin typeface="Arial"/>
+              <a:cs typeface="Arial"/>
+            </a:endParaRPr>
+          </a:p>
+          <a:p>
+            <a:endParaRPr lang="de-DE" sz="2000" dirty="0">
               <a:latin typeface="Arial"/>
               <a:cs typeface="Arial"/>
             </a:endParaRPr>
@@ -2504,7 +3030,7 @@
     </p:spTree>
     <p:extLst>
       <p:ext uri="{BB962C8B-B14F-4D97-AF65-F5344CB8AC3E}">
-        <p14:creationId xmlns:p14="http://schemas.microsoft.com/office/powerpoint/2010/main" val="1974884055"/>
+        <p14:creationId xmlns:p14="http://schemas.microsoft.com/office/powerpoint/2010/main" val="3063143311"/>
       </p:ext>
     </p:extLst>
   </p:cSld>
@@ -2669,7 +3195,7 @@
     </p:spTree>
     <p:extLst>
       <p:ext uri="{BB962C8B-B14F-4D97-AF65-F5344CB8AC3E}">
-        <p14:creationId xmlns:p14="http://schemas.microsoft.com/office/powerpoint/2010/main" val="3293685864"/>
+        <p14:creationId xmlns:p14="http://schemas.microsoft.com/office/powerpoint/2010/main" val="1051574577"/>
       </p:ext>
     </p:extLst>
   </p:cSld>
@@ -2972,23 +3498,21 @@
           </a:p>
           <a:p>
             <a:r>
-              <a:rPr lang="de-DE" sz="2000" dirty="0" smtClean="0"/>
-              <a:t>Domain </a:t>
-            </a:r>
-            <a:r>
-              <a:rPr lang="de-DE" sz="2000" dirty="0" err="1" smtClean="0"/>
-              <a:t>model</a:t>
+              <a:rPr lang="de-DE" dirty="0"/>
+              <a:t>System design</a:t>
+            </a:r>
+          </a:p>
+          <a:p>
+            <a:pPr lvl="2"/>
+            <a:r>
+              <a:rPr lang="de-DE" dirty="0" err="1" smtClean="0"/>
+              <a:t>Overview</a:t>
+            </a:r>
+            <a:r>
+              <a:rPr lang="de-DE" dirty="0" smtClean="0"/>
+              <a:t> / DI</a:t>
             </a:r>
             <a:endParaRPr lang="de-DE" sz="2000" dirty="0" smtClean="0"/>
-          </a:p>
-          <a:p>
-            <a:endParaRPr lang="de-DE" dirty="0"/>
-          </a:p>
-          <a:p>
-            <a:r>
-              <a:rPr lang="de-DE" sz="2000" dirty="0" smtClean="0"/>
-              <a:t>System design</a:t>
-            </a:r>
           </a:p>
           <a:p>
             <a:pPr lvl="2"/>
@@ -3007,6 +3531,14 @@
             <a:r>
               <a:rPr lang="de-DE" dirty="0" err="1" smtClean="0"/>
               <a:t>Presentation</a:t>
+            </a:r>
+            <a:r>
+              <a:rPr lang="de-DE" dirty="0" smtClean="0"/>
+              <a:t> / </a:t>
+            </a:r>
+            <a:r>
+              <a:rPr lang="de-DE" dirty="0" err="1" smtClean="0"/>
+              <a:t>Physics</a:t>
             </a:r>
             <a:endParaRPr lang="de-DE" dirty="0" smtClean="0"/>
           </a:p>
@@ -5302,11 +5834,7 @@
           <a:p>
             <a:r>
               <a:rPr lang="de-DE" dirty="0" smtClean="0"/>
-              <a:t>Domain </a:t>
-            </a:r>
-            <a:r>
-              <a:rPr lang="de-DE" dirty="0" err="1" smtClean="0"/>
-              <a:t>model</a:t>
+              <a:t>System design</a:t>
             </a:r>
             <a:endParaRPr lang="de-DE" dirty="0"/>
           </a:p>
@@ -5315,7 +5843,7 @@
     </p:spTree>
     <p:extLst>
       <p:ext uri="{BB962C8B-B14F-4D97-AF65-F5344CB8AC3E}">
-        <p14:creationId xmlns:p14="http://schemas.microsoft.com/office/powerpoint/2010/main" val="3625714894"/>
+        <p14:creationId xmlns:p14="http://schemas.microsoft.com/office/powerpoint/2010/main" val="1526339824"/>
       </p:ext>
     </p:extLst>
   </p:cSld>

--- a/doc/presentation/presentation.pptx
+++ b/doc/presentation/presentation.pptx
@@ -5,7 +5,7 @@
     <p:sldMasterId id="2147483648" r:id="rId4"/>
   </p:sldMasterIdLst>
   <p:handoutMasterIdLst>
-    <p:handoutMasterId r:id="rId24"/>
+    <p:handoutMasterId r:id="rId26"/>
   </p:handoutMasterIdLst>
   <p:sldIdLst>
     <p:sldId id="256" r:id="rId5"/>
@@ -22,11 +22,13 @@
     <p:sldId id="273" r:id="rId16"/>
     <p:sldId id="277" r:id="rId17"/>
     <p:sldId id="278" r:id="rId18"/>
-    <p:sldId id="270" r:id="rId19"/>
-    <p:sldId id="269" r:id="rId20"/>
-    <p:sldId id="271" r:id="rId21"/>
-    <p:sldId id="272" r:id="rId22"/>
-    <p:sldId id="260" r:id="rId23"/>
+    <p:sldId id="279" r:id="rId19"/>
+    <p:sldId id="280" r:id="rId20"/>
+    <p:sldId id="270" r:id="rId21"/>
+    <p:sldId id="269" r:id="rId22"/>
+    <p:sldId id="271" r:id="rId23"/>
+    <p:sldId id="272" r:id="rId24"/>
+    <p:sldId id="260" r:id="rId25"/>
   </p:sldIdLst>
   <p:sldSz cx="9144000" cy="6858000" type="screen4x3"/>
   <p:notesSz cx="6858000" cy="9144000"/>
@@ -211,7 +213,7 @@
             <a:fld id="{B9DCE77F-B2F6-4C56-A9FE-A47B2C49451F}" type="datetimeFigureOut">
               <a:rPr lang="de-CH" smtClean="0"/>
               <a:pPr/>
-              <a:t>1/15/13</a:t>
+              <a:t>15.01.13</a:t>
             </a:fld>
             <a:endParaRPr lang="de-CH"/>
           </a:p>
@@ -1843,11 +1845,7 @@
             </a:r>
             <a:r>
               <a:rPr lang="de-DE" dirty="0" smtClean="0"/>
-              <a:t> &amp; Christian B</a:t>
-            </a:r>
-            <a:r>
-              <a:rPr lang="de-DE" dirty="0" smtClean="0"/>
-              <a:t>ürgi</a:t>
+              <a:t> &amp; Christian Bürgi</a:t>
             </a:r>
             <a:endParaRPr lang="de-DE" dirty="0"/>
           </a:p>
@@ -3087,6 +3085,175 @@
               <a:rPr lang="de-DE" dirty="0" smtClean="0"/>
             </a:br>
             <a:r>
+              <a:rPr lang="de-DE" b="0" dirty="0" err="1" smtClean="0"/>
+              <a:t>Dependency</a:t>
+            </a:r>
+            <a:r>
+              <a:rPr lang="de-DE" b="0" dirty="0" smtClean="0"/>
+              <a:t> </a:t>
+            </a:r>
+            <a:r>
+              <a:rPr lang="de-DE" b="0" dirty="0" err="1" smtClean="0"/>
+              <a:t>Injection</a:t>
+            </a:r>
+            <a:endParaRPr lang="de-DE" dirty="0"/>
+          </a:p>
+        </p:txBody>
+      </p:sp>
+    </p:spTree>
+    <p:extLst>
+      <p:ext uri="{BB962C8B-B14F-4D97-AF65-F5344CB8AC3E}">
+        <p14:creationId xmlns:p14="http://schemas.microsoft.com/office/powerpoint/2010/main" val="3019736920"/>
+      </p:ext>
+    </p:extLst>
+  </p:cSld>
+  <p:clrMapOvr>
+    <a:masterClrMapping/>
+  </p:clrMapOvr>
+  <p:timing>
+    <p:tnLst>
+      <p:par>
+        <p:cTn xmlns:p14="http://schemas.microsoft.com/office/powerpoint/2010/main" id="1" dur="indefinite" restart="never" nodeType="tmRoot"/>
+      </p:par>
+    </p:tnLst>
+  </p:timing>
+</p:sld>
+</file>
+
+<file path=ppt/slides/slide16.xml><?xml version="1.0" encoding="utf-8"?>
+<p:sld xmlns:a="http://schemas.openxmlformats.org/drawingml/2006/main" xmlns:r="http://schemas.openxmlformats.org/officeDocument/2006/relationships" xmlns:p="http://schemas.openxmlformats.org/presentationml/2006/main">
+  <p:cSld>
+    <p:spTree>
+      <p:nvGrpSpPr>
+        <p:cNvPr id="1" name=""/>
+        <p:cNvGrpSpPr/>
+        <p:nvPr/>
+      </p:nvGrpSpPr>
+      <p:grpSpPr>
+        <a:xfrm>
+          <a:off x="0" y="0"/>
+          <a:ext cx="0" cy="0"/>
+          <a:chOff x="0" y="0"/>
+          <a:chExt cx="0" cy="0"/>
+        </a:xfrm>
+      </p:grpSpPr>
+      <p:sp>
+        <p:nvSpPr>
+          <p:cNvPr id="2" name="Titel 1"/>
+          <p:cNvSpPr>
+            <a:spLocks noGrp="1"/>
+          </p:cNvSpPr>
+          <p:nvPr>
+            <p:ph type="title"/>
+          </p:nvPr>
+        </p:nvSpPr>
+        <p:spPr/>
+        <p:txBody>
+          <a:bodyPr/>
+          <a:lstStyle/>
+          <a:p>
+            <a:r>
+              <a:rPr lang="de-DE" dirty="0" err="1" smtClean="0"/>
+              <a:t>Good</a:t>
+            </a:r>
+            <a:r>
+              <a:rPr lang="de-DE" dirty="0" smtClean="0"/>
+              <a:t> design</a:t>
+            </a:r>
+            <a:endParaRPr lang="de-DE" dirty="0"/>
+          </a:p>
+        </p:txBody>
+      </p:sp>
+      <p:pic>
+        <p:nvPicPr>
+          <p:cNvPr id="3" name="Bild 2" descr="Bildschirmfoto 2013-01-15 um 13.30.30.png"/>
+          <p:cNvPicPr>
+            <a:picLocks noChangeAspect="1"/>
+          </p:cNvPicPr>
+          <p:nvPr/>
+        </p:nvPicPr>
+        <p:blipFill>
+          <a:blip r:embed="rId2">
+            <a:extLst>
+              <a:ext uri="{28A0092B-C50C-407E-A947-70E740481C1C}">
+                <a14:useLocalDpi xmlns:a14="http://schemas.microsoft.com/office/drawing/2010/main" val="0"/>
+              </a:ext>
+            </a:extLst>
+          </a:blip>
+          <a:stretch>
+            <a:fillRect/>
+          </a:stretch>
+        </p:blipFill>
+        <p:spPr>
+          <a:xfrm>
+            <a:off x="1800000" y="1800485"/>
+            <a:ext cx="5934364" cy="4443957"/>
+          </a:xfrm>
+          <a:prstGeom prst="rect">
+            <a:avLst/>
+          </a:prstGeom>
+        </p:spPr>
+      </p:pic>
+    </p:spTree>
+    <p:extLst>
+      <p:ext uri="{BB962C8B-B14F-4D97-AF65-F5344CB8AC3E}">
+        <p14:creationId xmlns:p14="http://schemas.microsoft.com/office/powerpoint/2010/main" val="1316383254"/>
+      </p:ext>
+    </p:extLst>
+  </p:cSld>
+  <p:clrMapOvr>
+    <a:masterClrMapping/>
+  </p:clrMapOvr>
+  <p:timing>
+    <p:tnLst>
+      <p:par>
+        <p:cTn xmlns:p14="http://schemas.microsoft.com/office/powerpoint/2010/main" id="1" dur="indefinite" restart="never" nodeType="tmRoot"/>
+      </p:par>
+    </p:tnLst>
+  </p:timing>
+</p:sld>
+</file>
+
+<file path=ppt/slides/slide17.xml><?xml version="1.0" encoding="utf-8"?>
+<p:sld xmlns:a="http://schemas.openxmlformats.org/drawingml/2006/main" xmlns:r="http://schemas.openxmlformats.org/officeDocument/2006/relationships" xmlns:p="http://schemas.openxmlformats.org/presentationml/2006/main">
+  <p:cSld>
+    <p:spTree>
+      <p:nvGrpSpPr>
+        <p:cNvPr id="1" name=""/>
+        <p:cNvGrpSpPr/>
+        <p:nvPr/>
+      </p:nvGrpSpPr>
+      <p:grpSpPr>
+        <a:xfrm>
+          <a:off x="0" y="0"/>
+          <a:ext cx="0" cy="0"/>
+          <a:chOff x="0" y="0"/>
+          <a:chExt cx="0" cy="0"/>
+        </a:xfrm>
+      </p:grpSpPr>
+      <p:sp>
+        <p:nvSpPr>
+          <p:cNvPr id="6" name="Titel 5"/>
+          <p:cNvSpPr>
+            <a:spLocks noGrp="1"/>
+          </p:cNvSpPr>
+          <p:nvPr>
+            <p:ph type="title"/>
+          </p:nvPr>
+        </p:nvSpPr>
+        <p:spPr/>
+        <p:txBody>
+          <a:bodyPr/>
+          <a:lstStyle/>
+          <a:p>
+            <a:r>
+              <a:rPr lang="de-DE" dirty="0" smtClean="0"/>
+              <a:t>System design</a:t>
+            </a:r>
+            <a:br>
+              <a:rPr lang="de-DE" dirty="0" smtClean="0"/>
+            </a:br>
+            <a:r>
               <a:rPr lang="de-DE" b="0" dirty="0" smtClean="0"/>
               <a:t>Model / </a:t>
             </a:r>
@@ -3118,7 +3285,7 @@
 </p:sld>
 </file>
 
-<file path=ppt/slides/slide16.xml><?xml version="1.0" encoding="utf-8"?>
+<file path=ppt/slides/slide18.xml><?xml version="1.0" encoding="utf-8"?>
 <p:sld xmlns:a="http://schemas.openxmlformats.org/drawingml/2006/main" xmlns:r="http://schemas.openxmlformats.org/officeDocument/2006/relationships" xmlns:p="http://schemas.openxmlformats.org/presentationml/2006/main">
   <p:cSld>
     <p:spTree>
@@ -3212,7 +3379,7 @@
 </p:sld>
 </file>
 
-<file path=ppt/slides/slide17.xml><?xml version="1.0" encoding="utf-8"?>
+<file path=ppt/slides/slide19.xml><?xml version="1.0" encoding="utf-8"?>
 <p:sld xmlns:a="http://schemas.openxmlformats.org/drawingml/2006/main" xmlns:r="http://schemas.openxmlformats.org/officeDocument/2006/relationships" xmlns:p="http://schemas.openxmlformats.org/presentationml/2006/main">
   <p:cSld>
     <p:spTree>
@@ -3265,138 +3432,6 @@
         <p14:creationId xmlns:p14="http://schemas.microsoft.com/office/powerpoint/2010/main" val="1776917456"/>
       </p:ext>
     </p:extLst>
-  </p:cSld>
-  <p:clrMapOvr>
-    <a:masterClrMapping/>
-  </p:clrMapOvr>
-  <p:timing>
-    <p:tnLst>
-      <p:par>
-        <p:cTn xmlns:p14="http://schemas.microsoft.com/office/powerpoint/2010/main" id="1" dur="indefinite" restart="never" nodeType="tmRoot"/>
-      </p:par>
-    </p:tnLst>
-  </p:timing>
-</p:sld>
-</file>
-
-<file path=ppt/slides/slide18.xml><?xml version="1.0" encoding="utf-8"?>
-<p:sld xmlns:a="http://schemas.openxmlformats.org/drawingml/2006/main" xmlns:r="http://schemas.openxmlformats.org/officeDocument/2006/relationships" xmlns:p="http://schemas.openxmlformats.org/presentationml/2006/main">
-  <p:cSld>
-    <p:spTree>
-      <p:nvGrpSpPr>
-        <p:cNvPr id="1" name=""/>
-        <p:cNvGrpSpPr/>
-        <p:nvPr/>
-      </p:nvGrpSpPr>
-      <p:grpSpPr>
-        <a:xfrm>
-          <a:off x="0" y="0"/>
-          <a:ext cx="0" cy="0"/>
-          <a:chOff x="0" y="0"/>
-          <a:chExt cx="0" cy="0"/>
-        </a:xfrm>
-      </p:grpSpPr>
-      <p:sp>
-        <p:nvSpPr>
-          <p:cNvPr id="6" name="Titel 5"/>
-          <p:cNvSpPr>
-            <a:spLocks noGrp="1"/>
-          </p:cNvSpPr>
-          <p:nvPr>
-            <p:ph type="title"/>
-          </p:nvPr>
-        </p:nvSpPr>
-        <p:spPr/>
-        <p:txBody>
-          <a:bodyPr/>
-          <a:lstStyle/>
-          <a:p>
-            <a:r>
-              <a:rPr lang="de-DE" dirty="0" smtClean="0"/>
-              <a:t>System design</a:t>
-            </a:r>
-            <a:br>
-              <a:rPr lang="de-DE" dirty="0" smtClean="0"/>
-            </a:br>
-            <a:r>
-              <a:rPr lang="de-DE" b="0" dirty="0" err="1" smtClean="0"/>
-              <a:t>Logic</a:t>
-            </a:r>
-            <a:endParaRPr lang="de-DE" dirty="0"/>
-          </a:p>
-        </p:txBody>
-      </p:sp>
-    </p:spTree>
-    <p:extLst>
-      <p:ext uri="{BB962C8B-B14F-4D97-AF65-F5344CB8AC3E}">
-        <p14:creationId xmlns:p14="http://schemas.microsoft.com/office/powerpoint/2010/main" val="1776917456"/>
-      </p:ext>
-    </p:extLst>
-  </p:cSld>
-  <p:clrMapOvr>
-    <a:masterClrMapping/>
-  </p:clrMapOvr>
-  <p:timing>
-    <p:tnLst>
-      <p:par>
-        <p:cTn xmlns:p14="http://schemas.microsoft.com/office/powerpoint/2010/main" id="1" dur="indefinite" restart="never" nodeType="tmRoot"/>
-      </p:par>
-    </p:tnLst>
-  </p:timing>
-</p:sld>
-</file>
-
-<file path=ppt/slides/slide19.xml><?xml version="1.0" encoding="utf-8"?>
-<p:sld xmlns:a="http://schemas.openxmlformats.org/drawingml/2006/main" xmlns:r="http://schemas.openxmlformats.org/officeDocument/2006/relationships" xmlns:p="http://schemas.openxmlformats.org/presentationml/2006/main">
-  <p:cSld>
-    <p:spTree>
-      <p:nvGrpSpPr>
-        <p:cNvPr id="1" name=""/>
-        <p:cNvGrpSpPr/>
-        <p:nvPr/>
-      </p:nvGrpSpPr>
-      <p:grpSpPr>
-        <a:xfrm>
-          <a:off x="0" y="0"/>
-          <a:ext cx="0" cy="0"/>
-          <a:chOff x="0" y="0"/>
-          <a:chExt cx="0" cy="0"/>
-        </a:xfrm>
-      </p:grpSpPr>
-      <p:sp>
-        <p:nvSpPr>
-          <p:cNvPr id="5" name="Titel 4"/>
-          <p:cNvSpPr>
-            <a:spLocks noGrp="1"/>
-          </p:cNvSpPr>
-          <p:nvPr>
-            <p:ph type="title"/>
-          </p:nvPr>
-        </p:nvSpPr>
-        <p:spPr/>
-        <p:txBody>
-          <a:bodyPr>
-            <a:normAutofit/>
-          </a:bodyPr>
-          <a:lstStyle/>
-          <a:p>
-            <a:r>
-              <a:rPr lang="de-DE" dirty="0" err="1" smtClean="0"/>
-              <a:t>Questions</a:t>
-            </a:r>
-            <a:r>
-              <a:rPr lang="de-DE" dirty="0" smtClean="0"/>
-              <a:t> &amp; </a:t>
-            </a:r>
-            <a:r>
-              <a:rPr lang="de-DE" dirty="0" err="1" smtClean="0"/>
-              <a:t>Answers</a:t>
-            </a:r>
-            <a:endParaRPr lang="de-DE" dirty="0"/>
-          </a:p>
-        </p:txBody>
-      </p:sp>
-    </p:spTree>
   </p:cSld>
   <p:clrMapOvr>
     <a:masterClrMapping/>
@@ -3463,7 +3498,12 @@
             <p:ph idx="1"/>
           </p:nvPr>
         </p:nvSpPr>
-        <p:spPr/>
+        <p:spPr>
+          <a:xfrm>
+            <a:off x="1800000" y="1861725"/>
+            <a:ext cx="6984000" cy="4499820"/>
+          </a:xfrm>
+        </p:spPr>
         <p:txBody>
           <a:bodyPr>
             <a:normAutofit/>
@@ -3508,9 +3548,21 @@
               <a:rPr lang="de-DE" dirty="0" err="1" smtClean="0"/>
               <a:t>Overview</a:t>
             </a:r>
+            <a:endParaRPr lang="de-DE" dirty="0"/>
+          </a:p>
+          <a:p>
+            <a:pPr lvl="2"/>
+            <a:r>
+              <a:rPr lang="de-DE" dirty="0" err="1" smtClean="0"/>
+              <a:t>Dependency</a:t>
+            </a:r>
             <a:r>
               <a:rPr lang="de-DE" dirty="0" smtClean="0"/>
-              <a:t> / DI</a:t>
+              <a:t> </a:t>
+            </a:r>
+            <a:r>
+              <a:rPr lang="de-DE" dirty="0" err="1" smtClean="0"/>
+              <a:t>Injection</a:t>
             </a:r>
             <a:endParaRPr lang="de-DE" sz="2000" dirty="0" smtClean="0"/>
           </a:p>
@@ -3556,19 +3608,12 @@
           <a:p>
             <a:r>
               <a:rPr lang="de-DE" dirty="0" smtClean="0"/>
-              <a:t>Q &amp; A</a:t>
-            </a:r>
-          </a:p>
-          <a:p>
-            <a:pPr lvl="2"/>
-            <a:endParaRPr lang="de-DE" dirty="0"/>
-          </a:p>
-          <a:p>
-            <a:pPr lvl="2"/>
-            <a:endParaRPr lang="de-DE" dirty="0" smtClean="0"/>
-          </a:p>
-          <a:p>
-            <a:pPr lvl="2"/>
+              <a:t>Q &amp; </a:t>
+            </a:r>
+            <a:r>
+              <a:rPr lang="de-DE" dirty="0" smtClean="0"/>
+              <a:t>A</a:t>
+            </a:r>
             <a:endParaRPr lang="de-DE" sz="2000" dirty="0" smtClean="0"/>
           </a:p>
           <a:p>
@@ -3629,6 +3674,138 @@
 </p:sld>
 </file>
 
+<file path=ppt/slides/slide20.xml><?xml version="1.0" encoding="utf-8"?>
+<p:sld xmlns:a="http://schemas.openxmlformats.org/drawingml/2006/main" xmlns:r="http://schemas.openxmlformats.org/officeDocument/2006/relationships" xmlns:p="http://schemas.openxmlformats.org/presentationml/2006/main">
+  <p:cSld>
+    <p:spTree>
+      <p:nvGrpSpPr>
+        <p:cNvPr id="1" name=""/>
+        <p:cNvGrpSpPr/>
+        <p:nvPr/>
+      </p:nvGrpSpPr>
+      <p:grpSpPr>
+        <a:xfrm>
+          <a:off x="0" y="0"/>
+          <a:ext cx="0" cy="0"/>
+          <a:chOff x="0" y="0"/>
+          <a:chExt cx="0" cy="0"/>
+        </a:xfrm>
+      </p:grpSpPr>
+      <p:sp>
+        <p:nvSpPr>
+          <p:cNvPr id="6" name="Titel 5"/>
+          <p:cNvSpPr>
+            <a:spLocks noGrp="1"/>
+          </p:cNvSpPr>
+          <p:nvPr>
+            <p:ph type="title"/>
+          </p:nvPr>
+        </p:nvSpPr>
+        <p:spPr/>
+        <p:txBody>
+          <a:bodyPr/>
+          <a:lstStyle/>
+          <a:p>
+            <a:r>
+              <a:rPr lang="de-DE" dirty="0" smtClean="0"/>
+              <a:t>System design</a:t>
+            </a:r>
+            <a:br>
+              <a:rPr lang="de-DE" dirty="0" smtClean="0"/>
+            </a:br>
+            <a:r>
+              <a:rPr lang="de-DE" b="0" dirty="0" err="1" smtClean="0"/>
+              <a:t>Logic</a:t>
+            </a:r>
+            <a:endParaRPr lang="de-DE" dirty="0"/>
+          </a:p>
+        </p:txBody>
+      </p:sp>
+    </p:spTree>
+    <p:extLst>
+      <p:ext uri="{BB962C8B-B14F-4D97-AF65-F5344CB8AC3E}">
+        <p14:creationId xmlns:p14="http://schemas.microsoft.com/office/powerpoint/2010/main" val="1776917456"/>
+      </p:ext>
+    </p:extLst>
+  </p:cSld>
+  <p:clrMapOvr>
+    <a:masterClrMapping/>
+  </p:clrMapOvr>
+  <p:timing>
+    <p:tnLst>
+      <p:par>
+        <p:cTn xmlns:p14="http://schemas.microsoft.com/office/powerpoint/2010/main" id="1" dur="indefinite" restart="never" nodeType="tmRoot"/>
+      </p:par>
+    </p:tnLst>
+  </p:timing>
+</p:sld>
+</file>
+
+<file path=ppt/slides/slide21.xml><?xml version="1.0" encoding="utf-8"?>
+<p:sld xmlns:a="http://schemas.openxmlformats.org/drawingml/2006/main" xmlns:r="http://schemas.openxmlformats.org/officeDocument/2006/relationships" xmlns:p="http://schemas.openxmlformats.org/presentationml/2006/main">
+  <p:cSld>
+    <p:spTree>
+      <p:nvGrpSpPr>
+        <p:cNvPr id="1" name=""/>
+        <p:cNvGrpSpPr/>
+        <p:nvPr/>
+      </p:nvGrpSpPr>
+      <p:grpSpPr>
+        <a:xfrm>
+          <a:off x="0" y="0"/>
+          <a:ext cx="0" cy="0"/>
+          <a:chOff x="0" y="0"/>
+          <a:chExt cx="0" cy="0"/>
+        </a:xfrm>
+      </p:grpSpPr>
+      <p:sp>
+        <p:nvSpPr>
+          <p:cNvPr id="5" name="Titel 4"/>
+          <p:cNvSpPr>
+            <a:spLocks noGrp="1"/>
+          </p:cNvSpPr>
+          <p:nvPr>
+            <p:ph type="title"/>
+          </p:nvPr>
+        </p:nvSpPr>
+        <p:spPr/>
+        <p:txBody>
+          <a:bodyPr>
+            <a:normAutofit/>
+          </a:bodyPr>
+          <a:lstStyle/>
+          <a:p>
+            <a:r>
+              <a:rPr lang="de-DE" dirty="0" err="1" smtClean="0"/>
+              <a:t>Questions</a:t>
+            </a:r>
+            <a:r>
+              <a:rPr lang="de-DE" dirty="0" smtClean="0"/>
+              <a:t> &amp; </a:t>
+            </a:r>
+            <a:r>
+              <a:rPr lang="de-DE" dirty="0" err="1" smtClean="0"/>
+              <a:t>Answers</a:t>
+            </a:r>
+            <a:endParaRPr lang="de-DE" dirty="0"/>
+          </a:p>
+        </p:txBody>
+      </p:sp>
+    </p:spTree>
+  </p:cSld>
+  <p:clrMapOvr>
+    <a:masterClrMapping/>
+  </p:clrMapOvr>
+  <p:timing>
+    <p:tnLst>
+      <p:par>
+        <p:cTn xmlns:p14="http://schemas.microsoft.com/office/powerpoint/2010/main" id="1" dur="indefinite" restart="never" nodeType="tmRoot"/>
+      </p:par>
+    </p:tnLst>
+  </p:timing>
+</p:sld>
+</file>
+
 <file path=ppt/slides/slide3.xml><?xml version="1.0" encoding="utf-8"?>
 <p:sld xmlns:a="http://schemas.openxmlformats.org/drawingml/2006/main" xmlns:r="http://schemas.openxmlformats.org/officeDocument/2006/relationships" xmlns:p="http://schemas.openxmlformats.org/presentationml/2006/main">
   <p:cSld>
@@ -3771,6 +3948,14 @@
             <a:r>
               <a:rPr lang="de-DE" dirty="0" err="1" smtClean="0"/>
               <a:t>Expandability</a:t>
+            </a:r>
+            <a:endParaRPr lang="de-DE" dirty="0" smtClean="0"/>
+          </a:p>
+          <a:p>
+            <a:pPr lvl="2"/>
+            <a:r>
+              <a:rPr lang="de-DE" dirty="0" err="1" smtClean="0"/>
+              <a:t>Portability</a:t>
             </a:r>
             <a:endParaRPr lang="de-DE" dirty="0" smtClean="0"/>
           </a:p>

--- a/doc/presentation/presentation.pptx
+++ b/doc/presentation/presentation.pptx
@@ -5,7 +5,7 @@
     <p:sldMasterId id="2147483648" r:id="rId4"/>
   </p:sldMasterIdLst>
   <p:handoutMasterIdLst>
-    <p:handoutMasterId r:id="rId26"/>
+    <p:handoutMasterId r:id="rId33"/>
   </p:handoutMasterIdLst>
   <p:sldIdLst>
     <p:sldId id="256" r:id="rId5"/>
@@ -15,7 +15,7 @@
     <p:sldId id="262" r:id="rId9"/>
     <p:sldId id="266" r:id="rId10"/>
     <p:sldId id="267" r:id="rId11"/>
-    <p:sldId id="268" r:id="rId12"/>
+    <p:sldId id="281" r:id="rId12"/>
     <p:sldId id="264" r:id="rId13"/>
     <p:sldId id="276" r:id="rId14"/>
     <p:sldId id="275" r:id="rId15"/>
@@ -25,10 +25,17 @@
     <p:sldId id="279" r:id="rId19"/>
     <p:sldId id="280" r:id="rId20"/>
     <p:sldId id="270" r:id="rId21"/>
-    <p:sldId id="269" r:id="rId22"/>
-    <p:sldId id="271" r:id="rId23"/>
-    <p:sldId id="272" r:id="rId24"/>
-    <p:sldId id="260" r:id="rId25"/>
+    <p:sldId id="282" r:id="rId22"/>
+    <p:sldId id="283" r:id="rId23"/>
+    <p:sldId id="285" r:id="rId24"/>
+    <p:sldId id="286" r:id="rId25"/>
+    <p:sldId id="284" r:id="rId26"/>
+    <p:sldId id="287" r:id="rId27"/>
+    <p:sldId id="288" r:id="rId28"/>
+    <p:sldId id="289" r:id="rId29"/>
+    <p:sldId id="271" r:id="rId30"/>
+    <p:sldId id="272" r:id="rId31"/>
+    <p:sldId id="260" r:id="rId32"/>
   </p:sldIdLst>
   <p:sldSz cx="9144000" cy="6858000" type="screen4x3"/>
   <p:notesSz cx="6858000" cy="9144000"/>
@@ -213,7 +220,7 @@
             <a:fld id="{B9DCE77F-B2F6-4C56-A9FE-A47B2C49451F}" type="datetimeFigureOut">
               <a:rPr lang="de-CH" smtClean="0"/>
               <a:pPr/>
-              <a:t>15.01.13</a:t>
+              <a:t>1/15/13</a:t>
             </a:fld>
             <a:endParaRPr lang="de-CH"/>
           </a:p>
@@ -3362,7 +3369,7 @@
     </p:spTree>
     <p:extLst>
       <p:ext uri="{BB962C8B-B14F-4D97-AF65-F5344CB8AC3E}">
-        <p14:creationId xmlns:p14="http://schemas.microsoft.com/office/powerpoint/2010/main" val="1051574577"/>
+        <p14:creationId xmlns:p14="http://schemas.microsoft.com/office/powerpoint/2010/main" val="4074190647"/>
       </p:ext>
     </p:extLst>
   </p:cSld>
@@ -3398,7 +3405,7 @@
       </p:grpSpPr>
       <p:sp>
         <p:nvSpPr>
-          <p:cNvPr id="6" name="Titel 5"/>
+          <p:cNvPr id="3" name="Titel 2"/>
           <p:cNvSpPr>
             <a:spLocks noGrp="1"/>
           </p:cNvSpPr>
@@ -3413,23 +3420,471 @@
           <a:p>
             <a:r>
               <a:rPr lang="de-DE" dirty="0" smtClean="0"/>
-              <a:t>System design</a:t>
-            </a:r>
-            <a:br>
-              <a:rPr lang="de-DE" dirty="0" smtClean="0"/>
-            </a:br>
-            <a:r>
-              <a:rPr lang="de-DE" b="0" dirty="0" err="1" smtClean="0"/>
-              <a:t>Presentation</a:t>
+              <a:t>Domain </a:t>
+            </a:r>
+            <a:r>
+              <a:rPr lang="de-DE" dirty="0" err="1" smtClean="0"/>
+              <a:t>model</a:t>
             </a:r>
             <a:endParaRPr lang="de-DE" dirty="0"/>
+          </a:p>
+        </p:txBody>
+      </p:sp>
+      <p:pic>
+        <p:nvPicPr>
+          <p:cNvPr id="6" name="Bild 5" descr="Screen Shot 2013-01-15 at 10.06.44 AM.png"/>
+          <p:cNvPicPr>
+            <a:picLocks noChangeAspect="1"/>
+          </p:cNvPicPr>
+          <p:nvPr/>
+        </p:nvPicPr>
+        <p:blipFill>
+          <a:blip r:embed="rId2">
+            <a:extLst>
+              <a:ext uri="{28A0092B-C50C-407E-A947-70E740481C1C}">
+                <a14:useLocalDpi xmlns:a14="http://schemas.microsoft.com/office/drawing/2010/main" val="0"/>
+              </a:ext>
+            </a:extLst>
+          </a:blip>
+          <a:stretch>
+            <a:fillRect/>
+          </a:stretch>
+        </p:blipFill>
+        <p:spPr>
+          <a:xfrm>
+            <a:off x="1800000" y="1725353"/>
+            <a:ext cx="6288498" cy="4542396"/>
+          </a:xfrm>
+          <a:prstGeom prst="rect">
+            <a:avLst/>
+          </a:prstGeom>
+        </p:spPr>
+      </p:pic>
+      <p:sp>
+        <p:nvSpPr>
+          <p:cNvPr id="2" name="Rechteck 1"/>
+          <p:cNvSpPr/>
+          <p:nvPr/>
+        </p:nvSpPr>
+        <p:spPr>
+          <a:xfrm>
+            <a:off x="5114331" y="3513762"/>
+            <a:ext cx="2982691" cy="3006505"/>
+          </a:xfrm>
+          <a:prstGeom prst="rect">
+            <a:avLst/>
+          </a:prstGeom>
+          <a:gradFill flip="none" rotWithShape="1">
+            <a:gsLst>
+              <a:gs pos="0">
+                <a:schemeClr val="accent3">
+                  <a:tint val="100000"/>
+                  <a:shade val="100000"/>
+                  <a:satMod val="130000"/>
+                  <a:alpha val="36000"/>
+                </a:schemeClr>
+              </a:gs>
+              <a:gs pos="100000">
+                <a:schemeClr val="accent3">
+                  <a:tint val="50000"/>
+                  <a:shade val="100000"/>
+                  <a:satMod val="350000"/>
+                  <a:alpha val="36000"/>
+                </a:schemeClr>
+              </a:gs>
+            </a:gsLst>
+            <a:lin ang="16200000" scaled="0"/>
+            <a:tileRect/>
+          </a:gradFill>
+        </p:spPr>
+        <p:style>
+          <a:lnRef idx="1">
+            <a:schemeClr val="accent3"/>
+          </a:lnRef>
+          <a:fillRef idx="3">
+            <a:schemeClr val="accent3"/>
+          </a:fillRef>
+          <a:effectRef idx="2">
+            <a:schemeClr val="accent3"/>
+          </a:effectRef>
+          <a:fontRef idx="minor">
+            <a:schemeClr val="lt1"/>
+          </a:fontRef>
+        </p:style>
+        <p:txBody>
+          <a:bodyPr rtlCol="0" anchor="ctr"/>
+          <a:lstStyle/>
+          <a:p>
+            <a:pPr algn="ctr"/>
+            <a:endParaRPr lang="de-DE" b="1" dirty="0">
+              <a:solidFill>
+                <a:srgbClr val="008000"/>
+              </a:solidFill>
+            </a:endParaRPr>
+          </a:p>
+        </p:txBody>
+      </p:sp>
+      <p:sp>
+        <p:nvSpPr>
+          <p:cNvPr id="4" name="Rechteck 3"/>
+          <p:cNvSpPr/>
+          <p:nvPr/>
+        </p:nvSpPr>
+        <p:spPr>
+          <a:xfrm>
+            <a:off x="1799999" y="1725353"/>
+            <a:ext cx="3213027" cy="4794914"/>
+          </a:xfrm>
+          <a:prstGeom prst="rect">
+            <a:avLst/>
+          </a:prstGeom>
+          <a:gradFill flip="none" rotWithShape="1">
+            <a:gsLst>
+              <a:gs pos="0">
+                <a:schemeClr val="accent6">
+                  <a:tint val="100000"/>
+                  <a:shade val="100000"/>
+                  <a:satMod val="130000"/>
+                  <a:alpha val="41000"/>
+                </a:schemeClr>
+              </a:gs>
+              <a:gs pos="100000">
+                <a:schemeClr val="accent6">
+                  <a:tint val="50000"/>
+                  <a:shade val="100000"/>
+                  <a:satMod val="350000"/>
+                  <a:alpha val="41000"/>
+                </a:schemeClr>
+              </a:gs>
+            </a:gsLst>
+            <a:lin ang="16200000" scaled="0"/>
+            <a:tileRect/>
+          </a:gradFill>
+        </p:spPr>
+        <p:style>
+          <a:lnRef idx="1">
+            <a:schemeClr val="accent6"/>
+          </a:lnRef>
+          <a:fillRef idx="3">
+            <a:schemeClr val="accent6"/>
+          </a:fillRef>
+          <a:effectRef idx="2">
+            <a:schemeClr val="accent6"/>
+          </a:effectRef>
+          <a:fontRef idx="minor">
+            <a:schemeClr val="lt1"/>
+          </a:fontRef>
+        </p:style>
+        <p:txBody>
+          <a:bodyPr rtlCol="0" anchor="ctr"/>
+          <a:lstStyle/>
+          <a:p>
+            <a:pPr algn="ctr"/>
+            <a:endParaRPr lang="de-DE" b="1" dirty="0">
+              <a:solidFill>
+                <a:srgbClr val="FF6600"/>
+              </a:solidFill>
+            </a:endParaRPr>
+          </a:p>
+        </p:txBody>
+      </p:sp>
+      <p:sp>
+        <p:nvSpPr>
+          <p:cNvPr id="7" name="Textfeld 6"/>
+          <p:cNvSpPr txBox="1"/>
+          <p:nvPr/>
+        </p:nvSpPr>
+        <p:spPr>
+          <a:xfrm>
+            <a:off x="1800000" y="5812381"/>
+            <a:ext cx="2419326" cy="707886"/>
+          </a:xfrm>
+          <a:prstGeom prst="rect">
+            <a:avLst/>
+          </a:prstGeom>
+          <a:noFill/>
+        </p:spPr>
+        <p:txBody>
+          <a:bodyPr wrap="square" rtlCol="0">
+            <a:spAutoFit/>
+          </a:bodyPr>
+          <a:lstStyle/>
+          <a:p>
+            <a:r>
+              <a:rPr lang="de-DE" sz="2000" dirty="0" smtClean="0">
+                <a:latin typeface="Arial"/>
+                <a:cs typeface="Arial"/>
+              </a:rPr>
+              <a:t>Transaction </a:t>
+            </a:r>
+            <a:r>
+              <a:rPr lang="de-DE" sz="2000" dirty="0" err="1" smtClean="0">
+                <a:latin typeface="Arial"/>
+                <a:cs typeface="Arial"/>
+              </a:rPr>
+              <a:t>data</a:t>
+            </a:r>
+            <a:r>
+              <a:rPr lang="de-DE" sz="2000" dirty="0" smtClean="0">
+                <a:latin typeface="Arial"/>
+                <a:cs typeface="Arial"/>
+              </a:rPr>
+              <a:t>:</a:t>
+            </a:r>
+          </a:p>
+          <a:p>
+            <a:r>
+              <a:rPr lang="de-DE" sz="2000" dirty="0" err="1" smtClean="0">
+                <a:latin typeface="Arial"/>
+                <a:cs typeface="Arial"/>
+              </a:rPr>
+              <a:t>Object</a:t>
+            </a:r>
+            <a:r>
+              <a:rPr lang="de-DE" sz="2000" dirty="0" smtClean="0">
+                <a:latin typeface="Arial"/>
+                <a:cs typeface="Arial"/>
+              </a:rPr>
+              <a:t> </a:t>
+            </a:r>
+            <a:r>
+              <a:rPr lang="de-DE" sz="2000" dirty="0" err="1" smtClean="0">
+                <a:latin typeface="Arial"/>
+                <a:cs typeface="Arial"/>
+              </a:rPr>
+              <a:t>serialization</a:t>
+            </a:r>
+            <a:endParaRPr lang="de-DE" sz="2000" dirty="0">
+              <a:latin typeface="Arial"/>
+              <a:cs typeface="Arial"/>
+            </a:endParaRPr>
+          </a:p>
+        </p:txBody>
+      </p:sp>
+      <p:sp>
+        <p:nvSpPr>
+          <p:cNvPr id="8" name="Textfeld 7"/>
+          <p:cNvSpPr txBox="1"/>
+          <p:nvPr/>
+        </p:nvSpPr>
+        <p:spPr>
+          <a:xfrm>
+            <a:off x="6443388" y="5812381"/>
+            <a:ext cx="1645110" cy="707886"/>
+          </a:xfrm>
+          <a:prstGeom prst="rect">
+            <a:avLst/>
+          </a:prstGeom>
+          <a:noFill/>
+        </p:spPr>
+        <p:txBody>
+          <a:bodyPr wrap="square" rtlCol="0">
+            <a:spAutoFit/>
+          </a:bodyPr>
+          <a:lstStyle/>
+          <a:p>
+            <a:pPr algn="r"/>
+            <a:r>
+              <a:rPr lang="de-DE" sz="2000" dirty="0" smtClean="0">
+                <a:latin typeface="Arial"/>
+                <a:cs typeface="Arial"/>
+              </a:rPr>
+              <a:t>Master </a:t>
+            </a:r>
+            <a:r>
+              <a:rPr lang="de-DE" sz="2000" dirty="0" err="1" smtClean="0">
+                <a:latin typeface="Arial"/>
+                <a:cs typeface="Arial"/>
+              </a:rPr>
+              <a:t>data</a:t>
+            </a:r>
+            <a:r>
+              <a:rPr lang="de-DE" sz="2000" dirty="0" smtClean="0">
+                <a:latin typeface="Arial"/>
+                <a:cs typeface="Arial"/>
+              </a:rPr>
+              <a:t>:</a:t>
+            </a:r>
+          </a:p>
+          <a:p>
+            <a:pPr algn="r"/>
+            <a:r>
+              <a:rPr lang="de-DE" sz="2000" dirty="0" smtClean="0">
+                <a:latin typeface="Arial"/>
+                <a:cs typeface="Arial"/>
+              </a:rPr>
+              <a:t>JAXB</a:t>
+            </a:r>
+            <a:endParaRPr lang="de-DE" sz="2000" dirty="0">
+              <a:latin typeface="Arial"/>
+              <a:cs typeface="Arial"/>
+            </a:endParaRPr>
+          </a:p>
+        </p:txBody>
+      </p:sp>
+      <p:sp>
+        <p:nvSpPr>
+          <p:cNvPr id="9" name="Rechteck 8"/>
+          <p:cNvSpPr/>
+          <p:nvPr/>
+        </p:nvSpPr>
+        <p:spPr>
+          <a:xfrm>
+            <a:off x="5114331" y="1725353"/>
+            <a:ext cx="2982691" cy="1700983"/>
+          </a:xfrm>
+          <a:prstGeom prst="rect">
+            <a:avLst/>
+          </a:prstGeom>
+          <a:solidFill>
+            <a:schemeClr val="accent1">
+              <a:alpha val="55000"/>
+            </a:schemeClr>
+          </a:solidFill>
+        </p:spPr>
+        <p:style>
+          <a:lnRef idx="2">
+            <a:schemeClr val="accent1">
+              <a:shade val="50000"/>
+            </a:schemeClr>
+          </a:lnRef>
+          <a:fillRef idx="1">
+            <a:schemeClr val="accent1"/>
+          </a:fillRef>
+          <a:effectRef idx="0">
+            <a:schemeClr val="accent1"/>
+          </a:effectRef>
+          <a:fontRef idx="minor">
+            <a:schemeClr val="lt1"/>
+          </a:fontRef>
+        </p:style>
+        <p:txBody>
+          <a:bodyPr rtlCol="0" anchor="ctr"/>
+          <a:lstStyle/>
+          <a:p>
+            <a:pPr algn="ctr"/>
+            <a:endParaRPr lang="de-DE" b="1" dirty="0">
+              <a:solidFill>
+                <a:srgbClr val="008000"/>
+              </a:solidFill>
+            </a:endParaRPr>
+          </a:p>
+        </p:txBody>
+      </p:sp>
+      <p:sp>
+        <p:nvSpPr>
+          <p:cNvPr id="10" name="Textfeld 9"/>
+          <p:cNvSpPr txBox="1"/>
+          <p:nvPr/>
+        </p:nvSpPr>
+        <p:spPr>
+          <a:xfrm>
+            <a:off x="5583146" y="1813970"/>
+            <a:ext cx="2505353" cy="707886"/>
+          </a:xfrm>
+          <a:prstGeom prst="rect">
+            <a:avLst/>
+          </a:prstGeom>
+          <a:noFill/>
+        </p:spPr>
+        <p:txBody>
+          <a:bodyPr wrap="square" rtlCol="0">
+            <a:spAutoFit/>
+          </a:bodyPr>
+          <a:lstStyle/>
+          <a:p>
+            <a:pPr algn="r"/>
+            <a:r>
+              <a:rPr lang="de-DE" sz="2000" dirty="0" smtClean="0">
+                <a:latin typeface="Arial"/>
+                <a:cs typeface="Arial"/>
+              </a:rPr>
+              <a:t>Not </a:t>
+            </a:r>
+            <a:r>
+              <a:rPr lang="de-DE" sz="2000" dirty="0" err="1" smtClean="0">
+                <a:latin typeface="Arial"/>
+                <a:cs typeface="Arial"/>
+              </a:rPr>
+              <a:t>held</a:t>
+            </a:r>
+            <a:r>
+              <a:rPr lang="de-DE" sz="2000" dirty="0">
+                <a:latin typeface="Arial"/>
+                <a:cs typeface="Arial"/>
+              </a:rPr>
+              <a:t> </a:t>
+            </a:r>
+            <a:r>
+              <a:rPr lang="de-DE" sz="2000" dirty="0" smtClean="0">
+                <a:latin typeface="Arial"/>
+                <a:cs typeface="Arial"/>
+              </a:rPr>
+              <a:t>persistent</a:t>
+            </a:r>
+          </a:p>
+          <a:p>
+            <a:pPr algn="r"/>
+            <a:r>
+              <a:rPr lang="de-DE" sz="2000" dirty="0" smtClean="0">
+                <a:latin typeface="Arial"/>
+                <a:cs typeface="Arial"/>
+              </a:rPr>
+              <a:t>(</a:t>
+            </a:r>
+            <a:r>
+              <a:rPr lang="de-DE" sz="2000" dirty="0" err="1" smtClean="0">
+                <a:latin typeface="Arial"/>
+                <a:cs typeface="Arial"/>
+              </a:rPr>
+              <a:t>only</a:t>
+            </a:r>
+            <a:r>
+              <a:rPr lang="de-DE" sz="2000" dirty="0" smtClean="0">
+                <a:latin typeface="Arial"/>
+                <a:cs typeface="Arial"/>
+              </a:rPr>
+              <a:t> in </a:t>
+            </a:r>
+            <a:r>
+              <a:rPr lang="de-DE" sz="2000" dirty="0" err="1" smtClean="0">
+                <a:latin typeface="Arial"/>
+                <a:cs typeface="Arial"/>
+              </a:rPr>
+              <a:t>game</a:t>
+            </a:r>
+            <a:r>
+              <a:rPr lang="de-DE" sz="2000" dirty="0" smtClean="0">
+                <a:latin typeface="Arial"/>
+                <a:cs typeface="Arial"/>
+              </a:rPr>
+              <a:t> </a:t>
+            </a:r>
+            <a:r>
+              <a:rPr lang="de-DE" sz="2000" dirty="0" err="1" smtClean="0">
+                <a:latin typeface="Arial"/>
+                <a:cs typeface="Arial"/>
+              </a:rPr>
+              <a:t>logic</a:t>
+            </a:r>
+            <a:r>
+              <a:rPr lang="de-DE" sz="2000" dirty="0" smtClean="0">
+                <a:latin typeface="Arial"/>
+                <a:cs typeface="Arial"/>
+              </a:rPr>
+              <a:t>)</a:t>
+            </a:r>
+            <a:endParaRPr lang="de-DE" sz="2000" dirty="0">
+              <a:latin typeface="Arial"/>
+              <a:cs typeface="Arial"/>
+            </a:endParaRPr>
           </a:p>
         </p:txBody>
       </p:sp>
     </p:spTree>
     <p:extLst>
       <p:ext uri="{BB962C8B-B14F-4D97-AF65-F5344CB8AC3E}">
-        <p14:creationId xmlns:p14="http://schemas.microsoft.com/office/powerpoint/2010/main" val="1776917456"/>
+        <p14:creationId xmlns:p14="http://schemas.microsoft.com/office/powerpoint/2010/main" val="2929341426"/>
       </p:ext>
     </p:extLst>
   </p:cSld>
@@ -3608,11 +4063,7 @@
           <a:p>
             <a:r>
               <a:rPr lang="de-DE" dirty="0" smtClean="0"/>
-              <a:t>Q &amp; </a:t>
-            </a:r>
-            <a:r>
-              <a:rPr lang="de-DE" dirty="0" smtClean="0"/>
-              <a:t>A</a:t>
+              <a:t>Q &amp; A</a:t>
             </a:r>
             <a:endParaRPr lang="de-DE" sz="2000" dirty="0" smtClean="0"/>
           </a:p>
@@ -3693,6 +4144,1037 @@
       </p:grpSpPr>
       <p:sp>
         <p:nvSpPr>
+          <p:cNvPr id="2" name="Titel 1"/>
+          <p:cNvSpPr>
+            <a:spLocks noGrp="1"/>
+          </p:cNvSpPr>
+          <p:nvPr>
+            <p:ph type="title"/>
+          </p:nvPr>
+        </p:nvSpPr>
+        <p:spPr/>
+        <p:txBody>
+          <a:bodyPr/>
+          <a:lstStyle/>
+          <a:p>
+            <a:r>
+              <a:rPr lang="de-DE" dirty="0" smtClean="0"/>
+              <a:t>Transaction </a:t>
+            </a:r>
+            <a:r>
+              <a:rPr lang="de-DE" dirty="0" err="1" smtClean="0"/>
+              <a:t>data</a:t>
+            </a:r>
+            <a:endParaRPr lang="de-DE" dirty="0"/>
+          </a:p>
+        </p:txBody>
+      </p:sp>
+      <p:pic>
+        <p:nvPicPr>
+          <p:cNvPr id="3" name="Bild 2" descr="Screen Shot 2013-01-15 at 5.53.38 PM.png"/>
+          <p:cNvPicPr>
+            <a:picLocks noChangeAspect="1"/>
+          </p:cNvPicPr>
+          <p:nvPr/>
+        </p:nvPicPr>
+        <p:blipFill>
+          <a:blip r:embed="rId2">
+            <a:extLst>
+              <a:ext uri="{28A0092B-C50C-407E-A947-70E740481C1C}">
+                <a14:useLocalDpi xmlns:a14="http://schemas.microsoft.com/office/drawing/2010/main" val="0"/>
+              </a:ext>
+            </a:extLst>
+          </a:blip>
+          <a:stretch>
+            <a:fillRect/>
+          </a:stretch>
+        </p:blipFill>
+        <p:spPr>
+          <a:xfrm>
+            <a:off x="1765904" y="1692376"/>
+            <a:ext cx="3749051" cy="3495737"/>
+          </a:xfrm>
+          <a:prstGeom prst="rect">
+            <a:avLst/>
+          </a:prstGeom>
+        </p:spPr>
+      </p:pic>
+      <p:sp>
+        <p:nvSpPr>
+          <p:cNvPr id="5" name="Inhaltsplatzhalter 3"/>
+          <p:cNvSpPr>
+            <a:spLocks noGrp="1"/>
+          </p:cNvSpPr>
+          <p:nvPr>
+            <p:ph idx="1"/>
+          </p:nvPr>
+        </p:nvSpPr>
+        <p:spPr>
+          <a:xfrm>
+            <a:off x="5668385" y="1861725"/>
+            <a:ext cx="3115614" cy="4114512"/>
+          </a:xfrm>
+        </p:spPr>
+        <p:txBody>
+          <a:bodyPr/>
+          <a:lstStyle/>
+          <a:p>
+            <a:pPr lvl="2"/>
+            <a:r>
+              <a:rPr lang="de-DE" dirty="0" smtClean="0"/>
+              <a:t>Human </a:t>
+            </a:r>
+            <a:r>
+              <a:rPr lang="de-DE" dirty="0" err="1" smtClean="0"/>
+              <a:t>readability</a:t>
+            </a:r>
+            <a:r>
+              <a:rPr lang="de-DE" dirty="0" smtClean="0"/>
+              <a:t> not </a:t>
+            </a:r>
+            <a:r>
+              <a:rPr lang="de-DE" dirty="0" err="1" smtClean="0"/>
+              <a:t>required</a:t>
+            </a:r>
+            <a:endParaRPr lang="de-DE" dirty="0" smtClean="0"/>
+          </a:p>
+          <a:p>
+            <a:pPr lvl="2"/>
+            <a:r>
+              <a:rPr lang="de-DE" dirty="0" smtClean="0"/>
+              <a:t>Simple </a:t>
+            </a:r>
+            <a:r>
+              <a:rPr lang="de-DE" dirty="0" err="1" smtClean="0"/>
+              <a:t>solution</a:t>
+            </a:r>
+            <a:endParaRPr lang="de-DE" dirty="0" smtClean="0"/>
+          </a:p>
+          <a:p>
+            <a:pPr lvl="2"/>
+            <a:r>
+              <a:rPr lang="de-DE" dirty="0" err="1" smtClean="0"/>
+              <a:t>Modelling</a:t>
+            </a:r>
+            <a:r>
+              <a:rPr lang="de-DE" dirty="0" smtClean="0"/>
+              <a:t> </a:t>
+            </a:r>
+            <a:r>
+              <a:rPr lang="de-DE" dirty="0" err="1" smtClean="0"/>
+              <a:t>through</a:t>
+            </a:r>
+            <a:r>
+              <a:rPr lang="de-DE" dirty="0" smtClean="0"/>
+              <a:t> </a:t>
+            </a:r>
+            <a:r>
+              <a:rPr lang="de-DE" dirty="0" err="1" smtClean="0"/>
+              <a:t>interfaces</a:t>
+            </a:r>
+            <a:endParaRPr lang="de-DE" dirty="0" smtClean="0"/>
+          </a:p>
+          <a:p>
+            <a:pPr lvl="2"/>
+            <a:endParaRPr lang="de-DE" dirty="0"/>
+          </a:p>
+          <a:p>
+            <a:endParaRPr lang="de-DE" dirty="0"/>
+          </a:p>
+        </p:txBody>
+      </p:sp>
+    </p:spTree>
+    <p:extLst>
+      <p:ext uri="{BB962C8B-B14F-4D97-AF65-F5344CB8AC3E}">
+        <p14:creationId xmlns:p14="http://schemas.microsoft.com/office/powerpoint/2010/main" val="2916079400"/>
+      </p:ext>
+    </p:extLst>
+  </p:cSld>
+  <p:clrMapOvr>
+    <a:masterClrMapping/>
+  </p:clrMapOvr>
+</p:sld>
+</file>
+
+<file path=ppt/slides/slide21.xml><?xml version="1.0" encoding="utf-8"?>
+<p:sld xmlns:a="http://schemas.openxmlformats.org/drawingml/2006/main" xmlns:r="http://schemas.openxmlformats.org/officeDocument/2006/relationships" xmlns:p="http://schemas.openxmlformats.org/presentationml/2006/main">
+  <p:cSld>
+    <p:spTree>
+      <p:nvGrpSpPr>
+        <p:cNvPr id="1" name=""/>
+        <p:cNvGrpSpPr/>
+        <p:nvPr/>
+      </p:nvGrpSpPr>
+      <p:grpSpPr>
+        <a:xfrm>
+          <a:off x="0" y="0"/>
+          <a:ext cx="0" cy="0"/>
+          <a:chOff x="0" y="0"/>
+          <a:chExt cx="0" cy="0"/>
+        </a:xfrm>
+      </p:grpSpPr>
+      <p:sp>
+        <p:nvSpPr>
+          <p:cNvPr id="2" name="Titel 1"/>
+          <p:cNvSpPr>
+            <a:spLocks noGrp="1"/>
+          </p:cNvSpPr>
+          <p:nvPr>
+            <p:ph type="title"/>
+          </p:nvPr>
+        </p:nvSpPr>
+        <p:spPr/>
+        <p:txBody>
+          <a:bodyPr/>
+          <a:lstStyle/>
+          <a:p>
+            <a:r>
+              <a:rPr lang="de-DE" dirty="0" smtClean="0"/>
+              <a:t>Model </a:t>
+            </a:r>
+            <a:r>
+              <a:rPr lang="de-DE" dirty="0" err="1" smtClean="0"/>
+              <a:t>vs</a:t>
+            </a:r>
+            <a:r>
+              <a:rPr lang="de-DE" dirty="0" smtClean="0"/>
+              <a:t> </a:t>
+            </a:r>
+            <a:r>
+              <a:rPr lang="de-DE" dirty="0" err="1" smtClean="0"/>
+              <a:t>persistence</a:t>
+            </a:r>
+            <a:r>
+              <a:rPr lang="de-DE" dirty="0" smtClean="0"/>
+              <a:t> </a:t>
+            </a:r>
+            <a:r>
+              <a:rPr lang="de-DE" dirty="0" err="1" smtClean="0"/>
+              <a:t>data</a:t>
+            </a:r>
+            <a:r>
+              <a:rPr lang="de-DE" dirty="0" smtClean="0"/>
+              <a:t> </a:t>
+            </a:r>
+            <a:r>
+              <a:rPr lang="de-DE" dirty="0" err="1" smtClean="0"/>
+              <a:t>objects</a:t>
+            </a:r>
+            <a:r>
+              <a:rPr lang="de-DE" dirty="0" smtClean="0"/>
+              <a:t> (PDO)</a:t>
+            </a:r>
+            <a:endParaRPr lang="de-DE" dirty="0"/>
+          </a:p>
+        </p:txBody>
+      </p:sp>
+      <p:pic>
+        <p:nvPicPr>
+          <p:cNvPr id="6" name="Bild 5" descr="Screen Shot 2013-01-15 at 6.12.10 PM.png"/>
+          <p:cNvPicPr>
+            <a:picLocks noChangeAspect="1"/>
+          </p:cNvPicPr>
+          <p:nvPr/>
+        </p:nvPicPr>
+        <p:blipFill>
+          <a:blip r:embed="rId2">
+            <a:extLst>
+              <a:ext uri="{28A0092B-C50C-407E-A947-70E740481C1C}">
+                <a14:useLocalDpi xmlns:a14="http://schemas.microsoft.com/office/drawing/2010/main" val="0"/>
+              </a:ext>
+            </a:extLst>
+          </a:blip>
+          <a:stretch>
+            <a:fillRect/>
+          </a:stretch>
+        </p:blipFill>
+        <p:spPr>
+          <a:xfrm>
+            <a:off x="1748856" y="1777881"/>
+            <a:ext cx="6984000" cy="3144312"/>
+          </a:xfrm>
+          <a:prstGeom prst="rect">
+            <a:avLst/>
+          </a:prstGeom>
+        </p:spPr>
+      </p:pic>
+      <p:sp>
+        <p:nvSpPr>
+          <p:cNvPr id="7" name="Inhaltsplatzhalter 3"/>
+          <p:cNvSpPr>
+            <a:spLocks noGrp="1"/>
+          </p:cNvSpPr>
+          <p:nvPr>
+            <p:ph idx="1"/>
+          </p:nvPr>
+        </p:nvSpPr>
+        <p:spPr>
+          <a:xfrm>
+            <a:off x="1800000" y="5062795"/>
+            <a:ext cx="6860269" cy="913441"/>
+          </a:xfrm>
+        </p:spPr>
+        <p:txBody>
+          <a:bodyPr>
+            <a:normAutofit/>
+          </a:bodyPr>
+          <a:lstStyle/>
+          <a:p>
+            <a:pPr marL="0" lvl="2" indent="0">
+              <a:buNone/>
+            </a:pPr>
+            <a:r>
+              <a:rPr lang="de-DE" dirty="0" smtClean="0"/>
+              <a:t>A </a:t>
+            </a:r>
+            <a:r>
+              <a:rPr lang="de-DE" dirty="0" err="1" smtClean="0"/>
+              <a:t>data</a:t>
+            </a:r>
+            <a:r>
+              <a:rPr lang="de-DE" dirty="0" smtClean="0"/>
+              <a:t> </a:t>
+            </a:r>
+            <a:r>
+              <a:rPr lang="de-DE" dirty="0" err="1" smtClean="0"/>
+              <a:t>access</a:t>
+            </a:r>
+            <a:r>
+              <a:rPr lang="de-DE" dirty="0" smtClean="0"/>
+              <a:t> </a:t>
+            </a:r>
+            <a:r>
+              <a:rPr lang="de-DE" dirty="0" err="1" smtClean="0"/>
+              <a:t>object</a:t>
+            </a:r>
+            <a:r>
+              <a:rPr lang="de-DE" dirty="0" smtClean="0"/>
+              <a:t> (DAO) </a:t>
+            </a:r>
+            <a:r>
+              <a:rPr lang="de-DE" dirty="0" err="1" smtClean="0"/>
+              <a:t>persists</a:t>
+            </a:r>
+            <a:r>
+              <a:rPr lang="de-DE" dirty="0" smtClean="0"/>
+              <a:t> a </a:t>
+            </a:r>
+            <a:r>
+              <a:rPr lang="de-DE" dirty="0" err="1" smtClean="0"/>
+              <a:t>single</a:t>
+            </a:r>
+            <a:r>
+              <a:rPr lang="de-DE" dirty="0" smtClean="0"/>
+              <a:t> </a:t>
+            </a:r>
+            <a:r>
+              <a:rPr lang="de-DE" dirty="0" err="1" smtClean="0"/>
+              <a:t>instance</a:t>
+            </a:r>
+            <a:r>
+              <a:rPr lang="de-DE" dirty="0" smtClean="0"/>
+              <a:t> </a:t>
+            </a:r>
+            <a:r>
+              <a:rPr lang="de-DE" dirty="0" err="1" smtClean="0"/>
+              <a:t>of</a:t>
+            </a:r>
+            <a:r>
+              <a:rPr lang="de-DE" dirty="0" smtClean="0"/>
+              <a:t> </a:t>
+            </a:r>
+            <a:r>
+              <a:rPr lang="de-DE" dirty="0" err="1" smtClean="0">
+                <a:latin typeface="Consolas"/>
+                <a:cs typeface="Consolas"/>
+              </a:rPr>
+              <a:t>SimulationStore</a:t>
+            </a:r>
+            <a:r>
+              <a:rPr lang="de-DE" dirty="0" err="1" smtClean="0">
+                <a:latin typeface="Consolas"/>
+                <a:cs typeface="Consolas"/>
+              </a:rPr>
+              <a:t>Pdo</a:t>
+            </a:r>
+            <a:endParaRPr lang="de-DE" dirty="0">
+              <a:latin typeface="Consolas"/>
+              <a:cs typeface="Consolas"/>
+            </a:endParaRPr>
+          </a:p>
+          <a:p>
+            <a:pPr algn="r"/>
+            <a:endParaRPr lang="de-DE" dirty="0"/>
+          </a:p>
+        </p:txBody>
+      </p:sp>
+    </p:spTree>
+    <p:extLst>
+      <p:ext uri="{BB962C8B-B14F-4D97-AF65-F5344CB8AC3E}">
+        <p14:creationId xmlns:p14="http://schemas.microsoft.com/office/powerpoint/2010/main" val="764403910"/>
+      </p:ext>
+    </p:extLst>
+  </p:cSld>
+  <p:clrMapOvr>
+    <a:masterClrMapping/>
+  </p:clrMapOvr>
+</p:sld>
+</file>
+
+<file path=ppt/slides/slide22.xml><?xml version="1.0" encoding="utf-8"?>
+<p:sld xmlns:a="http://schemas.openxmlformats.org/drawingml/2006/main" xmlns:r="http://schemas.openxmlformats.org/officeDocument/2006/relationships" xmlns:p="http://schemas.openxmlformats.org/presentationml/2006/main">
+  <p:cSld>
+    <p:spTree>
+      <p:nvGrpSpPr>
+        <p:cNvPr id="1" name=""/>
+        <p:cNvGrpSpPr/>
+        <p:nvPr/>
+      </p:nvGrpSpPr>
+      <p:grpSpPr>
+        <a:xfrm>
+          <a:off x="0" y="0"/>
+          <a:ext cx="0" cy="0"/>
+          <a:chOff x="0" y="0"/>
+          <a:chExt cx="0" cy="0"/>
+        </a:xfrm>
+      </p:grpSpPr>
+      <p:sp>
+        <p:nvSpPr>
+          <p:cNvPr id="2" name="Titel 1"/>
+          <p:cNvSpPr>
+            <a:spLocks noGrp="1"/>
+          </p:cNvSpPr>
+          <p:nvPr>
+            <p:ph type="title"/>
+          </p:nvPr>
+        </p:nvSpPr>
+        <p:spPr/>
+        <p:txBody>
+          <a:bodyPr/>
+          <a:lstStyle/>
+          <a:p>
+            <a:r>
+              <a:rPr lang="de-DE" dirty="0" smtClean="0"/>
+              <a:t>Master </a:t>
+            </a:r>
+            <a:r>
+              <a:rPr lang="de-DE" dirty="0" err="1" smtClean="0"/>
+              <a:t>data</a:t>
+            </a:r>
+            <a:endParaRPr lang="de-DE" dirty="0"/>
+          </a:p>
+        </p:txBody>
+      </p:sp>
+      <p:pic>
+        <p:nvPicPr>
+          <p:cNvPr id="6" name="Bild 5" descr="Screen Shot 2013-01-15 at 6.37.14 PM.png"/>
+          <p:cNvPicPr>
+            <a:picLocks noChangeAspect="1"/>
+          </p:cNvPicPr>
+          <p:nvPr/>
+        </p:nvPicPr>
+        <p:blipFill>
+          <a:blip r:embed="rId2">
+            <a:extLst>
+              <a:ext uri="{28A0092B-C50C-407E-A947-70E740481C1C}">
+                <a14:useLocalDpi xmlns:a14="http://schemas.microsoft.com/office/drawing/2010/main" val="0"/>
+              </a:ext>
+            </a:extLst>
+          </a:blip>
+          <a:stretch>
+            <a:fillRect/>
+          </a:stretch>
+        </p:blipFill>
+        <p:spPr>
+          <a:xfrm>
+            <a:off x="1775888" y="1861724"/>
+            <a:ext cx="3952164" cy="4181275"/>
+          </a:xfrm>
+          <a:prstGeom prst="rect">
+            <a:avLst/>
+          </a:prstGeom>
+        </p:spPr>
+      </p:pic>
+      <p:sp>
+        <p:nvSpPr>
+          <p:cNvPr id="7" name="Inhaltsplatzhalter 6"/>
+          <p:cNvSpPr>
+            <a:spLocks noGrp="1"/>
+          </p:cNvSpPr>
+          <p:nvPr>
+            <p:ph idx="1"/>
+          </p:nvPr>
+        </p:nvSpPr>
+        <p:spPr>
+          <a:xfrm>
+            <a:off x="5830339" y="2037051"/>
+            <a:ext cx="2953660" cy="3939186"/>
+          </a:xfrm>
+        </p:spPr>
+        <p:txBody>
+          <a:bodyPr/>
+          <a:lstStyle/>
+          <a:p>
+            <a:pPr lvl="2"/>
+            <a:r>
+              <a:rPr lang="de-DE" dirty="0"/>
+              <a:t>Human </a:t>
+            </a:r>
+            <a:r>
+              <a:rPr lang="de-DE" dirty="0" err="1"/>
+              <a:t>readability</a:t>
+            </a:r>
+            <a:r>
+              <a:rPr lang="de-DE" dirty="0"/>
+              <a:t> </a:t>
+            </a:r>
+            <a:r>
+              <a:rPr lang="de-DE" dirty="0" err="1" smtClean="0"/>
+              <a:t>mandatory</a:t>
+            </a:r>
+            <a:endParaRPr lang="de-DE" dirty="0"/>
+          </a:p>
+          <a:p>
+            <a:pPr lvl="2"/>
+            <a:r>
+              <a:rPr lang="de-DE" dirty="0" smtClean="0"/>
+              <a:t>Syntax </a:t>
+            </a:r>
+            <a:r>
+              <a:rPr lang="de-DE" dirty="0" err="1" smtClean="0"/>
+              <a:t>checking</a:t>
+            </a:r>
+            <a:r>
+              <a:rPr lang="de-DE" dirty="0" smtClean="0"/>
+              <a:t> </a:t>
+            </a:r>
+            <a:r>
+              <a:rPr lang="de-DE" dirty="0" err="1" smtClean="0"/>
+              <a:t>possible</a:t>
+            </a:r>
+            <a:r>
+              <a:rPr lang="de-DE" dirty="0" smtClean="0"/>
+              <a:t> </a:t>
+            </a:r>
+            <a:r>
+              <a:rPr lang="de-DE" dirty="0" err="1" smtClean="0"/>
+              <a:t>using</a:t>
+            </a:r>
+            <a:r>
+              <a:rPr lang="de-DE" dirty="0"/>
+              <a:t/>
+            </a:r>
+            <a:br>
+              <a:rPr lang="de-DE" dirty="0"/>
+            </a:br>
+            <a:r>
+              <a:rPr lang="de-DE" dirty="0" smtClean="0"/>
+              <a:t>XSD-Schema</a:t>
+            </a:r>
+            <a:endParaRPr lang="de-DE" dirty="0"/>
+          </a:p>
+        </p:txBody>
+      </p:sp>
+    </p:spTree>
+    <p:extLst>
+      <p:ext uri="{BB962C8B-B14F-4D97-AF65-F5344CB8AC3E}">
+        <p14:creationId xmlns:p14="http://schemas.microsoft.com/office/powerpoint/2010/main" val="2253214857"/>
+      </p:ext>
+    </p:extLst>
+  </p:cSld>
+  <p:clrMapOvr>
+    <a:masterClrMapping/>
+  </p:clrMapOvr>
+</p:sld>
+</file>
+
+<file path=ppt/slides/slide23.xml><?xml version="1.0" encoding="utf-8"?>
+<p:sld xmlns:a="http://schemas.openxmlformats.org/drawingml/2006/main" xmlns:r="http://schemas.openxmlformats.org/officeDocument/2006/relationships" xmlns:p="http://schemas.openxmlformats.org/presentationml/2006/main">
+  <p:cSld>
+    <p:spTree>
+      <p:nvGrpSpPr>
+        <p:cNvPr id="1" name=""/>
+        <p:cNvGrpSpPr/>
+        <p:nvPr/>
+      </p:nvGrpSpPr>
+      <p:grpSpPr>
+        <a:xfrm>
+          <a:off x="0" y="0"/>
+          <a:ext cx="0" cy="0"/>
+          <a:chOff x="0" y="0"/>
+          <a:chExt cx="0" cy="0"/>
+        </a:xfrm>
+      </p:grpSpPr>
+      <p:sp>
+        <p:nvSpPr>
+          <p:cNvPr id="2" name="Titel 1"/>
+          <p:cNvSpPr>
+            <a:spLocks noGrp="1"/>
+          </p:cNvSpPr>
+          <p:nvPr>
+            <p:ph type="title"/>
+          </p:nvPr>
+        </p:nvSpPr>
+        <p:spPr/>
+        <p:txBody>
+          <a:bodyPr/>
+          <a:lstStyle/>
+          <a:p>
+            <a:r>
+              <a:rPr lang="de-DE" dirty="0" smtClean="0"/>
+              <a:t>XML-</a:t>
+            </a:r>
+            <a:r>
+              <a:rPr lang="de-DE" dirty="0" err="1" smtClean="0"/>
+              <a:t>persistence</a:t>
+            </a:r>
+            <a:r>
+              <a:rPr lang="de-DE" dirty="0" smtClean="0"/>
+              <a:t> </a:t>
+            </a:r>
+            <a:r>
+              <a:rPr lang="de-DE" dirty="0" err="1" smtClean="0"/>
+              <a:t>data</a:t>
+            </a:r>
+            <a:r>
+              <a:rPr lang="de-DE" dirty="0" smtClean="0"/>
+              <a:t> </a:t>
+            </a:r>
+            <a:r>
+              <a:rPr lang="de-DE" dirty="0" err="1" smtClean="0"/>
+              <a:t>objects</a:t>
+            </a:r>
+            <a:endParaRPr lang="de-DE" dirty="0"/>
+          </a:p>
+        </p:txBody>
+      </p:sp>
+      <p:sp>
+        <p:nvSpPr>
+          <p:cNvPr id="7" name="Inhaltsplatzhalter 6"/>
+          <p:cNvSpPr>
+            <a:spLocks noGrp="1"/>
+          </p:cNvSpPr>
+          <p:nvPr>
+            <p:ph idx="1"/>
+          </p:nvPr>
+        </p:nvSpPr>
+        <p:spPr>
+          <a:xfrm>
+            <a:off x="5047837" y="2037051"/>
+            <a:ext cx="3736162" cy="3939186"/>
+          </a:xfrm>
+        </p:spPr>
+        <p:txBody>
+          <a:bodyPr/>
+          <a:lstStyle/>
+          <a:p>
+            <a:pPr lvl="2"/>
+            <a:r>
+              <a:rPr lang="de-DE" dirty="0" smtClean="0"/>
+              <a:t>Java </a:t>
+            </a:r>
+            <a:r>
+              <a:rPr lang="de-DE" dirty="0" err="1" smtClean="0"/>
+              <a:t>classes</a:t>
+            </a:r>
+            <a:r>
+              <a:rPr lang="de-DE" dirty="0" smtClean="0"/>
+              <a:t> </a:t>
+            </a:r>
+            <a:r>
+              <a:rPr lang="de-DE" dirty="0" err="1" smtClean="0"/>
+              <a:t>are</a:t>
+            </a:r>
+            <a:r>
+              <a:rPr lang="de-DE" dirty="0" smtClean="0"/>
+              <a:t> </a:t>
+            </a:r>
+            <a:r>
+              <a:rPr lang="de-DE" dirty="0" err="1" smtClean="0"/>
+              <a:t>mapped</a:t>
+            </a:r>
+            <a:r>
+              <a:rPr lang="de-DE" dirty="0" smtClean="0"/>
+              <a:t> </a:t>
+            </a:r>
+            <a:r>
+              <a:rPr lang="de-DE" dirty="0" err="1" smtClean="0"/>
+              <a:t>to</a:t>
+            </a:r>
+            <a:r>
+              <a:rPr lang="de-DE" dirty="0" smtClean="0"/>
+              <a:t> XML </a:t>
+            </a:r>
+            <a:r>
+              <a:rPr lang="de-DE" dirty="0" err="1" smtClean="0"/>
+              <a:t>using</a:t>
+            </a:r>
+            <a:r>
+              <a:rPr lang="de-DE" dirty="0" smtClean="0"/>
+              <a:t> JAXB </a:t>
+            </a:r>
+            <a:r>
+              <a:rPr lang="de-DE" dirty="0" err="1" smtClean="0"/>
+              <a:t>annotations</a:t>
+            </a:r>
+            <a:endParaRPr lang="de-DE" dirty="0"/>
+          </a:p>
+          <a:p>
+            <a:pPr lvl="2"/>
+            <a:r>
+              <a:rPr lang="de-DE" dirty="0" err="1" smtClean="0"/>
+              <a:t>Again</a:t>
+            </a:r>
+            <a:r>
+              <a:rPr lang="de-DE" dirty="0" smtClean="0"/>
+              <a:t>, PDO-</a:t>
+            </a:r>
+            <a:r>
+              <a:rPr lang="de-DE" dirty="0" err="1" smtClean="0"/>
+              <a:t>classes</a:t>
+            </a:r>
+            <a:r>
+              <a:rPr lang="de-DE" dirty="0" smtClean="0"/>
+              <a:t> </a:t>
+            </a:r>
+            <a:r>
+              <a:rPr lang="de-DE" dirty="0" err="1" smtClean="0"/>
+              <a:t>implement</a:t>
+            </a:r>
+            <a:r>
+              <a:rPr lang="de-DE" dirty="0" smtClean="0"/>
+              <a:t> </a:t>
+            </a:r>
+            <a:r>
+              <a:rPr lang="de-DE" dirty="0" err="1" smtClean="0"/>
+              <a:t>interfaces</a:t>
+            </a:r>
+            <a:r>
+              <a:rPr lang="de-DE" dirty="0" smtClean="0"/>
+              <a:t> </a:t>
+            </a:r>
+            <a:r>
+              <a:rPr lang="de-DE" dirty="0" err="1" smtClean="0"/>
+              <a:t>from</a:t>
+            </a:r>
+            <a:r>
+              <a:rPr lang="de-DE" dirty="0" smtClean="0"/>
+              <a:t> </a:t>
+            </a:r>
+            <a:r>
+              <a:rPr lang="de-DE" dirty="0" err="1" smtClean="0"/>
+              <a:t>core-package</a:t>
+            </a:r>
+            <a:endParaRPr lang="de-DE" dirty="0" smtClean="0"/>
+          </a:p>
+          <a:p>
+            <a:pPr lvl="2"/>
+            <a:r>
+              <a:rPr lang="de-DE" dirty="0" err="1" smtClean="0"/>
+              <a:t>Unmarshalling</a:t>
+            </a:r>
+            <a:r>
+              <a:rPr lang="de-DE" dirty="0" smtClean="0"/>
+              <a:t> </a:t>
+            </a:r>
+            <a:r>
+              <a:rPr lang="de-DE" dirty="0" err="1" smtClean="0"/>
+              <a:t>of</a:t>
+            </a:r>
+            <a:r>
+              <a:rPr lang="de-DE" dirty="0" smtClean="0"/>
+              <a:t> </a:t>
+            </a:r>
+            <a:r>
+              <a:rPr lang="de-DE" dirty="0" err="1" smtClean="0"/>
+              <a:t>playfields.xml</a:t>
+            </a:r>
+            <a:r>
+              <a:rPr lang="de-DE" dirty="0" smtClean="0"/>
+              <a:t> </a:t>
+            </a:r>
+            <a:r>
+              <a:rPr lang="de-DE" dirty="0" err="1" smtClean="0"/>
+              <a:t>file</a:t>
+            </a:r>
+            <a:r>
+              <a:rPr lang="de-DE" dirty="0" smtClean="0"/>
+              <a:t> </a:t>
+            </a:r>
+            <a:r>
+              <a:rPr lang="de-DE" dirty="0" err="1" smtClean="0"/>
+              <a:t>returns</a:t>
+            </a:r>
+            <a:r>
+              <a:rPr lang="de-DE" dirty="0" smtClean="0"/>
+              <a:t> a </a:t>
+            </a:r>
+            <a:r>
+              <a:rPr lang="de-DE" dirty="0" smtClean="0">
+                <a:latin typeface="Consolas"/>
+                <a:cs typeface="Consolas"/>
+              </a:rPr>
+              <a:t>List</a:t>
+            </a:r>
+            <a:r>
+              <a:rPr lang="de-DE" dirty="0" smtClean="0"/>
+              <a:t> </a:t>
+            </a:r>
+            <a:r>
+              <a:rPr lang="de-DE" dirty="0" err="1" smtClean="0"/>
+              <a:t>of</a:t>
+            </a:r>
+            <a:r>
+              <a:rPr lang="de-DE" dirty="0" smtClean="0"/>
+              <a:t> </a:t>
+            </a:r>
+            <a:r>
+              <a:rPr lang="de-DE" dirty="0" err="1" smtClean="0">
+                <a:latin typeface="Consolas"/>
+                <a:cs typeface="Consolas"/>
+              </a:rPr>
+              <a:t>PlayFieldPdo</a:t>
+            </a:r>
+            <a:endParaRPr lang="de-DE" dirty="0"/>
+          </a:p>
+        </p:txBody>
+      </p:sp>
+      <p:pic>
+        <p:nvPicPr>
+          <p:cNvPr id="3" name="Bild 2" descr="Screen Shot 2013-01-15 at 7.01.21 PM.png"/>
+          <p:cNvPicPr>
+            <a:picLocks noChangeAspect="1"/>
+          </p:cNvPicPr>
+          <p:nvPr/>
+        </p:nvPicPr>
+        <p:blipFill>
+          <a:blip r:embed="rId2">
+            <a:extLst>
+              <a:ext uri="{28A0092B-C50C-407E-A947-70E740481C1C}">
+                <a14:useLocalDpi xmlns:a14="http://schemas.microsoft.com/office/drawing/2010/main" val="0"/>
+              </a:ext>
+            </a:extLst>
+          </a:blip>
+          <a:stretch>
+            <a:fillRect/>
+          </a:stretch>
+        </p:blipFill>
+        <p:spPr>
+          <a:xfrm>
+            <a:off x="1775888" y="1861724"/>
+            <a:ext cx="3271949" cy="4181275"/>
+          </a:xfrm>
+          <a:prstGeom prst="rect">
+            <a:avLst/>
+          </a:prstGeom>
+        </p:spPr>
+      </p:pic>
+    </p:spTree>
+    <p:extLst>
+      <p:ext uri="{BB962C8B-B14F-4D97-AF65-F5344CB8AC3E}">
+        <p14:creationId xmlns:p14="http://schemas.microsoft.com/office/powerpoint/2010/main" val="1201976150"/>
+      </p:ext>
+    </p:extLst>
+  </p:cSld>
+  <p:clrMapOvr>
+    <a:masterClrMapping/>
+  </p:clrMapOvr>
+</p:sld>
+</file>
+
+<file path=ppt/slides/slide24.xml><?xml version="1.0" encoding="utf-8"?>
+<p:sld xmlns:a="http://schemas.openxmlformats.org/drawingml/2006/main" xmlns:r="http://schemas.openxmlformats.org/officeDocument/2006/relationships" xmlns:p="http://schemas.openxmlformats.org/presentationml/2006/main">
+  <p:cSld>
+    <p:spTree>
+      <p:nvGrpSpPr>
+        <p:cNvPr id="1" name=""/>
+        <p:cNvGrpSpPr/>
+        <p:nvPr/>
+      </p:nvGrpSpPr>
+      <p:grpSpPr>
+        <a:xfrm>
+          <a:off x="0" y="0"/>
+          <a:ext cx="0" cy="0"/>
+          <a:chOff x="0" y="0"/>
+          <a:chExt cx="0" cy="0"/>
+        </a:xfrm>
+      </p:grpSpPr>
+      <p:sp>
+        <p:nvSpPr>
+          <p:cNvPr id="2" name="Titel 1"/>
+          <p:cNvSpPr>
+            <a:spLocks noGrp="1"/>
+          </p:cNvSpPr>
+          <p:nvPr>
+            <p:ph type="title"/>
+          </p:nvPr>
+        </p:nvSpPr>
+        <p:spPr/>
+        <p:txBody>
+          <a:bodyPr/>
+          <a:lstStyle/>
+          <a:p>
+            <a:r>
+              <a:rPr lang="de-DE" dirty="0" smtClean="0"/>
+              <a:t>Java JAXB </a:t>
+            </a:r>
+            <a:r>
+              <a:rPr lang="de-DE" dirty="0" err="1" smtClean="0"/>
+              <a:t>bindings</a:t>
+            </a:r>
+            <a:endParaRPr lang="de-DE" dirty="0"/>
+          </a:p>
+        </p:txBody>
+      </p:sp>
+      <p:pic>
+        <p:nvPicPr>
+          <p:cNvPr id="4" name="Bild 3" descr="Screen Shot 2013-01-15 at 7.03.30 PM.png"/>
+          <p:cNvPicPr>
+            <a:picLocks noChangeAspect="1"/>
+          </p:cNvPicPr>
+          <p:nvPr/>
+        </p:nvPicPr>
+        <p:blipFill>
+          <a:blip r:embed="rId2">
+            <a:extLst>
+              <a:ext uri="{28A0092B-C50C-407E-A947-70E740481C1C}">
+                <a14:useLocalDpi xmlns:a14="http://schemas.microsoft.com/office/drawing/2010/main" val="0"/>
+              </a:ext>
+            </a:extLst>
+          </a:blip>
+          <a:stretch>
+            <a:fillRect/>
+          </a:stretch>
+        </p:blipFill>
+        <p:spPr>
+          <a:xfrm>
+            <a:off x="1800000" y="1861724"/>
+            <a:ext cx="6698316" cy="4377719"/>
+          </a:xfrm>
+          <a:prstGeom prst="rect">
+            <a:avLst/>
+          </a:prstGeom>
+        </p:spPr>
+      </p:pic>
+    </p:spTree>
+    <p:extLst>
+      <p:ext uri="{BB962C8B-B14F-4D97-AF65-F5344CB8AC3E}">
+        <p14:creationId xmlns:p14="http://schemas.microsoft.com/office/powerpoint/2010/main" val="696515288"/>
+      </p:ext>
+    </p:extLst>
+  </p:cSld>
+  <p:clrMapOvr>
+    <a:masterClrMapping/>
+  </p:clrMapOvr>
+</p:sld>
+</file>
+
+<file path=ppt/slides/slide25.xml><?xml version="1.0" encoding="utf-8"?>
+<p:sld xmlns:a="http://schemas.openxmlformats.org/drawingml/2006/main" xmlns:r="http://schemas.openxmlformats.org/officeDocument/2006/relationships" xmlns:p="http://schemas.openxmlformats.org/presentationml/2006/main">
+  <p:cSld>
+    <p:spTree>
+      <p:nvGrpSpPr>
+        <p:cNvPr id="1" name=""/>
+        <p:cNvGrpSpPr/>
+        <p:nvPr/>
+      </p:nvGrpSpPr>
+      <p:grpSpPr>
+        <a:xfrm>
+          <a:off x="0" y="0"/>
+          <a:ext cx="0" cy="0"/>
+          <a:chOff x="0" y="0"/>
+          <a:chExt cx="0" cy="0"/>
+        </a:xfrm>
+      </p:grpSpPr>
+      <p:sp>
+        <p:nvSpPr>
+          <p:cNvPr id="2" name="Titel 1"/>
+          <p:cNvSpPr>
+            <a:spLocks noGrp="1"/>
+          </p:cNvSpPr>
+          <p:nvPr>
+            <p:ph type="title"/>
+          </p:nvPr>
+        </p:nvSpPr>
+        <p:spPr/>
+        <p:txBody>
+          <a:bodyPr/>
+          <a:lstStyle/>
+          <a:p>
+            <a:r>
+              <a:rPr lang="de-DE" dirty="0" err="1" smtClean="0"/>
+              <a:t>Playfield</a:t>
+            </a:r>
+            <a:r>
+              <a:rPr lang="de-DE" dirty="0" smtClean="0"/>
+              <a:t> in XML</a:t>
+            </a:r>
+            <a:endParaRPr lang="de-DE" dirty="0"/>
+          </a:p>
+        </p:txBody>
+      </p:sp>
+      <p:pic>
+        <p:nvPicPr>
+          <p:cNvPr id="3" name="Bild 2" descr="Screen Shot 2013-01-15 at 7.13.04 PM.png"/>
+          <p:cNvPicPr>
+            <a:picLocks noChangeAspect="1"/>
+          </p:cNvPicPr>
+          <p:nvPr/>
+        </p:nvPicPr>
+        <p:blipFill>
+          <a:blip r:embed="rId2">
+            <a:extLst>
+              <a:ext uri="{28A0092B-C50C-407E-A947-70E740481C1C}">
+                <a14:useLocalDpi xmlns:a14="http://schemas.microsoft.com/office/drawing/2010/main" val="0"/>
+              </a:ext>
+            </a:extLst>
+          </a:blip>
+          <a:stretch>
+            <a:fillRect/>
+          </a:stretch>
+        </p:blipFill>
+        <p:spPr>
+          <a:xfrm>
+            <a:off x="1800000" y="1861724"/>
+            <a:ext cx="6708625" cy="4147150"/>
+          </a:xfrm>
+          <a:prstGeom prst="rect">
+            <a:avLst/>
+          </a:prstGeom>
+        </p:spPr>
+      </p:pic>
+    </p:spTree>
+    <p:extLst>
+      <p:ext uri="{BB962C8B-B14F-4D97-AF65-F5344CB8AC3E}">
+        <p14:creationId xmlns:p14="http://schemas.microsoft.com/office/powerpoint/2010/main" val="1027270910"/>
+      </p:ext>
+    </p:extLst>
+  </p:cSld>
+  <p:clrMapOvr>
+    <a:masterClrMapping/>
+  </p:clrMapOvr>
+</p:sld>
+</file>
+
+<file path=ppt/slides/slide26.xml><?xml version="1.0" encoding="utf-8"?>
+<p:sld xmlns:a="http://schemas.openxmlformats.org/drawingml/2006/main" xmlns:r="http://schemas.openxmlformats.org/officeDocument/2006/relationships" xmlns:p="http://schemas.openxmlformats.org/presentationml/2006/main">
+  <p:cSld>
+    <p:spTree>
+      <p:nvGrpSpPr>
+        <p:cNvPr id="1" name=""/>
+        <p:cNvGrpSpPr/>
+        <p:nvPr/>
+      </p:nvGrpSpPr>
+      <p:grpSpPr>
+        <a:xfrm>
+          <a:off x="0" y="0"/>
+          <a:ext cx="0" cy="0"/>
+          <a:chOff x="0" y="0"/>
+          <a:chExt cx="0" cy="0"/>
+        </a:xfrm>
+      </p:grpSpPr>
+      <p:sp>
+        <p:nvSpPr>
           <p:cNvPr id="6" name="Titel 5"/>
           <p:cNvSpPr>
             <a:spLocks noGrp="1"/>
@@ -3715,7 +5197,7 @@
             </a:br>
             <a:r>
               <a:rPr lang="de-DE" b="0" dirty="0" err="1" smtClean="0"/>
-              <a:t>Logic</a:t>
+              <a:t>Presentation</a:t>
             </a:r>
             <a:endParaRPr lang="de-DE" dirty="0"/>
           </a:p>
@@ -3741,7 +5223,74 @@
 </p:sld>
 </file>
 
-<file path=ppt/slides/slide21.xml><?xml version="1.0" encoding="utf-8"?>
+<file path=ppt/slides/slide27.xml><?xml version="1.0" encoding="utf-8"?>
+<p:sld xmlns:a="http://schemas.openxmlformats.org/drawingml/2006/main" xmlns:r="http://schemas.openxmlformats.org/officeDocument/2006/relationships" xmlns:p="http://schemas.openxmlformats.org/presentationml/2006/main">
+  <p:cSld>
+    <p:spTree>
+      <p:nvGrpSpPr>
+        <p:cNvPr id="1" name=""/>
+        <p:cNvGrpSpPr/>
+        <p:nvPr/>
+      </p:nvGrpSpPr>
+      <p:grpSpPr>
+        <a:xfrm>
+          <a:off x="0" y="0"/>
+          <a:ext cx="0" cy="0"/>
+          <a:chOff x="0" y="0"/>
+          <a:chExt cx="0" cy="0"/>
+        </a:xfrm>
+      </p:grpSpPr>
+      <p:sp>
+        <p:nvSpPr>
+          <p:cNvPr id="6" name="Titel 5"/>
+          <p:cNvSpPr>
+            <a:spLocks noGrp="1"/>
+          </p:cNvSpPr>
+          <p:nvPr>
+            <p:ph type="title"/>
+          </p:nvPr>
+        </p:nvSpPr>
+        <p:spPr/>
+        <p:txBody>
+          <a:bodyPr/>
+          <a:lstStyle/>
+          <a:p>
+            <a:r>
+              <a:rPr lang="de-DE" dirty="0" smtClean="0"/>
+              <a:t>System design</a:t>
+            </a:r>
+            <a:br>
+              <a:rPr lang="de-DE" dirty="0" smtClean="0"/>
+            </a:br>
+            <a:r>
+              <a:rPr lang="de-DE" b="0" dirty="0" err="1" smtClean="0"/>
+              <a:t>Logic</a:t>
+            </a:r>
+            <a:endParaRPr lang="de-DE" dirty="0"/>
+          </a:p>
+        </p:txBody>
+      </p:sp>
+    </p:spTree>
+    <p:extLst>
+      <p:ext uri="{BB962C8B-B14F-4D97-AF65-F5344CB8AC3E}">
+        <p14:creationId xmlns:p14="http://schemas.microsoft.com/office/powerpoint/2010/main" val="1776917456"/>
+      </p:ext>
+    </p:extLst>
+  </p:cSld>
+  <p:clrMapOvr>
+    <a:masterClrMapping/>
+  </p:clrMapOvr>
+  <p:timing>
+    <p:tnLst>
+      <p:par>
+        <p:cTn xmlns:p14="http://schemas.microsoft.com/office/powerpoint/2010/main" id="1" dur="indefinite" restart="never" nodeType="tmRoot"/>
+      </p:par>
+    </p:tnLst>
+  </p:timing>
+</p:sld>
+</file>
+
+<file path=ppt/slides/slide28.xml><?xml version="1.0" encoding="utf-8"?>
 <p:sld xmlns:a="http://schemas.openxmlformats.org/drawingml/2006/main" xmlns:r="http://schemas.openxmlformats.org/officeDocument/2006/relationships" xmlns:p="http://schemas.openxmlformats.org/presentationml/2006/main">
   <p:cSld>
     <p:spTree>
@@ -5354,7 +6903,7 @@
         </p:nvSpPr>
         <p:spPr>
           <a:xfrm>
-            <a:off x="0" y="6396335"/>
+            <a:off x="0" y="6380946"/>
             <a:ext cx="9144000" cy="461665"/>
           </a:xfrm>
           <a:prstGeom prst="rect">
@@ -5368,10 +6917,178 @@
           <a:lstStyle/>
           <a:p>
             <a:r>
+              <a:rPr lang="de-DE" sz="800" dirty="0" smtClean="0">
+                <a:latin typeface="Arial"/>
+                <a:cs typeface="Arial"/>
+              </a:rPr>
+              <a:t>http</a:t>
+            </a:r>
+            <a:r>
               <a:rPr lang="de-DE" sz="800" dirty="0">
                 <a:latin typeface="Arial"/>
                 <a:cs typeface="Arial"/>
               </a:rPr>
+              <a:t>://</a:t>
+            </a:r>
+            <a:r>
+              <a:rPr lang="de-DE" sz="800" dirty="0" err="1">
+                <a:latin typeface="Arial"/>
+                <a:cs typeface="Arial"/>
+              </a:rPr>
+              <a:t>www.eclipse.org</a:t>
+            </a:r>
+            <a:r>
+              <a:rPr lang="de-DE" sz="800" dirty="0">
+                <a:latin typeface="Arial"/>
+                <a:cs typeface="Arial"/>
+              </a:rPr>
+              <a:t>/</a:t>
+            </a:r>
+            <a:r>
+              <a:rPr lang="de-DE" sz="800" dirty="0" err="1">
+                <a:latin typeface="Arial"/>
+                <a:cs typeface="Arial"/>
+              </a:rPr>
+              <a:t>eclipse.org-common</a:t>
+            </a:r>
+            <a:r>
+              <a:rPr lang="de-DE" sz="800" dirty="0">
+                <a:latin typeface="Arial"/>
+                <a:cs typeface="Arial"/>
+              </a:rPr>
+              <a:t>/</a:t>
+            </a:r>
+            <a:r>
+              <a:rPr lang="de-DE" sz="800" dirty="0" err="1">
+                <a:latin typeface="Arial"/>
+                <a:cs typeface="Arial"/>
+              </a:rPr>
+              <a:t>themes</a:t>
+            </a:r>
+            <a:r>
+              <a:rPr lang="de-DE" sz="800" dirty="0">
+                <a:latin typeface="Arial"/>
+                <a:cs typeface="Arial"/>
+              </a:rPr>
+              <a:t>/Nova/</a:t>
+            </a:r>
+            <a:r>
+              <a:rPr lang="de-DE" sz="800" dirty="0" err="1">
+                <a:latin typeface="Arial"/>
+                <a:cs typeface="Arial"/>
+              </a:rPr>
+              <a:t>images</a:t>
+            </a:r>
+            <a:r>
+              <a:rPr lang="de-DE" sz="800" dirty="0">
+                <a:latin typeface="Arial"/>
+                <a:cs typeface="Arial"/>
+              </a:rPr>
+              <a:t>/</a:t>
+            </a:r>
+            <a:r>
+              <a:rPr lang="de-DE" sz="800" dirty="0" err="1" smtClean="0">
+                <a:latin typeface="Arial"/>
+                <a:cs typeface="Arial"/>
+              </a:rPr>
+              <a:t>eclipse.png</a:t>
+            </a:r>
+            <a:r>
+              <a:rPr lang="de-DE" sz="800" dirty="0" smtClean="0">
+                <a:latin typeface="Arial"/>
+                <a:cs typeface="Arial"/>
+              </a:rPr>
+              <a:t> </a:t>
+            </a:r>
+            <a:r>
+              <a:rPr lang="de-DE" sz="800" dirty="0" smtClean="0">
+                <a:latin typeface="Arial"/>
+                <a:cs typeface="Arial"/>
+              </a:rPr>
+              <a:t>http</a:t>
+            </a:r>
+            <a:r>
+              <a:rPr lang="de-DE" sz="800" dirty="0">
+                <a:latin typeface="Arial"/>
+                <a:cs typeface="Arial"/>
+              </a:rPr>
+              <a:t>://</a:t>
+            </a:r>
+            <a:r>
+              <a:rPr lang="de-DE" sz="800" dirty="0" err="1">
+                <a:latin typeface="Arial"/>
+                <a:cs typeface="Arial"/>
+              </a:rPr>
+              <a:t>astah.net</a:t>
+            </a:r>
+            <a:r>
+              <a:rPr lang="de-DE" sz="800" dirty="0">
+                <a:latin typeface="Arial"/>
+                <a:cs typeface="Arial"/>
+              </a:rPr>
+              <a:t>/</a:t>
+            </a:r>
+            <a:r>
+              <a:rPr lang="de-DE" sz="800" dirty="0" err="1">
+                <a:latin typeface="Arial"/>
+                <a:cs typeface="Arial"/>
+              </a:rPr>
+              <a:t>resources</a:t>
+            </a:r>
+            <a:r>
+              <a:rPr lang="de-DE" sz="800" dirty="0">
+                <a:latin typeface="Arial"/>
+                <a:cs typeface="Arial"/>
+              </a:rPr>
+              <a:t>/</a:t>
+            </a:r>
+            <a:r>
+              <a:rPr lang="de-DE" sz="800" dirty="0" err="1">
+                <a:latin typeface="Arial"/>
+                <a:cs typeface="Arial"/>
+              </a:rPr>
+              <a:t>images</a:t>
+            </a:r>
+            <a:r>
+              <a:rPr lang="de-DE" sz="800" dirty="0">
+                <a:latin typeface="Arial"/>
+                <a:cs typeface="Arial"/>
+              </a:rPr>
+              <a:t>/</a:t>
+            </a:r>
+            <a:r>
+              <a:rPr lang="de-DE" sz="800" dirty="0" err="1">
+                <a:latin typeface="Arial"/>
+                <a:cs typeface="Arial"/>
+              </a:rPr>
+              <a:t>logos</a:t>
+            </a:r>
+            <a:r>
+              <a:rPr lang="de-DE" sz="800" dirty="0">
+                <a:latin typeface="Arial"/>
+                <a:cs typeface="Arial"/>
+              </a:rPr>
+              <a:t>/</a:t>
+            </a:r>
+            <a:r>
+              <a:rPr lang="de-DE" sz="800" dirty="0" err="1" smtClean="0">
+                <a:latin typeface="Arial"/>
+                <a:cs typeface="Arial"/>
+              </a:rPr>
+              <a:t>AstahCommunity.png</a:t>
+            </a:r>
+            <a:r>
+              <a:rPr lang="de-DE" sz="800" dirty="0" smtClean="0">
+                <a:latin typeface="Arial"/>
+                <a:cs typeface="Arial"/>
+              </a:rPr>
+              <a:t> </a:t>
+            </a:r>
+            <a:r>
+              <a:rPr lang="de-DE" sz="800" dirty="0">
+                <a:latin typeface="Arial"/>
+                <a:cs typeface="Arial"/>
+              </a:rPr>
               <a:t>http://</a:t>
             </a:r>
             <a:r>
@@ -5379,6 +7096,103 @@
                 <a:latin typeface="Arial"/>
                 <a:cs typeface="Arial"/>
               </a:rPr>
+              <a:t>maven.apache.org</a:t>
+            </a:r>
+            <a:r>
+              <a:rPr lang="de-DE" sz="800" dirty="0">
+                <a:latin typeface="Arial"/>
+                <a:cs typeface="Arial"/>
+              </a:rPr>
+              <a:t>/</a:t>
+            </a:r>
+            <a:r>
+              <a:rPr lang="de-DE" sz="800" dirty="0" err="1">
+                <a:latin typeface="Arial"/>
+                <a:cs typeface="Arial"/>
+              </a:rPr>
+              <a:t>images</a:t>
+            </a:r>
+            <a:r>
+              <a:rPr lang="de-DE" sz="800" dirty="0">
+                <a:latin typeface="Arial"/>
+                <a:cs typeface="Arial"/>
+              </a:rPr>
+              <a:t>/maven-logo-2.</a:t>
+            </a:r>
+            <a:r>
+              <a:rPr lang="de-DE" sz="800" dirty="0" smtClean="0">
+                <a:latin typeface="Arial"/>
+                <a:cs typeface="Arial"/>
+              </a:rPr>
+              <a:t>gif</a:t>
+            </a:r>
+            <a:endParaRPr lang="de-DE" sz="800" dirty="0" smtClean="0">
+              <a:latin typeface="Arial"/>
+              <a:cs typeface="Arial"/>
+            </a:endParaRPr>
+          </a:p>
+          <a:p>
+            <a:r>
+              <a:rPr lang="de-DE" sz="800" dirty="0" smtClean="0">
+                <a:latin typeface="Arial"/>
+                <a:cs typeface="Arial"/>
+              </a:rPr>
+              <a:t>http://</a:t>
+            </a:r>
+            <a:r>
+              <a:rPr lang="de-DE" sz="800" dirty="0" err="1" smtClean="0">
+                <a:latin typeface="Arial"/>
+                <a:cs typeface="Arial"/>
+              </a:rPr>
+              <a:t>www.redmine.org</a:t>
+            </a:r>
+            <a:r>
+              <a:rPr lang="de-DE" sz="800" dirty="0" smtClean="0">
+                <a:latin typeface="Arial"/>
+                <a:cs typeface="Arial"/>
+              </a:rPr>
+              <a:t>/</a:t>
+            </a:r>
+            <a:r>
+              <a:rPr lang="de-DE" sz="800" dirty="0" err="1" smtClean="0">
+                <a:latin typeface="Arial"/>
+                <a:cs typeface="Arial"/>
+              </a:rPr>
+              <a:t>boards</a:t>
+            </a:r>
+            <a:r>
+              <a:rPr lang="de-DE" sz="800" dirty="0" smtClean="0">
+                <a:latin typeface="Arial"/>
+                <a:cs typeface="Arial"/>
+              </a:rPr>
+              <a:t>/1/</a:t>
+            </a:r>
+            <a:r>
+              <a:rPr lang="de-DE" sz="800" dirty="0" err="1" smtClean="0">
+                <a:latin typeface="Arial"/>
+                <a:cs typeface="Arial"/>
+              </a:rPr>
+              <a:t>topics</a:t>
+            </a:r>
+            <a:r>
+              <a:rPr lang="de-DE" sz="800" dirty="0" smtClean="0">
+                <a:latin typeface="Arial"/>
+                <a:cs typeface="Arial"/>
+              </a:rPr>
+              <a:t>/1183?page</a:t>
+            </a:r>
+            <a:r>
+              <a:rPr lang="de-DE" sz="800" dirty="0">
+                <a:latin typeface="Arial"/>
+                <a:cs typeface="Arial"/>
+              </a:rPr>
+              <a:t>=2 http://</a:t>
+            </a:r>
+            <a:r>
+              <a:rPr lang="de-DE" sz="800" dirty="0" err="1">
+                <a:latin typeface="Arial"/>
+                <a:cs typeface="Arial"/>
+              </a:rPr>
               <a:t>git-scm.com</a:t>
             </a:r>
             <a:r>
@@ -5400,21 +7214,216 @@
                 <a:latin typeface="Arial"/>
                 <a:cs typeface="Arial"/>
               </a:rPr>
-              <a:t>/logo@</a:t>
+              <a:t>/logo@2x.png </a:t>
             </a:r>
             <a:r>
               <a:rPr lang="de-DE" sz="800" dirty="0" smtClean="0">
                 <a:latin typeface="Arial"/>
                 <a:cs typeface="Arial"/>
               </a:rPr>
-              <a:t>2x.png http</a:t>
+              <a:t>http://</a:t>
+            </a:r>
+            <a:r>
+              <a:rPr lang="de-DE" sz="800" dirty="0" err="1" smtClean="0">
+                <a:latin typeface="Arial"/>
+                <a:cs typeface="Arial"/>
+              </a:rPr>
+              <a:t>upload.wikimedia.org</a:t>
+            </a:r>
+            <a:r>
+              <a:rPr lang="de-DE" sz="800" dirty="0" smtClean="0">
+                <a:latin typeface="Arial"/>
+                <a:cs typeface="Arial"/>
+              </a:rPr>
+              <a:t>/</a:t>
+            </a:r>
+            <a:r>
+              <a:rPr lang="de-DE" sz="800" dirty="0" err="1" smtClean="0">
+                <a:latin typeface="Arial"/>
+                <a:cs typeface="Arial"/>
+              </a:rPr>
+              <a:t>wikipedia</a:t>
+            </a:r>
+            <a:r>
+              <a:rPr lang="de-DE" sz="800" dirty="0" smtClean="0">
+                <a:latin typeface="Arial"/>
+                <a:cs typeface="Arial"/>
+              </a:rPr>
+              <a:t>/</a:t>
+            </a:r>
+            <a:r>
+              <a:rPr lang="de-DE" sz="800" dirty="0" err="1" smtClean="0">
+                <a:latin typeface="Arial"/>
+                <a:cs typeface="Arial"/>
+              </a:rPr>
+              <a:t>commons</a:t>
+            </a:r>
+            <a:r>
+              <a:rPr lang="de-DE" sz="800" dirty="0" smtClean="0">
+                <a:latin typeface="Arial"/>
+                <a:cs typeface="Arial"/>
+              </a:rPr>
+              <a:t>/</a:t>
+            </a:r>
+            <a:r>
+              <a:rPr lang="de-DE" sz="800" dirty="0" err="1" smtClean="0">
+                <a:latin typeface="Arial"/>
+                <a:cs typeface="Arial"/>
+              </a:rPr>
+              <a:t>thumb</a:t>
+            </a:r>
+            <a:r>
+              <a:rPr lang="de-DE" sz="800" dirty="0" smtClean="0">
+                <a:latin typeface="Arial"/>
+                <a:cs typeface="Arial"/>
+              </a:rPr>
+              <a:t>/b/b3/</a:t>
+            </a:r>
+            <a:r>
+              <a:rPr lang="de-DE" sz="800" dirty="0" err="1" smtClean="0">
+                <a:latin typeface="Arial"/>
+                <a:cs typeface="Arial"/>
+              </a:rPr>
+              <a:t>GitHub.svg</a:t>
+            </a:r>
+            <a:r>
+              <a:rPr lang="de-DE" sz="800" dirty="0" smtClean="0">
+                <a:latin typeface="Arial"/>
+                <a:cs typeface="Arial"/>
+              </a:rPr>
+              <a:t>/500px-</a:t>
+            </a:r>
+            <a:r>
+              <a:rPr lang="de-DE" sz="800" dirty="0" smtClean="0">
+                <a:latin typeface="Arial"/>
+                <a:cs typeface="Arial"/>
+              </a:rPr>
+              <a:t>GitHub.svg.png</a:t>
+            </a:r>
+            <a:endParaRPr lang="de-DE" sz="800" dirty="0" smtClean="0">
+              <a:latin typeface="Arial"/>
+              <a:cs typeface="Arial"/>
+            </a:endParaRPr>
+          </a:p>
+          <a:p>
+            <a:r>
+              <a:rPr lang="de-DE" sz="800" dirty="0" smtClean="0">
+                <a:latin typeface="Arial"/>
+                <a:cs typeface="Arial"/>
+              </a:rPr>
+              <a:t>http://ci.m02.ch/</a:t>
+            </a:r>
+            <a:r>
+              <a:rPr lang="de-DE" sz="800" dirty="0" err="1" smtClean="0">
+                <a:latin typeface="Arial"/>
+                <a:cs typeface="Arial"/>
+              </a:rPr>
+              <a:t>artifactory</a:t>
+            </a:r>
+            <a:r>
+              <a:rPr lang="de-DE" sz="800" dirty="0" smtClean="0">
+                <a:latin typeface="Arial"/>
+                <a:cs typeface="Arial"/>
+              </a:rPr>
+              <a:t>/</a:t>
+            </a:r>
+            <a:r>
+              <a:rPr lang="de-DE" sz="800" dirty="0" err="1" smtClean="0">
+                <a:latin typeface="Arial"/>
+                <a:cs typeface="Arial"/>
+              </a:rPr>
+              <a:t>webapp</a:t>
+            </a:r>
+            <a:r>
+              <a:rPr lang="de-DE" sz="800" dirty="0" smtClean="0">
+                <a:latin typeface="Arial"/>
+                <a:cs typeface="Arial"/>
+              </a:rPr>
+              <a:t>/</a:t>
+            </a:r>
+            <a:r>
+              <a:rPr lang="de-DE" sz="800" dirty="0" err="1" smtClean="0">
+                <a:latin typeface="Arial"/>
+                <a:cs typeface="Arial"/>
+              </a:rPr>
+              <a:t>wicket</a:t>
+            </a:r>
+            <a:r>
+              <a:rPr lang="de-DE" sz="800" dirty="0" smtClean="0">
+                <a:latin typeface="Arial"/>
+                <a:cs typeface="Arial"/>
+              </a:rPr>
+              <a:t>/</a:t>
+            </a:r>
+            <a:r>
+              <a:rPr lang="de-DE" sz="800" dirty="0" err="1" smtClean="0">
+                <a:latin typeface="Arial"/>
+                <a:cs typeface="Arial"/>
+              </a:rPr>
+              <a:t>resource</a:t>
+            </a:r>
+            <a:r>
+              <a:rPr lang="de-DE" sz="800" dirty="0" smtClean="0">
+                <a:latin typeface="Arial"/>
+                <a:cs typeface="Arial"/>
+              </a:rPr>
+              <a:t>/</a:t>
+            </a:r>
+            <a:r>
+              <a:rPr lang="de-DE" sz="800" dirty="0" err="1" smtClean="0">
+                <a:latin typeface="Arial"/>
+                <a:cs typeface="Arial"/>
+              </a:rPr>
+              <a:t>org.artifactory.web.ui.skins.GreenSkin</a:t>
+            </a:r>
+            <a:r>
+              <a:rPr lang="de-DE" sz="800" dirty="0" smtClean="0">
+                <a:latin typeface="Arial"/>
+                <a:cs typeface="Arial"/>
+              </a:rPr>
+              <a:t>/</a:t>
+            </a:r>
+            <a:r>
+              <a:rPr lang="de-DE" sz="800" dirty="0" err="1" smtClean="0">
+                <a:latin typeface="Arial"/>
+                <a:cs typeface="Arial"/>
+              </a:rPr>
+              <a:t>images</a:t>
+            </a:r>
+            <a:r>
+              <a:rPr lang="de-DE" sz="800" dirty="0" smtClean="0">
+                <a:latin typeface="Arial"/>
+                <a:cs typeface="Arial"/>
+              </a:rPr>
+              <a:t>/</a:t>
+            </a:r>
+            <a:r>
+              <a:rPr lang="de-DE" sz="800" dirty="0" err="1" smtClean="0">
+                <a:latin typeface="Arial"/>
+                <a:cs typeface="Arial"/>
+              </a:rPr>
+              <a:t>header</a:t>
+            </a:r>
+            <a:r>
+              <a:rPr lang="de-DE" sz="800" dirty="0" smtClean="0">
+                <a:latin typeface="Arial"/>
+                <a:cs typeface="Arial"/>
+              </a:rPr>
+              <a:t>/</a:t>
+            </a:r>
+            <a:r>
+              <a:rPr lang="de-DE" sz="800" dirty="0" err="1" smtClean="0">
+                <a:latin typeface="Arial"/>
+                <a:cs typeface="Arial"/>
+              </a:rPr>
+              <a:t>header_logo.gif</a:t>
             </a:r>
             <a:r>
               <a:rPr lang="de-DE" sz="800" dirty="0">
                 <a:latin typeface="Arial"/>
                 <a:cs typeface="Arial"/>
               </a:rPr>
-              <a:t>://</a:t>
+              <a:t> http://</a:t>
             </a:r>
             <a:r>
               <a:rPr lang="de-DE" sz="800" dirty="0" err="1">
@@ -5435,7 +7444,7 @@
                 <a:latin typeface="Arial"/>
                 <a:cs typeface="Arial"/>
               </a:rPr>
-              <a:t>eclipse.org-common</a:t>
+              <a:t>juno</a:t>
             </a:r>
             <a:r>
               <a:rPr lang="de-DE" sz="800" dirty="0">
@@ -5449,339 +7458,26 @@
                 <a:latin typeface="Arial"/>
                 <a:cs typeface="Arial"/>
               </a:rPr>
-              <a:t>themes</a:t>
+              <a:t>images</a:t>
             </a:r>
             <a:r>
               <a:rPr lang="de-DE" sz="800" dirty="0">
                 <a:latin typeface="Arial"/>
                 <a:cs typeface="Arial"/>
               </a:rPr>
-              <a:t>/Nova/</a:t>
-            </a:r>
-            <a:r>
-              <a:rPr lang="de-DE" sz="800" dirty="0" err="1">
-                <a:latin typeface="Arial"/>
-                <a:cs typeface="Arial"/>
-              </a:rPr>
-              <a:t>images</a:t>
-            </a:r>
-            <a:r>
-              <a:rPr lang="de-DE" sz="800" dirty="0">
-                <a:latin typeface="Arial"/>
-                <a:cs typeface="Arial"/>
-              </a:rPr>
-              <a:t>/</a:t>
-            </a:r>
-            <a:r>
-              <a:rPr lang="de-DE" sz="800" dirty="0" err="1" smtClean="0">
-                <a:latin typeface="Arial"/>
-                <a:cs typeface="Arial"/>
-              </a:rPr>
-              <a:t>eclipse.png</a:t>
+              <a:t>/eclipse_juno242x132.</a:t>
             </a:r>
             <a:r>
               <a:rPr lang="de-DE" sz="800" dirty="0" smtClean="0">
                 <a:latin typeface="Arial"/>
                 <a:cs typeface="Arial"/>
               </a:rPr>
-              <a:t> </a:t>
-            </a:r>
-          </a:p>
-          <a:p>
-            <a:r>
-              <a:rPr lang="de-DE" sz="800" dirty="0" smtClean="0">
-                <a:latin typeface="Arial"/>
-                <a:cs typeface="Arial"/>
-              </a:rPr>
-              <a:t>http</a:t>
-            </a:r>
-            <a:r>
-              <a:rPr lang="de-DE" sz="800" dirty="0">
-                <a:latin typeface="Arial"/>
-                <a:cs typeface="Arial"/>
-              </a:rPr>
-              <a:t>://</a:t>
-            </a:r>
-            <a:r>
-              <a:rPr lang="de-DE" sz="800" dirty="0" err="1">
-                <a:latin typeface="Arial"/>
-                <a:cs typeface="Arial"/>
-              </a:rPr>
-              <a:t>upload.wikimedia.org</a:t>
-            </a:r>
-            <a:r>
-              <a:rPr lang="de-DE" sz="800" dirty="0">
-                <a:latin typeface="Arial"/>
-                <a:cs typeface="Arial"/>
-              </a:rPr>
-              <a:t>/</a:t>
-            </a:r>
-            <a:r>
-              <a:rPr lang="de-DE" sz="800" dirty="0" err="1">
-                <a:latin typeface="Arial"/>
-                <a:cs typeface="Arial"/>
-              </a:rPr>
-              <a:t>wikipedia</a:t>
-            </a:r>
-            <a:r>
-              <a:rPr lang="de-DE" sz="800" dirty="0">
-                <a:latin typeface="Arial"/>
-                <a:cs typeface="Arial"/>
-              </a:rPr>
-              <a:t>/</a:t>
-            </a:r>
-            <a:r>
-              <a:rPr lang="de-DE" sz="800" dirty="0" err="1">
-                <a:latin typeface="Arial"/>
-                <a:cs typeface="Arial"/>
-              </a:rPr>
-              <a:t>commons</a:t>
-            </a:r>
-            <a:r>
-              <a:rPr lang="de-DE" sz="800" dirty="0">
-                <a:latin typeface="Arial"/>
-                <a:cs typeface="Arial"/>
-              </a:rPr>
-              <a:t>/</a:t>
-            </a:r>
-            <a:r>
-              <a:rPr lang="de-DE" sz="800" dirty="0" err="1">
-                <a:latin typeface="Arial"/>
-                <a:cs typeface="Arial"/>
-              </a:rPr>
-              <a:t>thumb</a:t>
-            </a:r>
-            <a:r>
-              <a:rPr lang="de-DE" sz="800" dirty="0">
-                <a:latin typeface="Arial"/>
-                <a:cs typeface="Arial"/>
-              </a:rPr>
-              <a:t>/b/b3/</a:t>
-            </a:r>
-            <a:r>
-              <a:rPr lang="de-DE" sz="800" dirty="0" err="1">
-                <a:latin typeface="Arial"/>
-                <a:cs typeface="Arial"/>
-              </a:rPr>
-              <a:t>GitHub.svg</a:t>
-            </a:r>
-            <a:r>
-              <a:rPr lang="de-DE" sz="800" dirty="0">
-                <a:latin typeface="Arial"/>
-                <a:cs typeface="Arial"/>
-              </a:rPr>
-              <a:t>/500px-</a:t>
-            </a:r>
-            <a:r>
-              <a:rPr lang="de-DE" sz="800" dirty="0" smtClean="0">
-                <a:latin typeface="Arial"/>
-                <a:cs typeface="Arial"/>
-              </a:rPr>
-              <a:t>GitHub.svg.png http</a:t>
-            </a:r>
-            <a:r>
-              <a:rPr lang="de-DE" sz="800" dirty="0">
-                <a:latin typeface="Arial"/>
-                <a:cs typeface="Arial"/>
-              </a:rPr>
-              <a:t>://</a:t>
-            </a:r>
-            <a:r>
-              <a:rPr lang="de-DE" sz="800" dirty="0" err="1">
-                <a:latin typeface="Arial"/>
-                <a:cs typeface="Arial"/>
-              </a:rPr>
-              <a:t>maven.apache.org</a:t>
-            </a:r>
-            <a:r>
-              <a:rPr lang="de-DE" sz="800" dirty="0">
-                <a:latin typeface="Arial"/>
-                <a:cs typeface="Arial"/>
-              </a:rPr>
-              <a:t>/</a:t>
-            </a:r>
-            <a:r>
-              <a:rPr lang="de-DE" sz="800" dirty="0" err="1">
-                <a:latin typeface="Arial"/>
-                <a:cs typeface="Arial"/>
-              </a:rPr>
-              <a:t>images</a:t>
-            </a:r>
-            <a:r>
-              <a:rPr lang="de-DE" sz="800" dirty="0">
-                <a:latin typeface="Arial"/>
-                <a:cs typeface="Arial"/>
-              </a:rPr>
-              <a:t>/maven-logo-2.</a:t>
-            </a:r>
-            <a:r>
-              <a:rPr lang="de-DE" sz="800" dirty="0" smtClean="0">
-                <a:latin typeface="Arial"/>
-                <a:cs typeface="Arial"/>
-              </a:rPr>
-              <a:t>gif http</a:t>
-            </a:r>
-            <a:r>
-              <a:rPr lang="de-DE" sz="800" dirty="0">
-                <a:latin typeface="Arial"/>
-                <a:cs typeface="Arial"/>
-              </a:rPr>
-              <a:t>://ci.m02.ch/</a:t>
-            </a:r>
-            <a:r>
-              <a:rPr lang="de-DE" sz="800" dirty="0" err="1">
-                <a:latin typeface="Arial"/>
-                <a:cs typeface="Arial"/>
-              </a:rPr>
-              <a:t>artifactory</a:t>
-            </a:r>
-            <a:r>
-              <a:rPr lang="de-DE" sz="800" dirty="0">
-                <a:latin typeface="Arial"/>
-                <a:cs typeface="Arial"/>
-              </a:rPr>
-              <a:t>/</a:t>
-            </a:r>
-            <a:r>
-              <a:rPr lang="de-DE" sz="800" dirty="0" err="1">
-                <a:latin typeface="Arial"/>
-                <a:cs typeface="Arial"/>
-              </a:rPr>
-              <a:t>webapp</a:t>
-            </a:r>
-            <a:r>
-              <a:rPr lang="de-DE" sz="800" dirty="0">
-                <a:latin typeface="Arial"/>
-                <a:cs typeface="Arial"/>
-              </a:rPr>
-              <a:t>/</a:t>
-            </a:r>
-            <a:r>
-              <a:rPr lang="de-DE" sz="800" dirty="0" err="1">
-                <a:latin typeface="Arial"/>
-                <a:cs typeface="Arial"/>
-              </a:rPr>
-              <a:t>wicket</a:t>
-            </a:r>
-            <a:r>
-              <a:rPr lang="de-DE" sz="800" dirty="0">
-                <a:latin typeface="Arial"/>
-                <a:cs typeface="Arial"/>
-              </a:rPr>
-              <a:t>/</a:t>
-            </a:r>
-            <a:r>
-              <a:rPr lang="de-DE" sz="800" dirty="0" err="1">
-                <a:latin typeface="Arial"/>
-                <a:cs typeface="Arial"/>
-              </a:rPr>
-              <a:t>resource</a:t>
-            </a:r>
-            <a:r>
-              <a:rPr lang="de-DE" sz="800" dirty="0">
-                <a:latin typeface="Arial"/>
-                <a:cs typeface="Arial"/>
-              </a:rPr>
-              <a:t>/</a:t>
-            </a:r>
-            <a:r>
-              <a:rPr lang="de-DE" sz="800" dirty="0" err="1">
-                <a:latin typeface="Arial"/>
-                <a:cs typeface="Arial"/>
-              </a:rPr>
-              <a:t>org.artifactory.web.ui.skins.GreenSkin</a:t>
-            </a:r>
-            <a:r>
-              <a:rPr lang="de-DE" sz="800" dirty="0">
-                <a:latin typeface="Arial"/>
-                <a:cs typeface="Arial"/>
-              </a:rPr>
-              <a:t>/</a:t>
-            </a:r>
-            <a:r>
-              <a:rPr lang="de-DE" sz="800" dirty="0" err="1">
-                <a:latin typeface="Arial"/>
-                <a:cs typeface="Arial"/>
-              </a:rPr>
-              <a:t>images</a:t>
-            </a:r>
-            <a:r>
-              <a:rPr lang="de-DE" sz="800" dirty="0">
-                <a:latin typeface="Arial"/>
-                <a:cs typeface="Arial"/>
-              </a:rPr>
-              <a:t>/</a:t>
-            </a:r>
-            <a:r>
-              <a:rPr lang="de-DE" sz="800" dirty="0" err="1">
-                <a:latin typeface="Arial"/>
-                <a:cs typeface="Arial"/>
-              </a:rPr>
-              <a:t>header</a:t>
-            </a:r>
-            <a:r>
-              <a:rPr lang="de-DE" sz="800" dirty="0">
-                <a:latin typeface="Arial"/>
-                <a:cs typeface="Arial"/>
-              </a:rPr>
-              <a:t>/</a:t>
-            </a:r>
-            <a:r>
-              <a:rPr lang="de-DE" sz="800" dirty="0" err="1">
-                <a:latin typeface="Arial"/>
-                <a:cs typeface="Arial"/>
-              </a:rPr>
-              <a:t>header_logo.gif</a:t>
-            </a:r>
-            <a:r>
-              <a:rPr lang="de-DE" sz="800" dirty="0">
-                <a:latin typeface="Arial"/>
-                <a:cs typeface="Arial"/>
-              </a:rPr>
-              <a:t> http://</a:t>
-            </a:r>
-            <a:r>
-              <a:rPr lang="de-DE" sz="800" dirty="0" err="1">
-                <a:latin typeface="Arial"/>
-                <a:cs typeface="Arial"/>
-              </a:rPr>
-              <a:t>www.eclipse.org</a:t>
-            </a:r>
-            <a:r>
-              <a:rPr lang="de-DE" sz="800" dirty="0">
-                <a:latin typeface="Arial"/>
-                <a:cs typeface="Arial"/>
-              </a:rPr>
-              <a:t>/</a:t>
-            </a:r>
-            <a:r>
-              <a:rPr lang="de-DE" sz="800" dirty="0" err="1">
-                <a:latin typeface="Arial"/>
-                <a:cs typeface="Arial"/>
-              </a:rPr>
-              <a:t>juno</a:t>
-            </a:r>
-            <a:r>
-              <a:rPr lang="de-DE" sz="800" dirty="0">
-                <a:latin typeface="Arial"/>
-                <a:cs typeface="Arial"/>
-              </a:rPr>
-              <a:t>/</a:t>
-            </a:r>
-            <a:r>
-              <a:rPr lang="de-DE" sz="800" dirty="0" err="1">
-                <a:latin typeface="Arial"/>
-                <a:cs typeface="Arial"/>
-              </a:rPr>
-              <a:t>images</a:t>
-            </a:r>
-            <a:r>
-              <a:rPr lang="de-DE" sz="800" dirty="0">
-                <a:latin typeface="Arial"/>
-                <a:cs typeface="Arial"/>
-              </a:rPr>
-              <a:t>/eclipse_juno242x132.jpg</a:t>
-            </a:r>
+              <a:t>jpg</a:t>
+            </a:r>
+            <a:endParaRPr lang="de-DE" sz="800" dirty="0">
+              <a:latin typeface="Arial"/>
+              <a:cs typeface="Arial"/>
+            </a:endParaRPr>
           </a:p>
         </p:txBody>
       </p:sp>
@@ -5807,8 +7503,8 @@
         </p:blipFill>
         <p:spPr>
           <a:xfrm>
-            <a:off x="1800000" y="1861725"/>
-            <a:ext cx="2110931" cy="882753"/>
+            <a:off x="1800000" y="1861726"/>
+            <a:ext cx="1923963" cy="804566"/>
           </a:xfrm>
           <a:prstGeom prst="rect">
             <a:avLst/>
@@ -5837,8 +7533,8 @@
         </p:blipFill>
         <p:spPr>
           <a:xfrm>
-            <a:off x="5516416" y="1861725"/>
-            <a:ext cx="1998704" cy="883427"/>
+            <a:off x="5144860" y="1861726"/>
+            <a:ext cx="1820284" cy="804566"/>
           </a:xfrm>
           <a:prstGeom prst="rect">
             <a:avLst/>
@@ -5867,8 +7563,8 @@
         </p:blipFill>
         <p:spPr>
           <a:xfrm>
-            <a:off x="1800000" y="3113054"/>
-            <a:ext cx="2976321" cy="884338"/>
+            <a:off x="1800000" y="2941186"/>
+            <a:ext cx="2706950" cy="804301"/>
           </a:xfrm>
           <a:prstGeom prst="rect">
             <a:avLst/>
@@ -5897,8 +7593,8 @@
         </p:blipFill>
         <p:spPr>
           <a:xfrm>
-            <a:off x="5516416" y="3109195"/>
-            <a:ext cx="2761739" cy="888197"/>
+            <a:off x="5144860" y="2941186"/>
+            <a:ext cx="2485330" cy="799302"/>
           </a:xfrm>
           <a:prstGeom prst="rect">
             <a:avLst/>
@@ -5927,8 +7623,8 @@
         </p:blipFill>
         <p:spPr>
           <a:xfrm>
-            <a:off x="1800000" y="4468246"/>
-            <a:ext cx="2138036" cy="888107"/>
+            <a:off x="1800000" y="5167235"/>
+            <a:ext cx="1820283" cy="756117"/>
           </a:xfrm>
           <a:prstGeom prst="rect">
             <a:avLst/>
@@ -5957,8 +7653,68 @@
         </p:blipFill>
         <p:spPr>
           <a:xfrm>
-            <a:off x="5516416" y="4468246"/>
-            <a:ext cx="1611954" cy="879248"/>
+            <a:off x="5144860" y="5092667"/>
+            <a:ext cx="1522921" cy="830685"/>
+          </a:xfrm>
+          <a:prstGeom prst="rect">
+            <a:avLst/>
+          </a:prstGeom>
+        </p:spPr>
+      </p:pic>
+      <p:pic>
+        <p:nvPicPr>
+          <p:cNvPr id="3" name="Bild 2" descr="redmine_logo_v1.png"/>
+          <p:cNvPicPr>
+            <a:picLocks noChangeAspect="1"/>
+          </p:cNvPicPr>
+          <p:nvPr/>
+        </p:nvPicPr>
+        <p:blipFill>
+          <a:blip r:embed="rId8">
+            <a:extLst>
+              <a:ext uri="{28A0092B-C50C-407E-A947-70E740481C1C}">
+                <a14:useLocalDpi xmlns:a14="http://schemas.microsoft.com/office/drawing/2010/main" val="0"/>
+              </a:ext>
+            </a:extLst>
+          </a:blip>
+          <a:stretch>
+            <a:fillRect/>
+          </a:stretch>
+        </p:blipFill>
+        <p:spPr>
+          <a:xfrm>
+            <a:off x="1800001" y="4024191"/>
+            <a:ext cx="2706950" cy="738258"/>
+          </a:xfrm>
+          <a:prstGeom prst="rect">
+            <a:avLst/>
+          </a:prstGeom>
+        </p:spPr>
+      </p:pic>
+      <p:pic>
+        <p:nvPicPr>
+          <p:cNvPr id="6" name="Bild 5" descr="AstahCommunity.png"/>
+          <p:cNvPicPr>
+            <a:picLocks noChangeAspect="1"/>
+          </p:cNvPicPr>
+          <p:nvPr/>
+        </p:nvPicPr>
+        <p:blipFill>
+          <a:blip r:embed="rId9">
+            <a:extLst>
+              <a:ext uri="{28A0092B-C50C-407E-A947-70E740481C1C}">
+                <a14:useLocalDpi xmlns:a14="http://schemas.microsoft.com/office/drawing/2010/main" val="0"/>
+              </a:ext>
+            </a:extLst>
+          </a:blip>
+          <a:stretch>
+            <a:fillRect/>
+          </a:stretch>
+        </p:blipFill>
+        <p:spPr>
+          <a:xfrm>
+            <a:off x="5144860" y="4024191"/>
+            <a:ext cx="3852363" cy="738258"/>
           </a:xfrm>
           <a:prstGeom prst="rect">
             <a:avLst/>
@@ -5968,7 +7724,7 @@
     </p:spTree>
     <p:extLst>
       <p:ext uri="{BB962C8B-B14F-4D97-AF65-F5344CB8AC3E}">
-        <p14:creationId xmlns:p14="http://schemas.microsoft.com/office/powerpoint/2010/main" val="1448043171"/>
+        <p14:creationId xmlns:p14="http://schemas.microsoft.com/office/powerpoint/2010/main" val="677607880"/>
       </p:ext>
     </p:extLst>
   </p:cSld>

--- a/doc/presentation/presentation.pptx
+++ b/doc/presentation/presentation.pptx
@@ -5,7 +5,7 @@
     <p:sldMasterId id="2147483648" r:id="rId4"/>
   </p:sldMasterIdLst>
   <p:handoutMasterIdLst>
-    <p:handoutMasterId r:id="rId33"/>
+    <p:handoutMasterId r:id="rId38"/>
   </p:handoutMasterIdLst>
   <p:sldIdLst>
     <p:sldId id="256" r:id="rId5"/>
@@ -24,18 +24,23 @@
     <p:sldId id="278" r:id="rId18"/>
     <p:sldId id="279" r:id="rId19"/>
     <p:sldId id="280" r:id="rId20"/>
-    <p:sldId id="270" r:id="rId21"/>
-    <p:sldId id="282" r:id="rId22"/>
-    <p:sldId id="283" r:id="rId23"/>
-    <p:sldId id="285" r:id="rId24"/>
-    <p:sldId id="286" r:id="rId25"/>
-    <p:sldId id="284" r:id="rId26"/>
-    <p:sldId id="287" r:id="rId27"/>
-    <p:sldId id="288" r:id="rId28"/>
-    <p:sldId id="289" r:id="rId29"/>
-    <p:sldId id="271" r:id="rId30"/>
-    <p:sldId id="272" r:id="rId31"/>
-    <p:sldId id="260" r:id="rId32"/>
+    <p:sldId id="290" r:id="rId21"/>
+    <p:sldId id="293" r:id="rId22"/>
+    <p:sldId id="292" r:id="rId23"/>
+    <p:sldId id="291" r:id="rId24"/>
+    <p:sldId id="294" r:id="rId25"/>
+    <p:sldId id="270" r:id="rId26"/>
+    <p:sldId id="282" r:id="rId27"/>
+    <p:sldId id="283" r:id="rId28"/>
+    <p:sldId id="285" r:id="rId29"/>
+    <p:sldId id="286" r:id="rId30"/>
+    <p:sldId id="284" r:id="rId31"/>
+    <p:sldId id="287" r:id="rId32"/>
+    <p:sldId id="288" r:id="rId33"/>
+    <p:sldId id="289" r:id="rId34"/>
+    <p:sldId id="271" r:id="rId35"/>
+    <p:sldId id="272" r:id="rId36"/>
+    <p:sldId id="260" r:id="rId37"/>
   </p:sldIdLst>
   <p:sldSz cx="9144000" cy="6858000" type="screen4x3"/>
   <p:notesSz cx="6858000" cy="9144000"/>
@@ -3173,7 +3178,7 @@
       </p:sp>
       <p:pic>
         <p:nvPicPr>
-          <p:cNvPr id="3" name="Bild 2" descr="Bildschirmfoto 2013-01-15 um 13.30.30.png"/>
+          <p:cNvPr id="4" name="Bild 3" descr="Screen Shot 2013-01-15 at 7.54.50 PM.png"/>
           <p:cNvPicPr>
             <a:picLocks noChangeAspect="1"/>
           </p:cNvPicPr>
@@ -3193,8 +3198,8 @@
         </p:blipFill>
         <p:spPr>
           <a:xfrm>
-            <a:off x="1800000" y="1800485"/>
-            <a:ext cx="5934364" cy="4443957"/>
+            <a:off x="1757380" y="1806924"/>
+            <a:ext cx="5981633" cy="4488543"/>
           </a:xfrm>
           <a:prstGeom prst="rect">
             <a:avLst/>
@@ -3240,6 +3245,2106 @@
       </p:grpSpPr>
       <p:sp>
         <p:nvSpPr>
+          <p:cNvPr id="2" name="Titel 1"/>
+          <p:cNvSpPr>
+            <a:spLocks noGrp="1"/>
+          </p:cNvSpPr>
+          <p:nvPr>
+            <p:ph type="title"/>
+          </p:nvPr>
+        </p:nvSpPr>
+        <p:spPr/>
+        <p:txBody>
+          <a:bodyPr/>
+          <a:lstStyle/>
+          <a:p>
+            <a:r>
+              <a:rPr lang="de-DE" dirty="0" smtClean="0"/>
+              <a:t>Problem</a:t>
+            </a:r>
+            <a:endParaRPr lang="de-DE" dirty="0"/>
+          </a:p>
+        </p:txBody>
+      </p:sp>
+      <p:pic>
+        <p:nvPicPr>
+          <p:cNvPr id="4" name="Bild 3" descr="Screen Shot 2013-01-15 at 7.54.50 PM.png"/>
+          <p:cNvPicPr>
+            <a:picLocks noChangeAspect="1"/>
+          </p:cNvPicPr>
+          <p:nvPr/>
+        </p:nvPicPr>
+        <p:blipFill>
+          <a:blip r:embed="rId2">
+            <a:extLst>
+              <a:ext uri="{28A0092B-C50C-407E-A947-70E740481C1C}">
+                <a14:useLocalDpi xmlns:a14="http://schemas.microsoft.com/office/drawing/2010/main" val="0"/>
+              </a:ext>
+            </a:extLst>
+          </a:blip>
+          <a:stretch>
+            <a:fillRect/>
+          </a:stretch>
+        </p:blipFill>
+        <p:spPr>
+          <a:xfrm>
+            <a:off x="1757380" y="1806924"/>
+            <a:ext cx="5981633" cy="4488543"/>
+          </a:xfrm>
+          <a:prstGeom prst="rect">
+            <a:avLst/>
+          </a:prstGeom>
+        </p:spPr>
+      </p:pic>
+      <p:sp>
+        <p:nvSpPr>
+          <p:cNvPr id="3" name="L-Form 2"/>
+          <p:cNvSpPr/>
+          <p:nvPr/>
+        </p:nvSpPr>
+        <p:spPr>
+          <a:xfrm rot="16200000">
+            <a:off x="3841756" y="2636199"/>
+            <a:ext cx="3695884" cy="3622651"/>
+          </a:xfrm>
+          <a:prstGeom prst="corner">
+            <a:avLst>
+              <a:gd name="adj1" fmla="val 61409"/>
+              <a:gd name="adj2" fmla="val 43630"/>
+            </a:avLst>
+          </a:prstGeom>
+          <a:solidFill>
+            <a:schemeClr val="accent1">
+              <a:alpha val="64000"/>
+            </a:schemeClr>
+          </a:solidFill>
+        </p:spPr>
+        <p:style>
+          <a:lnRef idx="2">
+            <a:schemeClr val="accent1">
+              <a:shade val="50000"/>
+            </a:schemeClr>
+          </a:lnRef>
+          <a:fillRef idx="1">
+            <a:schemeClr val="accent1"/>
+          </a:fillRef>
+          <a:effectRef idx="0">
+            <a:schemeClr val="accent1"/>
+          </a:effectRef>
+          <a:fontRef idx="minor">
+            <a:schemeClr val="lt1"/>
+          </a:fontRef>
+        </p:style>
+        <p:txBody>
+          <a:bodyPr rtlCol="0" anchor="ctr"/>
+          <a:lstStyle/>
+          <a:p>
+            <a:pPr algn="ctr"/>
+            <a:endParaRPr lang="de-DE"/>
+          </a:p>
+        </p:txBody>
+      </p:sp>
+      <p:sp>
+        <p:nvSpPr>
+          <p:cNvPr id="5" name="Textfeld 4"/>
+          <p:cNvSpPr txBox="1"/>
+          <p:nvPr/>
+        </p:nvSpPr>
+        <p:spPr>
+          <a:xfrm>
+            <a:off x="4500613" y="5467360"/>
+            <a:ext cx="3008934" cy="707886"/>
+          </a:xfrm>
+          <a:prstGeom prst="rect">
+            <a:avLst/>
+          </a:prstGeom>
+          <a:noFill/>
+        </p:spPr>
+        <p:txBody>
+          <a:bodyPr wrap="square" rtlCol="0">
+            <a:spAutoFit/>
+          </a:bodyPr>
+          <a:lstStyle/>
+          <a:p>
+            <a:r>
+              <a:rPr lang="de-DE" sz="2000" dirty="0" err="1" smtClean="0">
+                <a:latin typeface="Arial"/>
+                <a:cs typeface="Arial"/>
+              </a:rPr>
+              <a:t>How</a:t>
+            </a:r>
+            <a:r>
+              <a:rPr lang="de-DE" sz="2000" dirty="0" smtClean="0">
+                <a:latin typeface="Arial"/>
+                <a:cs typeface="Arial"/>
+              </a:rPr>
+              <a:t> </a:t>
+            </a:r>
+            <a:r>
+              <a:rPr lang="de-DE" sz="2000" dirty="0" err="1" smtClean="0">
+                <a:latin typeface="Arial"/>
+                <a:cs typeface="Arial"/>
+              </a:rPr>
+              <a:t>get</a:t>
+            </a:r>
+            <a:r>
+              <a:rPr lang="de-DE" sz="2000" dirty="0" smtClean="0">
+                <a:latin typeface="Arial"/>
+                <a:cs typeface="Arial"/>
+              </a:rPr>
+              <a:t> an </a:t>
+            </a:r>
+            <a:r>
+              <a:rPr lang="de-DE" sz="2000" dirty="0" err="1" smtClean="0">
+                <a:latin typeface="Arial"/>
+                <a:cs typeface="Arial"/>
+              </a:rPr>
+              <a:t>instance</a:t>
+            </a:r>
+            <a:r>
+              <a:rPr lang="de-DE" sz="2000" dirty="0" smtClean="0">
+                <a:latin typeface="Arial"/>
+                <a:cs typeface="Arial"/>
+              </a:rPr>
+              <a:t> </a:t>
+            </a:r>
+            <a:r>
+              <a:rPr lang="de-DE" sz="2000" dirty="0" err="1" smtClean="0">
+                <a:latin typeface="Arial"/>
+                <a:cs typeface="Arial"/>
+              </a:rPr>
+              <a:t>of</a:t>
+            </a:r>
+            <a:r>
+              <a:rPr lang="de-DE" sz="2000" dirty="0" smtClean="0">
+                <a:latin typeface="Arial"/>
+                <a:cs typeface="Arial"/>
+              </a:rPr>
+              <a:t> </a:t>
+            </a:r>
+            <a:r>
+              <a:rPr lang="de-DE" sz="2000" dirty="0" err="1" smtClean="0">
+                <a:latin typeface="Consolas"/>
+                <a:cs typeface="Consolas"/>
+              </a:rPr>
+              <a:t>PresentationManager</a:t>
+            </a:r>
+            <a:r>
+              <a:rPr lang="de-DE" sz="2000" dirty="0" smtClean="0">
+                <a:latin typeface="Arial"/>
+                <a:cs typeface="Arial"/>
+              </a:rPr>
+              <a:t>?</a:t>
+            </a:r>
+            <a:endParaRPr lang="de-DE" sz="2000" dirty="0">
+              <a:latin typeface="Arial"/>
+              <a:cs typeface="Arial"/>
+            </a:endParaRPr>
+          </a:p>
+        </p:txBody>
+      </p:sp>
+    </p:spTree>
+    <p:extLst>
+      <p:ext uri="{BB962C8B-B14F-4D97-AF65-F5344CB8AC3E}">
+        <p14:creationId xmlns:p14="http://schemas.microsoft.com/office/powerpoint/2010/main" val="1331801836"/>
+      </p:ext>
+    </p:extLst>
+  </p:cSld>
+  <p:clrMapOvr>
+    <a:masterClrMapping/>
+  </p:clrMapOvr>
+  <p:timing>
+    <p:tnLst>
+      <p:par>
+        <p:cTn xmlns:p14="http://schemas.microsoft.com/office/powerpoint/2010/main" id="1" dur="indefinite" restart="never" nodeType="tmRoot"/>
+      </p:par>
+    </p:tnLst>
+  </p:timing>
+</p:sld>
+</file>
+
+<file path=ppt/slides/slide18.xml><?xml version="1.0" encoding="utf-8"?>
+<p:sld xmlns:a="http://schemas.openxmlformats.org/drawingml/2006/main" xmlns:r="http://schemas.openxmlformats.org/officeDocument/2006/relationships" xmlns:p="http://schemas.openxmlformats.org/presentationml/2006/main">
+  <p:cSld>
+    <p:spTree>
+      <p:nvGrpSpPr>
+        <p:cNvPr id="1" name=""/>
+        <p:cNvGrpSpPr/>
+        <p:nvPr/>
+      </p:nvGrpSpPr>
+      <p:grpSpPr>
+        <a:xfrm>
+          <a:off x="0" y="0"/>
+          <a:ext cx="0" cy="0"/>
+          <a:chOff x="0" y="0"/>
+          <a:chExt cx="0" cy="0"/>
+        </a:xfrm>
+      </p:grpSpPr>
+      <p:sp>
+        <p:nvSpPr>
+          <p:cNvPr id="2" name="Titel 1"/>
+          <p:cNvSpPr>
+            <a:spLocks noGrp="1"/>
+          </p:cNvSpPr>
+          <p:nvPr>
+            <p:ph type="title"/>
+          </p:nvPr>
+        </p:nvSpPr>
+        <p:spPr/>
+        <p:txBody>
+          <a:bodyPr/>
+          <a:lstStyle/>
+          <a:p>
+            <a:r>
+              <a:rPr lang="de-DE" dirty="0" err="1" smtClean="0"/>
+              <a:t>Possible</a:t>
+            </a:r>
+            <a:r>
+              <a:rPr lang="de-DE" dirty="0" smtClean="0"/>
+              <a:t> </a:t>
+            </a:r>
+            <a:r>
+              <a:rPr lang="de-DE" dirty="0" err="1" smtClean="0"/>
+              <a:t>solution</a:t>
+            </a:r>
+            <a:endParaRPr lang="de-DE" dirty="0"/>
+          </a:p>
+        </p:txBody>
+      </p:sp>
+      <p:sp>
+        <p:nvSpPr>
+          <p:cNvPr id="3" name="Inhaltsplatzhalter 2"/>
+          <p:cNvSpPr>
+            <a:spLocks noGrp="1"/>
+          </p:cNvSpPr>
+          <p:nvPr>
+            <p:ph idx="1"/>
+          </p:nvPr>
+        </p:nvSpPr>
+        <p:spPr/>
+        <p:txBody>
+          <a:bodyPr/>
+          <a:lstStyle/>
+          <a:p>
+            <a:r>
+              <a:rPr lang="de-DE" dirty="0" err="1" smtClean="0">
+                <a:solidFill>
+                  <a:schemeClr val="accent4">
+                    <a:lumMod val="75000"/>
+                  </a:schemeClr>
+                </a:solidFill>
+                <a:latin typeface="Consolas"/>
+                <a:cs typeface="Consolas"/>
+              </a:rPr>
+              <a:t>public</a:t>
+            </a:r>
+            <a:r>
+              <a:rPr lang="de-DE" dirty="0" smtClean="0">
+                <a:solidFill>
+                  <a:schemeClr val="accent4">
+                    <a:lumMod val="75000"/>
+                  </a:schemeClr>
+                </a:solidFill>
+                <a:latin typeface="Consolas"/>
+                <a:cs typeface="Consolas"/>
+              </a:rPr>
+              <a:t> </a:t>
+            </a:r>
+            <a:r>
+              <a:rPr lang="de-DE" dirty="0" err="1" smtClean="0">
+                <a:solidFill>
+                  <a:schemeClr val="accent4">
+                    <a:lumMod val="75000"/>
+                  </a:schemeClr>
+                </a:solidFill>
+                <a:latin typeface="Consolas"/>
+                <a:cs typeface="Consolas"/>
+              </a:rPr>
+              <a:t>class</a:t>
+            </a:r>
+            <a:r>
+              <a:rPr lang="de-DE" dirty="0" smtClean="0">
+                <a:solidFill>
+                  <a:schemeClr val="accent4">
+                    <a:lumMod val="75000"/>
+                  </a:schemeClr>
+                </a:solidFill>
+                <a:latin typeface="Consolas"/>
+                <a:cs typeface="Consolas"/>
+              </a:rPr>
+              <a:t> </a:t>
+            </a:r>
+            <a:r>
+              <a:rPr lang="de-DE" b="0" dirty="0" err="1" smtClean="0">
+                <a:latin typeface="Consolas"/>
+                <a:cs typeface="Consolas"/>
+              </a:rPr>
+              <a:t>Pinball</a:t>
+            </a:r>
+            <a:r>
+              <a:rPr lang="de-DE" b="0" dirty="0" smtClean="0">
+                <a:latin typeface="Consolas"/>
+                <a:cs typeface="Consolas"/>
+              </a:rPr>
+              <a:t> {</a:t>
+            </a:r>
+            <a:endParaRPr lang="de-DE" dirty="0" smtClean="0">
+              <a:latin typeface="Consolas"/>
+              <a:cs typeface="Consolas"/>
+            </a:endParaRPr>
+          </a:p>
+          <a:p>
+            <a:r>
+              <a:rPr lang="de-DE" b="0" dirty="0" smtClean="0">
+                <a:latin typeface="Consolas"/>
+                <a:cs typeface="Consolas"/>
+              </a:rPr>
+              <a:t>	...</a:t>
+            </a:r>
+            <a:endParaRPr lang="de-DE" b="0" dirty="0">
+              <a:latin typeface="Consolas"/>
+              <a:cs typeface="Consolas"/>
+            </a:endParaRPr>
+          </a:p>
+          <a:p>
+            <a:endParaRPr lang="de-DE" b="0" dirty="0">
+              <a:latin typeface="Consolas"/>
+              <a:cs typeface="Consolas"/>
+            </a:endParaRPr>
+          </a:p>
+          <a:p>
+            <a:r>
+              <a:rPr lang="de-DE" dirty="0" smtClean="0">
+                <a:latin typeface="Consolas"/>
+                <a:cs typeface="Consolas"/>
+              </a:rPr>
+              <a:t>	</a:t>
+            </a:r>
+            <a:r>
+              <a:rPr lang="de-DE" dirty="0" err="1" smtClean="0">
+                <a:solidFill>
+                  <a:srgbClr val="604A7B"/>
+                </a:solidFill>
+                <a:latin typeface="Consolas"/>
+                <a:cs typeface="Consolas"/>
+              </a:rPr>
+              <a:t>public</a:t>
+            </a:r>
+            <a:r>
+              <a:rPr lang="de-DE" dirty="0" smtClean="0">
+                <a:solidFill>
+                  <a:srgbClr val="604A7B"/>
+                </a:solidFill>
+                <a:latin typeface="Consolas"/>
+                <a:cs typeface="Consolas"/>
+              </a:rPr>
+              <a:t> </a:t>
+            </a:r>
+            <a:r>
+              <a:rPr lang="de-DE" dirty="0" err="1" smtClean="0">
+                <a:solidFill>
+                  <a:srgbClr val="604A7B"/>
+                </a:solidFill>
+                <a:latin typeface="Consolas"/>
+                <a:cs typeface="Consolas"/>
+              </a:rPr>
+              <a:t>void</a:t>
+            </a:r>
+            <a:r>
+              <a:rPr lang="de-DE" dirty="0" smtClean="0">
+                <a:solidFill>
+                  <a:srgbClr val="604A7B"/>
+                </a:solidFill>
+                <a:latin typeface="Consolas"/>
+                <a:cs typeface="Consolas"/>
+              </a:rPr>
+              <a:t> </a:t>
+            </a:r>
+            <a:r>
+              <a:rPr lang="de-DE" b="0" dirty="0" err="1" smtClean="0">
+                <a:latin typeface="Consolas"/>
+                <a:cs typeface="Consolas"/>
+              </a:rPr>
+              <a:t>needsSimulationManager</a:t>
+            </a:r>
+            <a:r>
+              <a:rPr lang="de-DE" b="0" dirty="0" smtClean="0">
+                <a:latin typeface="Consolas"/>
+                <a:cs typeface="Consolas"/>
+              </a:rPr>
+              <a:t>() {</a:t>
+            </a:r>
+          </a:p>
+          <a:p>
+            <a:r>
+              <a:rPr lang="de-DE" b="0" dirty="0">
+                <a:latin typeface="Consolas"/>
+                <a:cs typeface="Consolas"/>
+              </a:rPr>
+              <a:t>	</a:t>
+            </a:r>
+            <a:r>
+              <a:rPr lang="de-DE" b="0" dirty="0" smtClean="0">
+                <a:latin typeface="Consolas"/>
+                <a:cs typeface="Consolas"/>
+              </a:rPr>
+              <a:t>	</a:t>
+            </a:r>
+            <a:r>
+              <a:rPr lang="de-DE" b="0" dirty="0" err="1" smtClean="0">
+                <a:latin typeface="Consolas"/>
+                <a:cs typeface="Consolas"/>
+              </a:rPr>
+              <a:t>PresentationManager</a:t>
+            </a:r>
+            <a:r>
+              <a:rPr lang="de-DE" b="0" dirty="0" smtClean="0">
+                <a:latin typeface="Consolas"/>
+                <a:cs typeface="Consolas"/>
+              </a:rPr>
+              <a:t> m = </a:t>
+            </a:r>
+          </a:p>
+          <a:p>
+            <a:r>
+              <a:rPr lang="de-DE" b="0" dirty="0">
+                <a:latin typeface="Consolas"/>
+                <a:cs typeface="Consolas"/>
+              </a:rPr>
+              <a:t>	</a:t>
+            </a:r>
+            <a:r>
+              <a:rPr lang="de-DE" b="0" dirty="0" smtClean="0">
+                <a:latin typeface="Consolas"/>
+                <a:cs typeface="Consolas"/>
+              </a:rPr>
+              <a:t>			</a:t>
+            </a:r>
+            <a:r>
+              <a:rPr lang="de-DE" dirty="0" err="1" smtClean="0">
+                <a:solidFill>
+                  <a:srgbClr val="604A7B"/>
+                </a:solidFill>
+                <a:latin typeface="Consolas"/>
+                <a:cs typeface="Consolas"/>
+              </a:rPr>
+              <a:t>new</a:t>
+            </a:r>
+            <a:r>
+              <a:rPr lang="de-DE" b="0" dirty="0" smtClean="0">
+                <a:solidFill>
+                  <a:srgbClr val="604A7B"/>
+                </a:solidFill>
+                <a:latin typeface="Consolas"/>
+                <a:cs typeface="Consolas"/>
+              </a:rPr>
+              <a:t> </a:t>
+            </a:r>
+            <a:r>
+              <a:rPr lang="de-DE" b="0" dirty="0" err="1" smtClean="0">
+                <a:latin typeface="Consolas"/>
+                <a:cs typeface="Consolas"/>
+              </a:rPr>
+              <a:t>PinballPresentationManager</a:t>
+            </a:r>
+            <a:r>
+              <a:rPr lang="de-DE" b="0" dirty="0" smtClean="0">
+                <a:latin typeface="Consolas"/>
+                <a:cs typeface="Consolas"/>
+              </a:rPr>
+              <a:t>();</a:t>
+            </a:r>
+          </a:p>
+          <a:p>
+            <a:endParaRPr lang="de-DE" b="0" dirty="0" smtClean="0">
+              <a:latin typeface="Consolas"/>
+              <a:cs typeface="Consolas"/>
+            </a:endParaRPr>
+          </a:p>
+          <a:p>
+            <a:r>
+              <a:rPr lang="de-DE" b="0" dirty="0">
+                <a:latin typeface="Consolas"/>
+                <a:cs typeface="Consolas"/>
+              </a:rPr>
+              <a:t>	</a:t>
+            </a:r>
+            <a:r>
+              <a:rPr lang="de-DE" b="0" dirty="0" smtClean="0">
+                <a:latin typeface="Consolas"/>
+                <a:cs typeface="Consolas"/>
+              </a:rPr>
+              <a:t>	</a:t>
+            </a:r>
+            <a:r>
+              <a:rPr lang="de-DE" b="0" dirty="0" err="1" smtClean="0">
+                <a:latin typeface="Consolas"/>
+                <a:cs typeface="Consolas"/>
+              </a:rPr>
+              <a:t>SimulationManager</a:t>
+            </a:r>
+            <a:r>
+              <a:rPr lang="de-DE" b="0" dirty="0" smtClean="0">
+                <a:latin typeface="Consolas"/>
+                <a:cs typeface="Consolas"/>
+              </a:rPr>
+              <a:t> s = </a:t>
+            </a:r>
+          </a:p>
+          <a:p>
+            <a:r>
+              <a:rPr lang="de-DE" b="0" dirty="0">
+                <a:latin typeface="Consolas"/>
+                <a:cs typeface="Consolas"/>
+              </a:rPr>
+              <a:t>	</a:t>
+            </a:r>
+            <a:r>
+              <a:rPr lang="de-DE" b="0" dirty="0" smtClean="0">
+                <a:latin typeface="Consolas"/>
+                <a:cs typeface="Consolas"/>
+              </a:rPr>
+              <a:t>			</a:t>
+            </a:r>
+            <a:r>
+              <a:rPr lang="de-DE" dirty="0" err="1" smtClean="0">
+                <a:solidFill>
+                  <a:srgbClr val="604A7B"/>
+                </a:solidFill>
+                <a:latin typeface="Consolas"/>
+                <a:cs typeface="Consolas"/>
+              </a:rPr>
+              <a:t>new</a:t>
+            </a:r>
+            <a:r>
+              <a:rPr lang="de-DE" b="0" dirty="0" smtClean="0">
+                <a:solidFill>
+                  <a:srgbClr val="604A7B"/>
+                </a:solidFill>
+                <a:latin typeface="Consolas"/>
+                <a:cs typeface="Consolas"/>
+              </a:rPr>
+              <a:t> </a:t>
+            </a:r>
+            <a:r>
+              <a:rPr lang="de-DE" b="0" dirty="0" err="1" smtClean="0">
+                <a:latin typeface="Consolas"/>
+                <a:cs typeface="Consolas"/>
+              </a:rPr>
+              <a:t>SimulationManager</a:t>
+            </a:r>
+            <a:r>
+              <a:rPr lang="de-DE" b="0" dirty="0" smtClean="0">
+                <a:latin typeface="Consolas"/>
+                <a:cs typeface="Consolas"/>
+              </a:rPr>
+              <a:t>(m);</a:t>
+            </a:r>
+          </a:p>
+          <a:p>
+            <a:endParaRPr lang="de-DE" b="0" dirty="0" smtClean="0">
+              <a:latin typeface="Consolas"/>
+              <a:cs typeface="Consolas"/>
+            </a:endParaRPr>
+          </a:p>
+          <a:p>
+            <a:r>
+              <a:rPr lang="de-DE" b="0" dirty="0">
+                <a:latin typeface="Consolas"/>
+                <a:cs typeface="Consolas"/>
+              </a:rPr>
+              <a:t>	</a:t>
+            </a:r>
+            <a:r>
+              <a:rPr lang="de-DE" b="0" dirty="0" smtClean="0">
+                <a:latin typeface="Consolas"/>
+                <a:cs typeface="Consolas"/>
+              </a:rPr>
+              <a:t>	</a:t>
+            </a:r>
+            <a:r>
+              <a:rPr lang="de-DE" b="0" dirty="0" smtClean="0">
+                <a:solidFill>
+                  <a:schemeClr val="accent3">
+                    <a:lumMod val="75000"/>
+                  </a:schemeClr>
+                </a:solidFill>
+                <a:latin typeface="Consolas"/>
+                <a:cs typeface="Consolas"/>
+              </a:rPr>
+              <a:t>// do </a:t>
+            </a:r>
+            <a:r>
+              <a:rPr lang="de-DE" b="0" dirty="0" err="1" smtClean="0">
+                <a:solidFill>
+                  <a:schemeClr val="accent3">
+                    <a:lumMod val="75000"/>
+                  </a:schemeClr>
+                </a:solidFill>
+                <a:latin typeface="Consolas"/>
+                <a:cs typeface="Consolas"/>
+              </a:rPr>
+              <a:t>things</a:t>
+            </a:r>
+            <a:r>
+              <a:rPr lang="de-DE" b="0" dirty="0" smtClean="0">
+                <a:solidFill>
+                  <a:schemeClr val="accent3">
+                    <a:lumMod val="75000"/>
+                  </a:schemeClr>
+                </a:solidFill>
+                <a:latin typeface="Consolas"/>
+                <a:cs typeface="Consolas"/>
+              </a:rPr>
+              <a:t> </a:t>
+            </a:r>
+            <a:r>
+              <a:rPr lang="de-DE" b="0" dirty="0" err="1" smtClean="0">
+                <a:solidFill>
+                  <a:schemeClr val="accent3">
+                    <a:lumMod val="75000"/>
+                  </a:schemeClr>
+                </a:solidFill>
+                <a:latin typeface="Consolas"/>
+                <a:cs typeface="Consolas"/>
+              </a:rPr>
+              <a:t>with</a:t>
+            </a:r>
+            <a:r>
+              <a:rPr lang="de-DE" b="0" dirty="0" smtClean="0">
+                <a:solidFill>
+                  <a:schemeClr val="accent3">
+                    <a:lumMod val="75000"/>
+                  </a:schemeClr>
+                </a:solidFill>
+                <a:latin typeface="Consolas"/>
+                <a:cs typeface="Consolas"/>
+              </a:rPr>
+              <a:t> </a:t>
+            </a:r>
+            <a:r>
+              <a:rPr lang="de-DE" b="0" dirty="0" err="1" smtClean="0">
+                <a:solidFill>
+                  <a:schemeClr val="accent3">
+                    <a:lumMod val="75000"/>
+                  </a:schemeClr>
+                </a:solidFill>
+                <a:latin typeface="Consolas"/>
+                <a:cs typeface="Consolas"/>
+              </a:rPr>
+              <a:t>SimulationManager</a:t>
+            </a:r>
+            <a:endParaRPr lang="de-DE" b="0" dirty="0" smtClean="0">
+              <a:solidFill>
+                <a:schemeClr val="accent3">
+                  <a:lumMod val="75000"/>
+                </a:schemeClr>
+              </a:solidFill>
+              <a:latin typeface="Consolas"/>
+              <a:cs typeface="Consolas"/>
+            </a:endParaRPr>
+          </a:p>
+          <a:p>
+            <a:r>
+              <a:rPr lang="de-DE" b="0" dirty="0">
+                <a:latin typeface="Consolas"/>
+                <a:cs typeface="Consolas"/>
+              </a:rPr>
+              <a:t>	</a:t>
+            </a:r>
+            <a:r>
+              <a:rPr lang="de-DE" b="0" dirty="0" smtClean="0">
+                <a:latin typeface="Consolas"/>
+                <a:cs typeface="Consolas"/>
+              </a:rPr>
+              <a:t>}</a:t>
+            </a:r>
+          </a:p>
+          <a:p>
+            <a:r>
+              <a:rPr lang="de-DE" b="0" dirty="0">
+                <a:latin typeface="Consolas"/>
+                <a:cs typeface="Consolas"/>
+              </a:rPr>
+              <a:t>}</a:t>
+            </a:r>
+          </a:p>
+        </p:txBody>
+      </p:sp>
+      <p:grpSp>
+        <p:nvGrpSpPr>
+          <p:cNvPr id="6" name="Gruppierung 5"/>
+          <p:cNvGrpSpPr/>
+          <p:nvPr/>
+        </p:nvGrpSpPr>
+        <p:grpSpPr>
+          <a:xfrm>
+            <a:off x="5610714" y="1193251"/>
+            <a:ext cx="3533286" cy="1329623"/>
+            <a:chOff x="5250714" y="1193251"/>
+            <a:chExt cx="3533286" cy="1329623"/>
+          </a:xfrm>
+        </p:grpSpPr>
+        <p:sp>
+          <p:nvSpPr>
+            <p:cNvPr id="4" name="Ovale Legende 3"/>
+            <p:cNvSpPr/>
+            <p:nvPr/>
+          </p:nvSpPr>
+          <p:spPr>
+            <a:xfrm>
+              <a:off x="5250714" y="1193251"/>
+              <a:ext cx="3145315" cy="1329623"/>
+            </a:xfrm>
+            <a:prstGeom prst="wedgeEllipseCallout">
+              <a:avLst>
+                <a:gd name="adj1" fmla="val -26795"/>
+                <a:gd name="adj2" fmla="val 70833"/>
+              </a:avLst>
+            </a:prstGeom>
+            <a:solidFill>
+              <a:schemeClr val="accent2">
+                <a:alpha val="54000"/>
+              </a:schemeClr>
+            </a:solidFill>
+          </p:spPr>
+          <p:style>
+            <a:lnRef idx="2">
+              <a:schemeClr val="accent2">
+                <a:shade val="50000"/>
+              </a:schemeClr>
+            </a:lnRef>
+            <a:fillRef idx="1">
+              <a:schemeClr val="accent2"/>
+            </a:fillRef>
+            <a:effectRef idx="0">
+              <a:schemeClr val="accent2"/>
+            </a:effectRef>
+            <a:fontRef idx="minor">
+              <a:schemeClr val="lt1"/>
+            </a:fontRef>
+          </p:style>
+          <p:txBody>
+            <a:bodyPr rtlCol="0" anchor="ctr"/>
+            <a:lstStyle/>
+            <a:p>
+              <a:pPr algn="ctr"/>
+              <a:endParaRPr lang="de-DE" dirty="0">
+                <a:latin typeface="Arial"/>
+                <a:cs typeface="Arial"/>
+              </a:endParaRPr>
+            </a:p>
+          </p:txBody>
+        </p:sp>
+        <p:sp>
+          <p:nvSpPr>
+            <p:cNvPr id="5" name="Textfeld 4"/>
+            <p:cNvSpPr txBox="1"/>
+            <p:nvPr/>
+          </p:nvSpPr>
+          <p:spPr>
+            <a:xfrm>
+              <a:off x="5446765" y="1538559"/>
+              <a:ext cx="3337235" cy="646331"/>
+            </a:xfrm>
+            <a:prstGeom prst="rect">
+              <a:avLst/>
+            </a:prstGeom>
+            <a:noFill/>
+          </p:spPr>
+          <p:txBody>
+            <a:bodyPr wrap="square" rtlCol="0">
+              <a:spAutoFit/>
+            </a:bodyPr>
+            <a:lstStyle/>
+            <a:p>
+              <a:r>
+                <a:rPr lang="de-DE" dirty="0" err="1">
+                  <a:latin typeface="Arial"/>
+                  <a:cs typeface="Arial"/>
+                </a:rPr>
+                <a:t>Only</a:t>
+              </a:r>
+              <a:r>
+                <a:rPr lang="de-DE" dirty="0">
+                  <a:latin typeface="Arial"/>
+                  <a:cs typeface="Arial"/>
+                </a:rPr>
+                <a:t> </a:t>
+              </a:r>
+              <a:r>
+                <a:rPr lang="de-DE" dirty="0" err="1">
+                  <a:latin typeface="Arial"/>
+                  <a:cs typeface="Arial"/>
+                </a:rPr>
+                <a:t>possible</a:t>
+              </a:r>
+              <a:r>
+                <a:rPr lang="de-DE" dirty="0">
+                  <a:latin typeface="Arial"/>
+                  <a:cs typeface="Arial"/>
+                </a:rPr>
+                <a:t> in </a:t>
+              </a:r>
+              <a:r>
+                <a:rPr lang="de-DE" dirty="0" err="1" smtClean="0">
+                  <a:latin typeface="Arial"/>
+                  <a:cs typeface="Arial"/>
+                </a:rPr>
+                <a:t>package</a:t>
+              </a:r>
+              <a:r>
+                <a:rPr lang="de-DE" dirty="0" smtClean="0">
+                  <a:latin typeface="Arial"/>
+                  <a:cs typeface="Arial"/>
+                </a:rPr>
+                <a:t/>
+              </a:r>
+              <a:br>
+                <a:rPr lang="de-DE" dirty="0" smtClean="0">
+                  <a:latin typeface="Arial"/>
+                  <a:cs typeface="Arial"/>
+                </a:rPr>
+              </a:br>
+              <a:r>
+                <a:rPr lang="de-DE" dirty="0" err="1" smtClean="0">
+                  <a:latin typeface="Arial"/>
+                  <a:cs typeface="Arial"/>
+                </a:rPr>
+                <a:t>pinball</a:t>
+              </a:r>
+              <a:r>
+                <a:rPr lang="de-DE" dirty="0">
+                  <a:latin typeface="Arial"/>
+                  <a:cs typeface="Arial"/>
+                </a:rPr>
+                <a:t>-game-</a:t>
+              </a:r>
+              <a:r>
+                <a:rPr lang="de-DE" dirty="0" err="1" smtClean="0">
+                  <a:latin typeface="Arial"/>
+                  <a:cs typeface="Arial"/>
+                </a:rPr>
+                <a:t>application</a:t>
+              </a:r>
+              <a:r>
+                <a:rPr lang="de-DE" dirty="0" smtClean="0"/>
+                <a:t>!</a:t>
+              </a:r>
+              <a:endParaRPr lang="de-DE" dirty="0">
+                <a:latin typeface="Arial"/>
+                <a:cs typeface="Arial"/>
+              </a:endParaRPr>
+            </a:p>
+          </p:txBody>
+        </p:sp>
+      </p:grpSp>
+    </p:spTree>
+    <p:extLst>
+      <p:ext uri="{BB962C8B-B14F-4D97-AF65-F5344CB8AC3E}">
+        <p14:creationId xmlns:p14="http://schemas.microsoft.com/office/powerpoint/2010/main" val="3763142378"/>
+      </p:ext>
+    </p:extLst>
+  </p:cSld>
+  <p:clrMapOvr>
+    <a:masterClrMapping/>
+  </p:clrMapOvr>
+  <p:timing>
+    <p:tnLst>
+      <p:par>
+        <p:cTn xmlns:p14="http://schemas.microsoft.com/office/powerpoint/2010/main" id="1" dur="indefinite" restart="never" nodeType="tmRoot"/>
+      </p:par>
+    </p:tnLst>
+  </p:timing>
+</p:sld>
+</file>
+
+<file path=ppt/slides/slide19.xml><?xml version="1.0" encoding="utf-8"?>
+<p:sld xmlns:a="http://schemas.openxmlformats.org/drawingml/2006/main" xmlns:r="http://schemas.openxmlformats.org/officeDocument/2006/relationships" xmlns:p="http://schemas.openxmlformats.org/presentationml/2006/main">
+  <p:cSld>
+    <p:spTree>
+      <p:nvGrpSpPr>
+        <p:cNvPr id="1" name=""/>
+        <p:cNvGrpSpPr/>
+        <p:nvPr/>
+      </p:nvGrpSpPr>
+      <p:grpSpPr>
+        <a:xfrm>
+          <a:off x="0" y="0"/>
+          <a:ext cx="0" cy="0"/>
+          <a:chOff x="0" y="0"/>
+          <a:chExt cx="0" cy="0"/>
+        </a:xfrm>
+      </p:grpSpPr>
+      <p:sp>
+        <p:nvSpPr>
+          <p:cNvPr id="2" name="Titel 1"/>
+          <p:cNvSpPr>
+            <a:spLocks noGrp="1"/>
+          </p:cNvSpPr>
+          <p:nvPr>
+            <p:ph type="title"/>
+          </p:nvPr>
+        </p:nvSpPr>
+        <p:spPr/>
+        <p:txBody>
+          <a:bodyPr/>
+          <a:lstStyle/>
+          <a:p>
+            <a:r>
+              <a:rPr lang="de-DE" dirty="0" err="1" smtClean="0"/>
+              <a:t>Wiring</a:t>
+            </a:r>
+            <a:r>
+              <a:rPr lang="de-DE" dirty="0" smtClean="0"/>
+              <a:t> </a:t>
+            </a:r>
+            <a:r>
+              <a:rPr lang="de-DE" dirty="0" err="1" smtClean="0"/>
+              <a:t>components</a:t>
+            </a:r>
+            <a:endParaRPr lang="de-DE" dirty="0"/>
+          </a:p>
+        </p:txBody>
+      </p:sp>
+      <p:pic>
+        <p:nvPicPr>
+          <p:cNvPr id="3" name="Bild 2" descr="Screen Shot 2013-01-15 at 8.37.55 PM.png"/>
+          <p:cNvPicPr>
+            <a:picLocks noChangeAspect="1"/>
+          </p:cNvPicPr>
+          <p:nvPr/>
+        </p:nvPicPr>
+        <p:blipFill>
+          <a:blip r:embed="rId2">
+            <a:extLst>
+              <a:ext uri="{28A0092B-C50C-407E-A947-70E740481C1C}">
+                <a14:useLocalDpi xmlns:a14="http://schemas.microsoft.com/office/drawing/2010/main" val="0"/>
+              </a:ext>
+            </a:extLst>
+          </a:blip>
+          <a:stretch>
+            <a:fillRect/>
+          </a:stretch>
+        </p:blipFill>
+        <p:spPr>
+          <a:xfrm>
+            <a:off x="1800000" y="1806924"/>
+            <a:ext cx="5858701" cy="4405973"/>
+          </a:xfrm>
+          <a:prstGeom prst="rect">
+            <a:avLst/>
+          </a:prstGeom>
+        </p:spPr>
+      </p:pic>
+    </p:spTree>
+    <p:extLst>
+      <p:ext uri="{BB962C8B-B14F-4D97-AF65-F5344CB8AC3E}">
+        <p14:creationId xmlns:p14="http://schemas.microsoft.com/office/powerpoint/2010/main" val="3586728718"/>
+      </p:ext>
+    </p:extLst>
+  </p:cSld>
+  <p:clrMapOvr>
+    <a:masterClrMapping/>
+  </p:clrMapOvr>
+  <p:timing>
+    <p:tnLst>
+      <p:par>
+        <p:cTn xmlns:p14="http://schemas.microsoft.com/office/powerpoint/2010/main" id="1" dur="indefinite" restart="never" nodeType="tmRoot"/>
+      </p:par>
+    </p:tnLst>
+  </p:timing>
+</p:sld>
+</file>
+
+<file path=ppt/slides/slide2.xml><?xml version="1.0" encoding="utf-8"?>
+<p:sld xmlns:a="http://schemas.openxmlformats.org/drawingml/2006/main" xmlns:r="http://schemas.openxmlformats.org/officeDocument/2006/relationships" xmlns:p="http://schemas.openxmlformats.org/presentationml/2006/main">
+  <p:cSld>
+    <p:spTree>
+      <p:nvGrpSpPr>
+        <p:cNvPr id="1" name=""/>
+        <p:cNvGrpSpPr/>
+        <p:nvPr/>
+      </p:nvGrpSpPr>
+      <p:grpSpPr>
+        <a:xfrm>
+          <a:off x="0" y="0"/>
+          <a:ext cx="0" cy="0"/>
+          <a:chOff x="0" y="0"/>
+          <a:chExt cx="0" cy="0"/>
+        </a:xfrm>
+      </p:grpSpPr>
+      <p:sp>
+        <p:nvSpPr>
+          <p:cNvPr id="9" name="Titel 8"/>
+          <p:cNvSpPr>
+            <a:spLocks noGrp="1"/>
+          </p:cNvSpPr>
+          <p:nvPr>
+            <p:ph type="title"/>
+          </p:nvPr>
+        </p:nvSpPr>
+        <p:spPr/>
+        <p:txBody>
+          <a:bodyPr>
+            <a:normAutofit fontScale="90000"/>
+          </a:bodyPr>
+          <a:lstStyle/>
+          <a:p>
+            <a:r>
+              <a:rPr lang="de-DE" sz="3100" dirty="0" err="1" smtClean="0"/>
+              <a:t>Overview</a:t>
+            </a:r>
+            <a:endParaRPr lang="de-DE" dirty="0"/>
+          </a:p>
+        </p:txBody>
+      </p:sp>
+      <p:sp>
+        <p:nvSpPr>
+          <p:cNvPr id="10" name="Inhaltsplatzhalter 9"/>
+          <p:cNvSpPr>
+            <a:spLocks noGrp="1"/>
+          </p:cNvSpPr>
+          <p:nvPr>
+            <p:ph idx="1"/>
+          </p:nvPr>
+        </p:nvSpPr>
+        <p:spPr>
+          <a:xfrm>
+            <a:off x="1800000" y="1861725"/>
+            <a:ext cx="6984000" cy="4499820"/>
+          </a:xfrm>
+        </p:spPr>
+        <p:txBody>
+          <a:bodyPr>
+            <a:normAutofit/>
+          </a:bodyPr>
+          <a:lstStyle/>
+          <a:p>
+            <a:r>
+              <a:rPr lang="de-DE" dirty="0" smtClean="0"/>
+              <a:t>K</a:t>
+            </a:r>
+            <a:r>
+              <a:rPr lang="de-DE" sz="2000" dirty="0" smtClean="0"/>
+              <a:t>ey </a:t>
+            </a:r>
+            <a:r>
+              <a:rPr lang="de-DE" sz="2000" dirty="0" err="1" smtClean="0"/>
+              <a:t>features</a:t>
+            </a:r>
+            <a:endParaRPr lang="de-DE" sz="2000" dirty="0" smtClean="0"/>
+          </a:p>
+          <a:p>
+            <a:endParaRPr lang="de-DE" dirty="0"/>
+          </a:p>
+          <a:p>
+            <a:r>
+              <a:rPr lang="de-DE" sz="2000" dirty="0" smtClean="0"/>
+              <a:t>Technologies</a:t>
+            </a:r>
+          </a:p>
+          <a:p>
+            <a:endParaRPr lang="de-DE" dirty="0"/>
+          </a:p>
+          <a:p>
+            <a:r>
+              <a:rPr lang="de-DE" dirty="0"/>
+              <a:t>System design</a:t>
+            </a:r>
+          </a:p>
+          <a:p>
+            <a:pPr lvl="2"/>
+            <a:r>
+              <a:rPr lang="de-DE" dirty="0" err="1" smtClean="0"/>
+              <a:t>Overview</a:t>
+            </a:r>
+            <a:endParaRPr lang="de-DE" dirty="0"/>
+          </a:p>
+          <a:p>
+            <a:pPr lvl="2"/>
+            <a:r>
+              <a:rPr lang="de-DE" dirty="0" err="1" smtClean="0"/>
+              <a:t>Dependency</a:t>
+            </a:r>
+            <a:r>
+              <a:rPr lang="de-DE" dirty="0" smtClean="0"/>
+              <a:t> </a:t>
+            </a:r>
+            <a:r>
+              <a:rPr lang="de-DE" dirty="0" err="1" smtClean="0"/>
+              <a:t>Injection</a:t>
+            </a:r>
+            <a:endParaRPr lang="de-DE" sz="2000" dirty="0" smtClean="0"/>
+          </a:p>
+          <a:p>
+            <a:pPr lvl="2"/>
+            <a:r>
+              <a:rPr lang="de-DE" dirty="0" smtClean="0"/>
+              <a:t>Model / </a:t>
+            </a:r>
+            <a:r>
+              <a:rPr lang="de-DE" dirty="0" err="1" smtClean="0"/>
+              <a:t>Persistence</a:t>
+            </a:r>
+            <a:endParaRPr lang="de-DE" dirty="0" smtClean="0"/>
+          </a:p>
+          <a:p>
+            <a:pPr lvl="2"/>
+            <a:r>
+              <a:rPr lang="de-DE" dirty="0" err="1" smtClean="0"/>
+              <a:t>Presentation</a:t>
+            </a:r>
+            <a:r>
+              <a:rPr lang="de-DE" dirty="0" smtClean="0"/>
+              <a:t> / </a:t>
+            </a:r>
+            <a:r>
+              <a:rPr lang="de-DE" dirty="0" err="1" smtClean="0"/>
+              <a:t>Physics</a:t>
+            </a:r>
+            <a:endParaRPr lang="de-DE" dirty="0" smtClean="0"/>
+          </a:p>
+          <a:p>
+            <a:pPr lvl="2"/>
+            <a:r>
+              <a:rPr lang="de-DE" dirty="0" err="1" smtClean="0"/>
+              <a:t>Logic</a:t>
+            </a:r>
+            <a:endParaRPr lang="de-DE" dirty="0" smtClean="0"/>
+          </a:p>
+          <a:p>
+            <a:endParaRPr lang="de-DE" dirty="0"/>
+          </a:p>
+          <a:p>
+            <a:r>
+              <a:rPr lang="de-DE" dirty="0" smtClean="0"/>
+              <a:t>Q &amp; A</a:t>
+            </a:r>
+            <a:endParaRPr lang="de-DE" sz="2000" dirty="0" smtClean="0"/>
+          </a:p>
+          <a:p>
+            <a:endParaRPr lang="de-DE" dirty="0"/>
+          </a:p>
+          <a:p>
+            <a:endParaRPr lang="de-DE" sz="2000" dirty="0"/>
+          </a:p>
+        </p:txBody>
+      </p:sp>
+      <p:pic>
+        <p:nvPicPr>
+          <p:cNvPr id="2" name="Bild 1" descr="splash.png"/>
+          <p:cNvPicPr>
+            <a:picLocks noChangeAspect="1"/>
+          </p:cNvPicPr>
+          <p:nvPr/>
+        </p:nvPicPr>
+        <p:blipFill>
+          <a:blip r:embed="rId2">
+            <a:extLst>
+              <a:ext uri="{28A0092B-C50C-407E-A947-70E740481C1C}">
+                <a14:useLocalDpi xmlns:a14="http://schemas.microsoft.com/office/drawing/2010/main" val="0"/>
+              </a:ext>
+            </a:extLst>
+          </a:blip>
+          <a:stretch>
+            <a:fillRect/>
+          </a:stretch>
+        </p:blipFill>
+        <p:spPr>
+          <a:xfrm>
+            <a:off x="5559182" y="1080000"/>
+            <a:ext cx="2712263" cy="4996275"/>
+          </a:xfrm>
+          <a:prstGeom prst="rect">
+            <a:avLst/>
+          </a:prstGeom>
+        </p:spPr>
+      </p:pic>
+    </p:spTree>
+    <p:extLst>
+      <p:ext uri="{BB962C8B-B14F-4D97-AF65-F5344CB8AC3E}">
+        <p14:creationId xmlns:p14="http://schemas.microsoft.com/office/powerpoint/2010/main" val="1597286783"/>
+      </p:ext>
+    </p:extLst>
+  </p:cSld>
+  <p:clrMapOvr>
+    <a:masterClrMapping/>
+  </p:clrMapOvr>
+  <p:timing>
+    <p:tnLst>
+      <p:par>
+        <p:cTn xmlns:p14="http://schemas.microsoft.com/office/powerpoint/2010/main" id="1" dur="indefinite" restart="never" nodeType="tmRoot"/>
+      </p:par>
+    </p:tnLst>
+  </p:timing>
+</p:sld>
+</file>
+
+<file path=ppt/slides/slide20.xml><?xml version="1.0" encoding="utf-8"?>
+<p:sld xmlns:a="http://schemas.openxmlformats.org/drawingml/2006/main" xmlns:r="http://schemas.openxmlformats.org/officeDocument/2006/relationships" xmlns:p="http://schemas.openxmlformats.org/presentationml/2006/main">
+  <p:cSld>
+    <p:spTree>
+      <p:nvGrpSpPr>
+        <p:cNvPr id="1" name=""/>
+        <p:cNvGrpSpPr/>
+        <p:nvPr/>
+      </p:nvGrpSpPr>
+      <p:grpSpPr>
+        <a:xfrm>
+          <a:off x="0" y="0"/>
+          <a:ext cx="0" cy="0"/>
+          <a:chOff x="0" y="0"/>
+          <a:chExt cx="0" cy="0"/>
+        </a:xfrm>
+      </p:grpSpPr>
+      <p:sp>
+        <p:nvSpPr>
+          <p:cNvPr id="2" name="Titel 1"/>
+          <p:cNvSpPr>
+            <a:spLocks noGrp="1"/>
+          </p:cNvSpPr>
+          <p:nvPr>
+            <p:ph type="title"/>
+          </p:nvPr>
+        </p:nvSpPr>
+        <p:spPr/>
+        <p:txBody>
+          <a:bodyPr/>
+          <a:lstStyle/>
+          <a:p>
+            <a:r>
+              <a:rPr lang="de-DE" dirty="0" err="1" smtClean="0"/>
+              <a:t>How</a:t>
+            </a:r>
+            <a:r>
+              <a:rPr lang="de-DE" dirty="0" smtClean="0"/>
+              <a:t> </a:t>
+            </a:r>
+            <a:r>
+              <a:rPr lang="de-DE" dirty="0" err="1" smtClean="0"/>
+              <a:t>it</a:t>
+            </a:r>
+            <a:r>
+              <a:rPr lang="de-DE" dirty="0" smtClean="0"/>
+              <a:t> </a:t>
+            </a:r>
+            <a:r>
+              <a:rPr lang="de-DE" dirty="0" err="1" smtClean="0"/>
+              <a:t>works</a:t>
+            </a:r>
+            <a:endParaRPr lang="de-DE" dirty="0"/>
+          </a:p>
+        </p:txBody>
+      </p:sp>
+      <p:pic>
+        <p:nvPicPr>
+          <p:cNvPr id="4" name="Bild 3" descr="Screen Shot 2013-01-15 at 7.54.50 PM.png"/>
+          <p:cNvPicPr>
+            <a:picLocks noChangeAspect="1"/>
+          </p:cNvPicPr>
+          <p:nvPr/>
+        </p:nvPicPr>
+        <p:blipFill>
+          <a:blip r:embed="rId2">
+            <a:extLst>
+              <a:ext uri="{28A0092B-C50C-407E-A947-70E740481C1C}">
+                <a14:useLocalDpi xmlns:a14="http://schemas.microsoft.com/office/drawing/2010/main" val="0"/>
+              </a:ext>
+            </a:extLst>
+          </a:blip>
+          <a:stretch>
+            <a:fillRect/>
+          </a:stretch>
+        </p:blipFill>
+        <p:spPr>
+          <a:xfrm>
+            <a:off x="1757380" y="1806924"/>
+            <a:ext cx="5981633" cy="4488543"/>
+          </a:xfrm>
+          <a:prstGeom prst="rect">
+            <a:avLst/>
+          </a:prstGeom>
+        </p:spPr>
+      </p:pic>
+      <p:pic>
+        <p:nvPicPr>
+          <p:cNvPr id="3" name="Bild 2" descr="Screen Shot 2013-01-15 at 8.30.15 PM.png"/>
+          <p:cNvPicPr>
+            <a:picLocks noChangeAspect="1"/>
+          </p:cNvPicPr>
+          <p:nvPr/>
+        </p:nvPicPr>
+        <p:blipFill>
+          <a:blip r:embed="rId3">
+            <a:extLst>
+              <a:ext uri="{28A0092B-C50C-407E-A947-70E740481C1C}">
+                <a14:useLocalDpi xmlns:a14="http://schemas.microsoft.com/office/drawing/2010/main" val="0"/>
+              </a:ext>
+            </a:extLst>
+          </a:blip>
+          <a:stretch>
+            <a:fillRect/>
+          </a:stretch>
+        </p:blipFill>
+        <p:spPr>
+          <a:xfrm>
+            <a:off x="1355296" y="1806924"/>
+            <a:ext cx="7662975" cy="5044864"/>
+          </a:xfrm>
+          <a:prstGeom prst="rect">
+            <a:avLst/>
+          </a:prstGeom>
+        </p:spPr>
+      </p:pic>
+    </p:spTree>
+    <p:extLst>
+      <p:ext uri="{BB962C8B-B14F-4D97-AF65-F5344CB8AC3E}">
+        <p14:creationId xmlns:p14="http://schemas.microsoft.com/office/powerpoint/2010/main" val="1328960523"/>
+      </p:ext>
+    </p:extLst>
+  </p:cSld>
+  <p:clrMapOvr>
+    <a:masterClrMapping/>
+  </p:clrMapOvr>
+  <p:timing>
+    <p:tnLst>
+      <p:par>
+        <p:cTn xmlns:p14="http://schemas.microsoft.com/office/powerpoint/2010/main" id="1" dur="indefinite" restart="never" nodeType="tmRoot"/>
+      </p:par>
+    </p:tnLst>
+  </p:timing>
+</p:sld>
+</file>
+
+<file path=ppt/slides/slide21.xml><?xml version="1.0" encoding="utf-8"?>
+<p:sld xmlns:a="http://schemas.openxmlformats.org/drawingml/2006/main" xmlns:r="http://schemas.openxmlformats.org/officeDocument/2006/relationships" xmlns:p="http://schemas.openxmlformats.org/presentationml/2006/main">
+  <p:cSld>
+    <p:spTree>
+      <p:nvGrpSpPr>
+        <p:cNvPr id="1" name=""/>
+        <p:cNvGrpSpPr/>
+        <p:nvPr/>
+      </p:nvGrpSpPr>
+      <p:grpSpPr>
+        <a:xfrm>
+          <a:off x="0" y="0"/>
+          <a:ext cx="0" cy="0"/>
+          <a:chOff x="0" y="0"/>
+          <a:chExt cx="0" cy="0"/>
+        </a:xfrm>
+      </p:grpSpPr>
+      <p:sp>
+        <p:nvSpPr>
+          <p:cNvPr id="2" name="Titel 1"/>
+          <p:cNvSpPr>
+            <a:spLocks noGrp="1"/>
+          </p:cNvSpPr>
+          <p:nvPr>
+            <p:ph type="title"/>
+          </p:nvPr>
+        </p:nvSpPr>
+        <p:spPr/>
+        <p:txBody>
+          <a:bodyPr/>
+          <a:lstStyle/>
+          <a:p>
+            <a:r>
+              <a:rPr lang="de-DE" dirty="0" err="1" smtClean="0"/>
+              <a:t>Better</a:t>
+            </a:r>
+            <a:r>
+              <a:rPr lang="de-DE" dirty="0" smtClean="0"/>
+              <a:t> </a:t>
+            </a:r>
+            <a:r>
+              <a:rPr lang="de-DE" dirty="0" err="1" smtClean="0"/>
+              <a:t>solution</a:t>
+            </a:r>
+            <a:endParaRPr lang="de-DE" dirty="0"/>
+          </a:p>
+        </p:txBody>
+      </p:sp>
+      <p:sp>
+        <p:nvSpPr>
+          <p:cNvPr id="3" name="Inhaltsplatzhalter 2"/>
+          <p:cNvSpPr>
+            <a:spLocks noGrp="1"/>
+          </p:cNvSpPr>
+          <p:nvPr>
+            <p:ph idx="1"/>
+          </p:nvPr>
+        </p:nvSpPr>
+        <p:spPr>
+          <a:xfrm>
+            <a:off x="1800000" y="1861724"/>
+            <a:ext cx="6984000" cy="4735251"/>
+          </a:xfrm>
+        </p:spPr>
+        <p:txBody>
+          <a:bodyPr>
+            <a:normAutofit/>
+          </a:bodyPr>
+          <a:lstStyle/>
+          <a:p>
+            <a:r>
+              <a:rPr lang="de-DE" dirty="0" err="1" smtClean="0">
+                <a:solidFill>
+                  <a:srgbClr val="604A7B"/>
+                </a:solidFill>
+                <a:latin typeface="Consolas"/>
+                <a:cs typeface="Consolas"/>
+              </a:rPr>
+              <a:t>public</a:t>
+            </a:r>
+            <a:r>
+              <a:rPr lang="de-DE" dirty="0" smtClean="0">
+                <a:solidFill>
+                  <a:srgbClr val="604A7B"/>
+                </a:solidFill>
+                <a:latin typeface="Consolas"/>
+                <a:cs typeface="Consolas"/>
+              </a:rPr>
+              <a:t> </a:t>
+            </a:r>
+            <a:r>
+              <a:rPr lang="de-DE" dirty="0" err="1" smtClean="0">
+                <a:solidFill>
+                  <a:srgbClr val="604A7B"/>
+                </a:solidFill>
+                <a:latin typeface="Consolas"/>
+                <a:cs typeface="Consolas"/>
+              </a:rPr>
+              <a:t>class</a:t>
+            </a:r>
+            <a:r>
+              <a:rPr lang="de-DE" dirty="0" smtClean="0">
+                <a:solidFill>
+                  <a:srgbClr val="604A7B"/>
+                </a:solidFill>
+                <a:latin typeface="Consolas"/>
+                <a:cs typeface="Consolas"/>
+              </a:rPr>
+              <a:t> </a:t>
+            </a:r>
+            <a:r>
+              <a:rPr lang="de-DE" b="0" dirty="0" err="1" smtClean="0">
+                <a:latin typeface="Consolas"/>
+                <a:cs typeface="Consolas"/>
+              </a:rPr>
+              <a:t>AnyWhere</a:t>
+            </a:r>
+            <a:r>
+              <a:rPr lang="de-DE" b="0" dirty="0" smtClean="0">
+                <a:latin typeface="Consolas"/>
+                <a:cs typeface="Consolas"/>
+              </a:rPr>
+              <a:t> {</a:t>
+            </a:r>
+            <a:endParaRPr lang="de-DE" dirty="0" smtClean="0">
+              <a:latin typeface="Consolas"/>
+              <a:cs typeface="Consolas"/>
+            </a:endParaRPr>
+          </a:p>
+          <a:p>
+            <a:r>
+              <a:rPr lang="de-DE" b="0" dirty="0" smtClean="0">
+                <a:latin typeface="Consolas"/>
+                <a:cs typeface="Consolas"/>
+              </a:rPr>
+              <a:t>	</a:t>
+            </a:r>
+          </a:p>
+          <a:p>
+            <a:r>
+              <a:rPr lang="de-DE" b="0" dirty="0" smtClean="0">
+                <a:latin typeface="Consolas"/>
+                <a:cs typeface="Consolas"/>
+              </a:rPr>
+              <a:t>	</a:t>
+            </a:r>
+            <a:r>
+              <a:rPr lang="de-DE" b="0" dirty="0" smtClean="0">
+                <a:solidFill>
+                  <a:schemeClr val="tx2">
+                    <a:lumMod val="40000"/>
+                    <a:lumOff val="60000"/>
+                  </a:schemeClr>
+                </a:solidFill>
+                <a:latin typeface="Consolas"/>
+                <a:cs typeface="Consolas"/>
+              </a:rPr>
+              <a:t>@</a:t>
+            </a:r>
+            <a:r>
+              <a:rPr lang="de-DE" b="0" dirty="0" err="1" smtClean="0">
+                <a:solidFill>
+                  <a:schemeClr val="tx2">
+                    <a:lumMod val="40000"/>
+                    <a:lumOff val="60000"/>
+                  </a:schemeClr>
+                </a:solidFill>
+                <a:latin typeface="Consolas"/>
+                <a:cs typeface="Consolas"/>
+              </a:rPr>
+              <a:t>Inject</a:t>
+            </a:r>
+            <a:endParaRPr lang="de-DE" b="0" dirty="0" smtClean="0">
+              <a:solidFill>
+                <a:schemeClr val="tx2">
+                  <a:lumMod val="40000"/>
+                  <a:lumOff val="60000"/>
+                </a:schemeClr>
+              </a:solidFill>
+              <a:latin typeface="Consolas"/>
+              <a:cs typeface="Consolas"/>
+            </a:endParaRPr>
+          </a:p>
+          <a:p>
+            <a:r>
+              <a:rPr lang="de-DE" b="0" dirty="0">
+                <a:latin typeface="Consolas"/>
+                <a:cs typeface="Consolas"/>
+              </a:rPr>
+              <a:t>	</a:t>
+            </a:r>
+            <a:r>
+              <a:rPr lang="de-DE" b="0" dirty="0" err="1" smtClean="0">
+                <a:latin typeface="Consolas"/>
+                <a:cs typeface="Consolas"/>
+              </a:rPr>
+              <a:t>PicoContainer</a:t>
+            </a:r>
+            <a:r>
+              <a:rPr lang="de-DE" b="0" dirty="0" smtClean="0">
+                <a:latin typeface="Consolas"/>
+                <a:cs typeface="Consolas"/>
+              </a:rPr>
+              <a:t> </a:t>
+            </a:r>
+            <a:r>
+              <a:rPr lang="de-DE" b="0" dirty="0" err="1" smtClean="0">
+                <a:solidFill>
+                  <a:schemeClr val="accent1">
+                    <a:lumMod val="75000"/>
+                  </a:schemeClr>
+                </a:solidFill>
+                <a:latin typeface="Consolas"/>
+                <a:cs typeface="Consolas"/>
+              </a:rPr>
+              <a:t>context</a:t>
+            </a:r>
+            <a:r>
+              <a:rPr lang="de-DE" b="0" dirty="0" smtClean="0">
+                <a:latin typeface="Consolas"/>
+                <a:cs typeface="Consolas"/>
+              </a:rPr>
+              <a:t>;</a:t>
+            </a:r>
+            <a:endParaRPr lang="de-DE" b="0" dirty="0">
+              <a:latin typeface="Consolas"/>
+              <a:cs typeface="Consolas"/>
+            </a:endParaRPr>
+          </a:p>
+          <a:p>
+            <a:endParaRPr lang="de-DE" b="0" dirty="0">
+              <a:latin typeface="Consolas"/>
+              <a:cs typeface="Consolas"/>
+            </a:endParaRPr>
+          </a:p>
+          <a:p>
+            <a:r>
+              <a:rPr lang="de-DE" dirty="0" smtClean="0">
+                <a:latin typeface="Consolas"/>
+                <a:cs typeface="Consolas"/>
+              </a:rPr>
+              <a:t>	</a:t>
+            </a:r>
+            <a:r>
+              <a:rPr lang="de-DE" dirty="0" err="1" smtClean="0">
+                <a:solidFill>
+                  <a:srgbClr val="604A7B"/>
+                </a:solidFill>
+                <a:latin typeface="Consolas"/>
+                <a:cs typeface="Consolas"/>
+              </a:rPr>
+              <a:t>public</a:t>
+            </a:r>
+            <a:r>
+              <a:rPr lang="de-DE" dirty="0" smtClean="0">
+                <a:solidFill>
+                  <a:srgbClr val="604A7B"/>
+                </a:solidFill>
+                <a:latin typeface="Consolas"/>
+                <a:cs typeface="Consolas"/>
+              </a:rPr>
+              <a:t> </a:t>
+            </a:r>
+            <a:r>
+              <a:rPr lang="de-DE" dirty="0" err="1" smtClean="0">
+                <a:solidFill>
+                  <a:srgbClr val="604A7B"/>
+                </a:solidFill>
+                <a:latin typeface="Consolas"/>
+                <a:cs typeface="Consolas"/>
+              </a:rPr>
+              <a:t>void</a:t>
+            </a:r>
+            <a:r>
+              <a:rPr lang="de-DE" dirty="0" smtClean="0">
+                <a:solidFill>
+                  <a:srgbClr val="604A7B"/>
+                </a:solidFill>
+                <a:latin typeface="Consolas"/>
+                <a:cs typeface="Consolas"/>
+              </a:rPr>
+              <a:t> </a:t>
+            </a:r>
+            <a:r>
+              <a:rPr lang="de-DE" b="0" dirty="0" err="1" smtClean="0">
+                <a:latin typeface="Consolas"/>
+                <a:cs typeface="Consolas"/>
+              </a:rPr>
+              <a:t>needsSimulationManager</a:t>
+            </a:r>
+            <a:r>
+              <a:rPr lang="de-DE" b="0" dirty="0" smtClean="0">
+                <a:latin typeface="Consolas"/>
+                <a:cs typeface="Consolas"/>
+              </a:rPr>
+              <a:t>() {</a:t>
+            </a:r>
+            <a:endParaRPr lang="de-DE" b="0" dirty="0">
+              <a:latin typeface="Consolas"/>
+              <a:cs typeface="Consolas"/>
+            </a:endParaRPr>
+          </a:p>
+          <a:p>
+            <a:r>
+              <a:rPr lang="de-DE" b="0" dirty="0">
+                <a:latin typeface="Consolas"/>
+                <a:cs typeface="Consolas"/>
+              </a:rPr>
+              <a:t>		</a:t>
+            </a:r>
+            <a:r>
+              <a:rPr lang="de-DE" b="0" dirty="0">
+                <a:solidFill>
+                  <a:schemeClr val="accent3">
+                    <a:lumMod val="75000"/>
+                  </a:schemeClr>
+                </a:solidFill>
+                <a:latin typeface="Consolas"/>
+                <a:cs typeface="Consolas"/>
+              </a:rPr>
+              <a:t>// </a:t>
+            </a:r>
+            <a:r>
+              <a:rPr lang="de-DE" b="0" dirty="0" err="1">
+                <a:solidFill>
+                  <a:schemeClr val="accent3">
+                    <a:lumMod val="75000"/>
+                  </a:schemeClr>
+                </a:solidFill>
+                <a:latin typeface="Consolas"/>
+                <a:cs typeface="Consolas"/>
+              </a:rPr>
+              <a:t>PicoContainer</a:t>
+            </a:r>
+            <a:r>
+              <a:rPr lang="de-DE" b="0" dirty="0">
+                <a:solidFill>
+                  <a:schemeClr val="accent3">
+                    <a:lumMod val="75000"/>
+                  </a:schemeClr>
+                </a:solidFill>
+                <a:latin typeface="Consolas"/>
+                <a:cs typeface="Consolas"/>
+              </a:rPr>
+              <a:t> </a:t>
+            </a:r>
+            <a:r>
+              <a:rPr lang="de-DE" b="0" dirty="0" err="1">
+                <a:solidFill>
+                  <a:schemeClr val="accent3">
+                    <a:lumMod val="75000"/>
+                  </a:schemeClr>
+                </a:solidFill>
+                <a:latin typeface="Consolas"/>
+                <a:cs typeface="Consolas"/>
+              </a:rPr>
+              <a:t>injects</a:t>
+            </a:r>
+            <a:r>
+              <a:rPr lang="de-DE" b="0" dirty="0">
+                <a:solidFill>
+                  <a:schemeClr val="accent3">
+                    <a:lumMod val="75000"/>
+                  </a:schemeClr>
+                </a:solidFill>
+                <a:latin typeface="Consolas"/>
+                <a:cs typeface="Consolas"/>
+              </a:rPr>
+              <a:t> </a:t>
+            </a:r>
+            <a:r>
+              <a:rPr lang="de-DE" b="0" dirty="0" err="1">
+                <a:solidFill>
+                  <a:schemeClr val="accent3">
+                    <a:lumMod val="75000"/>
+                  </a:schemeClr>
+                </a:solidFill>
+                <a:latin typeface="Consolas"/>
+                <a:cs typeface="Consolas"/>
+              </a:rPr>
+              <a:t>PresentationManager</a:t>
+            </a:r>
+            <a:endParaRPr lang="de-DE" b="0" dirty="0">
+              <a:solidFill>
+                <a:schemeClr val="accent3">
+                  <a:lumMod val="75000"/>
+                </a:schemeClr>
+              </a:solidFill>
+              <a:latin typeface="Consolas"/>
+              <a:cs typeface="Consolas"/>
+            </a:endParaRPr>
+          </a:p>
+          <a:p>
+            <a:r>
+              <a:rPr lang="de-DE" b="0" dirty="0">
+                <a:solidFill>
+                  <a:schemeClr val="accent3">
+                    <a:lumMod val="75000"/>
+                  </a:schemeClr>
+                </a:solidFill>
+                <a:latin typeface="Consolas"/>
+                <a:cs typeface="Consolas"/>
+              </a:rPr>
+              <a:t>		// </a:t>
+            </a:r>
+            <a:r>
+              <a:rPr lang="de-DE" b="0" dirty="0" err="1">
+                <a:solidFill>
+                  <a:schemeClr val="accent3">
+                    <a:lumMod val="75000"/>
+                  </a:schemeClr>
+                </a:solidFill>
+                <a:latin typeface="Consolas"/>
+                <a:cs typeface="Consolas"/>
+              </a:rPr>
+              <a:t>into</a:t>
+            </a:r>
+            <a:r>
+              <a:rPr lang="de-DE" b="0" dirty="0">
+                <a:solidFill>
+                  <a:schemeClr val="accent3">
+                    <a:lumMod val="75000"/>
+                  </a:schemeClr>
+                </a:solidFill>
+                <a:latin typeface="Consolas"/>
+                <a:cs typeface="Consolas"/>
+              </a:rPr>
+              <a:t> </a:t>
+            </a:r>
+            <a:r>
+              <a:rPr lang="de-DE" b="0" dirty="0" err="1" smtClean="0">
+                <a:solidFill>
+                  <a:schemeClr val="accent3">
+                    <a:lumMod val="75000"/>
+                  </a:schemeClr>
+                </a:solidFill>
+                <a:latin typeface="Consolas"/>
+                <a:cs typeface="Consolas"/>
+              </a:rPr>
+              <a:t>SimulationManager</a:t>
+            </a:r>
+            <a:endParaRPr lang="de-DE" b="0" dirty="0" smtClean="0">
+              <a:latin typeface="Consolas"/>
+              <a:cs typeface="Consolas"/>
+            </a:endParaRPr>
+          </a:p>
+          <a:p>
+            <a:r>
+              <a:rPr lang="de-DE" b="0" dirty="0">
+                <a:latin typeface="Consolas"/>
+                <a:cs typeface="Consolas"/>
+              </a:rPr>
+              <a:t>	</a:t>
+            </a:r>
+            <a:r>
+              <a:rPr lang="de-DE" b="0" dirty="0" smtClean="0">
+                <a:latin typeface="Consolas"/>
+                <a:cs typeface="Consolas"/>
+              </a:rPr>
+              <a:t>	</a:t>
+            </a:r>
+            <a:r>
+              <a:rPr lang="de-DE" b="0" dirty="0" err="1" smtClean="0">
+                <a:latin typeface="Consolas"/>
+                <a:cs typeface="Consolas"/>
+              </a:rPr>
+              <a:t>SimulationManager</a:t>
+            </a:r>
+            <a:r>
+              <a:rPr lang="de-DE" b="0" dirty="0" smtClean="0">
+                <a:latin typeface="Consolas"/>
+                <a:cs typeface="Consolas"/>
+              </a:rPr>
+              <a:t> s = </a:t>
+            </a:r>
+          </a:p>
+          <a:p>
+            <a:r>
+              <a:rPr lang="de-DE" b="0" dirty="0">
+                <a:latin typeface="Consolas"/>
+                <a:cs typeface="Consolas"/>
+              </a:rPr>
+              <a:t>	</a:t>
+            </a:r>
+            <a:r>
+              <a:rPr lang="de-DE" b="0" dirty="0" smtClean="0">
+                <a:latin typeface="Consolas"/>
+                <a:cs typeface="Consolas"/>
+              </a:rPr>
+              <a:t>			</a:t>
+            </a:r>
+            <a:r>
+              <a:rPr lang="de-DE" b="0" dirty="0" err="1" smtClean="0">
+                <a:solidFill>
+                  <a:srgbClr val="376092"/>
+                </a:solidFill>
+                <a:latin typeface="Consolas"/>
+                <a:cs typeface="Consolas"/>
+              </a:rPr>
+              <a:t>context</a:t>
+            </a:r>
+            <a:r>
+              <a:rPr lang="de-DE" b="0" dirty="0" err="1" smtClean="0">
+                <a:latin typeface="Consolas"/>
+                <a:cs typeface="Consolas"/>
+              </a:rPr>
+              <a:t>.getComponent</a:t>
+            </a:r>
+            <a:r>
+              <a:rPr lang="de-DE" b="0" dirty="0" smtClean="0">
+                <a:latin typeface="Consolas"/>
+                <a:cs typeface="Consolas"/>
+              </a:rPr>
+              <a:t>(</a:t>
+            </a:r>
+          </a:p>
+          <a:p>
+            <a:r>
+              <a:rPr lang="de-DE" b="0" dirty="0">
+                <a:solidFill>
+                  <a:schemeClr val="accent1">
+                    <a:lumMod val="75000"/>
+                  </a:schemeClr>
+                </a:solidFill>
+                <a:latin typeface="Consolas"/>
+                <a:cs typeface="Consolas"/>
+              </a:rPr>
+              <a:t>	</a:t>
+            </a:r>
+            <a:r>
+              <a:rPr lang="de-DE" b="0" dirty="0" smtClean="0">
+                <a:solidFill>
+                  <a:schemeClr val="accent1">
+                    <a:lumMod val="75000"/>
+                  </a:schemeClr>
+                </a:solidFill>
+                <a:latin typeface="Consolas"/>
+                <a:cs typeface="Consolas"/>
+              </a:rPr>
+              <a:t>					</a:t>
+            </a:r>
+            <a:r>
+              <a:rPr lang="de-DE" b="0" dirty="0" err="1" smtClean="0">
+                <a:latin typeface="Consolas"/>
+                <a:cs typeface="Consolas"/>
+              </a:rPr>
+              <a:t>SimulationManager.</a:t>
+            </a:r>
+            <a:r>
+              <a:rPr lang="de-DE" b="0" dirty="0" err="1" smtClean="0">
+                <a:solidFill>
+                  <a:schemeClr val="accent4">
+                    <a:lumMod val="75000"/>
+                  </a:schemeClr>
+                </a:solidFill>
+                <a:latin typeface="Consolas"/>
+                <a:cs typeface="Consolas"/>
+              </a:rPr>
+              <a:t>class</a:t>
+            </a:r>
+            <a:r>
+              <a:rPr lang="de-DE" b="0" dirty="0" smtClean="0">
+                <a:latin typeface="Consolas"/>
+                <a:cs typeface="Consolas"/>
+              </a:rPr>
+              <a:t>);</a:t>
+            </a:r>
+          </a:p>
+          <a:p>
+            <a:endParaRPr lang="de-DE" b="0" dirty="0">
+              <a:solidFill>
+                <a:schemeClr val="accent3">
+                  <a:lumMod val="75000"/>
+                </a:schemeClr>
+              </a:solidFill>
+              <a:latin typeface="Consolas"/>
+              <a:cs typeface="Consolas"/>
+            </a:endParaRPr>
+          </a:p>
+          <a:p>
+            <a:r>
+              <a:rPr lang="de-DE" b="0" dirty="0" smtClean="0">
+                <a:solidFill>
+                  <a:schemeClr val="accent3">
+                    <a:lumMod val="75000"/>
+                  </a:schemeClr>
+                </a:solidFill>
+                <a:latin typeface="Consolas"/>
+                <a:cs typeface="Consolas"/>
+              </a:rPr>
+              <a:t>		// do </a:t>
+            </a:r>
+            <a:r>
+              <a:rPr lang="de-DE" b="0" dirty="0" err="1" smtClean="0">
+                <a:solidFill>
+                  <a:schemeClr val="accent3">
+                    <a:lumMod val="75000"/>
+                  </a:schemeClr>
+                </a:solidFill>
+                <a:latin typeface="Consolas"/>
+                <a:cs typeface="Consolas"/>
+              </a:rPr>
+              <a:t>things</a:t>
+            </a:r>
+            <a:r>
+              <a:rPr lang="de-DE" b="0" dirty="0" smtClean="0">
+                <a:solidFill>
+                  <a:schemeClr val="accent3">
+                    <a:lumMod val="75000"/>
+                  </a:schemeClr>
+                </a:solidFill>
+                <a:latin typeface="Consolas"/>
+                <a:cs typeface="Consolas"/>
+              </a:rPr>
+              <a:t> </a:t>
+            </a:r>
+            <a:r>
+              <a:rPr lang="de-DE" b="0" dirty="0" err="1" smtClean="0">
+                <a:solidFill>
+                  <a:schemeClr val="accent3">
+                    <a:lumMod val="75000"/>
+                  </a:schemeClr>
+                </a:solidFill>
+                <a:latin typeface="Consolas"/>
+                <a:cs typeface="Consolas"/>
+              </a:rPr>
+              <a:t>with</a:t>
+            </a:r>
+            <a:r>
+              <a:rPr lang="de-DE" b="0" dirty="0" smtClean="0">
+                <a:solidFill>
+                  <a:schemeClr val="accent3">
+                    <a:lumMod val="75000"/>
+                  </a:schemeClr>
+                </a:solidFill>
+                <a:latin typeface="Consolas"/>
+                <a:cs typeface="Consolas"/>
+              </a:rPr>
+              <a:t> </a:t>
+            </a:r>
+            <a:r>
+              <a:rPr lang="de-DE" b="0" dirty="0" err="1" smtClean="0">
+                <a:solidFill>
+                  <a:schemeClr val="accent3">
+                    <a:lumMod val="75000"/>
+                  </a:schemeClr>
+                </a:solidFill>
+                <a:latin typeface="Consolas"/>
+                <a:cs typeface="Consolas"/>
+              </a:rPr>
+              <a:t>SimulationManager</a:t>
+            </a:r>
+            <a:endParaRPr lang="de-DE" b="0" dirty="0" smtClean="0">
+              <a:solidFill>
+                <a:schemeClr val="accent3">
+                  <a:lumMod val="75000"/>
+                </a:schemeClr>
+              </a:solidFill>
+              <a:latin typeface="Consolas"/>
+              <a:cs typeface="Consolas"/>
+            </a:endParaRPr>
+          </a:p>
+          <a:p>
+            <a:r>
+              <a:rPr lang="de-DE" b="0" dirty="0">
+                <a:latin typeface="Consolas"/>
+                <a:cs typeface="Consolas"/>
+              </a:rPr>
+              <a:t>	</a:t>
+            </a:r>
+            <a:r>
+              <a:rPr lang="de-DE" b="0" dirty="0" smtClean="0">
+                <a:latin typeface="Consolas"/>
+                <a:cs typeface="Consolas"/>
+              </a:rPr>
+              <a:t>}</a:t>
+            </a:r>
+          </a:p>
+          <a:p>
+            <a:r>
+              <a:rPr lang="de-DE" b="0" dirty="0">
+                <a:latin typeface="Consolas"/>
+                <a:cs typeface="Consolas"/>
+              </a:rPr>
+              <a:t>}</a:t>
+            </a:r>
+          </a:p>
+        </p:txBody>
+      </p:sp>
+    </p:spTree>
+    <p:extLst>
+      <p:ext uri="{BB962C8B-B14F-4D97-AF65-F5344CB8AC3E}">
+        <p14:creationId xmlns:p14="http://schemas.microsoft.com/office/powerpoint/2010/main" val="2522924804"/>
+      </p:ext>
+    </p:extLst>
+  </p:cSld>
+  <p:clrMapOvr>
+    <a:masterClrMapping/>
+  </p:clrMapOvr>
+  <p:timing>
+    <p:tnLst>
+      <p:par>
+        <p:cTn xmlns:p14="http://schemas.microsoft.com/office/powerpoint/2010/main" id="1" dur="indefinite" restart="never" nodeType="tmRoot"/>
+      </p:par>
+    </p:tnLst>
+  </p:timing>
+</p:sld>
+</file>
+
+<file path=ppt/slides/slide22.xml><?xml version="1.0" encoding="utf-8"?>
+<p:sld xmlns:a="http://schemas.openxmlformats.org/drawingml/2006/main" xmlns:r="http://schemas.openxmlformats.org/officeDocument/2006/relationships" xmlns:p="http://schemas.openxmlformats.org/presentationml/2006/main">
+  <p:cSld>
+    <p:spTree>
+      <p:nvGrpSpPr>
+        <p:cNvPr id="1" name=""/>
+        <p:cNvGrpSpPr/>
+        <p:nvPr/>
+      </p:nvGrpSpPr>
+      <p:grpSpPr>
+        <a:xfrm>
+          <a:off x="0" y="0"/>
+          <a:ext cx="0" cy="0"/>
+          <a:chOff x="0" y="0"/>
+          <a:chExt cx="0" cy="0"/>
+        </a:xfrm>
+      </p:grpSpPr>
+      <p:sp>
+        <p:nvSpPr>
           <p:cNvPr id="6" name="Titel 5"/>
           <p:cNvSpPr>
             <a:spLocks noGrp="1"/>
@@ -3292,7 +5397,7 @@
 </p:sld>
 </file>
 
-<file path=ppt/slides/slide18.xml><?xml version="1.0" encoding="utf-8"?>
+<file path=ppt/slides/slide23.xml><?xml version="1.0" encoding="utf-8"?>
 <p:sld xmlns:a="http://schemas.openxmlformats.org/drawingml/2006/main" xmlns:r="http://schemas.openxmlformats.org/officeDocument/2006/relationships" xmlns:p="http://schemas.openxmlformats.org/presentationml/2006/main">
   <p:cSld>
     <p:spTree>
@@ -3386,7 +5491,7 @@
 </p:sld>
 </file>
 
-<file path=ppt/slides/slide19.xml><?xml version="1.0" encoding="utf-8"?>
+<file path=ppt/slides/slide24.xml><?xml version="1.0" encoding="utf-8"?>
 <p:sld xmlns:a="http://schemas.openxmlformats.org/drawingml/2006/main" xmlns:r="http://schemas.openxmlformats.org/officeDocument/2006/relationships" xmlns:p="http://schemas.openxmlformats.org/presentationml/2006/main">
   <p:cSld>
     <p:spTree>
@@ -3901,231 +6006,7 @@
 </p:sld>
 </file>
 
-<file path=ppt/slides/slide2.xml><?xml version="1.0" encoding="utf-8"?>
-<p:sld xmlns:a="http://schemas.openxmlformats.org/drawingml/2006/main" xmlns:r="http://schemas.openxmlformats.org/officeDocument/2006/relationships" xmlns:p="http://schemas.openxmlformats.org/presentationml/2006/main">
-  <p:cSld>
-    <p:spTree>
-      <p:nvGrpSpPr>
-        <p:cNvPr id="1" name=""/>
-        <p:cNvGrpSpPr/>
-        <p:nvPr/>
-      </p:nvGrpSpPr>
-      <p:grpSpPr>
-        <a:xfrm>
-          <a:off x="0" y="0"/>
-          <a:ext cx="0" cy="0"/>
-          <a:chOff x="0" y="0"/>
-          <a:chExt cx="0" cy="0"/>
-        </a:xfrm>
-      </p:grpSpPr>
-      <p:sp>
-        <p:nvSpPr>
-          <p:cNvPr id="9" name="Titel 8"/>
-          <p:cNvSpPr>
-            <a:spLocks noGrp="1"/>
-          </p:cNvSpPr>
-          <p:nvPr>
-            <p:ph type="title"/>
-          </p:nvPr>
-        </p:nvSpPr>
-        <p:spPr/>
-        <p:txBody>
-          <a:bodyPr>
-            <a:normAutofit fontScale="90000"/>
-          </a:bodyPr>
-          <a:lstStyle/>
-          <a:p>
-            <a:r>
-              <a:rPr lang="de-DE" sz="3100" dirty="0" err="1" smtClean="0"/>
-              <a:t>Overview</a:t>
-            </a:r>
-            <a:endParaRPr lang="de-DE" dirty="0"/>
-          </a:p>
-        </p:txBody>
-      </p:sp>
-      <p:sp>
-        <p:nvSpPr>
-          <p:cNvPr id="10" name="Inhaltsplatzhalter 9"/>
-          <p:cNvSpPr>
-            <a:spLocks noGrp="1"/>
-          </p:cNvSpPr>
-          <p:nvPr>
-            <p:ph idx="1"/>
-          </p:nvPr>
-        </p:nvSpPr>
-        <p:spPr>
-          <a:xfrm>
-            <a:off x="1800000" y="1861725"/>
-            <a:ext cx="6984000" cy="4499820"/>
-          </a:xfrm>
-        </p:spPr>
-        <p:txBody>
-          <a:bodyPr>
-            <a:normAutofit/>
-          </a:bodyPr>
-          <a:lstStyle/>
-          <a:p>
-            <a:r>
-              <a:rPr lang="de-DE" dirty="0" smtClean="0"/>
-              <a:t>K</a:t>
-            </a:r>
-            <a:r>
-              <a:rPr lang="de-DE" sz="2000" dirty="0" smtClean="0"/>
-              <a:t>ey </a:t>
-            </a:r>
-            <a:r>
-              <a:rPr lang="de-DE" sz="2000" dirty="0" err="1" smtClean="0"/>
-              <a:t>features</a:t>
-            </a:r>
-            <a:endParaRPr lang="de-DE" sz="2000" dirty="0" smtClean="0"/>
-          </a:p>
-          <a:p>
-            <a:endParaRPr lang="de-DE" dirty="0"/>
-          </a:p>
-          <a:p>
-            <a:r>
-              <a:rPr lang="de-DE" sz="2000" dirty="0" smtClean="0"/>
-              <a:t>Technologies</a:t>
-            </a:r>
-          </a:p>
-          <a:p>
-            <a:endParaRPr lang="de-DE" dirty="0"/>
-          </a:p>
-          <a:p>
-            <a:r>
-              <a:rPr lang="de-DE" dirty="0"/>
-              <a:t>System design</a:t>
-            </a:r>
-          </a:p>
-          <a:p>
-            <a:pPr lvl="2"/>
-            <a:r>
-              <a:rPr lang="de-DE" dirty="0" err="1" smtClean="0"/>
-              <a:t>Overview</a:t>
-            </a:r>
-            <a:endParaRPr lang="de-DE" dirty="0"/>
-          </a:p>
-          <a:p>
-            <a:pPr lvl="2"/>
-            <a:r>
-              <a:rPr lang="de-DE" dirty="0" err="1" smtClean="0"/>
-              <a:t>Dependency</a:t>
-            </a:r>
-            <a:r>
-              <a:rPr lang="de-DE" dirty="0" smtClean="0"/>
-              <a:t> </a:t>
-            </a:r>
-            <a:r>
-              <a:rPr lang="de-DE" dirty="0" err="1" smtClean="0"/>
-              <a:t>Injection</a:t>
-            </a:r>
-            <a:endParaRPr lang="de-DE" sz="2000" dirty="0" smtClean="0"/>
-          </a:p>
-          <a:p>
-            <a:pPr lvl="2"/>
-            <a:r>
-              <a:rPr lang="de-DE" dirty="0" smtClean="0"/>
-              <a:t>Model / </a:t>
-            </a:r>
-            <a:r>
-              <a:rPr lang="de-DE" dirty="0" err="1" smtClean="0"/>
-              <a:t>Persistence</a:t>
-            </a:r>
-            <a:endParaRPr lang="de-DE" dirty="0" smtClean="0"/>
-          </a:p>
-          <a:p>
-            <a:pPr lvl="2"/>
-            <a:r>
-              <a:rPr lang="de-DE" dirty="0" err="1" smtClean="0"/>
-              <a:t>Presentation</a:t>
-            </a:r>
-            <a:r>
-              <a:rPr lang="de-DE" dirty="0" smtClean="0"/>
-              <a:t> / </a:t>
-            </a:r>
-            <a:r>
-              <a:rPr lang="de-DE" dirty="0" err="1" smtClean="0"/>
-              <a:t>Physics</a:t>
-            </a:r>
-            <a:endParaRPr lang="de-DE" dirty="0" smtClean="0"/>
-          </a:p>
-          <a:p>
-            <a:pPr lvl="2"/>
-            <a:r>
-              <a:rPr lang="de-DE" dirty="0" err="1" smtClean="0"/>
-              <a:t>Logic</a:t>
-            </a:r>
-            <a:endParaRPr lang="de-DE" dirty="0" smtClean="0"/>
-          </a:p>
-          <a:p>
-            <a:endParaRPr lang="de-DE" dirty="0"/>
-          </a:p>
-          <a:p>
-            <a:r>
-              <a:rPr lang="de-DE" dirty="0" smtClean="0"/>
-              <a:t>Q &amp; A</a:t>
-            </a:r>
-            <a:endParaRPr lang="de-DE" sz="2000" dirty="0" smtClean="0"/>
-          </a:p>
-          <a:p>
-            <a:endParaRPr lang="de-DE" dirty="0"/>
-          </a:p>
-          <a:p>
-            <a:endParaRPr lang="de-DE" sz="2000" dirty="0"/>
-          </a:p>
-        </p:txBody>
-      </p:sp>
-      <p:pic>
-        <p:nvPicPr>
-          <p:cNvPr id="2" name="Bild 1" descr="splash.png"/>
-          <p:cNvPicPr>
-            <a:picLocks noChangeAspect="1"/>
-          </p:cNvPicPr>
-          <p:nvPr/>
-        </p:nvPicPr>
-        <p:blipFill>
-          <a:blip r:embed="rId2">
-            <a:extLst>
-              <a:ext uri="{28A0092B-C50C-407E-A947-70E740481C1C}">
-                <a14:useLocalDpi xmlns:a14="http://schemas.microsoft.com/office/drawing/2010/main" val="0"/>
-              </a:ext>
-            </a:extLst>
-          </a:blip>
-          <a:stretch>
-            <a:fillRect/>
-          </a:stretch>
-        </p:blipFill>
-        <p:spPr>
-          <a:xfrm>
-            <a:off x="5559182" y="1080000"/>
-            <a:ext cx="2712263" cy="4996275"/>
-          </a:xfrm>
-          <a:prstGeom prst="rect">
-            <a:avLst/>
-          </a:prstGeom>
-        </p:spPr>
-      </p:pic>
-    </p:spTree>
-    <p:extLst>
-      <p:ext uri="{BB962C8B-B14F-4D97-AF65-F5344CB8AC3E}">
-        <p14:creationId xmlns:p14="http://schemas.microsoft.com/office/powerpoint/2010/main" val="1597286783"/>
-      </p:ext>
-    </p:extLst>
-  </p:cSld>
-  <p:clrMapOvr>
-    <a:masterClrMapping/>
-  </p:clrMapOvr>
-  <p:timing>
-    <p:tnLst>
-      <p:par>
-        <p:cTn xmlns:p14="http://schemas.microsoft.com/office/powerpoint/2010/main" id="1" dur="indefinite" restart="never" nodeType="tmRoot"/>
-      </p:par>
-    </p:tnLst>
-  </p:timing>
-</p:sld>
-</file>
-
-<file path=ppt/slides/slide20.xml><?xml version="1.0" encoding="utf-8"?>
+<file path=ppt/slides/slide25.xml><?xml version="1.0" encoding="utf-8"?>
 <p:sld xmlns:a="http://schemas.openxmlformats.org/drawingml/2006/main" xmlns:r="http://schemas.openxmlformats.org/officeDocument/2006/relationships" xmlns:p="http://schemas.openxmlformats.org/presentationml/2006/main">
   <p:cSld>
     <p:spTree>
@@ -4296,7 +6177,7 @@
 </p:sld>
 </file>
 
-<file path=ppt/slides/slide21.xml><?xml version="1.0" encoding="utf-8"?>
+<file path=ppt/slides/slide26.xml><?xml version="1.0" encoding="utf-8"?>
 <p:sld xmlns:a="http://schemas.openxmlformats.org/drawingml/2006/main" xmlns:r="http://schemas.openxmlformats.org/officeDocument/2006/relationships" xmlns:p="http://schemas.openxmlformats.org/presentationml/2006/main">
   <p:cSld>
     <p:spTree>
@@ -4521,7 +6402,7 @@
 </p:sld>
 </file>
 
-<file path=ppt/slides/slide22.xml><?xml version="1.0" encoding="utf-8"?>
+<file path=ppt/slides/slide27.xml><?xml version="1.0" encoding="utf-8"?>
 <p:sld xmlns:a="http://schemas.openxmlformats.org/drawingml/2006/main" xmlns:r="http://schemas.openxmlformats.org/officeDocument/2006/relationships" xmlns:p="http://schemas.openxmlformats.org/presentationml/2006/main">
   <p:cSld>
     <p:spTree>
@@ -4688,7 +6569,7 @@
 </p:sld>
 </file>
 
-<file path=ppt/slides/slide23.xml><?xml version="1.0" encoding="utf-8"?>
+<file path=ppt/slides/slide28.xml><?xml version="1.0" encoding="utf-8"?>
 <p:sld xmlns:a="http://schemas.openxmlformats.org/drawingml/2006/main" xmlns:r="http://schemas.openxmlformats.org/officeDocument/2006/relationships" xmlns:p="http://schemas.openxmlformats.org/presentationml/2006/main">
   <p:cSld>
     <p:spTree>
@@ -4982,7 +6863,7 @@
 </p:sld>
 </file>
 
-<file path=ppt/slides/slide24.xml><?xml version="1.0" encoding="utf-8"?>
+<file path=ppt/slides/slide29.xml><?xml version="1.0" encoding="utf-8"?>
 <p:sld xmlns:a="http://schemas.openxmlformats.org/drawingml/2006/main" xmlns:r="http://schemas.openxmlformats.org/officeDocument/2006/relationships" xmlns:p="http://schemas.openxmlformats.org/presentationml/2006/main">
   <p:cSld>
     <p:spTree>
@@ -5069,7 +6950,66 @@
 </p:sld>
 </file>
 
-<file path=ppt/slides/slide25.xml><?xml version="1.0" encoding="utf-8"?>
+<file path=ppt/slides/slide3.xml><?xml version="1.0" encoding="utf-8"?>
+<p:sld xmlns:a="http://schemas.openxmlformats.org/drawingml/2006/main" xmlns:r="http://schemas.openxmlformats.org/officeDocument/2006/relationships" xmlns:p="http://schemas.openxmlformats.org/presentationml/2006/main">
+  <p:cSld>
+    <p:spTree>
+      <p:nvGrpSpPr>
+        <p:cNvPr id="1" name=""/>
+        <p:cNvGrpSpPr/>
+        <p:nvPr/>
+      </p:nvGrpSpPr>
+      <p:grpSpPr>
+        <a:xfrm>
+          <a:off x="0" y="0"/>
+          <a:ext cx="0" cy="0"/>
+          <a:chOff x="0" y="0"/>
+          <a:chExt cx="0" cy="0"/>
+        </a:xfrm>
+      </p:grpSpPr>
+      <p:sp>
+        <p:nvSpPr>
+          <p:cNvPr id="6" name="Titel 5"/>
+          <p:cNvSpPr>
+            <a:spLocks noGrp="1"/>
+          </p:cNvSpPr>
+          <p:nvPr>
+            <p:ph type="title"/>
+          </p:nvPr>
+        </p:nvSpPr>
+        <p:spPr/>
+        <p:txBody>
+          <a:bodyPr/>
+          <a:lstStyle/>
+          <a:p>
+            <a:r>
+              <a:rPr lang="de-DE" dirty="0" smtClean="0"/>
+              <a:t>Key </a:t>
+            </a:r>
+            <a:r>
+              <a:rPr lang="de-DE" dirty="0" err="1" smtClean="0"/>
+              <a:t>features</a:t>
+            </a:r>
+            <a:endParaRPr lang="de-DE" dirty="0"/>
+          </a:p>
+        </p:txBody>
+      </p:sp>
+    </p:spTree>
+  </p:cSld>
+  <p:clrMapOvr>
+    <a:masterClrMapping/>
+  </p:clrMapOvr>
+  <p:timing>
+    <p:tnLst>
+      <p:par>
+        <p:cTn xmlns:p14="http://schemas.microsoft.com/office/powerpoint/2010/main" id="1" dur="indefinite" restart="never" nodeType="tmRoot"/>
+      </p:par>
+    </p:tnLst>
+  </p:timing>
+</p:sld>
+</file>
+
+<file path=ppt/slides/slide30.xml><?xml version="1.0" encoding="utf-8"?>
 <p:sld xmlns:a="http://schemas.openxmlformats.org/drawingml/2006/main" xmlns:r="http://schemas.openxmlformats.org/officeDocument/2006/relationships" xmlns:p="http://schemas.openxmlformats.org/presentationml/2006/main">
   <p:cSld>
     <p:spTree>
@@ -5156,7 +7096,7 @@
 </p:sld>
 </file>
 
-<file path=ppt/slides/slide26.xml><?xml version="1.0" encoding="utf-8"?>
+<file path=ppt/slides/slide31.xml><?xml version="1.0" encoding="utf-8"?>
 <p:sld xmlns:a="http://schemas.openxmlformats.org/drawingml/2006/main" xmlns:r="http://schemas.openxmlformats.org/officeDocument/2006/relationships" xmlns:p="http://schemas.openxmlformats.org/presentationml/2006/main">
   <p:cSld>
     <p:spTree>
@@ -5223,7 +7163,7 @@
 </p:sld>
 </file>
 
-<file path=ppt/slides/slide27.xml><?xml version="1.0" encoding="utf-8"?>
+<file path=ppt/slides/slide32.xml><?xml version="1.0" encoding="utf-8"?>
 <p:sld xmlns:a="http://schemas.openxmlformats.org/drawingml/2006/main" xmlns:r="http://schemas.openxmlformats.org/officeDocument/2006/relationships" xmlns:p="http://schemas.openxmlformats.org/presentationml/2006/main">
   <p:cSld>
     <p:spTree>
@@ -5290,7 +7230,7 @@
 </p:sld>
 </file>
 
-<file path=ppt/slides/slide28.xml><?xml version="1.0" encoding="utf-8"?>
+<file path=ppt/slides/slide33.xml><?xml version="1.0" encoding="utf-8"?>
 <p:sld xmlns:a="http://schemas.openxmlformats.org/drawingml/2006/main" xmlns:r="http://schemas.openxmlformats.org/officeDocument/2006/relationships" xmlns:p="http://schemas.openxmlformats.org/presentationml/2006/main">
   <p:cSld>
     <p:spTree>
@@ -5335,65 +7275,6 @@
             <a:r>
               <a:rPr lang="de-DE" dirty="0" err="1" smtClean="0"/>
               <a:t>Answers</a:t>
-            </a:r>
-            <a:endParaRPr lang="de-DE" dirty="0"/>
-          </a:p>
-        </p:txBody>
-      </p:sp>
-    </p:spTree>
-  </p:cSld>
-  <p:clrMapOvr>
-    <a:masterClrMapping/>
-  </p:clrMapOvr>
-  <p:timing>
-    <p:tnLst>
-      <p:par>
-        <p:cTn xmlns:p14="http://schemas.microsoft.com/office/powerpoint/2010/main" id="1" dur="indefinite" restart="never" nodeType="tmRoot"/>
-      </p:par>
-    </p:tnLst>
-  </p:timing>
-</p:sld>
-</file>
-
-<file path=ppt/slides/slide3.xml><?xml version="1.0" encoding="utf-8"?>
-<p:sld xmlns:a="http://schemas.openxmlformats.org/drawingml/2006/main" xmlns:r="http://schemas.openxmlformats.org/officeDocument/2006/relationships" xmlns:p="http://schemas.openxmlformats.org/presentationml/2006/main">
-  <p:cSld>
-    <p:spTree>
-      <p:nvGrpSpPr>
-        <p:cNvPr id="1" name=""/>
-        <p:cNvGrpSpPr/>
-        <p:nvPr/>
-      </p:nvGrpSpPr>
-      <p:grpSpPr>
-        <a:xfrm>
-          <a:off x="0" y="0"/>
-          <a:ext cx="0" cy="0"/>
-          <a:chOff x="0" y="0"/>
-          <a:chExt cx="0" cy="0"/>
-        </a:xfrm>
-      </p:grpSpPr>
-      <p:sp>
-        <p:nvSpPr>
-          <p:cNvPr id="6" name="Titel 5"/>
-          <p:cNvSpPr>
-            <a:spLocks noGrp="1"/>
-          </p:cNvSpPr>
-          <p:nvPr>
-            <p:ph type="title"/>
-          </p:nvPr>
-        </p:nvSpPr>
-        <p:spPr/>
-        <p:txBody>
-          <a:bodyPr/>
-          <a:lstStyle/>
-          <a:p>
-            <a:r>
-              <a:rPr lang="de-DE" dirty="0" smtClean="0"/>
-              <a:t>Key </a:t>
-            </a:r>
-            <a:r>
-              <a:rPr lang="de-DE" dirty="0" err="1" smtClean="0"/>
-              <a:t>features</a:t>
             </a:r>
             <a:endParaRPr lang="de-DE" dirty="0"/>
           </a:p>

--- a/doc/presentation/presentation.pptx
+++ b/doc/presentation/presentation.pptx
@@ -5,7 +5,7 @@
     <p:sldMasterId id="2147483648" r:id="rId4"/>
   </p:sldMasterIdLst>
   <p:handoutMasterIdLst>
-    <p:handoutMasterId r:id="rId38"/>
+    <p:handoutMasterId r:id="rId40"/>
   </p:handoutMasterIdLst>
   <p:sldIdLst>
     <p:sldId id="256" r:id="rId5"/>
@@ -22,25 +22,27 @@
     <p:sldId id="273" r:id="rId16"/>
     <p:sldId id="277" r:id="rId17"/>
     <p:sldId id="278" r:id="rId18"/>
-    <p:sldId id="279" r:id="rId19"/>
-    <p:sldId id="280" r:id="rId20"/>
-    <p:sldId id="290" r:id="rId21"/>
-    <p:sldId id="293" r:id="rId22"/>
-    <p:sldId id="292" r:id="rId23"/>
-    <p:sldId id="291" r:id="rId24"/>
-    <p:sldId id="294" r:id="rId25"/>
-    <p:sldId id="270" r:id="rId26"/>
-    <p:sldId id="282" r:id="rId27"/>
-    <p:sldId id="283" r:id="rId28"/>
-    <p:sldId id="285" r:id="rId29"/>
-    <p:sldId id="286" r:id="rId30"/>
-    <p:sldId id="284" r:id="rId31"/>
-    <p:sldId id="287" r:id="rId32"/>
-    <p:sldId id="288" r:id="rId33"/>
-    <p:sldId id="289" r:id="rId34"/>
+    <p:sldId id="270" r:id="rId19"/>
+    <p:sldId id="282" r:id="rId20"/>
+    <p:sldId id="283" r:id="rId21"/>
+    <p:sldId id="285" r:id="rId22"/>
+    <p:sldId id="286" r:id="rId23"/>
+    <p:sldId id="284" r:id="rId24"/>
+    <p:sldId id="287" r:id="rId25"/>
+    <p:sldId id="288" r:id="rId26"/>
+    <p:sldId id="289" r:id="rId27"/>
+    <p:sldId id="279" r:id="rId28"/>
+    <p:sldId id="280" r:id="rId29"/>
+    <p:sldId id="290" r:id="rId30"/>
+    <p:sldId id="293" r:id="rId31"/>
+    <p:sldId id="292" r:id="rId32"/>
+    <p:sldId id="291" r:id="rId33"/>
+    <p:sldId id="294" r:id="rId34"/>
     <p:sldId id="271" r:id="rId35"/>
-    <p:sldId id="272" r:id="rId36"/>
-    <p:sldId id="260" r:id="rId37"/>
+    <p:sldId id="295" r:id="rId36"/>
+    <p:sldId id="296" r:id="rId37"/>
+    <p:sldId id="272" r:id="rId38"/>
+    <p:sldId id="260" r:id="rId39"/>
   </p:sldIdLst>
   <p:sldSz cx="9144000" cy="6858000" type="screen4x3"/>
   <p:notesSz cx="6858000" cy="9144000"/>
@@ -2834,7 +2836,7 @@
         <p:spPr>
           <a:xfrm>
             <a:off x="4211405" y="5233260"/>
-            <a:ext cx="4414769" cy="1099496"/>
+            <a:ext cx="4414769" cy="1414856"/>
           </a:xfrm>
           <a:prstGeom prst="rect">
             <a:avLst/>
@@ -2879,7 +2881,7 @@
         <p:spPr>
           <a:xfrm>
             <a:off x="6606013" y="5471011"/>
-            <a:ext cx="1926398" cy="707886"/>
+            <a:ext cx="1926398" cy="1015663"/>
           </a:xfrm>
           <a:prstGeom prst="rect">
             <a:avLst/>
@@ -2913,7 +2915,16 @@
                 <a:latin typeface="Arial"/>
                 <a:cs typeface="Arial"/>
               </a:rPr>
-              <a:t>Interfaces</a:t>
+              <a:t>Interfaces,</a:t>
+            </a:r>
+          </a:p>
+          <a:p>
+            <a:r>
+              <a:rPr lang="de-DE" sz="2000" dirty="0" smtClean="0">
+                <a:latin typeface="Arial"/>
+                <a:cs typeface="Arial"/>
+              </a:rPr>
+              <a:t>Model</a:t>
             </a:r>
             <a:endParaRPr lang="de-DE" sz="2000" dirty="0">
               <a:latin typeface="Arial"/>
@@ -2995,20 +3006,6 @@
                 <a:cs typeface="Arial"/>
               </a:rPr>
               <a:t>Dependency</a:t>
-            </a:r>
-            <a:r>
-              <a:rPr lang="de-DE" sz="2000" dirty="0" smtClean="0">
-                <a:latin typeface="Arial"/>
-                <a:cs typeface="Arial"/>
-              </a:rPr>
-              <a:t> </a:t>
-            </a:r>
-            <a:r>
-              <a:rPr lang="de-DE" sz="2000" dirty="0" err="1" smtClean="0">
-                <a:latin typeface="Arial"/>
-                <a:cs typeface="Arial"/>
-              </a:rPr>
-              <a:t>Injection</a:t>
             </a:r>
             <a:r>
               <a:rPr lang="de-DE" sz="2000" dirty="0" smtClean="0">
@@ -3097,6 +3094,1933 @@
               <a:rPr lang="de-DE" dirty="0" smtClean="0"/>
             </a:br>
             <a:r>
+              <a:rPr lang="de-DE" b="0" dirty="0" smtClean="0"/>
+              <a:t>Model / </a:t>
+            </a:r>
+            <a:r>
+              <a:rPr lang="de-DE" b="0" dirty="0" err="1" smtClean="0"/>
+              <a:t>Persistence</a:t>
+            </a:r>
+            <a:endParaRPr lang="de-DE" dirty="0"/>
+          </a:p>
+        </p:txBody>
+      </p:sp>
+    </p:spTree>
+    <p:extLst>
+      <p:ext uri="{BB962C8B-B14F-4D97-AF65-F5344CB8AC3E}">
+        <p14:creationId xmlns:p14="http://schemas.microsoft.com/office/powerpoint/2010/main" val="132038508"/>
+      </p:ext>
+    </p:extLst>
+  </p:cSld>
+  <p:clrMapOvr>
+    <a:masterClrMapping/>
+  </p:clrMapOvr>
+  <p:timing>
+    <p:tnLst>
+      <p:par>
+        <p:cTn xmlns:p14="http://schemas.microsoft.com/office/powerpoint/2010/main" id="1" dur="indefinite" restart="never" nodeType="tmRoot"/>
+      </p:par>
+    </p:tnLst>
+  </p:timing>
+</p:sld>
+</file>
+
+<file path=ppt/slides/slide16.xml><?xml version="1.0" encoding="utf-8"?>
+<p:sld xmlns:a="http://schemas.openxmlformats.org/drawingml/2006/main" xmlns:r="http://schemas.openxmlformats.org/officeDocument/2006/relationships" xmlns:p="http://schemas.openxmlformats.org/presentationml/2006/main">
+  <p:cSld>
+    <p:spTree>
+      <p:nvGrpSpPr>
+        <p:cNvPr id="1" name=""/>
+        <p:cNvGrpSpPr/>
+        <p:nvPr/>
+      </p:nvGrpSpPr>
+      <p:grpSpPr>
+        <a:xfrm>
+          <a:off x="0" y="0"/>
+          <a:ext cx="0" cy="0"/>
+          <a:chOff x="0" y="0"/>
+          <a:chExt cx="0" cy="0"/>
+        </a:xfrm>
+      </p:grpSpPr>
+      <p:sp>
+        <p:nvSpPr>
+          <p:cNvPr id="3" name="Titel 2"/>
+          <p:cNvSpPr>
+            <a:spLocks noGrp="1"/>
+          </p:cNvSpPr>
+          <p:nvPr>
+            <p:ph type="title"/>
+          </p:nvPr>
+        </p:nvSpPr>
+        <p:spPr/>
+        <p:txBody>
+          <a:bodyPr/>
+          <a:lstStyle/>
+          <a:p>
+            <a:r>
+              <a:rPr lang="de-DE" dirty="0" smtClean="0"/>
+              <a:t>Domain </a:t>
+            </a:r>
+            <a:r>
+              <a:rPr lang="de-DE" dirty="0" err="1" smtClean="0"/>
+              <a:t>model</a:t>
+            </a:r>
+            <a:endParaRPr lang="de-DE" dirty="0"/>
+          </a:p>
+        </p:txBody>
+      </p:sp>
+      <p:pic>
+        <p:nvPicPr>
+          <p:cNvPr id="6" name="Bild 5" descr="Screen Shot 2013-01-15 at 10.06.44 AM.png"/>
+          <p:cNvPicPr>
+            <a:picLocks noChangeAspect="1"/>
+          </p:cNvPicPr>
+          <p:nvPr/>
+        </p:nvPicPr>
+        <p:blipFill>
+          <a:blip r:embed="rId2">
+            <a:extLst>
+              <a:ext uri="{28A0092B-C50C-407E-A947-70E740481C1C}">
+                <a14:useLocalDpi xmlns:a14="http://schemas.microsoft.com/office/drawing/2010/main" val="0"/>
+              </a:ext>
+            </a:extLst>
+          </a:blip>
+          <a:stretch>
+            <a:fillRect/>
+          </a:stretch>
+        </p:blipFill>
+        <p:spPr>
+          <a:xfrm>
+            <a:off x="1800000" y="1725353"/>
+            <a:ext cx="6288498" cy="4542396"/>
+          </a:xfrm>
+          <a:prstGeom prst="rect">
+            <a:avLst/>
+          </a:prstGeom>
+        </p:spPr>
+      </p:pic>
+    </p:spTree>
+    <p:extLst>
+      <p:ext uri="{BB962C8B-B14F-4D97-AF65-F5344CB8AC3E}">
+        <p14:creationId xmlns:p14="http://schemas.microsoft.com/office/powerpoint/2010/main" val="4074190647"/>
+      </p:ext>
+    </p:extLst>
+  </p:cSld>
+  <p:clrMapOvr>
+    <a:masterClrMapping/>
+  </p:clrMapOvr>
+  <p:timing>
+    <p:tnLst>
+      <p:par>
+        <p:cTn xmlns:p14="http://schemas.microsoft.com/office/powerpoint/2010/main" id="1" dur="indefinite" restart="never" nodeType="tmRoot"/>
+      </p:par>
+    </p:tnLst>
+  </p:timing>
+</p:sld>
+</file>
+
+<file path=ppt/slides/slide17.xml><?xml version="1.0" encoding="utf-8"?>
+<p:sld xmlns:a="http://schemas.openxmlformats.org/drawingml/2006/main" xmlns:r="http://schemas.openxmlformats.org/officeDocument/2006/relationships" xmlns:p="http://schemas.openxmlformats.org/presentationml/2006/main">
+  <p:cSld>
+    <p:spTree>
+      <p:nvGrpSpPr>
+        <p:cNvPr id="1" name=""/>
+        <p:cNvGrpSpPr/>
+        <p:nvPr/>
+      </p:nvGrpSpPr>
+      <p:grpSpPr>
+        <a:xfrm>
+          <a:off x="0" y="0"/>
+          <a:ext cx="0" cy="0"/>
+          <a:chOff x="0" y="0"/>
+          <a:chExt cx="0" cy="0"/>
+        </a:xfrm>
+      </p:grpSpPr>
+      <p:sp>
+        <p:nvSpPr>
+          <p:cNvPr id="3" name="Titel 2"/>
+          <p:cNvSpPr>
+            <a:spLocks noGrp="1"/>
+          </p:cNvSpPr>
+          <p:nvPr>
+            <p:ph type="title"/>
+          </p:nvPr>
+        </p:nvSpPr>
+        <p:spPr/>
+        <p:txBody>
+          <a:bodyPr/>
+          <a:lstStyle/>
+          <a:p>
+            <a:r>
+              <a:rPr lang="de-DE" dirty="0" smtClean="0"/>
+              <a:t>Domain </a:t>
+            </a:r>
+            <a:r>
+              <a:rPr lang="de-DE" dirty="0" err="1" smtClean="0"/>
+              <a:t>model</a:t>
+            </a:r>
+            <a:endParaRPr lang="de-DE" dirty="0"/>
+          </a:p>
+        </p:txBody>
+      </p:sp>
+      <p:pic>
+        <p:nvPicPr>
+          <p:cNvPr id="6" name="Bild 5" descr="Screen Shot 2013-01-15 at 10.06.44 AM.png"/>
+          <p:cNvPicPr>
+            <a:picLocks noChangeAspect="1"/>
+          </p:cNvPicPr>
+          <p:nvPr/>
+        </p:nvPicPr>
+        <p:blipFill>
+          <a:blip r:embed="rId2">
+            <a:extLst>
+              <a:ext uri="{28A0092B-C50C-407E-A947-70E740481C1C}">
+                <a14:useLocalDpi xmlns:a14="http://schemas.microsoft.com/office/drawing/2010/main" val="0"/>
+              </a:ext>
+            </a:extLst>
+          </a:blip>
+          <a:stretch>
+            <a:fillRect/>
+          </a:stretch>
+        </p:blipFill>
+        <p:spPr>
+          <a:xfrm>
+            <a:off x="1800000" y="1725353"/>
+            <a:ext cx="6288498" cy="4542396"/>
+          </a:xfrm>
+          <a:prstGeom prst="rect">
+            <a:avLst/>
+          </a:prstGeom>
+        </p:spPr>
+      </p:pic>
+      <p:sp>
+        <p:nvSpPr>
+          <p:cNvPr id="2" name="Rechteck 1"/>
+          <p:cNvSpPr/>
+          <p:nvPr/>
+        </p:nvSpPr>
+        <p:spPr>
+          <a:xfrm>
+            <a:off x="5114331" y="3513762"/>
+            <a:ext cx="2982691" cy="3006505"/>
+          </a:xfrm>
+          <a:prstGeom prst="rect">
+            <a:avLst/>
+          </a:prstGeom>
+          <a:gradFill flip="none" rotWithShape="1">
+            <a:gsLst>
+              <a:gs pos="0">
+                <a:schemeClr val="accent3">
+                  <a:tint val="100000"/>
+                  <a:shade val="100000"/>
+                  <a:satMod val="130000"/>
+                  <a:alpha val="36000"/>
+                </a:schemeClr>
+              </a:gs>
+              <a:gs pos="100000">
+                <a:schemeClr val="accent3">
+                  <a:tint val="50000"/>
+                  <a:shade val="100000"/>
+                  <a:satMod val="350000"/>
+                  <a:alpha val="36000"/>
+                </a:schemeClr>
+              </a:gs>
+            </a:gsLst>
+            <a:lin ang="16200000" scaled="0"/>
+            <a:tileRect/>
+          </a:gradFill>
+        </p:spPr>
+        <p:style>
+          <a:lnRef idx="1">
+            <a:schemeClr val="accent3"/>
+          </a:lnRef>
+          <a:fillRef idx="3">
+            <a:schemeClr val="accent3"/>
+          </a:fillRef>
+          <a:effectRef idx="2">
+            <a:schemeClr val="accent3"/>
+          </a:effectRef>
+          <a:fontRef idx="minor">
+            <a:schemeClr val="lt1"/>
+          </a:fontRef>
+        </p:style>
+        <p:txBody>
+          <a:bodyPr rtlCol="0" anchor="ctr"/>
+          <a:lstStyle/>
+          <a:p>
+            <a:pPr algn="ctr"/>
+            <a:endParaRPr lang="de-DE" b="1" dirty="0">
+              <a:solidFill>
+                <a:srgbClr val="008000"/>
+              </a:solidFill>
+            </a:endParaRPr>
+          </a:p>
+        </p:txBody>
+      </p:sp>
+      <p:sp>
+        <p:nvSpPr>
+          <p:cNvPr id="4" name="Rechteck 3"/>
+          <p:cNvSpPr/>
+          <p:nvPr/>
+        </p:nvSpPr>
+        <p:spPr>
+          <a:xfrm>
+            <a:off x="1799999" y="1725353"/>
+            <a:ext cx="3213027" cy="4794914"/>
+          </a:xfrm>
+          <a:prstGeom prst="rect">
+            <a:avLst/>
+          </a:prstGeom>
+          <a:gradFill flip="none" rotWithShape="1">
+            <a:gsLst>
+              <a:gs pos="0">
+                <a:schemeClr val="accent6">
+                  <a:tint val="100000"/>
+                  <a:shade val="100000"/>
+                  <a:satMod val="130000"/>
+                  <a:alpha val="41000"/>
+                </a:schemeClr>
+              </a:gs>
+              <a:gs pos="100000">
+                <a:schemeClr val="accent6">
+                  <a:tint val="50000"/>
+                  <a:shade val="100000"/>
+                  <a:satMod val="350000"/>
+                  <a:alpha val="41000"/>
+                </a:schemeClr>
+              </a:gs>
+            </a:gsLst>
+            <a:lin ang="16200000" scaled="0"/>
+            <a:tileRect/>
+          </a:gradFill>
+        </p:spPr>
+        <p:style>
+          <a:lnRef idx="1">
+            <a:schemeClr val="accent6"/>
+          </a:lnRef>
+          <a:fillRef idx="3">
+            <a:schemeClr val="accent6"/>
+          </a:fillRef>
+          <a:effectRef idx="2">
+            <a:schemeClr val="accent6"/>
+          </a:effectRef>
+          <a:fontRef idx="minor">
+            <a:schemeClr val="lt1"/>
+          </a:fontRef>
+        </p:style>
+        <p:txBody>
+          <a:bodyPr rtlCol="0" anchor="ctr"/>
+          <a:lstStyle/>
+          <a:p>
+            <a:pPr algn="ctr"/>
+            <a:endParaRPr lang="de-DE" b="1" dirty="0">
+              <a:solidFill>
+                <a:srgbClr val="FF6600"/>
+              </a:solidFill>
+            </a:endParaRPr>
+          </a:p>
+        </p:txBody>
+      </p:sp>
+      <p:sp>
+        <p:nvSpPr>
+          <p:cNvPr id="7" name="Textfeld 6"/>
+          <p:cNvSpPr txBox="1"/>
+          <p:nvPr/>
+        </p:nvSpPr>
+        <p:spPr>
+          <a:xfrm>
+            <a:off x="1800000" y="5812381"/>
+            <a:ext cx="2419326" cy="707886"/>
+          </a:xfrm>
+          <a:prstGeom prst="rect">
+            <a:avLst/>
+          </a:prstGeom>
+          <a:noFill/>
+        </p:spPr>
+        <p:txBody>
+          <a:bodyPr wrap="square" rtlCol="0">
+            <a:spAutoFit/>
+          </a:bodyPr>
+          <a:lstStyle/>
+          <a:p>
+            <a:r>
+              <a:rPr lang="de-DE" sz="2000" dirty="0" smtClean="0">
+                <a:latin typeface="Arial"/>
+                <a:cs typeface="Arial"/>
+              </a:rPr>
+              <a:t>Transaction </a:t>
+            </a:r>
+            <a:r>
+              <a:rPr lang="de-DE" sz="2000" dirty="0" err="1" smtClean="0">
+                <a:latin typeface="Arial"/>
+                <a:cs typeface="Arial"/>
+              </a:rPr>
+              <a:t>data</a:t>
+            </a:r>
+            <a:r>
+              <a:rPr lang="de-DE" sz="2000" dirty="0" smtClean="0">
+                <a:latin typeface="Arial"/>
+                <a:cs typeface="Arial"/>
+              </a:rPr>
+              <a:t>:</a:t>
+            </a:r>
+          </a:p>
+          <a:p>
+            <a:r>
+              <a:rPr lang="de-DE" sz="2000" dirty="0" err="1" smtClean="0">
+                <a:latin typeface="Arial"/>
+                <a:cs typeface="Arial"/>
+              </a:rPr>
+              <a:t>Object</a:t>
+            </a:r>
+            <a:r>
+              <a:rPr lang="de-DE" sz="2000" dirty="0" smtClean="0">
+                <a:latin typeface="Arial"/>
+                <a:cs typeface="Arial"/>
+              </a:rPr>
+              <a:t> </a:t>
+            </a:r>
+            <a:r>
+              <a:rPr lang="de-DE" sz="2000" dirty="0" err="1" smtClean="0">
+                <a:latin typeface="Arial"/>
+                <a:cs typeface="Arial"/>
+              </a:rPr>
+              <a:t>serialization</a:t>
+            </a:r>
+            <a:endParaRPr lang="de-DE" sz="2000" dirty="0">
+              <a:latin typeface="Arial"/>
+              <a:cs typeface="Arial"/>
+            </a:endParaRPr>
+          </a:p>
+        </p:txBody>
+      </p:sp>
+      <p:sp>
+        <p:nvSpPr>
+          <p:cNvPr id="8" name="Textfeld 7"/>
+          <p:cNvSpPr txBox="1"/>
+          <p:nvPr/>
+        </p:nvSpPr>
+        <p:spPr>
+          <a:xfrm>
+            <a:off x="6443388" y="5812381"/>
+            <a:ext cx="1645110" cy="707886"/>
+          </a:xfrm>
+          <a:prstGeom prst="rect">
+            <a:avLst/>
+          </a:prstGeom>
+          <a:noFill/>
+        </p:spPr>
+        <p:txBody>
+          <a:bodyPr wrap="square" rtlCol="0">
+            <a:spAutoFit/>
+          </a:bodyPr>
+          <a:lstStyle/>
+          <a:p>
+            <a:pPr algn="r"/>
+            <a:r>
+              <a:rPr lang="de-DE" sz="2000" dirty="0" smtClean="0">
+                <a:latin typeface="Arial"/>
+                <a:cs typeface="Arial"/>
+              </a:rPr>
+              <a:t>Master </a:t>
+            </a:r>
+            <a:r>
+              <a:rPr lang="de-DE" sz="2000" dirty="0" err="1" smtClean="0">
+                <a:latin typeface="Arial"/>
+                <a:cs typeface="Arial"/>
+              </a:rPr>
+              <a:t>data</a:t>
+            </a:r>
+            <a:r>
+              <a:rPr lang="de-DE" sz="2000" dirty="0" smtClean="0">
+                <a:latin typeface="Arial"/>
+                <a:cs typeface="Arial"/>
+              </a:rPr>
+              <a:t>:</a:t>
+            </a:r>
+          </a:p>
+          <a:p>
+            <a:pPr algn="r"/>
+            <a:r>
+              <a:rPr lang="de-DE" sz="2000" dirty="0" smtClean="0">
+                <a:latin typeface="Arial"/>
+                <a:cs typeface="Arial"/>
+              </a:rPr>
+              <a:t>JAXB</a:t>
+            </a:r>
+            <a:endParaRPr lang="de-DE" sz="2000" dirty="0">
+              <a:latin typeface="Arial"/>
+              <a:cs typeface="Arial"/>
+            </a:endParaRPr>
+          </a:p>
+        </p:txBody>
+      </p:sp>
+      <p:sp>
+        <p:nvSpPr>
+          <p:cNvPr id="9" name="Rechteck 8"/>
+          <p:cNvSpPr/>
+          <p:nvPr/>
+        </p:nvSpPr>
+        <p:spPr>
+          <a:xfrm>
+            <a:off x="5114331" y="1725353"/>
+            <a:ext cx="2982691" cy="1700983"/>
+          </a:xfrm>
+          <a:prstGeom prst="rect">
+            <a:avLst/>
+          </a:prstGeom>
+          <a:solidFill>
+            <a:schemeClr val="accent1">
+              <a:alpha val="55000"/>
+            </a:schemeClr>
+          </a:solidFill>
+        </p:spPr>
+        <p:style>
+          <a:lnRef idx="2">
+            <a:schemeClr val="accent1">
+              <a:shade val="50000"/>
+            </a:schemeClr>
+          </a:lnRef>
+          <a:fillRef idx="1">
+            <a:schemeClr val="accent1"/>
+          </a:fillRef>
+          <a:effectRef idx="0">
+            <a:schemeClr val="accent1"/>
+          </a:effectRef>
+          <a:fontRef idx="minor">
+            <a:schemeClr val="lt1"/>
+          </a:fontRef>
+        </p:style>
+        <p:txBody>
+          <a:bodyPr rtlCol="0" anchor="ctr"/>
+          <a:lstStyle/>
+          <a:p>
+            <a:pPr algn="ctr"/>
+            <a:endParaRPr lang="de-DE" b="1" dirty="0">
+              <a:solidFill>
+                <a:srgbClr val="008000"/>
+              </a:solidFill>
+            </a:endParaRPr>
+          </a:p>
+        </p:txBody>
+      </p:sp>
+      <p:sp>
+        <p:nvSpPr>
+          <p:cNvPr id="10" name="Textfeld 9"/>
+          <p:cNvSpPr txBox="1"/>
+          <p:nvPr/>
+        </p:nvSpPr>
+        <p:spPr>
+          <a:xfrm>
+            <a:off x="5583146" y="1813970"/>
+            <a:ext cx="2505353" cy="707886"/>
+          </a:xfrm>
+          <a:prstGeom prst="rect">
+            <a:avLst/>
+          </a:prstGeom>
+          <a:noFill/>
+        </p:spPr>
+        <p:txBody>
+          <a:bodyPr wrap="square" rtlCol="0">
+            <a:spAutoFit/>
+          </a:bodyPr>
+          <a:lstStyle/>
+          <a:p>
+            <a:pPr algn="r"/>
+            <a:r>
+              <a:rPr lang="de-DE" sz="2000" dirty="0" smtClean="0">
+                <a:latin typeface="Arial"/>
+                <a:cs typeface="Arial"/>
+              </a:rPr>
+              <a:t>Not </a:t>
+            </a:r>
+            <a:r>
+              <a:rPr lang="de-DE" sz="2000" dirty="0" err="1" smtClean="0">
+                <a:latin typeface="Arial"/>
+                <a:cs typeface="Arial"/>
+              </a:rPr>
+              <a:t>held</a:t>
+            </a:r>
+            <a:r>
+              <a:rPr lang="de-DE" sz="2000" dirty="0">
+                <a:latin typeface="Arial"/>
+                <a:cs typeface="Arial"/>
+              </a:rPr>
+              <a:t> </a:t>
+            </a:r>
+            <a:r>
+              <a:rPr lang="de-DE" sz="2000" dirty="0" smtClean="0">
+                <a:latin typeface="Arial"/>
+                <a:cs typeface="Arial"/>
+              </a:rPr>
+              <a:t>persistent</a:t>
+            </a:r>
+          </a:p>
+          <a:p>
+            <a:pPr algn="r"/>
+            <a:r>
+              <a:rPr lang="de-DE" sz="2000" dirty="0" smtClean="0">
+                <a:latin typeface="Arial"/>
+                <a:cs typeface="Arial"/>
+              </a:rPr>
+              <a:t>(</a:t>
+            </a:r>
+            <a:r>
+              <a:rPr lang="de-DE" sz="2000" dirty="0" err="1" smtClean="0">
+                <a:latin typeface="Arial"/>
+                <a:cs typeface="Arial"/>
+              </a:rPr>
+              <a:t>only</a:t>
+            </a:r>
+            <a:r>
+              <a:rPr lang="de-DE" sz="2000" dirty="0" smtClean="0">
+                <a:latin typeface="Arial"/>
+                <a:cs typeface="Arial"/>
+              </a:rPr>
+              <a:t> in </a:t>
+            </a:r>
+            <a:r>
+              <a:rPr lang="de-DE" sz="2000" dirty="0" err="1" smtClean="0">
+                <a:latin typeface="Arial"/>
+                <a:cs typeface="Arial"/>
+              </a:rPr>
+              <a:t>game</a:t>
+            </a:r>
+            <a:r>
+              <a:rPr lang="de-DE" sz="2000" dirty="0" smtClean="0">
+                <a:latin typeface="Arial"/>
+                <a:cs typeface="Arial"/>
+              </a:rPr>
+              <a:t> </a:t>
+            </a:r>
+            <a:r>
+              <a:rPr lang="de-DE" sz="2000" dirty="0" err="1" smtClean="0">
+                <a:latin typeface="Arial"/>
+                <a:cs typeface="Arial"/>
+              </a:rPr>
+              <a:t>logic</a:t>
+            </a:r>
+            <a:r>
+              <a:rPr lang="de-DE" sz="2000" dirty="0" smtClean="0">
+                <a:latin typeface="Arial"/>
+                <a:cs typeface="Arial"/>
+              </a:rPr>
+              <a:t>)</a:t>
+            </a:r>
+            <a:endParaRPr lang="de-DE" sz="2000" dirty="0">
+              <a:latin typeface="Arial"/>
+              <a:cs typeface="Arial"/>
+            </a:endParaRPr>
+          </a:p>
+        </p:txBody>
+      </p:sp>
+    </p:spTree>
+    <p:extLst>
+      <p:ext uri="{BB962C8B-B14F-4D97-AF65-F5344CB8AC3E}">
+        <p14:creationId xmlns:p14="http://schemas.microsoft.com/office/powerpoint/2010/main" val="2929341426"/>
+      </p:ext>
+    </p:extLst>
+  </p:cSld>
+  <p:clrMapOvr>
+    <a:masterClrMapping/>
+  </p:clrMapOvr>
+  <p:timing>
+    <p:tnLst>
+      <p:par>
+        <p:cTn xmlns:p14="http://schemas.microsoft.com/office/powerpoint/2010/main" id="1" dur="indefinite" restart="never" nodeType="tmRoot"/>
+      </p:par>
+    </p:tnLst>
+  </p:timing>
+</p:sld>
+</file>
+
+<file path=ppt/slides/slide18.xml><?xml version="1.0" encoding="utf-8"?>
+<p:sld xmlns:a="http://schemas.openxmlformats.org/drawingml/2006/main" xmlns:r="http://schemas.openxmlformats.org/officeDocument/2006/relationships" xmlns:p="http://schemas.openxmlformats.org/presentationml/2006/main">
+  <p:cSld>
+    <p:spTree>
+      <p:nvGrpSpPr>
+        <p:cNvPr id="1" name=""/>
+        <p:cNvGrpSpPr/>
+        <p:nvPr/>
+      </p:nvGrpSpPr>
+      <p:grpSpPr>
+        <a:xfrm>
+          <a:off x="0" y="0"/>
+          <a:ext cx="0" cy="0"/>
+          <a:chOff x="0" y="0"/>
+          <a:chExt cx="0" cy="0"/>
+        </a:xfrm>
+      </p:grpSpPr>
+      <p:sp>
+        <p:nvSpPr>
+          <p:cNvPr id="2" name="Titel 1"/>
+          <p:cNvSpPr>
+            <a:spLocks noGrp="1"/>
+          </p:cNvSpPr>
+          <p:nvPr>
+            <p:ph type="title"/>
+          </p:nvPr>
+        </p:nvSpPr>
+        <p:spPr/>
+        <p:txBody>
+          <a:bodyPr/>
+          <a:lstStyle/>
+          <a:p>
+            <a:r>
+              <a:rPr lang="de-DE" dirty="0" smtClean="0"/>
+              <a:t>Transaction </a:t>
+            </a:r>
+            <a:r>
+              <a:rPr lang="de-DE" dirty="0" err="1" smtClean="0"/>
+              <a:t>data</a:t>
+            </a:r>
+            <a:endParaRPr lang="de-DE" dirty="0"/>
+          </a:p>
+        </p:txBody>
+      </p:sp>
+      <p:pic>
+        <p:nvPicPr>
+          <p:cNvPr id="3" name="Bild 2" descr="Screen Shot 2013-01-15 at 5.53.38 PM.png"/>
+          <p:cNvPicPr>
+            <a:picLocks noChangeAspect="1"/>
+          </p:cNvPicPr>
+          <p:nvPr/>
+        </p:nvPicPr>
+        <p:blipFill>
+          <a:blip r:embed="rId2">
+            <a:extLst>
+              <a:ext uri="{28A0092B-C50C-407E-A947-70E740481C1C}">
+                <a14:useLocalDpi xmlns:a14="http://schemas.microsoft.com/office/drawing/2010/main" val="0"/>
+              </a:ext>
+            </a:extLst>
+          </a:blip>
+          <a:stretch>
+            <a:fillRect/>
+          </a:stretch>
+        </p:blipFill>
+        <p:spPr>
+          <a:xfrm>
+            <a:off x="1765904" y="1692376"/>
+            <a:ext cx="3749051" cy="3495737"/>
+          </a:xfrm>
+          <a:prstGeom prst="rect">
+            <a:avLst/>
+          </a:prstGeom>
+        </p:spPr>
+      </p:pic>
+      <p:sp>
+        <p:nvSpPr>
+          <p:cNvPr id="5" name="Inhaltsplatzhalter 3"/>
+          <p:cNvSpPr>
+            <a:spLocks noGrp="1"/>
+          </p:cNvSpPr>
+          <p:nvPr>
+            <p:ph idx="1"/>
+          </p:nvPr>
+        </p:nvSpPr>
+        <p:spPr>
+          <a:xfrm>
+            <a:off x="5668385" y="1861725"/>
+            <a:ext cx="3115614" cy="4114512"/>
+          </a:xfrm>
+        </p:spPr>
+        <p:txBody>
+          <a:bodyPr/>
+          <a:lstStyle/>
+          <a:p>
+            <a:pPr lvl="2"/>
+            <a:r>
+              <a:rPr lang="de-DE" dirty="0" smtClean="0"/>
+              <a:t>Human </a:t>
+            </a:r>
+            <a:r>
+              <a:rPr lang="de-DE" dirty="0" err="1" smtClean="0"/>
+              <a:t>readability</a:t>
+            </a:r>
+            <a:r>
+              <a:rPr lang="de-DE" dirty="0" smtClean="0"/>
+              <a:t> not </a:t>
+            </a:r>
+            <a:r>
+              <a:rPr lang="de-DE" dirty="0" err="1" smtClean="0"/>
+              <a:t>required</a:t>
+            </a:r>
+            <a:endParaRPr lang="de-DE" dirty="0" smtClean="0"/>
+          </a:p>
+          <a:p>
+            <a:pPr lvl="2"/>
+            <a:r>
+              <a:rPr lang="de-DE" dirty="0" smtClean="0"/>
+              <a:t>Simple </a:t>
+            </a:r>
+            <a:r>
+              <a:rPr lang="de-DE" dirty="0" err="1" smtClean="0"/>
+              <a:t>solution</a:t>
+            </a:r>
+            <a:endParaRPr lang="de-DE" dirty="0" smtClean="0"/>
+          </a:p>
+          <a:p>
+            <a:pPr lvl="2"/>
+            <a:r>
+              <a:rPr lang="de-DE" dirty="0" err="1" smtClean="0"/>
+              <a:t>Modelling</a:t>
+            </a:r>
+            <a:r>
+              <a:rPr lang="de-DE" dirty="0" smtClean="0"/>
+              <a:t> </a:t>
+            </a:r>
+            <a:r>
+              <a:rPr lang="de-DE" dirty="0" err="1" smtClean="0"/>
+              <a:t>through</a:t>
+            </a:r>
+            <a:r>
+              <a:rPr lang="de-DE" dirty="0" smtClean="0"/>
+              <a:t> </a:t>
+            </a:r>
+            <a:r>
+              <a:rPr lang="de-DE" dirty="0" err="1" smtClean="0"/>
+              <a:t>interfaces</a:t>
+            </a:r>
+            <a:endParaRPr lang="de-DE" dirty="0" smtClean="0"/>
+          </a:p>
+          <a:p>
+            <a:pPr lvl="2"/>
+            <a:endParaRPr lang="de-DE" dirty="0"/>
+          </a:p>
+          <a:p>
+            <a:endParaRPr lang="de-DE" dirty="0"/>
+          </a:p>
+        </p:txBody>
+      </p:sp>
+    </p:spTree>
+    <p:extLst>
+      <p:ext uri="{BB962C8B-B14F-4D97-AF65-F5344CB8AC3E}">
+        <p14:creationId xmlns:p14="http://schemas.microsoft.com/office/powerpoint/2010/main" val="2916079400"/>
+      </p:ext>
+    </p:extLst>
+  </p:cSld>
+  <p:clrMapOvr>
+    <a:masterClrMapping/>
+  </p:clrMapOvr>
+</p:sld>
+</file>
+
+<file path=ppt/slides/slide19.xml><?xml version="1.0" encoding="utf-8"?>
+<p:sld xmlns:a="http://schemas.openxmlformats.org/drawingml/2006/main" xmlns:r="http://schemas.openxmlformats.org/officeDocument/2006/relationships" xmlns:p="http://schemas.openxmlformats.org/presentationml/2006/main">
+  <p:cSld>
+    <p:spTree>
+      <p:nvGrpSpPr>
+        <p:cNvPr id="1" name=""/>
+        <p:cNvGrpSpPr/>
+        <p:nvPr/>
+      </p:nvGrpSpPr>
+      <p:grpSpPr>
+        <a:xfrm>
+          <a:off x="0" y="0"/>
+          <a:ext cx="0" cy="0"/>
+          <a:chOff x="0" y="0"/>
+          <a:chExt cx="0" cy="0"/>
+        </a:xfrm>
+      </p:grpSpPr>
+      <p:sp>
+        <p:nvSpPr>
+          <p:cNvPr id="2" name="Titel 1"/>
+          <p:cNvSpPr>
+            <a:spLocks noGrp="1"/>
+          </p:cNvSpPr>
+          <p:nvPr>
+            <p:ph type="title"/>
+          </p:nvPr>
+        </p:nvSpPr>
+        <p:spPr/>
+        <p:txBody>
+          <a:bodyPr/>
+          <a:lstStyle/>
+          <a:p>
+            <a:r>
+              <a:rPr lang="de-DE" dirty="0" smtClean="0"/>
+              <a:t>Model </a:t>
+            </a:r>
+            <a:r>
+              <a:rPr lang="de-DE" dirty="0" err="1" smtClean="0"/>
+              <a:t>vs</a:t>
+            </a:r>
+            <a:r>
+              <a:rPr lang="de-DE" dirty="0" smtClean="0"/>
+              <a:t> </a:t>
+            </a:r>
+            <a:r>
+              <a:rPr lang="de-DE" dirty="0" err="1" smtClean="0"/>
+              <a:t>persistence</a:t>
+            </a:r>
+            <a:r>
+              <a:rPr lang="de-DE" dirty="0" smtClean="0"/>
+              <a:t> </a:t>
+            </a:r>
+            <a:r>
+              <a:rPr lang="de-DE" dirty="0" err="1" smtClean="0"/>
+              <a:t>data</a:t>
+            </a:r>
+            <a:r>
+              <a:rPr lang="de-DE" dirty="0" smtClean="0"/>
+              <a:t> </a:t>
+            </a:r>
+            <a:r>
+              <a:rPr lang="de-DE" dirty="0" err="1" smtClean="0"/>
+              <a:t>objects</a:t>
+            </a:r>
+            <a:r>
+              <a:rPr lang="de-DE" dirty="0" smtClean="0"/>
+              <a:t> (PDO)</a:t>
+            </a:r>
+            <a:endParaRPr lang="de-DE" dirty="0"/>
+          </a:p>
+        </p:txBody>
+      </p:sp>
+      <p:pic>
+        <p:nvPicPr>
+          <p:cNvPr id="6" name="Bild 5" descr="Screen Shot 2013-01-15 at 6.12.10 PM.png"/>
+          <p:cNvPicPr>
+            <a:picLocks noChangeAspect="1"/>
+          </p:cNvPicPr>
+          <p:nvPr/>
+        </p:nvPicPr>
+        <p:blipFill>
+          <a:blip r:embed="rId2">
+            <a:extLst>
+              <a:ext uri="{28A0092B-C50C-407E-A947-70E740481C1C}">
+                <a14:useLocalDpi xmlns:a14="http://schemas.microsoft.com/office/drawing/2010/main" val="0"/>
+              </a:ext>
+            </a:extLst>
+          </a:blip>
+          <a:stretch>
+            <a:fillRect/>
+          </a:stretch>
+        </p:blipFill>
+        <p:spPr>
+          <a:xfrm>
+            <a:off x="1748856" y="1777881"/>
+            <a:ext cx="6984000" cy="3144312"/>
+          </a:xfrm>
+          <a:prstGeom prst="rect">
+            <a:avLst/>
+          </a:prstGeom>
+        </p:spPr>
+      </p:pic>
+      <p:sp>
+        <p:nvSpPr>
+          <p:cNvPr id="7" name="Inhaltsplatzhalter 3"/>
+          <p:cNvSpPr>
+            <a:spLocks noGrp="1"/>
+          </p:cNvSpPr>
+          <p:nvPr>
+            <p:ph idx="1"/>
+          </p:nvPr>
+        </p:nvSpPr>
+        <p:spPr>
+          <a:xfrm>
+            <a:off x="1800000" y="5062795"/>
+            <a:ext cx="6860269" cy="913441"/>
+          </a:xfrm>
+        </p:spPr>
+        <p:txBody>
+          <a:bodyPr>
+            <a:normAutofit/>
+          </a:bodyPr>
+          <a:lstStyle/>
+          <a:p>
+            <a:pPr marL="0" lvl="2" indent="0">
+              <a:buNone/>
+            </a:pPr>
+            <a:r>
+              <a:rPr lang="de-DE" dirty="0" smtClean="0"/>
+              <a:t>A </a:t>
+            </a:r>
+            <a:r>
+              <a:rPr lang="de-DE" dirty="0" err="1" smtClean="0"/>
+              <a:t>data</a:t>
+            </a:r>
+            <a:r>
+              <a:rPr lang="de-DE" dirty="0" smtClean="0"/>
+              <a:t> </a:t>
+            </a:r>
+            <a:r>
+              <a:rPr lang="de-DE" dirty="0" err="1" smtClean="0"/>
+              <a:t>access</a:t>
+            </a:r>
+            <a:r>
+              <a:rPr lang="de-DE" dirty="0" smtClean="0"/>
+              <a:t> </a:t>
+            </a:r>
+            <a:r>
+              <a:rPr lang="de-DE" dirty="0" err="1" smtClean="0"/>
+              <a:t>object</a:t>
+            </a:r>
+            <a:r>
+              <a:rPr lang="de-DE" dirty="0" smtClean="0"/>
+              <a:t> (DAO) </a:t>
+            </a:r>
+            <a:r>
+              <a:rPr lang="de-DE" dirty="0" err="1" smtClean="0"/>
+              <a:t>persists</a:t>
+            </a:r>
+            <a:r>
+              <a:rPr lang="de-DE" dirty="0" smtClean="0"/>
+              <a:t> a </a:t>
+            </a:r>
+            <a:r>
+              <a:rPr lang="de-DE" dirty="0" err="1" smtClean="0"/>
+              <a:t>single</a:t>
+            </a:r>
+            <a:r>
+              <a:rPr lang="de-DE" dirty="0" smtClean="0"/>
+              <a:t> </a:t>
+            </a:r>
+            <a:r>
+              <a:rPr lang="de-DE" dirty="0" err="1" smtClean="0"/>
+              <a:t>instance</a:t>
+            </a:r>
+            <a:r>
+              <a:rPr lang="de-DE" dirty="0" smtClean="0"/>
+              <a:t> </a:t>
+            </a:r>
+            <a:r>
+              <a:rPr lang="de-DE" dirty="0" err="1" smtClean="0"/>
+              <a:t>of</a:t>
+            </a:r>
+            <a:r>
+              <a:rPr lang="de-DE" dirty="0" smtClean="0"/>
+              <a:t> </a:t>
+            </a:r>
+            <a:r>
+              <a:rPr lang="de-DE" dirty="0" err="1" smtClean="0">
+                <a:latin typeface="Consolas"/>
+                <a:cs typeface="Consolas"/>
+              </a:rPr>
+              <a:t>SimulationStore</a:t>
+            </a:r>
+            <a:r>
+              <a:rPr lang="de-DE" dirty="0" err="1" smtClean="0">
+                <a:latin typeface="Consolas"/>
+                <a:cs typeface="Consolas"/>
+              </a:rPr>
+              <a:t>Pdo</a:t>
+            </a:r>
+            <a:endParaRPr lang="de-DE" dirty="0">
+              <a:latin typeface="Consolas"/>
+              <a:cs typeface="Consolas"/>
+            </a:endParaRPr>
+          </a:p>
+          <a:p>
+            <a:pPr algn="r"/>
+            <a:endParaRPr lang="de-DE" dirty="0"/>
+          </a:p>
+        </p:txBody>
+      </p:sp>
+    </p:spTree>
+    <p:extLst>
+      <p:ext uri="{BB962C8B-B14F-4D97-AF65-F5344CB8AC3E}">
+        <p14:creationId xmlns:p14="http://schemas.microsoft.com/office/powerpoint/2010/main" val="764403910"/>
+      </p:ext>
+    </p:extLst>
+  </p:cSld>
+  <p:clrMapOvr>
+    <a:masterClrMapping/>
+  </p:clrMapOvr>
+</p:sld>
+</file>
+
+<file path=ppt/slides/slide2.xml><?xml version="1.0" encoding="utf-8"?>
+<p:sld xmlns:a="http://schemas.openxmlformats.org/drawingml/2006/main" xmlns:r="http://schemas.openxmlformats.org/officeDocument/2006/relationships" xmlns:p="http://schemas.openxmlformats.org/presentationml/2006/main">
+  <p:cSld>
+    <p:spTree>
+      <p:nvGrpSpPr>
+        <p:cNvPr id="1" name=""/>
+        <p:cNvGrpSpPr/>
+        <p:nvPr/>
+      </p:nvGrpSpPr>
+      <p:grpSpPr>
+        <a:xfrm>
+          <a:off x="0" y="0"/>
+          <a:ext cx="0" cy="0"/>
+          <a:chOff x="0" y="0"/>
+          <a:chExt cx="0" cy="0"/>
+        </a:xfrm>
+      </p:grpSpPr>
+      <p:sp>
+        <p:nvSpPr>
+          <p:cNvPr id="9" name="Titel 8"/>
+          <p:cNvSpPr>
+            <a:spLocks noGrp="1"/>
+          </p:cNvSpPr>
+          <p:nvPr>
+            <p:ph type="title"/>
+          </p:nvPr>
+        </p:nvSpPr>
+        <p:spPr/>
+        <p:txBody>
+          <a:bodyPr>
+            <a:normAutofit fontScale="90000"/>
+          </a:bodyPr>
+          <a:lstStyle/>
+          <a:p>
+            <a:r>
+              <a:rPr lang="de-DE" sz="3100" dirty="0" err="1" smtClean="0"/>
+              <a:t>Overview</a:t>
+            </a:r>
+            <a:endParaRPr lang="de-DE" dirty="0"/>
+          </a:p>
+        </p:txBody>
+      </p:sp>
+      <p:sp>
+        <p:nvSpPr>
+          <p:cNvPr id="10" name="Inhaltsplatzhalter 9"/>
+          <p:cNvSpPr>
+            <a:spLocks noGrp="1"/>
+          </p:cNvSpPr>
+          <p:nvPr>
+            <p:ph idx="1"/>
+          </p:nvPr>
+        </p:nvSpPr>
+        <p:spPr>
+          <a:xfrm>
+            <a:off x="1800000" y="1861725"/>
+            <a:ext cx="6984000" cy="4499820"/>
+          </a:xfrm>
+        </p:spPr>
+        <p:txBody>
+          <a:bodyPr>
+            <a:normAutofit/>
+          </a:bodyPr>
+          <a:lstStyle/>
+          <a:p>
+            <a:r>
+              <a:rPr lang="de-DE" dirty="0" smtClean="0"/>
+              <a:t>K</a:t>
+            </a:r>
+            <a:r>
+              <a:rPr lang="de-DE" sz="2000" dirty="0" smtClean="0"/>
+              <a:t>ey </a:t>
+            </a:r>
+            <a:r>
+              <a:rPr lang="de-DE" sz="2000" dirty="0" err="1" smtClean="0"/>
+              <a:t>features</a:t>
+            </a:r>
+            <a:endParaRPr lang="de-DE" sz="2000" dirty="0" smtClean="0"/>
+          </a:p>
+          <a:p>
+            <a:endParaRPr lang="de-DE" dirty="0"/>
+          </a:p>
+          <a:p>
+            <a:r>
+              <a:rPr lang="de-DE" sz="2000" dirty="0" smtClean="0"/>
+              <a:t>Technologies</a:t>
+            </a:r>
+          </a:p>
+          <a:p>
+            <a:endParaRPr lang="de-DE" dirty="0"/>
+          </a:p>
+          <a:p>
+            <a:r>
+              <a:rPr lang="de-DE" dirty="0"/>
+              <a:t>System design</a:t>
+            </a:r>
+          </a:p>
+          <a:p>
+            <a:pPr lvl="2"/>
+            <a:r>
+              <a:rPr lang="de-DE" dirty="0" err="1" smtClean="0"/>
+              <a:t>Overview</a:t>
+            </a:r>
+            <a:endParaRPr lang="de-DE" dirty="0"/>
+          </a:p>
+          <a:p>
+            <a:pPr lvl="2"/>
+            <a:r>
+              <a:rPr lang="de-DE" dirty="0" err="1" smtClean="0"/>
+              <a:t>Dependency</a:t>
+            </a:r>
+            <a:r>
+              <a:rPr lang="de-DE" dirty="0" smtClean="0"/>
+              <a:t> </a:t>
+            </a:r>
+            <a:r>
+              <a:rPr lang="de-DE" dirty="0" err="1" smtClean="0"/>
+              <a:t>Injection</a:t>
+            </a:r>
+            <a:endParaRPr lang="de-DE" sz="2000" dirty="0" smtClean="0"/>
+          </a:p>
+          <a:p>
+            <a:pPr lvl="2"/>
+            <a:r>
+              <a:rPr lang="de-DE" dirty="0" smtClean="0"/>
+              <a:t>Model / </a:t>
+            </a:r>
+            <a:r>
+              <a:rPr lang="de-DE" dirty="0" err="1" smtClean="0"/>
+              <a:t>Persistence</a:t>
+            </a:r>
+            <a:endParaRPr lang="de-DE" dirty="0" smtClean="0"/>
+          </a:p>
+          <a:p>
+            <a:pPr lvl="2"/>
+            <a:r>
+              <a:rPr lang="de-DE" dirty="0" smtClean="0"/>
+              <a:t>Communication</a:t>
+            </a:r>
+            <a:endParaRPr lang="de-DE" dirty="0" smtClean="0"/>
+          </a:p>
+          <a:p>
+            <a:pPr lvl="2"/>
+            <a:r>
+              <a:rPr lang="de-DE" dirty="0" err="1" smtClean="0"/>
+              <a:t>Logic</a:t>
+            </a:r>
+            <a:endParaRPr lang="de-DE" dirty="0" smtClean="0"/>
+          </a:p>
+          <a:p>
+            <a:endParaRPr lang="de-DE" dirty="0"/>
+          </a:p>
+          <a:p>
+            <a:r>
+              <a:rPr lang="de-DE" dirty="0" smtClean="0"/>
+              <a:t>Q &amp; A</a:t>
+            </a:r>
+            <a:endParaRPr lang="de-DE" sz="2000" dirty="0" smtClean="0"/>
+          </a:p>
+          <a:p>
+            <a:endParaRPr lang="de-DE" dirty="0"/>
+          </a:p>
+          <a:p>
+            <a:endParaRPr lang="de-DE" sz="2000" dirty="0"/>
+          </a:p>
+        </p:txBody>
+      </p:sp>
+      <p:pic>
+        <p:nvPicPr>
+          <p:cNvPr id="2" name="Bild 1" descr="splash.png"/>
+          <p:cNvPicPr>
+            <a:picLocks noChangeAspect="1"/>
+          </p:cNvPicPr>
+          <p:nvPr/>
+        </p:nvPicPr>
+        <p:blipFill>
+          <a:blip r:embed="rId2">
+            <a:extLst>
+              <a:ext uri="{28A0092B-C50C-407E-A947-70E740481C1C}">
+                <a14:useLocalDpi xmlns:a14="http://schemas.microsoft.com/office/drawing/2010/main" val="0"/>
+              </a:ext>
+            </a:extLst>
+          </a:blip>
+          <a:stretch>
+            <a:fillRect/>
+          </a:stretch>
+        </p:blipFill>
+        <p:spPr>
+          <a:xfrm>
+            <a:off x="5559182" y="1080000"/>
+            <a:ext cx="2712263" cy="4996275"/>
+          </a:xfrm>
+          <a:prstGeom prst="rect">
+            <a:avLst/>
+          </a:prstGeom>
+        </p:spPr>
+      </p:pic>
+    </p:spTree>
+    <p:extLst>
+      <p:ext uri="{BB962C8B-B14F-4D97-AF65-F5344CB8AC3E}">
+        <p14:creationId xmlns:p14="http://schemas.microsoft.com/office/powerpoint/2010/main" val="1597286783"/>
+      </p:ext>
+    </p:extLst>
+  </p:cSld>
+  <p:clrMapOvr>
+    <a:masterClrMapping/>
+  </p:clrMapOvr>
+  <p:timing>
+    <p:tnLst>
+      <p:par>
+        <p:cTn xmlns:p14="http://schemas.microsoft.com/office/powerpoint/2010/main" id="1" dur="indefinite" restart="never" nodeType="tmRoot"/>
+      </p:par>
+    </p:tnLst>
+  </p:timing>
+</p:sld>
+</file>
+
+<file path=ppt/slides/slide20.xml><?xml version="1.0" encoding="utf-8"?>
+<p:sld xmlns:a="http://schemas.openxmlformats.org/drawingml/2006/main" xmlns:r="http://schemas.openxmlformats.org/officeDocument/2006/relationships" xmlns:p="http://schemas.openxmlformats.org/presentationml/2006/main">
+  <p:cSld>
+    <p:spTree>
+      <p:nvGrpSpPr>
+        <p:cNvPr id="1" name=""/>
+        <p:cNvGrpSpPr/>
+        <p:nvPr/>
+      </p:nvGrpSpPr>
+      <p:grpSpPr>
+        <a:xfrm>
+          <a:off x="0" y="0"/>
+          <a:ext cx="0" cy="0"/>
+          <a:chOff x="0" y="0"/>
+          <a:chExt cx="0" cy="0"/>
+        </a:xfrm>
+      </p:grpSpPr>
+      <p:sp>
+        <p:nvSpPr>
+          <p:cNvPr id="2" name="Titel 1"/>
+          <p:cNvSpPr>
+            <a:spLocks noGrp="1"/>
+          </p:cNvSpPr>
+          <p:nvPr>
+            <p:ph type="title"/>
+          </p:nvPr>
+        </p:nvSpPr>
+        <p:spPr/>
+        <p:txBody>
+          <a:bodyPr/>
+          <a:lstStyle/>
+          <a:p>
+            <a:r>
+              <a:rPr lang="de-DE" dirty="0" smtClean="0"/>
+              <a:t>Master </a:t>
+            </a:r>
+            <a:r>
+              <a:rPr lang="de-DE" dirty="0" err="1" smtClean="0"/>
+              <a:t>data</a:t>
+            </a:r>
+            <a:endParaRPr lang="de-DE" dirty="0"/>
+          </a:p>
+        </p:txBody>
+      </p:sp>
+      <p:pic>
+        <p:nvPicPr>
+          <p:cNvPr id="6" name="Bild 5" descr="Screen Shot 2013-01-15 at 6.37.14 PM.png"/>
+          <p:cNvPicPr>
+            <a:picLocks noChangeAspect="1"/>
+          </p:cNvPicPr>
+          <p:nvPr/>
+        </p:nvPicPr>
+        <p:blipFill>
+          <a:blip r:embed="rId2">
+            <a:extLst>
+              <a:ext uri="{28A0092B-C50C-407E-A947-70E740481C1C}">
+                <a14:useLocalDpi xmlns:a14="http://schemas.microsoft.com/office/drawing/2010/main" val="0"/>
+              </a:ext>
+            </a:extLst>
+          </a:blip>
+          <a:stretch>
+            <a:fillRect/>
+          </a:stretch>
+        </p:blipFill>
+        <p:spPr>
+          <a:xfrm>
+            <a:off x="1775888" y="1861724"/>
+            <a:ext cx="3952164" cy="4181275"/>
+          </a:xfrm>
+          <a:prstGeom prst="rect">
+            <a:avLst/>
+          </a:prstGeom>
+        </p:spPr>
+      </p:pic>
+      <p:sp>
+        <p:nvSpPr>
+          <p:cNvPr id="7" name="Inhaltsplatzhalter 6"/>
+          <p:cNvSpPr>
+            <a:spLocks noGrp="1"/>
+          </p:cNvSpPr>
+          <p:nvPr>
+            <p:ph idx="1"/>
+          </p:nvPr>
+        </p:nvSpPr>
+        <p:spPr>
+          <a:xfrm>
+            <a:off x="5830339" y="2037051"/>
+            <a:ext cx="2953660" cy="3939186"/>
+          </a:xfrm>
+        </p:spPr>
+        <p:txBody>
+          <a:bodyPr/>
+          <a:lstStyle/>
+          <a:p>
+            <a:pPr lvl="2"/>
+            <a:r>
+              <a:rPr lang="de-DE" dirty="0"/>
+              <a:t>Human </a:t>
+            </a:r>
+            <a:r>
+              <a:rPr lang="de-DE" dirty="0" err="1"/>
+              <a:t>readability</a:t>
+            </a:r>
+            <a:r>
+              <a:rPr lang="de-DE" dirty="0"/>
+              <a:t> </a:t>
+            </a:r>
+            <a:r>
+              <a:rPr lang="de-DE" dirty="0" err="1" smtClean="0"/>
+              <a:t>mandatory</a:t>
+            </a:r>
+            <a:endParaRPr lang="de-DE" dirty="0"/>
+          </a:p>
+          <a:p>
+            <a:pPr lvl="2"/>
+            <a:r>
+              <a:rPr lang="de-DE" dirty="0" smtClean="0"/>
+              <a:t>Syntax </a:t>
+            </a:r>
+            <a:r>
+              <a:rPr lang="de-DE" dirty="0" err="1" smtClean="0"/>
+              <a:t>checking</a:t>
+            </a:r>
+            <a:r>
+              <a:rPr lang="de-DE" dirty="0" smtClean="0"/>
+              <a:t> </a:t>
+            </a:r>
+            <a:r>
+              <a:rPr lang="de-DE" dirty="0" err="1" smtClean="0"/>
+              <a:t>possible</a:t>
+            </a:r>
+            <a:r>
+              <a:rPr lang="de-DE" dirty="0" smtClean="0"/>
+              <a:t> </a:t>
+            </a:r>
+            <a:r>
+              <a:rPr lang="de-DE" dirty="0" err="1" smtClean="0"/>
+              <a:t>using</a:t>
+            </a:r>
+            <a:r>
+              <a:rPr lang="de-DE" dirty="0"/>
+              <a:t/>
+            </a:r>
+            <a:br>
+              <a:rPr lang="de-DE" dirty="0"/>
+            </a:br>
+            <a:r>
+              <a:rPr lang="de-DE" dirty="0" smtClean="0"/>
+              <a:t>XSD-Schema</a:t>
+            </a:r>
+            <a:endParaRPr lang="de-DE" dirty="0"/>
+          </a:p>
+        </p:txBody>
+      </p:sp>
+    </p:spTree>
+    <p:extLst>
+      <p:ext uri="{BB962C8B-B14F-4D97-AF65-F5344CB8AC3E}">
+        <p14:creationId xmlns:p14="http://schemas.microsoft.com/office/powerpoint/2010/main" val="2253214857"/>
+      </p:ext>
+    </p:extLst>
+  </p:cSld>
+  <p:clrMapOvr>
+    <a:masterClrMapping/>
+  </p:clrMapOvr>
+</p:sld>
+</file>
+
+<file path=ppt/slides/slide21.xml><?xml version="1.0" encoding="utf-8"?>
+<p:sld xmlns:a="http://schemas.openxmlformats.org/drawingml/2006/main" xmlns:r="http://schemas.openxmlformats.org/officeDocument/2006/relationships" xmlns:p="http://schemas.openxmlformats.org/presentationml/2006/main">
+  <p:cSld>
+    <p:spTree>
+      <p:nvGrpSpPr>
+        <p:cNvPr id="1" name=""/>
+        <p:cNvGrpSpPr/>
+        <p:nvPr/>
+      </p:nvGrpSpPr>
+      <p:grpSpPr>
+        <a:xfrm>
+          <a:off x="0" y="0"/>
+          <a:ext cx="0" cy="0"/>
+          <a:chOff x="0" y="0"/>
+          <a:chExt cx="0" cy="0"/>
+        </a:xfrm>
+      </p:grpSpPr>
+      <p:sp>
+        <p:nvSpPr>
+          <p:cNvPr id="2" name="Titel 1"/>
+          <p:cNvSpPr>
+            <a:spLocks noGrp="1"/>
+          </p:cNvSpPr>
+          <p:nvPr>
+            <p:ph type="title"/>
+          </p:nvPr>
+        </p:nvSpPr>
+        <p:spPr/>
+        <p:txBody>
+          <a:bodyPr/>
+          <a:lstStyle/>
+          <a:p>
+            <a:r>
+              <a:rPr lang="de-DE" dirty="0" smtClean="0"/>
+              <a:t>XML-</a:t>
+            </a:r>
+            <a:r>
+              <a:rPr lang="de-DE" dirty="0" err="1" smtClean="0"/>
+              <a:t>persistence</a:t>
+            </a:r>
+            <a:r>
+              <a:rPr lang="de-DE" dirty="0" smtClean="0"/>
+              <a:t> </a:t>
+            </a:r>
+            <a:r>
+              <a:rPr lang="de-DE" dirty="0" err="1" smtClean="0"/>
+              <a:t>data</a:t>
+            </a:r>
+            <a:r>
+              <a:rPr lang="de-DE" dirty="0" smtClean="0"/>
+              <a:t> </a:t>
+            </a:r>
+            <a:r>
+              <a:rPr lang="de-DE" dirty="0" err="1" smtClean="0"/>
+              <a:t>objects</a:t>
+            </a:r>
+            <a:endParaRPr lang="de-DE" dirty="0"/>
+          </a:p>
+        </p:txBody>
+      </p:sp>
+      <p:sp>
+        <p:nvSpPr>
+          <p:cNvPr id="7" name="Inhaltsplatzhalter 6"/>
+          <p:cNvSpPr>
+            <a:spLocks noGrp="1"/>
+          </p:cNvSpPr>
+          <p:nvPr>
+            <p:ph idx="1"/>
+          </p:nvPr>
+        </p:nvSpPr>
+        <p:spPr>
+          <a:xfrm>
+            <a:off x="5047837" y="2037051"/>
+            <a:ext cx="3736162" cy="3939186"/>
+          </a:xfrm>
+        </p:spPr>
+        <p:txBody>
+          <a:bodyPr/>
+          <a:lstStyle/>
+          <a:p>
+            <a:pPr lvl="2"/>
+            <a:r>
+              <a:rPr lang="de-DE" dirty="0" smtClean="0"/>
+              <a:t>Java </a:t>
+            </a:r>
+            <a:r>
+              <a:rPr lang="de-DE" dirty="0" err="1" smtClean="0"/>
+              <a:t>classes</a:t>
+            </a:r>
+            <a:r>
+              <a:rPr lang="de-DE" dirty="0" smtClean="0"/>
+              <a:t> </a:t>
+            </a:r>
+            <a:r>
+              <a:rPr lang="de-DE" dirty="0" err="1" smtClean="0"/>
+              <a:t>are</a:t>
+            </a:r>
+            <a:r>
+              <a:rPr lang="de-DE" dirty="0" smtClean="0"/>
+              <a:t> </a:t>
+            </a:r>
+            <a:r>
+              <a:rPr lang="de-DE" dirty="0" err="1" smtClean="0"/>
+              <a:t>mapped</a:t>
+            </a:r>
+            <a:r>
+              <a:rPr lang="de-DE" dirty="0" smtClean="0"/>
+              <a:t> </a:t>
+            </a:r>
+            <a:r>
+              <a:rPr lang="de-DE" dirty="0" err="1" smtClean="0"/>
+              <a:t>to</a:t>
+            </a:r>
+            <a:r>
+              <a:rPr lang="de-DE" dirty="0" smtClean="0"/>
+              <a:t> XML </a:t>
+            </a:r>
+            <a:r>
+              <a:rPr lang="de-DE" dirty="0" err="1" smtClean="0"/>
+              <a:t>using</a:t>
+            </a:r>
+            <a:r>
+              <a:rPr lang="de-DE" dirty="0" smtClean="0"/>
+              <a:t> JAXB </a:t>
+            </a:r>
+            <a:r>
+              <a:rPr lang="de-DE" dirty="0" err="1" smtClean="0"/>
+              <a:t>annotations</a:t>
+            </a:r>
+            <a:endParaRPr lang="de-DE" dirty="0"/>
+          </a:p>
+          <a:p>
+            <a:pPr lvl="2"/>
+            <a:r>
+              <a:rPr lang="de-DE" dirty="0" err="1" smtClean="0"/>
+              <a:t>Again</a:t>
+            </a:r>
+            <a:r>
+              <a:rPr lang="de-DE" dirty="0" smtClean="0"/>
+              <a:t>, PDO-</a:t>
+            </a:r>
+            <a:r>
+              <a:rPr lang="de-DE" dirty="0" err="1" smtClean="0"/>
+              <a:t>classes</a:t>
+            </a:r>
+            <a:r>
+              <a:rPr lang="de-DE" dirty="0" smtClean="0"/>
+              <a:t> </a:t>
+            </a:r>
+            <a:r>
+              <a:rPr lang="de-DE" dirty="0" err="1" smtClean="0"/>
+              <a:t>implement</a:t>
+            </a:r>
+            <a:r>
+              <a:rPr lang="de-DE" dirty="0" smtClean="0"/>
+              <a:t> </a:t>
+            </a:r>
+            <a:r>
+              <a:rPr lang="de-DE" dirty="0" err="1" smtClean="0"/>
+              <a:t>interfaces</a:t>
+            </a:r>
+            <a:r>
+              <a:rPr lang="de-DE" dirty="0" smtClean="0"/>
+              <a:t> </a:t>
+            </a:r>
+            <a:r>
+              <a:rPr lang="de-DE" dirty="0" err="1" smtClean="0"/>
+              <a:t>from</a:t>
+            </a:r>
+            <a:r>
+              <a:rPr lang="de-DE" dirty="0" smtClean="0"/>
+              <a:t> </a:t>
+            </a:r>
+            <a:r>
+              <a:rPr lang="de-DE" dirty="0" err="1" smtClean="0"/>
+              <a:t>core-package</a:t>
+            </a:r>
+            <a:endParaRPr lang="de-DE" dirty="0" smtClean="0"/>
+          </a:p>
+          <a:p>
+            <a:pPr lvl="2"/>
+            <a:r>
+              <a:rPr lang="de-DE" dirty="0" err="1" smtClean="0"/>
+              <a:t>Unmarshalling</a:t>
+            </a:r>
+            <a:r>
+              <a:rPr lang="de-DE" dirty="0" smtClean="0"/>
+              <a:t> </a:t>
+            </a:r>
+            <a:r>
+              <a:rPr lang="de-DE" dirty="0" err="1" smtClean="0"/>
+              <a:t>of</a:t>
+            </a:r>
+            <a:r>
+              <a:rPr lang="de-DE" dirty="0" smtClean="0"/>
+              <a:t> </a:t>
+            </a:r>
+            <a:r>
+              <a:rPr lang="de-DE" dirty="0" err="1" smtClean="0"/>
+              <a:t>playfields.xml</a:t>
+            </a:r>
+            <a:r>
+              <a:rPr lang="de-DE" dirty="0" smtClean="0"/>
+              <a:t> </a:t>
+            </a:r>
+            <a:r>
+              <a:rPr lang="de-DE" dirty="0" err="1" smtClean="0"/>
+              <a:t>file</a:t>
+            </a:r>
+            <a:r>
+              <a:rPr lang="de-DE" dirty="0" smtClean="0"/>
+              <a:t> </a:t>
+            </a:r>
+            <a:r>
+              <a:rPr lang="de-DE" dirty="0" err="1" smtClean="0"/>
+              <a:t>returns</a:t>
+            </a:r>
+            <a:r>
+              <a:rPr lang="de-DE" dirty="0" smtClean="0"/>
+              <a:t> a </a:t>
+            </a:r>
+            <a:r>
+              <a:rPr lang="de-DE" dirty="0" smtClean="0">
+                <a:latin typeface="Consolas"/>
+                <a:cs typeface="Consolas"/>
+              </a:rPr>
+              <a:t>List</a:t>
+            </a:r>
+            <a:r>
+              <a:rPr lang="de-DE" dirty="0" smtClean="0"/>
+              <a:t> </a:t>
+            </a:r>
+            <a:r>
+              <a:rPr lang="de-DE" dirty="0" err="1" smtClean="0"/>
+              <a:t>of</a:t>
+            </a:r>
+            <a:r>
+              <a:rPr lang="de-DE" dirty="0" smtClean="0"/>
+              <a:t> </a:t>
+            </a:r>
+            <a:r>
+              <a:rPr lang="de-DE" dirty="0" err="1" smtClean="0">
+                <a:latin typeface="Consolas"/>
+                <a:cs typeface="Consolas"/>
+              </a:rPr>
+              <a:t>PlayFieldPdo</a:t>
+            </a:r>
+            <a:endParaRPr lang="de-DE" dirty="0"/>
+          </a:p>
+        </p:txBody>
+      </p:sp>
+      <p:pic>
+        <p:nvPicPr>
+          <p:cNvPr id="3" name="Bild 2" descr="Screen Shot 2013-01-15 at 7.01.21 PM.png"/>
+          <p:cNvPicPr>
+            <a:picLocks noChangeAspect="1"/>
+          </p:cNvPicPr>
+          <p:nvPr/>
+        </p:nvPicPr>
+        <p:blipFill>
+          <a:blip r:embed="rId2">
+            <a:extLst>
+              <a:ext uri="{28A0092B-C50C-407E-A947-70E740481C1C}">
+                <a14:useLocalDpi xmlns:a14="http://schemas.microsoft.com/office/drawing/2010/main" val="0"/>
+              </a:ext>
+            </a:extLst>
+          </a:blip>
+          <a:stretch>
+            <a:fillRect/>
+          </a:stretch>
+        </p:blipFill>
+        <p:spPr>
+          <a:xfrm>
+            <a:off x="1775888" y="1861724"/>
+            <a:ext cx="3271949" cy="4181275"/>
+          </a:xfrm>
+          <a:prstGeom prst="rect">
+            <a:avLst/>
+          </a:prstGeom>
+        </p:spPr>
+      </p:pic>
+    </p:spTree>
+    <p:extLst>
+      <p:ext uri="{BB962C8B-B14F-4D97-AF65-F5344CB8AC3E}">
+        <p14:creationId xmlns:p14="http://schemas.microsoft.com/office/powerpoint/2010/main" val="1201976150"/>
+      </p:ext>
+    </p:extLst>
+  </p:cSld>
+  <p:clrMapOvr>
+    <a:masterClrMapping/>
+  </p:clrMapOvr>
+</p:sld>
+</file>
+
+<file path=ppt/slides/slide22.xml><?xml version="1.0" encoding="utf-8"?>
+<p:sld xmlns:a="http://schemas.openxmlformats.org/drawingml/2006/main" xmlns:r="http://schemas.openxmlformats.org/officeDocument/2006/relationships" xmlns:p="http://schemas.openxmlformats.org/presentationml/2006/main">
+  <p:cSld>
+    <p:spTree>
+      <p:nvGrpSpPr>
+        <p:cNvPr id="1" name=""/>
+        <p:cNvGrpSpPr/>
+        <p:nvPr/>
+      </p:nvGrpSpPr>
+      <p:grpSpPr>
+        <a:xfrm>
+          <a:off x="0" y="0"/>
+          <a:ext cx="0" cy="0"/>
+          <a:chOff x="0" y="0"/>
+          <a:chExt cx="0" cy="0"/>
+        </a:xfrm>
+      </p:grpSpPr>
+      <p:sp>
+        <p:nvSpPr>
+          <p:cNvPr id="2" name="Titel 1"/>
+          <p:cNvSpPr>
+            <a:spLocks noGrp="1"/>
+          </p:cNvSpPr>
+          <p:nvPr>
+            <p:ph type="title"/>
+          </p:nvPr>
+        </p:nvSpPr>
+        <p:spPr/>
+        <p:txBody>
+          <a:bodyPr/>
+          <a:lstStyle/>
+          <a:p>
+            <a:r>
+              <a:rPr lang="de-DE" dirty="0" smtClean="0"/>
+              <a:t>Java JAXB </a:t>
+            </a:r>
+            <a:r>
+              <a:rPr lang="de-DE" dirty="0" err="1" smtClean="0"/>
+              <a:t>bindings</a:t>
+            </a:r>
+            <a:endParaRPr lang="de-DE" dirty="0"/>
+          </a:p>
+        </p:txBody>
+      </p:sp>
+      <p:pic>
+        <p:nvPicPr>
+          <p:cNvPr id="4" name="Bild 3" descr="Screen Shot 2013-01-15 at 7.03.30 PM.png"/>
+          <p:cNvPicPr>
+            <a:picLocks noChangeAspect="1"/>
+          </p:cNvPicPr>
+          <p:nvPr/>
+        </p:nvPicPr>
+        <p:blipFill>
+          <a:blip r:embed="rId2">
+            <a:extLst>
+              <a:ext uri="{28A0092B-C50C-407E-A947-70E740481C1C}">
+                <a14:useLocalDpi xmlns:a14="http://schemas.microsoft.com/office/drawing/2010/main" val="0"/>
+              </a:ext>
+            </a:extLst>
+          </a:blip>
+          <a:stretch>
+            <a:fillRect/>
+          </a:stretch>
+        </p:blipFill>
+        <p:spPr>
+          <a:xfrm>
+            <a:off x="1800000" y="1861724"/>
+            <a:ext cx="6698316" cy="4377719"/>
+          </a:xfrm>
+          <a:prstGeom prst="rect">
+            <a:avLst/>
+          </a:prstGeom>
+        </p:spPr>
+      </p:pic>
+    </p:spTree>
+    <p:extLst>
+      <p:ext uri="{BB962C8B-B14F-4D97-AF65-F5344CB8AC3E}">
+        <p14:creationId xmlns:p14="http://schemas.microsoft.com/office/powerpoint/2010/main" val="696515288"/>
+      </p:ext>
+    </p:extLst>
+  </p:cSld>
+  <p:clrMapOvr>
+    <a:masterClrMapping/>
+  </p:clrMapOvr>
+</p:sld>
+</file>
+
+<file path=ppt/slides/slide23.xml><?xml version="1.0" encoding="utf-8"?>
+<p:sld xmlns:a="http://schemas.openxmlformats.org/drawingml/2006/main" xmlns:r="http://schemas.openxmlformats.org/officeDocument/2006/relationships" xmlns:p="http://schemas.openxmlformats.org/presentationml/2006/main">
+  <p:cSld>
+    <p:spTree>
+      <p:nvGrpSpPr>
+        <p:cNvPr id="1" name=""/>
+        <p:cNvGrpSpPr/>
+        <p:nvPr/>
+      </p:nvGrpSpPr>
+      <p:grpSpPr>
+        <a:xfrm>
+          <a:off x="0" y="0"/>
+          <a:ext cx="0" cy="0"/>
+          <a:chOff x="0" y="0"/>
+          <a:chExt cx="0" cy="0"/>
+        </a:xfrm>
+      </p:grpSpPr>
+      <p:sp>
+        <p:nvSpPr>
+          <p:cNvPr id="2" name="Titel 1"/>
+          <p:cNvSpPr>
+            <a:spLocks noGrp="1"/>
+          </p:cNvSpPr>
+          <p:nvPr>
+            <p:ph type="title"/>
+          </p:nvPr>
+        </p:nvSpPr>
+        <p:spPr/>
+        <p:txBody>
+          <a:bodyPr/>
+          <a:lstStyle/>
+          <a:p>
+            <a:r>
+              <a:rPr lang="de-DE" dirty="0" err="1" smtClean="0"/>
+              <a:t>Playfield</a:t>
+            </a:r>
+            <a:r>
+              <a:rPr lang="de-DE" dirty="0" smtClean="0"/>
+              <a:t> in XML</a:t>
+            </a:r>
+            <a:endParaRPr lang="de-DE" dirty="0"/>
+          </a:p>
+        </p:txBody>
+      </p:sp>
+      <p:pic>
+        <p:nvPicPr>
+          <p:cNvPr id="3" name="Bild 2" descr="Screen Shot 2013-01-15 at 7.13.04 PM.png"/>
+          <p:cNvPicPr>
+            <a:picLocks noChangeAspect="1"/>
+          </p:cNvPicPr>
+          <p:nvPr/>
+        </p:nvPicPr>
+        <p:blipFill>
+          <a:blip r:embed="rId2">
+            <a:extLst>
+              <a:ext uri="{28A0092B-C50C-407E-A947-70E740481C1C}">
+                <a14:useLocalDpi xmlns:a14="http://schemas.microsoft.com/office/drawing/2010/main" val="0"/>
+              </a:ext>
+            </a:extLst>
+          </a:blip>
+          <a:stretch>
+            <a:fillRect/>
+          </a:stretch>
+        </p:blipFill>
+        <p:spPr>
+          <a:xfrm>
+            <a:off x="1800000" y="1861724"/>
+            <a:ext cx="6708625" cy="4147150"/>
+          </a:xfrm>
+          <a:prstGeom prst="rect">
+            <a:avLst/>
+          </a:prstGeom>
+        </p:spPr>
+      </p:pic>
+    </p:spTree>
+    <p:extLst>
+      <p:ext uri="{BB962C8B-B14F-4D97-AF65-F5344CB8AC3E}">
+        <p14:creationId xmlns:p14="http://schemas.microsoft.com/office/powerpoint/2010/main" val="1027270910"/>
+      </p:ext>
+    </p:extLst>
+  </p:cSld>
+  <p:clrMapOvr>
+    <a:masterClrMapping/>
+  </p:clrMapOvr>
+</p:sld>
+</file>
+
+<file path=ppt/slides/slide24.xml><?xml version="1.0" encoding="utf-8"?>
+<p:sld xmlns:a="http://schemas.openxmlformats.org/drawingml/2006/main" xmlns:r="http://schemas.openxmlformats.org/officeDocument/2006/relationships" xmlns:p="http://schemas.openxmlformats.org/presentationml/2006/main">
+  <p:cSld>
+    <p:spTree>
+      <p:nvGrpSpPr>
+        <p:cNvPr id="1" name=""/>
+        <p:cNvGrpSpPr/>
+        <p:nvPr/>
+      </p:nvGrpSpPr>
+      <p:grpSpPr>
+        <a:xfrm>
+          <a:off x="0" y="0"/>
+          <a:ext cx="0" cy="0"/>
+          <a:chOff x="0" y="0"/>
+          <a:chExt cx="0" cy="0"/>
+        </a:xfrm>
+      </p:grpSpPr>
+      <p:sp>
+        <p:nvSpPr>
+          <p:cNvPr id="6" name="Titel 5"/>
+          <p:cNvSpPr>
+            <a:spLocks noGrp="1"/>
+          </p:cNvSpPr>
+          <p:nvPr>
+            <p:ph type="title"/>
+          </p:nvPr>
+        </p:nvSpPr>
+        <p:spPr/>
+        <p:txBody>
+          <a:bodyPr/>
+          <a:lstStyle/>
+          <a:p>
+            <a:r>
+              <a:rPr lang="de-DE" dirty="0" smtClean="0"/>
+              <a:t>System design</a:t>
+            </a:r>
+            <a:br>
+              <a:rPr lang="de-DE" dirty="0" smtClean="0"/>
+            </a:br>
+            <a:r>
               <a:rPr lang="de-DE" b="0" dirty="0" err="1" smtClean="0"/>
               <a:t>Dependency</a:t>
             </a:r>
@@ -3132,7 +5056,7 @@
 </p:sld>
 </file>
 
-<file path=ppt/slides/slide16.xml><?xml version="1.0" encoding="utf-8"?>
+<file path=ppt/slides/slide25.xml><?xml version="1.0" encoding="utf-8"?>
 <p:sld xmlns:a="http://schemas.openxmlformats.org/drawingml/2006/main" xmlns:r="http://schemas.openxmlformats.org/officeDocument/2006/relationships" xmlns:p="http://schemas.openxmlformats.org/presentationml/2006/main">
   <p:cSld>
     <p:spTree>
@@ -3226,7 +5150,7 @@
 </p:sld>
 </file>
 
-<file path=ppt/slides/slide17.xml><?xml version="1.0" encoding="utf-8"?>
+<file path=ppt/slides/slide26.xml><?xml version="1.0" encoding="utf-8"?>
 <p:sld xmlns:a="http://schemas.openxmlformats.org/drawingml/2006/main" xmlns:r="http://schemas.openxmlformats.org/officeDocument/2006/relationships" xmlns:p="http://schemas.openxmlformats.org/presentationml/2006/main">
   <p:cSld>
     <p:spTree>
@@ -3463,7 +5387,7 @@
 </p:sld>
 </file>
 
-<file path=ppt/slides/slide18.xml><?xml version="1.0" encoding="utf-8"?>
+<file path=ppt/slides/slide27.xml><?xml version="1.0" encoding="utf-8"?>
 <p:sld xmlns:a="http://schemas.openxmlformats.org/drawingml/2006/main" xmlns:r="http://schemas.openxmlformats.org/officeDocument/2006/relationships" xmlns:p="http://schemas.openxmlformats.org/presentationml/2006/main">
   <p:cSld>
     <p:spTree>
@@ -4159,7 +6083,7 @@
 </p:sld>
 </file>
 
-<file path=ppt/slides/slide19.xml><?xml version="1.0" encoding="utf-8"?>
+<file path=ppt/slides/slide28.xml><?xml version="1.0" encoding="utf-8"?>
 <p:sld xmlns:a="http://schemas.openxmlformats.org/drawingml/2006/main" xmlns:r="http://schemas.openxmlformats.org/officeDocument/2006/relationships" xmlns:p="http://schemas.openxmlformats.org/presentationml/2006/main">
   <p:cSld>
     <p:spTree>
@@ -4257,231 +6181,7 @@
 </p:sld>
 </file>
 
-<file path=ppt/slides/slide2.xml><?xml version="1.0" encoding="utf-8"?>
-<p:sld xmlns:a="http://schemas.openxmlformats.org/drawingml/2006/main" xmlns:r="http://schemas.openxmlformats.org/officeDocument/2006/relationships" xmlns:p="http://schemas.openxmlformats.org/presentationml/2006/main">
-  <p:cSld>
-    <p:spTree>
-      <p:nvGrpSpPr>
-        <p:cNvPr id="1" name=""/>
-        <p:cNvGrpSpPr/>
-        <p:nvPr/>
-      </p:nvGrpSpPr>
-      <p:grpSpPr>
-        <a:xfrm>
-          <a:off x="0" y="0"/>
-          <a:ext cx="0" cy="0"/>
-          <a:chOff x="0" y="0"/>
-          <a:chExt cx="0" cy="0"/>
-        </a:xfrm>
-      </p:grpSpPr>
-      <p:sp>
-        <p:nvSpPr>
-          <p:cNvPr id="9" name="Titel 8"/>
-          <p:cNvSpPr>
-            <a:spLocks noGrp="1"/>
-          </p:cNvSpPr>
-          <p:nvPr>
-            <p:ph type="title"/>
-          </p:nvPr>
-        </p:nvSpPr>
-        <p:spPr/>
-        <p:txBody>
-          <a:bodyPr>
-            <a:normAutofit fontScale="90000"/>
-          </a:bodyPr>
-          <a:lstStyle/>
-          <a:p>
-            <a:r>
-              <a:rPr lang="de-DE" sz="3100" dirty="0" err="1" smtClean="0"/>
-              <a:t>Overview</a:t>
-            </a:r>
-            <a:endParaRPr lang="de-DE" dirty="0"/>
-          </a:p>
-        </p:txBody>
-      </p:sp>
-      <p:sp>
-        <p:nvSpPr>
-          <p:cNvPr id="10" name="Inhaltsplatzhalter 9"/>
-          <p:cNvSpPr>
-            <a:spLocks noGrp="1"/>
-          </p:cNvSpPr>
-          <p:nvPr>
-            <p:ph idx="1"/>
-          </p:nvPr>
-        </p:nvSpPr>
-        <p:spPr>
-          <a:xfrm>
-            <a:off x="1800000" y="1861725"/>
-            <a:ext cx="6984000" cy="4499820"/>
-          </a:xfrm>
-        </p:spPr>
-        <p:txBody>
-          <a:bodyPr>
-            <a:normAutofit/>
-          </a:bodyPr>
-          <a:lstStyle/>
-          <a:p>
-            <a:r>
-              <a:rPr lang="de-DE" dirty="0" smtClean="0"/>
-              <a:t>K</a:t>
-            </a:r>
-            <a:r>
-              <a:rPr lang="de-DE" sz="2000" dirty="0" smtClean="0"/>
-              <a:t>ey </a:t>
-            </a:r>
-            <a:r>
-              <a:rPr lang="de-DE" sz="2000" dirty="0" err="1" smtClean="0"/>
-              <a:t>features</a:t>
-            </a:r>
-            <a:endParaRPr lang="de-DE" sz="2000" dirty="0" smtClean="0"/>
-          </a:p>
-          <a:p>
-            <a:endParaRPr lang="de-DE" dirty="0"/>
-          </a:p>
-          <a:p>
-            <a:r>
-              <a:rPr lang="de-DE" sz="2000" dirty="0" smtClean="0"/>
-              <a:t>Technologies</a:t>
-            </a:r>
-          </a:p>
-          <a:p>
-            <a:endParaRPr lang="de-DE" dirty="0"/>
-          </a:p>
-          <a:p>
-            <a:r>
-              <a:rPr lang="de-DE" dirty="0"/>
-              <a:t>System design</a:t>
-            </a:r>
-          </a:p>
-          <a:p>
-            <a:pPr lvl="2"/>
-            <a:r>
-              <a:rPr lang="de-DE" dirty="0" err="1" smtClean="0"/>
-              <a:t>Overview</a:t>
-            </a:r>
-            <a:endParaRPr lang="de-DE" dirty="0"/>
-          </a:p>
-          <a:p>
-            <a:pPr lvl="2"/>
-            <a:r>
-              <a:rPr lang="de-DE" dirty="0" err="1" smtClean="0"/>
-              <a:t>Dependency</a:t>
-            </a:r>
-            <a:r>
-              <a:rPr lang="de-DE" dirty="0" smtClean="0"/>
-              <a:t> </a:t>
-            </a:r>
-            <a:r>
-              <a:rPr lang="de-DE" dirty="0" err="1" smtClean="0"/>
-              <a:t>Injection</a:t>
-            </a:r>
-            <a:endParaRPr lang="de-DE" sz="2000" dirty="0" smtClean="0"/>
-          </a:p>
-          <a:p>
-            <a:pPr lvl="2"/>
-            <a:r>
-              <a:rPr lang="de-DE" dirty="0" smtClean="0"/>
-              <a:t>Model / </a:t>
-            </a:r>
-            <a:r>
-              <a:rPr lang="de-DE" dirty="0" err="1" smtClean="0"/>
-              <a:t>Persistence</a:t>
-            </a:r>
-            <a:endParaRPr lang="de-DE" dirty="0" smtClean="0"/>
-          </a:p>
-          <a:p>
-            <a:pPr lvl="2"/>
-            <a:r>
-              <a:rPr lang="de-DE" dirty="0" err="1" smtClean="0"/>
-              <a:t>Presentation</a:t>
-            </a:r>
-            <a:r>
-              <a:rPr lang="de-DE" dirty="0" smtClean="0"/>
-              <a:t> / </a:t>
-            </a:r>
-            <a:r>
-              <a:rPr lang="de-DE" dirty="0" err="1" smtClean="0"/>
-              <a:t>Physics</a:t>
-            </a:r>
-            <a:endParaRPr lang="de-DE" dirty="0" smtClean="0"/>
-          </a:p>
-          <a:p>
-            <a:pPr lvl="2"/>
-            <a:r>
-              <a:rPr lang="de-DE" dirty="0" err="1" smtClean="0"/>
-              <a:t>Logic</a:t>
-            </a:r>
-            <a:endParaRPr lang="de-DE" dirty="0" smtClean="0"/>
-          </a:p>
-          <a:p>
-            <a:endParaRPr lang="de-DE" dirty="0"/>
-          </a:p>
-          <a:p>
-            <a:r>
-              <a:rPr lang="de-DE" dirty="0" smtClean="0"/>
-              <a:t>Q &amp; A</a:t>
-            </a:r>
-            <a:endParaRPr lang="de-DE" sz="2000" dirty="0" smtClean="0"/>
-          </a:p>
-          <a:p>
-            <a:endParaRPr lang="de-DE" dirty="0"/>
-          </a:p>
-          <a:p>
-            <a:endParaRPr lang="de-DE" sz="2000" dirty="0"/>
-          </a:p>
-        </p:txBody>
-      </p:sp>
-      <p:pic>
-        <p:nvPicPr>
-          <p:cNvPr id="2" name="Bild 1" descr="splash.png"/>
-          <p:cNvPicPr>
-            <a:picLocks noChangeAspect="1"/>
-          </p:cNvPicPr>
-          <p:nvPr/>
-        </p:nvPicPr>
-        <p:blipFill>
-          <a:blip r:embed="rId2">
-            <a:extLst>
-              <a:ext uri="{28A0092B-C50C-407E-A947-70E740481C1C}">
-                <a14:useLocalDpi xmlns:a14="http://schemas.microsoft.com/office/drawing/2010/main" val="0"/>
-              </a:ext>
-            </a:extLst>
-          </a:blip>
-          <a:stretch>
-            <a:fillRect/>
-          </a:stretch>
-        </p:blipFill>
-        <p:spPr>
-          <a:xfrm>
-            <a:off x="5559182" y="1080000"/>
-            <a:ext cx="2712263" cy="4996275"/>
-          </a:xfrm>
-          <a:prstGeom prst="rect">
-            <a:avLst/>
-          </a:prstGeom>
-        </p:spPr>
-      </p:pic>
-    </p:spTree>
-    <p:extLst>
-      <p:ext uri="{BB962C8B-B14F-4D97-AF65-F5344CB8AC3E}">
-        <p14:creationId xmlns:p14="http://schemas.microsoft.com/office/powerpoint/2010/main" val="1597286783"/>
-      </p:ext>
-    </p:extLst>
-  </p:cSld>
-  <p:clrMapOvr>
-    <a:masterClrMapping/>
-  </p:clrMapOvr>
-  <p:timing>
-    <p:tnLst>
-      <p:par>
-        <p:cTn xmlns:p14="http://schemas.microsoft.com/office/powerpoint/2010/main" id="1" dur="indefinite" restart="never" nodeType="tmRoot"/>
-      </p:par>
-    </p:tnLst>
-  </p:timing>
-</p:sld>
-</file>
-
-<file path=ppt/slides/slide20.xml><?xml version="1.0" encoding="utf-8"?>
+<file path=ppt/slides/slide29.xml><?xml version="1.0" encoding="utf-8"?>
 <p:sld xmlns:a="http://schemas.openxmlformats.org/drawingml/2006/main" xmlns:r="http://schemas.openxmlformats.org/officeDocument/2006/relationships" xmlns:p="http://schemas.openxmlformats.org/presentationml/2006/main">
   <p:cSld>
     <p:spTree>
@@ -4617,2339 +6317,6 @@
 </p:sld>
 </file>
 
-<file path=ppt/slides/slide21.xml><?xml version="1.0" encoding="utf-8"?>
-<p:sld xmlns:a="http://schemas.openxmlformats.org/drawingml/2006/main" xmlns:r="http://schemas.openxmlformats.org/officeDocument/2006/relationships" xmlns:p="http://schemas.openxmlformats.org/presentationml/2006/main">
-  <p:cSld>
-    <p:spTree>
-      <p:nvGrpSpPr>
-        <p:cNvPr id="1" name=""/>
-        <p:cNvGrpSpPr/>
-        <p:nvPr/>
-      </p:nvGrpSpPr>
-      <p:grpSpPr>
-        <a:xfrm>
-          <a:off x="0" y="0"/>
-          <a:ext cx="0" cy="0"/>
-          <a:chOff x="0" y="0"/>
-          <a:chExt cx="0" cy="0"/>
-        </a:xfrm>
-      </p:grpSpPr>
-      <p:sp>
-        <p:nvSpPr>
-          <p:cNvPr id="2" name="Titel 1"/>
-          <p:cNvSpPr>
-            <a:spLocks noGrp="1"/>
-          </p:cNvSpPr>
-          <p:nvPr>
-            <p:ph type="title"/>
-          </p:nvPr>
-        </p:nvSpPr>
-        <p:spPr/>
-        <p:txBody>
-          <a:bodyPr/>
-          <a:lstStyle/>
-          <a:p>
-            <a:r>
-              <a:rPr lang="de-DE" dirty="0" err="1" smtClean="0"/>
-              <a:t>Better</a:t>
-            </a:r>
-            <a:r>
-              <a:rPr lang="de-DE" dirty="0" smtClean="0"/>
-              <a:t> </a:t>
-            </a:r>
-            <a:r>
-              <a:rPr lang="de-DE" dirty="0" err="1" smtClean="0"/>
-              <a:t>solution</a:t>
-            </a:r>
-            <a:endParaRPr lang="de-DE" dirty="0"/>
-          </a:p>
-        </p:txBody>
-      </p:sp>
-      <p:sp>
-        <p:nvSpPr>
-          <p:cNvPr id="3" name="Inhaltsplatzhalter 2"/>
-          <p:cNvSpPr>
-            <a:spLocks noGrp="1"/>
-          </p:cNvSpPr>
-          <p:nvPr>
-            <p:ph idx="1"/>
-          </p:nvPr>
-        </p:nvSpPr>
-        <p:spPr>
-          <a:xfrm>
-            <a:off x="1800000" y="1861724"/>
-            <a:ext cx="6984000" cy="4735251"/>
-          </a:xfrm>
-        </p:spPr>
-        <p:txBody>
-          <a:bodyPr>
-            <a:normAutofit/>
-          </a:bodyPr>
-          <a:lstStyle/>
-          <a:p>
-            <a:r>
-              <a:rPr lang="de-DE" dirty="0" err="1" smtClean="0">
-                <a:solidFill>
-                  <a:srgbClr val="604A7B"/>
-                </a:solidFill>
-                <a:latin typeface="Consolas"/>
-                <a:cs typeface="Consolas"/>
-              </a:rPr>
-              <a:t>public</a:t>
-            </a:r>
-            <a:r>
-              <a:rPr lang="de-DE" dirty="0" smtClean="0">
-                <a:solidFill>
-                  <a:srgbClr val="604A7B"/>
-                </a:solidFill>
-                <a:latin typeface="Consolas"/>
-                <a:cs typeface="Consolas"/>
-              </a:rPr>
-              <a:t> </a:t>
-            </a:r>
-            <a:r>
-              <a:rPr lang="de-DE" dirty="0" err="1" smtClean="0">
-                <a:solidFill>
-                  <a:srgbClr val="604A7B"/>
-                </a:solidFill>
-                <a:latin typeface="Consolas"/>
-                <a:cs typeface="Consolas"/>
-              </a:rPr>
-              <a:t>class</a:t>
-            </a:r>
-            <a:r>
-              <a:rPr lang="de-DE" dirty="0" smtClean="0">
-                <a:solidFill>
-                  <a:srgbClr val="604A7B"/>
-                </a:solidFill>
-                <a:latin typeface="Consolas"/>
-                <a:cs typeface="Consolas"/>
-              </a:rPr>
-              <a:t> </a:t>
-            </a:r>
-            <a:r>
-              <a:rPr lang="de-DE" b="0" dirty="0" err="1" smtClean="0">
-                <a:latin typeface="Consolas"/>
-                <a:cs typeface="Consolas"/>
-              </a:rPr>
-              <a:t>AnyWhere</a:t>
-            </a:r>
-            <a:r>
-              <a:rPr lang="de-DE" b="0" dirty="0" smtClean="0">
-                <a:latin typeface="Consolas"/>
-                <a:cs typeface="Consolas"/>
-              </a:rPr>
-              <a:t> {</a:t>
-            </a:r>
-            <a:endParaRPr lang="de-DE" dirty="0" smtClean="0">
-              <a:latin typeface="Consolas"/>
-              <a:cs typeface="Consolas"/>
-            </a:endParaRPr>
-          </a:p>
-          <a:p>
-            <a:r>
-              <a:rPr lang="de-DE" b="0" dirty="0" smtClean="0">
-                <a:latin typeface="Consolas"/>
-                <a:cs typeface="Consolas"/>
-              </a:rPr>
-              <a:t>	</a:t>
-            </a:r>
-          </a:p>
-          <a:p>
-            <a:r>
-              <a:rPr lang="de-DE" b="0" dirty="0" smtClean="0">
-                <a:latin typeface="Consolas"/>
-                <a:cs typeface="Consolas"/>
-              </a:rPr>
-              <a:t>	</a:t>
-            </a:r>
-            <a:r>
-              <a:rPr lang="de-DE" b="0" dirty="0" smtClean="0">
-                <a:solidFill>
-                  <a:schemeClr val="tx2">
-                    <a:lumMod val="40000"/>
-                    <a:lumOff val="60000"/>
-                  </a:schemeClr>
-                </a:solidFill>
-                <a:latin typeface="Consolas"/>
-                <a:cs typeface="Consolas"/>
-              </a:rPr>
-              <a:t>@</a:t>
-            </a:r>
-            <a:r>
-              <a:rPr lang="de-DE" b="0" dirty="0" err="1" smtClean="0">
-                <a:solidFill>
-                  <a:schemeClr val="tx2">
-                    <a:lumMod val="40000"/>
-                    <a:lumOff val="60000"/>
-                  </a:schemeClr>
-                </a:solidFill>
-                <a:latin typeface="Consolas"/>
-                <a:cs typeface="Consolas"/>
-              </a:rPr>
-              <a:t>Inject</a:t>
-            </a:r>
-            <a:endParaRPr lang="de-DE" b="0" dirty="0" smtClean="0">
-              <a:solidFill>
-                <a:schemeClr val="tx2">
-                  <a:lumMod val="40000"/>
-                  <a:lumOff val="60000"/>
-                </a:schemeClr>
-              </a:solidFill>
-              <a:latin typeface="Consolas"/>
-              <a:cs typeface="Consolas"/>
-            </a:endParaRPr>
-          </a:p>
-          <a:p>
-            <a:r>
-              <a:rPr lang="de-DE" b="0" dirty="0">
-                <a:latin typeface="Consolas"/>
-                <a:cs typeface="Consolas"/>
-              </a:rPr>
-              <a:t>	</a:t>
-            </a:r>
-            <a:r>
-              <a:rPr lang="de-DE" b="0" dirty="0" err="1" smtClean="0">
-                <a:latin typeface="Consolas"/>
-                <a:cs typeface="Consolas"/>
-              </a:rPr>
-              <a:t>PicoContainer</a:t>
-            </a:r>
-            <a:r>
-              <a:rPr lang="de-DE" b="0" dirty="0" smtClean="0">
-                <a:latin typeface="Consolas"/>
-                <a:cs typeface="Consolas"/>
-              </a:rPr>
-              <a:t> </a:t>
-            </a:r>
-            <a:r>
-              <a:rPr lang="de-DE" b="0" dirty="0" err="1" smtClean="0">
-                <a:solidFill>
-                  <a:schemeClr val="accent1">
-                    <a:lumMod val="75000"/>
-                  </a:schemeClr>
-                </a:solidFill>
-                <a:latin typeface="Consolas"/>
-                <a:cs typeface="Consolas"/>
-              </a:rPr>
-              <a:t>context</a:t>
-            </a:r>
-            <a:r>
-              <a:rPr lang="de-DE" b="0" dirty="0" smtClean="0">
-                <a:latin typeface="Consolas"/>
-                <a:cs typeface="Consolas"/>
-              </a:rPr>
-              <a:t>;</a:t>
-            </a:r>
-            <a:endParaRPr lang="de-DE" b="0" dirty="0">
-              <a:latin typeface="Consolas"/>
-              <a:cs typeface="Consolas"/>
-            </a:endParaRPr>
-          </a:p>
-          <a:p>
-            <a:endParaRPr lang="de-DE" b="0" dirty="0">
-              <a:latin typeface="Consolas"/>
-              <a:cs typeface="Consolas"/>
-            </a:endParaRPr>
-          </a:p>
-          <a:p>
-            <a:r>
-              <a:rPr lang="de-DE" dirty="0" smtClean="0">
-                <a:latin typeface="Consolas"/>
-                <a:cs typeface="Consolas"/>
-              </a:rPr>
-              <a:t>	</a:t>
-            </a:r>
-            <a:r>
-              <a:rPr lang="de-DE" dirty="0" err="1" smtClean="0">
-                <a:solidFill>
-                  <a:srgbClr val="604A7B"/>
-                </a:solidFill>
-                <a:latin typeface="Consolas"/>
-                <a:cs typeface="Consolas"/>
-              </a:rPr>
-              <a:t>public</a:t>
-            </a:r>
-            <a:r>
-              <a:rPr lang="de-DE" dirty="0" smtClean="0">
-                <a:solidFill>
-                  <a:srgbClr val="604A7B"/>
-                </a:solidFill>
-                <a:latin typeface="Consolas"/>
-                <a:cs typeface="Consolas"/>
-              </a:rPr>
-              <a:t> </a:t>
-            </a:r>
-            <a:r>
-              <a:rPr lang="de-DE" dirty="0" err="1" smtClean="0">
-                <a:solidFill>
-                  <a:srgbClr val="604A7B"/>
-                </a:solidFill>
-                <a:latin typeface="Consolas"/>
-                <a:cs typeface="Consolas"/>
-              </a:rPr>
-              <a:t>void</a:t>
-            </a:r>
-            <a:r>
-              <a:rPr lang="de-DE" dirty="0" smtClean="0">
-                <a:solidFill>
-                  <a:srgbClr val="604A7B"/>
-                </a:solidFill>
-                <a:latin typeface="Consolas"/>
-                <a:cs typeface="Consolas"/>
-              </a:rPr>
-              <a:t> </a:t>
-            </a:r>
-            <a:r>
-              <a:rPr lang="de-DE" b="0" dirty="0" err="1" smtClean="0">
-                <a:latin typeface="Consolas"/>
-                <a:cs typeface="Consolas"/>
-              </a:rPr>
-              <a:t>needsSimulationManager</a:t>
-            </a:r>
-            <a:r>
-              <a:rPr lang="de-DE" b="0" dirty="0" smtClean="0">
-                <a:latin typeface="Consolas"/>
-                <a:cs typeface="Consolas"/>
-              </a:rPr>
-              <a:t>() {</a:t>
-            </a:r>
-            <a:endParaRPr lang="de-DE" b="0" dirty="0">
-              <a:latin typeface="Consolas"/>
-              <a:cs typeface="Consolas"/>
-            </a:endParaRPr>
-          </a:p>
-          <a:p>
-            <a:r>
-              <a:rPr lang="de-DE" b="0" dirty="0">
-                <a:latin typeface="Consolas"/>
-                <a:cs typeface="Consolas"/>
-              </a:rPr>
-              <a:t>		</a:t>
-            </a:r>
-            <a:r>
-              <a:rPr lang="de-DE" b="0" dirty="0">
-                <a:solidFill>
-                  <a:schemeClr val="accent3">
-                    <a:lumMod val="75000"/>
-                  </a:schemeClr>
-                </a:solidFill>
-                <a:latin typeface="Consolas"/>
-                <a:cs typeface="Consolas"/>
-              </a:rPr>
-              <a:t>// </a:t>
-            </a:r>
-            <a:r>
-              <a:rPr lang="de-DE" b="0" dirty="0" err="1">
-                <a:solidFill>
-                  <a:schemeClr val="accent3">
-                    <a:lumMod val="75000"/>
-                  </a:schemeClr>
-                </a:solidFill>
-                <a:latin typeface="Consolas"/>
-                <a:cs typeface="Consolas"/>
-              </a:rPr>
-              <a:t>PicoContainer</a:t>
-            </a:r>
-            <a:r>
-              <a:rPr lang="de-DE" b="0" dirty="0">
-                <a:solidFill>
-                  <a:schemeClr val="accent3">
-                    <a:lumMod val="75000"/>
-                  </a:schemeClr>
-                </a:solidFill>
-                <a:latin typeface="Consolas"/>
-                <a:cs typeface="Consolas"/>
-              </a:rPr>
-              <a:t> </a:t>
-            </a:r>
-            <a:r>
-              <a:rPr lang="de-DE" b="0" dirty="0" err="1">
-                <a:solidFill>
-                  <a:schemeClr val="accent3">
-                    <a:lumMod val="75000"/>
-                  </a:schemeClr>
-                </a:solidFill>
-                <a:latin typeface="Consolas"/>
-                <a:cs typeface="Consolas"/>
-              </a:rPr>
-              <a:t>injects</a:t>
-            </a:r>
-            <a:r>
-              <a:rPr lang="de-DE" b="0" dirty="0">
-                <a:solidFill>
-                  <a:schemeClr val="accent3">
-                    <a:lumMod val="75000"/>
-                  </a:schemeClr>
-                </a:solidFill>
-                <a:latin typeface="Consolas"/>
-                <a:cs typeface="Consolas"/>
-              </a:rPr>
-              <a:t> </a:t>
-            </a:r>
-            <a:r>
-              <a:rPr lang="de-DE" b="0" dirty="0" err="1">
-                <a:solidFill>
-                  <a:schemeClr val="accent3">
-                    <a:lumMod val="75000"/>
-                  </a:schemeClr>
-                </a:solidFill>
-                <a:latin typeface="Consolas"/>
-                <a:cs typeface="Consolas"/>
-              </a:rPr>
-              <a:t>PresentationManager</a:t>
-            </a:r>
-            <a:endParaRPr lang="de-DE" b="0" dirty="0">
-              <a:solidFill>
-                <a:schemeClr val="accent3">
-                  <a:lumMod val="75000"/>
-                </a:schemeClr>
-              </a:solidFill>
-              <a:latin typeface="Consolas"/>
-              <a:cs typeface="Consolas"/>
-            </a:endParaRPr>
-          </a:p>
-          <a:p>
-            <a:r>
-              <a:rPr lang="de-DE" b="0" dirty="0">
-                <a:solidFill>
-                  <a:schemeClr val="accent3">
-                    <a:lumMod val="75000"/>
-                  </a:schemeClr>
-                </a:solidFill>
-                <a:latin typeface="Consolas"/>
-                <a:cs typeface="Consolas"/>
-              </a:rPr>
-              <a:t>		// </a:t>
-            </a:r>
-            <a:r>
-              <a:rPr lang="de-DE" b="0" dirty="0" err="1">
-                <a:solidFill>
-                  <a:schemeClr val="accent3">
-                    <a:lumMod val="75000"/>
-                  </a:schemeClr>
-                </a:solidFill>
-                <a:latin typeface="Consolas"/>
-                <a:cs typeface="Consolas"/>
-              </a:rPr>
-              <a:t>into</a:t>
-            </a:r>
-            <a:r>
-              <a:rPr lang="de-DE" b="0" dirty="0">
-                <a:solidFill>
-                  <a:schemeClr val="accent3">
-                    <a:lumMod val="75000"/>
-                  </a:schemeClr>
-                </a:solidFill>
-                <a:latin typeface="Consolas"/>
-                <a:cs typeface="Consolas"/>
-              </a:rPr>
-              <a:t> </a:t>
-            </a:r>
-            <a:r>
-              <a:rPr lang="de-DE" b="0" dirty="0" err="1" smtClean="0">
-                <a:solidFill>
-                  <a:schemeClr val="accent3">
-                    <a:lumMod val="75000"/>
-                  </a:schemeClr>
-                </a:solidFill>
-                <a:latin typeface="Consolas"/>
-                <a:cs typeface="Consolas"/>
-              </a:rPr>
-              <a:t>SimulationManager</a:t>
-            </a:r>
-            <a:endParaRPr lang="de-DE" b="0" dirty="0" smtClean="0">
-              <a:latin typeface="Consolas"/>
-              <a:cs typeface="Consolas"/>
-            </a:endParaRPr>
-          </a:p>
-          <a:p>
-            <a:r>
-              <a:rPr lang="de-DE" b="0" dirty="0">
-                <a:latin typeface="Consolas"/>
-                <a:cs typeface="Consolas"/>
-              </a:rPr>
-              <a:t>	</a:t>
-            </a:r>
-            <a:r>
-              <a:rPr lang="de-DE" b="0" dirty="0" smtClean="0">
-                <a:latin typeface="Consolas"/>
-                <a:cs typeface="Consolas"/>
-              </a:rPr>
-              <a:t>	</a:t>
-            </a:r>
-            <a:r>
-              <a:rPr lang="de-DE" b="0" dirty="0" err="1" smtClean="0">
-                <a:latin typeface="Consolas"/>
-                <a:cs typeface="Consolas"/>
-              </a:rPr>
-              <a:t>SimulationManager</a:t>
-            </a:r>
-            <a:r>
-              <a:rPr lang="de-DE" b="0" dirty="0" smtClean="0">
-                <a:latin typeface="Consolas"/>
-                <a:cs typeface="Consolas"/>
-              </a:rPr>
-              <a:t> s = </a:t>
-            </a:r>
-          </a:p>
-          <a:p>
-            <a:r>
-              <a:rPr lang="de-DE" b="0" dirty="0">
-                <a:latin typeface="Consolas"/>
-                <a:cs typeface="Consolas"/>
-              </a:rPr>
-              <a:t>	</a:t>
-            </a:r>
-            <a:r>
-              <a:rPr lang="de-DE" b="0" dirty="0" smtClean="0">
-                <a:latin typeface="Consolas"/>
-                <a:cs typeface="Consolas"/>
-              </a:rPr>
-              <a:t>			</a:t>
-            </a:r>
-            <a:r>
-              <a:rPr lang="de-DE" b="0" dirty="0" err="1" smtClean="0">
-                <a:solidFill>
-                  <a:srgbClr val="376092"/>
-                </a:solidFill>
-                <a:latin typeface="Consolas"/>
-                <a:cs typeface="Consolas"/>
-              </a:rPr>
-              <a:t>context</a:t>
-            </a:r>
-            <a:r>
-              <a:rPr lang="de-DE" b="0" dirty="0" err="1" smtClean="0">
-                <a:latin typeface="Consolas"/>
-                <a:cs typeface="Consolas"/>
-              </a:rPr>
-              <a:t>.getComponent</a:t>
-            </a:r>
-            <a:r>
-              <a:rPr lang="de-DE" b="0" dirty="0" smtClean="0">
-                <a:latin typeface="Consolas"/>
-                <a:cs typeface="Consolas"/>
-              </a:rPr>
-              <a:t>(</a:t>
-            </a:r>
-          </a:p>
-          <a:p>
-            <a:r>
-              <a:rPr lang="de-DE" b="0" dirty="0">
-                <a:solidFill>
-                  <a:schemeClr val="accent1">
-                    <a:lumMod val="75000"/>
-                  </a:schemeClr>
-                </a:solidFill>
-                <a:latin typeface="Consolas"/>
-                <a:cs typeface="Consolas"/>
-              </a:rPr>
-              <a:t>	</a:t>
-            </a:r>
-            <a:r>
-              <a:rPr lang="de-DE" b="0" dirty="0" smtClean="0">
-                <a:solidFill>
-                  <a:schemeClr val="accent1">
-                    <a:lumMod val="75000"/>
-                  </a:schemeClr>
-                </a:solidFill>
-                <a:latin typeface="Consolas"/>
-                <a:cs typeface="Consolas"/>
-              </a:rPr>
-              <a:t>					</a:t>
-            </a:r>
-            <a:r>
-              <a:rPr lang="de-DE" b="0" dirty="0" err="1" smtClean="0">
-                <a:latin typeface="Consolas"/>
-                <a:cs typeface="Consolas"/>
-              </a:rPr>
-              <a:t>SimulationManager.</a:t>
-            </a:r>
-            <a:r>
-              <a:rPr lang="de-DE" b="0" dirty="0" err="1" smtClean="0">
-                <a:solidFill>
-                  <a:schemeClr val="accent4">
-                    <a:lumMod val="75000"/>
-                  </a:schemeClr>
-                </a:solidFill>
-                <a:latin typeface="Consolas"/>
-                <a:cs typeface="Consolas"/>
-              </a:rPr>
-              <a:t>class</a:t>
-            </a:r>
-            <a:r>
-              <a:rPr lang="de-DE" b="0" dirty="0" smtClean="0">
-                <a:latin typeface="Consolas"/>
-                <a:cs typeface="Consolas"/>
-              </a:rPr>
-              <a:t>);</a:t>
-            </a:r>
-          </a:p>
-          <a:p>
-            <a:endParaRPr lang="de-DE" b="0" dirty="0">
-              <a:solidFill>
-                <a:schemeClr val="accent3">
-                  <a:lumMod val="75000"/>
-                </a:schemeClr>
-              </a:solidFill>
-              <a:latin typeface="Consolas"/>
-              <a:cs typeface="Consolas"/>
-            </a:endParaRPr>
-          </a:p>
-          <a:p>
-            <a:r>
-              <a:rPr lang="de-DE" b="0" dirty="0" smtClean="0">
-                <a:solidFill>
-                  <a:schemeClr val="accent3">
-                    <a:lumMod val="75000"/>
-                  </a:schemeClr>
-                </a:solidFill>
-                <a:latin typeface="Consolas"/>
-                <a:cs typeface="Consolas"/>
-              </a:rPr>
-              <a:t>		// do </a:t>
-            </a:r>
-            <a:r>
-              <a:rPr lang="de-DE" b="0" dirty="0" err="1" smtClean="0">
-                <a:solidFill>
-                  <a:schemeClr val="accent3">
-                    <a:lumMod val="75000"/>
-                  </a:schemeClr>
-                </a:solidFill>
-                <a:latin typeface="Consolas"/>
-                <a:cs typeface="Consolas"/>
-              </a:rPr>
-              <a:t>things</a:t>
-            </a:r>
-            <a:r>
-              <a:rPr lang="de-DE" b="0" dirty="0" smtClean="0">
-                <a:solidFill>
-                  <a:schemeClr val="accent3">
-                    <a:lumMod val="75000"/>
-                  </a:schemeClr>
-                </a:solidFill>
-                <a:latin typeface="Consolas"/>
-                <a:cs typeface="Consolas"/>
-              </a:rPr>
-              <a:t> </a:t>
-            </a:r>
-            <a:r>
-              <a:rPr lang="de-DE" b="0" dirty="0" err="1" smtClean="0">
-                <a:solidFill>
-                  <a:schemeClr val="accent3">
-                    <a:lumMod val="75000"/>
-                  </a:schemeClr>
-                </a:solidFill>
-                <a:latin typeface="Consolas"/>
-                <a:cs typeface="Consolas"/>
-              </a:rPr>
-              <a:t>with</a:t>
-            </a:r>
-            <a:r>
-              <a:rPr lang="de-DE" b="0" dirty="0" smtClean="0">
-                <a:solidFill>
-                  <a:schemeClr val="accent3">
-                    <a:lumMod val="75000"/>
-                  </a:schemeClr>
-                </a:solidFill>
-                <a:latin typeface="Consolas"/>
-                <a:cs typeface="Consolas"/>
-              </a:rPr>
-              <a:t> </a:t>
-            </a:r>
-            <a:r>
-              <a:rPr lang="de-DE" b="0" dirty="0" err="1" smtClean="0">
-                <a:solidFill>
-                  <a:schemeClr val="accent3">
-                    <a:lumMod val="75000"/>
-                  </a:schemeClr>
-                </a:solidFill>
-                <a:latin typeface="Consolas"/>
-                <a:cs typeface="Consolas"/>
-              </a:rPr>
-              <a:t>SimulationManager</a:t>
-            </a:r>
-            <a:endParaRPr lang="de-DE" b="0" dirty="0" smtClean="0">
-              <a:solidFill>
-                <a:schemeClr val="accent3">
-                  <a:lumMod val="75000"/>
-                </a:schemeClr>
-              </a:solidFill>
-              <a:latin typeface="Consolas"/>
-              <a:cs typeface="Consolas"/>
-            </a:endParaRPr>
-          </a:p>
-          <a:p>
-            <a:r>
-              <a:rPr lang="de-DE" b="0" dirty="0">
-                <a:latin typeface="Consolas"/>
-                <a:cs typeface="Consolas"/>
-              </a:rPr>
-              <a:t>	</a:t>
-            </a:r>
-            <a:r>
-              <a:rPr lang="de-DE" b="0" dirty="0" smtClean="0">
-                <a:latin typeface="Consolas"/>
-                <a:cs typeface="Consolas"/>
-              </a:rPr>
-              <a:t>}</a:t>
-            </a:r>
-          </a:p>
-          <a:p>
-            <a:r>
-              <a:rPr lang="de-DE" b="0" dirty="0">
-                <a:latin typeface="Consolas"/>
-                <a:cs typeface="Consolas"/>
-              </a:rPr>
-              <a:t>}</a:t>
-            </a:r>
-          </a:p>
-        </p:txBody>
-      </p:sp>
-    </p:spTree>
-    <p:extLst>
-      <p:ext uri="{BB962C8B-B14F-4D97-AF65-F5344CB8AC3E}">
-        <p14:creationId xmlns:p14="http://schemas.microsoft.com/office/powerpoint/2010/main" val="2522924804"/>
-      </p:ext>
-    </p:extLst>
-  </p:cSld>
-  <p:clrMapOvr>
-    <a:masterClrMapping/>
-  </p:clrMapOvr>
-  <p:timing>
-    <p:tnLst>
-      <p:par>
-        <p:cTn xmlns:p14="http://schemas.microsoft.com/office/powerpoint/2010/main" id="1" dur="indefinite" restart="never" nodeType="tmRoot"/>
-      </p:par>
-    </p:tnLst>
-  </p:timing>
-</p:sld>
-</file>
-
-<file path=ppt/slides/slide22.xml><?xml version="1.0" encoding="utf-8"?>
-<p:sld xmlns:a="http://schemas.openxmlformats.org/drawingml/2006/main" xmlns:r="http://schemas.openxmlformats.org/officeDocument/2006/relationships" xmlns:p="http://schemas.openxmlformats.org/presentationml/2006/main">
-  <p:cSld>
-    <p:spTree>
-      <p:nvGrpSpPr>
-        <p:cNvPr id="1" name=""/>
-        <p:cNvGrpSpPr/>
-        <p:nvPr/>
-      </p:nvGrpSpPr>
-      <p:grpSpPr>
-        <a:xfrm>
-          <a:off x="0" y="0"/>
-          <a:ext cx="0" cy="0"/>
-          <a:chOff x="0" y="0"/>
-          <a:chExt cx="0" cy="0"/>
-        </a:xfrm>
-      </p:grpSpPr>
-      <p:sp>
-        <p:nvSpPr>
-          <p:cNvPr id="6" name="Titel 5"/>
-          <p:cNvSpPr>
-            <a:spLocks noGrp="1"/>
-          </p:cNvSpPr>
-          <p:nvPr>
-            <p:ph type="title"/>
-          </p:nvPr>
-        </p:nvSpPr>
-        <p:spPr/>
-        <p:txBody>
-          <a:bodyPr/>
-          <a:lstStyle/>
-          <a:p>
-            <a:r>
-              <a:rPr lang="de-DE" dirty="0" smtClean="0"/>
-              <a:t>System design</a:t>
-            </a:r>
-            <a:br>
-              <a:rPr lang="de-DE" dirty="0" smtClean="0"/>
-            </a:br>
-            <a:r>
-              <a:rPr lang="de-DE" b="0" dirty="0" smtClean="0"/>
-              <a:t>Model / </a:t>
-            </a:r>
-            <a:r>
-              <a:rPr lang="de-DE" b="0" dirty="0" err="1" smtClean="0"/>
-              <a:t>Persistence</a:t>
-            </a:r>
-            <a:endParaRPr lang="de-DE" dirty="0"/>
-          </a:p>
-        </p:txBody>
-      </p:sp>
-    </p:spTree>
-    <p:extLst>
-      <p:ext uri="{BB962C8B-B14F-4D97-AF65-F5344CB8AC3E}">
-        <p14:creationId xmlns:p14="http://schemas.microsoft.com/office/powerpoint/2010/main" val="132038508"/>
-      </p:ext>
-    </p:extLst>
-  </p:cSld>
-  <p:clrMapOvr>
-    <a:masterClrMapping/>
-  </p:clrMapOvr>
-  <p:timing>
-    <p:tnLst>
-      <p:par>
-        <p:cTn xmlns:p14="http://schemas.microsoft.com/office/powerpoint/2010/main" id="1" dur="indefinite" restart="never" nodeType="tmRoot"/>
-      </p:par>
-    </p:tnLst>
-  </p:timing>
-</p:sld>
-</file>
-
-<file path=ppt/slides/slide23.xml><?xml version="1.0" encoding="utf-8"?>
-<p:sld xmlns:a="http://schemas.openxmlformats.org/drawingml/2006/main" xmlns:r="http://schemas.openxmlformats.org/officeDocument/2006/relationships" xmlns:p="http://schemas.openxmlformats.org/presentationml/2006/main">
-  <p:cSld>
-    <p:spTree>
-      <p:nvGrpSpPr>
-        <p:cNvPr id="1" name=""/>
-        <p:cNvGrpSpPr/>
-        <p:nvPr/>
-      </p:nvGrpSpPr>
-      <p:grpSpPr>
-        <a:xfrm>
-          <a:off x="0" y="0"/>
-          <a:ext cx="0" cy="0"/>
-          <a:chOff x="0" y="0"/>
-          <a:chExt cx="0" cy="0"/>
-        </a:xfrm>
-      </p:grpSpPr>
-      <p:sp>
-        <p:nvSpPr>
-          <p:cNvPr id="3" name="Titel 2"/>
-          <p:cNvSpPr>
-            <a:spLocks noGrp="1"/>
-          </p:cNvSpPr>
-          <p:nvPr>
-            <p:ph type="title"/>
-          </p:nvPr>
-        </p:nvSpPr>
-        <p:spPr/>
-        <p:txBody>
-          <a:bodyPr/>
-          <a:lstStyle/>
-          <a:p>
-            <a:r>
-              <a:rPr lang="de-DE" dirty="0" smtClean="0"/>
-              <a:t>Domain </a:t>
-            </a:r>
-            <a:r>
-              <a:rPr lang="de-DE" dirty="0" err="1" smtClean="0"/>
-              <a:t>model</a:t>
-            </a:r>
-            <a:endParaRPr lang="de-DE" dirty="0"/>
-          </a:p>
-        </p:txBody>
-      </p:sp>
-      <p:pic>
-        <p:nvPicPr>
-          <p:cNvPr id="6" name="Bild 5" descr="Screen Shot 2013-01-15 at 10.06.44 AM.png"/>
-          <p:cNvPicPr>
-            <a:picLocks noChangeAspect="1"/>
-          </p:cNvPicPr>
-          <p:nvPr/>
-        </p:nvPicPr>
-        <p:blipFill>
-          <a:blip r:embed="rId2">
-            <a:extLst>
-              <a:ext uri="{28A0092B-C50C-407E-A947-70E740481C1C}">
-                <a14:useLocalDpi xmlns:a14="http://schemas.microsoft.com/office/drawing/2010/main" val="0"/>
-              </a:ext>
-            </a:extLst>
-          </a:blip>
-          <a:stretch>
-            <a:fillRect/>
-          </a:stretch>
-        </p:blipFill>
-        <p:spPr>
-          <a:xfrm>
-            <a:off x="1800000" y="1725353"/>
-            <a:ext cx="6288498" cy="4542396"/>
-          </a:xfrm>
-          <a:prstGeom prst="rect">
-            <a:avLst/>
-          </a:prstGeom>
-        </p:spPr>
-      </p:pic>
-    </p:spTree>
-    <p:extLst>
-      <p:ext uri="{BB962C8B-B14F-4D97-AF65-F5344CB8AC3E}">
-        <p14:creationId xmlns:p14="http://schemas.microsoft.com/office/powerpoint/2010/main" val="4074190647"/>
-      </p:ext>
-    </p:extLst>
-  </p:cSld>
-  <p:clrMapOvr>
-    <a:masterClrMapping/>
-  </p:clrMapOvr>
-  <p:timing>
-    <p:tnLst>
-      <p:par>
-        <p:cTn xmlns:p14="http://schemas.microsoft.com/office/powerpoint/2010/main" id="1" dur="indefinite" restart="never" nodeType="tmRoot"/>
-      </p:par>
-    </p:tnLst>
-  </p:timing>
-</p:sld>
-</file>
-
-<file path=ppt/slides/slide24.xml><?xml version="1.0" encoding="utf-8"?>
-<p:sld xmlns:a="http://schemas.openxmlformats.org/drawingml/2006/main" xmlns:r="http://schemas.openxmlformats.org/officeDocument/2006/relationships" xmlns:p="http://schemas.openxmlformats.org/presentationml/2006/main">
-  <p:cSld>
-    <p:spTree>
-      <p:nvGrpSpPr>
-        <p:cNvPr id="1" name=""/>
-        <p:cNvGrpSpPr/>
-        <p:nvPr/>
-      </p:nvGrpSpPr>
-      <p:grpSpPr>
-        <a:xfrm>
-          <a:off x="0" y="0"/>
-          <a:ext cx="0" cy="0"/>
-          <a:chOff x="0" y="0"/>
-          <a:chExt cx="0" cy="0"/>
-        </a:xfrm>
-      </p:grpSpPr>
-      <p:sp>
-        <p:nvSpPr>
-          <p:cNvPr id="3" name="Titel 2"/>
-          <p:cNvSpPr>
-            <a:spLocks noGrp="1"/>
-          </p:cNvSpPr>
-          <p:nvPr>
-            <p:ph type="title"/>
-          </p:nvPr>
-        </p:nvSpPr>
-        <p:spPr/>
-        <p:txBody>
-          <a:bodyPr/>
-          <a:lstStyle/>
-          <a:p>
-            <a:r>
-              <a:rPr lang="de-DE" dirty="0" smtClean="0"/>
-              <a:t>Domain </a:t>
-            </a:r>
-            <a:r>
-              <a:rPr lang="de-DE" dirty="0" err="1" smtClean="0"/>
-              <a:t>model</a:t>
-            </a:r>
-            <a:endParaRPr lang="de-DE" dirty="0"/>
-          </a:p>
-        </p:txBody>
-      </p:sp>
-      <p:pic>
-        <p:nvPicPr>
-          <p:cNvPr id="6" name="Bild 5" descr="Screen Shot 2013-01-15 at 10.06.44 AM.png"/>
-          <p:cNvPicPr>
-            <a:picLocks noChangeAspect="1"/>
-          </p:cNvPicPr>
-          <p:nvPr/>
-        </p:nvPicPr>
-        <p:blipFill>
-          <a:blip r:embed="rId2">
-            <a:extLst>
-              <a:ext uri="{28A0092B-C50C-407E-A947-70E740481C1C}">
-                <a14:useLocalDpi xmlns:a14="http://schemas.microsoft.com/office/drawing/2010/main" val="0"/>
-              </a:ext>
-            </a:extLst>
-          </a:blip>
-          <a:stretch>
-            <a:fillRect/>
-          </a:stretch>
-        </p:blipFill>
-        <p:spPr>
-          <a:xfrm>
-            <a:off x="1800000" y="1725353"/>
-            <a:ext cx="6288498" cy="4542396"/>
-          </a:xfrm>
-          <a:prstGeom prst="rect">
-            <a:avLst/>
-          </a:prstGeom>
-        </p:spPr>
-      </p:pic>
-      <p:sp>
-        <p:nvSpPr>
-          <p:cNvPr id="2" name="Rechteck 1"/>
-          <p:cNvSpPr/>
-          <p:nvPr/>
-        </p:nvSpPr>
-        <p:spPr>
-          <a:xfrm>
-            <a:off x="5114331" y="3513762"/>
-            <a:ext cx="2982691" cy="3006505"/>
-          </a:xfrm>
-          <a:prstGeom prst="rect">
-            <a:avLst/>
-          </a:prstGeom>
-          <a:gradFill flip="none" rotWithShape="1">
-            <a:gsLst>
-              <a:gs pos="0">
-                <a:schemeClr val="accent3">
-                  <a:tint val="100000"/>
-                  <a:shade val="100000"/>
-                  <a:satMod val="130000"/>
-                  <a:alpha val="36000"/>
-                </a:schemeClr>
-              </a:gs>
-              <a:gs pos="100000">
-                <a:schemeClr val="accent3">
-                  <a:tint val="50000"/>
-                  <a:shade val="100000"/>
-                  <a:satMod val="350000"/>
-                  <a:alpha val="36000"/>
-                </a:schemeClr>
-              </a:gs>
-            </a:gsLst>
-            <a:lin ang="16200000" scaled="0"/>
-            <a:tileRect/>
-          </a:gradFill>
-        </p:spPr>
-        <p:style>
-          <a:lnRef idx="1">
-            <a:schemeClr val="accent3"/>
-          </a:lnRef>
-          <a:fillRef idx="3">
-            <a:schemeClr val="accent3"/>
-          </a:fillRef>
-          <a:effectRef idx="2">
-            <a:schemeClr val="accent3"/>
-          </a:effectRef>
-          <a:fontRef idx="minor">
-            <a:schemeClr val="lt1"/>
-          </a:fontRef>
-        </p:style>
-        <p:txBody>
-          <a:bodyPr rtlCol="0" anchor="ctr"/>
-          <a:lstStyle/>
-          <a:p>
-            <a:pPr algn="ctr"/>
-            <a:endParaRPr lang="de-DE" b="1" dirty="0">
-              <a:solidFill>
-                <a:srgbClr val="008000"/>
-              </a:solidFill>
-            </a:endParaRPr>
-          </a:p>
-        </p:txBody>
-      </p:sp>
-      <p:sp>
-        <p:nvSpPr>
-          <p:cNvPr id="4" name="Rechteck 3"/>
-          <p:cNvSpPr/>
-          <p:nvPr/>
-        </p:nvSpPr>
-        <p:spPr>
-          <a:xfrm>
-            <a:off x="1799999" y="1725353"/>
-            <a:ext cx="3213027" cy="4794914"/>
-          </a:xfrm>
-          <a:prstGeom prst="rect">
-            <a:avLst/>
-          </a:prstGeom>
-          <a:gradFill flip="none" rotWithShape="1">
-            <a:gsLst>
-              <a:gs pos="0">
-                <a:schemeClr val="accent6">
-                  <a:tint val="100000"/>
-                  <a:shade val="100000"/>
-                  <a:satMod val="130000"/>
-                  <a:alpha val="41000"/>
-                </a:schemeClr>
-              </a:gs>
-              <a:gs pos="100000">
-                <a:schemeClr val="accent6">
-                  <a:tint val="50000"/>
-                  <a:shade val="100000"/>
-                  <a:satMod val="350000"/>
-                  <a:alpha val="41000"/>
-                </a:schemeClr>
-              </a:gs>
-            </a:gsLst>
-            <a:lin ang="16200000" scaled="0"/>
-            <a:tileRect/>
-          </a:gradFill>
-        </p:spPr>
-        <p:style>
-          <a:lnRef idx="1">
-            <a:schemeClr val="accent6"/>
-          </a:lnRef>
-          <a:fillRef idx="3">
-            <a:schemeClr val="accent6"/>
-          </a:fillRef>
-          <a:effectRef idx="2">
-            <a:schemeClr val="accent6"/>
-          </a:effectRef>
-          <a:fontRef idx="minor">
-            <a:schemeClr val="lt1"/>
-          </a:fontRef>
-        </p:style>
-        <p:txBody>
-          <a:bodyPr rtlCol="0" anchor="ctr"/>
-          <a:lstStyle/>
-          <a:p>
-            <a:pPr algn="ctr"/>
-            <a:endParaRPr lang="de-DE" b="1" dirty="0">
-              <a:solidFill>
-                <a:srgbClr val="FF6600"/>
-              </a:solidFill>
-            </a:endParaRPr>
-          </a:p>
-        </p:txBody>
-      </p:sp>
-      <p:sp>
-        <p:nvSpPr>
-          <p:cNvPr id="7" name="Textfeld 6"/>
-          <p:cNvSpPr txBox="1"/>
-          <p:nvPr/>
-        </p:nvSpPr>
-        <p:spPr>
-          <a:xfrm>
-            <a:off x="1800000" y="5812381"/>
-            <a:ext cx="2419326" cy="707886"/>
-          </a:xfrm>
-          <a:prstGeom prst="rect">
-            <a:avLst/>
-          </a:prstGeom>
-          <a:noFill/>
-        </p:spPr>
-        <p:txBody>
-          <a:bodyPr wrap="square" rtlCol="0">
-            <a:spAutoFit/>
-          </a:bodyPr>
-          <a:lstStyle/>
-          <a:p>
-            <a:r>
-              <a:rPr lang="de-DE" sz="2000" dirty="0" smtClean="0">
-                <a:latin typeface="Arial"/>
-                <a:cs typeface="Arial"/>
-              </a:rPr>
-              <a:t>Transaction </a:t>
-            </a:r>
-            <a:r>
-              <a:rPr lang="de-DE" sz="2000" dirty="0" err="1" smtClean="0">
-                <a:latin typeface="Arial"/>
-                <a:cs typeface="Arial"/>
-              </a:rPr>
-              <a:t>data</a:t>
-            </a:r>
-            <a:r>
-              <a:rPr lang="de-DE" sz="2000" dirty="0" smtClean="0">
-                <a:latin typeface="Arial"/>
-                <a:cs typeface="Arial"/>
-              </a:rPr>
-              <a:t>:</a:t>
-            </a:r>
-          </a:p>
-          <a:p>
-            <a:r>
-              <a:rPr lang="de-DE" sz="2000" dirty="0" err="1" smtClean="0">
-                <a:latin typeface="Arial"/>
-                <a:cs typeface="Arial"/>
-              </a:rPr>
-              <a:t>Object</a:t>
-            </a:r>
-            <a:r>
-              <a:rPr lang="de-DE" sz="2000" dirty="0" smtClean="0">
-                <a:latin typeface="Arial"/>
-                <a:cs typeface="Arial"/>
-              </a:rPr>
-              <a:t> </a:t>
-            </a:r>
-            <a:r>
-              <a:rPr lang="de-DE" sz="2000" dirty="0" err="1" smtClean="0">
-                <a:latin typeface="Arial"/>
-                <a:cs typeface="Arial"/>
-              </a:rPr>
-              <a:t>serialization</a:t>
-            </a:r>
-            <a:endParaRPr lang="de-DE" sz="2000" dirty="0">
-              <a:latin typeface="Arial"/>
-              <a:cs typeface="Arial"/>
-            </a:endParaRPr>
-          </a:p>
-        </p:txBody>
-      </p:sp>
-      <p:sp>
-        <p:nvSpPr>
-          <p:cNvPr id="8" name="Textfeld 7"/>
-          <p:cNvSpPr txBox="1"/>
-          <p:nvPr/>
-        </p:nvSpPr>
-        <p:spPr>
-          <a:xfrm>
-            <a:off x="6443388" y="5812381"/>
-            <a:ext cx="1645110" cy="707886"/>
-          </a:xfrm>
-          <a:prstGeom prst="rect">
-            <a:avLst/>
-          </a:prstGeom>
-          <a:noFill/>
-        </p:spPr>
-        <p:txBody>
-          <a:bodyPr wrap="square" rtlCol="0">
-            <a:spAutoFit/>
-          </a:bodyPr>
-          <a:lstStyle/>
-          <a:p>
-            <a:pPr algn="r"/>
-            <a:r>
-              <a:rPr lang="de-DE" sz="2000" dirty="0" smtClean="0">
-                <a:latin typeface="Arial"/>
-                <a:cs typeface="Arial"/>
-              </a:rPr>
-              <a:t>Master </a:t>
-            </a:r>
-            <a:r>
-              <a:rPr lang="de-DE" sz="2000" dirty="0" err="1" smtClean="0">
-                <a:latin typeface="Arial"/>
-                <a:cs typeface="Arial"/>
-              </a:rPr>
-              <a:t>data</a:t>
-            </a:r>
-            <a:r>
-              <a:rPr lang="de-DE" sz="2000" dirty="0" smtClean="0">
-                <a:latin typeface="Arial"/>
-                <a:cs typeface="Arial"/>
-              </a:rPr>
-              <a:t>:</a:t>
-            </a:r>
-          </a:p>
-          <a:p>
-            <a:pPr algn="r"/>
-            <a:r>
-              <a:rPr lang="de-DE" sz="2000" dirty="0" smtClean="0">
-                <a:latin typeface="Arial"/>
-                <a:cs typeface="Arial"/>
-              </a:rPr>
-              <a:t>JAXB</a:t>
-            </a:r>
-            <a:endParaRPr lang="de-DE" sz="2000" dirty="0">
-              <a:latin typeface="Arial"/>
-              <a:cs typeface="Arial"/>
-            </a:endParaRPr>
-          </a:p>
-        </p:txBody>
-      </p:sp>
-      <p:sp>
-        <p:nvSpPr>
-          <p:cNvPr id="9" name="Rechteck 8"/>
-          <p:cNvSpPr/>
-          <p:nvPr/>
-        </p:nvSpPr>
-        <p:spPr>
-          <a:xfrm>
-            <a:off x="5114331" y="1725353"/>
-            <a:ext cx="2982691" cy="1700983"/>
-          </a:xfrm>
-          <a:prstGeom prst="rect">
-            <a:avLst/>
-          </a:prstGeom>
-          <a:solidFill>
-            <a:schemeClr val="accent1">
-              <a:alpha val="55000"/>
-            </a:schemeClr>
-          </a:solidFill>
-        </p:spPr>
-        <p:style>
-          <a:lnRef idx="2">
-            <a:schemeClr val="accent1">
-              <a:shade val="50000"/>
-            </a:schemeClr>
-          </a:lnRef>
-          <a:fillRef idx="1">
-            <a:schemeClr val="accent1"/>
-          </a:fillRef>
-          <a:effectRef idx="0">
-            <a:schemeClr val="accent1"/>
-          </a:effectRef>
-          <a:fontRef idx="minor">
-            <a:schemeClr val="lt1"/>
-          </a:fontRef>
-        </p:style>
-        <p:txBody>
-          <a:bodyPr rtlCol="0" anchor="ctr"/>
-          <a:lstStyle/>
-          <a:p>
-            <a:pPr algn="ctr"/>
-            <a:endParaRPr lang="de-DE" b="1" dirty="0">
-              <a:solidFill>
-                <a:srgbClr val="008000"/>
-              </a:solidFill>
-            </a:endParaRPr>
-          </a:p>
-        </p:txBody>
-      </p:sp>
-      <p:sp>
-        <p:nvSpPr>
-          <p:cNvPr id="10" name="Textfeld 9"/>
-          <p:cNvSpPr txBox="1"/>
-          <p:nvPr/>
-        </p:nvSpPr>
-        <p:spPr>
-          <a:xfrm>
-            <a:off x="5583146" y="1813970"/>
-            <a:ext cx="2505353" cy="707886"/>
-          </a:xfrm>
-          <a:prstGeom prst="rect">
-            <a:avLst/>
-          </a:prstGeom>
-          <a:noFill/>
-        </p:spPr>
-        <p:txBody>
-          <a:bodyPr wrap="square" rtlCol="0">
-            <a:spAutoFit/>
-          </a:bodyPr>
-          <a:lstStyle/>
-          <a:p>
-            <a:pPr algn="r"/>
-            <a:r>
-              <a:rPr lang="de-DE" sz="2000" dirty="0" smtClean="0">
-                <a:latin typeface="Arial"/>
-                <a:cs typeface="Arial"/>
-              </a:rPr>
-              <a:t>Not </a:t>
-            </a:r>
-            <a:r>
-              <a:rPr lang="de-DE" sz="2000" dirty="0" err="1" smtClean="0">
-                <a:latin typeface="Arial"/>
-                <a:cs typeface="Arial"/>
-              </a:rPr>
-              <a:t>held</a:t>
-            </a:r>
-            <a:r>
-              <a:rPr lang="de-DE" sz="2000" dirty="0">
-                <a:latin typeface="Arial"/>
-                <a:cs typeface="Arial"/>
-              </a:rPr>
-              <a:t> </a:t>
-            </a:r>
-            <a:r>
-              <a:rPr lang="de-DE" sz="2000" dirty="0" smtClean="0">
-                <a:latin typeface="Arial"/>
-                <a:cs typeface="Arial"/>
-              </a:rPr>
-              <a:t>persistent</a:t>
-            </a:r>
-          </a:p>
-          <a:p>
-            <a:pPr algn="r"/>
-            <a:r>
-              <a:rPr lang="de-DE" sz="2000" dirty="0" smtClean="0">
-                <a:latin typeface="Arial"/>
-                <a:cs typeface="Arial"/>
-              </a:rPr>
-              <a:t>(</a:t>
-            </a:r>
-            <a:r>
-              <a:rPr lang="de-DE" sz="2000" dirty="0" err="1" smtClean="0">
-                <a:latin typeface="Arial"/>
-                <a:cs typeface="Arial"/>
-              </a:rPr>
-              <a:t>only</a:t>
-            </a:r>
-            <a:r>
-              <a:rPr lang="de-DE" sz="2000" dirty="0" smtClean="0">
-                <a:latin typeface="Arial"/>
-                <a:cs typeface="Arial"/>
-              </a:rPr>
-              <a:t> in </a:t>
-            </a:r>
-            <a:r>
-              <a:rPr lang="de-DE" sz="2000" dirty="0" err="1" smtClean="0">
-                <a:latin typeface="Arial"/>
-                <a:cs typeface="Arial"/>
-              </a:rPr>
-              <a:t>game</a:t>
-            </a:r>
-            <a:r>
-              <a:rPr lang="de-DE" sz="2000" dirty="0" smtClean="0">
-                <a:latin typeface="Arial"/>
-                <a:cs typeface="Arial"/>
-              </a:rPr>
-              <a:t> </a:t>
-            </a:r>
-            <a:r>
-              <a:rPr lang="de-DE" sz="2000" dirty="0" err="1" smtClean="0">
-                <a:latin typeface="Arial"/>
-                <a:cs typeface="Arial"/>
-              </a:rPr>
-              <a:t>logic</a:t>
-            </a:r>
-            <a:r>
-              <a:rPr lang="de-DE" sz="2000" dirty="0" smtClean="0">
-                <a:latin typeface="Arial"/>
-                <a:cs typeface="Arial"/>
-              </a:rPr>
-              <a:t>)</a:t>
-            </a:r>
-            <a:endParaRPr lang="de-DE" sz="2000" dirty="0">
-              <a:latin typeface="Arial"/>
-              <a:cs typeface="Arial"/>
-            </a:endParaRPr>
-          </a:p>
-        </p:txBody>
-      </p:sp>
-    </p:spTree>
-    <p:extLst>
-      <p:ext uri="{BB962C8B-B14F-4D97-AF65-F5344CB8AC3E}">
-        <p14:creationId xmlns:p14="http://schemas.microsoft.com/office/powerpoint/2010/main" val="2929341426"/>
-      </p:ext>
-    </p:extLst>
-  </p:cSld>
-  <p:clrMapOvr>
-    <a:masterClrMapping/>
-  </p:clrMapOvr>
-  <p:timing>
-    <p:tnLst>
-      <p:par>
-        <p:cTn xmlns:p14="http://schemas.microsoft.com/office/powerpoint/2010/main" id="1" dur="indefinite" restart="never" nodeType="tmRoot"/>
-      </p:par>
-    </p:tnLst>
-  </p:timing>
-</p:sld>
-</file>
-
-<file path=ppt/slides/slide25.xml><?xml version="1.0" encoding="utf-8"?>
-<p:sld xmlns:a="http://schemas.openxmlformats.org/drawingml/2006/main" xmlns:r="http://schemas.openxmlformats.org/officeDocument/2006/relationships" xmlns:p="http://schemas.openxmlformats.org/presentationml/2006/main">
-  <p:cSld>
-    <p:spTree>
-      <p:nvGrpSpPr>
-        <p:cNvPr id="1" name=""/>
-        <p:cNvGrpSpPr/>
-        <p:nvPr/>
-      </p:nvGrpSpPr>
-      <p:grpSpPr>
-        <a:xfrm>
-          <a:off x="0" y="0"/>
-          <a:ext cx="0" cy="0"/>
-          <a:chOff x="0" y="0"/>
-          <a:chExt cx="0" cy="0"/>
-        </a:xfrm>
-      </p:grpSpPr>
-      <p:sp>
-        <p:nvSpPr>
-          <p:cNvPr id="2" name="Titel 1"/>
-          <p:cNvSpPr>
-            <a:spLocks noGrp="1"/>
-          </p:cNvSpPr>
-          <p:nvPr>
-            <p:ph type="title"/>
-          </p:nvPr>
-        </p:nvSpPr>
-        <p:spPr/>
-        <p:txBody>
-          <a:bodyPr/>
-          <a:lstStyle/>
-          <a:p>
-            <a:r>
-              <a:rPr lang="de-DE" dirty="0" smtClean="0"/>
-              <a:t>Transaction </a:t>
-            </a:r>
-            <a:r>
-              <a:rPr lang="de-DE" dirty="0" err="1" smtClean="0"/>
-              <a:t>data</a:t>
-            </a:r>
-            <a:endParaRPr lang="de-DE" dirty="0"/>
-          </a:p>
-        </p:txBody>
-      </p:sp>
-      <p:pic>
-        <p:nvPicPr>
-          <p:cNvPr id="3" name="Bild 2" descr="Screen Shot 2013-01-15 at 5.53.38 PM.png"/>
-          <p:cNvPicPr>
-            <a:picLocks noChangeAspect="1"/>
-          </p:cNvPicPr>
-          <p:nvPr/>
-        </p:nvPicPr>
-        <p:blipFill>
-          <a:blip r:embed="rId2">
-            <a:extLst>
-              <a:ext uri="{28A0092B-C50C-407E-A947-70E740481C1C}">
-                <a14:useLocalDpi xmlns:a14="http://schemas.microsoft.com/office/drawing/2010/main" val="0"/>
-              </a:ext>
-            </a:extLst>
-          </a:blip>
-          <a:stretch>
-            <a:fillRect/>
-          </a:stretch>
-        </p:blipFill>
-        <p:spPr>
-          <a:xfrm>
-            <a:off x="1765904" y="1692376"/>
-            <a:ext cx="3749051" cy="3495737"/>
-          </a:xfrm>
-          <a:prstGeom prst="rect">
-            <a:avLst/>
-          </a:prstGeom>
-        </p:spPr>
-      </p:pic>
-      <p:sp>
-        <p:nvSpPr>
-          <p:cNvPr id="5" name="Inhaltsplatzhalter 3"/>
-          <p:cNvSpPr>
-            <a:spLocks noGrp="1"/>
-          </p:cNvSpPr>
-          <p:nvPr>
-            <p:ph idx="1"/>
-          </p:nvPr>
-        </p:nvSpPr>
-        <p:spPr>
-          <a:xfrm>
-            <a:off x="5668385" y="1861725"/>
-            <a:ext cx="3115614" cy="4114512"/>
-          </a:xfrm>
-        </p:spPr>
-        <p:txBody>
-          <a:bodyPr/>
-          <a:lstStyle/>
-          <a:p>
-            <a:pPr lvl="2"/>
-            <a:r>
-              <a:rPr lang="de-DE" dirty="0" smtClean="0"/>
-              <a:t>Human </a:t>
-            </a:r>
-            <a:r>
-              <a:rPr lang="de-DE" dirty="0" err="1" smtClean="0"/>
-              <a:t>readability</a:t>
-            </a:r>
-            <a:r>
-              <a:rPr lang="de-DE" dirty="0" smtClean="0"/>
-              <a:t> not </a:t>
-            </a:r>
-            <a:r>
-              <a:rPr lang="de-DE" dirty="0" err="1" smtClean="0"/>
-              <a:t>required</a:t>
-            </a:r>
-            <a:endParaRPr lang="de-DE" dirty="0" smtClean="0"/>
-          </a:p>
-          <a:p>
-            <a:pPr lvl="2"/>
-            <a:r>
-              <a:rPr lang="de-DE" dirty="0" smtClean="0"/>
-              <a:t>Simple </a:t>
-            </a:r>
-            <a:r>
-              <a:rPr lang="de-DE" dirty="0" err="1" smtClean="0"/>
-              <a:t>solution</a:t>
-            </a:r>
-            <a:endParaRPr lang="de-DE" dirty="0" smtClean="0"/>
-          </a:p>
-          <a:p>
-            <a:pPr lvl="2"/>
-            <a:r>
-              <a:rPr lang="de-DE" dirty="0" err="1" smtClean="0"/>
-              <a:t>Modelling</a:t>
-            </a:r>
-            <a:r>
-              <a:rPr lang="de-DE" dirty="0" smtClean="0"/>
-              <a:t> </a:t>
-            </a:r>
-            <a:r>
-              <a:rPr lang="de-DE" dirty="0" err="1" smtClean="0"/>
-              <a:t>through</a:t>
-            </a:r>
-            <a:r>
-              <a:rPr lang="de-DE" dirty="0" smtClean="0"/>
-              <a:t> </a:t>
-            </a:r>
-            <a:r>
-              <a:rPr lang="de-DE" dirty="0" err="1" smtClean="0"/>
-              <a:t>interfaces</a:t>
-            </a:r>
-            <a:endParaRPr lang="de-DE" dirty="0" smtClean="0"/>
-          </a:p>
-          <a:p>
-            <a:pPr lvl="2"/>
-            <a:endParaRPr lang="de-DE" dirty="0"/>
-          </a:p>
-          <a:p>
-            <a:endParaRPr lang="de-DE" dirty="0"/>
-          </a:p>
-        </p:txBody>
-      </p:sp>
-    </p:spTree>
-    <p:extLst>
-      <p:ext uri="{BB962C8B-B14F-4D97-AF65-F5344CB8AC3E}">
-        <p14:creationId xmlns:p14="http://schemas.microsoft.com/office/powerpoint/2010/main" val="2916079400"/>
-      </p:ext>
-    </p:extLst>
-  </p:cSld>
-  <p:clrMapOvr>
-    <a:masterClrMapping/>
-  </p:clrMapOvr>
-</p:sld>
-</file>
-
-<file path=ppt/slides/slide26.xml><?xml version="1.0" encoding="utf-8"?>
-<p:sld xmlns:a="http://schemas.openxmlformats.org/drawingml/2006/main" xmlns:r="http://schemas.openxmlformats.org/officeDocument/2006/relationships" xmlns:p="http://schemas.openxmlformats.org/presentationml/2006/main">
-  <p:cSld>
-    <p:spTree>
-      <p:nvGrpSpPr>
-        <p:cNvPr id="1" name=""/>
-        <p:cNvGrpSpPr/>
-        <p:nvPr/>
-      </p:nvGrpSpPr>
-      <p:grpSpPr>
-        <a:xfrm>
-          <a:off x="0" y="0"/>
-          <a:ext cx="0" cy="0"/>
-          <a:chOff x="0" y="0"/>
-          <a:chExt cx="0" cy="0"/>
-        </a:xfrm>
-      </p:grpSpPr>
-      <p:sp>
-        <p:nvSpPr>
-          <p:cNvPr id="2" name="Titel 1"/>
-          <p:cNvSpPr>
-            <a:spLocks noGrp="1"/>
-          </p:cNvSpPr>
-          <p:nvPr>
-            <p:ph type="title"/>
-          </p:nvPr>
-        </p:nvSpPr>
-        <p:spPr/>
-        <p:txBody>
-          <a:bodyPr/>
-          <a:lstStyle/>
-          <a:p>
-            <a:r>
-              <a:rPr lang="de-DE" dirty="0" smtClean="0"/>
-              <a:t>Model </a:t>
-            </a:r>
-            <a:r>
-              <a:rPr lang="de-DE" dirty="0" err="1" smtClean="0"/>
-              <a:t>vs</a:t>
-            </a:r>
-            <a:r>
-              <a:rPr lang="de-DE" dirty="0" smtClean="0"/>
-              <a:t> </a:t>
-            </a:r>
-            <a:r>
-              <a:rPr lang="de-DE" dirty="0" err="1" smtClean="0"/>
-              <a:t>persistence</a:t>
-            </a:r>
-            <a:r>
-              <a:rPr lang="de-DE" dirty="0" smtClean="0"/>
-              <a:t> </a:t>
-            </a:r>
-            <a:r>
-              <a:rPr lang="de-DE" dirty="0" err="1" smtClean="0"/>
-              <a:t>data</a:t>
-            </a:r>
-            <a:r>
-              <a:rPr lang="de-DE" dirty="0" smtClean="0"/>
-              <a:t> </a:t>
-            </a:r>
-            <a:r>
-              <a:rPr lang="de-DE" dirty="0" err="1" smtClean="0"/>
-              <a:t>objects</a:t>
-            </a:r>
-            <a:r>
-              <a:rPr lang="de-DE" dirty="0" smtClean="0"/>
-              <a:t> (PDO)</a:t>
-            </a:r>
-            <a:endParaRPr lang="de-DE" dirty="0"/>
-          </a:p>
-        </p:txBody>
-      </p:sp>
-      <p:pic>
-        <p:nvPicPr>
-          <p:cNvPr id="6" name="Bild 5" descr="Screen Shot 2013-01-15 at 6.12.10 PM.png"/>
-          <p:cNvPicPr>
-            <a:picLocks noChangeAspect="1"/>
-          </p:cNvPicPr>
-          <p:nvPr/>
-        </p:nvPicPr>
-        <p:blipFill>
-          <a:blip r:embed="rId2">
-            <a:extLst>
-              <a:ext uri="{28A0092B-C50C-407E-A947-70E740481C1C}">
-                <a14:useLocalDpi xmlns:a14="http://schemas.microsoft.com/office/drawing/2010/main" val="0"/>
-              </a:ext>
-            </a:extLst>
-          </a:blip>
-          <a:stretch>
-            <a:fillRect/>
-          </a:stretch>
-        </p:blipFill>
-        <p:spPr>
-          <a:xfrm>
-            <a:off x="1748856" y="1777881"/>
-            <a:ext cx="6984000" cy="3144312"/>
-          </a:xfrm>
-          <a:prstGeom prst="rect">
-            <a:avLst/>
-          </a:prstGeom>
-        </p:spPr>
-      </p:pic>
-      <p:sp>
-        <p:nvSpPr>
-          <p:cNvPr id="7" name="Inhaltsplatzhalter 3"/>
-          <p:cNvSpPr>
-            <a:spLocks noGrp="1"/>
-          </p:cNvSpPr>
-          <p:nvPr>
-            <p:ph idx="1"/>
-          </p:nvPr>
-        </p:nvSpPr>
-        <p:spPr>
-          <a:xfrm>
-            <a:off x="1800000" y="5062795"/>
-            <a:ext cx="6860269" cy="913441"/>
-          </a:xfrm>
-        </p:spPr>
-        <p:txBody>
-          <a:bodyPr>
-            <a:normAutofit/>
-          </a:bodyPr>
-          <a:lstStyle/>
-          <a:p>
-            <a:pPr marL="0" lvl="2" indent="0">
-              <a:buNone/>
-            </a:pPr>
-            <a:r>
-              <a:rPr lang="de-DE" dirty="0" smtClean="0"/>
-              <a:t>A </a:t>
-            </a:r>
-            <a:r>
-              <a:rPr lang="de-DE" dirty="0" err="1" smtClean="0"/>
-              <a:t>data</a:t>
-            </a:r>
-            <a:r>
-              <a:rPr lang="de-DE" dirty="0" smtClean="0"/>
-              <a:t> </a:t>
-            </a:r>
-            <a:r>
-              <a:rPr lang="de-DE" dirty="0" err="1" smtClean="0"/>
-              <a:t>access</a:t>
-            </a:r>
-            <a:r>
-              <a:rPr lang="de-DE" dirty="0" smtClean="0"/>
-              <a:t> </a:t>
-            </a:r>
-            <a:r>
-              <a:rPr lang="de-DE" dirty="0" err="1" smtClean="0"/>
-              <a:t>object</a:t>
-            </a:r>
-            <a:r>
-              <a:rPr lang="de-DE" dirty="0" smtClean="0"/>
-              <a:t> (DAO) </a:t>
-            </a:r>
-            <a:r>
-              <a:rPr lang="de-DE" dirty="0" err="1" smtClean="0"/>
-              <a:t>persists</a:t>
-            </a:r>
-            <a:r>
-              <a:rPr lang="de-DE" dirty="0" smtClean="0"/>
-              <a:t> a </a:t>
-            </a:r>
-            <a:r>
-              <a:rPr lang="de-DE" dirty="0" err="1" smtClean="0"/>
-              <a:t>single</a:t>
-            </a:r>
-            <a:r>
-              <a:rPr lang="de-DE" dirty="0" smtClean="0"/>
-              <a:t> </a:t>
-            </a:r>
-            <a:r>
-              <a:rPr lang="de-DE" dirty="0" err="1" smtClean="0"/>
-              <a:t>instance</a:t>
-            </a:r>
-            <a:r>
-              <a:rPr lang="de-DE" dirty="0" smtClean="0"/>
-              <a:t> </a:t>
-            </a:r>
-            <a:r>
-              <a:rPr lang="de-DE" dirty="0" err="1" smtClean="0"/>
-              <a:t>of</a:t>
-            </a:r>
-            <a:r>
-              <a:rPr lang="de-DE" dirty="0" smtClean="0"/>
-              <a:t> </a:t>
-            </a:r>
-            <a:r>
-              <a:rPr lang="de-DE" dirty="0" err="1" smtClean="0">
-                <a:latin typeface="Consolas"/>
-                <a:cs typeface="Consolas"/>
-              </a:rPr>
-              <a:t>SimulationStore</a:t>
-            </a:r>
-            <a:r>
-              <a:rPr lang="de-DE" dirty="0" err="1" smtClean="0">
-                <a:latin typeface="Consolas"/>
-                <a:cs typeface="Consolas"/>
-              </a:rPr>
-              <a:t>Pdo</a:t>
-            </a:r>
-            <a:endParaRPr lang="de-DE" dirty="0">
-              <a:latin typeface="Consolas"/>
-              <a:cs typeface="Consolas"/>
-            </a:endParaRPr>
-          </a:p>
-          <a:p>
-            <a:pPr algn="r"/>
-            <a:endParaRPr lang="de-DE" dirty="0"/>
-          </a:p>
-        </p:txBody>
-      </p:sp>
-    </p:spTree>
-    <p:extLst>
-      <p:ext uri="{BB962C8B-B14F-4D97-AF65-F5344CB8AC3E}">
-        <p14:creationId xmlns:p14="http://schemas.microsoft.com/office/powerpoint/2010/main" val="764403910"/>
-      </p:ext>
-    </p:extLst>
-  </p:cSld>
-  <p:clrMapOvr>
-    <a:masterClrMapping/>
-  </p:clrMapOvr>
-</p:sld>
-</file>
-
-<file path=ppt/slides/slide27.xml><?xml version="1.0" encoding="utf-8"?>
-<p:sld xmlns:a="http://schemas.openxmlformats.org/drawingml/2006/main" xmlns:r="http://schemas.openxmlformats.org/officeDocument/2006/relationships" xmlns:p="http://schemas.openxmlformats.org/presentationml/2006/main">
-  <p:cSld>
-    <p:spTree>
-      <p:nvGrpSpPr>
-        <p:cNvPr id="1" name=""/>
-        <p:cNvGrpSpPr/>
-        <p:nvPr/>
-      </p:nvGrpSpPr>
-      <p:grpSpPr>
-        <a:xfrm>
-          <a:off x="0" y="0"/>
-          <a:ext cx="0" cy="0"/>
-          <a:chOff x="0" y="0"/>
-          <a:chExt cx="0" cy="0"/>
-        </a:xfrm>
-      </p:grpSpPr>
-      <p:sp>
-        <p:nvSpPr>
-          <p:cNvPr id="2" name="Titel 1"/>
-          <p:cNvSpPr>
-            <a:spLocks noGrp="1"/>
-          </p:cNvSpPr>
-          <p:nvPr>
-            <p:ph type="title"/>
-          </p:nvPr>
-        </p:nvSpPr>
-        <p:spPr/>
-        <p:txBody>
-          <a:bodyPr/>
-          <a:lstStyle/>
-          <a:p>
-            <a:r>
-              <a:rPr lang="de-DE" dirty="0" smtClean="0"/>
-              <a:t>Master </a:t>
-            </a:r>
-            <a:r>
-              <a:rPr lang="de-DE" dirty="0" err="1" smtClean="0"/>
-              <a:t>data</a:t>
-            </a:r>
-            <a:endParaRPr lang="de-DE" dirty="0"/>
-          </a:p>
-        </p:txBody>
-      </p:sp>
-      <p:pic>
-        <p:nvPicPr>
-          <p:cNvPr id="6" name="Bild 5" descr="Screen Shot 2013-01-15 at 6.37.14 PM.png"/>
-          <p:cNvPicPr>
-            <a:picLocks noChangeAspect="1"/>
-          </p:cNvPicPr>
-          <p:nvPr/>
-        </p:nvPicPr>
-        <p:blipFill>
-          <a:blip r:embed="rId2">
-            <a:extLst>
-              <a:ext uri="{28A0092B-C50C-407E-A947-70E740481C1C}">
-                <a14:useLocalDpi xmlns:a14="http://schemas.microsoft.com/office/drawing/2010/main" val="0"/>
-              </a:ext>
-            </a:extLst>
-          </a:blip>
-          <a:stretch>
-            <a:fillRect/>
-          </a:stretch>
-        </p:blipFill>
-        <p:spPr>
-          <a:xfrm>
-            <a:off x="1775888" y="1861724"/>
-            <a:ext cx="3952164" cy="4181275"/>
-          </a:xfrm>
-          <a:prstGeom prst="rect">
-            <a:avLst/>
-          </a:prstGeom>
-        </p:spPr>
-      </p:pic>
-      <p:sp>
-        <p:nvSpPr>
-          <p:cNvPr id="7" name="Inhaltsplatzhalter 6"/>
-          <p:cNvSpPr>
-            <a:spLocks noGrp="1"/>
-          </p:cNvSpPr>
-          <p:nvPr>
-            <p:ph idx="1"/>
-          </p:nvPr>
-        </p:nvSpPr>
-        <p:spPr>
-          <a:xfrm>
-            <a:off x="5830339" y="2037051"/>
-            <a:ext cx="2953660" cy="3939186"/>
-          </a:xfrm>
-        </p:spPr>
-        <p:txBody>
-          <a:bodyPr/>
-          <a:lstStyle/>
-          <a:p>
-            <a:pPr lvl="2"/>
-            <a:r>
-              <a:rPr lang="de-DE" dirty="0"/>
-              <a:t>Human </a:t>
-            </a:r>
-            <a:r>
-              <a:rPr lang="de-DE" dirty="0" err="1"/>
-              <a:t>readability</a:t>
-            </a:r>
-            <a:r>
-              <a:rPr lang="de-DE" dirty="0"/>
-              <a:t> </a:t>
-            </a:r>
-            <a:r>
-              <a:rPr lang="de-DE" dirty="0" err="1" smtClean="0"/>
-              <a:t>mandatory</a:t>
-            </a:r>
-            <a:endParaRPr lang="de-DE" dirty="0"/>
-          </a:p>
-          <a:p>
-            <a:pPr lvl="2"/>
-            <a:r>
-              <a:rPr lang="de-DE" dirty="0" smtClean="0"/>
-              <a:t>Syntax </a:t>
-            </a:r>
-            <a:r>
-              <a:rPr lang="de-DE" dirty="0" err="1" smtClean="0"/>
-              <a:t>checking</a:t>
-            </a:r>
-            <a:r>
-              <a:rPr lang="de-DE" dirty="0" smtClean="0"/>
-              <a:t> </a:t>
-            </a:r>
-            <a:r>
-              <a:rPr lang="de-DE" dirty="0" err="1" smtClean="0"/>
-              <a:t>possible</a:t>
-            </a:r>
-            <a:r>
-              <a:rPr lang="de-DE" dirty="0" smtClean="0"/>
-              <a:t> </a:t>
-            </a:r>
-            <a:r>
-              <a:rPr lang="de-DE" dirty="0" err="1" smtClean="0"/>
-              <a:t>using</a:t>
-            </a:r>
-            <a:r>
-              <a:rPr lang="de-DE" dirty="0"/>
-              <a:t/>
-            </a:r>
-            <a:br>
-              <a:rPr lang="de-DE" dirty="0"/>
-            </a:br>
-            <a:r>
-              <a:rPr lang="de-DE" dirty="0" smtClean="0"/>
-              <a:t>XSD-Schema</a:t>
-            </a:r>
-            <a:endParaRPr lang="de-DE" dirty="0"/>
-          </a:p>
-        </p:txBody>
-      </p:sp>
-    </p:spTree>
-    <p:extLst>
-      <p:ext uri="{BB962C8B-B14F-4D97-AF65-F5344CB8AC3E}">
-        <p14:creationId xmlns:p14="http://schemas.microsoft.com/office/powerpoint/2010/main" val="2253214857"/>
-      </p:ext>
-    </p:extLst>
-  </p:cSld>
-  <p:clrMapOvr>
-    <a:masterClrMapping/>
-  </p:clrMapOvr>
-</p:sld>
-</file>
-
-<file path=ppt/slides/slide28.xml><?xml version="1.0" encoding="utf-8"?>
-<p:sld xmlns:a="http://schemas.openxmlformats.org/drawingml/2006/main" xmlns:r="http://schemas.openxmlformats.org/officeDocument/2006/relationships" xmlns:p="http://schemas.openxmlformats.org/presentationml/2006/main">
-  <p:cSld>
-    <p:spTree>
-      <p:nvGrpSpPr>
-        <p:cNvPr id="1" name=""/>
-        <p:cNvGrpSpPr/>
-        <p:nvPr/>
-      </p:nvGrpSpPr>
-      <p:grpSpPr>
-        <a:xfrm>
-          <a:off x="0" y="0"/>
-          <a:ext cx="0" cy="0"/>
-          <a:chOff x="0" y="0"/>
-          <a:chExt cx="0" cy="0"/>
-        </a:xfrm>
-      </p:grpSpPr>
-      <p:sp>
-        <p:nvSpPr>
-          <p:cNvPr id="2" name="Titel 1"/>
-          <p:cNvSpPr>
-            <a:spLocks noGrp="1"/>
-          </p:cNvSpPr>
-          <p:nvPr>
-            <p:ph type="title"/>
-          </p:nvPr>
-        </p:nvSpPr>
-        <p:spPr/>
-        <p:txBody>
-          <a:bodyPr/>
-          <a:lstStyle/>
-          <a:p>
-            <a:r>
-              <a:rPr lang="de-DE" dirty="0" smtClean="0"/>
-              <a:t>XML-</a:t>
-            </a:r>
-            <a:r>
-              <a:rPr lang="de-DE" dirty="0" err="1" smtClean="0"/>
-              <a:t>persistence</a:t>
-            </a:r>
-            <a:r>
-              <a:rPr lang="de-DE" dirty="0" smtClean="0"/>
-              <a:t> </a:t>
-            </a:r>
-            <a:r>
-              <a:rPr lang="de-DE" dirty="0" err="1" smtClean="0"/>
-              <a:t>data</a:t>
-            </a:r>
-            <a:r>
-              <a:rPr lang="de-DE" dirty="0" smtClean="0"/>
-              <a:t> </a:t>
-            </a:r>
-            <a:r>
-              <a:rPr lang="de-DE" dirty="0" err="1" smtClean="0"/>
-              <a:t>objects</a:t>
-            </a:r>
-            <a:endParaRPr lang="de-DE" dirty="0"/>
-          </a:p>
-        </p:txBody>
-      </p:sp>
-      <p:sp>
-        <p:nvSpPr>
-          <p:cNvPr id="7" name="Inhaltsplatzhalter 6"/>
-          <p:cNvSpPr>
-            <a:spLocks noGrp="1"/>
-          </p:cNvSpPr>
-          <p:nvPr>
-            <p:ph idx="1"/>
-          </p:nvPr>
-        </p:nvSpPr>
-        <p:spPr>
-          <a:xfrm>
-            <a:off x="5047837" y="2037051"/>
-            <a:ext cx="3736162" cy="3939186"/>
-          </a:xfrm>
-        </p:spPr>
-        <p:txBody>
-          <a:bodyPr/>
-          <a:lstStyle/>
-          <a:p>
-            <a:pPr lvl="2"/>
-            <a:r>
-              <a:rPr lang="de-DE" dirty="0" smtClean="0"/>
-              <a:t>Java </a:t>
-            </a:r>
-            <a:r>
-              <a:rPr lang="de-DE" dirty="0" err="1" smtClean="0"/>
-              <a:t>classes</a:t>
-            </a:r>
-            <a:r>
-              <a:rPr lang="de-DE" dirty="0" smtClean="0"/>
-              <a:t> </a:t>
-            </a:r>
-            <a:r>
-              <a:rPr lang="de-DE" dirty="0" err="1" smtClean="0"/>
-              <a:t>are</a:t>
-            </a:r>
-            <a:r>
-              <a:rPr lang="de-DE" dirty="0" smtClean="0"/>
-              <a:t> </a:t>
-            </a:r>
-            <a:r>
-              <a:rPr lang="de-DE" dirty="0" err="1" smtClean="0"/>
-              <a:t>mapped</a:t>
-            </a:r>
-            <a:r>
-              <a:rPr lang="de-DE" dirty="0" smtClean="0"/>
-              <a:t> </a:t>
-            </a:r>
-            <a:r>
-              <a:rPr lang="de-DE" dirty="0" err="1" smtClean="0"/>
-              <a:t>to</a:t>
-            </a:r>
-            <a:r>
-              <a:rPr lang="de-DE" dirty="0" smtClean="0"/>
-              <a:t> XML </a:t>
-            </a:r>
-            <a:r>
-              <a:rPr lang="de-DE" dirty="0" err="1" smtClean="0"/>
-              <a:t>using</a:t>
-            </a:r>
-            <a:r>
-              <a:rPr lang="de-DE" dirty="0" smtClean="0"/>
-              <a:t> JAXB </a:t>
-            </a:r>
-            <a:r>
-              <a:rPr lang="de-DE" dirty="0" err="1" smtClean="0"/>
-              <a:t>annotations</a:t>
-            </a:r>
-            <a:endParaRPr lang="de-DE" dirty="0"/>
-          </a:p>
-          <a:p>
-            <a:pPr lvl="2"/>
-            <a:r>
-              <a:rPr lang="de-DE" dirty="0" err="1" smtClean="0"/>
-              <a:t>Again</a:t>
-            </a:r>
-            <a:r>
-              <a:rPr lang="de-DE" dirty="0" smtClean="0"/>
-              <a:t>, PDO-</a:t>
-            </a:r>
-            <a:r>
-              <a:rPr lang="de-DE" dirty="0" err="1" smtClean="0"/>
-              <a:t>classes</a:t>
-            </a:r>
-            <a:r>
-              <a:rPr lang="de-DE" dirty="0" smtClean="0"/>
-              <a:t> </a:t>
-            </a:r>
-            <a:r>
-              <a:rPr lang="de-DE" dirty="0" err="1" smtClean="0"/>
-              <a:t>implement</a:t>
-            </a:r>
-            <a:r>
-              <a:rPr lang="de-DE" dirty="0" smtClean="0"/>
-              <a:t> </a:t>
-            </a:r>
-            <a:r>
-              <a:rPr lang="de-DE" dirty="0" err="1" smtClean="0"/>
-              <a:t>interfaces</a:t>
-            </a:r>
-            <a:r>
-              <a:rPr lang="de-DE" dirty="0" smtClean="0"/>
-              <a:t> </a:t>
-            </a:r>
-            <a:r>
-              <a:rPr lang="de-DE" dirty="0" err="1" smtClean="0"/>
-              <a:t>from</a:t>
-            </a:r>
-            <a:r>
-              <a:rPr lang="de-DE" dirty="0" smtClean="0"/>
-              <a:t> </a:t>
-            </a:r>
-            <a:r>
-              <a:rPr lang="de-DE" dirty="0" err="1" smtClean="0"/>
-              <a:t>core-package</a:t>
-            </a:r>
-            <a:endParaRPr lang="de-DE" dirty="0" smtClean="0"/>
-          </a:p>
-          <a:p>
-            <a:pPr lvl="2"/>
-            <a:r>
-              <a:rPr lang="de-DE" dirty="0" err="1" smtClean="0"/>
-              <a:t>Unmarshalling</a:t>
-            </a:r>
-            <a:r>
-              <a:rPr lang="de-DE" dirty="0" smtClean="0"/>
-              <a:t> </a:t>
-            </a:r>
-            <a:r>
-              <a:rPr lang="de-DE" dirty="0" err="1" smtClean="0"/>
-              <a:t>of</a:t>
-            </a:r>
-            <a:r>
-              <a:rPr lang="de-DE" dirty="0" smtClean="0"/>
-              <a:t> </a:t>
-            </a:r>
-            <a:r>
-              <a:rPr lang="de-DE" dirty="0" err="1" smtClean="0"/>
-              <a:t>playfields.xml</a:t>
-            </a:r>
-            <a:r>
-              <a:rPr lang="de-DE" dirty="0" smtClean="0"/>
-              <a:t> </a:t>
-            </a:r>
-            <a:r>
-              <a:rPr lang="de-DE" dirty="0" err="1" smtClean="0"/>
-              <a:t>file</a:t>
-            </a:r>
-            <a:r>
-              <a:rPr lang="de-DE" dirty="0" smtClean="0"/>
-              <a:t> </a:t>
-            </a:r>
-            <a:r>
-              <a:rPr lang="de-DE" dirty="0" err="1" smtClean="0"/>
-              <a:t>returns</a:t>
-            </a:r>
-            <a:r>
-              <a:rPr lang="de-DE" dirty="0" smtClean="0"/>
-              <a:t> a </a:t>
-            </a:r>
-            <a:r>
-              <a:rPr lang="de-DE" dirty="0" smtClean="0">
-                <a:latin typeface="Consolas"/>
-                <a:cs typeface="Consolas"/>
-              </a:rPr>
-              <a:t>List</a:t>
-            </a:r>
-            <a:r>
-              <a:rPr lang="de-DE" dirty="0" smtClean="0"/>
-              <a:t> </a:t>
-            </a:r>
-            <a:r>
-              <a:rPr lang="de-DE" dirty="0" err="1" smtClean="0"/>
-              <a:t>of</a:t>
-            </a:r>
-            <a:r>
-              <a:rPr lang="de-DE" dirty="0" smtClean="0"/>
-              <a:t> </a:t>
-            </a:r>
-            <a:r>
-              <a:rPr lang="de-DE" dirty="0" err="1" smtClean="0">
-                <a:latin typeface="Consolas"/>
-                <a:cs typeface="Consolas"/>
-              </a:rPr>
-              <a:t>PlayFieldPdo</a:t>
-            </a:r>
-            <a:endParaRPr lang="de-DE" dirty="0"/>
-          </a:p>
-        </p:txBody>
-      </p:sp>
-      <p:pic>
-        <p:nvPicPr>
-          <p:cNvPr id="3" name="Bild 2" descr="Screen Shot 2013-01-15 at 7.01.21 PM.png"/>
-          <p:cNvPicPr>
-            <a:picLocks noChangeAspect="1"/>
-          </p:cNvPicPr>
-          <p:nvPr/>
-        </p:nvPicPr>
-        <p:blipFill>
-          <a:blip r:embed="rId2">
-            <a:extLst>
-              <a:ext uri="{28A0092B-C50C-407E-A947-70E740481C1C}">
-                <a14:useLocalDpi xmlns:a14="http://schemas.microsoft.com/office/drawing/2010/main" val="0"/>
-              </a:ext>
-            </a:extLst>
-          </a:blip>
-          <a:stretch>
-            <a:fillRect/>
-          </a:stretch>
-        </p:blipFill>
-        <p:spPr>
-          <a:xfrm>
-            <a:off x="1775888" y="1861724"/>
-            <a:ext cx="3271949" cy="4181275"/>
-          </a:xfrm>
-          <a:prstGeom prst="rect">
-            <a:avLst/>
-          </a:prstGeom>
-        </p:spPr>
-      </p:pic>
-    </p:spTree>
-    <p:extLst>
-      <p:ext uri="{BB962C8B-B14F-4D97-AF65-F5344CB8AC3E}">
-        <p14:creationId xmlns:p14="http://schemas.microsoft.com/office/powerpoint/2010/main" val="1201976150"/>
-      </p:ext>
-    </p:extLst>
-  </p:cSld>
-  <p:clrMapOvr>
-    <a:masterClrMapping/>
-  </p:clrMapOvr>
-</p:sld>
-</file>
-
-<file path=ppt/slides/slide29.xml><?xml version="1.0" encoding="utf-8"?>
-<p:sld xmlns:a="http://schemas.openxmlformats.org/drawingml/2006/main" xmlns:r="http://schemas.openxmlformats.org/officeDocument/2006/relationships" xmlns:p="http://schemas.openxmlformats.org/presentationml/2006/main">
-  <p:cSld>
-    <p:spTree>
-      <p:nvGrpSpPr>
-        <p:cNvPr id="1" name=""/>
-        <p:cNvGrpSpPr/>
-        <p:nvPr/>
-      </p:nvGrpSpPr>
-      <p:grpSpPr>
-        <a:xfrm>
-          <a:off x="0" y="0"/>
-          <a:ext cx="0" cy="0"/>
-          <a:chOff x="0" y="0"/>
-          <a:chExt cx="0" cy="0"/>
-        </a:xfrm>
-      </p:grpSpPr>
-      <p:sp>
-        <p:nvSpPr>
-          <p:cNvPr id="2" name="Titel 1"/>
-          <p:cNvSpPr>
-            <a:spLocks noGrp="1"/>
-          </p:cNvSpPr>
-          <p:nvPr>
-            <p:ph type="title"/>
-          </p:nvPr>
-        </p:nvSpPr>
-        <p:spPr/>
-        <p:txBody>
-          <a:bodyPr/>
-          <a:lstStyle/>
-          <a:p>
-            <a:r>
-              <a:rPr lang="de-DE" dirty="0" smtClean="0"/>
-              <a:t>Java JAXB </a:t>
-            </a:r>
-            <a:r>
-              <a:rPr lang="de-DE" dirty="0" err="1" smtClean="0"/>
-              <a:t>bindings</a:t>
-            </a:r>
-            <a:endParaRPr lang="de-DE" dirty="0"/>
-          </a:p>
-        </p:txBody>
-      </p:sp>
-      <p:pic>
-        <p:nvPicPr>
-          <p:cNvPr id="4" name="Bild 3" descr="Screen Shot 2013-01-15 at 7.03.30 PM.png"/>
-          <p:cNvPicPr>
-            <a:picLocks noChangeAspect="1"/>
-          </p:cNvPicPr>
-          <p:nvPr/>
-        </p:nvPicPr>
-        <p:blipFill>
-          <a:blip r:embed="rId2">
-            <a:extLst>
-              <a:ext uri="{28A0092B-C50C-407E-A947-70E740481C1C}">
-                <a14:useLocalDpi xmlns:a14="http://schemas.microsoft.com/office/drawing/2010/main" val="0"/>
-              </a:ext>
-            </a:extLst>
-          </a:blip>
-          <a:stretch>
-            <a:fillRect/>
-          </a:stretch>
-        </p:blipFill>
-        <p:spPr>
-          <a:xfrm>
-            <a:off x="1800000" y="1861724"/>
-            <a:ext cx="6698316" cy="4377719"/>
-          </a:xfrm>
-          <a:prstGeom prst="rect">
-            <a:avLst/>
-          </a:prstGeom>
-        </p:spPr>
-      </p:pic>
-    </p:spTree>
-    <p:extLst>
-      <p:ext uri="{BB962C8B-B14F-4D97-AF65-F5344CB8AC3E}">
-        <p14:creationId xmlns:p14="http://schemas.microsoft.com/office/powerpoint/2010/main" val="696515288"/>
-      </p:ext>
-    </p:extLst>
-  </p:cSld>
-  <p:clrMapOvr>
-    <a:masterClrMapping/>
-  </p:clrMapOvr>
-</p:sld>
-</file>
-
 <file path=ppt/slides/slide3.xml><?xml version="1.0" encoding="utf-8"?>
 <p:sld xmlns:a="http://schemas.openxmlformats.org/drawingml/2006/main" xmlns:r="http://schemas.openxmlformats.org/officeDocument/2006/relationships" xmlns:p="http://schemas.openxmlformats.org/presentationml/2006/main">
   <p:cSld>
@@ -7043,56 +6410,678 @@
           <a:p>
             <a:r>
               <a:rPr lang="de-DE" dirty="0" err="1" smtClean="0"/>
-              <a:t>Playfield</a:t>
+              <a:t>Better</a:t>
             </a:r>
             <a:r>
               <a:rPr lang="de-DE" dirty="0" smtClean="0"/>
-              <a:t> in XML</a:t>
+              <a:t> </a:t>
+            </a:r>
+            <a:r>
+              <a:rPr lang="de-DE" dirty="0" err="1" smtClean="0"/>
+              <a:t>solution</a:t>
             </a:r>
             <a:endParaRPr lang="de-DE" dirty="0"/>
           </a:p>
         </p:txBody>
       </p:sp>
-      <p:pic>
-        <p:nvPicPr>
-          <p:cNvPr id="3" name="Bild 2" descr="Screen Shot 2013-01-15 at 7.13.04 PM.png"/>
-          <p:cNvPicPr>
-            <a:picLocks noChangeAspect="1"/>
-          </p:cNvPicPr>
-          <p:nvPr/>
-        </p:nvPicPr>
-        <p:blipFill>
-          <a:blip r:embed="rId2">
-            <a:extLst>
-              <a:ext uri="{28A0092B-C50C-407E-A947-70E740481C1C}">
-                <a14:useLocalDpi xmlns:a14="http://schemas.microsoft.com/office/drawing/2010/main" val="0"/>
-              </a:ext>
-            </a:extLst>
-          </a:blip>
-          <a:stretch>
-            <a:fillRect/>
-          </a:stretch>
-        </p:blipFill>
+      <p:sp>
+        <p:nvSpPr>
+          <p:cNvPr id="3" name="Inhaltsplatzhalter 2"/>
+          <p:cNvSpPr>
+            <a:spLocks noGrp="1"/>
+          </p:cNvSpPr>
+          <p:nvPr>
+            <p:ph idx="1"/>
+          </p:nvPr>
+        </p:nvSpPr>
         <p:spPr>
           <a:xfrm>
             <a:off x="1800000" y="1861724"/>
-            <a:ext cx="6708625" cy="4147150"/>
+            <a:ext cx="6984000" cy="4735251"/>
           </a:xfrm>
-          <a:prstGeom prst="rect">
-            <a:avLst/>
-          </a:prstGeom>
         </p:spPr>
-      </p:pic>
+        <p:txBody>
+          <a:bodyPr>
+            <a:normAutofit/>
+          </a:bodyPr>
+          <a:lstStyle/>
+          <a:p>
+            <a:r>
+              <a:rPr lang="de-DE" dirty="0" err="1" smtClean="0">
+                <a:solidFill>
+                  <a:srgbClr val="604A7B"/>
+                </a:solidFill>
+                <a:latin typeface="Consolas"/>
+                <a:cs typeface="Consolas"/>
+              </a:rPr>
+              <a:t>public</a:t>
+            </a:r>
+            <a:r>
+              <a:rPr lang="de-DE" dirty="0" smtClean="0">
+                <a:solidFill>
+                  <a:srgbClr val="604A7B"/>
+                </a:solidFill>
+                <a:latin typeface="Consolas"/>
+                <a:cs typeface="Consolas"/>
+              </a:rPr>
+              <a:t> </a:t>
+            </a:r>
+            <a:r>
+              <a:rPr lang="de-DE" dirty="0" err="1" smtClean="0">
+                <a:solidFill>
+                  <a:srgbClr val="604A7B"/>
+                </a:solidFill>
+                <a:latin typeface="Consolas"/>
+                <a:cs typeface="Consolas"/>
+              </a:rPr>
+              <a:t>class</a:t>
+            </a:r>
+            <a:r>
+              <a:rPr lang="de-DE" dirty="0" smtClean="0">
+                <a:solidFill>
+                  <a:srgbClr val="604A7B"/>
+                </a:solidFill>
+                <a:latin typeface="Consolas"/>
+                <a:cs typeface="Consolas"/>
+              </a:rPr>
+              <a:t> </a:t>
+            </a:r>
+            <a:r>
+              <a:rPr lang="de-DE" b="0" dirty="0" err="1" smtClean="0">
+                <a:latin typeface="Consolas"/>
+                <a:cs typeface="Consolas"/>
+              </a:rPr>
+              <a:t>AnyWhere</a:t>
+            </a:r>
+            <a:r>
+              <a:rPr lang="de-DE" b="0" dirty="0" smtClean="0">
+                <a:latin typeface="Consolas"/>
+                <a:cs typeface="Consolas"/>
+              </a:rPr>
+              <a:t> {</a:t>
+            </a:r>
+            <a:endParaRPr lang="de-DE" dirty="0" smtClean="0">
+              <a:latin typeface="Consolas"/>
+              <a:cs typeface="Consolas"/>
+            </a:endParaRPr>
+          </a:p>
+          <a:p>
+            <a:r>
+              <a:rPr lang="de-DE" b="0" dirty="0" smtClean="0">
+                <a:latin typeface="Consolas"/>
+                <a:cs typeface="Consolas"/>
+              </a:rPr>
+              <a:t>	</a:t>
+            </a:r>
+          </a:p>
+          <a:p>
+            <a:r>
+              <a:rPr lang="de-DE" b="0" dirty="0" smtClean="0">
+                <a:latin typeface="Consolas"/>
+                <a:cs typeface="Consolas"/>
+              </a:rPr>
+              <a:t>	</a:t>
+            </a:r>
+            <a:r>
+              <a:rPr lang="de-DE" b="0" dirty="0" smtClean="0">
+                <a:solidFill>
+                  <a:schemeClr val="tx2">
+                    <a:lumMod val="40000"/>
+                    <a:lumOff val="60000"/>
+                  </a:schemeClr>
+                </a:solidFill>
+                <a:latin typeface="Consolas"/>
+                <a:cs typeface="Consolas"/>
+              </a:rPr>
+              <a:t>@</a:t>
+            </a:r>
+            <a:r>
+              <a:rPr lang="de-DE" b="0" dirty="0" err="1" smtClean="0">
+                <a:solidFill>
+                  <a:schemeClr val="tx2">
+                    <a:lumMod val="40000"/>
+                    <a:lumOff val="60000"/>
+                  </a:schemeClr>
+                </a:solidFill>
+                <a:latin typeface="Consolas"/>
+                <a:cs typeface="Consolas"/>
+              </a:rPr>
+              <a:t>Inject</a:t>
+            </a:r>
+            <a:endParaRPr lang="de-DE" b="0" dirty="0" smtClean="0">
+              <a:solidFill>
+                <a:schemeClr val="tx2">
+                  <a:lumMod val="40000"/>
+                  <a:lumOff val="60000"/>
+                </a:schemeClr>
+              </a:solidFill>
+              <a:latin typeface="Consolas"/>
+              <a:cs typeface="Consolas"/>
+            </a:endParaRPr>
+          </a:p>
+          <a:p>
+            <a:r>
+              <a:rPr lang="de-DE" b="0" dirty="0">
+                <a:latin typeface="Consolas"/>
+                <a:cs typeface="Consolas"/>
+              </a:rPr>
+              <a:t>	</a:t>
+            </a:r>
+            <a:r>
+              <a:rPr lang="de-DE" b="0" dirty="0" err="1" smtClean="0">
+                <a:latin typeface="Consolas"/>
+                <a:cs typeface="Consolas"/>
+              </a:rPr>
+              <a:t>PicoContainer</a:t>
+            </a:r>
+            <a:r>
+              <a:rPr lang="de-DE" b="0" dirty="0" smtClean="0">
+                <a:latin typeface="Consolas"/>
+                <a:cs typeface="Consolas"/>
+              </a:rPr>
+              <a:t> </a:t>
+            </a:r>
+            <a:r>
+              <a:rPr lang="de-DE" b="0" dirty="0" err="1" smtClean="0">
+                <a:solidFill>
+                  <a:schemeClr val="accent1">
+                    <a:lumMod val="75000"/>
+                  </a:schemeClr>
+                </a:solidFill>
+                <a:latin typeface="Consolas"/>
+                <a:cs typeface="Consolas"/>
+              </a:rPr>
+              <a:t>context</a:t>
+            </a:r>
+            <a:r>
+              <a:rPr lang="de-DE" b="0" dirty="0" smtClean="0">
+                <a:latin typeface="Consolas"/>
+                <a:cs typeface="Consolas"/>
+              </a:rPr>
+              <a:t>;</a:t>
+            </a:r>
+            <a:endParaRPr lang="de-DE" b="0" dirty="0">
+              <a:latin typeface="Consolas"/>
+              <a:cs typeface="Consolas"/>
+            </a:endParaRPr>
+          </a:p>
+          <a:p>
+            <a:endParaRPr lang="de-DE" b="0" dirty="0">
+              <a:latin typeface="Consolas"/>
+              <a:cs typeface="Consolas"/>
+            </a:endParaRPr>
+          </a:p>
+          <a:p>
+            <a:r>
+              <a:rPr lang="de-DE" dirty="0" smtClean="0">
+                <a:latin typeface="Consolas"/>
+                <a:cs typeface="Consolas"/>
+              </a:rPr>
+              <a:t>	</a:t>
+            </a:r>
+            <a:r>
+              <a:rPr lang="de-DE" dirty="0" err="1" smtClean="0">
+                <a:solidFill>
+                  <a:srgbClr val="604A7B"/>
+                </a:solidFill>
+                <a:latin typeface="Consolas"/>
+                <a:cs typeface="Consolas"/>
+              </a:rPr>
+              <a:t>public</a:t>
+            </a:r>
+            <a:r>
+              <a:rPr lang="de-DE" dirty="0" smtClean="0">
+                <a:solidFill>
+                  <a:srgbClr val="604A7B"/>
+                </a:solidFill>
+                <a:latin typeface="Consolas"/>
+                <a:cs typeface="Consolas"/>
+              </a:rPr>
+              <a:t> </a:t>
+            </a:r>
+            <a:r>
+              <a:rPr lang="de-DE" dirty="0" err="1" smtClean="0">
+                <a:solidFill>
+                  <a:srgbClr val="604A7B"/>
+                </a:solidFill>
+                <a:latin typeface="Consolas"/>
+                <a:cs typeface="Consolas"/>
+              </a:rPr>
+              <a:t>void</a:t>
+            </a:r>
+            <a:r>
+              <a:rPr lang="de-DE" dirty="0" smtClean="0">
+                <a:solidFill>
+                  <a:srgbClr val="604A7B"/>
+                </a:solidFill>
+                <a:latin typeface="Consolas"/>
+                <a:cs typeface="Consolas"/>
+              </a:rPr>
+              <a:t> </a:t>
+            </a:r>
+            <a:r>
+              <a:rPr lang="de-DE" b="0" dirty="0" err="1" smtClean="0">
+                <a:latin typeface="Consolas"/>
+                <a:cs typeface="Consolas"/>
+              </a:rPr>
+              <a:t>needsSimulationManager</a:t>
+            </a:r>
+            <a:r>
+              <a:rPr lang="de-DE" b="0" dirty="0" smtClean="0">
+                <a:latin typeface="Consolas"/>
+                <a:cs typeface="Consolas"/>
+              </a:rPr>
+              <a:t>() {</a:t>
+            </a:r>
+            <a:endParaRPr lang="de-DE" b="0" dirty="0">
+              <a:latin typeface="Consolas"/>
+              <a:cs typeface="Consolas"/>
+            </a:endParaRPr>
+          </a:p>
+          <a:p>
+            <a:r>
+              <a:rPr lang="de-DE" b="0" dirty="0">
+                <a:latin typeface="Consolas"/>
+                <a:cs typeface="Consolas"/>
+              </a:rPr>
+              <a:t>		</a:t>
+            </a:r>
+            <a:r>
+              <a:rPr lang="de-DE" b="0" dirty="0">
+                <a:solidFill>
+                  <a:schemeClr val="accent3">
+                    <a:lumMod val="75000"/>
+                  </a:schemeClr>
+                </a:solidFill>
+                <a:latin typeface="Consolas"/>
+                <a:cs typeface="Consolas"/>
+              </a:rPr>
+              <a:t>// </a:t>
+            </a:r>
+            <a:r>
+              <a:rPr lang="de-DE" b="0" dirty="0" err="1">
+                <a:solidFill>
+                  <a:schemeClr val="accent3">
+                    <a:lumMod val="75000"/>
+                  </a:schemeClr>
+                </a:solidFill>
+                <a:latin typeface="Consolas"/>
+                <a:cs typeface="Consolas"/>
+              </a:rPr>
+              <a:t>PicoContainer</a:t>
+            </a:r>
+            <a:r>
+              <a:rPr lang="de-DE" b="0" dirty="0">
+                <a:solidFill>
+                  <a:schemeClr val="accent3">
+                    <a:lumMod val="75000"/>
+                  </a:schemeClr>
+                </a:solidFill>
+                <a:latin typeface="Consolas"/>
+                <a:cs typeface="Consolas"/>
+              </a:rPr>
+              <a:t> </a:t>
+            </a:r>
+            <a:r>
+              <a:rPr lang="de-DE" b="0" dirty="0" err="1">
+                <a:solidFill>
+                  <a:schemeClr val="accent3">
+                    <a:lumMod val="75000"/>
+                  </a:schemeClr>
+                </a:solidFill>
+                <a:latin typeface="Consolas"/>
+                <a:cs typeface="Consolas"/>
+              </a:rPr>
+              <a:t>injects</a:t>
+            </a:r>
+            <a:r>
+              <a:rPr lang="de-DE" b="0" dirty="0">
+                <a:solidFill>
+                  <a:schemeClr val="accent3">
+                    <a:lumMod val="75000"/>
+                  </a:schemeClr>
+                </a:solidFill>
+                <a:latin typeface="Consolas"/>
+                <a:cs typeface="Consolas"/>
+              </a:rPr>
+              <a:t> </a:t>
+            </a:r>
+            <a:r>
+              <a:rPr lang="de-DE" b="0" dirty="0" err="1">
+                <a:solidFill>
+                  <a:schemeClr val="accent3">
+                    <a:lumMod val="75000"/>
+                  </a:schemeClr>
+                </a:solidFill>
+                <a:latin typeface="Consolas"/>
+                <a:cs typeface="Consolas"/>
+              </a:rPr>
+              <a:t>PresentationManager</a:t>
+            </a:r>
+            <a:endParaRPr lang="de-DE" b="0" dirty="0">
+              <a:solidFill>
+                <a:schemeClr val="accent3">
+                  <a:lumMod val="75000"/>
+                </a:schemeClr>
+              </a:solidFill>
+              <a:latin typeface="Consolas"/>
+              <a:cs typeface="Consolas"/>
+            </a:endParaRPr>
+          </a:p>
+          <a:p>
+            <a:r>
+              <a:rPr lang="de-DE" b="0" dirty="0">
+                <a:solidFill>
+                  <a:schemeClr val="accent3">
+                    <a:lumMod val="75000"/>
+                  </a:schemeClr>
+                </a:solidFill>
+                <a:latin typeface="Consolas"/>
+                <a:cs typeface="Consolas"/>
+              </a:rPr>
+              <a:t>		// </a:t>
+            </a:r>
+            <a:r>
+              <a:rPr lang="de-DE" b="0" dirty="0" err="1">
+                <a:solidFill>
+                  <a:schemeClr val="accent3">
+                    <a:lumMod val="75000"/>
+                  </a:schemeClr>
+                </a:solidFill>
+                <a:latin typeface="Consolas"/>
+                <a:cs typeface="Consolas"/>
+              </a:rPr>
+              <a:t>into</a:t>
+            </a:r>
+            <a:r>
+              <a:rPr lang="de-DE" b="0" dirty="0">
+                <a:solidFill>
+                  <a:schemeClr val="accent3">
+                    <a:lumMod val="75000"/>
+                  </a:schemeClr>
+                </a:solidFill>
+                <a:latin typeface="Consolas"/>
+                <a:cs typeface="Consolas"/>
+              </a:rPr>
+              <a:t> </a:t>
+            </a:r>
+            <a:r>
+              <a:rPr lang="de-DE" b="0" dirty="0" err="1" smtClean="0">
+                <a:solidFill>
+                  <a:schemeClr val="accent3">
+                    <a:lumMod val="75000"/>
+                  </a:schemeClr>
+                </a:solidFill>
+                <a:latin typeface="Consolas"/>
+                <a:cs typeface="Consolas"/>
+              </a:rPr>
+              <a:t>SimulationManager</a:t>
+            </a:r>
+            <a:endParaRPr lang="de-DE" b="0" dirty="0" smtClean="0">
+              <a:latin typeface="Consolas"/>
+              <a:cs typeface="Consolas"/>
+            </a:endParaRPr>
+          </a:p>
+          <a:p>
+            <a:r>
+              <a:rPr lang="de-DE" b="0" dirty="0">
+                <a:latin typeface="Consolas"/>
+                <a:cs typeface="Consolas"/>
+              </a:rPr>
+              <a:t>	</a:t>
+            </a:r>
+            <a:r>
+              <a:rPr lang="de-DE" b="0" dirty="0" smtClean="0">
+                <a:latin typeface="Consolas"/>
+                <a:cs typeface="Consolas"/>
+              </a:rPr>
+              <a:t>	</a:t>
+            </a:r>
+            <a:r>
+              <a:rPr lang="de-DE" b="0" dirty="0" err="1" smtClean="0">
+                <a:latin typeface="Consolas"/>
+                <a:cs typeface="Consolas"/>
+              </a:rPr>
+              <a:t>SimulationManager</a:t>
+            </a:r>
+            <a:r>
+              <a:rPr lang="de-DE" b="0" dirty="0" smtClean="0">
+                <a:latin typeface="Consolas"/>
+                <a:cs typeface="Consolas"/>
+              </a:rPr>
+              <a:t> s = </a:t>
+            </a:r>
+          </a:p>
+          <a:p>
+            <a:r>
+              <a:rPr lang="de-DE" b="0" dirty="0">
+                <a:latin typeface="Consolas"/>
+                <a:cs typeface="Consolas"/>
+              </a:rPr>
+              <a:t>	</a:t>
+            </a:r>
+            <a:r>
+              <a:rPr lang="de-DE" b="0" dirty="0" smtClean="0">
+                <a:latin typeface="Consolas"/>
+                <a:cs typeface="Consolas"/>
+              </a:rPr>
+              <a:t>			</a:t>
+            </a:r>
+            <a:r>
+              <a:rPr lang="de-DE" b="0" dirty="0" err="1" smtClean="0">
+                <a:solidFill>
+                  <a:srgbClr val="376092"/>
+                </a:solidFill>
+                <a:latin typeface="Consolas"/>
+                <a:cs typeface="Consolas"/>
+              </a:rPr>
+              <a:t>context</a:t>
+            </a:r>
+            <a:r>
+              <a:rPr lang="de-DE" b="0" dirty="0" err="1" smtClean="0">
+                <a:latin typeface="Consolas"/>
+                <a:cs typeface="Consolas"/>
+              </a:rPr>
+              <a:t>.getComponent</a:t>
+            </a:r>
+            <a:r>
+              <a:rPr lang="de-DE" b="0" dirty="0" smtClean="0">
+                <a:latin typeface="Consolas"/>
+                <a:cs typeface="Consolas"/>
+              </a:rPr>
+              <a:t>(</a:t>
+            </a:r>
+          </a:p>
+          <a:p>
+            <a:r>
+              <a:rPr lang="de-DE" b="0" dirty="0">
+                <a:solidFill>
+                  <a:schemeClr val="accent1">
+                    <a:lumMod val="75000"/>
+                  </a:schemeClr>
+                </a:solidFill>
+                <a:latin typeface="Consolas"/>
+                <a:cs typeface="Consolas"/>
+              </a:rPr>
+              <a:t>	</a:t>
+            </a:r>
+            <a:r>
+              <a:rPr lang="de-DE" b="0" dirty="0" smtClean="0">
+                <a:solidFill>
+                  <a:schemeClr val="accent1">
+                    <a:lumMod val="75000"/>
+                  </a:schemeClr>
+                </a:solidFill>
+                <a:latin typeface="Consolas"/>
+                <a:cs typeface="Consolas"/>
+              </a:rPr>
+              <a:t>					</a:t>
+            </a:r>
+            <a:r>
+              <a:rPr lang="de-DE" b="0" dirty="0" err="1" smtClean="0">
+                <a:latin typeface="Consolas"/>
+                <a:cs typeface="Consolas"/>
+              </a:rPr>
+              <a:t>SimulationManager.</a:t>
+            </a:r>
+            <a:r>
+              <a:rPr lang="de-DE" b="0" dirty="0" err="1" smtClean="0">
+                <a:solidFill>
+                  <a:schemeClr val="accent4">
+                    <a:lumMod val="75000"/>
+                  </a:schemeClr>
+                </a:solidFill>
+                <a:latin typeface="Consolas"/>
+                <a:cs typeface="Consolas"/>
+              </a:rPr>
+              <a:t>class</a:t>
+            </a:r>
+            <a:r>
+              <a:rPr lang="de-DE" b="0" dirty="0" smtClean="0">
+                <a:latin typeface="Consolas"/>
+                <a:cs typeface="Consolas"/>
+              </a:rPr>
+              <a:t>);</a:t>
+            </a:r>
+          </a:p>
+          <a:p>
+            <a:endParaRPr lang="de-DE" b="0" dirty="0">
+              <a:solidFill>
+                <a:schemeClr val="accent3">
+                  <a:lumMod val="75000"/>
+                </a:schemeClr>
+              </a:solidFill>
+              <a:latin typeface="Consolas"/>
+              <a:cs typeface="Consolas"/>
+            </a:endParaRPr>
+          </a:p>
+          <a:p>
+            <a:r>
+              <a:rPr lang="de-DE" b="0" dirty="0" smtClean="0">
+                <a:solidFill>
+                  <a:schemeClr val="accent3">
+                    <a:lumMod val="75000"/>
+                  </a:schemeClr>
+                </a:solidFill>
+                <a:latin typeface="Consolas"/>
+                <a:cs typeface="Consolas"/>
+              </a:rPr>
+              <a:t>		// do </a:t>
+            </a:r>
+            <a:r>
+              <a:rPr lang="de-DE" b="0" dirty="0" err="1" smtClean="0">
+                <a:solidFill>
+                  <a:schemeClr val="accent3">
+                    <a:lumMod val="75000"/>
+                  </a:schemeClr>
+                </a:solidFill>
+                <a:latin typeface="Consolas"/>
+                <a:cs typeface="Consolas"/>
+              </a:rPr>
+              <a:t>things</a:t>
+            </a:r>
+            <a:r>
+              <a:rPr lang="de-DE" b="0" dirty="0" smtClean="0">
+                <a:solidFill>
+                  <a:schemeClr val="accent3">
+                    <a:lumMod val="75000"/>
+                  </a:schemeClr>
+                </a:solidFill>
+                <a:latin typeface="Consolas"/>
+                <a:cs typeface="Consolas"/>
+              </a:rPr>
+              <a:t> </a:t>
+            </a:r>
+            <a:r>
+              <a:rPr lang="de-DE" b="0" dirty="0" err="1" smtClean="0">
+                <a:solidFill>
+                  <a:schemeClr val="accent3">
+                    <a:lumMod val="75000"/>
+                  </a:schemeClr>
+                </a:solidFill>
+                <a:latin typeface="Consolas"/>
+                <a:cs typeface="Consolas"/>
+              </a:rPr>
+              <a:t>with</a:t>
+            </a:r>
+            <a:r>
+              <a:rPr lang="de-DE" b="0" dirty="0" smtClean="0">
+                <a:solidFill>
+                  <a:schemeClr val="accent3">
+                    <a:lumMod val="75000"/>
+                  </a:schemeClr>
+                </a:solidFill>
+                <a:latin typeface="Consolas"/>
+                <a:cs typeface="Consolas"/>
+              </a:rPr>
+              <a:t> </a:t>
+            </a:r>
+            <a:r>
+              <a:rPr lang="de-DE" b="0" dirty="0" err="1" smtClean="0">
+                <a:solidFill>
+                  <a:schemeClr val="accent3">
+                    <a:lumMod val="75000"/>
+                  </a:schemeClr>
+                </a:solidFill>
+                <a:latin typeface="Consolas"/>
+                <a:cs typeface="Consolas"/>
+              </a:rPr>
+              <a:t>SimulationManager</a:t>
+            </a:r>
+            <a:endParaRPr lang="de-DE" b="0" dirty="0" smtClean="0">
+              <a:solidFill>
+                <a:schemeClr val="accent3">
+                  <a:lumMod val="75000"/>
+                </a:schemeClr>
+              </a:solidFill>
+              <a:latin typeface="Consolas"/>
+              <a:cs typeface="Consolas"/>
+            </a:endParaRPr>
+          </a:p>
+          <a:p>
+            <a:r>
+              <a:rPr lang="de-DE" b="0" dirty="0">
+                <a:latin typeface="Consolas"/>
+                <a:cs typeface="Consolas"/>
+              </a:rPr>
+              <a:t>	</a:t>
+            </a:r>
+            <a:r>
+              <a:rPr lang="de-DE" b="0" dirty="0" smtClean="0">
+                <a:latin typeface="Consolas"/>
+                <a:cs typeface="Consolas"/>
+              </a:rPr>
+              <a:t>}</a:t>
+            </a:r>
+          </a:p>
+          <a:p>
+            <a:r>
+              <a:rPr lang="de-DE" b="0" dirty="0">
+                <a:latin typeface="Consolas"/>
+                <a:cs typeface="Consolas"/>
+              </a:rPr>
+              <a:t>}</a:t>
+            </a:r>
+          </a:p>
+        </p:txBody>
+      </p:sp>
     </p:spTree>
     <p:extLst>
       <p:ext uri="{BB962C8B-B14F-4D97-AF65-F5344CB8AC3E}">
-        <p14:creationId xmlns:p14="http://schemas.microsoft.com/office/powerpoint/2010/main" val="1027270910"/>
+        <p14:creationId xmlns:p14="http://schemas.microsoft.com/office/powerpoint/2010/main" val="2522924804"/>
       </p:ext>
     </p:extLst>
   </p:cSld>
   <p:clrMapOvr>
     <a:masterClrMapping/>
   </p:clrMapOvr>
+  <p:timing>
+    <p:tnLst>
+      <p:par>
+        <p:cTn xmlns:p14="http://schemas.microsoft.com/office/powerpoint/2010/main" id="1" dur="indefinite" restart="never" nodeType="tmRoot"/>
+      </p:par>
+    </p:tnLst>
+  </p:timing>
 </p:sld>
 </file>
 
@@ -7136,8 +7125,8 @@
               <a:rPr lang="de-DE" dirty="0" smtClean="0"/>
             </a:br>
             <a:r>
-              <a:rPr lang="de-DE" b="0" dirty="0" err="1" smtClean="0"/>
-              <a:t>Presentation</a:t>
+              <a:rPr lang="de-DE" b="0" dirty="0" smtClean="0"/>
+              <a:t>Communication</a:t>
             </a:r>
             <a:endParaRPr lang="de-DE" dirty="0"/>
           </a:p>
@@ -7182,6 +7171,413 @@
       </p:grpSpPr>
       <p:sp>
         <p:nvSpPr>
+          <p:cNvPr id="3" name="Titel 2"/>
+          <p:cNvSpPr>
+            <a:spLocks noGrp="1"/>
+          </p:cNvSpPr>
+          <p:nvPr>
+            <p:ph type="title"/>
+          </p:nvPr>
+        </p:nvSpPr>
+        <p:spPr/>
+        <p:txBody>
+          <a:bodyPr/>
+          <a:lstStyle/>
+          <a:p>
+            <a:r>
+              <a:rPr lang="de-DE" dirty="0" smtClean="0"/>
+              <a:t>Problem</a:t>
+            </a:r>
+            <a:endParaRPr lang="de-DE" dirty="0"/>
+          </a:p>
+        </p:txBody>
+      </p:sp>
+      <p:sp>
+        <p:nvSpPr>
+          <p:cNvPr id="4" name="Inhaltsplatzhalter 3"/>
+          <p:cNvSpPr>
+            <a:spLocks noGrp="1"/>
+          </p:cNvSpPr>
+          <p:nvPr>
+            <p:ph idx="1"/>
+          </p:nvPr>
+        </p:nvSpPr>
+        <p:spPr>
+          <a:xfrm>
+            <a:off x="1800000" y="3554185"/>
+            <a:ext cx="6984000" cy="2422052"/>
+          </a:xfrm>
+        </p:spPr>
+        <p:txBody>
+          <a:bodyPr/>
+          <a:lstStyle/>
+          <a:p>
+            <a:r>
+              <a:rPr lang="de-DE" b="0" dirty="0" err="1" smtClean="0"/>
+              <a:t>How</a:t>
+            </a:r>
+            <a:r>
+              <a:rPr lang="de-DE" b="0" dirty="0" smtClean="0"/>
+              <a:t> </a:t>
+            </a:r>
+            <a:r>
+              <a:rPr lang="de-DE" b="0" dirty="0" err="1" smtClean="0"/>
+              <a:t>does</a:t>
+            </a:r>
+            <a:r>
+              <a:rPr lang="de-DE" b="0" dirty="0" smtClean="0"/>
+              <a:t> </a:t>
+            </a:r>
+            <a:r>
+              <a:rPr lang="de-DE" b="0" dirty="0" err="1">
+                <a:latin typeface="Consolas"/>
+                <a:cs typeface="Consolas"/>
+              </a:rPr>
+              <a:t>PlayField</a:t>
+            </a:r>
+            <a:r>
+              <a:rPr lang="de-DE" b="0" dirty="0" smtClean="0"/>
+              <a:t> </a:t>
+            </a:r>
+            <a:r>
+              <a:rPr lang="de-DE" b="0" dirty="0" err="1" smtClean="0"/>
+              <a:t>notifies</a:t>
+            </a:r>
+            <a:r>
+              <a:rPr lang="de-DE" b="0" dirty="0" smtClean="0"/>
+              <a:t> </a:t>
+            </a:r>
+            <a:r>
+              <a:rPr lang="de-DE" b="0" dirty="0" err="1" smtClean="0">
+                <a:latin typeface="Consolas"/>
+                <a:cs typeface="Consolas"/>
+              </a:rPr>
+              <a:t>LogicManager</a:t>
+            </a:r>
+            <a:r>
+              <a:rPr lang="de-DE" b="0" dirty="0" smtClean="0"/>
+              <a:t> </a:t>
+            </a:r>
+            <a:r>
+              <a:rPr lang="de-DE" b="0" dirty="0" err="1" smtClean="0"/>
+              <a:t>if</a:t>
+            </a:r>
+            <a:r>
+              <a:rPr lang="de-DE" b="0" dirty="0" smtClean="0"/>
+              <a:t> </a:t>
+            </a:r>
+            <a:r>
+              <a:rPr lang="de-DE" b="0" dirty="0">
+                <a:latin typeface="Consolas"/>
+                <a:cs typeface="Consolas"/>
+              </a:rPr>
+              <a:t>Ball</a:t>
+            </a:r>
+            <a:r>
+              <a:rPr lang="de-DE" b="0" dirty="0" smtClean="0"/>
+              <a:t> </a:t>
+            </a:r>
+            <a:r>
+              <a:rPr lang="de-DE" b="0" dirty="0" err="1" smtClean="0"/>
+              <a:t>went</a:t>
+            </a:r>
+            <a:r>
+              <a:rPr lang="de-DE" b="0" dirty="0" smtClean="0"/>
+              <a:t> </a:t>
+            </a:r>
+            <a:r>
+              <a:rPr lang="de-DE" b="0" dirty="0" err="1" smtClean="0"/>
+              <a:t>through</a:t>
+            </a:r>
+            <a:r>
+              <a:rPr lang="de-DE" b="0" dirty="0" smtClean="0"/>
+              <a:t> </a:t>
+            </a:r>
+            <a:r>
+              <a:rPr lang="de-DE" b="0" dirty="0" err="1" smtClean="0"/>
+              <a:t>drain</a:t>
+            </a:r>
+            <a:r>
+              <a:rPr lang="de-DE" b="0" dirty="0" smtClean="0"/>
+              <a:t>?</a:t>
+            </a:r>
+            <a:endParaRPr lang="de-DE" b="0" dirty="0"/>
+          </a:p>
+        </p:txBody>
+      </p:sp>
+      <p:pic>
+        <p:nvPicPr>
+          <p:cNvPr id="6" name="Bild 5" descr="Screen Shot 2013-01-15 at 9.23.41 PM.png"/>
+          <p:cNvPicPr>
+            <a:picLocks noChangeAspect="1"/>
+          </p:cNvPicPr>
+          <p:nvPr/>
+        </p:nvPicPr>
+        <p:blipFill>
+          <a:blip r:embed="rId2">
+            <a:extLst>
+              <a:ext uri="{28A0092B-C50C-407E-A947-70E740481C1C}">
+                <a14:useLocalDpi xmlns:a14="http://schemas.microsoft.com/office/drawing/2010/main" val="0"/>
+              </a:ext>
+            </a:extLst>
+          </a:blip>
+          <a:stretch>
+            <a:fillRect/>
+          </a:stretch>
+        </p:blipFill>
+        <p:spPr>
+          <a:xfrm>
+            <a:off x="1721824" y="1776287"/>
+            <a:ext cx="7144391" cy="1633003"/>
+          </a:xfrm>
+          <a:prstGeom prst="rect">
+            <a:avLst/>
+          </a:prstGeom>
+        </p:spPr>
+      </p:pic>
+    </p:spTree>
+    <p:extLst>
+      <p:ext uri="{BB962C8B-B14F-4D97-AF65-F5344CB8AC3E}">
+        <p14:creationId xmlns:p14="http://schemas.microsoft.com/office/powerpoint/2010/main" val="2395580818"/>
+      </p:ext>
+    </p:extLst>
+  </p:cSld>
+  <p:clrMapOvr>
+    <a:masterClrMapping/>
+  </p:clrMapOvr>
+</p:sld>
+</file>
+
+<file path=ppt/slides/slide33.xml><?xml version="1.0" encoding="utf-8"?>
+<p:sld xmlns:a="http://schemas.openxmlformats.org/drawingml/2006/main" xmlns:r="http://schemas.openxmlformats.org/officeDocument/2006/relationships" xmlns:p="http://schemas.openxmlformats.org/presentationml/2006/main">
+  <p:cSld>
+    <p:spTree>
+      <p:nvGrpSpPr>
+        <p:cNvPr id="1" name=""/>
+        <p:cNvGrpSpPr/>
+        <p:nvPr/>
+      </p:nvGrpSpPr>
+      <p:grpSpPr>
+        <a:xfrm>
+          <a:off x="0" y="0"/>
+          <a:ext cx="0" cy="0"/>
+          <a:chOff x="0" y="0"/>
+          <a:chExt cx="0" cy="0"/>
+        </a:xfrm>
+      </p:grpSpPr>
+      <p:sp>
+        <p:nvSpPr>
+          <p:cNvPr id="3" name="Titel 2"/>
+          <p:cNvSpPr>
+            <a:spLocks noGrp="1"/>
+          </p:cNvSpPr>
+          <p:nvPr>
+            <p:ph type="title"/>
+          </p:nvPr>
+        </p:nvSpPr>
+        <p:spPr/>
+        <p:txBody>
+          <a:bodyPr/>
+          <a:lstStyle/>
+          <a:p>
+            <a:r>
+              <a:rPr lang="de-DE" dirty="0" smtClean="0"/>
+              <a:t>Command </a:t>
+            </a:r>
+            <a:r>
+              <a:rPr lang="de-DE" dirty="0" err="1" smtClean="0"/>
+              <a:t>pattern</a:t>
+            </a:r>
+            <a:r>
+              <a:rPr lang="de-DE" dirty="0" smtClean="0"/>
+              <a:t>!</a:t>
+            </a:r>
+            <a:endParaRPr lang="de-DE" dirty="0"/>
+          </a:p>
+        </p:txBody>
+      </p:sp>
+      <p:sp>
+        <p:nvSpPr>
+          <p:cNvPr id="4" name="Inhaltsplatzhalter 3"/>
+          <p:cNvSpPr>
+            <a:spLocks noGrp="1"/>
+          </p:cNvSpPr>
+          <p:nvPr>
+            <p:ph idx="1"/>
+          </p:nvPr>
+        </p:nvSpPr>
+        <p:spPr>
+          <a:xfrm>
+            <a:off x="1800000" y="5446341"/>
+            <a:ext cx="6984000" cy="1201775"/>
+          </a:xfrm>
+        </p:spPr>
+        <p:txBody>
+          <a:bodyPr>
+            <a:normAutofit/>
+          </a:bodyPr>
+          <a:lstStyle/>
+          <a:p>
+            <a:r>
+              <a:rPr lang="de-DE" b="0" dirty="0" smtClean="0">
+                <a:latin typeface="Consolas"/>
+                <a:cs typeface="Consolas"/>
+              </a:rPr>
+              <a:t>Command c = </a:t>
+            </a:r>
+            <a:r>
+              <a:rPr lang="de-DE" b="0" dirty="0" err="1" smtClean="0">
+                <a:solidFill>
+                  <a:schemeClr val="accent1">
+                    <a:lumMod val="75000"/>
+                  </a:schemeClr>
+                </a:solidFill>
+                <a:latin typeface="Consolas"/>
+                <a:cs typeface="Consolas"/>
+              </a:rPr>
+              <a:t>context</a:t>
+            </a:r>
+            <a:r>
+              <a:rPr lang="de-DE" b="0" dirty="0" err="1" smtClean="0">
+                <a:latin typeface="Consolas"/>
+                <a:cs typeface="Consolas"/>
+              </a:rPr>
+              <a:t>.getComponent</a:t>
+            </a:r>
+            <a:r>
+              <a:rPr lang="de-DE" b="0" dirty="0" smtClean="0">
+                <a:latin typeface="Consolas"/>
+                <a:cs typeface="Consolas"/>
+              </a:rPr>
+              <a:t>(</a:t>
+            </a:r>
+          </a:p>
+          <a:p>
+            <a:r>
+              <a:rPr lang="de-DE" b="0" dirty="0">
+                <a:latin typeface="Consolas"/>
+                <a:cs typeface="Consolas"/>
+              </a:rPr>
+              <a:t>	</a:t>
+            </a:r>
+            <a:r>
+              <a:rPr lang="de-DE" b="0" dirty="0" smtClean="0">
+                <a:latin typeface="Consolas"/>
+                <a:cs typeface="Consolas"/>
+              </a:rPr>
+              <a:t>							</a:t>
+            </a:r>
+            <a:r>
+              <a:rPr lang="de-DE" b="0" dirty="0" err="1" smtClean="0">
+                <a:latin typeface="Consolas"/>
+                <a:cs typeface="Consolas"/>
+              </a:rPr>
+              <a:t>BallDownCommand.</a:t>
+            </a:r>
+            <a:r>
+              <a:rPr lang="de-DE" dirty="0" err="1" smtClean="0">
+                <a:solidFill>
+                  <a:schemeClr val="accent4">
+                    <a:lumMod val="75000"/>
+                  </a:schemeClr>
+                </a:solidFill>
+                <a:latin typeface="Consolas"/>
+                <a:cs typeface="Consolas"/>
+              </a:rPr>
+              <a:t>class</a:t>
+            </a:r>
+            <a:r>
+              <a:rPr lang="de-DE" b="0" dirty="0" smtClean="0">
+                <a:latin typeface="Consolas"/>
+                <a:cs typeface="Consolas"/>
+              </a:rPr>
+              <a:t>);</a:t>
+            </a:r>
+          </a:p>
+          <a:p>
+            <a:r>
+              <a:rPr lang="de-DE" b="0" dirty="0" err="1" smtClean="0">
+                <a:latin typeface="Consolas"/>
+                <a:cs typeface="Consolas"/>
+              </a:rPr>
+              <a:t>c.execute</a:t>
+            </a:r>
+            <a:r>
+              <a:rPr lang="de-DE" b="0" dirty="0" smtClean="0">
+                <a:latin typeface="Consolas"/>
+                <a:cs typeface="Consolas"/>
+              </a:rPr>
+              <a:t>();</a:t>
+            </a:r>
+            <a:endParaRPr lang="de-DE" b="0" dirty="0">
+              <a:latin typeface="Consolas"/>
+              <a:cs typeface="Consolas"/>
+            </a:endParaRPr>
+          </a:p>
+        </p:txBody>
+      </p:sp>
+      <p:pic>
+        <p:nvPicPr>
+          <p:cNvPr id="5" name="Bild 4" descr="Screen Shot 2013-01-15 at 9.29.50 PM.png"/>
+          <p:cNvPicPr>
+            <a:picLocks noChangeAspect="1"/>
+          </p:cNvPicPr>
+          <p:nvPr/>
+        </p:nvPicPr>
+        <p:blipFill>
+          <a:blip r:embed="rId2">
+            <a:extLst>
+              <a:ext uri="{28A0092B-C50C-407E-A947-70E740481C1C}">
+                <a14:useLocalDpi xmlns:a14="http://schemas.microsoft.com/office/drawing/2010/main" val="0"/>
+              </a:ext>
+            </a:extLst>
+          </a:blip>
+          <a:stretch>
+            <a:fillRect/>
+          </a:stretch>
+        </p:blipFill>
+        <p:spPr>
+          <a:xfrm>
+            <a:off x="1774427" y="1776286"/>
+            <a:ext cx="7081891" cy="3595681"/>
+          </a:xfrm>
+          <a:prstGeom prst="rect">
+            <a:avLst/>
+          </a:prstGeom>
+        </p:spPr>
+      </p:pic>
+    </p:spTree>
+    <p:extLst>
+      <p:ext uri="{BB962C8B-B14F-4D97-AF65-F5344CB8AC3E}">
+        <p14:creationId xmlns:p14="http://schemas.microsoft.com/office/powerpoint/2010/main" val="2806037773"/>
+      </p:ext>
+    </p:extLst>
+  </p:cSld>
+  <p:clrMapOvr>
+    <a:masterClrMapping/>
+  </p:clrMapOvr>
+</p:sld>
+</file>
+
+<file path=ppt/slides/slide34.xml><?xml version="1.0" encoding="utf-8"?>
+<p:sld xmlns:a="http://schemas.openxmlformats.org/drawingml/2006/main" xmlns:r="http://schemas.openxmlformats.org/officeDocument/2006/relationships" xmlns:p="http://schemas.openxmlformats.org/presentationml/2006/main">
+  <p:cSld>
+    <p:spTree>
+      <p:nvGrpSpPr>
+        <p:cNvPr id="1" name=""/>
+        <p:cNvGrpSpPr/>
+        <p:nvPr/>
+      </p:nvGrpSpPr>
+      <p:grpSpPr>
+        <a:xfrm>
+          <a:off x="0" y="0"/>
+          <a:ext cx="0" cy="0"/>
+          <a:chOff x="0" y="0"/>
+          <a:chExt cx="0" cy="0"/>
+        </a:xfrm>
+      </p:grpSpPr>
+      <p:sp>
+        <p:nvSpPr>
           <p:cNvPr id="6" name="Titel 5"/>
           <p:cNvSpPr>
             <a:spLocks noGrp="1"/>
@@ -7230,7 +7626,7 @@
 </p:sld>
 </file>
 
-<file path=ppt/slides/slide33.xml><?xml version="1.0" encoding="utf-8"?>
+<file path=ppt/slides/slide35.xml><?xml version="1.0" encoding="utf-8"?>
 <p:sld xmlns:a="http://schemas.openxmlformats.org/drawingml/2006/main" xmlns:r="http://schemas.openxmlformats.org/officeDocument/2006/relationships" xmlns:p="http://schemas.openxmlformats.org/presentationml/2006/main">
   <p:cSld>
     <p:spTree>

--- a/doc/presentation/presentation.pptx
+++ b/doc/presentation/presentation.pptx
@@ -5,7 +5,7 @@
     <p:sldMasterId id="2147483648" r:id="rId4"/>
   </p:sldMasterIdLst>
   <p:handoutMasterIdLst>
-    <p:handoutMasterId r:id="rId40"/>
+    <p:handoutMasterId r:id="rId44"/>
   </p:handoutMasterIdLst>
   <p:sldIdLst>
     <p:sldId id="256" r:id="rId5"/>
@@ -14,35 +14,39 @@
     <p:sldId id="265" r:id="rId8"/>
     <p:sldId id="262" r:id="rId9"/>
     <p:sldId id="266" r:id="rId10"/>
-    <p:sldId id="267" r:id="rId11"/>
-    <p:sldId id="281" r:id="rId12"/>
-    <p:sldId id="264" r:id="rId13"/>
-    <p:sldId id="276" r:id="rId14"/>
-    <p:sldId id="275" r:id="rId15"/>
-    <p:sldId id="273" r:id="rId16"/>
-    <p:sldId id="277" r:id="rId17"/>
-    <p:sldId id="278" r:id="rId18"/>
-    <p:sldId id="270" r:id="rId19"/>
-    <p:sldId id="282" r:id="rId20"/>
-    <p:sldId id="283" r:id="rId21"/>
-    <p:sldId id="285" r:id="rId22"/>
-    <p:sldId id="286" r:id="rId23"/>
-    <p:sldId id="284" r:id="rId24"/>
-    <p:sldId id="287" r:id="rId25"/>
-    <p:sldId id="288" r:id="rId26"/>
-    <p:sldId id="289" r:id="rId27"/>
-    <p:sldId id="279" r:id="rId28"/>
-    <p:sldId id="280" r:id="rId29"/>
-    <p:sldId id="290" r:id="rId30"/>
-    <p:sldId id="293" r:id="rId31"/>
-    <p:sldId id="292" r:id="rId32"/>
-    <p:sldId id="291" r:id="rId33"/>
-    <p:sldId id="294" r:id="rId34"/>
-    <p:sldId id="271" r:id="rId35"/>
-    <p:sldId id="295" r:id="rId36"/>
-    <p:sldId id="296" r:id="rId37"/>
-    <p:sldId id="272" r:id="rId38"/>
+    <p:sldId id="264" r:id="rId11"/>
+    <p:sldId id="276" r:id="rId12"/>
+    <p:sldId id="275" r:id="rId13"/>
+    <p:sldId id="273" r:id="rId14"/>
+    <p:sldId id="277" r:id="rId15"/>
+    <p:sldId id="278" r:id="rId16"/>
+    <p:sldId id="270" r:id="rId17"/>
+    <p:sldId id="282" r:id="rId18"/>
+    <p:sldId id="283" r:id="rId19"/>
+    <p:sldId id="285" r:id="rId20"/>
+    <p:sldId id="286" r:id="rId21"/>
+    <p:sldId id="284" r:id="rId22"/>
+    <p:sldId id="287" r:id="rId23"/>
+    <p:sldId id="288" r:id="rId24"/>
+    <p:sldId id="289" r:id="rId25"/>
+    <p:sldId id="279" r:id="rId26"/>
+    <p:sldId id="280" r:id="rId27"/>
+    <p:sldId id="290" r:id="rId28"/>
+    <p:sldId id="293" r:id="rId29"/>
+    <p:sldId id="292" r:id="rId30"/>
+    <p:sldId id="291" r:id="rId31"/>
+    <p:sldId id="294" r:id="rId32"/>
+    <p:sldId id="271" r:id="rId33"/>
+    <p:sldId id="295" r:id="rId34"/>
+    <p:sldId id="296" r:id="rId35"/>
+    <p:sldId id="272" r:id="rId36"/>
+    <p:sldId id="297" r:id="rId37"/>
+    <p:sldId id="298" r:id="rId38"/>
     <p:sldId id="260" r:id="rId39"/>
+    <p:sldId id="299" r:id="rId40"/>
+    <p:sldId id="300" r:id="rId41"/>
+    <p:sldId id="281" r:id="rId42"/>
+    <p:sldId id="267" r:id="rId43"/>
   </p:sldIdLst>
   <p:sldSz cx="9144000" cy="6858000" type="screen4x3"/>
   <p:notesSz cx="6858000" cy="9144000"/>
@@ -1950,10 +1954,130 @@
           </a:p>
         </p:txBody>
       </p:sp>
+      <p:sp>
+        <p:nvSpPr>
+          <p:cNvPr id="7" name="L-Form 6"/>
+          <p:cNvSpPr/>
+          <p:nvPr/>
+        </p:nvSpPr>
+        <p:spPr>
+          <a:xfrm rot="10800000" flipV="1">
+            <a:off x="4986474" y="3076885"/>
+            <a:ext cx="3162362" cy="3251346"/>
+          </a:xfrm>
+          <a:prstGeom prst="corner">
+            <a:avLst>
+              <a:gd name="adj1" fmla="val 44195"/>
+              <a:gd name="adj2" fmla="val 69511"/>
+            </a:avLst>
+          </a:prstGeom>
+          <a:solidFill>
+            <a:schemeClr val="accent2">
+              <a:alpha val="41000"/>
+            </a:schemeClr>
+          </a:solidFill>
+        </p:spPr>
+        <p:style>
+          <a:lnRef idx="2">
+            <a:schemeClr val="accent2">
+              <a:shade val="50000"/>
+            </a:schemeClr>
+          </a:lnRef>
+          <a:fillRef idx="1">
+            <a:schemeClr val="accent2"/>
+          </a:fillRef>
+          <a:effectRef idx="0">
+            <a:schemeClr val="accent2"/>
+          </a:effectRef>
+          <a:fontRef idx="minor">
+            <a:schemeClr val="lt1"/>
+          </a:fontRef>
+        </p:style>
+        <p:txBody>
+          <a:bodyPr rtlCol="0" anchor="ctr"/>
+          <a:lstStyle/>
+          <a:p>
+            <a:pPr algn="ctr"/>
+            <a:endParaRPr lang="de-DE" dirty="0"/>
+          </a:p>
+        </p:txBody>
+      </p:sp>
+      <p:sp>
+        <p:nvSpPr>
+          <p:cNvPr id="8" name="Textfeld 7"/>
+          <p:cNvSpPr txBox="1"/>
+          <p:nvPr/>
+        </p:nvSpPr>
+        <p:spPr>
+          <a:xfrm>
+            <a:off x="6350296" y="4304228"/>
+            <a:ext cx="2173592" cy="461665"/>
+          </a:xfrm>
+          <a:prstGeom prst="rect">
+            <a:avLst/>
+          </a:prstGeom>
+          <a:noFill/>
+        </p:spPr>
+        <p:txBody>
+          <a:bodyPr wrap="square" rtlCol="0">
+            <a:spAutoFit/>
+          </a:bodyPr>
+          <a:lstStyle/>
+          <a:p>
+            <a:r>
+              <a:rPr lang="de-DE" sz="2400" b="1" dirty="0" err="1" smtClean="0">
+                <a:solidFill>
+                  <a:srgbClr val="920101"/>
+                </a:solidFill>
+                <a:latin typeface="Arial"/>
+                <a:cs typeface="Arial"/>
+              </a:rPr>
+              <a:t>No</a:t>
+            </a:r>
+            <a:r>
+              <a:rPr lang="de-DE" sz="2400" b="1" dirty="0" smtClean="0">
+                <a:solidFill>
+                  <a:srgbClr val="920101"/>
+                </a:solidFill>
+                <a:latin typeface="Arial"/>
+                <a:cs typeface="Arial"/>
+              </a:rPr>
+              <a:t> </a:t>
+            </a:r>
+            <a:r>
+              <a:rPr lang="de-DE" sz="2400" b="1" dirty="0" err="1" smtClean="0">
+                <a:solidFill>
+                  <a:srgbClr val="920101"/>
+                </a:solidFill>
+                <a:latin typeface="Arial"/>
+                <a:cs typeface="Arial"/>
+              </a:rPr>
+              <a:t>libgdx</a:t>
+            </a:r>
+            <a:r>
+              <a:rPr lang="de-DE" sz="2400" b="1" dirty="0" smtClean="0">
+                <a:solidFill>
+                  <a:srgbClr val="920101"/>
+                </a:solidFill>
+                <a:latin typeface="Arial"/>
+                <a:cs typeface="Arial"/>
+              </a:rPr>
+              <a:t>!</a:t>
+            </a:r>
+            <a:endParaRPr lang="de-DE" sz="2400" b="1" dirty="0">
+              <a:solidFill>
+                <a:srgbClr val="920101"/>
+              </a:solidFill>
+              <a:latin typeface="Arial"/>
+              <a:cs typeface="Arial"/>
+            </a:endParaRPr>
+          </a:p>
+        </p:txBody>
+      </p:sp>
     </p:spTree>
     <p:extLst>
       <p:ext uri="{BB962C8B-B14F-4D97-AF65-F5344CB8AC3E}">
-        <p14:creationId xmlns:p14="http://schemas.microsoft.com/office/powerpoint/2010/main" val="3828551210"/>
+        <p14:creationId xmlns:p14="http://schemas.microsoft.com/office/powerpoint/2010/main" val="1974884055"/>
       </p:ext>
     </p:extLst>
   </p:cSld>
@@ -1989,7 +2113,7 @@
       </p:grpSpPr>
       <p:pic>
         <p:nvPicPr>
-          <p:cNvPr id="10" name="Bild 9" descr="Screen Shot 2013-01-15 at 10.38.34 AM.png"/>
+          <p:cNvPr id="9" name="Bild 8" descr="Screen Shot 2013-01-15 at 10.38.34 AM.png"/>
           <p:cNvPicPr>
             <a:picLocks noChangeAspect="1"/>
           </p:cNvPicPr>
@@ -2042,14 +2166,14 @@
       </p:sp>
       <p:sp>
         <p:nvSpPr>
-          <p:cNvPr id="3" name="Rechteck 2"/>
+          <p:cNvPr id="4" name="Rechteck 3"/>
           <p:cNvSpPr/>
           <p:nvPr/>
         </p:nvSpPr>
         <p:spPr>
           <a:xfrm>
-            <a:off x="187527" y="1639696"/>
-            <a:ext cx="3307268" cy="2369880"/>
+            <a:off x="5881482" y="2701859"/>
+            <a:ext cx="3102696" cy="2650726"/>
           </a:xfrm>
           <a:prstGeom prst="rect">
             <a:avLst/>
@@ -2087,14 +2211,14 @@
       </p:sp>
       <p:sp>
         <p:nvSpPr>
-          <p:cNvPr id="9" name="Textfeld 8"/>
+          <p:cNvPr id="5" name="Textfeld 4"/>
           <p:cNvSpPr txBox="1"/>
           <p:nvPr/>
         </p:nvSpPr>
         <p:spPr>
           <a:xfrm>
-            <a:off x="332431" y="2420947"/>
-            <a:ext cx="2051956" cy="707886"/>
+            <a:off x="7258394" y="4571124"/>
+            <a:ext cx="1525606" cy="707886"/>
           </a:xfrm>
           <a:prstGeom prst="rect">
             <a:avLst/>
@@ -2107,23 +2231,19 @@
           </a:bodyPr>
           <a:lstStyle/>
           <a:p>
-            <a:pPr marL="342900" indent="-342900">
-              <a:buFontTx/>
-              <a:buChar char="-"/>
-            </a:pPr>
             <a:r>
               <a:rPr lang="de-DE" sz="2000" dirty="0" smtClean="0">
                 <a:latin typeface="Arial"/>
                 <a:cs typeface="Arial"/>
               </a:rPr>
-              <a:t>Main </a:t>
+              <a:t>Game </a:t>
             </a:r>
             <a:r>
               <a:rPr lang="de-DE" sz="2000" dirty="0" err="1" smtClean="0">
                 <a:latin typeface="Arial"/>
                 <a:cs typeface="Arial"/>
               </a:rPr>
-              <a:t>class</a:t>
+              <a:t>logic</a:t>
             </a:r>
             <a:endParaRPr lang="de-DE" sz="2000" dirty="0" smtClean="0">
               <a:latin typeface="Arial"/>
@@ -2131,16 +2251,12 @@
             </a:endParaRPr>
           </a:p>
           <a:p>
-            <a:pPr marL="342900" indent="-342900">
-              <a:buFontTx/>
-              <a:buChar char="-"/>
-            </a:pPr>
-            <a:r>
-              <a:rPr lang="de-DE" sz="2000" dirty="0" smtClean="0">
-                <a:latin typeface="Arial"/>
-                <a:cs typeface="Arial"/>
-              </a:rPr>
-              <a:t>Natives</a:t>
+            <a:r>
+              <a:rPr lang="de-DE" sz="2000" dirty="0" err="1" smtClean="0">
+                <a:latin typeface="Arial"/>
+                <a:cs typeface="Arial"/>
+              </a:rPr>
+              <a:t>Persistence</a:t>
             </a:r>
             <a:endParaRPr lang="de-DE" sz="2000" dirty="0">
               <a:latin typeface="Arial"/>
@@ -2151,18 +2267,18 @@
       </p:sp>
       <p:sp>
         <p:nvSpPr>
-          <p:cNvPr id="4" name="L-Form 3"/>
+          <p:cNvPr id="6" name="L-Form 5"/>
           <p:cNvSpPr/>
           <p:nvPr/>
         </p:nvSpPr>
         <p:spPr>
           <a:xfrm rot="16200000">
-            <a:off x="2435517" y="1023900"/>
-            <a:ext cx="4679854" cy="5911446"/>
+            <a:off x="2397380" y="2124199"/>
+            <a:ext cx="2650726" cy="3806045"/>
           </a:xfrm>
           <a:prstGeom prst="corner">
             <a:avLst>
-              <a:gd name="adj1" fmla="val 88642"/>
+              <a:gd name="adj1" fmla="val 87034"/>
               <a:gd name="adj2" fmla="val 47876"/>
             </a:avLst>
           </a:prstGeom>
@@ -2199,14 +2315,14 @@
       </p:sp>
       <p:sp>
         <p:nvSpPr>
-          <p:cNvPr id="11" name="Textfeld 10"/>
+          <p:cNvPr id="7" name="Textfeld 6"/>
           <p:cNvSpPr txBox="1"/>
           <p:nvPr/>
         </p:nvSpPr>
         <p:spPr>
           <a:xfrm>
-            <a:off x="3289191" y="5495665"/>
-            <a:ext cx="2051956" cy="400110"/>
+            <a:off x="1933893" y="4571124"/>
+            <a:ext cx="2404766" cy="707886"/>
           </a:xfrm>
           <a:prstGeom prst="rect">
             <a:avLst/>
@@ -2224,15 +2340,42 @@
                 <a:latin typeface="Arial"/>
                 <a:cs typeface="Arial"/>
               </a:rPr>
-              <a:t>Pure Java</a:t>
-            </a:r>
+              <a:t>Rendering</a:t>
+            </a:r>
+          </a:p>
+          <a:p>
+            <a:r>
+              <a:rPr lang="de-DE" sz="2000" dirty="0" err="1" smtClean="0">
+                <a:latin typeface="Arial"/>
+                <a:cs typeface="Arial"/>
+              </a:rPr>
+              <a:t>Physics</a:t>
+            </a:r>
+            <a:r>
+              <a:rPr lang="de-DE" sz="2000" dirty="0" smtClean="0">
+                <a:latin typeface="Arial"/>
+                <a:cs typeface="Arial"/>
+              </a:rPr>
+              <a:t> </a:t>
+            </a:r>
+            <a:r>
+              <a:rPr lang="de-DE" sz="2000" dirty="0" err="1" smtClean="0">
+                <a:latin typeface="Arial"/>
+                <a:cs typeface="Arial"/>
+              </a:rPr>
+              <a:t>calculation</a:t>
+            </a:r>
+            <a:endParaRPr lang="de-DE" sz="2000" dirty="0" smtClean="0">
+              <a:latin typeface="Arial"/>
+              <a:cs typeface="Arial"/>
+            </a:endParaRPr>
           </a:p>
         </p:txBody>
       </p:sp>
     </p:spTree>
     <p:extLst>
       <p:ext uri="{BB962C8B-B14F-4D97-AF65-F5344CB8AC3E}">
-        <p14:creationId xmlns:p14="http://schemas.microsoft.com/office/powerpoint/2010/main" val="3840796483"/>
+        <p14:creationId xmlns:p14="http://schemas.microsoft.com/office/powerpoint/2010/main" val="1494908031"/>
       </p:ext>
     </p:extLst>
   </p:cSld>
@@ -2321,514 +2464,6 @@
       </p:sp>
       <p:sp>
         <p:nvSpPr>
-          <p:cNvPr id="7" name="L-Form 6"/>
-          <p:cNvSpPr/>
-          <p:nvPr/>
-        </p:nvSpPr>
-        <p:spPr>
-          <a:xfrm rot="10800000" flipV="1">
-            <a:off x="4986474" y="3076885"/>
-            <a:ext cx="3162362" cy="3251346"/>
-          </a:xfrm>
-          <a:prstGeom prst="corner">
-            <a:avLst>
-              <a:gd name="adj1" fmla="val 44195"/>
-              <a:gd name="adj2" fmla="val 69511"/>
-            </a:avLst>
-          </a:prstGeom>
-          <a:solidFill>
-            <a:schemeClr val="accent2">
-              <a:alpha val="41000"/>
-            </a:schemeClr>
-          </a:solidFill>
-        </p:spPr>
-        <p:style>
-          <a:lnRef idx="2">
-            <a:schemeClr val="accent2">
-              <a:shade val="50000"/>
-            </a:schemeClr>
-          </a:lnRef>
-          <a:fillRef idx="1">
-            <a:schemeClr val="accent2"/>
-          </a:fillRef>
-          <a:effectRef idx="0">
-            <a:schemeClr val="accent2"/>
-          </a:effectRef>
-          <a:fontRef idx="minor">
-            <a:schemeClr val="lt1"/>
-          </a:fontRef>
-        </p:style>
-        <p:txBody>
-          <a:bodyPr rtlCol="0" anchor="ctr"/>
-          <a:lstStyle/>
-          <a:p>
-            <a:pPr algn="ctr"/>
-            <a:endParaRPr lang="de-DE" dirty="0"/>
-          </a:p>
-        </p:txBody>
-      </p:sp>
-      <p:sp>
-        <p:nvSpPr>
-          <p:cNvPr id="8" name="Textfeld 7"/>
-          <p:cNvSpPr txBox="1"/>
-          <p:nvPr/>
-        </p:nvSpPr>
-        <p:spPr>
-          <a:xfrm>
-            <a:off x="6350296" y="4304228"/>
-            <a:ext cx="2173592" cy="461665"/>
-          </a:xfrm>
-          <a:prstGeom prst="rect">
-            <a:avLst/>
-          </a:prstGeom>
-          <a:noFill/>
-        </p:spPr>
-        <p:txBody>
-          <a:bodyPr wrap="square" rtlCol="0">
-            <a:spAutoFit/>
-          </a:bodyPr>
-          <a:lstStyle/>
-          <a:p>
-            <a:r>
-              <a:rPr lang="de-DE" sz="2400" b="1" dirty="0" err="1" smtClean="0">
-                <a:solidFill>
-                  <a:srgbClr val="920101"/>
-                </a:solidFill>
-                <a:latin typeface="Arial"/>
-                <a:cs typeface="Arial"/>
-              </a:rPr>
-              <a:t>No</a:t>
-            </a:r>
-            <a:r>
-              <a:rPr lang="de-DE" sz="2400" b="1" dirty="0" smtClean="0">
-                <a:solidFill>
-                  <a:srgbClr val="920101"/>
-                </a:solidFill>
-                <a:latin typeface="Arial"/>
-                <a:cs typeface="Arial"/>
-              </a:rPr>
-              <a:t> </a:t>
-            </a:r>
-            <a:r>
-              <a:rPr lang="de-DE" sz="2400" b="1" dirty="0" err="1" smtClean="0">
-                <a:solidFill>
-                  <a:srgbClr val="920101"/>
-                </a:solidFill>
-                <a:latin typeface="Arial"/>
-                <a:cs typeface="Arial"/>
-              </a:rPr>
-              <a:t>libgdx</a:t>
-            </a:r>
-            <a:r>
-              <a:rPr lang="de-DE" sz="2400" b="1" dirty="0" smtClean="0">
-                <a:solidFill>
-                  <a:srgbClr val="920101"/>
-                </a:solidFill>
-                <a:latin typeface="Arial"/>
-                <a:cs typeface="Arial"/>
-              </a:rPr>
-              <a:t>!</a:t>
-            </a:r>
-            <a:endParaRPr lang="de-DE" sz="2400" b="1" dirty="0">
-              <a:solidFill>
-                <a:srgbClr val="920101"/>
-              </a:solidFill>
-              <a:latin typeface="Arial"/>
-              <a:cs typeface="Arial"/>
-            </a:endParaRPr>
-          </a:p>
-        </p:txBody>
-      </p:sp>
-    </p:spTree>
-    <p:extLst>
-      <p:ext uri="{BB962C8B-B14F-4D97-AF65-F5344CB8AC3E}">
-        <p14:creationId xmlns:p14="http://schemas.microsoft.com/office/powerpoint/2010/main" val="1974884055"/>
-      </p:ext>
-    </p:extLst>
-  </p:cSld>
-  <p:clrMapOvr>
-    <a:masterClrMapping/>
-  </p:clrMapOvr>
-  <p:timing>
-    <p:tnLst>
-      <p:par>
-        <p:cTn xmlns:p14="http://schemas.microsoft.com/office/powerpoint/2010/main" id="1" dur="indefinite" restart="never" nodeType="tmRoot"/>
-      </p:par>
-    </p:tnLst>
-  </p:timing>
-</p:sld>
-</file>
-
-<file path=ppt/slides/slide13.xml><?xml version="1.0" encoding="utf-8"?>
-<p:sld xmlns:a="http://schemas.openxmlformats.org/drawingml/2006/main" xmlns:r="http://schemas.openxmlformats.org/officeDocument/2006/relationships" xmlns:p="http://schemas.openxmlformats.org/presentationml/2006/main">
-  <p:cSld>
-    <p:spTree>
-      <p:nvGrpSpPr>
-        <p:cNvPr id="1" name=""/>
-        <p:cNvGrpSpPr/>
-        <p:nvPr/>
-      </p:nvGrpSpPr>
-      <p:grpSpPr>
-        <a:xfrm>
-          <a:off x="0" y="0"/>
-          <a:ext cx="0" cy="0"/>
-          <a:chOff x="0" y="0"/>
-          <a:chExt cx="0" cy="0"/>
-        </a:xfrm>
-      </p:grpSpPr>
-      <p:pic>
-        <p:nvPicPr>
-          <p:cNvPr id="9" name="Bild 8" descr="Screen Shot 2013-01-15 at 10.38.34 AM.png"/>
-          <p:cNvPicPr>
-            <a:picLocks noChangeAspect="1"/>
-          </p:cNvPicPr>
-          <p:nvPr/>
-        </p:nvPicPr>
-        <p:blipFill>
-          <a:blip r:embed="rId2">
-            <a:extLst>
-              <a:ext uri="{28A0092B-C50C-407E-A947-70E740481C1C}">
-                <a14:useLocalDpi xmlns:a14="http://schemas.microsoft.com/office/drawing/2010/main" val="0"/>
-              </a:ext>
-            </a:extLst>
-          </a:blip>
-          <a:stretch>
-            <a:fillRect/>
-          </a:stretch>
-        </p:blipFill>
-        <p:spPr>
-          <a:xfrm>
-            <a:off x="1738872" y="1800485"/>
-            <a:ext cx="5890006" cy="4378412"/>
-          </a:xfrm>
-          <a:prstGeom prst="rect">
-            <a:avLst/>
-          </a:prstGeom>
-        </p:spPr>
-      </p:pic>
-      <p:sp>
-        <p:nvSpPr>
-          <p:cNvPr id="2" name="Titel 1"/>
-          <p:cNvSpPr>
-            <a:spLocks noGrp="1"/>
-          </p:cNvSpPr>
-          <p:nvPr>
-            <p:ph type="title"/>
-          </p:nvPr>
-        </p:nvSpPr>
-        <p:spPr/>
-        <p:txBody>
-          <a:bodyPr/>
-          <a:lstStyle/>
-          <a:p>
-            <a:r>
-              <a:rPr lang="de-DE" dirty="0" err="1" smtClean="0"/>
-              <a:t>Overview</a:t>
-            </a:r>
-            <a:endParaRPr lang="de-DE" dirty="0"/>
-          </a:p>
-        </p:txBody>
-      </p:sp>
-      <p:sp>
-        <p:nvSpPr>
-          <p:cNvPr id="4" name="Rechteck 3"/>
-          <p:cNvSpPr/>
-          <p:nvPr/>
-        </p:nvSpPr>
-        <p:spPr>
-          <a:xfrm>
-            <a:off x="5881482" y="2701859"/>
-            <a:ext cx="3102696" cy="2650726"/>
-          </a:xfrm>
-          <a:prstGeom prst="rect">
-            <a:avLst/>
-          </a:prstGeom>
-          <a:solidFill>
-            <a:schemeClr val="accent1">
-              <a:alpha val="9000"/>
-            </a:schemeClr>
-          </a:solidFill>
-        </p:spPr>
-        <p:style>
-          <a:lnRef idx="2">
-            <a:schemeClr val="accent1">
-              <a:shade val="50000"/>
-            </a:schemeClr>
-          </a:lnRef>
-          <a:fillRef idx="1">
-            <a:schemeClr val="accent1"/>
-          </a:fillRef>
-          <a:effectRef idx="0">
-            <a:schemeClr val="accent1"/>
-          </a:effectRef>
-          <a:fontRef idx="minor">
-            <a:schemeClr val="lt1"/>
-          </a:fontRef>
-        </p:style>
-        <p:txBody>
-          <a:bodyPr rtlCol="0" anchor="ctr"/>
-          <a:lstStyle/>
-          <a:p>
-            <a:pPr algn="ctr"/>
-            <a:endParaRPr lang="de-DE"/>
-          </a:p>
-        </p:txBody>
-      </p:sp>
-      <p:sp>
-        <p:nvSpPr>
-          <p:cNvPr id="5" name="Textfeld 4"/>
-          <p:cNvSpPr txBox="1"/>
-          <p:nvPr/>
-        </p:nvSpPr>
-        <p:spPr>
-          <a:xfrm>
-            <a:off x="7258394" y="4571124"/>
-            <a:ext cx="1525606" cy="707886"/>
-          </a:xfrm>
-          <a:prstGeom prst="rect">
-            <a:avLst/>
-          </a:prstGeom>
-          <a:noFill/>
-        </p:spPr>
-        <p:txBody>
-          <a:bodyPr wrap="square" rtlCol="0">
-            <a:spAutoFit/>
-          </a:bodyPr>
-          <a:lstStyle/>
-          <a:p>
-            <a:r>
-              <a:rPr lang="de-DE" sz="2000" dirty="0" smtClean="0">
-                <a:latin typeface="Arial"/>
-                <a:cs typeface="Arial"/>
-              </a:rPr>
-              <a:t>Game </a:t>
-            </a:r>
-            <a:r>
-              <a:rPr lang="de-DE" sz="2000" dirty="0" err="1" smtClean="0">
-                <a:latin typeface="Arial"/>
-                <a:cs typeface="Arial"/>
-              </a:rPr>
-              <a:t>logic</a:t>
-            </a:r>
-            <a:endParaRPr lang="de-DE" sz="2000" dirty="0" smtClean="0">
-              <a:latin typeface="Arial"/>
-              <a:cs typeface="Arial"/>
-            </a:endParaRPr>
-          </a:p>
-          <a:p>
-            <a:r>
-              <a:rPr lang="de-DE" sz="2000" dirty="0" err="1" smtClean="0">
-                <a:latin typeface="Arial"/>
-                <a:cs typeface="Arial"/>
-              </a:rPr>
-              <a:t>Persistence</a:t>
-            </a:r>
-            <a:endParaRPr lang="de-DE" sz="2000" dirty="0">
-              <a:latin typeface="Arial"/>
-              <a:cs typeface="Arial"/>
-            </a:endParaRPr>
-          </a:p>
-        </p:txBody>
-      </p:sp>
-      <p:sp>
-        <p:nvSpPr>
-          <p:cNvPr id="6" name="L-Form 5"/>
-          <p:cNvSpPr/>
-          <p:nvPr/>
-        </p:nvSpPr>
-        <p:spPr>
-          <a:xfrm rot="16200000">
-            <a:off x="2397380" y="2124199"/>
-            <a:ext cx="2650726" cy="3806045"/>
-          </a:xfrm>
-          <a:prstGeom prst="corner">
-            <a:avLst>
-              <a:gd name="adj1" fmla="val 87034"/>
-              <a:gd name="adj2" fmla="val 47876"/>
-            </a:avLst>
-          </a:prstGeom>
-          <a:solidFill>
-            <a:schemeClr val="accent3">
-              <a:alpha val="12000"/>
-            </a:schemeClr>
-          </a:solidFill>
-        </p:spPr>
-        <p:style>
-          <a:lnRef idx="2">
-            <a:schemeClr val="accent3">
-              <a:shade val="50000"/>
-            </a:schemeClr>
-          </a:lnRef>
-          <a:fillRef idx="1">
-            <a:schemeClr val="accent3"/>
-          </a:fillRef>
-          <a:effectRef idx="0">
-            <a:schemeClr val="accent3"/>
-          </a:effectRef>
-          <a:fontRef idx="minor">
-            <a:schemeClr val="lt1"/>
-          </a:fontRef>
-        </p:style>
-        <p:txBody>
-          <a:bodyPr rtlCol="0" anchor="ctr"/>
-          <a:lstStyle/>
-          <a:p>
-            <a:pPr algn="ctr"/>
-            <a:endParaRPr lang="de-DE"/>
-          </a:p>
-        </p:txBody>
-      </p:sp>
-      <p:sp>
-        <p:nvSpPr>
-          <p:cNvPr id="7" name="Textfeld 6"/>
-          <p:cNvSpPr txBox="1"/>
-          <p:nvPr/>
-        </p:nvSpPr>
-        <p:spPr>
-          <a:xfrm>
-            <a:off x="1933893" y="4571124"/>
-            <a:ext cx="2404766" cy="707886"/>
-          </a:xfrm>
-          <a:prstGeom prst="rect">
-            <a:avLst/>
-          </a:prstGeom>
-          <a:noFill/>
-        </p:spPr>
-        <p:txBody>
-          <a:bodyPr wrap="square" rtlCol="0">
-            <a:spAutoFit/>
-          </a:bodyPr>
-          <a:lstStyle/>
-          <a:p>
-            <a:r>
-              <a:rPr lang="de-DE" sz="2000" dirty="0" smtClean="0">
-                <a:latin typeface="Arial"/>
-                <a:cs typeface="Arial"/>
-              </a:rPr>
-              <a:t>Rendering</a:t>
-            </a:r>
-          </a:p>
-          <a:p>
-            <a:r>
-              <a:rPr lang="de-DE" sz="2000" dirty="0" err="1" smtClean="0">
-                <a:latin typeface="Arial"/>
-                <a:cs typeface="Arial"/>
-              </a:rPr>
-              <a:t>Physics</a:t>
-            </a:r>
-            <a:r>
-              <a:rPr lang="de-DE" sz="2000" dirty="0" smtClean="0">
-                <a:latin typeface="Arial"/>
-                <a:cs typeface="Arial"/>
-              </a:rPr>
-              <a:t> </a:t>
-            </a:r>
-            <a:r>
-              <a:rPr lang="de-DE" sz="2000" dirty="0" err="1" smtClean="0">
-                <a:latin typeface="Arial"/>
-                <a:cs typeface="Arial"/>
-              </a:rPr>
-              <a:t>calculation</a:t>
-            </a:r>
-            <a:endParaRPr lang="de-DE" sz="2000" dirty="0" smtClean="0">
-              <a:latin typeface="Arial"/>
-              <a:cs typeface="Arial"/>
-            </a:endParaRPr>
-          </a:p>
-        </p:txBody>
-      </p:sp>
-    </p:spTree>
-    <p:extLst>
-      <p:ext uri="{BB962C8B-B14F-4D97-AF65-F5344CB8AC3E}">
-        <p14:creationId xmlns:p14="http://schemas.microsoft.com/office/powerpoint/2010/main" val="1494908031"/>
-      </p:ext>
-    </p:extLst>
-  </p:cSld>
-  <p:clrMapOvr>
-    <a:masterClrMapping/>
-  </p:clrMapOvr>
-  <p:timing>
-    <p:tnLst>
-      <p:par>
-        <p:cTn xmlns:p14="http://schemas.microsoft.com/office/powerpoint/2010/main" id="1" dur="indefinite" restart="never" nodeType="tmRoot"/>
-      </p:par>
-    </p:tnLst>
-  </p:timing>
-</p:sld>
-</file>
-
-<file path=ppt/slides/slide14.xml><?xml version="1.0" encoding="utf-8"?>
-<p:sld xmlns:a="http://schemas.openxmlformats.org/drawingml/2006/main" xmlns:r="http://schemas.openxmlformats.org/officeDocument/2006/relationships" xmlns:p="http://schemas.openxmlformats.org/presentationml/2006/main">
-  <p:cSld>
-    <p:spTree>
-      <p:nvGrpSpPr>
-        <p:cNvPr id="1" name=""/>
-        <p:cNvGrpSpPr/>
-        <p:nvPr/>
-      </p:nvGrpSpPr>
-      <p:grpSpPr>
-        <a:xfrm>
-          <a:off x="0" y="0"/>
-          <a:ext cx="0" cy="0"/>
-          <a:chOff x="0" y="0"/>
-          <a:chExt cx="0" cy="0"/>
-        </a:xfrm>
-      </p:grpSpPr>
-      <p:pic>
-        <p:nvPicPr>
-          <p:cNvPr id="9" name="Bild 8" descr="Screen Shot 2013-01-15 at 10.38.34 AM.png"/>
-          <p:cNvPicPr>
-            <a:picLocks noChangeAspect="1"/>
-          </p:cNvPicPr>
-          <p:nvPr/>
-        </p:nvPicPr>
-        <p:blipFill>
-          <a:blip r:embed="rId2">
-            <a:extLst>
-              <a:ext uri="{28A0092B-C50C-407E-A947-70E740481C1C}">
-                <a14:useLocalDpi xmlns:a14="http://schemas.microsoft.com/office/drawing/2010/main" val="0"/>
-              </a:ext>
-            </a:extLst>
-          </a:blip>
-          <a:stretch>
-            <a:fillRect/>
-          </a:stretch>
-        </p:blipFill>
-        <p:spPr>
-          <a:xfrm>
-            <a:off x="1738872" y="1800485"/>
-            <a:ext cx="5890006" cy="4378412"/>
-          </a:xfrm>
-          <a:prstGeom prst="rect">
-            <a:avLst/>
-          </a:prstGeom>
-        </p:spPr>
-      </p:pic>
-      <p:sp>
-        <p:nvSpPr>
-          <p:cNvPr id="2" name="Titel 1"/>
-          <p:cNvSpPr>
-            <a:spLocks noGrp="1"/>
-          </p:cNvSpPr>
-          <p:nvPr>
-            <p:ph type="title"/>
-          </p:nvPr>
-        </p:nvSpPr>
-        <p:spPr/>
-        <p:txBody>
-          <a:bodyPr/>
-          <a:lstStyle/>
-          <a:p>
-            <a:r>
-              <a:rPr lang="de-DE" dirty="0" err="1" smtClean="0"/>
-              <a:t>Overview</a:t>
-            </a:r>
-            <a:endParaRPr lang="de-DE" dirty="0"/>
-          </a:p>
-        </p:txBody>
-      </p:sp>
-      <p:sp>
-        <p:nvSpPr>
           <p:cNvPr id="4" name="Rechteck 3"/>
           <p:cNvSpPr/>
           <p:nvPr/>
@@ -3054,7 +2689,7 @@
 </p:sld>
 </file>
 
-<file path=ppt/slides/slide15.xml><?xml version="1.0" encoding="utf-8"?>
+<file path=ppt/slides/slide13.xml><?xml version="1.0" encoding="utf-8"?>
 <p:sld xmlns:a="http://schemas.openxmlformats.org/drawingml/2006/main" xmlns:r="http://schemas.openxmlformats.org/officeDocument/2006/relationships" xmlns:p="http://schemas.openxmlformats.org/presentationml/2006/main">
   <p:cSld>
     <p:spTree>
@@ -3125,7 +2760,7 @@
 </p:sld>
 </file>
 
-<file path=ppt/slides/slide16.xml><?xml version="1.0" encoding="utf-8"?>
+<file path=ppt/slides/slide14.xml><?xml version="1.0" encoding="utf-8"?>
 <p:sld xmlns:a="http://schemas.openxmlformats.org/drawingml/2006/main" xmlns:r="http://schemas.openxmlformats.org/officeDocument/2006/relationships" xmlns:p="http://schemas.openxmlformats.org/presentationml/2006/main">
   <p:cSld>
     <p:spTree>
@@ -3219,7 +2854,7 @@
 </p:sld>
 </file>
 
-<file path=ppt/slides/slide17.xml><?xml version="1.0" encoding="utf-8"?>
+<file path=ppt/slides/slide15.xml><?xml version="1.0" encoding="utf-8"?>
 <p:sld xmlns:a="http://schemas.openxmlformats.org/drawingml/2006/main" xmlns:r="http://schemas.openxmlformats.org/officeDocument/2006/relationships" xmlns:p="http://schemas.openxmlformats.org/presentationml/2006/main">
   <p:cSld>
     <p:spTree>
@@ -3734,7 +3369,7 @@
 </p:sld>
 </file>
 
-<file path=ppt/slides/slide18.xml><?xml version="1.0" encoding="utf-8"?>
+<file path=ppt/slides/slide16.xml><?xml version="1.0" encoding="utf-8"?>
 <p:sld xmlns:a="http://schemas.openxmlformats.org/drawingml/2006/main" xmlns:r="http://schemas.openxmlformats.org/officeDocument/2006/relationships" xmlns:p="http://schemas.openxmlformats.org/presentationml/2006/main">
   <p:cSld>
     <p:spTree>
@@ -3902,10 +3537,17 @@
   <p:clrMapOvr>
     <a:masterClrMapping/>
   </p:clrMapOvr>
+  <p:timing>
+    <p:tnLst>
+      <p:par>
+        <p:cTn xmlns:p14="http://schemas.microsoft.com/office/powerpoint/2010/main" id="1" dur="indefinite" restart="never" nodeType="tmRoot"/>
+      </p:par>
+    </p:tnLst>
+  </p:timing>
 </p:sld>
 </file>
 
-<file path=ppt/slides/slide19.xml><?xml version="1.0" encoding="utf-8"?>
+<file path=ppt/slides/slide17.xml><?xml version="1.0" encoding="utf-8"?>
 <p:sld xmlns:a="http://schemas.openxmlformats.org/drawingml/2006/main" xmlns:r="http://schemas.openxmlformats.org/officeDocument/2006/relationships" xmlns:p="http://schemas.openxmlformats.org/presentationml/2006/main">
   <p:cSld>
     <p:spTree>
@@ -4127,6 +3769,488 @@
   <p:clrMapOvr>
     <a:masterClrMapping/>
   </p:clrMapOvr>
+  <p:timing>
+    <p:tnLst>
+      <p:par>
+        <p:cTn xmlns:p14="http://schemas.microsoft.com/office/powerpoint/2010/main" id="1" dur="indefinite" restart="never" nodeType="tmRoot"/>
+      </p:par>
+    </p:tnLst>
+  </p:timing>
+</p:sld>
+</file>
+
+<file path=ppt/slides/slide18.xml><?xml version="1.0" encoding="utf-8"?>
+<p:sld xmlns:a="http://schemas.openxmlformats.org/drawingml/2006/main" xmlns:r="http://schemas.openxmlformats.org/officeDocument/2006/relationships" xmlns:p="http://schemas.openxmlformats.org/presentationml/2006/main">
+  <p:cSld>
+    <p:spTree>
+      <p:nvGrpSpPr>
+        <p:cNvPr id="1" name=""/>
+        <p:cNvGrpSpPr/>
+        <p:nvPr/>
+      </p:nvGrpSpPr>
+      <p:grpSpPr>
+        <a:xfrm>
+          <a:off x="0" y="0"/>
+          <a:ext cx="0" cy="0"/>
+          <a:chOff x="0" y="0"/>
+          <a:chExt cx="0" cy="0"/>
+        </a:xfrm>
+      </p:grpSpPr>
+      <p:sp>
+        <p:nvSpPr>
+          <p:cNvPr id="2" name="Titel 1"/>
+          <p:cNvSpPr>
+            <a:spLocks noGrp="1"/>
+          </p:cNvSpPr>
+          <p:nvPr>
+            <p:ph type="title"/>
+          </p:nvPr>
+        </p:nvSpPr>
+        <p:spPr/>
+        <p:txBody>
+          <a:bodyPr/>
+          <a:lstStyle/>
+          <a:p>
+            <a:r>
+              <a:rPr lang="de-DE" dirty="0" smtClean="0"/>
+              <a:t>Master </a:t>
+            </a:r>
+            <a:r>
+              <a:rPr lang="de-DE" dirty="0" err="1" smtClean="0"/>
+              <a:t>data</a:t>
+            </a:r>
+            <a:endParaRPr lang="de-DE" dirty="0"/>
+          </a:p>
+        </p:txBody>
+      </p:sp>
+      <p:pic>
+        <p:nvPicPr>
+          <p:cNvPr id="6" name="Bild 5" descr="Screen Shot 2013-01-15 at 6.37.14 PM.png"/>
+          <p:cNvPicPr>
+            <a:picLocks noChangeAspect="1"/>
+          </p:cNvPicPr>
+          <p:nvPr/>
+        </p:nvPicPr>
+        <p:blipFill>
+          <a:blip r:embed="rId2">
+            <a:extLst>
+              <a:ext uri="{28A0092B-C50C-407E-A947-70E740481C1C}">
+                <a14:useLocalDpi xmlns:a14="http://schemas.microsoft.com/office/drawing/2010/main" val="0"/>
+              </a:ext>
+            </a:extLst>
+          </a:blip>
+          <a:stretch>
+            <a:fillRect/>
+          </a:stretch>
+        </p:blipFill>
+        <p:spPr>
+          <a:xfrm>
+            <a:off x="1775888" y="1861724"/>
+            <a:ext cx="3952164" cy="4181275"/>
+          </a:xfrm>
+          <a:prstGeom prst="rect">
+            <a:avLst/>
+          </a:prstGeom>
+        </p:spPr>
+      </p:pic>
+      <p:sp>
+        <p:nvSpPr>
+          <p:cNvPr id="7" name="Inhaltsplatzhalter 6"/>
+          <p:cNvSpPr>
+            <a:spLocks noGrp="1"/>
+          </p:cNvSpPr>
+          <p:nvPr>
+            <p:ph idx="1"/>
+          </p:nvPr>
+        </p:nvSpPr>
+        <p:spPr>
+          <a:xfrm>
+            <a:off x="5830339" y="2037051"/>
+            <a:ext cx="2953660" cy="3939186"/>
+          </a:xfrm>
+        </p:spPr>
+        <p:txBody>
+          <a:bodyPr/>
+          <a:lstStyle/>
+          <a:p>
+            <a:pPr lvl="2"/>
+            <a:r>
+              <a:rPr lang="de-DE" dirty="0"/>
+              <a:t>Human </a:t>
+            </a:r>
+            <a:r>
+              <a:rPr lang="de-DE" dirty="0" err="1"/>
+              <a:t>readability</a:t>
+            </a:r>
+            <a:r>
+              <a:rPr lang="de-DE" dirty="0"/>
+              <a:t> </a:t>
+            </a:r>
+            <a:r>
+              <a:rPr lang="de-DE" dirty="0" err="1" smtClean="0"/>
+              <a:t>mandatory</a:t>
+            </a:r>
+            <a:endParaRPr lang="de-DE" dirty="0"/>
+          </a:p>
+          <a:p>
+            <a:pPr lvl="2"/>
+            <a:r>
+              <a:rPr lang="de-DE" dirty="0" smtClean="0"/>
+              <a:t>Syntax </a:t>
+            </a:r>
+            <a:r>
+              <a:rPr lang="de-DE" dirty="0" err="1" smtClean="0"/>
+              <a:t>checking</a:t>
+            </a:r>
+            <a:r>
+              <a:rPr lang="de-DE" dirty="0" smtClean="0"/>
+              <a:t> </a:t>
+            </a:r>
+            <a:r>
+              <a:rPr lang="de-DE" dirty="0" err="1" smtClean="0"/>
+              <a:t>possible</a:t>
+            </a:r>
+            <a:r>
+              <a:rPr lang="de-DE" dirty="0" smtClean="0"/>
+              <a:t> </a:t>
+            </a:r>
+            <a:r>
+              <a:rPr lang="de-DE" dirty="0" err="1" smtClean="0"/>
+              <a:t>using</a:t>
+            </a:r>
+            <a:r>
+              <a:rPr lang="de-DE" dirty="0"/>
+              <a:t/>
+            </a:r>
+            <a:br>
+              <a:rPr lang="de-DE" dirty="0"/>
+            </a:br>
+            <a:r>
+              <a:rPr lang="de-DE" dirty="0" smtClean="0"/>
+              <a:t>XSD-Schema</a:t>
+            </a:r>
+            <a:endParaRPr lang="de-DE" dirty="0"/>
+          </a:p>
+        </p:txBody>
+      </p:sp>
+    </p:spTree>
+    <p:extLst>
+      <p:ext uri="{BB962C8B-B14F-4D97-AF65-F5344CB8AC3E}">
+        <p14:creationId xmlns:p14="http://schemas.microsoft.com/office/powerpoint/2010/main" val="2253214857"/>
+      </p:ext>
+    </p:extLst>
+  </p:cSld>
+  <p:clrMapOvr>
+    <a:masterClrMapping/>
+  </p:clrMapOvr>
+  <p:timing>
+    <p:tnLst>
+      <p:par>
+        <p:cTn xmlns:p14="http://schemas.microsoft.com/office/powerpoint/2010/main" id="1" dur="indefinite" restart="never" nodeType="tmRoot"/>
+      </p:par>
+    </p:tnLst>
+  </p:timing>
+</p:sld>
+</file>
+
+<file path=ppt/slides/slide19.xml><?xml version="1.0" encoding="utf-8"?>
+<p:sld xmlns:a="http://schemas.openxmlformats.org/drawingml/2006/main" xmlns:r="http://schemas.openxmlformats.org/officeDocument/2006/relationships" xmlns:p="http://schemas.openxmlformats.org/presentationml/2006/main">
+  <p:cSld>
+    <p:spTree>
+      <p:nvGrpSpPr>
+        <p:cNvPr id="1" name=""/>
+        <p:cNvGrpSpPr/>
+        <p:nvPr/>
+      </p:nvGrpSpPr>
+      <p:grpSpPr>
+        <a:xfrm>
+          <a:off x="0" y="0"/>
+          <a:ext cx="0" cy="0"/>
+          <a:chOff x="0" y="0"/>
+          <a:chExt cx="0" cy="0"/>
+        </a:xfrm>
+      </p:grpSpPr>
+      <p:sp>
+        <p:nvSpPr>
+          <p:cNvPr id="2" name="Titel 1"/>
+          <p:cNvSpPr>
+            <a:spLocks noGrp="1"/>
+          </p:cNvSpPr>
+          <p:nvPr>
+            <p:ph type="title"/>
+          </p:nvPr>
+        </p:nvSpPr>
+        <p:spPr/>
+        <p:txBody>
+          <a:bodyPr/>
+          <a:lstStyle/>
+          <a:p>
+            <a:r>
+              <a:rPr lang="de-DE" dirty="0" smtClean="0"/>
+              <a:t>XML-</a:t>
+            </a:r>
+            <a:r>
+              <a:rPr lang="de-DE" dirty="0" err="1" smtClean="0"/>
+              <a:t>persistence</a:t>
+            </a:r>
+            <a:r>
+              <a:rPr lang="de-DE" dirty="0" smtClean="0"/>
+              <a:t> </a:t>
+            </a:r>
+            <a:r>
+              <a:rPr lang="de-DE" dirty="0" err="1" smtClean="0"/>
+              <a:t>data</a:t>
+            </a:r>
+            <a:r>
+              <a:rPr lang="de-DE" dirty="0" smtClean="0"/>
+              <a:t> </a:t>
+            </a:r>
+            <a:r>
+              <a:rPr lang="de-DE" dirty="0" err="1" smtClean="0"/>
+              <a:t>objects</a:t>
+            </a:r>
+            <a:endParaRPr lang="de-DE" dirty="0"/>
+          </a:p>
+        </p:txBody>
+      </p:sp>
+      <p:sp>
+        <p:nvSpPr>
+          <p:cNvPr id="7" name="Inhaltsplatzhalter 6"/>
+          <p:cNvSpPr>
+            <a:spLocks noGrp="1"/>
+          </p:cNvSpPr>
+          <p:nvPr>
+            <p:ph idx="1"/>
+          </p:nvPr>
+        </p:nvSpPr>
+        <p:spPr>
+          <a:xfrm>
+            <a:off x="5047837" y="2037051"/>
+            <a:ext cx="3736162" cy="3939186"/>
+          </a:xfrm>
+        </p:spPr>
+        <p:txBody>
+          <a:bodyPr/>
+          <a:lstStyle/>
+          <a:p>
+            <a:pPr lvl="2"/>
+            <a:r>
+              <a:rPr lang="de-DE" dirty="0" smtClean="0"/>
+              <a:t>Java </a:t>
+            </a:r>
+            <a:r>
+              <a:rPr lang="de-DE" dirty="0" err="1" smtClean="0"/>
+              <a:t>classes</a:t>
+            </a:r>
+            <a:r>
+              <a:rPr lang="de-DE" dirty="0" smtClean="0"/>
+              <a:t> </a:t>
+            </a:r>
+            <a:r>
+              <a:rPr lang="de-DE" dirty="0" err="1" smtClean="0"/>
+              <a:t>are</a:t>
+            </a:r>
+            <a:r>
+              <a:rPr lang="de-DE" dirty="0" smtClean="0"/>
+              <a:t> </a:t>
+            </a:r>
+            <a:r>
+              <a:rPr lang="de-DE" dirty="0" err="1" smtClean="0"/>
+              <a:t>mapped</a:t>
+            </a:r>
+            <a:r>
+              <a:rPr lang="de-DE" dirty="0" smtClean="0"/>
+              <a:t> </a:t>
+            </a:r>
+            <a:r>
+              <a:rPr lang="de-DE" dirty="0" err="1" smtClean="0"/>
+              <a:t>to</a:t>
+            </a:r>
+            <a:r>
+              <a:rPr lang="de-DE" dirty="0" smtClean="0"/>
+              <a:t> XML </a:t>
+            </a:r>
+            <a:r>
+              <a:rPr lang="de-DE" dirty="0" err="1" smtClean="0"/>
+              <a:t>using</a:t>
+            </a:r>
+            <a:r>
+              <a:rPr lang="de-DE" dirty="0" smtClean="0"/>
+              <a:t> JAXB </a:t>
+            </a:r>
+            <a:r>
+              <a:rPr lang="de-DE" dirty="0" err="1" smtClean="0"/>
+              <a:t>annotations</a:t>
+            </a:r>
+            <a:endParaRPr lang="de-DE" dirty="0"/>
+          </a:p>
+          <a:p>
+            <a:pPr lvl="2"/>
+            <a:r>
+              <a:rPr lang="de-DE" dirty="0" err="1" smtClean="0"/>
+              <a:t>Again</a:t>
+            </a:r>
+            <a:r>
+              <a:rPr lang="de-DE" dirty="0" smtClean="0"/>
+              <a:t>, PDO-</a:t>
+            </a:r>
+            <a:r>
+              <a:rPr lang="de-DE" dirty="0" err="1" smtClean="0"/>
+              <a:t>classes</a:t>
+            </a:r>
+            <a:r>
+              <a:rPr lang="de-DE" dirty="0" smtClean="0"/>
+              <a:t> </a:t>
+            </a:r>
+            <a:r>
+              <a:rPr lang="de-DE" dirty="0" err="1" smtClean="0"/>
+              <a:t>implement</a:t>
+            </a:r>
+            <a:r>
+              <a:rPr lang="de-DE" dirty="0" smtClean="0"/>
+              <a:t> </a:t>
+            </a:r>
+            <a:r>
+              <a:rPr lang="de-DE" dirty="0" err="1" smtClean="0"/>
+              <a:t>interfaces</a:t>
+            </a:r>
+            <a:r>
+              <a:rPr lang="de-DE" dirty="0" smtClean="0"/>
+              <a:t> </a:t>
+            </a:r>
+            <a:r>
+              <a:rPr lang="de-DE" dirty="0" err="1" smtClean="0"/>
+              <a:t>from</a:t>
+            </a:r>
+            <a:r>
+              <a:rPr lang="de-DE" dirty="0" smtClean="0"/>
+              <a:t> </a:t>
+            </a:r>
+            <a:r>
+              <a:rPr lang="de-DE" dirty="0" err="1" smtClean="0"/>
+              <a:t>core-package</a:t>
+            </a:r>
+            <a:endParaRPr lang="de-DE" dirty="0" smtClean="0"/>
+          </a:p>
+          <a:p>
+            <a:pPr lvl="2"/>
+            <a:r>
+              <a:rPr lang="de-DE" dirty="0" err="1" smtClean="0"/>
+              <a:t>Unmarshalling</a:t>
+            </a:r>
+            <a:r>
+              <a:rPr lang="de-DE" dirty="0" smtClean="0"/>
+              <a:t> </a:t>
+            </a:r>
+            <a:r>
+              <a:rPr lang="de-DE" dirty="0" err="1" smtClean="0"/>
+              <a:t>of</a:t>
+            </a:r>
+            <a:r>
+              <a:rPr lang="de-DE" dirty="0" smtClean="0"/>
+              <a:t> </a:t>
+            </a:r>
+            <a:r>
+              <a:rPr lang="de-DE" dirty="0" err="1" smtClean="0"/>
+              <a:t>playfields.xml</a:t>
+            </a:r>
+            <a:r>
+              <a:rPr lang="de-DE" dirty="0" smtClean="0"/>
+              <a:t> </a:t>
+            </a:r>
+            <a:r>
+              <a:rPr lang="de-DE" dirty="0" err="1" smtClean="0"/>
+              <a:t>file</a:t>
+            </a:r>
+            <a:r>
+              <a:rPr lang="de-DE" dirty="0" smtClean="0"/>
+              <a:t> </a:t>
+            </a:r>
+            <a:r>
+              <a:rPr lang="de-DE" dirty="0" err="1" smtClean="0"/>
+              <a:t>returns</a:t>
+            </a:r>
+            <a:r>
+              <a:rPr lang="de-DE" dirty="0" smtClean="0"/>
+              <a:t> a </a:t>
+            </a:r>
+            <a:r>
+              <a:rPr lang="de-DE" dirty="0" smtClean="0">
+                <a:latin typeface="Consolas"/>
+                <a:cs typeface="Consolas"/>
+              </a:rPr>
+              <a:t>List</a:t>
+            </a:r>
+            <a:r>
+              <a:rPr lang="de-DE" dirty="0" smtClean="0"/>
+              <a:t> </a:t>
+            </a:r>
+            <a:r>
+              <a:rPr lang="de-DE" dirty="0" err="1" smtClean="0"/>
+              <a:t>of</a:t>
+            </a:r>
+            <a:r>
+              <a:rPr lang="de-DE" dirty="0" smtClean="0"/>
+              <a:t> </a:t>
+            </a:r>
+            <a:r>
+              <a:rPr lang="de-DE" dirty="0" err="1" smtClean="0">
+                <a:latin typeface="Consolas"/>
+                <a:cs typeface="Consolas"/>
+              </a:rPr>
+              <a:t>PlayFieldPdo</a:t>
+            </a:r>
+            <a:endParaRPr lang="de-DE" dirty="0"/>
+          </a:p>
+        </p:txBody>
+      </p:sp>
+      <p:pic>
+        <p:nvPicPr>
+          <p:cNvPr id="3" name="Bild 2" descr="Screen Shot 2013-01-15 at 7.01.21 PM.png"/>
+          <p:cNvPicPr>
+            <a:picLocks noChangeAspect="1"/>
+          </p:cNvPicPr>
+          <p:nvPr/>
+        </p:nvPicPr>
+        <p:blipFill>
+          <a:blip r:embed="rId2">
+            <a:extLst>
+              <a:ext uri="{28A0092B-C50C-407E-A947-70E740481C1C}">
+                <a14:useLocalDpi xmlns:a14="http://schemas.microsoft.com/office/drawing/2010/main" val="0"/>
+              </a:ext>
+            </a:extLst>
+          </a:blip>
+          <a:stretch>
+            <a:fillRect/>
+          </a:stretch>
+        </p:blipFill>
+        <p:spPr>
+          <a:xfrm>
+            <a:off x="1775888" y="1861724"/>
+            <a:ext cx="3271949" cy="4181275"/>
+          </a:xfrm>
+          <a:prstGeom prst="rect">
+            <a:avLst/>
+          </a:prstGeom>
+        </p:spPr>
+      </p:pic>
+    </p:spTree>
+    <p:extLst>
+      <p:ext uri="{BB962C8B-B14F-4D97-AF65-F5344CB8AC3E}">
+        <p14:creationId xmlns:p14="http://schemas.microsoft.com/office/powerpoint/2010/main" val="1201976150"/>
+      </p:ext>
+    </p:extLst>
+  </p:cSld>
+  <p:clrMapOvr>
+    <a:masterClrMapping/>
+  </p:clrMapOvr>
+  <p:timing>
+    <p:tnLst>
+      <p:par>
+        <p:cTn xmlns:p14="http://schemas.microsoft.com/office/powerpoint/2010/main" id="1" dur="indefinite" restart="never" nodeType="tmRoot"/>
+      </p:par>
+    </p:tnLst>
+  </p:timing>
 </p:sld>
 </file>
 
@@ -4380,467 +4504,6 @@
           <a:p>
             <a:r>
               <a:rPr lang="de-DE" dirty="0" smtClean="0"/>
-              <a:t>Master </a:t>
-            </a:r>
-            <a:r>
-              <a:rPr lang="de-DE" dirty="0" err="1" smtClean="0"/>
-              <a:t>data</a:t>
-            </a:r>
-            <a:endParaRPr lang="de-DE" dirty="0"/>
-          </a:p>
-        </p:txBody>
-      </p:sp>
-      <p:pic>
-        <p:nvPicPr>
-          <p:cNvPr id="6" name="Bild 5" descr="Screen Shot 2013-01-15 at 6.37.14 PM.png"/>
-          <p:cNvPicPr>
-            <a:picLocks noChangeAspect="1"/>
-          </p:cNvPicPr>
-          <p:nvPr/>
-        </p:nvPicPr>
-        <p:blipFill>
-          <a:blip r:embed="rId2">
-            <a:extLst>
-              <a:ext uri="{28A0092B-C50C-407E-A947-70E740481C1C}">
-                <a14:useLocalDpi xmlns:a14="http://schemas.microsoft.com/office/drawing/2010/main" val="0"/>
-              </a:ext>
-            </a:extLst>
-          </a:blip>
-          <a:stretch>
-            <a:fillRect/>
-          </a:stretch>
-        </p:blipFill>
-        <p:spPr>
-          <a:xfrm>
-            <a:off x="1775888" y="1861724"/>
-            <a:ext cx="3952164" cy="4181275"/>
-          </a:xfrm>
-          <a:prstGeom prst="rect">
-            <a:avLst/>
-          </a:prstGeom>
-        </p:spPr>
-      </p:pic>
-      <p:sp>
-        <p:nvSpPr>
-          <p:cNvPr id="7" name="Inhaltsplatzhalter 6"/>
-          <p:cNvSpPr>
-            <a:spLocks noGrp="1"/>
-          </p:cNvSpPr>
-          <p:nvPr>
-            <p:ph idx="1"/>
-          </p:nvPr>
-        </p:nvSpPr>
-        <p:spPr>
-          <a:xfrm>
-            <a:off x="5830339" y="2037051"/>
-            <a:ext cx="2953660" cy="3939186"/>
-          </a:xfrm>
-        </p:spPr>
-        <p:txBody>
-          <a:bodyPr/>
-          <a:lstStyle/>
-          <a:p>
-            <a:pPr lvl="2"/>
-            <a:r>
-              <a:rPr lang="de-DE" dirty="0"/>
-              <a:t>Human </a:t>
-            </a:r>
-            <a:r>
-              <a:rPr lang="de-DE" dirty="0" err="1"/>
-              <a:t>readability</a:t>
-            </a:r>
-            <a:r>
-              <a:rPr lang="de-DE" dirty="0"/>
-              <a:t> </a:t>
-            </a:r>
-            <a:r>
-              <a:rPr lang="de-DE" dirty="0" err="1" smtClean="0"/>
-              <a:t>mandatory</a:t>
-            </a:r>
-            <a:endParaRPr lang="de-DE" dirty="0"/>
-          </a:p>
-          <a:p>
-            <a:pPr lvl="2"/>
-            <a:r>
-              <a:rPr lang="de-DE" dirty="0" smtClean="0"/>
-              <a:t>Syntax </a:t>
-            </a:r>
-            <a:r>
-              <a:rPr lang="de-DE" dirty="0" err="1" smtClean="0"/>
-              <a:t>checking</a:t>
-            </a:r>
-            <a:r>
-              <a:rPr lang="de-DE" dirty="0" smtClean="0"/>
-              <a:t> </a:t>
-            </a:r>
-            <a:r>
-              <a:rPr lang="de-DE" dirty="0" err="1" smtClean="0"/>
-              <a:t>possible</a:t>
-            </a:r>
-            <a:r>
-              <a:rPr lang="de-DE" dirty="0" smtClean="0"/>
-              <a:t> </a:t>
-            </a:r>
-            <a:r>
-              <a:rPr lang="de-DE" dirty="0" err="1" smtClean="0"/>
-              <a:t>using</a:t>
-            </a:r>
-            <a:r>
-              <a:rPr lang="de-DE" dirty="0"/>
-              <a:t/>
-            </a:r>
-            <a:br>
-              <a:rPr lang="de-DE" dirty="0"/>
-            </a:br>
-            <a:r>
-              <a:rPr lang="de-DE" dirty="0" smtClean="0"/>
-              <a:t>XSD-Schema</a:t>
-            </a:r>
-            <a:endParaRPr lang="de-DE" dirty="0"/>
-          </a:p>
-        </p:txBody>
-      </p:sp>
-    </p:spTree>
-    <p:extLst>
-      <p:ext uri="{BB962C8B-B14F-4D97-AF65-F5344CB8AC3E}">
-        <p14:creationId xmlns:p14="http://schemas.microsoft.com/office/powerpoint/2010/main" val="2253214857"/>
-      </p:ext>
-    </p:extLst>
-  </p:cSld>
-  <p:clrMapOvr>
-    <a:masterClrMapping/>
-  </p:clrMapOvr>
-</p:sld>
-</file>
-
-<file path=ppt/slides/slide21.xml><?xml version="1.0" encoding="utf-8"?>
-<p:sld xmlns:a="http://schemas.openxmlformats.org/drawingml/2006/main" xmlns:r="http://schemas.openxmlformats.org/officeDocument/2006/relationships" xmlns:p="http://schemas.openxmlformats.org/presentationml/2006/main">
-  <p:cSld>
-    <p:spTree>
-      <p:nvGrpSpPr>
-        <p:cNvPr id="1" name=""/>
-        <p:cNvGrpSpPr/>
-        <p:nvPr/>
-      </p:nvGrpSpPr>
-      <p:grpSpPr>
-        <a:xfrm>
-          <a:off x="0" y="0"/>
-          <a:ext cx="0" cy="0"/>
-          <a:chOff x="0" y="0"/>
-          <a:chExt cx="0" cy="0"/>
-        </a:xfrm>
-      </p:grpSpPr>
-      <p:sp>
-        <p:nvSpPr>
-          <p:cNvPr id="2" name="Titel 1"/>
-          <p:cNvSpPr>
-            <a:spLocks noGrp="1"/>
-          </p:cNvSpPr>
-          <p:nvPr>
-            <p:ph type="title"/>
-          </p:nvPr>
-        </p:nvSpPr>
-        <p:spPr/>
-        <p:txBody>
-          <a:bodyPr/>
-          <a:lstStyle/>
-          <a:p>
-            <a:r>
-              <a:rPr lang="de-DE" dirty="0" smtClean="0"/>
-              <a:t>XML-</a:t>
-            </a:r>
-            <a:r>
-              <a:rPr lang="de-DE" dirty="0" err="1" smtClean="0"/>
-              <a:t>persistence</a:t>
-            </a:r>
-            <a:r>
-              <a:rPr lang="de-DE" dirty="0" smtClean="0"/>
-              <a:t> </a:t>
-            </a:r>
-            <a:r>
-              <a:rPr lang="de-DE" dirty="0" err="1" smtClean="0"/>
-              <a:t>data</a:t>
-            </a:r>
-            <a:r>
-              <a:rPr lang="de-DE" dirty="0" smtClean="0"/>
-              <a:t> </a:t>
-            </a:r>
-            <a:r>
-              <a:rPr lang="de-DE" dirty="0" err="1" smtClean="0"/>
-              <a:t>objects</a:t>
-            </a:r>
-            <a:endParaRPr lang="de-DE" dirty="0"/>
-          </a:p>
-        </p:txBody>
-      </p:sp>
-      <p:sp>
-        <p:nvSpPr>
-          <p:cNvPr id="7" name="Inhaltsplatzhalter 6"/>
-          <p:cNvSpPr>
-            <a:spLocks noGrp="1"/>
-          </p:cNvSpPr>
-          <p:nvPr>
-            <p:ph idx="1"/>
-          </p:nvPr>
-        </p:nvSpPr>
-        <p:spPr>
-          <a:xfrm>
-            <a:off x="5047837" y="2037051"/>
-            <a:ext cx="3736162" cy="3939186"/>
-          </a:xfrm>
-        </p:spPr>
-        <p:txBody>
-          <a:bodyPr/>
-          <a:lstStyle/>
-          <a:p>
-            <a:pPr lvl="2"/>
-            <a:r>
-              <a:rPr lang="de-DE" dirty="0" smtClean="0"/>
-              <a:t>Java </a:t>
-            </a:r>
-            <a:r>
-              <a:rPr lang="de-DE" dirty="0" err="1" smtClean="0"/>
-              <a:t>classes</a:t>
-            </a:r>
-            <a:r>
-              <a:rPr lang="de-DE" dirty="0" smtClean="0"/>
-              <a:t> </a:t>
-            </a:r>
-            <a:r>
-              <a:rPr lang="de-DE" dirty="0" err="1" smtClean="0"/>
-              <a:t>are</a:t>
-            </a:r>
-            <a:r>
-              <a:rPr lang="de-DE" dirty="0" smtClean="0"/>
-              <a:t> </a:t>
-            </a:r>
-            <a:r>
-              <a:rPr lang="de-DE" dirty="0" err="1" smtClean="0"/>
-              <a:t>mapped</a:t>
-            </a:r>
-            <a:r>
-              <a:rPr lang="de-DE" dirty="0" smtClean="0"/>
-              <a:t> </a:t>
-            </a:r>
-            <a:r>
-              <a:rPr lang="de-DE" dirty="0" err="1" smtClean="0"/>
-              <a:t>to</a:t>
-            </a:r>
-            <a:r>
-              <a:rPr lang="de-DE" dirty="0" smtClean="0"/>
-              <a:t> XML </a:t>
-            </a:r>
-            <a:r>
-              <a:rPr lang="de-DE" dirty="0" err="1" smtClean="0"/>
-              <a:t>using</a:t>
-            </a:r>
-            <a:r>
-              <a:rPr lang="de-DE" dirty="0" smtClean="0"/>
-              <a:t> JAXB </a:t>
-            </a:r>
-            <a:r>
-              <a:rPr lang="de-DE" dirty="0" err="1" smtClean="0"/>
-              <a:t>annotations</a:t>
-            </a:r>
-            <a:endParaRPr lang="de-DE" dirty="0"/>
-          </a:p>
-          <a:p>
-            <a:pPr lvl="2"/>
-            <a:r>
-              <a:rPr lang="de-DE" dirty="0" err="1" smtClean="0"/>
-              <a:t>Again</a:t>
-            </a:r>
-            <a:r>
-              <a:rPr lang="de-DE" dirty="0" smtClean="0"/>
-              <a:t>, PDO-</a:t>
-            </a:r>
-            <a:r>
-              <a:rPr lang="de-DE" dirty="0" err="1" smtClean="0"/>
-              <a:t>classes</a:t>
-            </a:r>
-            <a:r>
-              <a:rPr lang="de-DE" dirty="0" smtClean="0"/>
-              <a:t> </a:t>
-            </a:r>
-            <a:r>
-              <a:rPr lang="de-DE" dirty="0" err="1" smtClean="0"/>
-              <a:t>implement</a:t>
-            </a:r>
-            <a:r>
-              <a:rPr lang="de-DE" dirty="0" smtClean="0"/>
-              <a:t> </a:t>
-            </a:r>
-            <a:r>
-              <a:rPr lang="de-DE" dirty="0" err="1" smtClean="0"/>
-              <a:t>interfaces</a:t>
-            </a:r>
-            <a:r>
-              <a:rPr lang="de-DE" dirty="0" smtClean="0"/>
-              <a:t> </a:t>
-            </a:r>
-            <a:r>
-              <a:rPr lang="de-DE" dirty="0" err="1" smtClean="0"/>
-              <a:t>from</a:t>
-            </a:r>
-            <a:r>
-              <a:rPr lang="de-DE" dirty="0" smtClean="0"/>
-              <a:t> </a:t>
-            </a:r>
-            <a:r>
-              <a:rPr lang="de-DE" dirty="0" err="1" smtClean="0"/>
-              <a:t>core-package</a:t>
-            </a:r>
-            <a:endParaRPr lang="de-DE" dirty="0" smtClean="0"/>
-          </a:p>
-          <a:p>
-            <a:pPr lvl="2"/>
-            <a:r>
-              <a:rPr lang="de-DE" dirty="0" err="1" smtClean="0"/>
-              <a:t>Unmarshalling</a:t>
-            </a:r>
-            <a:r>
-              <a:rPr lang="de-DE" dirty="0" smtClean="0"/>
-              <a:t> </a:t>
-            </a:r>
-            <a:r>
-              <a:rPr lang="de-DE" dirty="0" err="1" smtClean="0"/>
-              <a:t>of</a:t>
-            </a:r>
-            <a:r>
-              <a:rPr lang="de-DE" dirty="0" smtClean="0"/>
-              <a:t> </a:t>
-            </a:r>
-            <a:r>
-              <a:rPr lang="de-DE" dirty="0" err="1" smtClean="0"/>
-              <a:t>playfields.xml</a:t>
-            </a:r>
-            <a:r>
-              <a:rPr lang="de-DE" dirty="0" smtClean="0"/>
-              <a:t> </a:t>
-            </a:r>
-            <a:r>
-              <a:rPr lang="de-DE" dirty="0" err="1" smtClean="0"/>
-              <a:t>file</a:t>
-            </a:r>
-            <a:r>
-              <a:rPr lang="de-DE" dirty="0" smtClean="0"/>
-              <a:t> </a:t>
-            </a:r>
-            <a:r>
-              <a:rPr lang="de-DE" dirty="0" err="1" smtClean="0"/>
-              <a:t>returns</a:t>
-            </a:r>
-            <a:r>
-              <a:rPr lang="de-DE" dirty="0" smtClean="0"/>
-              <a:t> a </a:t>
-            </a:r>
-            <a:r>
-              <a:rPr lang="de-DE" dirty="0" smtClean="0">
-                <a:latin typeface="Consolas"/>
-                <a:cs typeface="Consolas"/>
-              </a:rPr>
-              <a:t>List</a:t>
-            </a:r>
-            <a:r>
-              <a:rPr lang="de-DE" dirty="0" smtClean="0"/>
-              <a:t> </a:t>
-            </a:r>
-            <a:r>
-              <a:rPr lang="de-DE" dirty="0" err="1" smtClean="0"/>
-              <a:t>of</a:t>
-            </a:r>
-            <a:r>
-              <a:rPr lang="de-DE" dirty="0" smtClean="0"/>
-              <a:t> </a:t>
-            </a:r>
-            <a:r>
-              <a:rPr lang="de-DE" dirty="0" err="1" smtClean="0">
-                <a:latin typeface="Consolas"/>
-                <a:cs typeface="Consolas"/>
-              </a:rPr>
-              <a:t>PlayFieldPdo</a:t>
-            </a:r>
-            <a:endParaRPr lang="de-DE" dirty="0"/>
-          </a:p>
-        </p:txBody>
-      </p:sp>
-      <p:pic>
-        <p:nvPicPr>
-          <p:cNvPr id="3" name="Bild 2" descr="Screen Shot 2013-01-15 at 7.01.21 PM.png"/>
-          <p:cNvPicPr>
-            <a:picLocks noChangeAspect="1"/>
-          </p:cNvPicPr>
-          <p:nvPr/>
-        </p:nvPicPr>
-        <p:blipFill>
-          <a:blip r:embed="rId2">
-            <a:extLst>
-              <a:ext uri="{28A0092B-C50C-407E-A947-70E740481C1C}">
-                <a14:useLocalDpi xmlns:a14="http://schemas.microsoft.com/office/drawing/2010/main" val="0"/>
-              </a:ext>
-            </a:extLst>
-          </a:blip>
-          <a:stretch>
-            <a:fillRect/>
-          </a:stretch>
-        </p:blipFill>
-        <p:spPr>
-          <a:xfrm>
-            <a:off x="1775888" y="1861724"/>
-            <a:ext cx="3271949" cy="4181275"/>
-          </a:xfrm>
-          <a:prstGeom prst="rect">
-            <a:avLst/>
-          </a:prstGeom>
-        </p:spPr>
-      </p:pic>
-    </p:spTree>
-    <p:extLst>
-      <p:ext uri="{BB962C8B-B14F-4D97-AF65-F5344CB8AC3E}">
-        <p14:creationId xmlns:p14="http://schemas.microsoft.com/office/powerpoint/2010/main" val="1201976150"/>
-      </p:ext>
-    </p:extLst>
-  </p:cSld>
-  <p:clrMapOvr>
-    <a:masterClrMapping/>
-  </p:clrMapOvr>
-</p:sld>
-</file>
-
-<file path=ppt/slides/slide22.xml><?xml version="1.0" encoding="utf-8"?>
-<p:sld xmlns:a="http://schemas.openxmlformats.org/drawingml/2006/main" xmlns:r="http://schemas.openxmlformats.org/officeDocument/2006/relationships" xmlns:p="http://schemas.openxmlformats.org/presentationml/2006/main">
-  <p:cSld>
-    <p:spTree>
-      <p:nvGrpSpPr>
-        <p:cNvPr id="1" name=""/>
-        <p:cNvGrpSpPr/>
-        <p:nvPr/>
-      </p:nvGrpSpPr>
-      <p:grpSpPr>
-        <a:xfrm>
-          <a:off x="0" y="0"/>
-          <a:ext cx="0" cy="0"/>
-          <a:chOff x="0" y="0"/>
-          <a:chExt cx="0" cy="0"/>
-        </a:xfrm>
-      </p:grpSpPr>
-      <p:sp>
-        <p:nvSpPr>
-          <p:cNvPr id="2" name="Titel 1"/>
-          <p:cNvSpPr>
-            <a:spLocks noGrp="1"/>
-          </p:cNvSpPr>
-          <p:nvPr>
-            <p:ph type="title"/>
-          </p:nvPr>
-        </p:nvSpPr>
-        <p:spPr/>
-        <p:txBody>
-          <a:bodyPr/>
-          <a:lstStyle/>
-          <a:p>
-            <a:r>
-              <a:rPr lang="de-DE" dirty="0" smtClean="0"/>
               <a:t>Java JAXB </a:t>
             </a:r>
             <a:r>
@@ -4891,10 +4554,17 @@
   <p:clrMapOvr>
     <a:masterClrMapping/>
   </p:clrMapOvr>
+  <p:timing>
+    <p:tnLst>
+      <p:par>
+        <p:cTn xmlns:p14="http://schemas.microsoft.com/office/powerpoint/2010/main" id="1" dur="indefinite" restart="never" nodeType="tmRoot"/>
+      </p:par>
+    </p:tnLst>
+  </p:timing>
 </p:sld>
 </file>
 
-<file path=ppt/slides/slide23.xml><?xml version="1.0" encoding="utf-8"?>
+<file path=ppt/slides/slide21.xml><?xml version="1.0" encoding="utf-8"?>
 <p:sld xmlns:a="http://schemas.openxmlformats.org/drawingml/2006/main" xmlns:r="http://schemas.openxmlformats.org/officeDocument/2006/relationships" xmlns:p="http://schemas.openxmlformats.org/presentationml/2006/main">
   <p:cSld>
     <p:spTree>
@@ -4978,10 +4648,17 @@
   <p:clrMapOvr>
     <a:masterClrMapping/>
   </p:clrMapOvr>
+  <p:timing>
+    <p:tnLst>
+      <p:par>
+        <p:cTn xmlns:p14="http://schemas.microsoft.com/office/powerpoint/2010/main" id="1" dur="indefinite" restart="never" nodeType="tmRoot"/>
+      </p:par>
+    </p:tnLst>
+  </p:timing>
 </p:sld>
 </file>
 
-<file path=ppt/slides/slide24.xml><?xml version="1.0" encoding="utf-8"?>
+<file path=ppt/slides/slide22.xml><?xml version="1.0" encoding="utf-8"?>
 <p:sld xmlns:a="http://schemas.openxmlformats.org/drawingml/2006/main" xmlns:r="http://schemas.openxmlformats.org/officeDocument/2006/relationships" xmlns:p="http://schemas.openxmlformats.org/presentationml/2006/main">
   <p:cSld>
     <p:spTree>
@@ -5056,7 +4733,7 @@
 </p:sld>
 </file>
 
-<file path=ppt/slides/slide25.xml><?xml version="1.0" encoding="utf-8"?>
+<file path=ppt/slides/slide23.xml><?xml version="1.0" encoding="utf-8"?>
 <p:sld xmlns:a="http://schemas.openxmlformats.org/drawingml/2006/main" xmlns:r="http://schemas.openxmlformats.org/officeDocument/2006/relationships" xmlns:p="http://schemas.openxmlformats.org/presentationml/2006/main">
   <p:cSld>
     <p:spTree>
@@ -5150,7 +4827,7 @@
 </p:sld>
 </file>
 
-<file path=ppt/slides/slide26.xml><?xml version="1.0" encoding="utf-8"?>
+<file path=ppt/slides/slide24.xml><?xml version="1.0" encoding="utf-8"?>
 <p:sld xmlns:a="http://schemas.openxmlformats.org/drawingml/2006/main" xmlns:r="http://schemas.openxmlformats.org/officeDocument/2006/relationships" xmlns:p="http://schemas.openxmlformats.org/presentationml/2006/main">
   <p:cSld>
     <p:spTree>
@@ -5387,7 +5064,7 @@
 </p:sld>
 </file>
 
-<file path=ppt/slides/slide27.xml><?xml version="1.0" encoding="utf-8"?>
+<file path=ppt/slides/slide25.xml><?xml version="1.0" encoding="utf-8"?>
 <p:sld xmlns:a="http://schemas.openxmlformats.org/drawingml/2006/main" xmlns:r="http://schemas.openxmlformats.org/officeDocument/2006/relationships" xmlns:p="http://schemas.openxmlformats.org/presentationml/2006/main">
   <p:cSld>
     <p:spTree>
@@ -6083,7 +5760,7 @@
 </p:sld>
 </file>
 
-<file path=ppt/slides/slide28.xml><?xml version="1.0" encoding="utf-8"?>
+<file path=ppt/slides/slide26.xml><?xml version="1.0" encoding="utf-8"?>
 <p:sld xmlns:a="http://schemas.openxmlformats.org/drawingml/2006/main" xmlns:r="http://schemas.openxmlformats.org/officeDocument/2006/relationships" xmlns:p="http://schemas.openxmlformats.org/presentationml/2006/main">
   <p:cSld>
     <p:spTree>
@@ -6181,7 +5858,7 @@
 </p:sld>
 </file>
 
-<file path=ppt/slides/slide29.xml><?xml version="1.0" encoding="utf-8"?>
+<file path=ppt/slides/slide27.xml><?xml version="1.0" encoding="utf-8"?>
 <p:sld xmlns:a="http://schemas.openxmlformats.org/drawingml/2006/main" xmlns:r="http://schemas.openxmlformats.org/officeDocument/2006/relationships" xmlns:p="http://schemas.openxmlformats.org/presentationml/2006/main">
   <p:cSld>
     <p:spTree>
@@ -6317,6 +5994,782 @@
 </p:sld>
 </file>
 
+<file path=ppt/slides/slide28.xml><?xml version="1.0" encoding="utf-8"?>
+<p:sld xmlns:a="http://schemas.openxmlformats.org/drawingml/2006/main" xmlns:r="http://schemas.openxmlformats.org/officeDocument/2006/relationships" xmlns:p="http://schemas.openxmlformats.org/presentationml/2006/main">
+  <p:cSld>
+    <p:spTree>
+      <p:nvGrpSpPr>
+        <p:cNvPr id="1" name=""/>
+        <p:cNvGrpSpPr/>
+        <p:nvPr/>
+      </p:nvGrpSpPr>
+      <p:grpSpPr>
+        <a:xfrm>
+          <a:off x="0" y="0"/>
+          <a:ext cx="0" cy="0"/>
+          <a:chOff x="0" y="0"/>
+          <a:chExt cx="0" cy="0"/>
+        </a:xfrm>
+      </p:grpSpPr>
+      <p:sp>
+        <p:nvSpPr>
+          <p:cNvPr id="2" name="Titel 1"/>
+          <p:cNvSpPr>
+            <a:spLocks noGrp="1"/>
+          </p:cNvSpPr>
+          <p:nvPr>
+            <p:ph type="title"/>
+          </p:nvPr>
+        </p:nvSpPr>
+        <p:spPr/>
+        <p:txBody>
+          <a:bodyPr/>
+          <a:lstStyle/>
+          <a:p>
+            <a:r>
+              <a:rPr lang="de-DE" dirty="0" err="1" smtClean="0"/>
+              <a:t>Better</a:t>
+            </a:r>
+            <a:r>
+              <a:rPr lang="de-DE" dirty="0" smtClean="0"/>
+              <a:t> </a:t>
+            </a:r>
+            <a:r>
+              <a:rPr lang="de-DE" dirty="0" err="1" smtClean="0"/>
+              <a:t>solution</a:t>
+            </a:r>
+            <a:endParaRPr lang="de-DE" dirty="0"/>
+          </a:p>
+        </p:txBody>
+      </p:sp>
+      <p:sp>
+        <p:nvSpPr>
+          <p:cNvPr id="3" name="Inhaltsplatzhalter 2"/>
+          <p:cNvSpPr>
+            <a:spLocks noGrp="1"/>
+          </p:cNvSpPr>
+          <p:nvPr>
+            <p:ph idx="1"/>
+          </p:nvPr>
+        </p:nvSpPr>
+        <p:spPr>
+          <a:xfrm>
+            <a:off x="1800000" y="1861724"/>
+            <a:ext cx="6984000" cy="4735251"/>
+          </a:xfrm>
+        </p:spPr>
+        <p:txBody>
+          <a:bodyPr>
+            <a:normAutofit/>
+          </a:bodyPr>
+          <a:lstStyle/>
+          <a:p>
+            <a:r>
+              <a:rPr lang="de-DE" dirty="0" err="1" smtClean="0">
+                <a:solidFill>
+                  <a:srgbClr val="604A7B"/>
+                </a:solidFill>
+                <a:latin typeface="Consolas"/>
+                <a:cs typeface="Consolas"/>
+              </a:rPr>
+              <a:t>public</a:t>
+            </a:r>
+            <a:r>
+              <a:rPr lang="de-DE" dirty="0" smtClean="0">
+                <a:solidFill>
+                  <a:srgbClr val="604A7B"/>
+                </a:solidFill>
+                <a:latin typeface="Consolas"/>
+                <a:cs typeface="Consolas"/>
+              </a:rPr>
+              <a:t> </a:t>
+            </a:r>
+            <a:r>
+              <a:rPr lang="de-DE" dirty="0" err="1" smtClean="0">
+                <a:solidFill>
+                  <a:srgbClr val="604A7B"/>
+                </a:solidFill>
+                <a:latin typeface="Consolas"/>
+                <a:cs typeface="Consolas"/>
+              </a:rPr>
+              <a:t>class</a:t>
+            </a:r>
+            <a:r>
+              <a:rPr lang="de-DE" dirty="0" smtClean="0">
+                <a:solidFill>
+                  <a:srgbClr val="604A7B"/>
+                </a:solidFill>
+                <a:latin typeface="Consolas"/>
+                <a:cs typeface="Consolas"/>
+              </a:rPr>
+              <a:t> </a:t>
+            </a:r>
+            <a:r>
+              <a:rPr lang="de-DE" b="0" dirty="0" err="1" smtClean="0">
+                <a:latin typeface="Consolas"/>
+                <a:cs typeface="Consolas"/>
+              </a:rPr>
+              <a:t>AnyWhere</a:t>
+            </a:r>
+            <a:r>
+              <a:rPr lang="de-DE" b="0" dirty="0" smtClean="0">
+                <a:latin typeface="Consolas"/>
+                <a:cs typeface="Consolas"/>
+              </a:rPr>
+              <a:t> {</a:t>
+            </a:r>
+            <a:endParaRPr lang="de-DE" dirty="0" smtClean="0">
+              <a:latin typeface="Consolas"/>
+              <a:cs typeface="Consolas"/>
+            </a:endParaRPr>
+          </a:p>
+          <a:p>
+            <a:r>
+              <a:rPr lang="de-DE" b="0" dirty="0" smtClean="0">
+                <a:latin typeface="Consolas"/>
+                <a:cs typeface="Consolas"/>
+              </a:rPr>
+              <a:t>	</a:t>
+            </a:r>
+          </a:p>
+          <a:p>
+            <a:r>
+              <a:rPr lang="de-DE" b="0" dirty="0" smtClean="0">
+                <a:latin typeface="Consolas"/>
+                <a:cs typeface="Consolas"/>
+              </a:rPr>
+              <a:t>	</a:t>
+            </a:r>
+            <a:r>
+              <a:rPr lang="de-DE" b="0" dirty="0" smtClean="0">
+                <a:solidFill>
+                  <a:schemeClr val="tx2">
+                    <a:lumMod val="40000"/>
+                    <a:lumOff val="60000"/>
+                  </a:schemeClr>
+                </a:solidFill>
+                <a:latin typeface="Consolas"/>
+                <a:cs typeface="Consolas"/>
+              </a:rPr>
+              <a:t>@</a:t>
+            </a:r>
+            <a:r>
+              <a:rPr lang="de-DE" b="0" dirty="0" err="1" smtClean="0">
+                <a:solidFill>
+                  <a:schemeClr val="tx2">
+                    <a:lumMod val="40000"/>
+                    <a:lumOff val="60000"/>
+                  </a:schemeClr>
+                </a:solidFill>
+                <a:latin typeface="Consolas"/>
+                <a:cs typeface="Consolas"/>
+              </a:rPr>
+              <a:t>Inject</a:t>
+            </a:r>
+            <a:endParaRPr lang="de-DE" b="0" dirty="0" smtClean="0">
+              <a:solidFill>
+                <a:schemeClr val="tx2">
+                  <a:lumMod val="40000"/>
+                  <a:lumOff val="60000"/>
+                </a:schemeClr>
+              </a:solidFill>
+              <a:latin typeface="Consolas"/>
+              <a:cs typeface="Consolas"/>
+            </a:endParaRPr>
+          </a:p>
+          <a:p>
+            <a:r>
+              <a:rPr lang="de-DE" b="0" dirty="0">
+                <a:latin typeface="Consolas"/>
+                <a:cs typeface="Consolas"/>
+              </a:rPr>
+              <a:t>	</a:t>
+            </a:r>
+            <a:r>
+              <a:rPr lang="de-DE" b="0" dirty="0" err="1" smtClean="0">
+                <a:latin typeface="Consolas"/>
+                <a:cs typeface="Consolas"/>
+              </a:rPr>
+              <a:t>PicoContainer</a:t>
+            </a:r>
+            <a:r>
+              <a:rPr lang="de-DE" b="0" dirty="0" smtClean="0">
+                <a:latin typeface="Consolas"/>
+                <a:cs typeface="Consolas"/>
+              </a:rPr>
+              <a:t> </a:t>
+            </a:r>
+            <a:r>
+              <a:rPr lang="de-DE" b="0" dirty="0" err="1" smtClean="0">
+                <a:solidFill>
+                  <a:schemeClr val="accent1">
+                    <a:lumMod val="75000"/>
+                  </a:schemeClr>
+                </a:solidFill>
+                <a:latin typeface="Consolas"/>
+                <a:cs typeface="Consolas"/>
+              </a:rPr>
+              <a:t>context</a:t>
+            </a:r>
+            <a:r>
+              <a:rPr lang="de-DE" b="0" dirty="0" smtClean="0">
+                <a:latin typeface="Consolas"/>
+                <a:cs typeface="Consolas"/>
+              </a:rPr>
+              <a:t>;</a:t>
+            </a:r>
+            <a:endParaRPr lang="de-DE" b="0" dirty="0">
+              <a:latin typeface="Consolas"/>
+              <a:cs typeface="Consolas"/>
+            </a:endParaRPr>
+          </a:p>
+          <a:p>
+            <a:endParaRPr lang="de-DE" b="0" dirty="0">
+              <a:latin typeface="Consolas"/>
+              <a:cs typeface="Consolas"/>
+            </a:endParaRPr>
+          </a:p>
+          <a:p>
+            <a:r>
+              <a:rPr lang="de-DE" dirty="0" smtClean="0">
+                <a:latin typeface="Consolas"/>
+                <a:cs typeface="Consolas"/>
+              </a:rPr>
+              <a:t>	</a:t>
+            </a:r>
+            <a:r>
+              <a:rPr lang="de-DE" dirty="0" err="1" smtClean="0">
+                <a:solidFill>
+                  <a:srgbClr val="604A7B"/>
+                </a:solidFill>
+                <a:latin typeface="Consolas"/>
+                <a:cs typeface="Consolas"/>
+              </a:rPr>
+              <a:t>public</a:t>
+            </a:r>
+            <a:r>
+              <a:rPr lang="de-DE" dirty="0" smtClean="0">
+                <a:solidFill>
+                  <a:srgbClr val="604A7B"/>
+                </a:solidFill>
+                <a:latin typeface="Consolas"/>
+                <a:cs typeface="Consolas"/>
+              </a:rPr>
+              <a:t> </a:t>
+            </a:r>
+            <a:r>
+              <a:rPr lang="de-DE" dirty="0" err="1" smtClean="0">
+                <a:solidFill>
+                  <a:srgbClr val="604A7B"/>
+                </a:solidFill>
+                <a:latin typeface="Consolas"/>
+                <a:cs typeface="Consolas"/>
+              </a:rPr>
+              <a:t>void</a:t>
+            </a:r>
+            <a:r>
+              <a:rPr lang="de-DE" dirty="0" smtClean="0">
+                <a:solidFill>
+                  <a:srgbClr val="604A7B"/>
+                </a:solidFill>
+                <a:latin typeface="Consolas"/>
+                <a:cs typeface="Consolas"/>
+              </a:rPr>
+              <a:t> </a:t>
+            </a:r>
+            <a:r>
+              <a:rPr lang="de-DE" b="0" dirty="0" err="1" smtClean="0">
+                <a:latin typeface="Consolas"/>
+                <a:cs typeface="Consolas"/>
+              </a:rPr>
+              <a:t>needsSimulationManager</a:t>
+            </a:r>
+            <a:r>
+              <a:rPr lang="de-DE" b="0" dirty="0" smtClean="0">
+                <a:latin typeface="Consolas"/>
+                <a:cs typeface="Consolas"/>
+              </a:rPr>
+              <a:t>() {</a:t>
+            </a:r>
+            <a:endParaRPr lang="de-DE" b="0" dirty="0">
+              <a:latin typeface="Consolas"/>
+              <a:cs typeface="Consolas"/>
+            </a:endParaRPr>
+          </a:p>
+          <a:p>
+            <a:r>
+              <a:rPr lang="de-DE" b="0" dirty="0">
+                <a:latin typeface="Consolas"/>
+                <a:cs typeface="Consolas"/>
+              </a:rPr>
+              <a:t>		</a:t>
+            </a:r>
+            <a:r>
+              <a:rPr lang="de-DE" b="0" dirty="0">
+                <a:solidFill>
+                  <a:schemeClr val="accent3">
+                    <a:lumMod val="75000"/>
+                  </a:schemeClr>
+                </a:solidFill>
+                <a:latin typeface="Consolas"/>
+                <a:cs typeface="Consolas"/>
+              </a:rPr>
+              <a:t>// </a:t>
+            </a:r>
+            <a:r>
+              <a:rPr lang="de-DE" b="0" dirty="0" err="1">
+                <a:solidFill>
+                  <a:schemeClr val="accent3">
+                    <a:lumMod val="75000"/>
+                  </a:schemeClr>
+                </a:solidFill>
+                <a:latin typeface="Consolas"/>
+                <a:cs typeface="Consolas"/>
+              </a:rPr>
+              <a:t>PicoContainer</a:t>
+            </a:r>
+            <a:r>
+              <a:rPr lang="de-DE" b="0" dirty="0">
+                <a:solidFill>
+                  <a:schemeClr val="accent3">
+                    <a:lumMod val="75000"/>
+                  </a:schemeClr>
+                </a:solidFill>
+                <a:latin typeface="Consolas"/>
+                <a:cs typeface="Consolas"/>
+              </a:rPr>
+              <a:t> </a:t>
+            </a:r>
+            <a:r>
+              <a:rPr lang="de-DE" b="0" dirty="0" err="1">
+                <a:solidFill>
+                  <a:schemeClr val="accent3">
+                    <a:lumMod val="75000"/>
+                  </a:schemeClr>
+                </a:solidFill>
+                <a:latin typeface="Consolas"/>
+                <a:cs typeface="Consolas"/>
+              </a:rPr>
+              <a:t>injects</a:t>
+            </a:r>
+            <a:r>
+              <a:rPr lang="de-DE" b="0" dirty="0">
+                <a:solidFill>
+                  <a:schemeClr val="accent3">
+                    <a:lumMod val="75000"/>
+                  </a:schemeClr>
+                </a:solidFill>
+                <a:latin typeface="Consolas"/>
+                <a:cs typeface="Consolas"/>
+              </a:rPr>
+              <a:t> </a:t>
+            </a:r>
+            <a:r>
+              <a:rPr lang="de-DE" b="0" dirty="0" err="1">
+                <a:solidFill>
+                  <a:schemeClr val="accent3">
+                    <a:lumMod val="75000"/>
+                  </a:schemeClr>
+                </a:solidFill>
+                <a:latin typeface="Consolas"/>
+                <a:cs typeface="Consolas"/>
+              </a:rPr>
+              <a:t>PresentationManager</a:t>
+            </a:r>
+            <a:endParaRPr lang="de-DE" b="0" dirty="0">
+              <a:solidFill>
+                <a:schemeClr val="accent3">
+                  <a:lumMod val="75000"/>
+                </a:schemeClr>
+              </a:solidFill>
+              <a:latin typeface="Consolas"/>
+              <a:cs typeface="Consolas"/>
+            </a:endParaRPr>
+          </a:p>
+          <a:p>
+            <a:r>
+              <a:rPr lang="de-DE" b="0" dirty="0">
+                <a:solidFill>
+                  <a:schemeClr val="accent3">
+                    <a:lumMod val="75000"/>
+                  </a:schemeClr>
+                </a:solidFill>
+                <a:latin typeface="Consolas"/>
+                <a:cs typeface="Consolas"/>
+              </a:rPr>
+              <a:t>		// </a:t>
+            </a:r>
+            <a:r>
+              <a:rPr lang="de-DE" b="0" dirty="0" err="1">
+                <a:solidFill>
+                  <a:schemeClr val="accent3">
+                    <a:lumMod val="75000"/>
+                  </a:schemeClr>
+                </a:solidFill>
+                <a:latin typeface="Consolas"/>
+                <a:cs typeface="Consolas"/>
+              </a:rPr>
+              <a:t>into</a:t>
+            </a:r>
+            <a:r>
+              <a:rPr lang="de-DE" b="0" dirty="0">
+                <a:solidFill>
+                  <a:schemeClr val="accent3">
+                    <a:lumMod val="75000"/>
+                  </a:schemeClr>
+                </a:solidFill>
+                <a:latin typeface="Consolas"/>
+                <a:cs typeface="Consolas"/>
+              </a:rPr>
+              <a:t> </a:t>
+            </a:r>
+            <a:r>
+              <a:rPr lang="de-DE" b="0" dirty="0" err="1" smtClean="0">
+                <a:solidFill>
+                  <a:schemeClr val="accent3">
+                    <a:lumMod val="75000"/>
+                  </a:schemeClr>
+                </a:solidFill>
+                <a:latin typeface="Consolas"/>
+                <a:cs typeface="Consolas"/>
+              </a:rPr>
+              <a:t>SimulationManager</a:t>
+            </a:r>
+            <a:endParaRPr lang="de-DE" b="0" dirty="0" smtClean="0">
+              <a:latin typeface="Consolas"/>
+              <a:cs typeface="Consolas"/>
+            </a:endParaRPr>
+          </a:p>
+          <a:p>
+            <a:r>
+              <a:rPr lang="de-DE" b="0" dirty="0">
+                <a:latin typeface="Consolas"/>
+                <a:cs typeface="Consolas"/>
+              </a:rPr>
+              <a:t>	</a:t>
+            </a:r>
+            <a:r>
+              <a:rPr lang="de-DE" b="0" dirty="0" smtClean="0">
+                <a:latin typeface="Consolas"/>
+                <a:cs typeface="Consolas"/>
+              </a:rPr>
+              <a:t>	</a:t>
+            </a:r>
+            <a:r>
+              <a:rPr lang="de-DE" b="0" dirty="0" err="1" smtClean="0">
+                <a:latin typeface="Consolas"/>
+                <a:cs typeface="Consolas"/>
+              </a:rPr>
+              <a:t>SimulationManager</a:t>
+            </a:r>
+            <a:r>
+              <a:rPr lang="de-DE" b="0" dirty="0" smtClean="0">
+                <a:latin typeface="Consolas"/>
+                <a:cs typeface="Consolas"/>
+              </a:rPr>
+              <a:t> s = </a:t>
+            </a:r>
+          </a:p>
+          <a:p>
+            <a:r>
+              <a:rPr lang="de-DE" b="0" dirty="0">
+                <a:latin typeface="Consolas"/>
+                <a:cs typeface="Consolas"/>
+              </a:rPr>
+              <a:t>	</a:t>
+            </a:r>
+            <a:r>
+              <a:rPr lang="de-DE" b="0" dirty="0" smtClean="0">
+                <a:latin typeface="Consolas"/>
+                <a:cs typeface="Consolas"/>
+              </a:rPr>
+              <a:t>			</a:t>
+            </a:r>
+            <a:r>
+              <a:rPr lang="de-DE" b="0" dirty="0" err="1" smtClean="0">
+                <a:solidFill>
+                  <a:srgbClr val="376092"/>
+                </a:solidFill>
+                <a:latin typeface="Consolas"/>
+                <a:cs typeface="Consolas"/>
+              </a:rPr>
+              <a:t>context</a:t>
+            </a:r>
+            <a:r>
+              <a:rPr lang="de-DE" b="0" dirty="0" err="1" smtClean="0">
+                <a:latin typeface="Consolas"/>
+                <a:cs typeface="Consolas"/>
+              </a:rPr>
+              <a:t>.getComponent</a:t>
+            </a:r>
+            <a:r>
+              <a:rPr lang="de-DE" b="0" dirty="0" smtClean="0">
+                <a:latin typeface="Consolas"/>
+                <a:cs typeface="Consolas"/>
+              </a:rPr>
+              <a:t>(</a:t>
+            </a:r>
+          </a:p>
+          <a:p>
+            <a:r>
+              <a:rPr lang="de-DE" b="0" dirty="0">
+                <a:solidFill>
+                  <a:schemeClr val="accent1">
+                    <a:lumMod val="75000"/>
+                  </a:schemeClr>
+                </a:solidFill>
+                <a:latin typeface="Consolas"/>
+                <a:cs typeface="Consolas"/>
+              </a:rPr>
+              <a:t>	</a:t>
+            </a:r>
+            <a:r>
+              <a:rPr lang="de-DE" b="0" dirty="0" smtClean="0">
+                <a:solidFill>
+                  <a:schemeClr val="accent1">
+                    <a:lumMod val="75000"/>
+                  </a:schemeClr>
+                </a:solidFill>
+                <a:latin typeface="Consolas"/>
+                <a:cs typeface="Consolas"/>
+              </a:rPr>
+              <a:t>					</a:t>
+            </a:r>
+            <a:r>
+              <a:rPr lang="de-DE" b="0" dirty="0" err="1" smtClean="0">
+                <a:latin typeface="Consolas"/>
+                <a:cs typeface="Consolas"/>
+              </a:rPr>
+              <a:t>SimulationManager.</a:t>
+            </a:r>
+            <a:r>
+              <a:rPr lang="de-DE" b="0" dirty="0" err="1" smtClean="0">
+                <a:solidFill>
+                  <a:schemeClr val="accent4">
+                    <a:lumMod val="75000"/>
+                  </a:schemeClr>
+                </a:solidFill>
+                <a:latin typeface="Consolas"/>
+                <a:cs typeface="Consolas"/>
+              </a:rPr>
+              <a:t>class</a:t>
+            </a:r>
+            <a:r>
+              <a:rPr lang="de-DE" b="0" dirty="0" smtClean="0">
+                <a:latin typeface="Consolas"/>
+                <a:cs typeface="Consolas"/>
+              </a:rPr>
+              <a:t>);</a:t>
+            </a:r>
+          </a:p>
+          <a:p>
+            <a:endParaRPr lang="de-DE" b="0" dirty="0">
+              <a:solidFill>
+                <a:schemeClr val="accent3">
+                  <a:lumMod val="75000"/>
+                </a:schemeClr>
+              </a:solidFill>
+              <a:latin typeface="Consolas"/>
+              <a:cs typeface="Consolas"/>
+            </a:endParaRPr>
+          </a:p>
+          <a:p>
+            <a:r>
+              <a:rPr lang="de-DE" b="0" dirty="0" smtClean="0">
+                <a:solidFill>
+                  <a:schemeClr val="accent3">
+                    <a:lumMod val="75000"/>
+                  </a:schemeClr>
+                </a:solidFill>
+                <a:latin typeface="Consolas"/>
+                <a:cs typeface="Consolas"/>
+              </a:rPr>
+              <a:t>		// do </a:t>
+            </a:r>
+            <a:r>
+              <a:rPr lang="de-DE" b="0" dirty="0" err="1" smtClean="0">
+                <a:solidFill>
+                  <a:schemeClr val="accent3">
+                    <a:lumMod val="75000"/>
+                  </a:schemeClr>
+                </a:solidFill>
+                <a:latin typeface="Consolas"/>
+                <a:cs typeface="Consolas"/>
+              </a:rPr>
+              <a:t>things</a:t>
+            </a:r>
+            <a:r>
+              <a:rPr lang="de-DE" b="0" dirty="0" smtClean="0">
+                <a:solidFill>
+                  <a:schemeClr val="accent3">
+                    <a:lumMod val="75000"/>
+                  </a:schemeClr>
+                </a:solidFill>
+                <a:latin typeface="Consolas"/>
+                <a:cs typeface="Consolas"/>
+              </a:rPr>
+              <a:t> </a:t>
+            </a:r>
+            <a:r>
+              <a:rPr lang="de-DE" b="0" dirty="0" err="1" smtClean="0">
+                <a:solidFill>
+                  <a:schemeClr val="accent3">
+                    <a:lumMod val="75000"/>
+                  </a:schemeClr>
+                </a:solidFill>
+                <a:latin typeface="Consolas"/>
+                <a:cs typeface="Consolas"/>
+              </a:rPr>
+              <a:t>with</a:t>
+            </a:r>
+            <a:r>
+              <a:rPr lang="de-DE" b="0" dirty="0" smtClean="0">
+                <a:solidFill>
+                  <a:schemeClr val="accent3">
+                    <a:lumMod val="75000"/>
+                  </a:schemeClr>
+                </a:solidFill>
+                <a:latin typeface="Consolas"/>
+                <a:cs typeface="Consolas"/>
+              </a:rPr>
+              <a:t> </a:t>
+            </a:r>
+            <a:r>
+              <a:rPr lang="de-DE" b="0" dirty="0" err="1" smtClean="0">
+                <a:solidFill>
+                  <a:schemeClr val="accent3">
+                    <a:lumMod val="75000"/>
+                  </a:schemeClr>
+                </a:solidFill>
+                <a:latin typeface="Consolas"/>
+                <a:cs typeface="Consolas"/>
+              </a:rPr>
+              <a:t>SimulationManager</a:t>
+            </a:r>
+            <a:endParaRPr lang="de-DE" b="0" dirty="0" smtClean="0">
+              <a:solidFill>
+                <a:schemeClr val="accent3">
+                  <a:lumMod val="75000"/>
+                </a:schemeClr>
+              </a:solidFill>
+              <a:latin typeface="Consolas"/>
+              <a:cs typeface="Consolas"/>
+            </a:endParaRPr>
+          </a:p>
+          <a:p>
+            <a:r>
+              <a:rPr lang="de-DE" b="0" dirty="0">
+                <a:latin typeface="Consolas"/>
+                <a:cs typeface="Consolas"/>
+              </a:rPr>
+              <a:t>	</a:t>
+            </a:r>
+            <a:r>
+              <a:rPr lang="de-DE" b="0" dirty="0" smtClean="0">
+                <a:latin typeface="Consolas"/>
+                <a:cs typeface="Consolas"/>
+              </a:rPr>
+              <a:t>}</a:t>
+            </a:r>
+          </a:p>
+          <a:p>
+            <a:r>
+              <a:rPr lang="de-DE" b="0" dirty="0">
+                <a:latin typeface="Consolas"/>
+                <a:cs typeface="Consolas"/>
+              </a:rPr>
+              <a:t>}</a:t>
+            </a:r>
+          </a:p>
+        </p:txBody>
+      </p:sp>
+    </p:spTree>
+    <p:extLst>
+      <p:ext uri="{BB962C8B-B14F-4D97-AF65-F5344CB8AC3E}">
+        <p14:creationId xmlns:p14="http://schemas.microsoft.com/office/powerpoint/2010/main" val="2522924804"/>
+      </p:ext>
+    </p:extLst>
+  </p:cSld>
+  <p:clrMapOvr>
+    <a:masterClrMapping/>
+  </p:clrMapOvr>
+  <p:timing>
+    <p:tnLst>
+      <p:par>
+        <p:cTn xmlns:p14="http://schemas.microsoft.com/office/powerpoint/2010/main" id="1" dur="indefinite" restart="never" nodeType="tmRoot"/>
+      </p:par>
+    </p:tnLst>
+  </p:timing>
+</p:sld>
+</file>
+
+<file path=ppt/slides/slide29.xml><?xml version="1.0" encoding="utf-8"?>
+<p:sld xmlns:a="http://schemas.openxmlformats.org/drawingml/2006/main" xmlns:r="http://schemas.openxmlformats.org/officeDocument/2006/relationships" xmlns:p="http://schemas.openxmlformats.org/presentationml/2006/main">
+  <p:cSld>
+    <p:spTree>
+      <p:nvGrpSpPr>
+        <p:cNvPr id="1" name=""/>
+        <p:cNvGrpSpPr/>
+        <p:nvPr/>
+      </p:nvGrpSpPr>
+      <p:grpSpPr>
+        <a:xfrm>
+          <a:off x="0" y="0"/>
+          <a:ext cx="0" cy="0"/>
+          <a:chOff x="0" y="0"/>
+          <a:chExt cx="0" cy="0"/>
+        </a:xfrm>
+      </p:grpSpPr>
+      <p:sp>
+        <p:nvSpPr>
+          <p:cNvPr id="6" name="Titel 5"/>
+          <p:cNvSpPr>
+            <a:spLocks noGrp="1"/>
+          </p:cNvSpPr>
+          <p:nvPr>
+            <p:ph type="title"/>
+          </p:nvPr>
+        </p:nvSpPr>
+        <p:spPr/>
+        <p:txBody>
+          <a:bodyPr/>
+          <a:lstStyle/>
+          <a:p>
+            <a:r>
+              <a:rPr lang="de-DE" dirty="0" smtClean="0"/>
+              <a:t>System design</a:t>
+            </a:r>
+            <a:br>
+              <a:rPr lang="de-DE" dirty="0" smtClean="0"/>
+            </a:br>
+            <a:r>
+              <a:rPr lang="de-DE" b="0" dirty="0" smtClean="0"/>
+              <a:t>Communication</a:t>
+            </a:r>
+            <a:endParaRPr lang="de-DE" dirty="0"/>
+          </a:p>
+        </p:txBody>
+      </p:sp>
+    </p:spTree>
+    <p:extLst>
+      <p:ext uri="{BB962C8B-B14F-4D97-AF65-F5344CB8AC3E}">
+        <p14:creationId xmlns:p14="http://schemas.microsoft.com/office/powerpoint/2010/main" val="1776917456"/>
+      </p:ext>
+    </p:extLst>
+  </p:cSld>
+  <p:clrMapOvr>
+    <a:masterClrMapping/>
+  </p:clrMapOvr>
+  <p:timing>
+    <p:tnLst>
+      <p:par>
+        <p:cTn xmlns:p14="http://schemas.microsoft.com/office/powerpoint/2010/main" id="1" dur="indefinite" restart="never" nodeType="tmRoot"/>
+      </p:par>
+    </p:tnLst>
+  </p:timing>
+</p:sld>
+</file>
+
 <file path=ppt/slides/slide3.xml><?xml version="1.0" encoding="utf-8"?>
 <p:sld xmlns:a="http://schemas.openxmlformats.org/drawingml/2006/main" xmlns:r="http://schemas.openxmlformats.org/officeDocument/2006/relationships" xmlns:p="http://schemas.openxmlformats.org/presentationml/2006/main">
   <p:cSld>
@@ -6377,782 +6830,6 @@
 </file>
 
 <file path=ppt/slides/slide30.xml><?xml version="1.0" encoding="utf-8"?>
-<p:sld xmlns:a="http://schemas.openxmlformats.org/drawingml/2006/main" xmlns:r="http://schemas.openxmlformats.org/officeDocument/2006/relationships" xmlns:p="http://schemas.openxmlformats.org/presentationml/2006/main">
-  <p:cSld>
-    <p:spTree>
-      <p:nvGrpSpPr>
-        <p:cNvPr id="1" name=""/>
-        <p:cNvGrpSpPr/>
-        <p:nvPr/>
-      </p:nvGrpSpPr>
-      <p:grpSpPr>
-        <a:xfrm>
-          <a:off x="0" y="0"/>
-          <a:ext cx="0" cy="0"/>
-          <a:chOff x="0" y="0"/>
-          <a:chExt cx="0" cy="0"/>
-        </a:xfrm>
-      </p:grpSpPr>
-      <p:sp>
-        <p:nvSpPr>
-          <p:cNvPr id="2" name="Titel 1"/>
-          <p:cNvSpPr>
-            <a:spLocks noGrp="1"/>
-          </p:cNvSpPr>
-          <p:nvPr>
-            <p:ph type="title"/>
-          </p:nvPr>
-        </p:nvSpPr>
-        <p:spPr/>
-        <p:txBody>
-          <a:bodyPr/>
-          <a:lstStyle/>
-          <a:p>
-            <a:r>
-              <a:rPr lang="de-DE" dirty="0" err="1" smtClean="0"/>
-              <a:t>Better</a:t>
-            </a:r>
-            <a:r>
-              <a:rPr lang="de-DE" dirty="0" smtClean="0"/>
-              <a:t> </a:t>
-            </a:r>
-            <a:r>
-              <a:rPr lang="de-DE" dirty="0" err="1" smtClean="0"/>
-              <a:t>solution</a:t>
-            </a:r>
-            <a:endParaRPr lang="de-DE" dirty="0"/>
-          </a:p>
-        </p:txBody>
-      </p:sp>
-      <p:sp>
-        <p:nvSpPr>
-          <p:cNvPr id="3" name="Inhaltsplatzhalter 2"/>
-          <p:cNvSpPr>
-            <a:spLocks noGrp="1"/>
-          </p:cNvSpPr>
-          <p:nvPr>
-            <p:ph idx="1"/>
-          </p:nvPr>
-        </p:nvSpPr>
-        <p:spPr>
-          <a:xfrm>
-            <a:off x="1800000" y="1861724"/>
-            <a:ext cx="6984000" cy="4735251"/>
-          </a:xfrm>
-        </p:spPr>
-        <p:txBody>
-          <a:bodyPr>
-            <a:normAutofit/>
-          </a:bodyPr>
-          <a:lstStyle/>
-          <a:p>
-            <a:r>
-              <a:rPr lang="de-DE" dirty="0" err="1" smtClean="0">
-                <a:solidFill>
-                  <a:srgbClr val="604A7B"/>
-                </a:solidFill>
-                <a:latin typeface="Consolas"/>
-                <a:cs typeface="Consolas"/>
-              </a:rPr>
-              <a:t>public</a:t>
-            </a:r>
-            <a:r>
-              <a:rPr lang="de-DE" dirty="0" smtClean="0">
-                <a:solidFill>
-                  <a:srgbClr val="604A7B"/>
-                </a:solidFill>
-                <a:latin typeface="Consolas"/>
-                <a:cs typeface="Consolas"/>
-              </a:rPr>
-              <a:t> </a:t>
-            </a:r>
-            <a:r>
-              <a:rPr lang="de-DE" dirty="0" err="1" smtClean="0">
-                <a:solidFill>
-                  <a:srgbClr val="604A7B"/>
-                </a:solidFill>
-                <a:latin typeface="Consolas"/>
-                <a:cs typeface="Consolas"/>
-              </a:rPr>
-              <a:t>class</a:t>
-            </a:r>
-            <a:r>
-              <a:rPr lang="de-DE" dirty="0" smtClean="0">
-                <a:solidFill>
-                  <a:srgbClr val="604A7B"/>
-                </a:solidFill>
-                <a:latin typeface="Consolas"/>
-                <a:cs typeface="Consolas"/>
-              </a:rPr>
-              <a:t> </a:t>
-            </a:r>
-            <a:r>
-              <a:rPr lang="de-DE" b="0" dirty="0" err="1" smtClean="0">
-                <a:latin typeface="Consolas"/>
-                <a:cs typeface="Consolas"/>
-              </a:rPr>
-              <a:t>AnyWhere</a:t>
-            </a:r>
-            <a:r>
-              <a:rPr lang="de-DE" b="0" dirty="0" smtClean="0">
-                <a:latin typeface="Consolas"/>
-                <a:cs typeface="Consolas"/>
-              </a:rPr>
-              <a:t> {</a:t>
-            </a:r>
-            <a:endParaRPr lang="de-DE" dirty="0" smtClean="0">
-              <a:latin typeface="Consolas"/>
-              <a:cs typeface="Consolas"/>
-            </a:endParaRPr>
-          </a:p>
-          <a:p>
-            <a:r>
-              <a:rPr lang="de-DE" b="0" dirty="0" smtClean="0">
-                <a:latin typeface="Consolas"/>
-                <a:cs typeface="Consolas"/>
-              </a:rPr>
-              <a:t>	</a:t>
-            </a:r>
-          </a:p>
-          <a:p>
-            <a:r>
-              <a:rPr lang="de-DE" b="0" dirty="0" smtClean="0">
-                <a:latin typeface="Consolas"/>
-                <a:cs typeface="Consolas"/>
-              </a:rPr>
-              <a:t>	</a:t>
-            </a:r>
-            <a:r>
-              <a:rPr lang="de-DE" b="0" dirty="0" smtClean="0">
-                <a:solidFill>
-                  <a:schemeClr val="tx2">
-                    <a:lumMod val="40000"/>
-                    <a:lumOff val="60000"/>
-                  </a:schemeClr>
-                </a:solidFill>
-                <a:latin typeface="Consolas"/>
-                <a:cs typeface="Consolas"/>
-              </a:rPr>
-              <a:t>@</a:t>
-            </a:r>
-            <a:r>
-              <a:rPr lang="de-DE" b="0" dirty="0" err="1" smtClean="0">
-                <a:solidFill>
-                  <a:schemeClr val="tx2">
-                    <a:lumMod val="40000"/>
-                    <a:lumOff val="60000"/>
-                  </a:schemeClr>
-                </a:solidFill>
-                <a:latin typeface="Consolas"/>
-                <a:cs typeface="Consolas"/>
-              </a:rPr>
-              <a:t>Inject</a:t>
-            </a:r>
-            <a:endParaRPr lang="de-DE" b="0" dirty="0" smtClean="0">
-              <a:solidFill>
-                <a:schemeClr val="tx2">
-                  <a:lumMod val="40000"/>
-                  <a:lumOff val="60000"/>
-                </a:schemeClr>
-              </a:solidFill>
-              <a:latin typeface="Consolas"/>
-              <a:cs typeface="Consolas"/>
-            </a:endParaRPr>
-          </a:p>
-          <a:p>
-            <a:r>
-              <a:rPr lang="de-DE" b="0" dirty="0">
-                <a:latin typeface="Consolas"/>
-                <a:cs typeface="Consolas"/>
-              </a:rPr>
-              <a:t>	</a:t>
-            </a:r>
-            <a:r>
-              <a:rPr lang="de-DE" b="0" dirty="0" err="1" smtClean="0">
-                <a:latin typeface="Consolas"/>
-                <a:cs typeface="Consolas"/>
-              </a:rPr>
-              <a:t>PicoContainer</a:t>
-            </a:r>
-            <a:r>
-              <a:rPr lang="de-DE" b="0" dirty="0" smtClean="0">
-                <a:latin typeface="Consolas"/>
-                <a:cs typeface="Consolas"/>
-              </a:rPr>
-              <a:t> </a:t>
-            </a:r>
-            <a:r>
-              <a:rPr lang="de-DE" b="0" dirty="0" err="1" smtClean="0">
-                <a:solidFill>
-                  <a:schemeClr val="accent1">
-                    <a:lumMod val="75000"/>
-                  </a:schemeClr>
-                </a:solidFill>
-                <a:latin typeface="Consolas"/>
-                <a:cs typeface="Consolas"/>
-              </a:rPr>
-              <a:t>context</a:t>
-            </a:r>
-            <a:r>
-              <a:rPr lang="de-DE" b="0" dirty="0" smtClean="0">
-                <a:latin typeface="Consolas"/>
-                <a:cs typeface="Consolas"/>
-              </a:rPr>
-              <a:t>;</a:t>
-            </a:r>
-            <a:endParaRPr lang="de-DE" b="0" dirty="0">
-              <a:latin typeface="Consolas"/>
-              <a:cs typeface="Consolas"/>
-            </a:endParaRPr>
-          </a:p>
-          <a:p>
-            <a:endParaRPr lang="de-DE" b="0" dirty="0">
-              <a:latin typeface="Consolas"/>
-              <a:cs typeface="Consolas"/>
-            </a:endParaRPr>
-          </a:p>
-          <a:p>
-            <a:r>
-              <a:rPr lang="de-DE" dirty="0" smtClean="0">
-                <a:latin typeface="Consolas"/>
-                <a:cs typeface="Consolas"/>
-              </a:rPr>
-              <a:t>	</a:t>
-            </a:r>
-            <a:r>
-              <a:rPr lang="de-DE" dirty="0" err="1" smtClean="0">
-                <a:solidFill>
-                  <a:srgbClr val="604A7B"/>
-                </a:solidFill>
-                <a:latin typeface="Consolas"/>
-                <a:cs typeface="Consolas"/>
-              </a:rPr>
-              <a:t>public</a:t>
-            </a:r>
-            <a:r>
-              <a:rPr lang="de-DE" dirty="0" smtClean="0">
-                <a:solidFill>
-                  <a:srgbClr val="604A7B"/>
-                </a:solidFill>
-                <a:latin typeface="Consolas"/>
-                <a:cs typeface="Consolas"/>
-              </a:rPr>
-              <a:t> </a:t>
-            </a:r>
-            <a:r>
-              <a:rPr lang="de-DE" dirty="0" err="1" smtClean="0">
-                <a:solidFill>
-                  <a:srgbClr val="604A7B"/>
-                </a:solidFill>
-                <a:latin typeface="Consolas"/>
-                <a:cs typeface="Consolas"/>
-              </a:rPr>
-              <a:t>void</a:t>
-            </a:r>
-            <a:r>
-              <a:rPr lang="de-DE" dirty="0" smtClean="0">
-                <a:solidFill>
-                  <a:srgbClr val="604A7B"/>
-                </a:solidFill>
-                <a:latin typeface="Consolas"/>
-                <a:cs typeface="Consolas"/>
-              </a:rPr>
-              <a:t> </a:t>
-            </a:r>
-            <a:r>
-              <a:rPr lang="de-DE" b="0" dirty="0" err="1" smtClean="0">
-                <a:latin typeface="Consolas"/>
-                <a:cs typeface="Consolas"/>
-              </a:rPr>
-              <a:t>needsSimulationManager</a:t>
-            </a:r>
-            <a:r>
-              <a:rPr lang="de-DE" b="0" dirty="0" smtClean="0">
-                <a:latin typeface="Consolas"/>
-                <a:cs typeface="Consolas"/>
-              </a:rPr>
-              <a:t>() {</a:t>
-            </a:r>
-            <a:endParaRPr lang="de-DE" b="0" dirty="0">
-              <a:latin typeface="Consolas"/>
-              <a:cs typeface="Consolas"/>
-            </a:endParaRPr>
-          </a:p>
-          <a:p>
-            <a:r>
-              <a:rPr lang="de-DE" b="0" dirty="0">
-                <a:latin typeface="Consolas"/>
-                <a:cs typeface="Consolas"/>
-              </a:rPr>
-              <a:t>		</a:t>
-            </a:r>
-            <a:r>
-              <a:rPr lang="de-DE" b="0" dirty="0">
-                <a:solidFill>
-                  <a:schemeClr val="accent3">
-                    <a:lumMod val="75000"/>
-                  </a:schemeClr>
-                </a:solidFill>
-                <a:latin typeface="Consolas"/>
-                <a:cs typeface="Consolas"/>
-              </a:rPr>
-              <a:t>// </a:t>
-            </a:r>
-            <a:r>
-              <a:rPr lang="de-DE" b="0" dirty="0" err="1">
-                <a:solidFill>
-                  <a:schemeClr val="accent3">
-                    <a:lumMod val="75000"/>
-                  </a:schemeClr>
-                </a:solidFill>
-                <a:latin typeface="Consolas"/>
-                <a:cs typeface="Consolas"/>
-              </a:rPr>
-              <a:t>PicoContainer</a:t>
-            </a:r>
-            <a:r>
-              <a:rPr lang="de-DE" b="0" dirty="0">
-                <a:solidFill>
-                  <a:schemeClr val="accent3">
-                    <a:lumMod val="75000"/>
-                  </a:schemeClr>
-                </a:solidFill>
-                <a:latin typeface="Consolas"/>
-                <a:cs typeface="Consolas"/>
-              </a:rPr>
-              <a:t> </a:t>
-            </a:r>
-            <a:r>
-              <a:rPr lang="de-DE" b="0" dirty="0" err="1">
-                <a:solidFill>
-                  <a:schemeClr val="accent3">
-                    <a:lumMod val="75000"/>
-                  </a:schemeClr>
-                </a:solidFill>
-                <a:latin typeface="Consolas"/>
-                <a:cs typeface="Consolas"/>
-              </a:rPr>
-              <a:t>injects</a:t>
-            </a:r>
-            <a:r>
-              <a:rPr lang="de-DE" b="0" dirty="0">
-                <a:solidFill>
-                  <a:schemeClr val="accent3">
-                    <a:lumMod val="75000"/>
-                  </a:schemeClr>
-                </a:solidFill>
-                <a:latin typeface="Consolas"/>
-                <a:cs typeface="Consolas"/>
-              </a:rPr>
-              <a:t> </a:t>
-            </a:r>
-            <a:r>
-              <a:rPr lang="de-DE" b="0" dirty="0" err="1">
-                <a:solidFill>
-                  <a:schemeClr val="accent3">
-                    <a:lumMod val="75000"/>
-                  </a:schemeClr>
-                </a:solidFill>
-                <a:latin typeface="Consolas"/>
-                <a:cs typeface="Consolas"/>
-              </a:rPr>
-              <a:t>PresentationManager</a:t>
-            </a:r>
-            <a:endParaRPr lang="de-DE" b="0" dirty="0">
-              <a:solidFill>
-                <a:schemeClr val="accent3">
-                  <a:lumMod val="75000"/>
-                </a:schemeClr>
-              </a:solidFill>
-              <a:latin typeface="Consolas"/>
-              <a:cs typeface="Consolas"/>
-            </a:endParaRPr>
-          </a:p>
-          <a:p>
-            <a:r>
-              <a:rPr lang="de-DE" b="0" dirty="0">
-                <a:solidFill>
-                  <a:schemeClr val="accent3">
-                    <a:lumMod val="75000"/>
-                  </a:schemeClr>
-                </a:solidFill>
-                <a:latin typeface="Consolas"/>
-                <a:cs typeface="Consolas"/>
-              </a:rPr>
-              <a:t>		// </a:t>
-            </a:r>
-            <a:r>
-              <a:rPr lang="de-DE" b="0" dirty="0" err="1">
-                <a:solidFill>
-                  <a:schemeClr val="accent3">
-                    <a:lumMod val="75000"/>
-                  </a:schemeClr>
-                </a:solidFill>
-                <a:latin typeface="Consolas"/>
-                <a:cs typeface="Consolas"/>
-              </a:rPr>
-              <a:t>into</a:t>
-            </a:r>
-            <a:r>
-              <a:rPr lang="de-DE" b="0" dirty="0">
-                <a:solidFill>
-                  <a:schemeClr val="accent3">
-                    <a:lumMod val="75000"/>
-                  </a:schemeClr>
-                </a:solidFill>
-                <a:latin typeface="Consolas"/>
-                <a:cs typeface="Consolas"/>
-              </a:rPr>
-              <a:t> </a:t>
-            </a:r>
-            <a:r>
-              <a:rPr lang="de-DE" b="0" dirty="0" err="1" smtClean="0">
-                <a:solidFill>
-                  <a:schemeClr val="accent3">
-                    <a:lumMod val="75000"/>
-                  </a:schemeClr>
-                </a:solidFill>
-                <a:latin typeface="Consolas"/>
-                <a:cs typeface="Consolas"/>
-              </a:rPr>
-              <a:t>SimulationManager</a:t>
-            </a:r>
-            <a:endParaRPr lang="de-DE" b="0" dirty="0" smtClean="0">
-              <a:latin typeface="Consolas"/>
-              <a:cs typeface="Consolas"/>
-            </a:endParaRPr>
-          </a:p>
-          <a:p>
-            <a:r>
-              <a:rPr lang="de-DE" b="0" dirty="0">
-                <a:latin typeface="Consolas"/>
-                <a:cs typeface="Consolas"/>
-              </a:rPr>
-              <a:t>	</a:t>
-            </a:r>
-            <a:r>
-              <a:rPr lang="de-DE" b="0" dirty="0" smtClean="0">
-                <a:latin typeface="Consolas"/>
-                <a:cs typeface="Consolas"/>
-              </a:rPr>
-              <a:t>	</a:t>
-            </a:r>
-            <a:r>
-              <a:rPr lang="de-DE" b="0" dirty="0" err="1" smtClean="0">
-                <a:latin typeface="Consolas"/>
-                <a:cs typeface="Consolas"/>
-              </a:rPr>
-              <a:t>SimulationManager</a:t>
-            </a:r>
-            <a:r>
-              <a:rPr lang="de-DE" b="0" dirty="0" smtClean="0">
-                <a:latin typeface="Consolas"/>
-                <a:cs typeface="Consolas"/>
-              </a:rPr>
-              <a:t> s = </a:t>
-            </a:r>
-          </a:p>
-          <a:p>
-            <a:r>
-              <a:rPr lang="de-DE" b="0" dirty="0">
-                <a:latin typeface="Consolas"/>
-                <a:cs typeface="Consolas"/>
-              </a:rPr>
-              <a:t>	</a:t>
-            </a:r>
-            <a:r>
-              <a:rPr lang="de-DE" b="0" dirty="0" smtClean="0">
-                <a:latin typeface="Consolas"/>
-                <a:cs typeface="Consolas"/>
-              </a:rPr>
-              <a:t>			</a:t>
-            </a:r>
-            <a:r>
-              <a:rPr lang="de-DE" b="0" dirty="0" err="1" smtClean="0">
-                <a:solidFill>
-                  <a:srgbClr val="376092"/>
-                </a:solidFill>
-                <a:latin typeface="Consolas"/>
-                <a:cs typeface="Consolas"/>
-              </a:rPr>
-              <a:t>context</a:t>
-            </a:r>
-            <a:r>
-              <a:rPr lang="de-DE" b="0" dirty="0" err="1" smtClean="0">
-                <a:latin typeface="Consolas"/>
-                <a:cs typeface="Consolas"/>
-              </a:rPr>
-              <a:t>.getComponent</a:t>
-            </a:r>
-            <a:r>
-              <a:rPr lang="de-DE" b="0" dirty="0" smtClean="0">
-                <a:latin typeface="Consolas"/>
-                <a:cs typeface="Consolas"/>
-              </a:rPr>
-              <a:t>(</a:t>
-            </a:r>
-          </a:p>
-          <a:p>
-            <a:r>
-              <a:rPr lang="de-DE" b="0" dirty="0">
-                <a:solidFill>
-                  <a:schemeClr val="accent1">
-                    <a:lumMod val="75000"/>
-                  </a:schemeClr>
-                </a:solidFill>
-                <a:latin typeface="Consolas"/>
-                <a:cs typeface="Consolas"/>
-              </a:rPr>
-              <a:t>	</a:t>
-            </a:r>
-            <a:r>
-              <a:rPr lang="de-DE" b="0" dirty="0" smtClean="0">
-                <a:solidFill>
-                  <a:schemeClr val="accent1">
-                    <a:lumMod val="75000"/>
-                  </a:schemeClr>
-                </a:solidFill>
-                <a:latin typeface="Consolas"/>
-                <a:cs typeface="Consolas"/>
-              </a:rPr>
-              <a:t>					</a:t>
-            </a:r>
-            <a:r>
-              <a:rPr lang="de-DE" b="0" dirty="0" err="1" smtClean="0">
-                <a:latin typeface="Consolas"/>
-                <a:cs typeface="Consolas"/>
-              </a:rPr>
-              <a:t>SimulationManager.</a:t>
-            </a:r>
-            <a:r>
-              <a:rPr lang="de-DE" b="0" dirty="0" err="1" smtClean="0">
-                <a:solidFill>
-                  <a:schemeClr val="accent4">
-                    <a:lumMod val="75000"/>
-                  </a:schemeClr>
-                </a:solidFill>
-                <a:latin typeface="Consolas"/>
-                <a:cs typeface="Consolas"/>
-              </a:rPr>
-              <a:t>class</a:t>
-            </a:r>
-            <a:r>
-              <a:rPr lang="de-DE" b="0" dirty="0" smtClean="0">
-                <a:latin typeface="Consolas"/>
-                <a:cs typeface="Consolas"/>
-              </a:rPr>
-              <a:t>);</a:t>
-            </a:r>
-          </a:p>
-          <a:p>
-            <a:endParaRPr lang="de-DE" b="0" dirty="0">
-              <a:solidFill>
-                <a:schemeClr val="accent3">
-                  <a:lumMod val="75000"/>
-                </a:schemeClr>
-              </a:solidFill>
-              <a:latin typeface="Consolas"/>
-              <a:cs typeface="Consolas"/>
-            </a:endParaRPr>
-          </a:p>
-          <a:p>
-            <a:r>
-              <a:rPr lang="de-DE" b="0" dirty="0" smtClean="0">
-                <a:solidFill>
-                  <a:schemeClr val="accent3">
-                    <a:lumMod val="75000"/>
-                  </a:schemeClr>
-                </a:solidFill>
-                <a:latin typeface="Consolas"/>
-                <a:cs typeface="Consolas"/>
-              </a:rPr>
-              <a:t>		// do </a:t>
-            </a:r>
-            <a:r>
-              <a:rPr lang="de-DE" b="0" dirty="0" err="1" smtClean="0">
-                <a:solidFill>
-                  <a:schemeClr val="accent3">
-                    <a:lumMod val="75000"/>
-                  </a:schemeClr>
-                </a:solidFill>
-                <a:latin typeface="Consolas"/>
-                <a:cs typeface="Consolas"/>
-              </a:rPr>
-              <a:t>things</a:t>
-            </a:r>
-            <a:r>
-              <a:rPr lang="de-DE" b="0" dirty="0" smtClean="0">
-                <a:solidFill>
-                  <a:schemeClr val="accent3">
-                    <a:lumMod val="75000"/>
-                  </a:schemeClr>
-                </a:solidFill>
-                <a:latin typeface="Consolas"/>
-                <a:cs typeface="Consolas"/>
-              </a:rPr>
-              <a:t> </a:t>
-            </a:r>
-            <a:r>
-              <a:rPr lang="de-DE" b="0" dirty="0" err="1" smtClean="0">
-                <a:solidFill>
-                  <a:schemeClr val="accent3">
-                    <a:lumMod val="75000"/>
-                  </a:schemeClr>
-                </a:solidFill>
-                <a:latin typeface="Consolas"/>
-                <a:cs typeface="Consolas"/>
-              </a:rPr>
-              <a:t>with</a:t>
-            </a:r>
-            <a:r>
-              <a:rPr lang="de-DE" b="0" dirty="0" smtClean="0">
-                <a:solidFill>
-                  <a:schemeClr val="accent3">
-                    <a:lumMod val="75000"/>
-                  </a:schemeClr>
-                </a:solidFill>
-                <a:latin typeface="Consolas"/>
-                <a:cs typeface="Consolas"/>
-              </a:rPr>
-              <a:t> </a:t>
-            </a:r>
-            <a:r>
-              <a:rPr lang="de-DE" b="0" dirty="0" err="1" smtClean="0">
-                <a:solidFill>
-                  <a:schemeClr val="accent3">
-                    <a:lumMod val="75000"/>
-                  </a:schemeClr>
-                </a:solidFill>
-                <a:latin typeface="Consolas"/>
-                <a:cs typeface="Consolas"/>
-              </a:rPr>
-              <a:t>SimulationManager</a:t>
-            </a:r>
-            <a:endParaRPr lang="de-DE" b="0" dirty="0" smtClean="0">
-              <a:solidFill>
-                <a:schemeClr val="accent3">
-                  <a:lumMod val="75000"/>
-                </a:schemeClr>
-              </a:solidFill>
-              <a:latin typeface="Consolas"/>
-              <a:cs typeface="Consolas"/>
-            </a:endParaRPr>
-          </a:p>
-          <a:p>
-            <a:r>
-              <a:rPr lang="de-DE" b="0" dirty="0">
-                <a:latin typeface="Consolas"/>
-                <a:cs typeface="Consolas"/>
-              </a:rPr>
-              <a:t>	</a:t>
-            </a:r>
-            <a:r>
-              <a:rPr lang="de-DE" b="0" dirty="0" smtClean="0">
-                <a:latin typeface="Consolas"/>
-                <a:cs typeface="Consolas"/>
-              </a:rPr>
-              <a:t>}</a:t>
-            </a:r>
-          </a:p>
-          <a:p>
-            <a:r>
-              <a:rPr lang="de-DE" b="0" dirty="0">
-                <a:latin typeface="Consolas"/>
-                <a:cs typeface="Consolas"/>
-              </a:rPr>
-              <a:t>}</a:t>
-            </a:r>
-          </a:p>
-        </p:txBody>
-      </p:sp>
-    </p:spTree>
-    <p:extLst>
-      <p:ext uri="{BB962C8B-B14F-4D97-AF65-F5344CB8AC3E}">
-        <p14:creationId xmlns:p14="http://schemas.microsoft.com/office/powerpoint/2010/main" val="2522924804"/>
-      </p:ext>
-    </p:extLst>
-  </p:cSld>
-  <p:clrMapOvr>
-    <a:masterClrMapping/>
-  </p:clrMapOvr>
-  <p:timing>
-    <p:tnLst>
-      <p:par>
-        <p:cTn xmlns:p14="http://schemas.microsoft.com/office/powerpoint/2010/main" id="1" dur="indefinite" restart="never" nodeType="tmRoot"/>
-      </p:par>
-    </p:tnLst>
-  </p:timing>
-</p:sld>
-</file>
-
-<file path=ppt/slides/slide31.xml><?xml version="1.0" encoding="utf-8"?>
-<p:sld xmlns:a="http://schemas.openxmlformats.org/drawingml/2006/main" xmlns:r="http://schemas.openxmlformats.org/officeDocument/2006/relationships" xmlns:p="http://schemas.openxmlformats.org/presentationml/2006/main">
-  <p:cSld>
-    <p:spTree>
-      <p:nvGrpSpPr>
-        <p:cNvPr id="1" name=""/>
-        <p:cNvGrpSpPr/>
-        <p:nvPr/>
-      </p:nvGrpSpPr>
-      <p:grpSpPr>
-        <a:xfrm>
-          <a:off x="0" y="0"/>
-          <a:ext cx="0" cy="0"/>
-          <a:chOff x="0" y="0"/>
-          <a:chExt cx="0" cy="0"/>
-        </a:xfrm>
-      </p:grpSpPr>
-      <p:sp>
-        <p:nvSpPr>
-          <p:cNvPr id="6" name="Titel 5"/>
-          <p:cNvSpPr>
-            <a:spLocks noGrp="1"/>
-          </p:cNvSpPr>
-          <p:nvPr>
-            <p:ph type="title"/>
-          </p:nvPr>
-        </p:nvSpPr>
-        <p:spPr/>
-        <p:txBody>
-          <a:bodyPr/>
-          <a:lstStyle/>
-          <a:p>
-            <a:r>
-              <a:rPr lang="de-DE" dirty="0" smtClean="0"/>
-              <a:t>System design</a:t>
-            </a:r>
-            <a:br>
-              <a:rPr lang="de-DE" dirty="0" smtClean="0"/>
-            </a:br>
-            <a:r>
-              <a:rPr lang="de-DE" b="0" dirty="0" smtClean="0"/>
-              <a:t>Communication</a:t>
-            </a:r>
-            <a:endParaRPr lang="de-DE" dirty="0"/>
-          </a:p>
-        </p:txBody>
-      </p:sp>
-    </p:spTree>
-    <p:extLst>
-      <p:ext uri="{BB962C8B-B14F-4D97-AF65-F5344CB8AC3E}">
-        <p14:creationId xmlns:p14="http://schemas.microsoft.com/office/powerpoint/2010/main" val="1776917456"/>
-      </p:ext>
-    </p:extLst>
-  </p:cSld>
-  <p:clrMapOvr>
-    <a:masterClrMapping/>
-  </p:clrMapOvr>
-  <p:timing>
-    <p:tnLst>
-      <p:par>
-        <p:cTn xmlns:p14="http://schemas.microsoft.com/office/powerpoint/2010/main" id="1" dur="indefinite" restart="never" nodeType="tmRoot"/>
-      </p:par>
-    </p:tnLst>
-  </p:timing>
-</p:sld>
-</file>
-
-<file path=ppt/slides/slide32.xml><?xml version="1.0" encoding="utf-8"?>
 <p:sld xmlns:a="http://schemas.openxmlformats.org/drawingml/2006/main" xmlns:r="http://schemas.openxmlformats.org/officeDocument/2006/relationships" xmlns:p="http://schemas.openxmlformats.org/presentationml/2006/main">
   <p:cSld>
     <p:spTree>
@@ -7345,10 +7022,17 @@
   <p:clrMapOvr>
     <a:masterClrMapping/>
   </p:clrMapOvr>
+  <p:timing>
+    <p:tnLst>
+      <p:par>
+        <p:cTn xmlns:p14="http://schemas.microsoft.com/office/powerpoint/2010/main" id="1" dur="indefinite" restart="never" nodeType="tmRoot"/>
+      </p:par>
+    </p:tnLst>
+  </p:timing>
 </p:sld>
 </file>
 
-<file path=ppt/slides/slide33.xml><?xml version="1.0" encoding="utf-8"?>
+<file path=ppt/slides/slide31.xml><?xml version="1.0" encoding="utf-8"?>
 <p:sld xmlns:a="http://schemas.openxmlformats.org/drawingml/2006/main" xmlns:r="http://schemas.openxmlformats.org/officeDocument/2006/relationships" xmlns:p="http://schemas.openxmlformats.org/presentationml/2006/main">
   <p:cSld>
     <p:spTree>
@@ -7556,10 +7240,17 @@
   <p:clrMapOvr>
     <a:masterClrMapping/>
   </p:clrMapOvr>
+  <p:timing>
+    <p:tnLst>
+      <p:par>
+        <p:cTn xmlns:p14="http://schemas.microsoft.com/office/powerpoint/2010/main" id="1" dur="indefinite" restart="never" nodeType="tmRoot"/>
+      </p:par>
+    </p:tnLst>
+  </p:timing>
 </p:sld>
 </file>
 
-<file path=ppt/slides/slide34.xml><?xml version="1.0" encoding="utf-8"?>
+<file path=ppt/slides/slide32.xml><?xml version="1.0" encoding="utf-8"?>
 <p:sld xmlns:a="http://schemas.openxmlformats.org/drawingml/2006/main" xmlns:r="http://schemas.openxmlformats.org/officeDocument/2006/relationships" xmlns:p="http://schemas.openxmlformats.org/presentationml/2006/main">
   <p:cSld>
     <p:spTree>
@@ -7610,6 +7301,194 @@
     <p:extLst>
       <p:ext uri="{BB962C8B-B14F-4D97-AF65-F5344CB8AC3E}">
         <p14:creationId xmlns:p14="http://schemas.microsoft.com/office/powerpoint/2010/main" val="1776917456"/>
+      </p:ext>
+    </p:extLst>
+  </p:cSld>
+  <p:clrMapOvr>
+    <a:masterClrMapping/>
+  </p:clrMapOvr>
+  <p:timing>
+    <p:tnLst>
+      <p:par>
+        <p:cTn xmlns:p14="http://schemas.microsoft.com/office/powerpoint/2010/main" id="1" dur="indefinite" restart="never" nodeType="tmRoot"/>
+      </p:par>
+    </p:tnLst>
+  </p:timing>
+</p:sld>
+</file>
+
+<file path=ppt/slides/slide33.xml><?xml version="1.0" encoding="utf-8"?>
+<p:sld xmlns:a="http://schemas.openxmlformats.org/drawingml/2006/main" xmlns:r="http://schemas.openxmlformats.org/officeDocument/2006/relationships" xmlns:p="http://schemas.openxmlformats.org/presentationml/2006/main">
+  <p:cSld>
+    <p:spTree>
+      <p:nvGrpSpPr>
+        <p:cNvPr id="1" name=""/>
+        <p:cNvGrpSpPr/>
+        <p:nvPr/>
+      </p:nvGrpSpPr>
+      <p:grpSpPr>
+        <a:xfrm>
+          <a:off x="0" y="0"/>
+          <a:ext cx="0" cy="0"/>
+          <a:chOff x="0" y="0"/>
+          <a:chExt cx="0" cy="0"/>
+        </a:xfrm>
+      </p:grpSpPr>
+      <p:sp>
+        <p:nvSpPr>
+          <p:cNvPr id="2" name="Titel 1"/>
+          <p:cNvSpPr>
+            <a:spLocks noGrp="1"/>
+          </p:cNvSpPr>
+          <p:nvPr>
+            <p:ph type="title"/>
+          </p:nvPr>
+        </p:nvSpPr>
+        <p:spPr/>
+        <p:txBody>
+          <a:bodyPr/>
+          <a:lstStyle/>
+          <a:p>
+            <a:r>
+              <a:rPr lang="de-DE" dirty="0" smtClean="0"/>
+              <a:t>Game </a:t>
+            </a:r>
+            <a:r>
+              <a:rPr lang="de-DE" dirty="0" err="1" smtClean="0"/>
+              <a:t>logic</a:t>
+            </a:r>
+            <a:endParaRPr lang="de-DE" dirty="0"/>
+          </a:p>
+        </p:txBody>
+      </p:sp>
+      <p:pic>
+        <p:nvPicPr>
+          <p:cNvPr id="4" name="Bild 3" descr="Screen Shot 2013-01-15 at 11.55.59 PM.png"/>
+          <p:cNvPicPr>
+            <a:picLocks noChangeAspect="1"/>
+          </p:cNvPicPr>
+          <p:nvPr/>
+        </p:nvPicPr>
+        <p:blipFill>
+          <a:blip r:embed="rId2">
+            <a:extLst>
+              <a:ext uri="{28A0092B-C50C-407E-A947-70E740481C1C}">
+                <a14:useLocalDpi xmlns:a14="http://schemas.microsoft.com/office/drawing/2010/main" val="0"/>
+              </a:ext>
+            </a:extLst>
+          </a:blip>
+          <a:stretch>
+            <a:fillRect/>
+          </a:stretch>
+        </p:blipFill>
+        <p:spPr>
+          <a:xfrm>
+            <a:off x="1730349" y="1796246"/>
+            <a:ext cx="6912873" cy="4487979"/>
+          </a:xfrm>
+          <a:prstGeom prst="rect">
+            <a:avLst/>
+          </a:prstGeom>
+        </p:spPr>
+      </p:pic>
+    </p:spTree>
+    <p:extLst>
+      <p:ext uri="{BB962C8B-B14F-4D97-AF65-F5344CB8AC3E}">
+        <p14:creationId xmlns:p14="http://schemas.microsoft.com/office/powerpoint/2010/main" val="2138964229"/>
+      </p:ext>
+    </p:extLst>
+  </p:cSld>
+  <p:clrMapOvr>
+    <a:masterClrMapping/>
+  </p:clrMapOvr>
+  <p:timing>
+    <p:tnLst>
+      <p:par>
+        <p:cTn xmlns:p14="http://schemas.microsoft.com/office/powerpoint/2010/main" id="1" dur="indefinite" restart="never" nodeType="tmRoot"/>
+      </p:par>
+    </p:tnLst>
+  </p:timing>
+</p:sld>
+</file>
+
+<file path=ppt/slides/slide34.xml><?xml version="1.0" encoding="utf-8"?>
+<p:sld xmlns:a="http://schemas.openxmlformats.org/drawingml/2006/main" xmlns:r="http://schemas.openxmlformats.org/officeDocument/2006/relationships" xmlns:p="http://schemas.openxmlformats.org/presentationml/2006/main">
+  <p:cSld>
+    <p:spTree>
+      <p:nvGrpSpPr>
+        <p:cNvPr id="1" name=""/>
+        <p:cNvGrpSpPr/>
+        <p:nvPr/>
+      </p:nvGrpSpPr>
+      <p:grpSpPr>
+        <a:xfrm>
+          <a:off x="0" y="0"/>
+          <a:ext cx="0" cy="0"/>
+          <a:chOff x="0" y="0"/>
+          <a:chExt cx="0" cy="0"/>
+        </a:xfrm>
+      </p:grpSpPr>
+      <p:sp>
+        <p:nvSpPr>
+          <p:cNvPr id="2" name="Titel 1"/>
+          <p:cNvSpPr>
+            <a:spLocks noGrp="1"/>
+          </p:cNvSpPr>
+          <p:nvPr>
+            <p:ph type="title"/>
+          </p:nvPr>
+        </p:nvSpPr>
+        <p:spPr/>
+        <p:txBody>
+          <a:bodyPr/>
+          <a:lstStyle/>
+          <a:p>
+            <a:r>
+              <a:rPr lang="de-DE" dirty="0" smtClean="0"/>
+              <a:t>State </a:t>
+            </a:r>
+            <a:r>
+              <a:rPr lang="de-DE" dirty="0" err="1" smtClean="0"/>
+              <a:t>pattern</a:t>
+            </a:r>
+            <a:endParaRPr lang="de-DE" dirty="0"/>
+          </a:p>
+        </p:txBody>
+      </p:sp>
+      <p:pic>
+        <p:nvPicPr>
+          <p:cNvPr id="5" name="Bild 4" descr="Screen Shot 2013-01-16 at 12.20.31 AM.png"/>
+          <p:cNvPicPr>
+            <a:picLocks noChangeAspect="1"/>
+          </p:cNvPicPr>
+          <p:nvPr/>
+        </p:nvPicPr>
+        <p:blipFill>
+          <a:blip r:embed="rId2">
+            <a:extLst>
+              <a:ext uri="{28A0092B-C50C-407E-A947-70E740481C1C}">
+                <a14:useLocalDpi xmlns:a14="http://schemas.microsoft.com/office/drawing/2010/main" val="0"/>
+              </a:ext>
+            </a:extLst>
+          </a:blip>
+          <a:stretch>
+            <a:fillRect/>
+          </a:stretch>
+        </p:blipFill>
+        <p:spPr>
+          <a:xfrm>
+            <a:off x="1800000" y="1796246"/>
+            <a:ext cx="6984000" cy="4219168"/>
+          </a:xfrm>
+          <a:prstGeom prst="rect">
+            <a:avLst/>
+          </a:prstGeom>
+        </p:spPr>
+      </p:pic>
+    </p:spTree>
+    <p:extLst>
+      <p:ext uri="{BB962C8B-B14F-4D97-AF65-F5344CB8AC3E}">
+        <p14:creationId xmlns:p14="http://schemas.microsoft.com/office/powerpoint/2010/main" val="1853556780"/>
       </p:ext>
     </p:extLst>
   </p:cSld>
@@ -7691,7 +7570,7 @@
 </p:sld>
 </file>
 
-<file path=ppt/slides/slide4.xml><?xml version="1.0" encoding="utf-8"?>
+<file path=ppt/slides/slide36.xml><?xml version="1.0" encoding="utf-8"?>
 <p:sld xmlns:a="http://schemas.openxmlformats.org/drawingml/2006/main" xmlns:r="http://schemas.openxmlformats.org/officeDocument/2006/relationships" xmlns:p="http://schemas.openxmlformats.org/presentationml/2006/main">
   <p:cSld>
     <p:spTree>
@@ -7710,7 +7589,7 @@
       </p:grpSpPr>
       <p:sp>
         <p:nvSpPr>
-          <p:cNvPr id="3" name="Titel 2"/>
+          <p:cNvPr id="5" name="Titel 4"/>
           <p:cNvSpPr>
             <a:spLocks noGrp="1"/>
           </p:cNvSpPr>
@@ -7720,118 +7599,31 @@
         </p:nvSpPr>
         <p:spPr/>
         <p:txBody>
-          <a:bodyPr/>
+          <a:bodyPr>
+            <a:normAutofit/>
+          </a:bodyPr>
           <a:lstStyle/>
           <a:p>
             <a:r>
+              <a:rPr lang="de-DE" dirty="0" err="1" smtClean="0"/>
+              <a:t>Questions</a:t>
+            </a:r>
+            <a:r>
               <a:rPr lang="de-DE" dirty="0" smtClean="0"/>
-              <a:t>Key </a:t>
+              <a:t> &amp; </a:t>
             </a:r>
             <a:r>
               <a:rPr lang="de-DE" dirty="0" err="1" smtClean="0"/>
-              <a:t>features</a:t>
+              <a:t>Answers</a:t>
             </a:r>
             <a:endParaRPr lang="de-DE" dirty="0"/>
           </a:p>
         </p:txBody>
       </p:sp>
-      <p:sp>
-        <p:nvSpPr>
-          <p:cNvPr id="4" name="Inhaltsplatzhalter 3"/>
-          <p:cNvSpPr>
-            <a:spLocks noGrp="1"/>
-          </p:cNvSpPr>
-          <p:nvPr>
-            <p:ph idx="1"/>
-          </p:nvPr>
-        </p:nvSpPr>
-        <p:spPr/>
-        <p:txBody>
-          <a:bodyPr/>
-          <a:lstStyle/>
-          <a:p>
-            <a:pPr lvl="2"/>
-            <a:r>
-              <a:rPr lang="de-DE" dirty="0" smtClean="0"/>
-              <a:t>Game </a:t>
-            </a:r>
-            <a:r>
-              <a:rPr lang="de-DE" dirty="0" err="1" smtClean="0"/>
-              <a:t>physics</a:t>
-            </a:r>
-            <a:endParaRPr lang="de-DE" dirty="0" smtClean="0"/>
-          </a:p>
-          <a:p>
-            <a:pPr lvl="2"/>
-            <a:r>
-              <a:rPr lang="de-DE" dirty="0" err="1" smtClean="0"/>
-              <a:t>Customizability</a:t>
-            </a:r>
-            <a:endParaRPr lang="de-DE" dirty="0" smtClean="0"/>
-          </a:p>
-          <a:p>
-            <a:pPr lvl="2"/>
-            <a:r>
-              <a:rPr lang="de-DE" dirty="0" err="1" smtClean="0"/>
-              <a:t>Expandability</a:t>
-            </a:r>
-            <a:endParaRPr lang="de-DE" dirty="0" smtClean="0"/>
-          </a:p>
-          <a:p>
-            <a:pPr lvl="2"/>
-            <a:r>
-              <a:rPr lang="de-DE" dirty="0" err="1" smtClean="0"/>
-              <a:t>Portability</a:t>
-            </a:r>
-            <a:endParaRPr lang="de-DE" dirty="0" smtClean="0"/>
-          </a:p>
-          <a:p>
-            <a:pPr lvl="2"/>
-            <a:endParaRPr lang="de-DE" dirty="0" smtClean="0"/>
-          </a:p>
-          <a:p>
-            <a:pPr lvl="2"/>
-            <a:endParaRPr lang="de-DE" dirty="0"/>
-          </a:p>
-          <a:p>
-            <a:endParaRPr lang="de-DE" dirty="0"/>
-          </a:p>
-        </p:txBody>
-      </p:sp>
-      <p:pic>
-        <p:nvPicPr>
-          <p:cNvPr id="5" name="Bild 4" descr="comet-pinball.png"/>
-          <p:cNvPicPr>
-            <a:picLocks noChangeAspect="1"/>
-          </p:cNvPicPr>
-          <p:nvPr/>
-        </p:nvPicPr>
-        <p:blipFill>
-          <a:blip r:embed="rId2">
-            <a:extLst>
-              <a:ext uri="{28A0092B-C50C-407E-A947-70E740481C1C}">
-                <a14:useLocalDpi xmlns:a14="http://schemas.microsoft.com/office/drawing/2010/main" val="0"/>
-              </a:ext>
-            </a:extLst>
-          </a:blip>
-          <a:stretch>
-            <a:fillRect/>
-          </a:stretch>
-        </p:blipFill>
-        <p:spPr>
-          <a:xfrm>
-            <a:off x="5628783" y="1104672"/>
-            <a:ext cx="2701129" cy="5100818"/>
-          </a:xfrm>
-          <a:prstGeom prst="rect">
-            <a:avLst/>
-          </a:prstGeom>
-        </p:spPr>
-      </p:pic>
     </p:spTree>
     <p:extLst>
       <p:ext uri="{BB962C8B-B14F-4D97-AF65-F5344CB8AC3E}">
-        <p14:creationId xmlns:p14="http://schemas.microsoft.com/office/powerpoint/2010/main" val="4270593496"/>
+        <p14:creationId xmlns:p14="http://schemas.microsoft.com/office/powerpoint/2010/main" val="2820671103"/>
       </p:ext>
     </p:extLst>
   </p:cSld>
@@ -7848,7 +7640,7 @@
 </p:sld>
 </file>
 
-<file path=ppt/slides/slide5.xml><?xml version="1.0" encoding="utf-8"?>
+<file path=ppt/slides/slide37.xml><?xml version="1.0" encoding="utf-8"?>
 <p:sld xmlns:a="http://schemas.openxmlformats.org/drawingml/2006/main" xmlns:r="http://schemas.openxmlformats.org/officeDocument/2006/relationships" xmlns:p="http://schemas.openxmlformats.org/presentationml/2006/main">
   <p:cSld>
     <p:spTree>
@@ -7867,7 +7659,7 @@
       </p:grpSpPr>
       <p:sp>
         <p:nvSpPr>
-          <p:cNvPr id="6" name="Titel 5"/>
+          <p:cNvPr id="5" name="Titel 4"/>
           <p:cNvSpPr>
             <a:spLocks noGrp="1"/>
           </p:cNvSpPr>
@@ -7877,12 +7669,22 @@
         </p:nvSpPr>
         <p:spPr/>
         <p:txBody>
-          <a:bodyPr/>
+          <a:bodyPr>
+            <a:normAutofit/>
+          </a:bodyPr>
           <a:lstStyle/>
           <a:p>
             <a:r>
+              <a:rPr lang="de-DE" dirty="0" err="1" smtClean="0"/>
+              <a:t>Questions</a:t>
+            </a:r>
+            <a:r>
               <a:rPr lang="de-DE" dirty="0" smtClean="0"/>
-              <a:t>Technologies</a:t>
+              <a:t> &amp; </a:t>
+            </a:r>
+            <a:r>
+              <a:rPr lang="de-DE" dirty="0" err="1" smtClean="0"/>
+              <a:t>Answers</a:t>
             </a:r>
             <a:endParaRPr lang="de-DE" dirty="0"/>
           </a:p>
@@ -7891,7 +7693,7 @@
     </p:spTree>
     <p:extLst>
       <p:ext uri="{BB962C8B-B14F-4D97-AF65-F5344CB8AC3E}">
-        <p14:creationId xmlns:p14="http://schemas.microsoft.com/office/powerpoint/2010/main" val="3033894581"/>
+        <p14:creationId xmlns:p14="http://schemas.microsoft.com/office/powerpoint/2010/main" val="2820671103"/>
       </p:ext>
     </p:extLst>
   </p:cSld>
@@ -7908,1231 +7710,7 @@
 </p:sld>
 </file>
 
-<file path=ppt/slides/slide6.xml><?xml version="1.0" encoding="utf-8"?>
-<p:sld xmlns:a="http://schemas.openxmlformats.org/drawingml/2006/main" xmlns:r="http://schemas.openxmlformats.org/officeDocument/2006/relationships" xmlns:p="http://schemas.openxmlformats.org/presentationml/2006/main">
-  <p:cSld>
-    <p:spTree>
-      <p:nvGrpSpPr>
-        <p:cNvPr id="1" name=""/>
-        <p:cNvGrpSpPr/>
-        <p:nvPr/>
-      </p:nvGrpSpPr>
-      <p:grpSpPr>
-        <a:xfrm>
-          <a:off x="0" y="0"/>
-          <a:ext cx="0" cy="0"/>
-          <a:chOff x="0" y="0"/>
-          <a:chExt cx="0" cy="0"/>
-        </a:xfrm>
-      </p:grpSpPr>
-      <p:sp>
-        <p:nvSpPr>
-          <p:cNvPr id="2" name="Titel 1"/>
-          <p:cNvSpPr>
-            <a:spLocks noGrp="1"/>
-          </p:cNvSpPr>
-          <p:nvPr>
-            <p:ph type="title"/>
-          </p:nvPr>
-        </p:nvSpPr>
-        <p:spPr/>
-        <p:txBody>
-          <a:bodyPr/>
-          <a:lstStyle/>
-          <a:p>
-            <a:r>
-              <a:rPr lang="de-DE" dirty="0" smtClean="0"/>
-              <a:t>Technologies</a:t>
-            </a:r>
-            <a:endParaRPr lang="de-DE" dirty="0"/>
-          </a:p>
-        </p:txBody>
-      </p:sp>
-      <p:pic>
-        <p:nvPicPr>
-          <p:cNvPr id="4" name="Bild 3" descr="Java_logo.png"/>
-          <p:cNvPicPr>
-            <a:picLocks noChangeAspect="1"/>
-          </p:cNvPicPr>
-          <p:nvPr/>
-        </p:nvPicPr>
-        <p:blipFill>
-          <a:blip r:embed="rId2">
-            <a:extLst>
-              <a:ext uri="{28A0092B-C50C-407E-A947-70E740481C1C}">
-                <a14:useLocalDpi xmlns:a14="http://schemas.microsoft.com/office/drawing/2010/main" val="0"/>
-              </a:ext>
-            </a:extLst>
-          </a:blip>
-          <a:stretch>
-            <a:fillRect/>
-          </a:stretch>
-        </p:blipFill>
-        <p:spPr>
-          <a:xfrm>
-            <a:off x="1800000" y="1861725"/>
-            <a:ext cx="2177910" cy="3994288"/>
-          </a:xfrm>
-          <a:prstGeom prst="rect">
-            <a:avLst/>
-          </a:prstGeom>
-        </p:spPr>
-      </p:pic>
-      <p:pic>
-        <p:nvPicPr>
-          <p:cNvPr id="6" name="Bild 5" descr="libgdx.png"/>
-          <p:cNvPicPr>
-            <a:picLocks noChangeAspect="1"/>
-          </p:cNvPicPr>
-          <p:nvPr/>
-        </p:nvPicPr>
-        <p:blipFill rotWithShape="1">
-          <a:blip r:embed="rId3">
-            <a:extLst>
-              <a:ext uri="{28A0092B-C50C-407E-A947-70E740481C1C}">
-                <a14:useLocalDpi xmlns:a14="http://schemas.microsoft.com/office/drawing/2010/main" val="0"/>
-              </a:ext>
-            </a:extLst>
-          </a:blip>
-          <a:srcRect r="69688"/>
-          <a:stretch/>
-        </p:blipFill>
-        <p:spPr>
-          <a:xfrm>
-            <a:off x="4776686" y="1861725"/>
-            <a:ext cx="2364380" cy="557148"/>
-          </a:xfrm>
-          <a:prstGeom prst="rect">
-            <a:avLst/>
-          </a:prstGeom>
-        </p:spPr>
-      </p:pic>
-      <p:pic>
-        <p:nvPicPr>
-          <p:cNvPr id="7" name="Bild 6" descr="box2d.gif"/>
-          <p:cNvPicPr>
-            <a:picLocks noChangeAspect="1"/>
-          </p:cNvPicPr>
-          <p:nvPr/>
-        </p:nvPicPr>
-        <p:blipFill>
-          <a:blip r:embed="rId4">
-            <a:extLst>
-              <a:ext uri="{28A0092B-C50C-407E-A947-70E740481C1C}">
-                <a14:useLocalDpi xmlns:a14="http://schemas.microsoft.com/office/drawing/2010/main" val="0"/>
-              </a:ext>
-            </a:extLst>
-          </a:blip>
-          <a:stretch>
-            <a:fillRect/>
-          </a:stretch>
-        </p:blipFill>
-        <p:spPr>
-          <a:xfrm>
-            <a:off x="4776686" y="2867401"/>
-            <a:ext cx="2628900" cy="698500"/>
-          </a:xfrm>
-          <a:prstGeom prst="rect">
-            <a:avLst/>
-          </a:prstGeom>
-        </p:spPr>
-      </p:pic>
-      <p:pic>
-        <p:nvPicPr>
-          <p:cNvPr id="8" name="Bild 7" descr="opengl_logo.jpg"/>
-          <p:cNvPicPr>
-            <a:picLocks noChangeAspect="1"/>
-          </p:cNvPicPr>
-          <p:nvPr/>
-        </p:nvPicPr>
-        <p:blipFill>
-          <a:blip r:embed="rId5">
-            <a:extLst>
-              <a:ext uri="{28A0092B-C50C-407E-A947-70E740481C1C}">
-                <a14:useLocalDpi xmlns:a14="http://schemas.microsoft.com/office/drawing/2010/main" val="0"/>
-              </a:ext>
-            </a:extLst>
-          </a:blip>
-          <a:stretch>
-            <a:fillRect/>
-          </a:stretch>
-        </p:blipFill>
-        <p:spPr>
-          <a:xfrm>
-            <a:off x="4776686" y="3923897"/>
-            <a:ext cx="1588706" cy="700475"/>
-          </a:xfrm>
-          <a:prstGeom prst="rect">
-            <a:avLst/>
-          </a:prstGeom>
-        </p:spPr>
-      </p:pic>
-      <p:pic>
-        <p:nvPicPr>
-          <p:cNvPr id="9" name="Bild 8" descr="lwjgl.png"/>
-          <p:cNvPicPr>
-            <a:picLocks noChangeAspect="1"/>
-          </p:cNvPicPr>
-          <p:nvPr/>
-        </p:nvPicPr>
-        <p:blipFill>
-          <a:blip r:embed="rId6">
-            <a:extLst>
-              <a:ext uri="{28A0092B-C50C-407E-A947-70E740481C1C}">
-                <a14:useLocalDpi xmlns:a14="http://schemas.microsoft.com/office/drawing/2010/main" val="0"/>
-              </a:ext>
-            </a:extLst>
-          </a:blip>
-          <a:stretch>
-            <a:fillRect/>
-          </a:stretch>
-        </p:blipFill>
-        <p:spPr>
-          <a:xfrm>
-            <a:off x="4776686" y="5039707"/>
-            <a:ext cx="2101426" cy="700475"/>
-          </a:xfrm>
-          <a:prstGeom prst="rect">
-            <a:avLst/>
-          </a:prstGeom>
-        </p:spPr>
-      </p:pic>
-      <p:sp>
-        <p:nvSpPr>
-          <p:cNvPr id="10" name="Rechteck 9"/>
-          <p:cNvSpPr/>
-          <p:nvPr/>
-        </p:nvSpPr>
-        <p:spPr>
-          <a:xfrm>
-            <a:off x="0" y="6519446"/>
-            <a:ext cx="9144000" cy="338554"/>
-          </a:xfrm>
-          <a:prstGeom prst="rect">
-            <a:avLst/>
-          </a:prstGeom>
-        </p:spPr>
-        <p:txBody>
-          <a:bodyPr wrap="square">
-            <a:spAutoFit/>
-          </a:bodyPr>
-          <a:lstStyle/>
-          <a:p>
-            <a:r>
-              <a:rPr lang="de-DE" sz="800" dirty="0">
-                <a:latin typeface="Arial"/>
-                <a:cs typeface="Arial"/>
-              </a:rPr>
-              <a:t>http://</a:t>
-            </a:r>
-            <a:r>
-              <a:rPr lang="de-DE" sz="800" dirty="0" err="1">
-                <a:latin typeface="Arial"/>
-                <a:cs typeface="Arial"/>
-              </a:rPr>
-              <a:t>upload.wikimedia.org</a:t>
-            </a:r>
-            <a:r>
-              <a:rPr lang="de-DE" sz="800" dirty="0">
-                <a:latin typeface="Arial"/>
-                <a:cs typeface="Arial"/>
-              </a:rPr>
-              <a:t>/</a:t>
-            </a:r>
-            <a:r>
-              <a:rPr lang="de-DE" sz="800" dirty="0" err="1">
-                <a:latin typeface="Arial"/>
-                <a:cs typeface="Arial"/>
-              </a:rPr>
-              <a:t>wikipedia</a:t>
-            </a:r>
-            <a:r>
-              <a:rPr lang="de-DE" sz="800" dirty="0">
-                <a:latin typeface="Arial"/>
-                <a:cs typeface="Arial"/>
-              </a:rPr>
-              <a:t>/en/</a:t>
-            </a:r>
-            <a:r>
-              <a:rPr lang="de-DE" sz="800" dirty="0" err="1">
-                <a:latin typeface="Arial"/>
-                <a:cs typeface="Arial"/>
-              </a:rPr>
-              <a:t>thumb</a:t>
-            </a:r>
-            <a:r>
-              <a:rPr lang="de-DE" sz="800" dirty="0">
-                <a:latin typeface="Arial"/>
-                <a:cs typeface="Arial"/>
-              </a:rPr>
-              <a:t>/3/39/</a:t>
-            </a:r>
-            <a:r>
-              <a:rPr lang="de-DE" sz="800" dirty="0" err="1">
-                <a:latin typeface="Arial"/>
-                <a:cs typeface="Arial"/>
-              </a:rPr>
-              <a:t>Java_logo.svg</a:t>
-            </a:r>
-            <a:r>
-              <a:rPr lang="de-DE" sz="800" dirty="0">
-                <a:latin typeface="Arial"/>
-                <a:cs typeface="Arial"/>
-              </a:rPr>
-              <a:t>/500px-</a:t>
-            </a:r>
-            <a:r>
-              <a:rPr lang="de-DE" sz="800" dirty="0" smtClean="0">
-                <a:latin typeface="Arial"/>
-                <a:cs typeface="Arial"/>
-              </a:rPr>
-              <a:t>Java_logo.svg.png http</a:t>
-            </a:r>
-            <a:r>
-              <a:rPr lang="de-DE" sz="800" dirty="0">
-                <a:latin typeface="Arial"/>
-                <a:cs typeface="Arial"/>
-              </a:rPr>
-              <a:t>://box2d.org/</a:t>
-            </a:r>
-            <a:r>
-              <a:rPr lang="de-DE" sz="800" dirty="0" err="1">
-                <a:latin typeface="Arial"/>
-                <a:cs typeface="Arial"/>
-              </a:rPr>
-              <a:t>forum</a:t>
-            </a:r>
-            <a:r>
-              <a:rPr lang="de-DE" sz="800" dirty="0">
-                <a:latin typeface="Arial"/>
-                <a:cs typeface="Arial"/>
-              </a:rPr>
-              <a:t>/</a:t>
-            </a:r>
-            <a:r>
-              <a:rPr lang="de-DE" sz="800" dirty="0" err="1">
-                <a:latin typeface="Arial"/>
-                <a:cs typeface="Arial"/>
-              </a:rPr>
-              <a:t>styles</a:t>
-            </a:r>
-            <a:r>
-              <a:rPr lang="de-DE" sz="800" dirty="0">
-                <a:latin typeface="Arial"/>
-                <a:cs typeface="Arial"/>
-              </a:rPr>
-              <a:t>/subsilver2/</a:t>
-            </a:r>
-            <a:r>
-              <a:rPr lang="de-DE" sz="800" dirty="0" err="1">
-                <a:latin typeface="Arial"/>
-                <a:cs typeface="Arial"/>
-              </a:rPr>
-              <a:t>imageset</a:t>
-            </a:r>
-            <a:r>
-              <a:rPr lang="de-DE" sz="800" dirty="0">
-                <a:latin typeface="Arial"/>
-                <a:cs typeface="Arial"/>
-              </a:rPr>
-              <a:t>/</a:t>
-            </a:r>
-            <a:r>
-              <a:rPr lang="de-DE" sz="800" dirty="0" err="1">
-                <a:latin typeface="Arial"/>
-                <a:cs typeface="Arial"/>
-              </a:rPr>
-              <a:t>title.gif</a:t>
-            </a:r>
-            <a:endParaRPr lang="de-DE" sz="800" dirty="0">
-              <a:latin typeface="Arial"/>
-              <a:cs typeface="Arial"/>
-            </a:endParaRPr>
-          </a:p>
-          <a:p>
-            <a:r>
-              <a:rPr lang="de-DE" sz="800" dirty="0">
-                <a:latin typeface="Arial"/>
-                <a:cs typeface="Arial"/>
-              </a:rPr>
-              <a:t>http://</a:t>
-            </a:r>
-            <a:r>
-              <a:rPr lang="de-DE" sz="800" dirty="0" err="1">
-                <a:latin typeface="Arial"/>
-                <a:cs typeface="Arial"/>
-              </a:rPr>
-              <a:t>libgdx.badlogicgames.com</a:t>
-            </a:r>
-            <a:r>
-              <a:rPr lang="de-DE" sz="800" dirty="0">
-                <a:latin typeface="Arial"/>
-                <a:cs typeface="Arial"/>
-              </a:rPr>
-              <a:t>/</a:t>
-            </a:r>
-            <a:r>
-              <a:rPr lang="de-DE" sz="800" dirty="0" err="1">
-                <a:latin typeface="Arial"/>
-                <a:cs typeface="Arial"/>
-              </a:rPr>
-              <a:t>img</a:t>
-            </a:r>
-            <a:r>
-              <a:rPr lang="de-DE" sz="800" dirty="0">
-                <a:latin typeface="Arial"/>
-                <a:cs typeface="Arial"/>
-              </a:rPr>
-              <a:t>/</a:t>
-            </a:r>
-            <a:r>
-              <a:rPr lang="de-DE" sz="800" dirty="0" err="1" smtClean="0">
-                <a:latin typeface="Arial"/>
-                <a:cs typeface="Arial"/>
-              </a:rPr>
-              <a:t>logo.png</a:t>
-            </a:r>
-            <a:r>
-              <a:rPr lang="de-DE" sz="800" dirty="0">
-                <a:latin typeface="Arial"/>
-                <a:cs typeface="Arial"/>
-              </a:rPr>
-              <a:t> </a:t>
-            </a:r>
-            <a:r>
-              <a:rPr lang="de-DE" sz="800" dirty="0" smtClean="0">
-                <a:latin typeface="Arial"/>
-                <a:cs typeface="Arial"/>
-              </a:rPr>
-              <a:t>http</a:t>
-            </a:r>
-            <a:r>
-              <a:rPr lang="de-DE" sz="800" dirty="0">
-                <a:latin typeface="Arial"/>
-                <a:cs typeface="Arial"/>
-              </a:rPr>
-              <a:t>://</a:t>
-            </a:r>
-            <a:r>
-              <a:rPr lang="de-DE" sz="800" dirty="0" err="1">
-                <a:latin typeface="Arial"/>
-                <a:cs typeface="Arial"/>
-              </a:rPr>
-              <a:t>www.opengl.org</a:t>
-            </a:r>
-            <a:r>
-              <a:rPr lang="de-DE" sz="800" dirty="0">
-                <a:latin typeface="Arial"/>
-                <a:cs typeface="Arial"/>
-              </a:rPr>
-              <a:t>/</a:t>
-            </a:r>
-            <a:r>
-              <a:rPr lang="de-DE" sz="800" dirty="0" err="1">
-                <a:latin typeface="Arial"/>
-                <a:cs typeface="Arial"/>
-              </a:rPr>
-              <a:t>img</a:t>
-            </a:r>
-            <a:r>
-              <a:rPr lang="de-DE" sz="800" dirty="0">
-                <a:latin typeface="Arial"/>
-                <a:cs typeface="Arial"/>
-              </a:rPr>
-              <a:t>/</a:t>
-            </a:r>
-            <a:r>
-              <a:rPr lang="de-DE" sz="800" dirty="0" err="1" smtClean="0">
-                <a:latin typeface="Arial"/>
-                <a:cs typeface="Arial"/>
-              </a:rPr>
-              <a:t>opengl_logo.jpg</a:t>
-            </a:r>
-            <a:r>
-              <a:rPr lang="de-DE" sz="800" dirty="0">
-                <a:latin typeface="Arial"/>
-                <a:cs typeface="Arial"/>
-              </a:rPr>
-              <a:t> </a:t>
-            </a:r>
-            <a:r>
-              <a:rPr lang="de-DE" sz="800" dirty="0" smtClean="0">
-                <a:latin typeface="Arial"/>
-                <a:cs typeface="Arial"/>
-              </a:rPr>
-              <a:t>http</a:t>
-            </a:r>
-            <a:r>
-              <a:rPr lang="de-DE" sz="800" dirty="0">
-                <a:latin typeface="Arial"/>
-                <a:cs typeface="Arial"/>
-              </a:rPr>
-              <a:t>://</a:t>
-            </a:r>
-            <a:r>
-              <a:rPr lang="de-DE" sz="800" dirty="0" err="1">
-                <a:latin typeface="Arial"/>
-                <a:cs typeface="Arial"/>
-              </a:rPr>
-              <a:t>www.lwjgl.org</a:t>
-            </a:r>
-            <a:r>
-              <a:rPr lang="de-DE" sz="800" dirty="0">
-                <a:latin typeface="Arial"/>
-                <a:cs typeface="Arial"/>
-              </a:rPr>
-              <a:t>/_</a:t>
-            </a:r>
-            <a:r>
-              <a:rPr lang="de-DE" sz="800" dirty="0" err="1">
-                <a:latin typeface="Arial"/>
-                <a:cs typeface="Arial"/>
-              </a:rPr>
-              <a:t>gfx</a:t>
-            </a:r>
-            <a:r>
-              <a:rPr lang="de-DE" sz="800" dirty="0">
-                <a:latin typeface="Arial"/>
-                <a:cs typeface="Arial"/>
-              </a:rPr>
-              <a:t>/</a:t>
-            </a:r>
-            <a:r>
-              <a:rPr lang="de-DE" sz="800" dirty="0" err="1">
-                <a:latin typeface="Arial"/>
-                <a:cs typeface="Arial"/>
-              </a:rPr>
-              <a:t>logo.png</a:t>
-            </a:r>
-            <a:endParaRPr lang="de-DE" sz="800" dirty="0">
-              <a:latin typeface="Arial"/>
-              <a:cs typeface="Arial"/>
-            </a:endParaRPr>
-          </a:p>
-        </p:txBody>
-      </p:sp>
-    </p:spTree>
-    <p:extLst>
-      <p:ext uri="{BB962C8B-B14F-4D97-AF65-F5344CB8AC3E}">
-        <p14:creationId xmlns:p14="http://schemas.microsoft.com/office/powerpoint/2010/main" val="2765128167"/>
-      </p:ext>
-    </p:extLst>
-  </p:cSld>
-  <p:clrMapOvr>
-    <a:masterClrMapping/>
-  </p:clrMapOvr>
-  <p:timing>
-    <p:tnLst>
-      <p:par>
-        <p:cTn xmlns:p14="http://schemas.microsoft.com/office/powerpoint/2010/main" id="1" dur="indefinite" restart="never" nodeType="tmRoot"/>
-      </p:par>
-    </p:tnLst>
-  </p:timing>
-</p:sld>
-</file>
-
-<file path=ppt/slides/slide7.xml><?xml version="1.0" encoding="utf-8"?>
-<p:sld xmlns:a="http://schemas.openxmlformats.org/drawingml/2006/main" xmlns:r="http://schemas.openxmlformats.org/officeDocument/2006/relationships" xmlns:p="http://schemas.openxmlformats.org/presentationml/2006/main">
-  <p:cSld>
-    <p:spTree>
-      <p:nvGrpSpPr>
-        <p:cNvPr id="1" name=""/>
-        <p:cNvGrpSpPr/>
-        <p:nvPr/>
-      </p:nvGrpSpPr>
-      <p:grpSpPr>
-        <a:xfrm>
-          <a:off x="0" y="0"/>
-          <a:ext cx="0" cy="0"/>
-          <a:chOff x="0" y="0"/>
-          <a:chExt cx="0" cy="0"/>
-        </a:xfrm>
-      </p:grpSpPr>
-      <p:sp>
-        <p:nvSpPr>
-          <p:cNvPr id="2" name="Titel 1"/>
-          <p:cNvSpPr>
-            <a:spLocks noGrp="1"/>
-          </p:cNvSpPr>
-          <p:nvPr>
-            <p:ph type="title"/>
-          </p:nvPr>
-        </p:nvSpPr>
-        <p:spPr/>
-        <p:txBody>
-          <a:bodyPr/>
-          <a:lstStyle/>
-          <a:p>
-            <a:r>
-              <a:rPr lang="de-DE" dirty="0" smtClean="0"/>
-              <a:t>Technologies</a:t>
-            </a:r>
-            <a:endParaRPr lang="de-DE" dirty="0"/>
-          </a:p>
-        </p:txBody>
-      </p:sp>
-      <p:pic>
-        <p:nvPicPr>
-          <p:cNvPr id="4" name="Bild 3" descr="Java_logo.png"/>
-          <p:cNvPicPr>
-            <a:picLocks noChangeAspect="1"/>
-          </p:cNvPicPr>
-          <p:nvPr/>
-        </p:nvPicPr>
-        <p:blipFill>
-          <a:blip r:embed="rId2">
-            <a:extLst>
-              <a:ext uri="{28A0092B-C50C-407E-A947-70E740481C1C}">
-                <a14:useLocalDpi xmlns:a14="http://schemas.microsoft.com/office/drawing/2010/main" val="0"/>
-              </a:ext>
-            </a:extLst>
-          </a:blip>
-          <a:stretch>
-            <a:fillRect/>
-          </a:stretch>
-        </p:blipFill>
-        <p:spPr>
-          <a:xfrm>
-            <a:off x="7415533" y="1080000"/>
-            <a:ext cx="720109" cy="1320679"/>
-          </a:xfrm>
-          <a:prstGeom prst="rect">
-            <a:avLst/>
-          </a:prstGeom>
-        </p:spPr>
-      </p:pic>
-      <p:pic>
-        <p:nvPicPr>
-          <p:cNvPr id="3" name="Bild 2" descr="pico_logo.png"/>
-          <p:cNvPicPr>
-            <a:picLocks noChangeAspect="1"/>
-          </p:cNvPicPr>
-          <p:nvPr/>
-        </p:nvPicPr>
-        <p:blipFill>
-          <a:blip r:embed="rId3">
-            <a:extLst>
-              <a:ext uri="{28A0092B-C50C-407E-A947-70E740481C1C}">
-                <a14:useLocalDpi xmlns:a14="http://schemas.microsoft.com/office/drawing/2010/main" val="0"/>
-              </a:ext>
-            </a:extLst>
-          </a:blip>
-          <a:stretch>
-            <a:fillRect/>
-          </a:stretch>
-        </p:blipFill>
-        <p:spPr>
-          <a:xfrm>
-            <a:off x="1800000" y="1911323"/>
-            <a:ext cx="4648882" cy="489356"/>
-          </a:xfrm>
-          <a:prstGeom prst="rect">
-            <a:avLst/>
-          </a:prstGeom>
-        </p:spPr>
-      </p:pic>
-      <p:pic>
-        <p:nvPicPr>
-          <p:cNvPr id="5" name="Bild 4" descr="slf4j-logo.jpg"/>
-          <p:cNvPicPr>
-            <a:picLocks noChangeAspect="1"/>
-          </p:cNvPicPr>
-          <p:nvPr/>
-        </p:nvPicPr>
-        <p:blipFill>
-          <a:blip r:embed="rId4">
-            <a:extLst>
-              <a:ext uri="{28A0092B-C50C-407E-A947-70E740481C1C}">
-                <a14:useLocalDpi xmlns:a14="http://schemas.microsoft.com/office/drawing/2010/main" val="0"/>
-              </a:ext>
-            </a:extLst>
-          </a:blip>
-          <a:stretch>
-            <a:fillRect/>
-          </a:stretch>
-        </p:blipFill>
-        <p:spPr>
-          <a:xfrm>
-            <a:off x="1800000" y="2777278"/>
-            <a:ext cx="2184371" cy="931043"/>
-          </a:xfrm>
-          <a:prstGeom prst="rect">
-            <a:avLst/>
-          </a:prstGeom>
-        </p:spPr>
-      </p:pic>
-      <p:pic>
-        <p:nvPicPr>
-          <p:cNvPr id="11" name="Bild 10" descr="lblogo.jpg"/>
-          <p:cNvPicPr>
-            <a:picLocks noChangeAspect="1"/>
-          </p:cNvPicPr>
-          <p:nvPr/>
-        </p:nvPicPr>
-        <p:blipFill>
-          <a:blip r:embed="rId5">
-            <a:extLst>
-              <a:ext uri="{28A0092B-C50C-407E-A947-70E740481C1C}">
-                <a14:useLocalDpi xmlns:a14="http://schemas.microsoft.com/office/drawing/2010/main" val="0"/>
-              </a:ext>
-            </a:extLst>
-          </a:blip>
-          <a:stretch>
-            <a:fillRect/>
-          </a:stretch>
-        </p:blipFill>
-        <p:spPr>
-          <a:xfrm>
-            <a:off x="4307877" y="2777278"/>
-            <a:ext cx="1738866" cy="936312"/>
-          </a:xfrm>
-          <a:prstGeom prst="rect">
-            <a:avLst/>
-          </a:prstGeom>
-        </p:spPr>
-      </p:pic>
-      <p:pic>
-        <p:nvPicPr>
-          <p:cNvPr id="12" name="Bild 11" descr="commons-logo.png"/>
-          <p:cNvPicPr>
-            <a:picLocks noChangeAspect="1"/>
-          </p:cNvPicPr>
-          <p:nvPr/>
-        </p:nvPicPr>
-        <p:blipFill>
-          <a:blip r:embed="rId6">
-            <a:extLst>
-              <a:ext uri="{28A0092B-C50C-407E-A947-70E740481C1C}">
-                <a14:useLocalDpi xmlns:a14="http://schemas.microsoft.com/office/drawing/2010/main" val="0"/>
-              </a:ext>
-            </a:extLst>
-          </a:blip>
-          <a:stretch>
-            <a:fillRect/>
-          </a:stretch>
-        </p:blipFill>
-        <p:spPr>
-          <a:xfrm>
-            <a:off x="1800000" y="4064286"/>
-            <a:ext cx="3277091" cy="936312"/>
-          </a:xfrm>
-          <a:prstGeom prst="rect">
-            <a:avLst/>
-          </a:prstGeom>
-        </p:spPr>
-      </p:pic>
-      <p:sp>
-        <p:nvSpPr>
-          <p:cNvPr id="13" name="Textfeld 12"/>
-          <p:cNvSpPr txBox="1"/>
-          <p:nvPr/>
-        </p:nvSpPr>
-        <p:spPr>
-          <a:xfrm>
-            <a:off x="1800000" y="5240492"/>
-            <a:ext cx="2812883" cy="923330"/>
-          </a:xfrm>
-          <a:prstGeom prst="rect">
-            <a:avLst/>
-          </a:prstGeom>
-          <a:noFill/>
-        </p:spPr>
-        <p:txBody>
-          <a:bodyPr wrap="square" rtlCol="0">
-            <a:spAutoFit/>
-          </a:bodyPr>
-          <a:lstStyle/>
-          <a:p>
-            <a:r>
-              <a:rPr lang="en-US" sz="5400" b="1" kern="1800" dirty="0" err="1">
-                <a:solidFill>
-                  <a:srgbClr val="00CC00"/>
-                </a:solidFill>
-                <a:latin typeface="Times"/>
-                <a:ea typeface="Times New Roman"/>
-                <a:cs typeface="Times New Roman"/>
-              </a:rPr>
-              <a:t>J</a:t>
-            </a:r>
-            <a:r>
-              <a:rPr lang="en-US" sz="5400" b="1" kern="1800" dirty="0" err="1">
-                <a:solidFill>
-                  <a:srgbClr val="FF0000"/>
-                </a:solidFill>
-                <a:latin typeface="Times"/>
-                <a:ea typeface="Times New Roman"/>
-                <a:cs typeface="Times New Roman"/>
-              </a:rPr>
-              <a:t>U</a:t>
-            </a:r>
-            <a:r>
-              <a:rPr lang="en-US" sz="5400" b="1" kern="1800" dirty="0" err="1">
-                <a:solidFill>
-                  <a:srgbClr val="000000"/>
-                </a:solidFill>
-                <a:latin typeface="Times"/>
-                <a:ea typeface="Times New Roman"/>
-                <a:cs typeface="Times New Roman"/>
-              </a:rPr>
-              <a:t>nit</a:t>
-            </a:r>
-            <a:r>
-              <a:rPr lang="en-US" sz="5400" dirty="0"/>
-              <a:t> </a:t>
-            </a:r>
-            <a:endParaRPr lang="de-DE" sz="5400" dirty="0"/>
-          </a:p>
-        </p:txBody>
-      </p:sp>
-      <p:pic>
-        <p:nvPicPr>
-          <p:cNvPr id="14" name="Bild 13" descr="mockito.jpg"/>
-          <p:cNvPicPr>
-            <a:picLocks noChangeAspect="1"/>
-          </p:cNvPicPr>
-          <p:nvPr/>
-        </p:nvPicPr>
-        <p:blipFill>
-          <a:blip r:embed="rId7">
-            <a:extLst>
-              <a:ext uri="{28A0092B-C50C-407E-A947-70E740481C1C}">
-                <a14:useLocalDpi xmlns:a14="http://schemas.microsoft.com/office/drawing/2010/main" val="0"/>
-              </a:ext>
-            </a:extLst>
-          </a:blip>
-          <a:stretch>
-            <a:fillRect/>
-          </a:stretch>
-        </p:blipFill>
-        <p:spPr>
-          <a:xfrm>
-            <a:off x="4169229" y="5179814"/>
-            <a:ext cx="2010590" cy="932867"/>
-          </a:xfrm>
-          <a:prstGeom prst="rect">
-            <a:avLst/>
-          </a:prstGeom>
-        </p:spPr>
-      </p:pic>
-      <p:sp>
-        <p:nvSpPr>
-          <p:cNvPr id="15" name="Rechteck 14"/>
-          <p:cNvSpPr/>
-          <p:nvPr/>
-        </p:nvSpPr>
-        <p:spPr>
-          <a:xfrm>
-            <a:off x="0" y="6519446"/>
-            <a:ext cx="9144000" cy="338554"/>
-          </a:xfrm>
-          <a:prstGeom prst="rect">
-            <a:avLst/>
-          </a:prstGeom>
-        </p:spPr>
-        <p:txBody>
-          <a:bodyPr wrap="square">
-            <a:spAutoFit/>
-          </a:bodyPr>
-          <a:lstStyle/>
-          <a:p>
-            <a:r>
-              <a:rPr lang="de-DE" sz="800" dirty="0">
-                <a:latin typeface="Arial"/>
-                <a:cs typeface="Arial"/>
-              </a:rPr>
-              <a:t>http://</a:t>
-            </a:r>
-            <a:r>
-              <a:rPr lang="de-DE" sz="800" dirty="0" err="1">
-                <a:latin typeface="Arial"/>
-                <a:cs typeface="Arial"/>
-              </a:rPr>
-              <a:t>picocontainer.com</a:t>
-            </a:r>
-            <a:r>
-              <a:rPr lang="de-DE" sz="800" dirty="0">
-                <a:latin typeface="Arial"/>
-                <a:cs typeface="Arial"/>
-              </a:rPr>
-              <a:t>/</a:t>
-            </a:r>
-            <a:r>
-              <a:rPr lang="de-DE" sz="800" dirty="0" err="1">
-                <a:latin typeface="Arial"/>
-                <a:cs typeface="Arial"/>
-              </a:rPr>
-              <a:t>images</a:t>
-            </a:r>
-            <a:r>
-              <a:rPr lang="de-DE" sz="800" dirty="0">
-                <a:latin typeface="Arial"/>
-                <a:cs typeface="Arial"/>
-              </a:rPr>
-              <a:t>/</a:t>
-            </a:r>
-            <a:r>
-              <a:rPr lang="de-DE" sz="800" dirty="0" err="1" smtClean="0">
-                <a:latin typeface="Arial"/>
-                <a:cs typeface="Arial"/>
-              </a:rPr>
-              <a:t>pico_logo.png</a:t>
-            </a:r>
-            <a:r>
-              <a:rPr lang="de-DE" sz="800" dirty="0" smtClean="0">
-                <a:latin typeface="Arial"/>
-                <a:cs typeface="Arial"/>
-              </a:rPr>
-              <a:t> http</a:t>
-            </a:r>
-            <a:r>
-              <a:rPr lang="de-DE" sz="800" dirty="0">
-                <a:latin typeface="Arial"/>
-                <a:cs typeface="Arial"/>
-              </a:rPr>
-              <a:t>://slf4j.org/</a:t>
-            </a:r>
-            <a:r>
-              <a:rPr lang="de-DE" sz="800" dirty="0" err="1">
-                <a:latin typeface="Arial"/>
-                <a:cs typeface="Arial"/>
-              </a:rPr>
-              <a:t>images</a:t>
-            </a:r>
-            <a:r>
-              <a:rPr lang="de-DE" sz="800" dirty="0">
-                <a:latin typeface="Arial"/>
-                <a:cs typeface="Arial"/>
-              </a:rPr>
-              <a:t>/</a:t>
-            </a:r>
-            <a:r>
-              <a:rPr lang="de-DE" sz="800" dirty="0" err="1">
-                <a:latin typeface="Arial"/>
-                <a:cs typeface="Arial"/>
-              </a:rPr>
-              <a:t>logos</a:t>
-            </a:r>
-            <a:r>
-              <a:rPr lang="de-DE" sz="800" dirty="0">
-                <a:latin typeface="Arial"/>
-                <a:cs typeface="Arial"/>
-              </a:rPr>
-              <a:t>/slf4j-</a:t>
-            </a:r>
-            <a:r>
-              <a:rPr lang="de-DE" sz="800" dirty="0" smtClean="0">
-                <a:latin typeface="Arial"/>
-                <a:cs typeface="Arial"/>
-              </a:rPr>
-              <a:t>logo.jpg http</a:t>
-            </a:r>
-            <a:r>
-              <a:rPr lang="de-DE" sz="800" dirty="0">
-                <a:latin typeface="Arial"/>
-                <a:cs typeface="Arial"/>
-              </a:rPr>
-              <a:t>://</a:t>
-            </a:r>
-            <a:r>
-              <a:rPr lang="de-DE" sz="800" dirty="0" err="1">
-                <a:latin typeface="Arial"/>
-                <a:cs typeface="Arial"/>
-              </a:rPr>
-              <a:t>logback.qos.ch</a:t>
-            </a:r>
-            <a:r>
-              <a:rPr lang="de-DE" sz="800" dirty="0">
-                <a:latin typeface="Arial"/>
-                <a:cs typeface="Arial"/>
-              </a:rPr>
-              <a:t>/</a:t>
-            </a:r>
-            <a:r>
-              <a:rPr lang="de-DE" sz="800" dirty="0" err="1">
-                <a:latin typeface="Arial"/>
-                <a:cs typeface="Arial"/>
-              </a:rPr>
-              <a:t>images</a:t>
-            </a:r>
-            <a:r>
-              <a:rPr lang="de-DE" sz="800" dirty="0">
-                <a:latin typeface="Arial"/>
-                <a:cs typeface="Arial"/>
-              </a:rPr>
-              <a:t>/</a:t>
-            </a:r>
-            <a:r>
-              <a:rPr lang="de-DE" sz="800" dirty="0" err="1">
-                <a:latin typeface="Arial"/>
-                <a:cs typeface="Arial"/>
-              </a:rPr>
-              <a:t>logos</a:t>
-            </a:r>
-            <a:r>
-              <a:rPr lang="de-DE" sz="800" dirty="0">
-                <a:latin typeface="Arial"/>
-                <a:cs typeface="Arial"/>
-              </a:rPr>
-              <a:t>/</a:t>
-            </a:r>
-            <a:r>
-              <a:rPr lang="de-DE" sz="800" dirty="0" err="1" smtClean="0">
-                <a:latin typeface="Arial"/>
-                <a:cs typeface="Arial"/>
-              </a:rPr>
-              <a:t>lblogo.jpg</a:t>
-            </a:r>
-            <a:r>
-              <a:rPr lang="de-DE" sz="800" dirty="0" smtClean="0">
-                <a:latin typeface="Arial"/>
-                <a:cs typeface="Arial"/>
-              </a:rPr>
-              <a:t> </a:t>
-            </a:r>
-          </a:p>
-          <a:p>
-            <a:r>
-              <a:rPr lang="de-DE" sz="800" dirty="0" smtClean="0">
-                <a:latin typeface="Arial"/>
-                <a:cs typeface="Arial"/>
-              </a:rPr>
-              <a:t>http</a:t>
-            </a:r>
-            <a:r>
-              <a:rPr lang="de-DE" sz="800" dirty="0">
-                <a:latin typeface="Arial"/>
-                <a:cs typeface="Arial"/>
-              </a:rPr>
-              <a:t>://</a:t>
-            </a:r>
-            <a:r>
-              <a:rPr lang="de-DE" sz="800" dirty="0" err="1">
-                <a:latin typeface="Arial"/>
-                <a:cs typeface="Arial"/>
-              </a:rPr>
-              <a:t>commons.apache.org</a:t>
-            </a:r>
-            <a:r>
-              <a:rPr lang="de-DE" sz="800" dirty="0">
-                <a:latin typeface="Arial"/>
-                <a:cs typeface="Arial"/>
-              </a:rPr>
-              <a:t>/</a:t>
-            </a:r>
-            <a:r>
-              <a:rPr lang="de-DE" sz="800" dirty="0" err="1">
-                <a:latin typeface="Arial"/>
-                <a:cs typeface="Arial"/>
-              </a:rPr>
-              <a:t>images</a:t>
-            </a:r>
-            <a:r>
-              <a:rPr lang="de-DE" sz="800" dirty="0">
-                <a:latin typeface="Arial"/>
-                <a:cs typeface="Arial"/>
-              </a:rPr>
-              <a:t>/</a:t>
-            </a:r>
-            <a:r>
-              <a:rPr lang="de-DE" sz="800" dirty="0" err="1">
-                <a:latin typeface="Arial"/>
-                <a:cs typeface="Arial"/>
-              </a:rPr>
-              <a:t>commons-</a:t>
-            </a:r>
-            <a:r>
-              <a:rPr lang="de-DE" sz="800" dirty="0" err="1" smtClean="0">
-                <a:latin typeface="Arial"/>
-                <a:cs typeface="Arial"/>
-              </a:rPr>
-              <a:t>logo.png</a:t>
-            </a:r>
-            <a:r>
-              <a:rPr lang="de-DE" sz="800" dirty="0" smtClean="0">
-                <a:latin typeface="Arial"/>
-                <a:cs typeface="Arial"/>
-              </a:rPr>
-              <a:t> http</a:t>
-            </a:r>
-            <a:r>
-              <a:rPr lang="de-DE" sz="800" dirty="0">
-                <a:latin typeface="Arial"/>
-                <a:cs typeface="Arial"/>
-              </a:rPr>
-              <a:t>://</a:t>
-            </a:r>
-            <a:r>
-              <a:rPr lang="de-DE" sz="800" dirty="0" err="1">
-                <a:latin typeface="Arial"/>
-                <a:cs typeface="Arial"/>
-              </a:rPr>
-              <a:t>mockito.googlecode.com</a:t>
-            </a:r>
-            <a:r>
-              <a:rPr lang="de-DE" sz="800" dirty="0">
-                <a:latin typeface="Arial"/>
-                <a:cs typeface="Arial"/>
-              </a:rPr>
-              <a:t>/</a:t>
-            </a:r>
-            <a:r>
-              <a:rPr lang="de-DE" sz="800" dirty="0" err="1">
-                <a:latin typeface="Arial"/>
-                <a:cs typeface="Arial"/>
-              </a:rPr>
-              <a:t>svn</a:t>
-            </a:r>
-            <a:r>
-              <a:rPr lang="de-DE" sz="800" dirty="0">
-                <a:latin typeface="Arial"/>
-                <a:cs typeface="Arial"/>
-              </a:rPr>
-              <a:t>/</a:t>
-            </a:r>
-            <a:r>
-              <a:rPr lang="de-DE" sz="800" dirty="0" err="1">
-                <a:latin typeface="Arial"/>
-                <a:cs typeface="Arial"/>
-              </a:rPr>
-              <a:t>wiki</a:t>
-            </a:r>
-            <a:r>
-              <a:rPr lang="de-DE" sz="800" dirty="0">
-                <a:latin typeface="Arial"/>
-                <a:cs typeface="Arial"/>
-              </a:rPr>
-              <a:t>/</a:t>
-            </a:r>
-            <a:r>
-              <a:rPr lang="de-DE" sz="800" dirty="0" err="1">
-                <a:latin typeface="Arial"/>
-                <a:cs typeface="Arial"/>
-              </a:rPr>
-              <a:t>images</a:t>
-            </a:r>
-            <a:r>
-              <a:rPr lang="de-DE" sz="800" dirty="0">
-                <a:latin typeface="Arial"/>
-                <a:cs typeface="Arial"/>
-              </a:rPr>
-              <a:t>/</a:t>
-            </a:r>
-            <a:r>
-              <a:rPr lang="de-DE" sz="800" dirty="0" err="1">
-                <a:latin typeface="Arial"/>
-                <a:cs typeface="Arial"/>
-              </a:rPr>
-              <a:t>logo.jpg</a:t>
-            </a:r>
-            <a:endParaRPr lang="de-DE" sz="800" dirty="0">
-              <a:latin typeface="Arial"/>
-              <a:cs typeface="Arial"/>
-            </a:endParaRPr>
-          </a:p>
-        </p:txBody>
-      </p:sp>
-      <p:sp>
-        <p:nvSpPr>
-          <p:cNvPr id="16" name="Gefaltete Ecke 15"/>
-          <p:cNvSpPr/>
-          <p:nvPr/>
-        </p:nvSpPr>
-        <p:spPr>
-          <a:xfrm>
-            <a:off x="6833983" y="2913076"/>
-            <a:ext cx="1883210" cy="742813"/>
-          </a:xfrm>
-          <a:prstGeom prst="foldedCorner">
-            <a:avLst/>
-          </a:prstGeom>
-        </p:spPr>
-        <p:style>
-          <a:lnRef idx="1">
-            <a:schemeClr val="accent6"/>
-          </a:lnRef>
-          <a:fillRef idx="2">
-            <a:schemeClr val="accent6"/>
-          </a:fillRef>
-          <a:effectRef idx="1">
-            <a:schemeClr val="accent6"/>
-          </a:effectRef>
-          <a:fontRef idx="minor">
-            <a:schemeClr val="dk1"/>
-          </a:fontRef>
-        </p:style>
-        <p:txBody>
-          <a:bodyPr rtlCol="0" anchor="ctr"/>
-          <a:lstStyle/>
-          <a:p>
-            <a:pPr algn="ctr"/>
-            <a:r>
-              <a:rPr lang="de-DE" sz="2800" dirty="0" smtClean="0">
-                <a:latin typeface="Arial"/>
-                <a:cs typeface="Arial"/>
-              </a:rPr>
-              <a:t>JAXB 2.0</a:t>
-            </a:r>
-            <a:endParaRPr lang="de-DE" sz="2000" dirty="0" smtClean="0">
-              <a:latin typeface="Arial"/>
-              <a:cs typeface="Arial"/>
-            </a:endParaRPr>
-          </a:p>
-        </p:txBody>
-      </p:sp>
-      <p:cxnSp>
-        <p:nvCxnSpPr>
-          <p:cNvPr id="18" name="Gerade Verbindung 17"/>
-          <p:cNvCxnSpPr>
-            <a:stCxn id="16" idx="0"/>
-            <a:endCxn id="4" idx="2"/>
-          </p:cNvCxnSpPr>
-          <p:nvPr/>
-        </p:nvCxnSpPr>
-        <p:spPr>
-          <a:xfrm flipV="1">
-            <a:off x="7775588" y="2400679"/>
-            <a:ext cx="0" cy="512397"/>
-          </a:xfrm>
-          <a:prstGeom prst="line">
-            <a:avLst/>
-          </a:prstGeom>
-        </p:spPr>
-        <p:style>
-          <a:lnRef idx="1">
-            <a:schemeClr val="accent6"/>
-          </a:lnRef>
-          <a:fillRef idx="0">
-            <a:schemeClr val="accent6"/>
-          </a:fillRef>
-          <a:effectRef idx="0">
-            <a:schemeClr val="accent6"/>
-          </a:effectRef>
-          <a:fontRef idx="minor">
-            <a:schemeClr val="tx1"/>
-          </a:fontRef>
-        </p:style>
-      </p:cxnSp>
-    </p:spTree>
-    <p:extLst>
-      <p:ext uri="{BB962C8B-B14F-4D97-AF65-F5344CB8AC3E}">
-        <p14:creationId xmlns:p14="http://schemas.microsoft.com/office/powerpoint/2010/main" val="3884172823"/>
-      </p:ext>
-    </p:extLst>
-  </p:cSld>
-  <p:clrMapOvr>
-    <a:masterClrMapping/>
-  </p:clrMapOvr>
-  <p:timing>
-    <p:tnLst>
-      <p:par>
-        <p:cTn xmlns:p14="http://schemas.microsoft.com/office/powerpoint/2010/main" id="1" dur="indefinite" restart="never" nodeType="tmRoot"/>
-      </p:par>
-    </p:tnLst>
-  </p:timing>
-</p:sld>
-</file>
-
-<file path=ppt/slides/slide8.xml><?xml version="1.0" encoding="utf-8"?>
+<file path=ppt/slides/slide38.xml><?xml version="1.0" encoding="utf-8"?>
 <p:sld xmlns:a="http://schemas.openxmlformats.org/drawingml/2006/main" xmlns:r="http://schemas.openxmlformats.org/officeDocument/2006/relationships" xmlns:p="http://schemas.openxmlformats.org/presentationml/2006/main">
   <p:cSld>
     <p:spTree>
@@ -10018,7 +8596,1144 @@
 </p:sld>
 </file>
 
-<file path=ppt/slides/slide9.xml><?xml version="1.0" encoding="utf-8"?>
+<file path=ppt/slides/slide39.xml><?xml version="1.0" encoding="utf-8"?>
+<p:sld xmlns:a="http://schemas.openxmlformats.org/drawingml/2006/main" xmlns:r="http://schemas.openxmlformats.org/officeDocument/2006/relationships" xmlns:p="http://schemas.openxmlformats.org/presentationml/2006/main">
+  <p:cSld>
+    <p:spTree>
+      <p:nvGrpSpPr>
+        <p:cNvPr id="1" name=""/>
+        <p:cNvGrpSpPr/>
+        <p:nvPr/>
+      </p:nvGrpSpPr>
+      <p:grpSpPr>
+        <a:xfrm>
+          <a:off x="0" y="0"/>
+          <a:ext cx="0" cy="0"/>
+          <a:chOff x="0" y="0"/>
+          <a:chExt cx="0" cy="0"/>
+        </a:xfrm>
+      </p:grpSpPr>
+      <p:sp>
+        <p:nvSpPr>
+          <p:cNvPr id="2" name="Titel 1"/>
+          <p:cNvSpPr>
+            <a:spLocks noGrp="1"/>
+          </p:cNvSpPr>
+          <p:nvPr>
+            <p:ph type="title"/>
+          </p:nvPr>
+        </p:nvSpPr>
+        <p:spPr/>
+        <p:txBody>
+          <a:bodyPr/>
+          <a:lstStyle/>
+          <a:p>
+            <a:r>
+              <a:rPr lang="de-DE" dirty="0" smtClean="0"/>
+              <a:t>Further Technologies</a:t>
+            </a:r>
+            <a:endParaRPr lang="de-DE" dirty="0"/>
+          </a:p>
+        </p:txBody>
+      </p:sp>
+      <p:pic>
+        <p:nvPicPr>
+          <p:cNvPr id="5" name="Bild 4" descr="slf4j-logo.jpg"/>
+          <p:cNvPicPr>
+            <a:picLocks noChangeAspect="1"/>
+          </p:cNvPicPr>
+          <p:nvPr/>
+        </p:nvPicPr>
+        <p:blipFill>
+          <a:blip r:embed="rId2">
+            <a:extLst>
+              <a:ext uri="{28A0092B-C50C-407E-A947-70E740481C1C}">
+                <a14:useLocalDpi xmlns:a14="http://schemas.microsoft.com/office/drawing/2010/main" val="0"/>
+              </a:ext>
+            </a:extLst>
+          </a:blip>
+          <a:stretch>
+            <a:fillRect/>
+          </a:stretch>
+        </p:blipFill>
+        <p:spPr>
+          <a:xfrm>
+            <a:off x="1800000" y="2223269"/>
+            <a:ext cx="2184371" cy="931043"/>
+          </a:xfrm>
+          <a:prstGeom prst="rect">
+            <a:avLst/>
+          </a:prstGeom>
+        </p:spPr>
+      </p:pic>
+      <p:pic>
+        <p:nvPicPr>
+          <p:cNvPr id="12" name="Bild 11" descr="commons-logo.png"/>
+          <p:cNvPicPr>
+            <a:picLocks noChangeAspect="1"/>
+          </p:cNvPicPr>
+          <p:nvPr/>
+        </p:nvPicPr>
+        <p:blipFill>
+          <a:blip r:embed="rId3">
+            <a:extLst>
+              <a:ext uri="{28A0092B-C50C-407E-A947-70E740481C1C}">
+                <a14:useLocalDpi xmlns:a14="http://schemas.microsoft.com/office/drawing/2010/main" val="0"/>
+              </a:ext>
+            </a:extLst>
+          </a:blip>
+          <a:stretch>
+            <a:fillRect/>
+          </a:stretch>
+        </p:blipFill>
+        <p:spPr>
+          <a:xfrm>
+            <a:off x="1800000" y="3604032"/>
+            <a:ext cx="3277091" cy="936312"/>
+          </a:xfrm>
+          <a:prstGeom prst="rect">
+            <a:avLst/>
+          </a:prstGeom>
+        </p:spPr>
+      </p:pic>
+      <p:sp>
+        <p:nvSpPr>
+          <p:cNvPr id="13" name="Textfeld 12"/>
+          <p:cNvSpPr txBox="1"/>
+          <p:nvPr/>
+        </p:nvSpPr>
+        <p:spPr>
+          <a:xfrm>
+            <a:off x="1800000" y="4882517"/>
+            <a:ext cx="2812883" cy="923330"/>
+          </a:xfrm>
+          <a:prstGeom prst="rect">
+            <a:avLst/>
+          </a:prstGeom>
+          <a:noFill/>
+        </p:spPr>
+        <p:txBody>
+          <a:bodyPr wrap="square" rtlCol="0">
+            <a:spAutoFit/>
+          </a:bodyPr>
+          <a:lstStyle/>
+          <a:p>
+            <a:r>
+              <a:rPr lang="en-US" sz="5400" b="1" kern="1800" dirty="0" err="1">
+                <a:solidFill>
+                  <a:srgbClr val="00CC00"/>
+                </a:solidFill>
+                <a:latin typeface="Times"/>
+                <a:ea typeface="Times New Roman"/>
+                <a:cs typeface="Times New Roman"/>
+              </a:rPr>
+              <a:t>J</a:t>
+            </a:r>
+            <a:r>
+              <a:rPr lang="en-US" sz="5400" b="1" kern="1800" dirty="0" err="1">
+                <a:solidFill>
+                  <a:srgbClr val="FF0000"/>
+                </a:solidFill>
+                <a:latin typeface="Times"/>
+                <a:ea typeface="Times New Roman"/>
+                <a:cs typeface="Times New Roman"/>
+              </a:rPr>
+              <a:t>U</a:t>
+            </a:r>
+            <a:r>
+              <a:rPr lang="en-US" sz="5400" b="1" kern="1800" dirty="0" err="1">
+                <a:solidFill>
+                  <a:srgbClr val="000000"/>
+                </a:solidFill>
+                <a:latin typeface="Times"/>
+                <a:ea typeface="Times New Roman"/>
+                <a:cs typeface="Times New Roman"/>
+              </a:rPr>
+              <a:t>nit</a:t>
+            </a:r>
+            <a:r>
+              <a:rPr lang="en-US" sz="5400" dirty="0"/>
+              <a:t> </a:t>
+            </a:r>
+            <a:endParaRPr lang="de-DE" sz="5400" dirty="0"/>
+          </a:p>
+        </p:txBody>
+      </p:sp>
+      <p:pic>
+        <p:nvPicPr>
+          <p:cNvPr id="14" name="Bild 13" descr="mockito.jpg"/>
+          <p:cNvPicPr>
+            <a:picLocks noChangeAspect="1"/>
+          </p:cNvPicPr>
+          <p:nvPr/>
+        </p:nvPicPr>
+        <p:blipFill>
+          <a:blip r:embed="rId4">
+            <a:extLst>
+              <a:ext uri="{28A0092B-C50C-407E-A947-70E740481C1C}">
+                <a14:useLocalDpi xmlns:a14="http://schemas.microsoft.com/office/drawing/2010/main" val="0"/>
+              </a:ext>
+            </a:extLst>
+          </a:blip>
+          <a:stretch>
+            <a:fillRect/>
+          </a:stretch>
+        </p:blipFill>
+        <p:spPr>
+          <a:xfrm>
+            <a:off x="4834274" y="4804792"/>
+            <a:ext cx="2010590" cy="932867"/>
+          </a:xfrm>
+          <a:prstGeom prst="rect">
+            <a:avLst/>
+          </a:prstGeom>
+        </p:spPr>
+      </p:pic>
+      <p:sp>
+        <p:nvSpPr>
+          <p:cNvPr id="15" name="Rechteck 14"/>
+          <p:cNvSpPr/>
+          <p:nvPr/>
+        </p:nvSpPr>
+        <p:spPr>
+          <a:xfrm>
+            <a:off x="0" y="6519446"/>
+            <a:ext cx="9144000" cy="338554"/>
+          </a:xfrm>
+          <a:prstGeom prst="rect">
+            <a:avLst/>
+          </a:prstGeom>
+        </p:spPr>
+        <p:txBody>
+          <a:bodyPr wrap="square">
+            <a:spAutoFit/>
+          </a:bodyPr>
+          <a:lstStyle/>
+          <a:p>
+            <a:r>
+              <a:rPr lang="de-DE" sz="800" dirty="0" smtClean="0">
+                <a:latin typeface="Arial"/>
+                <a:cs typeface="Arial"/>
+              </a:rPr>
+              <a:t>http</a:t>
+            </a:r>
+            <a:r>
+              <a:rPr lang="de-DE" sz="800" dirty="0">
+                <a:latin typeface="Arial"/>
+                <a:cs typeface="Arial"/>
+              </a:rPr>
+              <a:t>://slf4j.org/</a:t>
+            </a:r>
+            <a:r>
+              <a:rPr lang="de-DE" sz="800" dirty="0" err="1">
+                <a:latin typeface="Arial"/>
+                <a:cs typeface="Arial"/>
+              </a:rPr>
+              <a:t>images</a:t>
+            </a:r>
+            <a:r>
+              <a:rPr lang="de-DE" sz="800" dirty="0">
+                <a:latin typeface="Arial"/>
+                <a:cs typeface="Arial"/>
+              </a:rPr>
+              <a:t>/</a:t>
+            </a:r>
+            <a:r>
+              <a:rPr lang="de-DE" sz="800" dirty="0" err="1">
+                <a:latin typeface="Arial"/>
+                <a:cs typeface="Arial"/>
+              </a:rPr>
+              <a:t>logos</a:t>
+            </a:r>
+            <a:r>
+              <a:rPr lang="de-DE" sz="800" dirty="0">
+                <a:latin typeface="Arial"/>
+                <a:cs typeface="Arial"/>
+              </a:rPr>
+              <a:t>/slf4j-</a:t>
+            </a:r>
+            <a:r>
+              <a:rPr lang="de-DE" sz="800" dirty="0" smtClean="0">
+                <a:latin typeface="Arial"/>
+                <a:cs typeface="Arial"/>
+              </a:rPr>
+              <a:t>logo.jpg </a:t>
+            </a:r>
+            <a:r>
+              <a:rPr lang="de-DE" sz="800" dirty="0" smtClean="0">
+                <a:latin typeface="Arial"/>
+                <a:cs typeface="Arial"/>
+              </a:rPr>
+              <a:t>http</a:t>
+            </a:r>
+            <a:r>
+              <a:rPr lang="de-DE" sz="800" dirty="0">
+                <a:latin typeface="Arial"/>
+                <a:cs typeface="Arial"/>
+              </a:rPr>
+              <a:t>://</a:t>
+            </a:r>
+            <a:r>
+              <a:rPr lang="de-DE" sz="800" dirty="0" err="1">
+                <a:latin typeface="Arial"/>
+                <a:cs typeface="Arial"/>
+              </a:rPr>
+              <a:t>www.lwjgl.org</a:t>
+            </a:r>
+            <a:r>
+              <a:rPr lang="de-DE" sz="800" dirty="0">
+                <a:latin typeface="Arial"/>
+                <a:cs typeface="Arial"/>
+              </a:rPr>
+              <a:t>/_</a:t>
+            </a:r>
+            <a:r>
+              <a:rPr lang="de-DE" sz="800" dirty="0" err="1">
+                <a:latin typeface="Arial"/>
+                <a:cs typeface="Arial"/>
+              </a:rPr>
+              <a:t>gfx</a:t>
+            </a:r>
+            <a:r>
+              <a:rPr lang="de-DE" sz="800" dirty="0">
+                <a:latin typeface="Arial"/>
+                <a:cs typeface="Arial"/>
+              </a:rPr>
+              <a:t>/</a:t>
+            </a:r>
+            <a:r>
+              <a:rPr lang="de-DE" sz="800" dirty="0" err="1">
+                <a:latin typeface="Arial"/>
+                <a:cs typeface="Arial"/>
+              </a:rPr>
+              <a:t>logo.png</a:t>
+            </a:r>
+            <a:r>
+              <a:rPr lang="de-DE" sz="800" dirty="0">
+                <a:latin typeface="Arial"/>
+                <a:cs typeface="Arial"/>
+              </a:rPr>
+              <a:t> </a:t>
+            </a:r>
+            <a:endParaRPr lang="de-DE" sz="800" dirty="0" smtClean="0">
+              <a:latin typeface="Arial"/>
+              <a:cs typeface="Arial"/>
+            </a:endParaRPr>
+          </a:p>
+          <a:p>
+            <a:r>
+              <a:rPr lang="de-DE" sz="800" dirty="0" smtClean="0">
+                <a:latin typeface="Arial"/>
+                <a:cs typeface="Arial"/>
+              </a:rPr>
+              <a:t>http</a:t>
+            </a:r>
+            <a:r>
+              <a:rPr lang="de-DE" sz="800" dirty="0">
+                <a:latin typeface="Arial"/>
+                <a:cs typeface="Arial"/>
+              </a:rPr>
+              <a:t>://</a:t>
+            </a:r>
+            <a:r>
+              <a:rPr lang="de-DE" sz="800" dirty="0" err="1">
+                <a:latin typeface="Arial"/>
+                <a:cs typeface="Arial"/>
+              </a:rPr>
+              <a:t>commons.apache.org</a:t>
+            </a:r>
+            <a:r>
+              <a:rPr lang="de-DE" sz="800" dirty="0">
+                <a:latin typeface="Arial"/>
+                <a:cs typeface="Arial"/>
+              </a:rPr>
+              <a:t>/</a:t>
+            </a:r>
+            <a:r>
+              <a:rPr lang="de-DE" sz="800" dirty="0" err="1">
+                <a:latin typeface="Arial"/>
+                <a:cs typeface="Arial"/>
+              </a:rPr>
+              <a:t>images</a:t>
+            </a:r>
+            <a:r>
+              <a:rPr lang="de-DE" sz="800" dirty="0">
+                <a:latin typeface="Arial"/>
+                <a:cs typeface="Arial"/>
+              </a:rPr>
+              <a:t>/</a:t>
+            </a:r>
+            <a:r>
+              <a:rPr lang="de-DE" sz="800" dirty="0" err="1">
+                <a:latin typeface="Arial"/>
+                <a:cs typeface="Arial"/>
+              </a:rPr>
+              <a:t>commons-</a:t>
+            </a:r>
+            <a:r>
+              <a:rPr lang="de-DE" sz="800" dirty="0" err="1" smtClean="0">
+                <a:latin typeface="Arial"/>
+                <a:cs typeface="Arial"/>
+              </a:rPr>
+              <a:t>logo.png</a:t>
+            </a:r>
+            <a:r>
+              <a:rPr lang="de-DE" sz="800" dirty="0" smtClean="0">
+                <a:latin typeface="Arial"/>
+                <a:cs typeface="Arial"/>
+              </a:rPr>
+              <a:t> http</a:t>
+            </a:r>
+            <a:r>
+              <a:rPr lang="de-DE" sz="800" dirty="0">
+                <a:latin typeface="Arial"/>
+                <a:cs typeface="Arial"/>
+              </a:rPr>
+              <a:t>://</a:t>
+            </a:r>
+            <a:r>
+              <a:rPr lang="de-DE" sz="800" dirty="0" err="1">
+                <a:latin typeface="Arial"/>
+                <a:cs typeface="Arial"/>
+              </a:rPr>
+              <a:t>mockito.googlecode.com</a:t>
+            </a:r>
+            <a:r>
+              <a:rPr lang="de-DE" sz="800" dirty="0">
+                <a:latin typeface="Arial"/>
+                <a:cs typeface="Arial"/>
+              </a:rPr>
+              <a:t>/</a:t>
+            </a:r>
+            <a:r>
+              <a:rPr lang="de-DE" sz="800" dirty="0" err="1">
+                <a:latin typeface="Arial"/>
+                <a:cs typeface="Arial"/>
+              </a:rPr>
+              <a:t>svn</a:t>
+            </a:r>
+            <a:r>
+              <a:rPr lang="de-DE" sz="800" dirty="0">
+                <a:latin typeface="Arial"/>
+                <a:cs typeface="Arial"/>
+              </a:rPr>
+              <a:t>/</a:t>
+            </a:r>
+            <a:r>
+              <a:rPr lang="de-DE" sz="800" dirty="0" err="1">
+                <a:latin typeface="Arial"/>
+                <a:cs typeface="Arial"/>
+              </a:rPr>
+              <a:t>wiki</a:t>
+            </a:r>
+            <a:r>
+              <a:rPr lang="de-DE" sz="800" dirty="0">
+                <a:latin typeface="Arial"/>
+                <a:cs typeface="Arial"/>
+              </a:rPr>
+              <a:t>/</a:t>
+            </a:r>
+            <a:r>
+              <a:rPr lang="de-DE" sz="800" dirty="0" err="1">
+                <a:latin typeface="Arial"/>
+                <a:cs typeface="Arial"/>
+              </a:rPr>
+              <a:t>images</a:t>
+            </a:r>
+            <a:r>
+              <a:rPr lang="de-DE" sz="800" dirty="0">
+                <a:latin typeface="Arial"/>
+                <a:cs typeface="Arial"/>
+              </a:rPr>
+              <a:t>/</a:t>
+            </a:r>
+            <a:r>
+              <a:rPr lang="de-DE" sz="800" dirty="0" err="1">
+                <a:latin typeface="Arial"/>
+                <a:cs typeface="Arial"/>
+              </a:rPr>
+              <a:t>logo.jpg</a:t>
+            </a:r>
+            <a:endParaRPr lang="de-DE" sz="800" dirty="0">
+              <a:latin typeface="Arial"/>
+              <a:cs typeface="Arial"/>
+            </a:endParaRPr>
+          </a:p>
+        </p:txBody>
+      </p:sp>
+      <p:pic>
+        <p:nvPicPr>
+          <p:cNvPr id="17" name="Bild 16" descr="lwjgl.png"/>
+          <p:cNvPicPr>
+            <a:picLocks noChangeAspect="1"/>
+          </p:cNvPicPr>
+          <p:nvPr/>
+        </p:nvPicPr>
+        <p:blipFill>
+          <a:blip r:embed="rId5">
+            <a:extLst>
+              <a:ext uri="{28A0092B-C50C-407E-A947-70E740481C1C}">
+                <a14:useLocalDpi xmlns:a14="http://schemas.microsoft.com/office/drawing/2010/main" val="0"/>
+              </a:ext>
+            </a:extLst>
+          </a:blip>
+          <a:stretch>
+            <a:fillRect/>
+          </a:stretch>
+        </p:blipFill>
+        <p:spPr>
+          <a:xfrm>
+            <a:off x="4834274" y="2322177"/>
+            <a:ext cx="2101426" cy="700475"/>
+          </a:xfrm>
+          <a:prstGeom prst="rect">
+            <a:avLst/>
+          </a:prstGeom>
+        </p:spPr>
+      </p:pic>
+    </p:spTree>
+    <p:extLst>
+      <p:ext uri="{BB962C8B-B14F-4D97-AF65-F5344CB8AC3E}">
+        <p14:creationId xmlns:p14="http://schemas.microsoft.com/office/powerpoint/2010/main" val="3884172823"/>
+      </p:ext>
+    </p:extLst>
+  </p:cSld>
+  <p:clrMapOvr>
+    <a:masterClrMapping/>
+  </p:clrMapOvr>
+  <p:timing>
+    <p:tnLst>
+      <p:par>
+        <p:cTn xmlns:p14="http://schemas.microsoft.com/office/powerpoint/2010/main" id="1" dur="indefinite" restart="never" nodeType="tmRoot"/>
+      </p:par>
+    </p:tnLst>
+  </p:timing>
+</p:sld>
+</file>
+
+<file path=ppt/slides/slide4.xml><?xml version="1.0" encoding="utf-8"?>
+<p:sld xmlns:a="http://schemas.openxmlformats.org/drawingml/2006/main" xmlns:r="http://schemas.openxmlformats.org/officeDocument/2006/relationships" xmlns:p="http://schemas.openxmlformats.org/presentationml/2006/main">
+  <p:cSld>
+    <p:spTree>
+      <p:nvGrpSpPr>
+        <p:cNvPr id="1" name=""/>
+        <p:cNvGrpSpPr/>
+        <p:nvPr/>
+      </p:nvGrpSpPr>
+      <p:grpSpPr>
+        <a:xfrm>
+          <a:off x="0" y="0"/>
+          <a:ext cx="0" cy="0"/>
+          <a:chOff x="0" y="0"/>
+          <a:chExt cx="0" cy="0"/>
+        </a:xfrm>
+      </p:grpSpPr>
+      <p:sp>
+        <p:nvSpPr>
+          <p:cNvPr id="2" name="Rechteck 1"/>
+          <p:cNvSpPr/>
+          <p:nvPr/>
+        </p:nvSpPr>
+        <p:spPr>
+          <a:xfrm>
+            <a:off x="1721825" y="2207514"/>
+            <a:ext cx="3835749" cy="1159159"/>
+          </a:xfrm>
+          <a:prstGeom prst="rect">
+            <a:avLst/>
+          </a:prstGeom>
+          <a:gradFill flip="none" rotWithShape="1">
+            <a:gsLst>
+              <a:gs pos="0">
+                <a:schemeClr val="accent3">
+                  <a:tint val="50000"/>
+                  <a:satMod val="300000"/>
+                  <a:alpha val="20000"/>
+                </a:schemeClr>
+              </a:gs>
+              <a:gs pos="35000">
+                <a:schemeClr val="accent3">
+                  <a:tint val="37000"/>
+                  <a:satMod val="300000"/>
+                  <a:alpha val="20000"/>
+                </a:schemeClr>
+              </a:gs>
+              <a:gs pos="100000">
+                <a:schemeClr val="accent3">
+                  <a:tint val="15000"/>
+                  <a:satMod val="350000"/>
+                  <a:alpha val="20000"/>
+                </a:schemeClr>
+              </a:gs>
+            </a:gsLst>
+            <a:lin ang="16200000" scaled="1"/>
+            <a:tileRect/>
+          </a:gradFill>
+        </p:spPr>
+        <p:style>
+          <a:lnRef idx="1">
+            <a:schemeClr val="accent3"/>
+          </a:lnRef>
+          <a:fillRef idx="2">
+            <a:schemeClr val="accent3"/>
+          </a:fillRef>
+          <a:effectRef idx="1">
+            <a:schemeClr val="accent3"/>
+          </a:effectRef>
+          <a:fontRef idx="minor">
+            <a:schemeClr val="dk1"/>
+          </a:fontRef>
+        </p:style>
+        <p:txBody>
+          <a:bodyPr rtlCol="0" anchor="ctr"/>
+          <a:lstStyle/>
+          <a:p>
+            <a:pPr algn="ctr"/>
+            <a:endParaRPr lang="de-DE"/>
+          </a:p>
+        </p:txBody>
+      </p:sp>
+      <p:sp>
+        <p:nvSpPr>
+          <p:cNvPr id="3" name="Titel 2"/>
+          <p:cNvSpPr>
+            <a:spLocks noGrp="1"/>
+          </p:cNvSpPr>
+          <p:nvPr>
+            <p:ph type="title"/>
+          </p:nvPr>
+        </p:nvSpPr>
+        <p:spPr/>
+        <p:txBody>
+          <a:bodyPr/>
+          <a:lstStyle/>
+          <a:p>
+            <a:r>
+              <a:rPr lang="de-DE" dirty="0" smtClean="0"/>
+              <a:t>Key </a:t>
+            </a:r>
+            <a:r>
+              <a:rPr lang="de-DE" dirty="0" err="1" smtClean="0"/>
+              <a:t>features</a:t>
+            </a:r>
+            <a:endParaRPr lang="de-DE" dirty="0"/>
+          </a:p>
+        </p:txBody>
+      </p:sp>
+      <p:sp>
+        <p:nvSpPr>
+          <p:cNvPr id="4" name="Inhaltsplatzhalter 3"/>
+          <p:cNvSpPr>
+            <a:spLocks noGrp="1"/>
+          </p:cNvSpPr>
+          <p:nvPr>
+            <p:ph idx="1"/>
+          </p:nvPr>
+        </p:nvSpPr>
+        <p:spPr/>
+        <p:txBody>
+          <a:bodyPr/>
+          <a:lstStyle/>
+          <a:p>
+            <a:pPr lvl="2"/>
+            <a:r>
+              <a:rPr lang="de-DE" dirty="0" smtClean="0"/>
+              <a:t>Game </a:t>
+            </a:r>
+            <a:r>
+              <a:rPr lang="de-DE" dirty="0" err="1" smtClean="0"/>
+              <a:t>physics</a:t>
+            </a:r>
+            <a:r>
+              <a:rPr lang="de-DE" dirty="0" smtClean="0"/>
+              <a:t> (Box2D)</a:t>
+            </a:r>
+            <a:endParaRPr lang="de-DE" dirty="0" smtClean="0"/>
+          </a:p>
+          <a:p>
+            <a:pPr lvl="2"/>
+            <a:r>
+              <a:rPr lang="de-DE" dirty="0" err="1" smtClean="0"/>
+              <a:t>Customizability</a:t>
+            </a:r>
+            <a:r>
+              <a:rPr lang="de-DE" dirty="0" smtClean="0"/>
+              <a:t> (XML, </a:t>
+            </a:r>
+            <a:r>
+              <a:rPr lang="de-DE" dirty="0" smtClean="0"/>
+              <a:t>JAXB</a:t>
+            </a:r>
+            <a:r>
+              <a:rPr lang="de-DE" dirty="0" smtClean="0"/>
+              <a:t>)</a:t>
+            </a:r>
+            <a:endParaRPr lang="de-DE" dirty="0" smtClean="0"/>
+          </a:p>
+          <a:p>
+            <a:pPr lvl="2"/>
+            <a:r>
+              <a:rPr lang="de-DE" dirty="0" err="1" smtClean="0"/>
+              <a:t>Expandability</a:t>
+            </a:r>
+            <a:r>
+              <a:rPr lang="de-DE" dirty="0" smtClean="0"/>
+              <a:t> (</a:t>
+            </a:r>
+            <a:r>
+              <a:rPr lang="de-DE" dirty="0" err="1" smtClean="0"/>
+              <a:t>software</a:t>
+            </a:r>
+            <a:r>
+              <a:rPr lang="de-DE" dirty="0" smtClean="0"/>
+              <a:t> design,</a:t>
+            </a:r>
+            <a:br>
+              <a:rPr lang="de-DE" dirty="0" smtClean="0"/>
+            </a:br>
+            <a:r>
+              <a:rPr lang="de-DE" dirty="0" err="1" smtClean="0"/>
+              <a:t>dependency</a:t>
+            </a:r>
+            <a:r>
+              <a:rPr lang="de-DE" dirty="0" smtClean="0"/>
+              <a:t> </a:t>
+            </a:r>
+            <a:r>
+              <a:rPr lang="de-DE" dirty="0" err="1" smtClean="0"/>
+              <a:t>injection</a:t>
+            </a:r>
+            <a:r>
+              <a:rPr lang="de-DE" dirty="0" smtClean="0"/>
+              <a:t>)</a:t>
+            </a:r>
+            <a:endParaRPr lang="de-DE" dirty="0" smtClean="0"/>
+          </a:p>
+          <a:p>
+            <a:pPr lvl="2"/>
+            <a:r>
+              <a:rPr lang="de-DE" dirty="0" err="1" smtClean="0"/>
+              <a:t>Portability</a:t>
+            </a:r>
+            <a:r>
+              <a:rPr lang="de-DE" dirty="0" smtClean="0"/>
+              <a:t> (Java)</a:t>
+            </a:r>
+            <a:endParaRPr lang="de-DE" dirty="0" smtClean="0"/>
+          </a:p>
+          <a:p>
+            <a:pPr lvl="2"/>
+            <a:endParaRPr lang="de-DE" dirty="0" smtClean="0"/>
+          </a:p>
+          <a:p>
+            <a:pPr lvl="2"/>
+            <a:endParaRPr lang="de-DE" dirty="0"/>
+          </a:p>
+          <a:p>
+            <a:endParaRPr lang="de-DE" dirty="0"/>
+          </a:p>
+        </p:txBody>
+      </p:sp>
+      <p:pic>
+        <p:nvPicPr>
+          <p:cNvPr id="5" name="Bild 4" descr="comet-pinball.png"/>
+          <p:cNvPicPr>
+            <a:picLocks noChangeAspect="1"/>
+          </p:cNvPicPr>
+          <p:nvPr/>
+        </p:nvPicPr>
+        <p:blipFill>
+          <a:blip r:embed="rId2">
+            <a:extLst>
+              <a:ext uri="{28A0092B-C50C-407E-A947-70E740481C1C}">
+                <a14:useLocalDpi xmlns:a14="http://schemas.microsoft.com/office/drawing/2010/main" val="0"/>
+              </a:ext>
+            </a:extLst>
+          </a:blip>
+          <a:stretch>
+            <a:fillRect/>
+          </a:stretch>
+        </p:blipFill>
+        <p:spPr>
+          <a:xfrm>
+            <a:off x="5628783" y="1104672"/>
+            <a:ext cx="2701129" cy="5100818"/>
+          </a:xfrm>
+          <a:prstGeom prst="rect">
+            <a:avLst/>
+          </a:prstGeom>
+        </p:spPr>
+      </p:pic>
+      <p:sp>
+        <p:nvSpPr>
+          <p:cNvPr id="6" name="Rechteck 5"/>
+          <p:cNvSpPr/>
+          <p:nvPr/>
+        </p:nvSpPr>
+        <p:spPr>
+          <a:xfrm rot="21057654">
+            <a:off x="1524747" y="3996373"/>
+            <a:ext cx="3835749" cy="835276"/>
+          </a:xfrm>
+          <a:prstGeom prst="rect">
+            <a:avLst/>
+          </a:prstGeom>
+          <a:gradFill flip="none" rotWithShape="1">
+            <a:gsLst>
+              <a:gs pos="0">
+                <a:schemeClr val="accent3">
+                  <a:tint val="50000"/>
+                  <a:satMod val="300000"/>
+                  <a:alpha val="20000"/>
+                </a:schemeClr>
+              </a:gs>
+              <a:gs pos="35000">
+                <a:schemeClr val="accent3">
+                  <a:tint val="37000"/>
+                  <a:satMod val="300000"/>
+                  <a:alpha val="20000"/>
+                </a:schemeClr>
+              </a:gs>
+              <a:gs pos="100000">
+                <a:schemeClr val="accent3">
+                  <a:tint val="15000"/>
+                  <a:satMod val="350000"/>
+                  <a:alpha val="20000"/>
+                </a:schemeClr>
+              </a:gs>
+            </a:gsLst>
+            <a:lin ang="16200000" scaled="1"/>
+            <a:tileRect/>
+          </a:gradFill>
+        </p:spPr>
+        <p:style>
+          <a:lnRef idx="1">
+            <a:schemeClr val="accent3"/>
+          </a:lnRef>
+          <a:fillRef idx="2">
+            <a:schemeClr val="accent3"/>
+          </a:fillRef>
+          <a:effectRef idx="1">
+            <a:schemeClr val="accent3"/>
+          </a:effectRef>
+          <a:fontRef idx="minor">
+            <a:schemeClr val="dk1"/>
+          </a:fontRef>
+        </p:style>
+        <p:txBody>
+          <a:bodyPr rtlCol="0" anchor="ctr"/>
+          <a:lstStyle/>
+          <a:p>
+            <a:pPr algn="ctr"/>
+            <a:r>
+              <a:rPr lang="de-DE" sz="3200" dirty="0" smtClean="0">
+                <a:latin typeface="Arial"/>
+                <a:cs typeface="Arial"/>
+              </a:rPr>
+              <a:t>Focus </a:t>
+            </a:r>
+            <a:r>
+              <a:rPr lang="de-DE" sz="3200" dirty="0" err="1" smtClean="0">
+                <a:latin typeface="Arial"/>
+                <a:cs typeface="Arial"/>
+              </a:rPr>
+              <a:t>of</a:t>
+            </a:r>
+            <a:r>
+              <a:rPr lang="de-DE" sz="3200" dirty="0" smtClean="0">
+                <a:latin typeface="Arial"/>
+                <a:cs typeface="Arial"/>
+              </a:rPr>
+              <a:t> </a:t>
+            </a:r>
+            <a:r>
+              <a:rPr lang="de-DE" sz="3200" dirty="0" err="1" smtClean="0">
+                <a:latin typeface="Arial"/>
+                <a:cs typeface="Arial"/>
+              </a:rPr>
+              <a:t>this</a:t>
+            </a:r>
+            <a:r>
+              <a:rPr lang="de-DE" sz="3200" dirty="0" smtClean="0">
+                <a:latin typeface="Arial"/>
+                <a:cs typeface="Arial"/>
+              </a:rPr>
+              <a:t> </a:t>
+            </a:r>
+            <a:r>
+              <a:rPr lang="de-DE" sz="3200" dirty="0" err="1" smtClean="0">
+                <a:latin typeface="Arial"/>
+                <a:cs typeface="Arial"/>
+              </a:rPr>
+              <a:t>talk</a:t>
+            </a:r>
+            <a:endParaRPr lang="de-DE" sz="3200" dirty="0">
+              <a:latin typeface="Arial"/>
+              <a:cs typeface="Arial"/>
+            </a:endParaRPr>
+          </a:p>
+        </p:txBody>
+      </p:sp>
+    </p:spTree>
+    <p:extLst>
+      <p:ext uri="{BB962C8B-B14F-4D97-AF65-F5344CB8AC3E}">
+        <p14:creationId xmlns:p14="http://schemas.microsoft.com/office/powerpoint/2010/main" val="4270593496"/>
+      </p:ext>
+    </p:extLst>
+  </p:cSld>
+  <p:clrMapOvr>
+    <a:masterClrMapping/>
+  </p:clrMapOvr>
+  <p:timing>
+    <p:tnLst>
+      <p:par>
+        <p:cTn xmlns:p14="http://schemas.microsoft.com/office/powerpoint/2010/main" id="1" dur="indefinite" restart="never" nodeType="tmRoot">
+          <p:childTnLst>
+            <p:seq concurrent="1" nextAc="seek">
+              <p:cTn id="2" dur="indefinite" nodeType="mainSeq">
+                <p:childTnLst>
+                  <p:par>
+                    <p:cTn id="3" fill="hold">
+                      <p:stCondLst>
+                        <p:cond delay="indefinite"/>
+                      </p:stCondLst>
+                      <p:childTnLst>
+                        <p:par>
+                          <p:cTn id="4" fill="hold">
+                            <p:stCondLst>
+                              <p:cond delay="0"/>
+                            </p:stCondLst>
+                            <p:childTnLst>
+                              <p:par>
+                                <p:cTn id="5" presetID="30" presetClass="entr" presetSubtype="0" fill="hold" grpId="0" nodeType="clickEffect">
+                                  <p:stCondLst>
+                                    <p:cond delay="0"/>
+                                  </p:stCondLst>
+                                  <p:childTnLst>
+                                    <p:set>
+                                      <p:cBhvr>
+                                        <p:cTn id="6" dur="1" fill="hold">
+                                          <p:stCondLst>
+                                            <p:cond delay="0"/>
+                                          </p:stCondLst>
+                                        </p:cTn>
+                                        <p:tgtEl>
+                                          <p:spTgt spid="6"/>
+                                        </p:tgtEl>
+                                        <p:attrNameLst>
+                                          <p:attrName>style.visibility</p:attrName>
+                                        </p:attrNameLst>
+                                      </p:cBhvr>
+                                      <p:to>
+                                        <p:strVal val="visible"/>
+                                      </p:to>
+                                    </p:set>
+                                    <p:animEffect transition="in" filter="fade">
+                                      <p:cBhvr>
+                                        <p:cTn id="7" dur="800" decel="100000"/>
+                                        <p:tgtEl>
+                                          <p:spTgt spid="6"/>
+                                        </p:tgtEl>
+                                      </p:cBhvr>
+                                    </p:animEffect>
+                                    <p:anim calcmode="lin" valueType="num">
+                                      <p:cBhvr>
+                                        <p:cTn id="8" dur="800" decel="100000" fill="hold"/>
+                                        <p:tgtEl>
+                                          <p:spTgt spid="6"/>
+                                        </p:tgtEl>
+                                        <p:attrNameLst>
+                                          <p:attrName>style.rotation</p:attrName>
+                                        </p:attrNameLst>
+                                      </p:cBhvr>
+                                      <p:tavLst>
+                                        <p:tav tm="0">
+                                          <p:val>
+                                            <p:fltVal val="-90"/>
+                                          </p:val>
+                                        </p:tav>
+                                        <p:tav tm="100000">
+                                          <p:val>
+                                            <p:fltVal val="0"/>
+                                          </p:val>
+                                        </p:tav>
+                                      </p:tavLst>
+                                    </p:anim>
+                                    <p:anim calcmode="lin" valueType="num">
+                                      <p:cBhvr>
+                                        <p:cTn id="9" dur="800" decel="100000" fill="hold"/>
+                                        <p:tgtEl>
+                                          <p:spTgt spid="6"/>
+                                        </p:tgtEl>
+                                        <p:attrNameLst>
+                                          <p:attrName>ppt_x</p:attrName>
+                                        </p:attrNameLst>
+                                      </p:cBhvr>
+                                      <p:tavLst>
+                                        <p:tav tm="0">
+                                          <p:val>
+                                            <p:strVal val="#ppt_x+0.4"/>
+                                          </p:val>
+                                        </p:tav>
+                                        <p:tav tm="100000">
+                                          <p:val>
+                                            <p:strVal val="#ppt_x-0.05"/>
+                                          </p:val>
+                                        </p:tav>
+                                      </p:tavLst>
+                                    </p:anim>
+                                    <p:anim calcmode="lin" valueType="num">
+                                      <p:cBhvr>
+                                        <p:cTn id="10" dur="800" decel="100000" fill="hold"/>
+                                        <p:tgtEl>
+                                          <p:spTgt spid="6"/>
+                                        </p:tgtEl>
+                                        <p:attrNameLst>
+                                          <p:attrName>ppt_y</p:attrName>
+                                        </p:attrNameLst>
+                                      </p:cBhvr>
+                                      <p:tavLst>
+                                        <p:tav tm="0">
+                                          <p:val>
+                                            <p:strVal val="#ppt_y-0.4"/>
+                                          </p:val>
+                                        </p:tav>
+                                        <p:tav tm="100000">
+                                          <p:val>
+                                            <p:strVal val="#ppt_y+0.1"/>
+                                          </p:val>
+                                        </p:tav>
+                                      </p:tavLst>
+                                    </p:anim>
+                                    <p:anim calcmode="lin" valueType="num">
+                                      <p:cBhvr>
+                                        <p:cTn id="11" dur="200" accel="100000" fill="hold">
+                                          <p:stCondLst>
+                                            <p:cond delay="800"/>
+                                          </p:stCondLst>
+                                        </p:cTn>
+                                        <p:tgtEl>
+                                          <p:spTgt spid="6"/>
+                                        </p:tgtEl>
+                                        <p:attrNameLst>
+                                          <p:attrName>ppt_x</p:attrName>
+                                        </p:attrNameLst>
+                                      </p:cBhvr>
+                                      <p:tavLst>
+                                        <p:tav tm="0">
+                                          <p:val>
+                                            <p:strVal val="#ppt_x-0.05"/>
+                                          </p:val>
+                                        </p:tav>
+                                        <p:tav tm="100000">
+                                          <p:val>
+                                            <p:strVal val="#ppt_x"/>
+                                          </p:val>
+                                        </p:tav>
+                                      </p:tavLst>
+                                    </p:anim>
+                                    <p:anim calcmode="lin" valueType="num">
+                                      <p:cBhvr>
+                                        <p:cTn id="12" dur="200" accel="100000" fill="hold">
+                                          <p:stCondLst>
+                                            <p:cond delay="800"/>
+                                          </p:stCondLst>
+                                        </p:cTn>
+                                        <p:tgtEl>
+                                          <p:spTgt spid="6"/>
+                                        </p:tgtEl>
+                                        <p:attrNameLst>
+                                          <p:attrName>ppt_y</p:attrName>
+                                        </p:attrNameLst>
+                                      </p:cBhvr>
+                                      <p:tavLst>
+                                        <p:tav tm="0">
+                                          <p:val>
+                                            <p:strVal val="#ppt_y+0.1"/>
+                                          </p:val>
+                                        </p:tav>
+                                        <p:tav tm="100000">
+                                          <p:val>
+                                            <p:strVal val="#ppt_y"/>
+                                          </p:val>
+                                        </p:tav>
+                                      </p:tavLst>
+                                    </p:anim>
+                                  </p:childTnLst>
+                                </p:cTn>
+                              </p:par>
+                            </p:childTnLst>
+                          </p:cTn>
+                        </p:par>
+                        <p:par>
+                          <p:cTn id="13" fill="hold">
+                            <p:stCondLst>
+                              <p:cond delay="1000"/>
+                            </p:stCondLst>
+                            <p:childTnLst>
+                              <p:par>
+                                <p:cTn id="14" presetID="1" presetClass="entr" presetSubtype="0" fill="hold" grpId="0" nodeType="afterEffect">
+                                  <p:stCondLst>
+                                    <p:cond delay="0"/>
+                                  </p:stCondLst>
+                                  <p:childTnLst>
+                                    <p:set>
+                                      <p:cBhvr>
+                                        <p:cTn id="15" dur="1" fill="hold">
+                                          <p:stCondLst>
+                                            <p:cond delay="0"/>
+                                          </p:stCondLst>
+                                        </p:cTn>
+                                        <p:tgtEl>
+                                          <p:spTgt spid="2"/>
+                                        </p:tgtEl>
+                                        <p:attrNameLst>
+                                          <p:attrName>style.visibility</p:attrName>
+                                        </p:attrNameLst>
+                                      </p:cBhvr>
+                                      <p:to>
+                                        <p:strVal val="visible"/>
+                                      </p:to>
+                                    </p:set>
+                                  </p:childTnLst>
+                                </p:cTn>
+                              </p:par>
+                            </p:childTnLst>
+                          </p:cTn>
+                        </p:par>
+                      </p:childTnLst>
+                    </p:cTn>
+                  </p:par>
+                </p:childTnLst>
+              </p:cTn>
+              <p:prevCondLst>
+                <p:cond evt="onPrev" delay="0">
+                  <p:tgtEl>
+                    <p:sldTgt/>
+                  </p:tgtEl>
+                </p:cond>
+              </p:prevCondLst>
+              <p:nextCondLst>
+                <p:cond evt="onNext" delay="0">
+                  <p:tgtEl>
+                    <p:sldTgt/>
+                  </p:tgtEl>
+                </p:cond>
+              </p:nextCondLst>
+            </p:seq>
+          </p:childTnLst>
+        </p:cTn>
+      </p:par>
+    </p:tnLst>
+    <p:bldLst>
+      <p:bldP spid="2" grpId="0" animBg="1"/>
+      <p:bldP spid="6" grpId="0" animBg="1"/>
+    </p:bldLst>
+  </p:timing>
+</p:sld>
+</file>
+
+<file path=ppt/slides/slide5.xml><?xml version="1.0" encoding="utf-8"?>
 <p:sld xmlns:a="http://schemas.openxmlformats.org/drawingml/2006/main" xmlns:r="http://schemas.openxmlformats.org/officeDocument/2006/relationships" xmlns:p="http://schemas.openxmlformats.org/presentationml/2006/main">
   <p:cSld>
     <p:spTree>
@@ -10052,6 +9767,748 @@
           <a:p>
             <a:r>
               <a:rPr lang="de-DE" dirty="0" smtClean="0"/>
+              <a:t>Technologies</a:t>
+            </a:r>
+            <a:endParaRPr lang="de-DE" dirty="0"/>
+          </a:p>
+        </p:txBody>
+      </p:sp>
+    </p:spTree>
+    <p:extLst>
+      <p:ext uri="{BB962C8B-B14F-4D97-AF65-F5344CB8AC3E}">
+        <p14:creationId xmlns:p14="http://schemas.microsoft.com/office/powerpoint/2010/main" val="3033894581"/>
+      </p:ext>
+    </p:extLst>
+  </p:cSld>
+  <p:clrMapOvr>
+    <a:masterClrMapping/>
+  </p:clrMapOvr>
+  <p:timing>
+    <p:tnLst>
+      <p:par>
+        <p:cTn xmlns:p14="http://schemas.microsoft.com/office/powerpoint/2010/main" id="1" dur="indefinite" restart="never" nodeType="tmRoot"/>
+      </p:par>
+    </p:tnLst>
+  </p:timing>
+</p:sld>
+</file>
+
+<file path=ppt/slides/slide6.xml><?xml version="1.0" encoding="utf-8"?>
+<p:sld xmlns:a="http://schemas.openxmlformats.org/drawingml/2006/main" xmlns:r="http://schemas.openxmlformats.org/officeDocument/2006/relationships" xmlns:p="http://schemas.openxmlformats.org/presentationml/2006/main">
+  <p:cSld>
+    <p:spTree>
+      <p:nvGrpSpPr>
+        <p:cNvPr id="1" name=""/>
+        <p:cNvGrpSpPr/>
+        <p:nvPr/>
+      </p:nvGrpSpPr>
+      <p:grpSpPr>
+        <a:xfrm>
+          <a:off x="0" y="0"/>
+          <a:ext cx="0" cy="0"/>
+          <a:chOff x="0" y="0"/>
+          <a:chExt cx="0" cy="0"/>
+        </a:xfrm>
+      </p:grpSpPr>
+      <p:sp>
+        <p:nvSpPr>
+          <p:cNvPr id="2" name="Titel 1"/>
+          <p:cNvSpPr>
+            <a:spLocks noGrp="1"/>
+          </p:cNvSpPr>
+          <p:nvPr>
+            <p:ph type="title"/>
+          </p:nvPr>
+        </p:nvSpPr>
+        <p:spPr/>
+        <p:txBody>
+          <a:bodyPr/>
+          <a:lstStyle/>
+          <a:p>
+            <a:r>
+              <a:rPr lang="de-DE" dirty="0" smtClean="0"/>
+              <a:t>Technologies</a:t>
+            </a:r>
+            <a:endParaRPr lang="de-DE" dirty="0"/>
+          </a:p>
+        </p:txBody>
+      </p:sp>
+      <p:pic>
+        <p:nvPicPr>
+          <p:cNvPr id="4" name="Bild 3" descr="Java_logo.png"/>
+          <p:cNvPicPr>
+            <a:picLocks noChangeAspect="1"/>
+          </p:cNvPicPr>
+          <p:nvPr/>
+        </p:nvPicPr>
+        <p:blipFill>
+          <a:blip r:embed="rId2">
+            <a:extLst>
+              <a:ext uri="{28A0092B-C50C-407E-A947-70E740481C1C}">
+                <a14:useLocalDpi xmlns:a14="http://schemas.microsoft.com/office/drawing/2010/main" val="0"/>
+              </a:ext>
+            </a:extLst>
+          </a:blip>
+          <a:stretch>
+            <a:fillRect/>
+          </a:stretch>
+        </p:blipFill>
+        <p:spPr>
+          <a:xfrm>
+            <a:off x="1800000" y="1861725"/>
+            <a:ext cx="2177910" cy="3994288"/>
+          </a:xfrm>
+          <a:prstGeom prst="rect">
+            <a:avLst/>
+          </a:prstGeom>
+        </p:spPr>
+      </p:pic>
+      <p:pic>
+        <p:nvPicPr>
+          <p:cNvPr id="6" name="Bild 5" descr="libgdx.png"/>
+          <p:cNvPicPr>
+            <a:picLocks noChangeAspect="1"/>
+          </p:cNvPicPr>
+          <p:nvPr/>
+        </p:nvPicPr>
+        <p:blipFill rotWithShape="1">
+          <a:blip r:embed="rId3">
+            <a:extLst>
+              <a:ext uri="{28A0092B-C50C-407E-A947-70E740481C1C}">
+                <a14:useLocalDpi xmlns:a14="http://schemas.microsoft.com/office/drawing/2010/main" val="0"/>
+              </a:ext>
+            </a:extLst>
+          </a:blip>
+          <a:srcRect r="69688"/>
+          <a:stretch/>
+        </p:blipFill>
+        <p:spPr>
+          <a:xfrm>
+            <a:off x="4410159" y="1861725"/>
+            <a:ext cx="2364380" cy="557148"/>
+          </a:xfrm>
+          <a:prstGeom prst="rect">
+            <a:avLst/>
+          </a:prstGeom>
+        </p:spPr>
+      </p:pic>
+      <p:pic>
+        <p:nvPicPr>
+          <p:cNvPr id="7" name="Bild 6" descr="box2d.gif"/>
+          <p:cNvPicPr>
+            <a:picLocks noChangeAspect="1"/>
+          </p:cNvPicPr>
+          <p:nvPr/>
+        </p:nvPicPr>
+        <p:blipFill>
+          <a:blip r:embed="rId4">
+            <a:extLst>
+              <a:ext uri="{28A0092B-C50C-407E-A947-70E740481C1C}">
+                <a14:useLocalDpi xmlns:a14="http://schemas.microsoft.com/office/drawing/2010/main" val="0"/>
+              </a:ext>
+            </a:extLst>
+          </a:blip>
+          <a:stretch>
+            <a:fillRect/>
+          </a:stretch>
+        </p:blipFill>
+        <p:spPr>
+          <a:xfrm>
+            <a:off x="4410159" y="2799215"/>
+            <a:ext cx="2628900" cy="698500"/>
+          </a:xfrm>
+          <a:prstGeom prst="rect">
+            <a:avLst/>
+          </a:prstGeom>
+        </p:spPr>
+      </p:pic>
+      <p:pic>
+        <p:nvPicPr>
+          <p:cNvPr id="8" name="Bild 7" descr="opengl_logo.jpg"/>
+          <p:cNvPicPr>
+            <a:picLocks noChangeAspect="1"/>
+          </p:cNvPicPr>
+          <p:nvPr/>
+        </p:nvPicPr>
+        <p:blipFill>
+          <a:blip r:embed="rId5">
+            <a:extLst>
+              <a:ext uri="{28A0092B-C50C-407E-A947-70E740481C1C}">
+                <a14:useLocalDpi xmlns:a14="http://schemas.microsoft.com/office/drawing/2010/main" val="0"/>
+              </a:ext>
+            </a:extLst>
+          </a:blip>
+          <a:stretch>
+            <a:fillRect/>
+          </a:stretch>
+        </p:blipFill>
+        <p:spPr>
+          <a:xfrm>
+            <a:off x="7115774" y="1800022"/>
+            <a:ext cx="1588706" cy="700475"/>
+          </a:xfrm>
+          <a:prstGeom prst="rect">
+            <a:avLst/>
+          </a:prstGeom>
+        </p:spPr>
+      </p:pic>
+      <p:sp>
+        <p:nvSpPr>
+          <p:cNvPr id="10" name="Rechteck 9"/>
+          <p:cNvSpPr/>
+          <p:nvPr/>
+        </p:nvSpPr>
+        <p:spPr>
+          <a:xfrm>
+            <a:off x="0" y="6519446"/>
+            <a:ext cx="9144000" cy="338554"/>
+          </a:xfrm>
+          <a:prstGeom prst="rect">
+            <a:avLst/>
+          </a:prstGeom>
+        </p:spPr>
+        <p:txBody>
+          <a:bodyPr wrap="square">
+            <a:spAutoFit/>
+          </a:bodyPr>
+          <a:lstStyle/>
+          <a:p>
+            <a:r>
+              <a:rPr lang="de-DE" sz="800" dirty="0">
+                <a:latin typeface="Arial"/>
+                <a:cs typeface="Arial"/>
+              </a:rPr>
+              <a:t>http://</a:t>
+            </a:r>
+            <a:r>
+              <a:rPr lang="de-DE" sz="800" dirty="0" err="1">
+                <a:latin typeface="Arial"/>
+                <a:cs typeface="Arial"/>
+              </a:rPr>
+              <a:t>upload.wikimedia.org</a:t>
+            </a:r>
+            <a:r>
+              <a:rPr lang="de-DE" sz="800" dirty="0">
+                <a:latin typeface="Arial"/>
+                <a:cs typeface="Arial"/>
+              </a:rPr>
+              <a:t>/</a:t>
+            </a:r>
+            <a:r>
+              <a:rPr lang="de-DE" sz="800" dirty="0" err="1">
+                <a:latin typeface="Arial"/>
+                <a:cs typeface="Arial"/>
+              </a:rPr>
+              <a:t>wikipedia</a:t>
+            </a:r>
+            <a:r>
+              <a:rPr lang="de-DE" sz="800" dirty="0">
+                <a:latin typeface="Arial"/>
+                <a:cs typeface="Arial"/>
+              </a:rPr>
+              <a:t>/en/</a:t>
+            </a:r>
+            <a:r>
+              <a:rPr lang="de-DE" sz="800" dirty="0" err="1">
+                <a:latin typeface="Arial"/>
+                <a:cs typeface="Arial"/>
+              </a:rPr>
+              <a:t>thumb</a:t>
+            </a:r>
+            <a:r>
+              <a:rPr lang="de-DE" sz="800" dirty="0">
+                <a:latin typeface="Arial"/>
+                <a:cs typeface="Arial"/>
+              </a:rPr>
+              <a:t>/3/39/</a:t>
+            </a:r>
+            <a:r>
+              <a:rPr lang="de-DE" sz="800" dirty="0" err="1">
+                <a:latin typeface="Arial"/>
+                <a:cs typeface="Arial"/>
+              </a:rPr>
+              <a:t>Java_logo.svg</a:t>
+            </a:r>
+            <a:r>
+              <a:rPr lang="de-DE" sz="800" dirty="0">
+                <a:latin typeface="Arial"/>
+                <a:cs typeface="Arial"/>
+              </a:rPr>
+              <a:t>/500px-</a:t>
+            </a:r>
+            <a:r>
+              <a:rPr lang="de-DE" sz="800" dirty="0" smtClean="0">
+                <a:latin typeface="Arial"/>
+                <a:cs typeface="Arial"/>
+              </a:rPr>
+              <a:t>Java_logo.svg.png http</a:t>
+            </a:r>
+            <a:r>
+              <a:rPr lang="de-DE" sz="800" dirty="0">
+                <a:latin typeface="Arial"/>
+                <a:cs typeface="Arial"/>
+              </a:rPr>
+              <a:t>://box2d.org/</a:t>
+            </a:r>
+            <a:r>
+              <a:rPr lang="de-DE" sz="800" dirty="0" err="1">
+                <a:latin typeface="Arial"/>
+                <a:cs typeface="Arial"/>
+              </a:rPr>
+              <a:t>forum</a:t>
+            </a:r>
+            <a:r>
+              <a:rPr lang="de-DE" sz="800" dirty="0">
+                <a:latin typeface="Arial"/>
+                <a:cs typeface="Arial"/>
+              </a:rPr>
+              <a:t>/</a:t>
+            </a:r>
+            <a:r>
+              <a:rPr lang="de-DE" sz="800" dirty="0" err="1">
+                <a:latin typeface="Arial"/>
+                <a:cs typeface="Arial"/>
+              </a:rPr>
+              <a:t>styles</a:t>
+            </a:r>
+            <a:r>
+              <a:rPr lang="de-DE" sz="800" dirty="0">
+                <a:latin typeface="Arial"/>
+                <a:cs typeface="Arial"/>
+              </a:rPr>
+              <a:t>/subsilver2/</a:t>
+            </a:r>
+            <a:r>
+              <a:rPr lang="de-DE" sz="800" dirty="0" err="1">
+                <a:latin typeface="Arial"/>
+                <a:cs typeface="Arial"/>
+              </a:rPr>
+              <a:t>imageset</a:t>
+            </a:r>
+            <a:r>
+              <a:rPr lang="de-DE" sz="800" dirty="0">
+                <a:latin typeface="Arial"/>
+                <a:cs typeface="Arial"/>
+              </a:rPr>
+              <a:t>/</a:t>
+            </a:r>
+            <a:r>
+              <a:rPr lang="de-DE" sz="800" dirty="0" err="1">
+                <a:latin typeface="Arial"/>
+                <a:cs typeface="Arial"/>
+              </a:rPr>
+              <a:t>title.gif</a:t>
+            </a:r>
+            <a:endParaRPr lang="de-DE" sz="800" dirty="0">
+              <a:latin typeface="Arial"/>
+              <a:cs typeface="Arial"/>
+            </a:endParaRPr>
+          </a:p>
+          <a:p>
+            <a:r>
+              <a:rPr lang="de-DE" sz="800" dirty="0">
+                <a:latin typeface="Arial"/>
+                <a:cs typeface="Arial"/>
+              </a:rPr>
+              <a:t>http://</a:t>
+            </a:r>
+            <a:r>
+              <a:rPr lang="de-DE" sz="800" dirty="0" err="1">
+                <a:latin typeface="Arial"/>
+                <a:cs typeface="Arial"/>
+              </a:rPr>
+              <a:t>libgdx.badlogicgames.com</a:t>
+            </a:r>
+            <a:r>
+              <a:rPr lang="de-DE" sz="800" dirty="0">
+                <a:latin typeface="Arial"/>
+                <a:cs typeface="Arial"/>
+              </a:rPr>
+              <a:t>/</a:t>
+            </a:r>
+            <a:r>
+              <a:rPr lang="de-DE" sz="800" dirty="0" err="1">
+                <a:latin typeface="Arial"/>
+                <a:cs typeface="Arial"/>
+              </a:rPr>
+              <a:t>img</a:t>
+            </a:r>
+            <a:r>
+              <a:rPr lang="de-DE" sz="800" dirty="0">
+                <a:latin typeface="Arial"/>
+                <a:cs typeface="Arial"/>
+              </a:rPr>
+              <a:t>/</a:t>
+            </a:r>
+            <a:r>
+              <a:rPr lang="de-DE" sz="800" dirty="0" err="1" smtClean="0">
+                <a:latin typeface="Arial"/>
+                <a:cs typeface="Arial"/>
+              </a:rPr>
+              <a:t>logo.png</a:t>
+            </a:r>
+            <a:r>
+              <a:rPr lang="de-DE" sz="800" dirty="0">
+                <a:latin typeface="Arial"/>
+                <a:cs typeface="Arial"/>
+              </a:rPr>
+              <a:t> </a:t>
+            </a:r>
+            <a:r>
+              <a:rPr lang="de-DE" sz="800" dirty="0" smtClean="0">
+                <a:latin typeface="Arial"/>
+                <a:cs typeface="Arial"/>
+              </a:rPr>
+              <a:t>http</a:t>
+            </a:r>
+            <a:r>
+              <a:rPr lang="de-DE" sz="800" dirty="0">
+                <a:latin typeface="Arial"/>
+                <a:cs typeface="Arial"/>
+              </a:rPr>
+              <a:t>://</a:t>
+            </a:r>
+            <a:r>
+              <a:rPr lang="de-DE" sz="800" dirty="0" err="1">
+                <a:latin typeface="Arial"/>
+                <a:cs typeface="Arial"/>
+              </a:rPr>
+              <a:t>www.opengl.org</a:t>
+            </a:r>
+            <a:r>
+              <a:rPr lang="de-DE" sz="800" dirty="0">
+                <a:latin typeface="Arial"/>
+                <a:cs typeface="Arial"/>
+              </a:rPr>
+              <a:t>/</a:t>
+            </a:r>
+            <a:r>
+              <a:rPr lang="de-DE" sz="800" dirty="0" err="1">
+                <a:latin typeface="Arial"/>
+                <a:cs typeface="Arial"/>
+              </a:rPr>
+              <a:t>img</a:t>
+            </a:r>
+            <a:r>
+              <a:rPr lang="de-DE" sz="800" dirty="0">
+                <a:latin typeface="Arial"/>
+                <a:cs typeface="Arial"/>
+              </a:rPr>
+              <a:t>/</a:t>
+            </a:r>
+            <a:r>
+              <a:rPr lang="de-DE" sz="800" dirty="0" err="1">
+                <a:latin typeface="Arial"/>
+                <a:cs typeface="Arial"/>
+              </a:rPr>
+              <a:t>opengl_logo.jpg</a:t>
+            </a:r>
+            <a:r>
+              <a:rPr lang="de-DE" sz="800" dirty="0">
+                <a:latin typeface="Arial"/>
+                <a:cs typeface="Arial"/>
+              </a:rPr>
+              <a:t> http://</a:t>
+            </a:r>
+            <a:r>
+              <a:rPr lang="de-DE" sz="800" dirty="0" err="1">
+                <a:latin typeface="Arial"/>
+                <a:cs typeface="Arial"/>
+              </a:rPr>
+              <a:t>logback.qos.ch</a:t>
+            </a:r>
+            <a:r>
+              <a:rPr lang="de-DE" sz="800" dirty="0">
+                <a:latin typeface="Arial"/>
+                <a:cs typeface="Arial"/>
+              </a:rPr>
+              <a:t>/</a:t>
+            </a:r>
+            <a:r>
+              <a:rPr lang="de-DE" sz="800" dirty="0" err="1">
+                <a:latin typeface="Arial"/>
+                <a:cs typeface="Arial"/>
+              </a:rPr>
+              <a:t>images</a:t>
+            </a:r>
+            <a:r>
+              <a:rPr lang="de-DE" sz="800" dirty="0">
+                <a:latin typeface="Arial"/>
+                <a:cs typeface="Arial"/>
+              </a:rPr>
+              <a:t>/</a:t>
+            </a:r>
+            <a:r>
+              <a:rPr lang="de-DE" sz="800" dirty="0" err="1">
+                <a:latin typeface="Arial"/>
+                <a:cs typeface="Arial"/>
+              </a:rPr>
+              <a:t>logos</a:t>
+            </a:r>
+            <a:r>
+              <a:rPr lang="de-DE" sz="800" dirty="0">
+                <a:latin typeface="Arial"/>
+                <a:cs typeface="Arial"/>
+              </a:rPr>
+              <a:t>/</a:t>
+            </a:r>
+            <a:r>
+              <a:rPr lang="de-DE" sz="800" dirty="0" err="1">
+                <a:latin typeface="Arial"/>
+                <a:cs typeface="Arial"/>
+              </a:rPr>
+              <a:t>lblogo.jpg</a:t>
+            </a:r>
+            <a:r>
+              <a:rPr lang="de-DE" sz="800" dirty="0">
+                <a:latin typeface="Arial"/>
+                <a:cs typeface="Arial"/>
+              </a:rPr>
+              <a:t> http://</a:t>
+            </a:r>
+            <a:r>
+              <a:rPr lang="de-DE" sz="800" dirty="0" err="1">
+                <a:latin typeface="Arial"/>
+                <a:cs typeface="Arial"/>
+              </a:rPr>
+              <a:t>picocontainer.com</a:t>
+            </a:r>
+            <a:r>
+              <a:rPr lang="de-DE" sz="800" dirty="0">
+                <a:latin typeface="Arial"/>
+                <a:cs typeface="Arial"/>
+              </a:rPr>
+              <a:t>/</a:t>
+            </a:r>
+            <a:r>
+              <a:rPr lang="de-DE" sz="800" dirty="0" err="1">
+                <a:latin typeface="Arial"/>
+                <a:cs typeface="Arial"/>
+              </a:rPr>
+              <a:t>images</a:t>
+            </a:r>
+            <a:r>
+              <a:rPr lang="de-DE" sz="800" dirty="0">
+                <a:latin typeface="Arial"/>
+                <a:cs typeface="Arial"/>
+              </a:rPr>
+              <a:t>/</a:t>
+            </a:r>
+            <a:r>
+              <a:rPr lang="de-DE" sz="800" dirty="0" err="1">
+                <a:latin typeface="Arial"/>
+                <a:cs typeface="Arial"/>
+              </a:rPr>
+              <a:t>pico_logo.png</a:t>
+            </a:r>
+            <a:r>
+              <a:rPr lang="de-DE" sz="800" dirty="0">
+                <a:latin typeface="Arial"/>
+                <a:cs typeface="Arial"/>
+              </a:rPr>
+              <a:t> </a:t>
+            </a:r>
+            <a:endParaRPr lang="de-DE" sz="800" dirty="0">
+              <a:latin typeface="Arial"/>
+              <a:cs typeface="Arial"/>
+            </a:endParaRPr>
+          </a:p>
+        </p:txBody>
+      </p:sp>
+      <p:sp>
+        <p:nvSpPr>
+          <p:cNvPr id="11" name="Gefaltete Ecke 10"/>
+          <p:cNvSpPr/>
+          <p:nvPr/>
+        </p:nvSpPr>
+        <p:spPr>
+          <a:xfrm>
+            <a:off x="4410159" y="4943292"/>
+            <a:ext cx="1883210" cy="742813"/>
+          </a:xfrm>
+          <a:prstGeom prst="foldedCorner">
+            <a:avLst/>
+          </a:prstGeom>
+        </p:spPr>
+        <p:style>
+          <a:lnRef idx="1">
+            <a:schemeClr val="accent6"/>
+          </a:lnRef>
+          <a:fillRef idx="2">
+            <a:schemeClr val="accent6"/>
+          </a:fillRef>
+          <a:effectRef idx="1">
+            <a:schemeClr val="accent6"/>
+          </a:effectRef>
+          <a:fontRef idx="minor">
+            <a:schemeClr val="dk1"/>
+          </a:fontRef>
+        </p:style>
+        <p:txBody>
+          <a:bodyPr rtlCol="0" anchor="ctr"/>
+          <a:lstStyle/>
+          <a:p>
+            <a:pPr algn="ctr"/>
+            <a:r>
+              <a:rPr lang="de-DE" sz="2800" dirty="0" smtClean="0">
+                <a:latin typeface="Arial"/>
+                <a:cs typeface="Arial"/>
+              </a:rPr>
+              <a:t>JAXB 2.0</a:t>
+            </a:r>
+            <a:endParaRPr lang="de-DE" sz="2000" dirty="0" smtClean="0">
+              <a:latin typeface="Arial"/>
+              <a:cs typeface="Arial"/>
+            </a:endParaRPr>
+          </a:p>
+        </p:txBody>
+      </p:sp>
+      <p:cxnSp>
+        <p:nvCxnSpPr>
+          <p:cNvPr id="12" name="Gerade Verbindung 11"/>
+          <p:cNvCxnSpPr>
+            <a:stCxn id="11" idx="1"/>
+          </p:cNvCxnSpPr>
+          <p:nvPr/>
+        </p:nvCxnSpPr>
+        <p:spPr>
+          <a:xfrm flipH="1">
+            <a:off x="3810179" y="5314699"/>
+            <a:ext cx="599980" cy="0"/>
+          </a:xfrm>
+          <a:prstGeom prst="line">
+            <a:avLst/>
+          </a:prstGeom>
+        </p:spPr>
+        <p:style>
+          <a:lnRef idx="1">
+            <a:schemeClr val="accent6"/>
+          </a:lnRef>
+          <a:fillRef idx="0">
+            <a:schemeClr val="accent6"/>
+          </a:fillRef>
+          <a:effectRef idx="0">
+            <a:schemeClr val="accent6"/>
+          </a:effectRef>
+          <a:fontRef idx="minor">
+            <a:schemeClr val="tx1"/>
+          </a:fontRef>
+        </p:style>
+      </p:cxnSp>
+      <p:pic>
+        <p:nvPicPr>
+          <p:cNvPr id="14" name="Bild 13" descr="pico_logo.png"/>
+          <p:cNvPicPr>
+            <a:picLocks noChangeAspect="1"/>
+          </p:cNvPicPr>
+          <p:nvPr/>
+        </p:nvPicPr>
+        <p:blipFill>
+          <a:blip r:embed="rId6">
+            <a:extLst>
+              <a:ext uri="{28A0092B-C50C-407E-A947-70E740481C1C}">
+                <a14:useLocalDpi xmlns:a14="http://schemas.microsoft.com/office/drawing/2010/main" val="0"/>
+              </a:ext>
+            </a:extLst>
+          </a:blip>
+          <a:stretch>
+            <a:fillRect/>
+          </a:stretch>
+        </p:blipFill>
+        <p:spPr>
+          <a:xfrm>
+            <a:off x="4410159" y="3940225"/>
+            <a:ext cx="4217606" cy="443959"/>
+          </a:xfrm>
+          <a:prstGeom prst="rect">
+            <a:avLst/>
+          </a:prstGeom>
+        </p:spPr>
+      </p:pic>
+      <p:pic>
+        <p:nvPicPr>
+          <p:cNvPr id="15" name="Bild 14" descr="lblogo.jpg"/>
+          <p:cNvPicPr>
+            <a:picLocks noChangeAspect="1"/>
+          </p:cNvPicPr>
+          <p:nvPr/>
+        </p:nvPicPr>
+        <p:blipFill>
+          <a:blip r:embed="rId7">
+            <a:extLst>
+              <a:ext uri="{28A0092B-C50C-407E-A947-70E740481C1C}">
+                <a14:useLocalDpi xmlns:a14="http://schemas.microsoft.com/office/drawing/2010/main" val="0"/>
+              </a:ext>
+            </a:extLst>
+          </a:blip>
+          <a:stretch>
+            <a:fillRect/>
+          </a:stretch>
+        </p:blipFill>
+        <p:spPr>
+          <a:xfrm>
+            <a:off x="6888899" y="4749793"/>
+            <a:ext cx="1738866" cy="936312"/>
+          </a:xfrm>
+          <a:prstGeom prst="rect">
+            <a:avLst/>
+          </a:prstGeom>
+        </p:spPr>
+      </p:pic>
+    </p:spTree>
+    <p:extLst>
+      <p:ext uri="{BB962C8B-B14F-4D97-AF65-F5344CB8AC3E}">
+        <p14:creationId xmlns:p14="http://schemas.microsoft.com/office/powerpoint/2010/main" val="2765128167"/>
+      </p:ext>
+    </p:extLst>
+  </p:cSld>
+  <p:clrMapOvr>
+    <a:masterClrMapping/>
+  </p:clrMapOvr>
+  <p:timing>
+    <p:tnLst>
+      <p:par>
+        <p:cTn xmlns:p14="http://schemas.microsoft.com/office/powerpoint/2010/main" id="1" dur="indefinite" restart="never" nodeType="tmRoot"/>
+      </p:par>
+    </p:tnLst>
+  </p:timing>
+</p:sld>
+</file>
+
+<file path=ppt/slides/slide7.xml><?xml version="1.0" encoding="utf-8"?>
+<p:sld xmlns:a="http://schemas.openxmlformats.org/drawingml/2006/main" xmlns:r="http://schemas.openxmlformats.org/officeDocument/2006/relationships" xmlns:p="http://schemas.openxmlformats.org/presentationml/2006/main">
+  <p:cSld>
+    <p:spTree>
+      <p:nvGrpSpPr>
+        <p:cNvPr id="1" name=""/>
+        <p:cNvGrpSpPr/>
+        <p:nvPr/>
+      </p:nvGrpSpPr>
+      <p:grpSpPr>
+        <a:xfrm>
+          <a:off x="0" y="0"/>
+          <a:ext cx="0" cy="0"/>
+          <a:chOff x="0" y="0"/>
+          <a:chExt cx="0" cy="0"/>
+        </a:xfrm>
+      </p:grpSpPr>
+      <p:sp>
+        <p:nvSpPr>
+          <p:cNvPr id="6" name="Titel 5"/>
+          <p:cNvSpPr>
+            <a:spLocks noGrp="1"/>
+          </p:cNvSpPr>
+          <p:nvPr>
+            <p:ph type="title"/>
+          </p:nvPr>
+        </p:nvSpPr>
+        <p:spPr/>
+        <p:txBody>
+          <a:bodyPr/>
+          <a:lstStyle/>
+          <a:p>
+            <a:r>
+              <a:rPr lang="de-DE" dirty="0" smtClean="0"/>
               <a:t>System design</a:t>
             </a:r>
             <a:endParaRPr lang="de-DE" dirty="0"/>
@@ -10062,6 +10519,375 @@
     <p:extLst>
       <p:ext uri="{BB962C8B-B14F-4D97-AF65-F5344CB8AC3E}">
         <p14:creationId xmlns:p14="http://schemas.microsoft.com/office/powerpoint/2010/main" val="1526339824"/>
+      </p:ext>
+    </p:extLst>
+  </p:cSld>
+  <p:clrMapOvr>
+    <a:masterClrMapping/>
+  </p:clrMapOvr>
+  <p:timing>
+    <p:tnLst>
+      <p:par>
+        <p:cTn xmlns:p14="http://schemas.microsoft.com/office/powerpoint/2010/main" id="1" dur="indefinite" restart="never" nodeType="tmRoot"/>
+      </p:par>
+    </p:tnLst>
+  </p:timing>
+</p:sld>
+</file>
+
+<file path=ppt/slides/slide8.xml><?xml version="1.0" encoding="utf-8"?>
+<p:sld xmlns:a="http://schemas.openxmlformats.org/drawingml/2006/main" xmlns:r="http://schemas.openxmlformats.org/officeDocument/2006/relationships" xmlns:p="http://schemas.openxmlformats.org/presentationml/2006/main">
+  <p:cSld>
+    <p:spTree>
+      <p:nvGrpSpPr>
+        <p:cNvPr id="1" name=""/>
+        <p:cNvGrpSpPr/>
+        <p:nvPr/>
+      </p:nvGrpSpPr>
+      <p:grpSpPr>
+        <a:xfrm>
+          <a:off x="0" y="0"/>
+          <a:ext cx="0" cy="0"/>
+          <a:chOff x="0" y="0"/>
+          <a:chExt cx="0" cy="0"/>
+        </a:xfrm>
+      </p:grpSpPr>
+      <p:pic>
+        <p:nvPicPr>
+          <p:cNvPr id="9" name="Bild 8" descr="Screen Shot 2013-01-15 at 10.38.34 AM.png"/>
+          <p:cNvPicPr>
+            <a:picLocks noChangeAspect="1"/>
+          </p:cNvPicPr>
+          <p:nvPr/>
+        </p:nvPicPr>
+        <p:blipFill>
+          <a:blip r:embed="rId2">
+            <a:extLst>
+              <a:ext uri="{28A0092B-C50C-407E-A947-70E740481C1C}">
+                <a14:useLocalDpi xmlns:a14="http://schemas.microsoft.com/office/drawing/2010/main" val="0"/>
+              </a:ext>
+            </a:extLst>
+          </a:blip>
+          <a:stretch>
+            <a:fillRect/>
+          </a:stretch>
+        </p:blipFill>
+        <p:spPr>
+          <a:xfrm>
+            <a:off x="1738872" y="1800485"/>
+            <a:ext cx="5890006" cy="4378412"/>
+          </a:xfrm>
+          <a:prstGeom prst="rect">
+            <a:avLst/>
+          </a:prstGeom>
+        </p:spPr>
+      </p:pic>
+      <p:sp>
+        <p:nvSpPr>
+          <p:cNvPr id="2" name="Titel 1"/>
+          <p:cNvSpPr>
+            <a:spLocks noGrp="1"/>
+          </p:cNvSpPr>
+          <p:nvPr>
+            <p:ph type="title"/>
+          </p:nvPr>
+        </p:nvSpPr>
+        <p:spPr/>
+        <p:txBody>
+          <a:bodyPr/>
+          <a:lstStyle/>
+          <a:p>
+            <a:r>
+              <a:rPr lang="de-DE" dirty="0" err="1" smtClean="0"/>
+              <a:t>Overview</a:t>
+            </a:r>
+            <a:endParaRPr lang="de-DE" dirty="0"/>
+          </a:p>
+        </p:txBody>
+      </p:sp>
+    </p:spTree>
+    <p:extLst>
+      <p:ext uri="{BB962C8B-B14F-4D97-AF65-F5344CB8AC3E}">
+        <p14:creationId xmlns:p14="http://schemas.microsoft.com/office/powerpoint/2010/main" val="3828551210"/>
+      </p:ext>
+    </p:extLst>
+  </p:cSld>
+  <p:clrMapOvr>
+    <a:masterClrMapping/>
+  </p:clrMapOvr>
+  <p:timing>
+    <p:tnLst>
+      <p:par>
+        <p:cTn xmlns:p14="http://schemas.microsoft.com/office/powerpoint/2010/main" id="1" dur="indefinite" restart="never" nodeType="tmRoot"/>
+      </p:par>
+    </p:tnLst>
+  </p:timing>
+</p:sld>
+</file>
+
+<file path=ppt/slides/slide9.xml><?xml version="1.0" encoding="utf-8"?>
+<p:sld xmlns:a="http://schemas.openxmlformats.org/drawingml/2006/main" xmlns:r="http://schemas.openxmlformats.org/officeDocument/2006/relationships" xmlns:p="http://schemas.openxmlformats.org/presentationml/2006/main">
+  <p:cSld>
+    <p:spTree>
+      <p:nvGrpSpPr>
+        <p:cNvPr id="1" name=""/>
+        <p:cNvGrpSpPr/>
+        <p:nvPr/>
+      </p:nvGrpSpPr>
+      <p:grpSpPr>
+        <a:xfrm>
+          <a:off x="0" y="0"/>
+          <a:ext cx="0" cy="0"/>
+          <a:chOff x="0" y="0"/>
+          <a:chExt cx="0" cy="0"/>
+        </a:xfrm>
+      </p:grpSpPr>
+      <p:pic>
+        <p:nvPicPr>
+          <p:cNvPr id="10" name="Bild 9" descr="Screen Shot 2013-01-15 at 10.38.34 AM.png"/>
+          <p:cNvPicPr>
+            <a:picLocks noChangeAspect="1"/>
+          </p:cNvPicPr>
+          <p:nvPr/>
+        </p:nvPicPr>
+        <p:blipFill>
+          <a:blip r:embed="rId2">
+            <a:extLst>
+              <a:ext uri="{28A0092B-C50C-407E-A947-70E740481C1C}">
+                <a14:useLocalDpi xmlns:a14="http://schemas.microsoft.com/office/drawing/2010/main" val="0"/>
+              </a:ext>
+            </a:extLst>
+          </a:blip>
+          <a:stretch>
+            <a:fillRect/>
+          </a:stretch>
+        </p:blipFill>
+        <p:spPr>
+          <a:xfrm>
+            <a:off x="1738872" y="1800485"/>
+            <a:ext cx="5890006" cy="4378412"/>
+          </a:xfrm>
+          <a:prstGeom prst="rect">
+            <a:avLst/>
+          </a:prstGeom>
+        </p:spPr>
+      </p:pic>
+      <p:sp>
+        <p:nvSpPr>
+          <p:cNvPr id="2" name="Titel 1"/>
+          <p:cNvSpPr>
+            <a:spLocks noGrp="1"/>
+          </p:cNvSpPr>
+          <p:nvPr>
+            <p:ph type="title"/>
+          </p:nvPr>
+        </p:nvSpPr>
+        <p:spPr/>
+        <p:txBody>
+          <a:bodyPr/>
+          <a:lstStyle/>
+          <a:p>
+            <a:r>
+              <a:rPr lang="de-DE" dirty="0" err="1" smtClean="0"/>
+              <a:t>Overview</a:t>
+            </a:r>
+            <a:endParaRPr lang="de-DE" dirty="0"/>
+          </a:p>
+        </p:txBody>
+      </p:sp>
+      <p:sp>
+        <p:nvSpPr>
+          <p:cNvPr id="3" name="Rechteck 2"/>
+          <p:cNvSpPr/>
+          <p:nvPr/>
+        </p:nvSpPr>
+        <p:spPr>
+          <a:xfrm>
+            <a:off x="187527" y="1639696"/>
+            <a:ext cx="3307268" cy="2369880"/>
+          </a:xfrm>
+          <a:prstGeom prst="rect">
+            <a:avLst/>
+          </a:prstGeom>
+          <a:solidFill>
+            <a:schemeClr val="accent1">
+              <a:alpha val="9000"/>
+            </a:schemeClr>
+          </a:solidFill>
+        </p:spPr>
+        <p:style>
+          <a:lnRef idx="2">
+            <a:schemeClr val="accent1">
+              <a:shade val="50000"/>
+            </a:schemeClr>
+          </a:lnRef>
+          <a:fillRef idx="1">
+            <a:schemeClr val="accent1"/>
+          </a:fillRef>
+          <a:effectRef idx="0">
+            <a:schemeClr val="accent1"/>
+          </a:effectRef>
+          <a:fontRef idx="minor">
+            <a:schemeClr val="lt1"/>
+          </a:fontRef>
+        </p:style>
+        <p:txBody>
+          <a:bodyPr rtlCol="0" anchor="ctr"/>
+          <a:lstStyle/>
+          <a:p>
+            <a:pPr algn="ctr"/>
+            <a:endParaRPr lang="de-DE"/>
+          </a:p>
+        </p:txBody>
+      </p:sp>
+      <p:sp>
+        <p:nvSpPr>
+          <p:cNvPr id="9" name="Textfeld 8"/>
+          <p:cNvSpPr txBox="1"/>
+          <p:nvPr/>
+        </p:nvSpPr>
+        <p:spPr>
+          <a:xfrm>
+            <a:off x="332431" y="2420947"/>
+            <a:ext cx="2051956" cy="707886"/>
+          </a:xfrm>
+          <a:prstGeom prst="rect">
+            <a:avLst/>
+          </a:prstGeom>
+          <a:noFill/>
+        </p:spPr>
+        <p:txBody>
+          <a:bodyPr wrap="square" rtlCol="0">
+            <a:spAutoFit/>
+          </a:bodyPr>
+          <a:lstStyle/>
+          <a:p>
+            <a:pPr marL="342900" indent="-342900">
+              <a:buFontTx/>
+              <a:buChar char="-"/>
+            </a:pPr>
+            <a:r>
+              <a:rPr lang="de-DE" sz="2000" dirty="0" smtClean="0">
+                <a:latin typeface="Arial"/>
+                <a:cs typeface="Arial"/>
+              </a:rPr>
+              <a:t>Main </a:t>
+            </a:r>
+            <a:r>
+              <a:rPr lang="de-DE" sz="2000" dirty="0" err="1" smtClean="0">
+                <a:latin typeface="Arial"/>
+                <a:cs typeface="Arial"/>
+              </a:rPr>
+              <a:t>class</a:t>
+            </a:r>
+            <a:endParaRPr lang="de-DE" sz="2000" dirty="0" smtClean="0">
+              <a:latin typeface="Arial"/>
+              <a:cs typeface="Arial"/>
+            </a:endParaRPr>
+          </a:p>
+          <a:p>
+            <a:pPr marL="342900" indent="-342900">
+              <a:buFontTx/>
+              <a:buChar char="-"/>
+            </a:pPr>
+            <a:r>
+              <a:rPr lang="de-DE" sz="2000" dirty="0" smtClean="0">
+                <a:latin typeface="Arial"/>
+                <a:cs typeface="Arial"/>
+              </a:rPr>
+              <a:t>Natives</a:t>
+            </a:r>
+            <a:endParaRPr lang="de-DE" sz="2000" dirty="0">
+              <a:latin typeface="Arial"/>
+              <a:cs typeface="Arial"/>
+            </a:endParaRPr>
+          </a:p>
+        </p:txBody>
+      </p:sp>
+      <p:sp>
+        <p:nvSpPr>
+          <p:cNvPr id="4" name="L-Form 3"/>
+          <p:cNvSpPr/>
+          <p:nvPr/>
+        </p:nvSpPr>
+        <p:spPr>
+          <a:xfrm rot="16200000">
+            <a:off x="2435517" y="1023900"/>
+            <a:ext cx="4679854" cy="5911446"/>
+          </a:xfrm>
+          <a:prstGeom prst="corner">
+            <a:avLst>
+              <a:gd name="adj1" fmla="val 88642"/>
+              <a:gd name="adj2" fmla="val 47876"/>
+            </a:avLst>
+          </a:prstGeom>
+          <a:solidFill>
+            <a:schemeClr val="accent3">
+              <a:alpha val="12000"/>
+            </a:schemeClr>
+          </a:solidFill>
+        </p:spPr>
+        <p:style>
+          <a:lnRef idx="2">
+            <a:schemeClr val="accent3">
+              <a:shade val="50000"/>
+            </a:schemeClr>
+          </a:lnRef>
+          <a:fillRef idx="1">
+            <a:schemeClr val="accent3"/>
+          </a:fillRef>
+          <a:effectRef idx="0">
+            <a:schemeClr val="accent3"/>
+          </a:effectRef>
+          <a:fontRef idx="minor">
+            <a:schemeClr val="lt1"/>
+          </a:fontRef>
+        </p:style>
+        <p:txBody>
+          <a:bodyPr rtlCol="0" anchor="ctr"/>
+          <a:lstStyle/>
+          <a:p>
+            <a:pPr algn="ctr"/>
+            <a:endParaRPr lang="de-DE"/>
+          </a:p>
+        </p:txBody>
+      </p:sp>
+      <p:sp>
+        <p:nvSpPr>
+          <p:cNvPr id="11" name="Textfeld 10"/>
+          <p:cNvSpPr txBox="1"/>
+          <p:nvPr/>
+        </p:nvSpPr>
+        <p:spPr>
+          <a:xfrm>
+            <a:off x="3289191" y="5495665"/>
+            <a:ext cx="2051956" cy="400110"/>
+          </a:xfrm>
+          <a:prstGeom prst="rect">
+            <a:avLst/>
+          </a:prstGeom>
+          <a:noFill/>
+        </p:spPr>
+        <p:txBody>
+          <a:bodyPr wrap="square" rtlCol="0">
+            <a:spAutoFit/>
+          </a:bodyPr>
+          <a:lstStyle/>
+          <a:p>
+            <a:r>
+              <a:rPr lang="de-DE" sz="2000" dirty="0" smtClean="0">
+                <a:latin typeface="Arial"/>
+                <a:cs typeface="Arial"/>
+              </a:rPr>
+              <a:t>Pure Java</a:t>
+            </a:r>
+          </a:p>
+        </p:txBody>
+      </p:sp>
+    </p:spTree>
+    <p:extLst>
+      <p:ext uri="{BB962C8B-B14F-4D97-AF65-F5344CB8AC3E}">
+        <p14:creationId xmlns:p14="http://schemas.microsoft.com/office/powerpoint/2010/main" val="3840796483"/>
       </p:ext>
     </p:extLst>
   </p:cSld>

--- a/doc/presentation/presentation.pptx
+++ b/doc/presentation/presentation.pptx
@@ -231,7 +231,7 @@
             <a:fld id="{B9DCE77F-B2F6-4C56-A9FE-A47B2C49451F}" type="datetimeFigureOut">
               <a:rPr lang="de-CH" smtClean="0"/>
               <a:pPr/>
-              <a:t>1/15/13</a:t>
+              <a:t>1/16/13</a:t>
             </a:fld>
             <a:endParaRPr lang="de-CH"/>
           </a:p>
@@ -1903,7 +1903,7 @@
       </p:grpSpPr>
       <p:pic>
         <p:nvPicPr>
-          <p:cNvPr id="9" name="Bild 8" descr="Screen Shot 2013-01-15 at 10.38.34 AM.png"/>
+          <p:cNvPr id="9" name="Bild 8"/>
           <p:cNvPicPr>
             <a:picLocks noChangeAspect="1"/>
           </p:cNvPicPr>
@@ -1923,8 +1923,8 @@
         </p:blipFill>
         <p:spPr>
           <a:xfrm>
-            <a:off x="1738872" y="1800485"/>
-            <a:ext cx="5890006" cy="4378412"/>
+            <a:off x="1738872" y="1863803"/>
+            <a:ext cx="5890006" cy="4251776"/>
           </a:xfrm>
           <a:prstGeom prst="rect">
             <a:avLst/>
@@ -1962,7 +1962,7 @@
         </p:nvSpPr>
         <p:spPr>
           <a:xfrm rot="10800000" flipV="1">
-            <a:off x="4986474" y="3076885"/>
+            <a:off x="4830500" y="3076885"/>
             <a:ext cx="3162362" cy="3251346"/>
           </a:xfrm>
           <a:prstGeom prst="corner">
@@ -2113,7 +2113,7 @@
       </p:grpSpPr>
       <p:pic>
         <p:nvPicPr>
-          <p:cNvPr id="9" name="Bild 8" descr="Screen Shot 2013-01-15 at 10.38.34 AM.png"/>
+          <p:cNvPr id="9" name="Bild 8"/>
           <p:cNvPicPr>
             <a:picLocks noChangeAspect="1"/>
           </p:cNvPicPr>
@@ -2133,8 +2133,8 @@
         </p:blipFill>
         <p:spPr>
           <a:xfrm>
-            <a:off x="1738872" y="1800485"/>
-            <a:ext cx="5890006" cy="4378412"/>
+            <a:off x="1738872" y="1863803"/>
+            <a:ext cx="5890006" cy="4251776"/>
           </a:xfrm>
           <a:prstGeom prst="rect">
             <a:avLst/>
@@ -2172,7 +2172,7 @@
         </p:nvSpPr>
         <p:spPr>
           <a:xfrm>
-            <a:off x="5881482" y="2701859"/>
+            <a:off x="5779512" y="2701859"/>
             <a:ext cx="3102696" cy="2650726"/>
           </a:xfrm>
           <a:prstGeom prst="rect">
@@ -2217,7 +2217,7 @@
         </p:nvSpPr>
         <p:spPr>
           <a:xfrm>
-            <a:off x="7258394" y="4571124"/>
+            <a:off x="7356602" y="2701859"/>
             <a:ext cx="1525606" cy="707886"/>
           </a:xfrm>
           <a:prstGeom prst="rect">
@@ -2273,7 +2273,7 @@
         </p:nvSpPr>
         <p:spPr>
           <a:xfrm rot="16200000">
-            <a:off x="2397380" y="2124199"/>
+            <a:off x="2295410" y="2124199"/>
             <a:ext cx="2650726" cy="3806045"/>
           </a:xfrm>
           <a:prstGeom prst="corner">
@@ -2321,7 +2321,7 @@
         </p:nvSpPr>
         <p:spPr>
           <a:xfrm>
-            <a:off x="1933893" y="4571124"/>
+            <a:off x="1738872" y="4561263"/>
             <a:ext cx="2404766" cy="707886"/>
           </a:xfrm>
           <a:prstGeom prst="rect">
@@ -2411,7 +2411,7 @@
       </p:grpSpPr>
       <p:pic>
         <p:nvPicPr>
-          <p:cNvPr id="9" name="Bild 8" descr="Screen Shot 2013-01-15 at 10.38.34 AM.png"/>
+          <p:cNvPr id="9" name="Bild 8"/>
           <p:cNvPicPr>
             <a:picLocks noChangeAspect="1"/>
           </p:cNvPicPr>
@@ -2431,8 +2431,8 @@
         </p:blipFill>
         <p:spPr>
           <a:xfrm>
-            <a:off x="1738872" y="1800485"/>
-            <a:ext cx="5890006" cy="4378412"/>
+            <a:off x="1738872" y="1863803"/>
+            <a:ext cx="5890006" cy="4251776"/>
           </a:xfrm>
           <a:prstGeom prst="rect">
             <a:avLst/>
@@ -3621,7 +3621,7 @@
       </p:sp>
       <p:pic>
         <p:nvPicPr>
-          <p:cNvPr id="6" name="Bild 5" descr="Screen Shot 2013-01-15 at 6.12.10 PM.png"/>
+          <p:cNvPr id="6" name="Bild 5"/>
           <p:cNvPicPr>
             <a:picLocks noChangeAspect="1"/>
           </p:cNvPicPr>
@@ -3641,8 +3641,8 @@
         </p:blipFill>
         <p:spPr>
           <a:xfrm>
-            <a:off x="1748856" y="1777881"/>
-            <a:ext cx="6984000" cy="3144312"/>
+            <a:off x="1783603" y="1777881"/>
+            <a:ext cx="6914506" cy="3144312"/>
           </a:xfrm>
           <a:prstGeom prst="rect">
             <a:avLst/>
@@ -3739,14 +3739,7 @@
                 <a:latin typeface="Consolas"/>
                 <a:cs typeface="Consolas"/>
               </a:rPr>
-              <a:t>SimulationStore</a:t>
-            </a:r>
-            <a:r>
-              <a:rPr lang="de-DE" dirty="0" err="1" smtClean="0">
-                <a:latin typeface="Consolas"/>
-                <a:cs typeface="Consolas"/>
-              </a:rPr>
-              <a:t>Pdo</a:t>
+              <a:t>SimulationStorePdo</a:t>
             </a:r>
             <a:endParaRPr lang="de-DE" dirty="0">
               <a:latin typeface="Consolas"/>
@@ -4206,7 +4199,7 @@
       </p:sp>
       <p:pic>
         <p:nvPicPr>
-          <p:cNvPr id="3" name="Bild 2" descr="Screen Shot 2013-01-15 at 7.01.21 PM.png"/>
+          <p:cNvPr id="3" name="Bild 2"/>
           <p:cNvPicPr>
             <a:picLocks noChangeAspect="1"/>
           </p:cNvPicPr>
@@ -4226,8 +4219,8 @@
         </p:blipFill>
         <p:spPr>
           <a:xfrm>
-            <a:off x="1775888" y="1861724"/>
-            <a:ext cx="3271949" cy="4181275"/>
+            <a:off x="1794499" y="1861724"/>
+            <a:ext cx="3146575" cy="4067329"/>
           </a:xfrm>
           <a:prstGeom prst="rect">
             <a:avLst/>
@@ -4392,7 +4385,6 @@
               <a:rPr lang="de-DE" dirty="0" smtClean="0"/>
               <a:t>Communication</a:t>
             </a:r>
-            <a:endParaRPr lang="de-DE" dirty="0" smtClean="0"/>
           </a:p>
           <a:p>
             <a:pPr lvl="2"/>
@@ -4516,7 +4508,7 @@
       </p:sp>
       <p:pic>
         <p:nvPicPr>
-          <p:cNvPr id="4" name="Bild 3" descr="Screen Shot 2013-01-15 at 7.03.30 PM.png"/>
+          <p:cNvPr id="4" name="Bild 3"/>
           <p:cNvPicPr>
             <a:picLocks noChangeAspect="1"/>
           </p:cNvPicPr>
@@ -4536,8 +4528,8 @@
         </p:blipFill>
         <p:spPr>
           <a:xfrm>
-            <a:off x="1800000" y="1861724"/>
-            <a:ext cx="6698316" cy="4377719"/>
+            <a:off x="120515" y="1943766"/>
+            <a:ext cx="8899616" cy="4243466"/>
           </a:xfrm>
           <a:prstGeom prst="rect">
             <a:avLst/>
@@ -4610,7 +4602,7 @@
       </p:sp>
       <p:pic>
         <p:nvPicPr>
-          <p:cNvPr id="3" name="Bild 2" descr="Screen Shot 2013-01-15 at 7.13.04 PM.png"/>
+          <p:cNvPr id="3" name="Bild 2"/>
           <p:cNvPicPr>
             <a:picLocks noChangeAspect="1"/>
           </p:cNvPicPr>
@@ -4630,8 +4622,8 @@
         </p:blipFill>
         <p:spPr>
           <a:xfrm>
-            <a:off x="1800000" y="1861724"/>
-            <a:ext cx="6708625" cy="4147150"/>
+            <a:off x="843597" y="1933399"/>
+            <a:ext cx="7611045" cy="4542376"/>
           </a:xfrm>
           <a:prstGeom prst="rect">
             <a:avLst/>
@@ -7853,28 +7845,191 @@
                 <a:latin typeface="Arial"/>
                 <a:cs typeface="Arial"/>
               </a:rPr>
+              <a:t> http</a:t>
+            </a:r>
+            <a:r>
+              <a:rPr lang="de-DE" sz="800" dirty="0">
+                <a:latin typeface="Arial"/>
+                <a:cs typeface="Arial"/>
+              </a:rPr>
+              <a:t>://</a:t>
+            </a:r>
+            <a:r>
+              <a:rPr lang="de-DE" sz="800" dirty="0" err="1">
+                <a:latin typeface="Arial"/>
+                <a:cs typeface="Arial"/>
+              </a:rPr>
+              <a:t>astah.net</a:t>
+            </a:r>
+            <a:r>
+              <a:rPr lang="de-DE" sz="800" dirty="0">
+                <a:latin typeface="Arial"/>
+                <a:cs typeface="Arial"/>
+              </a:rPr>
+              <a:t>/</a:t>
+            </a:r>
+            <a:r>
+              <a:rPr lang="de-DE" sz="800" dirty="0" err="1">
+                <a:latin typeface="Arial"/>
+                <a:cs typeface="Arial"/>
+              </a:rPr>
+              <a:t>resources</a:t>
+            </a:r>
+            <a:r>
+              <a:rPr lang="de-DE" sz="800" dirty="0">
+                <a:latin typeface="Arial"/>
+                <a:cs typeface="Arial"/>
+              </a:rPr>
+              <a:t>/</a:t>
+            </a:r>
+            <a:r>
+              <a:rPr lang="de-DE" sz="800" dirty="0" err="1">
+                <a:latin typeface="Arial"/>
+                <a:cs typeface="Arial"/>
+              </a:rPr>
+              <a:t>images</a:t>
+            </a:r>
+            <a:r>
+              <a:rPr lang="de-DE" sz="800" dirty="0">
+                <a:latin typeface="Arial"/>
+                <a:cs typeface="Arial"/>
+              </a:rPr>
+              <a:t>/</a:t>
+            </a:r>
+            <a:r>
+              <a:rPr lang="de-DE" sz="800" dirty="0" err="1">
+                <a:latin typeface="Arial"/>
+                <a:cs typeface="Arial"/>
+              </a:rPr>
+              <a:t>logos</a:t>
+            </a:r>
+            <a:r>
+              <a:rPr lang="de-DE" sz="800" dirty="0">
+                <a:latin typeface="Arial"/>
+                <a:cs typeface="Arial"/>
+              </a:rPr>
+              <a:t>/</a:t>
+            </a:r>
+            <a:r>
+              <a:rPr lang="de-DE" sz="800" dirty="0" err="1" smtClean="0">
+                <a:latin typeface="Arial"/>
+                <a:cs typeface="Arial"/>
+              </a:rPr>
+              <a:t>AstahCommunity.png</a:t>
+            </a:r>
+            <a:r>
+              <a:rPr lang="de-DE" sz="800" dirty="0" smtClean="0">
+                <a:latin typeface="Arial"/>
+                <a:cs typeface="Arial"/>
+              </a:rPr>
               <a:t> </a:t>
             </a:r>
             <a:r>
+              <a:rPr lang="de-DE" sz="800" dirty="0">
+                <a:latin typeface="Arial"/>
+                <a:cs typeface="Arial"/>
+              </a:rPr>
+              <a:t>http://</a:t>
+            </a:r>
+            <a:r>
+              <a:rPr lang="de-DE" sz="800" dirty="0" err="1">
+                <a:latin typeface="Arial"/>
+                <a:cs typeface="Arial"/>
+              </a:rPr>
+              <a:t>maven.apache.org</a:t>
+            </a:r>
+            <a:r>
+              <a:rPr lang="de-DE" sz="800" dirty="0">
+                <a:latin typeface="Arial"/>
+                <a:cs typeface="Arial"/>
+              </a:rPr>
+              <a:t>/</a:t>
+            </a:r>
+            <a:r>
+              <a:rPr lang="de-DE" sz="800" dirty="0" err="1">
+                <a:latin typeface="Arial"/>
+                <a:cs typeface="Arial"/>
+              </a:rPr>
+              <a:t>images</a:t>
+            </a:r>
+            <a:r>
+              <a:rPr lang="de-DE" sz="800" dirty="0">
+                <a:latin typeface="Arial"/>
+                <a:cs typeface="Arial"/>
+              </a:rPr>
+              <a:t>/maven-logo-2.</a:t>
+            </a:r>
+            <a:r>
               <a:rPr lang="de-DE" sz="800" dirty="0" smtClean="0">
                 <a:latin typeface="Arial"/>
                 <a:cs typeface="Arial"/>
               </a:rPr>
-              <a:t>http</a:t>
+              <a:t>gif</a:t>
+            </a:r>
+          </a:p>
+          <a:p>
+            <a:r>
+              <a:rPr lang="de-DE" sz="800" dirty="0" smtClean="0">
+                <a:latin typeface="Arial"/>
+                <a:cs typeface="Arial"/>
+              </a:rPr>
+              <a:t>http://</a:t>
+            </a:r>
+            <a:r>
+              <a:rPr lang="de-DE" sz="800" dirty="0" err="1" smtClean="0">
+                <a:latin typeface="Arial"/>
+                <a:cs typeface="Arial"/>
+              </a:rPr>
+              <a:t>www.redmine.org</a:t>
+            </a:r>
+            <a:r>
+              <a:rPr lang="de-DE" sz="800" dirty="0" smtClean="0">
+                <a:latin typeface="Arial"/>
+                <a:cs typeface="Arial"/>
+              </a:rPr>
+              <a:t>/</a:t>
+            </a:r>
+            <a:r>
+              <a:rPr lang="de-DE" sz="800" dirty="0" err="1" smtClean="0">
+                <a:latin typeface="Arial"/>
+                <a:cs typeface="Arial"/>
+              </a:rPr>
+              <a:t>boards</a:t>
+            </a:r>
+            <a:r>
+              <a:rPr lang="de-DE" sz="800" dirty="0" smtClean="0">
+                <a:latin typeface="Arial"/>
+                <a:cs typeface="Arial"/>
+              </a:rPr>
+              <a:t>/1/</a:t>
+            </a:r>
+            <a:r>
+              <a:rPr lang="de-DE" sz="800" dirty="0" err="1" smtClean="0">
+                <a:latin typeface="Arial"/>
+                <a:cs typeface="Arial"/>
+              </a:rPr>
+              <a:t>topics</a:t>
+            </a:r>
+            <a:r>
+              <a:rPr lang="de-DE" sz="800" dirty="0" smtClean="0">
+                <a:latin typeface="Arial"/>
+                <a:cs typeface="Arial"/>
+              </a:rPr>
+              <a:t>/1183?page</a:t>
             </a:r>
             <a:r>
               <a:rPr lang="de-DE" sz="800" dirty="0">
                 <a:latin typeface="Arial"/>
                 <a:cs typeface="Arial"/>
               </a:rPr>
-              <a:t>://</a:t>
+              <a:t>=2 http://</a:t>
             </a:r>
             <a:r>
               <a:rPr lang="de-DE" sz="800" dirty="0" err="1">
                 <a:latin typeface="Arial"/>
                 <a:cs typeface="Arial"/>
               </a:rPr>
-              <a:t>astah.net</a:t>
+              <a:t>git-scm.com</a:t>
             </a:r>
             <a:r>
               <a:rPr lang="de-DE" sz="800" dirty="0">
@@ -7888,38 +8043,59 @@
                 <a:latin typeface="Arial"/>
                 <a:cs typeface="Arial"/>
               </a:rPr>
-              <a:t>resources</a:t>
+              <a:t>images</a:t>
             </a:r>
             <a:r>
               <a:rPr lang="de-DE" sz="800" dirty="0">
                 <a:latin typeface="Arial"/>
                 <a:cs typeface="Arial"/>
               </a:rPr>
+              <a:t>/logo@2x.png </a:t>
+            </a:r>
+            <a:r>
+              <a:rPr lang="de-DE" sz="800" dirty="0" smtClean="0">
+                <a:latin typeface="Arial"/>
+                <a:cs typeface="Arial"/>
+              </a:rPr>
+              <a:t>http://</a:t>
+            </a:r>
+            <a:r>
+              <a:rPr lang="de-DE" sz="800" dirty="0" err="1" smtClean="0">
+                <a:latin typeface="Arial"/>
+                <a:cs typeface="Arial"/>
+              </a:rPr>
+              <a:t>upload.wikimedia.org</a:t>
+            </a:r>
+            <a:r>
+              <a:rPr lang="de-DE" sz="800" dirty="0" smtClean="0">
+                <a:latin typeface="Arial"/>
+                <a:cs typeface="Arial"/>
+              </a:rPr>
               <a:t>/</a:t>
             </a:r>
             <a:r>
-              <a:rPr lang="de-DE" sz="800" dirty="0" err="1">
-                <a:latin typeface="Arial"/>
-                <a:cs typeface="Arial"/>
-              </a:rPr>
-              <a:t>images</a:t>
-            </a:r>
-            <a:r>
-              <a:rPr lang="de-DE" sz="800" dirty="0">
+              <a:rPr lang="de-DE" sz="800" dirty="0" err="1" smtClean="0">
+                <a:latin typeface="Arial"/>
+                <a:cs typeface="Arial"/>
+              </a:rPr>
+              <a:t>wikipedia</a:t>
+            </a:r>
+            <a:r>
+              <a:rPr lang="de-DE" sz="800" dirty="0" smtClean="0">
                 <a:latin typeface="Arial"/>
                 <a:cs typeface="Arial"/>
               </a:rPr>
               <a:t>/</a:t>
             </a:r>
             <a:r>
-              <a:rPr lang="de-DE" sz="800" dirty="0" err="1">
-                <a:latin typeface="Arial"/>
-                <a:cs typeface="Arial"/>
-              </a:rPr>
-              <a:t>logos</a:t>
-            </a:r>
-            <a:r>
-              <a:rPr lang="de-DE" sz="800" dirty="0">
+              <a:rPr lang="de-DE" sz="800" dirty="0" err="1" smtClean="0">
+                <a:latin typeface="Arial"/>
+                <a:cs typeface="Arial"/>
+              </a:rPr>
+              <a:t>commons</a:t>
+            </a:r>
+            <a:r>
+              <a:rPr lang="de-DE" sz="800" dirty="0" smtClean="0">
                 <a:latin typeface="Arial"/>
                 <a:cs typeface="Arial"/>
               </a:rPr>
@@ -7930,235 +8106,29 @@
                 <a:latin typeface="Arial"/>
                 <a:cs typeface="Arial"/>
               </a:rPr>
-              <a:t>AstahCommunity.png</a:t>
+              <a:t>thumb</a:t>
             </a:r>
             <a:r>
               <a:rPr lang="de-DE" sz="800" dirty="0" smtClean="0">
                 <a:latin typeface="Arial"/>
                 <a:cs typeface="Arial"/>
               </a:rPr>
-              <a:t> </a:t>
-            </a:r>
-            <a:r>
-              <a:rPr lang="de-DE" sz="800" dirty="0">
-                <a:latin typeface="Arial"/>
-                <a:cs typeface="Arial"/>
-              </a:rPr>
-              <a:t>http://</a:t>
-            </a:r>
-            <a:r>
-              <a:rPr lang="de-DE" sz="800" dirty="0" err="1">
-                <a:latin typeface="Arial"/>
-                <a:cs typeface="Arial"/>
-              </a:rPr>
-              <a:t>maven.apache.org</a:t>
-            </a:r>
-            <a:r>
-              <a:rPr lang="de-DE" sz="800" dirty="0">
-                <a:latin typeface="Arial"/>
-                <a:cs typeface="Arial"/>
-              </a:rPr>
-              <a:t>/</a:t>
-            </a:r>
-            <a:r>
-              <a:rPr lang="de-DE" sz="800" dirty="0" err="1">
-                <a:latin typeface="Arial"/>
-                <a:cs typeface="Arial"/>
-              </a:rPr>
-              <a:t>images</a:t>
-            </a:r>
-            <a:r>
-              <a:rPr lang="de-DE" sz="800" dirty="0">
-                <a:latin typeface="Arial"/>
-                <a:cs typeface="Arial"/>
-              </a:rPr>
-              <a:t>/maven-logo-2.</a:t>
+              <a:t>/b/b3/</a:t>
+            </a:r>
+            <a:r>
+              <a:rPr lang="de-DE" sz="800" dirty="0" err="1" smtClean="0">
+                <a:latin typeface="Arial"/>
+                <a:cs typeface="Arial"/>
+              </a:rPr>
+              <a:t>GitHub.svg</a:t>
             </a:r>
             <a:r>
               <a:rPr lang="de-DE" sz="800" dirty="0" smtClean="0">
                 <a:latin typeface="Arial"/>
                 <a:cs typeface="Arial"/>
               </a:rPr>
-              <a:t>gif</a:t>
-            </a:r>
-            <a:endParaRPr lang="de-DE" sz="800" dirty="0" smtClean="0">
-              <a:latin typeface="Arial"/>
-              <a:cs typeface="Arial"/>
-            </a:endParaRPr>
-          </a:p>
-          <a:p>
-            <a:r>
-              <a:rPr lang="de-DE" sz="800" dirty="0" smtClean="0">
-                <a:latin typeface="Arial"/>
-                <a:cs typeface="Arial"/>
-              </a:rPr>
-              <a:t>http://</a:t>
-            </a:r>
-            <a:r>
-              <a:rPr lang="de-DE" sz="800" dirty="0" err="1" smtClean="0">
-                <a:latin typeface="Arial"/>
-                <a:cs typeface="Arial"/>
-              </a:rPr>
-              <a:t>www.redmine.org</a:t>
-            </a:r>
-            <a:r>
-              <a:rPr lang="de-DE" sz="800" dirty="0" smtClean="0">
-                <a:latin typeface="Arial"/>
-                <a:cs typeface="Arial"/>
-              </a:rPr>
-              <a:t>/</a:t>
-            </a:r>
-            <a:r>
-              <a:rPr lang="de-DE" sz="800" dirty="0" err="1" smtClean="0">
-                <a:latin typeface="Arial"/>
-                <a:cs typeface="Arial"/>
-              </a:rPr>
-              <a:t>boards</a:t>
-            </a:r>
-            <a:r>
-              <a:rPr lang="de-DE" sz="800" dirty="0" smtClean="0">
-                <a:latin typeface="Arial"/>
-                <a:cs typeface="Arial"/>
-              </a:rPr>
-              <a:t>/1/</a:t>
-            </a:r>
-            <a:r>
-              <a:rPr lang="de-DE" sz="800" dirty="0" err="1" smtClean="0">
-                <a:latin typeface="Arial"/>
-                <a:cs typeface="Arial"/>
-              </a:rPr>
-              <a:t>topics</a:t>
-            </a:r>
-            <a:r>
-              <a:rPr lang="de-DE" sz="800" dirty="0" smtClean="0">
-                <a:latin typeface="Arial"/>
-                <a:cs typeface="Arial"/>
-              </a:rPr>
-              <a:t>/1183?page</a:t>
-            </a:r>
-            <a:r>
-              <a:rPr lang="de-DE" sz="800" dirty="0">
-                <a:latin typeface="Arial"/>
-                <a:cs typeface="Arial"/>
-              </a:rPr>
-              <a:t>=2 http://</a:t>
-            </a:r>
-            <a:r>
-              <a:rPr lang="de-DE" sz="800" dirty="0" err="1">
-                <a:latin typeface="Arial"/>
-                <a:cs typeface="Arial"/>
-              </a:rPr>
-              <a:t>git-scm.com</a:t>
-            </a:r>
-            <a:r>
-              <a:rPr lang="de-DE" sz="800" dirty="0">
-                <a:latin typeface="Arial"/>
-                <a:cs typeface="Arial"/>
-              </a:rPr>
-              <a:t>/</a:t>
-            </a:r>
-            <a:r>
-              <a:rPr lang="de-DE" sz="800" dirty="0" err="1">
-                <a:latin typeface="Arial"/>
-                <a:cs typeface="Arial"/>
-              </a:rPr>
-              <a:t>images</a:t>
-            </a:r>
-            <a:r>
-              <a:rPr lang="de-DE" sz="800" dirty="0">
-                <a:latin typeface="Arial"/>
-                <a:cs typeface="Arial"/>
-              </a:rPr>
-              <a:t>/logo@2x.png </a:t>
-            </a:r>
-            <a:r>
-              <a:rPr lang="de-DE" sz="800" dirty="0" smtClean="0">
-                <a:latin typeface="Arial"/>
-                <a:cs typeface="Arial"/>
-              </a:rPr>
-              <a:t>http://</a:t>
-            </a:r>
-            <a:r>
-              <a:rPr lang="de-DE" sz="800" dirty="0" err="1" smtClean="0">
-                <a:latin typeface="Arial"/>
-                <a:cs typeface="Arial"/>
-              </a:rPr>
-              <a:t>upload.wikimedia.org</a:t>
-            </a:r>
-            <a:r>
-              <a:rPr lang="de-DE" sz="800" dirty="0" smtClean="0">
-                <a:latin typeface="Arial"/>
-                <a:cs typeface="Arial"/>
-              </a:rPr>
-              <a:t>/</a:t>
-            </a:r>
-            <a:r>
-              <a:rPr lang="de-DE" sz="800" dirty="0" err="1" smtClean="0">
-                <a:latin typeface="Arial"/>
-                <a:cs typeface="Arial"/>
-              </a:rPr>
-              <a:t>wikipedia</a:t>
-            </a:r>
-            <a:r>
-              <a:rPr lang="de-DE" sz="800" dirty="0" smtClean="0">
-                <a:latin typeface="Arial"/>
-                <a:cs typeface="Arial"/>
-              </a:rPr>
-              <a:t>/</a:t>
-            </a:r>
-            <a:r>
-              <a:rPr lang="de-DE" sz="800" dirty="0" err="1" smtClean="0">
-                <a:latin typeface="Arial"/>
-                <a:cs typeface="Arial"/>
-              </a:rPr>
-              <a:t>commons</a:t>
-            </a:r>
-            <a:r>
-              <a:rPr lang="de-DE" sz="800" dirty="0" smtClean="0">
-                <a:latin typeface="Arial"/>
-                <a:cs typeface="Arial"/>
-              </a:rPr>
-              <a:t>/</a:t>
-            </a:r>
-            <a:r>
-              <a:rPr lang="de-DE" sz="800" dirty="0" err="1" smtClean="0">
-                <a:latin typeface="Arial"/>
-                <a:cs typeface="Arial"/>
-              </a:rPr>
-              <a:t>thumb</a:t>
-            </a:r>
-            <a:r>
-              <a:rPr lang="de-DE" sz="800" dirty="0" smtClean="0">
-                <a:latin typeface="Arial"/>
-                <a:cs typeface="Arial"/>
-              </a:rPr>
-              <a:t>/b/b3/</a:t>
-            </a:r>
-            <a:r>
-              <a:rPr lang="de-DE" sz="800" dirty="0" err="1" smtClean="0">
-                <a:latin typeface="Arial"/>
-                <a:cs typeface="Arial"/>
-              </a:rPr>
-              <a:t>GitHub.svg</a:t>
-            </a:r>
-            <a:r>
-              <a:rPr lang="de-DE" sz="800" dirty="0" smtClean="0">
-                <a:latin typeface="Arial"/>
-                <a:cs typeface="Arial"/>
-              </a:rPr>
-              <a:t>/500px-</a:t>
-            </a:r>
-            <a:r>
-              <a:rPr lang="de-DE" sz="800" dirty="0" smtClean="0">
-                <a:latin typeface="Arial"/>
-                <a:cs typeface="Arial"/>
-              </a:rPr>
-              <a:t>GitHub.svg.png</a:t>
-            </a:r>
-            <a:endParaRPr lang="de-DE" sz="800" dirty="0" smtClean="0">
-              <a:latin typeface="Arial"/>
-              <a:cs typeface="Arial"/>
-            </a:endParaRPr>
+              <a:t>/500px-GitHub.svg.png</a:t>
+            </a:r>
           </a:p>
           <a:p>
             <a:r>
@@ -8857,14 +8827,7 @@
                 <a:latin typeface="Arial"/>
                 <a:cs typeface="Arial"/>
               </a:rPr>
-              <a:t>logo.jpg </a:t>
-            </a:r>
-            <a:r>
-              <a:rPr lang="de-DE" sz="800" dirty="0" smtClean="0">
-                <a:latin typeface="Arial"/>
-                <a:cs typeface="Arial"/>
-              </a:rPr>
-              <a:t>http</a:t>
+              <a:t>logo.jpg http</a:t>
             </a:r>
             <a:r>
               <a:rPr lang="de-DE" sz="800" dirty="0">
@@ -9248,7 +9211,6 @@
               <a:rPr lang="de-DE" dirty="0" smtClean="0"/>
               <a:t> (Box2D)</a:t>
             </a:r>
-            <a:endParaRPr lang="de-DE" dirty="0" smtClean="0"/>
           </a:p>
           <a:p>
             <a:pPr lvl="2"/>
@@ -9258,17 +9220,8 @@
             </a:r>
             <a:r>
               <a:rPr lang="de-DE" dirty="0" smtClean="0"/>
-              <a:t> (XML, </a:t>
-            </a:r>
-            <a:r>
-              <a:rPr lang="de-DE" dirty="0" smtClean="0"/>
-              <a:t>JAXB</a:t>
-            </a:r>
-            <a:r>
-              <a:rPr lang="de-DE" dirty="0" smtClean="0"/>
-              <a:t>)</a:t>
-            </a:r>
-            <a:endParaRPr lang="de-DE" dirty="0" smtClean="0"/>
+              <a:t> (XML, JAXB)</a:t>
+            </a:r>
           </a:p>
           <a:p>
             <a:pPr lvl="2"/>
@@ -9307,7 +9260,6 @@
               <a:rPr lang="de-DE" dirty="0" smtClean="0"/>
               <a:t>)</a:t>
             </a:r>
-            <a:endParaRPr lang="de-DE" dirty="0" smtClean="0"/>
           </a:p>
           <a:p>
             <a:pPr lvl="2"/>
@@ -9319,7 +9271,6 @@
               <a:rPr lang="de-DE" dirty="0" smtClean="0"/>
               <a:t> (Java)</a:t>
             </a:r>
-            <a:endParaRPr lang="de-DE" dirty="0" smtClean="0"/>
           </a:p>
           <a:p>
             <a:pPr lvl="2"/>
@@ -10308,10 +10259,6 @@
               </a:rPr>
               <a:t> </a:t>
             </a:r>
-            <a:endParaRPr lang="de-DE" sz="800" dirty="0">
-              <a:latin typeface="Arial"/>
-              <a:cs typeface="Arial"/>
-            </a:endParaRPr>
           </a:p>
         </p:txBody>
       </p:sp>
@@ -10554,7 +10501,7 @@
       </p:grpSpPr>
       <p:pic>
         <p:nvPicPr>
-          <p:cNvPr id="9" name="Bild 8" descr="Screen Shot 2013-01-15 at 10.38.34 AM.png"/>
+          <p:cNvPr id="9" name="Bild 8"/>
           <p:cNvPicPr>
             <a:picLocks noChangeAspect="1"/>
           </p:cNvPicPr>
@@ -10574,8 +10521,8 @@
         </p:blipFill>
         <p:spPr>
           <a:xfrm>
-            <a:off x="1738872" y="1800485"/>
-            <a:ext cx="5890006" cy="4378412"/>
+            <a:off x="1738872" y="1863803"/>
+            <a:ext cx="5890006" cy="4251776"/>
           </a:xfrm>
           <a:prstGeom prst="rect">
             <a:avLst/>
@@ -10644,7 +10591,7 @@
       </p:grpSpPr>
       <p:pic>
         <p:nvPicPr>
-          <p:cNvPr id="10" name="Bild 9" descr="Screen Shot 2013-01-15 at 10.38.34 AM.png"/>
+          <p:cNvPr id="10" name="Bild 9"/>
           <p:cNvPicPr>
             <a:picLocks noChangeAspect="1"/>
           </p:cNvPicPr>
@@ -10664,8 +10611,8 @@
         </p:blipFill>
         <p:spPr>
           <a:xfrm>
-            <a:off x="1738872" y="1800485"/>
-            <a:ext cx="5890006" cy="4378412"/>
+            <a:off x="1738872" y="1863803"/>
+            <a:ext cx="5890006" cy="4251776"/>
           </a:xfrm>
           <a:prstGeom prst="rect">
             <a:avLst/>
@@ -10812,7 +10759,7 @@
         </p:nvSpPr>
         <p:spPr>
           <a:xfrm rot="16200000">
-            <a:off x="2435517" y="1023900"/>
+            <a:off x="2413235" y="1023900"/>
             <a:ext cx="4679854" cy="5911446"/>
           </a:xfrm>
           <a:prstGeom prst="corner">

--- a/doc/presentation/presentation.pptx
+++ b/doc/presentation/presentation.pptx
@@ -231,7 +231,7 @@
             <a:fld id="{B9DCE77F-B2F6-4C56-A9FE-A47B2C49451F}" type="datetimeFigureOut">
               <a:rPr lang="de-CH" smtClean="0"/>
               <a:pPr/>
-              <a:t>1/16/13</a:t>
+              <a:t>17.01.13</a:t>
             </a:fld>
             <a:endParaRPr lang="de-CH"/>
           </a:p>
@@ -2920,7 +2920,7 @@
         </p:blipFill>
         <p:spPr>
           <a:xfrm>
-            <a:off x="1800000" y="1725353"/>
+            <a:off x="1791859" y="1725353"/>
             <a:ext cx="6288498" cy="4542396"/>
           </a:xfrm>
           <a:prstGeom prst="rect">
@@ -3192,63 +3192,14 @@
       </p:sp>
       <p:sp>
         <p:nvSpPr>
-          <p:cNvPr id="9" name="Rechteck 8"/>
-          <p:cNvSpPr/>
-          <p:nvPr/>
-        </p:nvSpPr>
-        <p:spPr>
-          <a:xfrm>
-            <a:off x="5114331" y="1725353"/>
-            <a:ext cx="2982691" cy="1700983"/>
-          </a:xfrm>
-          <a:prstGeom prst="rect">
-            <a:avLst/>
-          </a:prstGeom>
-          <a:solidFill>
-            <a:schemeClr val="accent1">
-              <a:alpha val="55000"/>
-            </a:schemeClr>
-          </a:solidFill>
-        </p:spPr>
-        <p:style>
-          <a:lnRef idx="2">
-            <a:schemeClr val="accent1">
-              <a:shade val="50000"/>
-            </a:schemeClr>
-          </a:lnRef>
-          <a:fillRef idx="1">
-            <a:schemeClr val="accent1"/>
-          </a:fillRef>
-          <a:effectRef idx="0">
-            <a:schemeClr val="accent1"/>
-          </a:effectRef>
-          <a:fontRef idx="minor">
-            <a:schemeClr val="lt1"/>
-          </a:fontRef>
-        </p:style>
-        <p:txBody>
-          <a:bodyPr rtlCol="0" anchor="ctr"/>
-          <a:lstStyle/>
-          <a:p>
-            <a:pPr algn="ctr"/>
-            <a:endParaRPr lang="de-DE" b="1" dirty="0">
-              <a:solidFill>
-                <a:srgbClr val="008000"/>
-              </a:solidFill>
-            </a:endParaRPr>
-          </a:p>
-        </p:txBody>
-      </p:sp>
-      <p:sp>
-        <p:nvSpPr>
           <p:cNvPr id="10" name="Textfeld 9"/>
           <p:cNvSpPr txBox="1"/>
           <p:nvPr/>
         </p:nvSpPr>
         <p:spPr>
           <a:xfrm>
-            <a:off x="5583146" y="1813970"/>
-            <a:ext cx="2505353" cy="707886"/>
+            <a:off x="5853137" y="1937622"/>
+            <a:ext cx="2235362" cy="584776"/>
           </a:xfrm>
           <a:prstGeom prst="rect">
             <a:avLst/>
@@ -3263,28 +3214,28 @@
           <a:p>
             <a:pPr algn="r"/>
             <a:r>
-              <a:rPr lang="de-DE" sz="2000" dirty="0" smtClean="0">
+              <a:rPr lang="de-DE" sz="1600" dirty="0" smtClean="0">
                 <a:latin typeface="Arial"/>
                 <a:cs typeface="Arial"/>
               </a:rPr>
               <a:t>Not </a:t>
             </a:r>
             <a:r>
-              <a:rPr lang="de-DE" sz="2000" dirty="0" err="1" smtClean="0">
+              <a:rPr lang="de-DE" sz="1600" dirty="0" err="1" smtClean="0">
                 <a:latin typeface="Arial"/>
                 <a:cs typeface="Arial"/>
               </a:rPr>
               <a:t>held</a:t>
             </a:r>
             <a:r>
-              <a:rPr lang="de-DE" sz="2000" dirty="0">
+              <a:rPr lang="de-DE" sz="1600" dirty="0">
                 <a:latin typeface="Arial"/>
                 <a:cs typeface="Arial"/>
               </a:rPr>
               <a:t> </a:t>
             </a:r>
             <a:r>
-              <a:rPr lang="de-DE" sz="2000" dirty="0" smtClean="0">
+              <a:rPr lang="de-DE" sz="1600" dirty="0" smtClean="0">
                 <a:latin typeface="Arial"/>
                 <a:cs typeface="Arial"/>
               </a:rPr>
@@ -3294,55 +3245,55 @@
           <a:p>
             <a:pPr algn="r"/>
             <a:r>
-              <a:rPr lang="de-DE" sz="2000" dirty="0" smtClean="0">
+              <a:rPr lang="de-DE" sz="1600" dirty="0" smtClean="0">
                 <a:latin typeface="Arial"/>
                 <a:cs typeface="Arial"/>
               </a:rPr>
               <a:t>(</a:t>
             </a:r>
             <a:r>
-              <a:rPr lang="de-DE" sz="2000" dirty="0" err="1" smtClean="0">
+              <a:rPr lang="de-DE" sz="1600" dirty="0" err="1" smtClean="0">
                 <a:latin typeface="Arial"/>
                 <a:cs typeface="Arial"/>
               </a:rPr>
               <a:t>only</a:t>
             </a:r>
             <a:r>
-              <a:rPr lang="de-DE" sz="2000" dirty="0" smtClean="0">
+              <a:rPr lang="de-DE" sz="1600" dirty="0" smtClean="0">
                 <a:latin typeface="Arial"/>
                 <a:cs typeface="Arial"/>
               </a:rPr>
               <a:t> in </a:t>
             </a:r>
             <a:r>
-              <a:rPr lang="de-DE" sz="2000" dirty="0" err="1" smtClean="0">
+              <a:rPr lang="de-DE" sz="1600" dirty="0" err="1" smtClean="0">
                 <a:latin typeface="Arial"/>
                 <a:cs typeface="Arial"/>
               </a:rPr>
               <a:t>game</a:t>
             </a:r>
             <a:r>
-              <a:rPr lang="de-DE" sz="2000" dirty="0" smtClean="0">
+              <a:rPr lang="de-DE" sz="1600" dirty="0" smtClean="0">
                 <a:latin typeface="Arial"/>
                 <a:cs typeface="Arial"/>
               </a:rPr>
               <a:t> </a:t>
             </a:r>
             <a:r>
-              <a:rPr lang="de-DE" sz="2000" dirty="0" err="1" smtClean="0">
+              <a:rPr lang="de-DE" sz="1600" dirty="0" err="1" smtClean="0">
                 <a:latin typeface="Arial"/>
                 <a:cs typeface="Arial"/>
               </a:rPr>
               <a:t>logic</a:t>
             </a:r>
             <a:r>
-              <a:rPr lang="de-DE" sz="2000" dirty="0" smtClean="0">
+              <a:rPr lang="de-DE" sz="1600" dirty="0" smtClean="0">
                 <a:latin typeface="Arial"/>
                 <a:cs typeface="Arial"/>
               </a:rPr>
               <a:t>)</a:t>
             </a:r>
-            <a:endParaRPr lang="de-DE" sz="2000" dirty="0">
+            <a:endParaRPr lang="de-DE" sz="1600" dirty="0">
               <a:latin typeface="Arial"/>
               <a:cs typeface="Arial"/>
             </a:endParaRPr>
@@ -3527,6 +3478,115 @@
           </a:p>
         </p:txBody>
       </p:sp>
+      <p:grpSp>
+        <p:nvGrpSpPr>
+          <p:cNvPr id="10" name="Gruppierung 9"/>
+          <p:cNvGrpSpPr/>
+          <p:nvPr/>
+        </p:nvGrpSpPr>
+        <p:grpSpPr>
+          <a:xfrm>
+            <a:off x="7359160" y="5433024"/>
+            <a:ext cx="1416400" cy="1079990"/>
+            <a:chOff x="1799999" y="1725353"/>
+            <a:chExt cx="6288499" cy="4794914"/>
+          </a:xfrm>
+        </p:grpSpPr>
+        <p:pic>
+          <p:nvPicPr>
+            <p:cNvPr id="6" name="Bild 5" descr="Screen Shot 2013-01-15 at 10.06.44 AM.png"/>
+            <p:cNvPicPr>
+              <a:picLocks noChangeAspect="1"/>
+            </p:cNvPicPr>
+            <p:nvPr/>
+          </p:nvPicPr>
+          <p:blipFill>
+            <a:blip r:embed="rId3">
+              <a:extLst>
+                <a:ext uri="{28A0092B-C50C-407E-A947-70E740481C1C}">
+                  <a14:useLocalDpi xmlns:a14="http://schemas.microsoft.com/office/drawing/2010/main" val="0"/>
+                </a:ext>
+              </a:extLst>
+            </a:blip>
+            <a:stretch>
+              <a:fillRect/>
+            </a:stretch>
+          </p:blipFill>
+          <p:spPr>
+            <a:xfrm>
+              <a:off x="1800000" y="1725353"/>
+              <a:ext cx="6288498" cy="4542396"/>
+            </a:xfrm>
+            <a:prstGeom prst="rect">
+              <a:avLst/>
+            </a:prstGeom>
+          </p:spPr>
+        </p:pic>
+        <p:sp>
+          <p:nvSpPr>
+            <p:cNvPr id="8" name="Rechteck 7"/>
+            <p:cNvSpPr/>
+            <p:nvPr/>
+          </p:nvSpPr>
+          <p:spPr>
+            <a:xfrm>
+              <a:off x="1799999" y="1725353"/>
+              <a:ext cx="3213027" cy="4794914"/>
+            </a:xfrm>
+            <a:prstGeom prst="rect">
+              <a:avLst/>
+            </a:prstGeom>
+            <a:gradFill flip="none" rotWithShape="1">
+              <a:gsLst>
+                <a:gs pos="0">
+                  <a:schemeClr val="accent6">
+                    <a:tint val="100000"/>
+                    <a:shade val="100000"/>
+                    <a:satMod val="130000"/>
+                    <a:alpha val="41000"/>
+                  </a:schemeClr>
+                </a:gs>
+                <a:gs pos="100000">
+                  <a:schemeClr val="accent6">
+                    <a:tint val="50000"/>
+                    <a:shade val="100000"/>
+                    <a:satMod val="350000"/>
+                    <a:alpha val="41000"/>
+                  </a:schemeClr>
+                </a:gs>
+              </a:gsLst>
+              <a:lin ang="16200000" scaled="0"/>
+              <a:tileRect/>
+            </a:gradFill>
+          </p:spPr>
+          <p:style>
+            <a:lnRef idx="1">
+              <a:schemeClr val="accent6"/>
+            </a:lnRef>
+            <a:fillRef idx="3">
+              <a:schemeClr val="accent6"/>
+            </a:fillRef>
+            <a:effectRef idx="2">
+              <a:schemeClr val="accent6"/>
+            </a:effectRef>
+            <a:fontRef idx="minor">
+              <a:schemeClr val="lt1"/>
+            </a:fontRef>
+          </p:style>
+          <p:txBody>
+            <a:bodyPr rtlCol="0" anchor="ctr"/>
+            <a:lstStyle/>
+            <a:p>
+              <a:pPr algn="ctr"/>
+              <a:endParaRPr lang="de-DE" b="1" dirty="0">
+                <a:solidFill>
+                  <a:srgbClr val="FF6600"/>
+                </a:solidFill>
+              </a:endParaRPr>
+            </a:p>
+          </p:txBody>
+        </p:sp>
+      </p:grpSp>
     </p:spTree>
     <p:extLst>
       <p:ext uri="{BB962C8B-B14F-4D97-AF65-F5344CB8AC3E}">
@@ -3926,6 +3986,115 @@
           </a:p>
         </p:txBody>
       </p:sp>
+      <p:grpSp>
+        <p:nvGrpSpPr>
+          <p:cNvPr id="5" name="Gruppierung 4"/>
+          <p:cNvGrpSpPr/>
+          <p:nvPr/>
+        </p:nvGrpSpPr>
+        <p:grpSpPr>
+          <a:xfrm>
+            <a:off x="7367300" y="5438472"/>
+            <a:ext cx="1411165" cy="1074542"/>
+            <a:chOff x="1800000" y="1725353"/>
+            <a:chExt cx="6297022" cy="4794914"/>
+          </a:xfrm>
+        </p:grpSpPr>
+        <p:pic>
+          <p:nvPicPr>
+            <p:cNvPr id="8" name="Bild 7" descr="Screen Shot 2013-01-15 at 10.06.44 AM.png"/>
+            <p:cNvPicPr>
+              <a:picLocks noChangeAspect="1"/>
+            </p:cNvPicPr>
+            <p:nvPr/>
+          </p:nvPicPr>
+          <p:blipFill>
+            <a:blip r:embed="rId3">
+              <a:extLst>
+                <a:ext uri="{28A0092B-C50C-407E-A947-70E740481C1C}">
+                  <a14:useLocalDpi xmlns:a14="http://schemas.microsoft.com/office/drawing/2010/main" val="0"/>
+                </a:ext>
+              </a:extLst>
+            </a:blip>
+            <a:stretch>
+              <a:fillRect/>
+            </a:stretch>
+          </p:blipFill>
+          <p:spPr>
+            <a:xfrm>
+              <a:off x="1800000" y="1725353"/>
+              <a:ext cx="6288498" cy="4542396"/>
+            </a:xfrm>
+            <a:prstGeom prst="rect">
+              <a:avLst/>
+            </a:prstGeom>
+          </p:spPr>
+        </p:pic>
+        <p:sp>
+          <p:nvSpPr>
+            <p:cNvPr id="9" name="Rechteck 8"/>
+            <p:cNvSpPr/>
+            <p:nvPr/>
+          </p:nvSpPr>
+          <p:spPr>
+            <a:xfrm>
+              <a:off x="5114331" y="3513762"/>
+              <a:ext cx="2982691" cy="3006505"/>
+            </a:xfrm>
+            <a:prstGeom prst="rect">
+              <a:avLst/>
+            </a:prstGeom>
+            <a:gradFill flip="none" rotWithShape="1">
+              <a:gsLst>
+                <a:gs pos="0">
+                  <a:schemeClr val="accent3">
+                    <a:tint val="100000"/>
+                    <a:shade val="100000"/>
+                    <a:satMod val="130000"/>
+                    <a:alpha val="36000"/>
+                  </a:schemeClr>
+                </a:gs>
+                <a:gs pos="100000">
+                  <a:schemeClr val="accent3">
+                    <a:tint val="50000"/>
+                    <a:shade val="100000"/>
+                    <a:satMod val="350000"/>
+                    <a:alpha val="36000"/>
+                  </a:schemeClr>
+                </a:gs>
+              </a:gsLst>
+              <a:lin ang="16200000" scaled="0"/>
+              <a:tileRect/>
+            </a:gradFill>
+          </p:spPr>
+          <p:style>
+            <a:lnRef idx="1">
+              <a:schemeClr val="accent3"/>
+            </a:lnRef>
+            <a:fillRef idx="3">
+              <a:schemeClr val="accent3"/>
+            </a:fillRef>
+            <a:effectRef idx="2">
+              <a:schemeClr val="accent3"/>
+            </a:effectRef>
+            <a:fontRef idx="minor">
+              <a:schemeClr val="lt1"/>
+            </a:fontRef>
+          </p:style>
+          <p:txBody>
+            <a:bodyPr rtlCol="0" anchor="ctr"/>
+            <a:lstStyle/>
+            <a:p>
+              <a:pPr algn="ctr"/>
+              <a:endParaRPr lang="de-DE" b="1" dirty="0">
+                <a:solidFill>
+                  <a:srgbClr val="008000"/>
+                </a:solidFill>
+              </a:endParaRPr>
+            </a:p>
+          </p:txBody>
+        </p:sp>
+      </p:grpSp>
     </p:spTree>
     <p:extLst>
       <p:ext uri="{BB962C8B-B14F-4D97-AF65-F5344CB8AC3E}">

--- a/doc/presentation/presentation.pptx
+++ b/doc/presentation/presentation.pptx
@@ -17,8 +17,8 @@
     <p:sldId id="264" r:id="rId11"/>
     <p:sldId id="276" r:id="rId12"/>
     <p:sldId id="275" r:id="rId13"/>
-    <p:sldId id="273" r:id="rId14"/>
-    <p:sldId id="277" r:id="rId15"/>
+    <p:sldId id="277" r:id="rId14"/>
+    <p:sldId id="273" r:id="rId15"/>
     <p:sldId id="278" r:id="rId16"/>
     <p:sldId id="270" r:id="rId17"/>
     <p:sldId id="282" r:id="rId18"/>
@@ -231,7 +231,7 @@
             <a:fld id="{B9DCE77F-B2F6-4C56-A9FE-A47B2C49451F}" type="datetimeFigureOut">
               <a:rPr lang="de-CH" smtClean="0"/>
               <a:pPr/>
-              <a:t>17.01.13</a:t>
+              <a:t>1/18/13</a:t>
             </a:fld>
             <a:endParaRPr lang="de-CH"/>
           </a:p>
@@ -1956,38 +1956,35 @@
       </p:sp>
       <p:sp>
         <p:nvSpPr>
-          <p:cNvPr id="7" name="L-Form 6"/>
+          <p:cNvPr id="4" name="Rechteck 3"/>
           <p:cNvSpPr/>
           <p:nvPr/>
         </p:nvSpPr>
         <p:spPr>
-          <a:xfrm rot="10800000" flipV="1">
-            <a:off x="4830500" y="3076885"/>
-            <a:ext cx="3162362" cy="3251346"/>
+          <a:xfrm>
+            <a:off x="5779512" y="2701859"/>
+            <a:ext cx="3102696" cy="2650726"/>
           </a:xfrm>
-          <a:prstGeom prst="corner">
-            <a:avLst>
-              <a:gd name="adj1" fmla="val 44195"/>
-              <a:gd name="adj2" fmla="val 69511"/>
-            </a:avLst>
+          <a:prstGeom prst="rect">
+            <a:avLst/>
           </a:prstGeom>
           <a:solidFill>
-            <a:schemeClr val="accent2">
-              <a:alpha val="41000"/>
+            <a:schemeClr val="accent1">
+              <a:alpha val="9000"/>
             </a:schemeClr>
           </a:solidFill>
         </p:spPr>
         <p:style>
           <a:lnRef idx="2">
-            <a:schemeClr val="accent2">
+            <a:schemeClr val="accent1">
               <a:shade val="50000"/>
             </a:schemeClr>
           </a:lnRef>
           <a:fillRef idx="1">
-            <a:schemeClr val="accent2"/>
+            <a:schemeClr val="accent1"/>
           </a:fillRef>
           <a:effectRef idx="0">
-            <a:schemeClr val="accent2"/>
+            <a:schemeClr val="accent1"/>
           </a:effectRef>
           <a:fontRef idx="minor">
             <a:schemeClr val="lt1"/>
@@ -1998,20 +1995,20 @@
           <a:lstStyle/>
           <a:p>
             <a:pPr algn="ctr"/>
-            <a:endParaRPr lang="de-DE" dirty="0"/>
+            <a:endParaRPr lang="de-DE"/>
           </a:p>
         </p:txBody>
       </p:sp>
       <p:sp>
         <p:nvSpPr>
-          <p:cNvPr id="8" name="Textfeld 7"/>
+          <p:cNvPr id="5" name="Textfeld 4"/>
           <p:cNvSpPr txBox="1"/>
           <p:nvPr/>
         </p:nvSpPr>
         <p:spPr>
           <a:xfrm>
-            <a:off x="6350296" y="4304228"/>
-            <a:ext cx="2173592" cy="461665"/>
+            <a:off x="7356602" y="2701859"/>
+            <a:ext cx="1525606" cy="707886"/>
           </a:xfrm>
           <a:prstGeom prst="rect">
             <a:avLst/>
@@ -2025,49 +2022,140 @@
           <a:lstStyle/>
           <a:p>
             <a:r>
-              <a:rPr lang="de-DE" sz="2400" b="1" dirty="0" err="1" smtClean="0">
-                <a:solidFill>
-                  <a:srgbClr val="920101"/>
-                </a:solidFill>
-                <a:latin typeface="Arial"/>
-                <a:cs typeface="Arial"/>
-              </a:rPr>
-              <a:t>No</a:t>
-            </a:r>
-            <a:r>
-              <a:rPr lang="de-DE" sz="2400" b="1" dirty="0" smtClean="0">
-                <a:solidFill>
-                  <a:srgbClr val="920101"/>
-                </a:solidFill>
+              <a:rPr lang="de-DE" sz="2000" dirty="0" smtClean="0">
+                <a:latin typeface="Arial"/>
+                <a:cs typeface="Arial"/>
+              </a:rPr>
+              <a:t>Game </a:t>
+            </a:r>
+            <a:r>
+              <a:rPr lang="de-DE" sz="2000" dirty="0" err="1" smtClean="0">
+                <a:latin typeface="Arial"/>
+                <a:cs typeface="Arial"/>
+              </a:rPr>
+              <a:t>logic</a:t>
+            </a:r>
+            <a:endParaRPr lang="de-DE" sz="2000" dirty="0" smtClean="0">
+              <a:latin typeface="Arial"/>
+              <a:cs typeface="Arial"/>
+            </a:endParaRPr>
+          </a:p>
+          <a:p>
+            <a:r>
+              <a:rPr lang="de-DE" sz="2000" dirty="0" err="1" smtClean="0">
+                <a:latin typeface="Arial"/>
+                <a:cs typeface="Arial"/>
+              </a:rPr>
+              <a:t>Persistence</a:t>
+            </a:r>
+            <a:endParaRPr lang="de-DE" sz="2000" dirty="0">
+              <a:latin typeface="Arial"/>
+              <a:cs typeface="Arial"/>
+            </a:endParaRPr>
+          </a:p>
+        </p:txBody>
+      </p:sp>
+      <p:sp>
+        <p:nvSpPr>
+          <p:cNvPr id="6" name="L-Form 5"/>
+          <p:cNvSpPr/>
+          <p:nvPr/>
+        </p:nvSpPr>
+        <p:spPr>
+          <a:xfrm rot="16200000">
+            <a:off x="2295410" y="2124199"/>
+            <a:ext cx="2650726" cy="3806045"/>
+          </a:xfrm>
+          <a:prstGeom prst="corner">
+            <a:avLst>
+              <a:gd name="adj1" fmla="val 87034"/>
+              <a:gd name="adj2" fmla="val 47876"/>
+            </a:avLst>
+          </a:prstGeom>
+          <a:solidFill>
+            <a:schemeClr val="accent3">
+              <a:alpha val="12000"/>
+            </a:schemeClr>
+          </a:solidFill>
+        </p:spPr>
+        <p:style>
+          <a:lnRef idx="2">
+            <a:schemeClr val="accent3">
+              <a:shade val="50000"/>
+            </a:schemeClr>
+          </a:lnRef>
+          <a:fillRef idx="1">
+            <a:schemeClr val="accent3"/>
+          </a:fillRef>
+          <a:effectRef idx="0">
+            <a:schemeClr val="accent3"/>
+          </a:effectRef>
+          <a:fontRef idx="minor">
+            <a:schemeClr val="lt1"/>
+          </a:fontRef>
+        </p:style>
+        <p:txBody>
+          <a:bodyPr rtlCol="0" anchor="ctr"/>
+          <a:lstStyle/>
+          <a:p>
+            <a:pPr algn="ctr"/>
+            <a:endParaRPr lang="de-DE"/>
+          </a:p>
+        </p:txBody>
+      </p:sp>
+      <p:sp>
+        <p:nvSpPr>
+          <p:cNvPr id="7" name="Textfeld 6"/>
+          <p:cNvSpPr txBox="1"/>
+          <p:nvPr/>
+        </p:nvSpPr>
+        <p:spPr>
+          <a:xfrm>
+            <a:off x="1738872" y="4561263"/>
+            <a:ext cx="2404766" cy="707886"/>
+          </a:xfrm>
+          <a:prstGeom prst="rect">
+            <a:avLst/>
+          </a:prstGeom>
+          <a:noFill/>
+        </p:spPr>
+        <p:txBody>
+          <a:bodyPr wrap="square" rtlCol="0">
+            <a:spAutoFit/>
+          </a:bodyPr>
+          <a:lstStyle/>
+          <a:p>
+            <a:r>
+              <a:rPr lang="de-DE" sz="2000" dirty="0" smtClean="0">
+                <a:latin typeface="Arial"/>
+                <a:cs typeface="Arial"/>
+              </a:rPr>
+              <a:t>Rendering</a:t>
+            </a:r>
+          </a:p>
+          <a:p>
+            <a:r>
+              <a:rPr lang="de-DE" sz="2000" dirty="0" err="1" smtClean="0">
+                <a:latin typeface="Arial"/>
+                <a:cs typeface="Arial"/>
+              </a:rPr>
+              <a:t>Physics</a:t>
+            </a:r>
+            <a:r>
+              <a:rPr lang="de-DE" sz="2000" dirty="0" smtClean="0">
                 <a:latin typeface="Arial"/>
                 <a:cs typeface="Arial"/>
               </a:rPr>
               <a:t> </a:t>
             </a:r>
             <a:r>
-              <a:rPr lang="de-DE" sz="2400" b="1" dirty="0" err="1" smtClean="0">
-                <a:solidFill>
-                  <a:srgbClr val="920101"/>
-                </a:solidFill>
-                <a:latin typeface="Arial"/>
-                <a:cs typeface="Arial"/>
-              </a:rPr>
-              <a:t>libgdx</a:t>
-            </a:r>
-            <a:r>
-              <a:rPr lang="de-DE" sz="2400" b="1" dirty="0" smtClean="0">
-                <a:solidFill>
-                  <a:srgbClr val="920101"/>
-                </a:solidFill>
-                <a:latin typeface="Arial"/>
-                <a:cs typeface="Arial"/>
-              </a:rPr>
-              <a:t>!</a:t>
-            </a:r>
-            <a:endParaRPr lang="de-DE" sz="2400" b="1" dirty="0">
-              <a:solidFill>
-                <a:srgbClr val="920101"/>
-              </a:solidFill>
+              <a:rPr lang="de-DE" sz="2000" dirty="0" err="1" smtClean="0">
+                <a:latin typeface="Arial"/>
+                <a:cs typeface="Arial"/>
+              </a:rPr>
+              <a:t>calculation</a:t>
+            </a:r>
+            <a:endParaRPr lang="de-DE" sz="2000" dirty="0" smtClean="0">
               <a:latin typeface="Arial"/>
               <a:cs typeface="Arial"/>
             </a:endParaRPr>
@@ -2077,7 +2165,7 @@
     </p:spTree>
     <p:extLst>
       <p:ext uri="{BB962C8B-B14F-4D97-AF65-F5344CB8AC3E}">
-        <p14:creationId xmlns:p14="http://schemas.microsoft.com/office/powerpoint/2010/main" val="1974884055"/>
+        <p14:creationId xmlns:p14="http://schemas.microsoft.com/office/powerpoint/2010/main" val="1494908031"/>
       </p:ext>
     </p:extLst>
   </p:cSld>
@@ -2166,35 +2254,38 @@
       </p:sp>
       <p:sp>
         <p:nvSpPr>
-          <p:cNvPr id="4" name="Rechteck 3"/>
+          <p:cNvPr id="7" name="L-Form 6"/>
           <p:cNvSpPr/>
           <p:nvPr/>
         </p:nvSpPr>
         <p:spPr>
-          <a:xfrm>
-            <a:off x="5779512" y="2701859"/>
-            <a:ext cx="3102696" cy="2650726"/>
+          <a:xfrm rot="10800000" flipV="1">
+            <a:off x="4830500" y="3076885"/>
+            <a:ext cx="3162362" cy="3251346"/>
           </a:xfrm>
-          <a:prstGeom prst="rect">
-            <a:avLst/>
+          <a:prstGeom prst="corner">
+            <a:avLst>
+              <a:gd name="adj1" fmla="val 44195"/>
+              <a:gd name="adj2" fmla="val 69511"/>
+            </a:avLst>
           </a:prstGeom>
           <a:solidFill>
-            <a:schemeClr val="accent1">
-              <a:alpha val="9000"/>
+            <a:schemeClr val="accent2">
+              <a:alpha val="41000"/>
             </a:schemeClr>
           </a:solidFill>
         </p:spPr>
         <p:style>
           <a:lnRef idx="2">
-            <a:schemeClr val="accent1">
+            <a:schemeClr val="accent2">
               <a:shade val="50000"/>
             </a:schemeClr>
           </a:lnRef>
           <a:fillRef idx="1">
-            <a:schemeClr val="accent1"/>
+            <a:schemeClr val="accent2"/>
           </a:fillRef>
           <a:effectRef idx="0">
-            <a:schemeClr val="accent1"/>
+            <a:schemeClr val="accent2"/>
           </a:effectRef>
           <a:fontRef idx="minor">
             <a:schemeClr val="lt1"/>
@@ -2205,20 +2296,20 @@
           <a:lstStyle/>
           <a:p>
             <a:pPr algn="ctr"/>
-            <a:endParaRPr lang="de-DE"/>
+            <a:endParaRPr lang="de-DE" dirty="0"/>
           </a:p>
         </p:txBody>
       </p:sp>
       <p:sp>
         <p:nvSpPr>
-          <p:cNvPr id="5" name="Textfeld 4"/>
+          <p:cNvPr id="8" name="Textfeld 7"/>
           <p:cNvSpPr txBox="1"/>
           <p:nvPr/>
         </p:nvSpPr>
         <p:spPr>
           <a:xfrm>
-            <a:off x="7356602" y="2701859"/>
-            <a:ext cx="1525606" cy="707886"/>
+            <a:off x="6350296" y="4304228"/>
+            <a:ext cx="2173592" cy="461665"/>
           </a:xfrm>
           <a:prstGeom prst="rect">
             <a:avLst/>
@@ -2232,140 +2323,49 @@
           <a:lstStyle/>
           <a:p>
             <a:r>
-              <a:rPr lang="de-DE" sz="2000" dirty="0" smtClean="0">
-                <a:latin typeface="Arial"/>
-                <a:cs typeface="Arial"/>
-              </a:rPr>
-              <a:t>Game </a:t>
-            </a:r>
-            <a:r>
-              <a:rPr lang="de-DE" sz="2000" dirty="0" err="1" smtClean="0">
-                <a:latin typeface="Arial"/>
-                <a:cs typeface="Arial"/>
-              </a:rPr>
-              <a:t>logic</a:t>
-            </a:r>
-            <a:endParaRPr lang="de-DE" sz="2000" dirty="0" smtClean="0">
-              <a:latin typeface="Arial"/>
-              <a:cs typeface="Arial"/>
-            </a:endParaRPr>
-          </a:p>
-          <a:p>
-            <a:r>
-              <a:rPr lang="de-DE" sz="2000" dirty="0" err="1" smtClean="0">
-                <a:latin typeface="Arial"/>
-                <a:cs typeface="Arial"/>
-              </a:rPr>
-              <a:t>Persistence</a:t>
-            </a:r>
-            <a:endParaRPr lang="de-DE" sz="2000" dirty="0">
-              <a:latin typeface="Arial"/>
-              <a:cs typeface="Arial"/>
-            </a:endParaRPr>
-          </a:p>
-        </p:txBody>
-      </p:sp>
-      <p:sp>
-        <p:nvSpPr>
-          <p:cNvPr id="6" name="L-Form 5"/>
-          <p:cNvSpPr/>
-          <p:nvPr/>
-        </p:nvSpPr>
-        <p:spPr>
-          <a:xfrm rot="16200000">
-            <a:off x="2295410" y="2124199"/>
-            <a:ext cx="2650726" cy="3806045"/>
-          </a:xfrm>
-          <a:prstGeom prst="corner">
-            <a:avLst>
-              <a:gd name="adj1" fmla="val 87034"/>
-              <a:gd name="adj2" fmla="val 47876"/>
-            </a:avLst>
-          </a:prstGeom>
-          <a:solidFill>
-            <a:schemeClr val="accent3">
-              <a:alpha val="12000"/>
-            </a:schemeClr>
-          </a:solidFill>
-        </p:spPr>
-        <p:style>
-          <a:lnRef idx="2">
-            <a:schemeClr val="accent3">
-              <a:shade val="50000"/>
-            </a:schemeClr>
-          </a:lnRef>
-          <a:fillRef idx="1">
-            <a:schemeClr val="accent3"/>
-          </a:fillRef>
-          <a:effectRef idx="0">
-            <a:schemeClr val="accent3"/>
-          </a:effectRef>
-          <a:fontRef idx="minor">
-            <a:schemeClr val="lt1"/>
-          </a:fontRef>
-        </p:style>
-        <p:txBody>
-          <a:bodyPr rtlCol="0" anchor="ctr"/>
-          <a:lstStyle/>
-          <a:p>
-            <a:pPr algn="ctr"/>
-            <a:endParaRPr lang="de-DE"/>
-          </a:p>
-        </p:txBody>
-      </p:sp>
-      <p:sp>
-        <p:nvSpPr>
-          <p:cNvPr id="7" name="Textfeld 6"/>
-          <p:cNvSpPr txBox="1"/>
-          <p:nvPr/>
-        </p:nvSpPr>
-        <p:spPr>
-          <a:xfrm>
-            <a:off x="1738872" y="4561263"/>
-            <a:ext cx="2404766" cy="707886"/>
-          </a:xfrm>
-          <a:prstGeom prst="rect">
-            <a:avLst/>
-          </a:prstGeom>
-          <a:noFill/>
-        </p:spPr>
-        <p:txBody>
-          <a:bodyPr wrap="square" rtlCol="0">
-            <a:spAutoFit/>
-          </a:bodyPr>
-          <a:lstStyle/>
-          <a:p>
-            <a:r>
-              <a:rPr lang="de-DE" sz="2000" dirty="0" smtClean="0">
-                <a:latin typeface="Arial"/>
-                <a:cs typeface="Arial"/>
-              </a:rPr>
-              <a:t>Rendering</a:t>
-            </a:r>
-          </a:p>
-          <a:p>
-            <a:r>
-              <a:rPr lang="de-DE" sz="2000" dirty="0" err="1" smtClean="0">
-                <a:latin typeface="Arial"/>
-                <a:cs typeface="Arial"/>
-              </a:rPr>
-              <a:t>Physics</a:t>
-            </a:r>
-            <a:r>
-              <a:rPr lang="de-DE" sz="2000" dirty="0" smtClean="0">
+              <a:rPr lang="de-DE" sz="2400" b="1" dirty="0" err="1" smtClean="0">
+                <a:solidFill>
+                  <a:srgbClr val="920101"/>
+                </a:solidFill>
+                <a:latin typeface="Arial"/>
+                <a:cs typeface="Arial"/>
+              </a:rPr>
+              <a:t>No</a:t>
+            </a:r>
+            <a:r>
+              <a:rPr lang="de-DE" sz="2400" b="1" dirty="0" smtClean="0">
+                <a:solidFill>
+                  <a:srgbClr val="920101"/>
+                </a:solidFill>
                 <a:latin typeface="Arial"/>
                 <a:cs typeface="Arial"/>
               </a:rPr>
               <a:t> </a:t>
             </a:r>
             <a:r>
-              <a:rPr lang="de-DE" sz="2000" dirty="0" err="1" smtClean="0">
-                <a:latin typeface="Arial"/>
-                <a:cs typeface="Arial"/>
-              </a:rPr>
-              <a:t>calculation</a:t>
-            </a:r>
-            <a:endParaRPr lang="de-DE" sz="2000" dirty="0" smtClean="0">
+              <a:rPr lang="de-DE" sz="2400" b="1" dirty="0" err="1" smtClean="0">
+                <a:solidFill>
+                  <a:srgbClr val="920101"/>
+                </a:solidFill>
+                <a:latin typeface="Arial"/>
+                <a:cs typeface="Arial"/>
+              </a:rPr>
+              <a:t>libgdx</a:t>
+            </a:r>
+            <a:r>
+              <a:rPr lang="de-DE" sz="2400" b="1" dirty="0" smtClean="0">
+                <a:solidFill>
+                  <a:srgbClr val="920101"/>
+                </a:solidFill>
+                <a:latin typeface="Arial"/>
+                <a:cs typeface="Arial"/>
+              </a:rPr>
+              <a:t>!</a:t>
+            </a:r>
+            <a:endParaRPr lang="de-DE" sz="2400" b="1" dirty="0">
+              <a:solidFill>
+                <a:srgbClr val="920101"/>
+              </a:solidFill>
               <a:latin typeface="Arial"/>
               <a:cs typeface="Arial"/>
             </a:endParaRPr>
@@ -2375,7 +2375,7 @@
     </p:spTree>
     <p:extLst>
       <p:ext uri="{BB962C8B-B14F-4D97-AF65-F5344CB8AC3E}">
-        <p14:creationId xmlns:p14="http://schemas.microsoft.com/office/powerpoint/2010/main" val="1494908031"/>
+        <p14:creationId xmlns:p14="http://schemas.microsoft.com/office/powerpoint/2010/main" val="1974884055"/>
       </p:ext>
     </p:extLst>
   </p:cSld>
@@ -2826,7 +2826,7 @@
         </p:blipFill>
         <p:spPr>
           <a:xfrm>
-            <a:off x="1800000" y="1725353"/>
+            <a:off x="1790730" y="1725353"/>
             <a:ext cx="6288498" cy="4542396"/>
           </a:xfrm>
           <a:prstGeom prst="rect">
@@ -4132,6 +4132,41 @@
           <a:chExt cx="0" cy="0"/>
         </a:xfrm>
       </p:grpSpPr>
+      <p:pic>
+        <p:nvPicPr>
+          <p:cNvPr id="5" name="Bild 4" descr="xml pdo.png"/>
+          <p:cNvPicPr>
+            <a:picLocks noChangeAspect="1"/>
+          </p:cNvPicPr>
+          <p:nvPr/>
+        </p:nvPicPr>
+        <p:blipFill rotWithShape="1">
+          <a:blip r:embed="rId2">
+            <a:extLst>
+              <a:ext uri="{28A0092B-C50C-407E-A947-70E740481C1C}">
+                <a14:useLocalDpi xmlns:a14="http://schemas.microsoft.com/office/drawing/2010/main" val="0"/>
+              </a:ext>
+            </a:extLst>
+          </a:blip>
+          <a:srcRect l="15449"/>
+          <a:stretch/>
+        </p:blipFill>
+        <p:spPr>
+          <a:xfrm>
+            <a:off x="0" y="1610536"/>
+            <a:ext cx="5987058" cy="4365701"/>
+          </a:xfrm>
+          <a:prstGeom prst="rect">
+            <a:avLst/>
+          </a:prstGeom>
+          <a:ln>
+            <a:noFill/>
+          </a:ln>
+          <a:effectLst>
+            <a:softEdge rad="112500"/>
+          </a:effectLst>
+        </p:spPr>
+      </p:pic>
       <p:sp>
         <p:nvSpPr>
           <p:cNvPr id="2" name="Titel 1"/>
@@ -4187,8 +4222,8 @@
         </p:nvSpPr>
         <p:spPr>
           <a:xfrm>
-            <a:off x="5047837" y="2037051"/>
-            <a:ext cx="3736162" cy="3939186"/>
+            <a:off x="5923727" y="2037051"/>
+            <a:ext cx="2860271" cy="3939186"/>
           </a:xfrm>
         </p:spPr>
         <p:txBody>
@@ -4366,36 +4401,6 @@
           </a:p>
         </p:txBody>
       </p:sp>
-      <p:pic>
-        <p:nvPicPr>
-          <p:cNvPr id="3" name="Bild 2"/>
-          <p:cNvPicPr>
-            <a:picLocks noChangeAspect="1"/>
-          </p:cNvPicPr>
-          <p:nvPr/>
-        </p:nvPicPr>
-        <p:blipFill>
-          <a:blip r:embed="rId2">
-            <a:extLst>
-              <a:ext uri="{28A0092B-C50C-407E-A947-70E740481C1C}">
-                <a14:useLocalDpi xmlns:a14="http://schemas.microsoft.com/office/drawing/2010/main" val="0"/>
-              </a:ext>
-            </a:extLst>
-          </a:blip>
-          <a:stretch>
-            <a:fillRect/>
-          </a:stretch>
-        </p:blipFill>
-        <p:spPr>
-          <a:xfrm>
-            <a:off x="1794499" y="1861724"/>
-            <a:ext cx="3146575" cy="4067329"/>
-          </a:xfrm>
-          <a:prstGeom prst="rect">
-            <a:avLst/>
-          </a:prstGeom>
-        </p:spPr>
-      </p:pic>
     </p:spTree>
     <p:extLst>
       <p:ext uri="{BB962C8B-B14F-4D97-AF65-F5344CB8AC3E}">
@@ -7495,36 +7500,9 @@
           <a:chExt cx="0" cy="0"/>
         </a:xfrm>
       </p:grpSpPr>
-      <p:sp>
-        <p:nvSpPr>
-          <p:cNvPr id="2" name="Titel 1"/>
-          <p:cNvSpPr>
-            <a:spLocks noGrp="1"/>
-          </p:cNvSpPr>
-          <p:nvPr>
-            <p:ph type="title"/>
-          </p:nvPr>
-        </p:nvSpPr>
-        <p:spPr/>
-        <p:txBody>
-          <a:bodyPr/>
-          <a:lstStyle/>
-          <a:p>
-            <a:r>
-              <a:rPr lang="de-DE" dirty="0" smtClean="0"/>
-              <a:t>Game </a:t>
-            </a:r>
-            <a:r>
-              <a:rPr lang="de-DE" dirty="0" err="1" smtClean="0"/>
-              <a:t>logic</a:t>
-            </a:r>
-            <a:endParaRPr lang="de-DE" dirty="0"/>
-          </a:p>
-        </p:txBody>
-      </p:sp>
       <p:pic>
         <p:nvPicPr>
-          <p:cNvPr id="4" name="Bild 3" descr="Screen Shot 2013-01-15 at 11.55.59 PM.png"/>
+          <p:cNvPr id="5" name="Bild 4" descr="game logic.png"/>
           <p:cNvPicPr>
             <a:picLocks noChangeAspect="1"/>
           </p:cNvPicPr>
@@ -7544,14 +7522,41 @@
         </p:blipFill>
         <p:spPr>
           <a:xfrm>
-            <a:off x="1730349" y="1796246"/>
-            <a:ext cx="6912873" cy="4487979"/>
+            <a:off x="1732755" y="1796246"/>
+            <a:ext cx="6910467" cy="4487979"/>
           </a:xfrm>
           <a:prstGeom prst="rect">
             <a:avLst/>
           </a:prstGeom>
         </p:spPr>
       </p:pic>
+      <p:sp>
+        <p:nvSpPr>
+          <p:cNvPr id="2" name="Titel 1"/>
+          <p:cNvSpPr>
+            <a:spLocks noGrp="1"/>
+          </p:cNvSpPr>
+          <p:nvPr>
+            <p:ph type="title"/>
+          </p:nvPr>
+        </p:nvSpPr>
+        <p:spPr/>
+        <p:txBody>
+          <a:bodyPr/>
+          <a:lstStyle/>
+          <a:p>
+            <a:r>
+              <a:rPr lang="de-DE" dirty="0" smtClean="0"/>
+              <a:t>Game </a:t>
+            </a:r>
+            <a:r>
+              <a:rPr lang="de-DE" dirty="0" err="1" smtClean="0"/>
+              <a:t>logic</a:t>
+            </a:r>
+            <a:endParaRPr lang="de-DE" dirty="0"/>
+          </a:p>
+        </p:txBody>
+      </p:sp>
     </p:spTree>
     <p:extLst>
       <p:ext uri="{BB962C8B-B14F-4D97-AF65-F5344CB8AC3E}">
@@ -10865,7 +10870,7 @@
         <p:spPr>
           <a:xfrm>
             <a:off x="332431" y="2420947"/>
-            <a:ext cx="2051956" cy="707886"/>
+            <a:ext cx="2337418" cy="707886"/>
           </a:xfrm>
           <a:prstGeom prst="rect">
             <a:avLst/>
@@ -10887,14 +10892,7 @@
                 <a:latin typeface="Arial"/>
                 <a:cs typeface="Arial"/>
               </a:rPr>
-              <a:t>Main </a:t>
-            </a:r>
-            <a:r>
-              <a:rPr lang="de-DE" sz="2000" dirty="0" err="1" smtClean="0">
-                <a:latin typeface="Arial"/>
-                <a:cs typeface="Arial"/>
-              </a:rPr>
-              <a:t>class</a:t>
+              <a:t>Bootstrapping</a:t>
             </a:r>
             <a:endParaRPr lang="de-DE" sz="2000" dirty="0" smtClean="0">
               <a:latin typeface="Arial"/>
